--- a/ComputerVision.pptx
+++ b/ComputerVision.pptx
@@ -5,7 +5,7 @@
     <p:sldMasterId id="2147483648" r:id="rId1"/>
   </p:sldMasterIdLst>
   <p:notesMasterIdLst>
-    <p:notesMasterId r:id="rId10"/>
+    <p:notesMasterId r:id="rId16"/>
   </p:notesMasterIdLst>
   <p:sldIdLst>
     <p:sldId id="442" r:id="rId2"/>
@@ -13,9 +13,15 @@
     <p:sldId id="477" r:id="rId4"/>
     <p:sldId id="478" r:id="rId5"/>
     <p:sldId id="479" r:id="rId6"/>
-    <p:sldId id="480" r:id="rId7"/>
-    <p:sldId id="466" r:id="rId8"/>
-    <p:sldId id="303" r:id="rId9"/>
+    <p:sldId id="481" r:id="rId7"/>
+    <p:sldId id="480" r:id="rId8"/>
+    <p:sldId id="482" r:id="rId9"/>
+    <p:sldId id="483" r:id="rId10"/>
+    <p:sldId id="484" r:id="rId11"/>
+    <p:sldId id="486" r:id="rId12"/>
+    <p:sldId id="485" r:id="rId13"/>
+    <p:sldId id="466" r:id="rId14"/>
+    <p:sldId id="303" r:id="rId15"/>
   </p:sldIdLst>
   <p:sldSz cx="12192000" cy="6858000"/>
   <p:notesSz cx="6858000" cy="9144000"/>
@@ -116,7 +122,7 @@
   </p:defaultTextStyle>
   <p:extLst>
     <p:ext uri="{EFAFB233-063F-42B5-8137-9DF3F51BA10A}">
-      <p15:sldGuideLst xmlns="" xmlns:p15="http://schemas.microsoft.com/office/powerpoint/2012/main">
+      <p15:sldGuideLst xmlns:p15="http://schemas.microsoft.com/office/powerpoint/2012/main" xmlns="">
         <p15:guide id="1" orient="horz" pos="2160">
           <p15:clr>
             <a:srgbClr val="A4A3A4"/>
@@ -215,7 +221,7 @@
           <a:p>
             <a:fld id="{ED08DCF7-5CAD-4434-B858-7D84B7651FD7}" type="datetimeFigureOut">
               <a:rPr lang="zh-CN" altLang="en-US" smtClean="0"/>
-              <a:t>2018/4/5</a:t>
+              <a:t>2018/4/6 Friday</a:t>
             </a:fld>
             <a:endParaRPr lang="zh-CN" altLang="en-US"/>
           </a:p>
@@ -567,6 +573,342 @@
 </p:notes>
 </file>
 
+<file path=ppt/notesSlides/notesSlide10.xml><?xml version="1.0" encoding="utf-8"?>
+<p:notes xmlns:a="http://schemas.openxmlformats.org/drawingml/2006/main" xmlns:r="http://schemas.openxmlformats.org/officeDocument/2006/relationships" xmlns:p="http://schemas.openxmlformats.org/presentationml/2006/main">
+  <p:cSld>
+    <p:spTree>
+      <p:nvGrpSpPr>
+        <p:cNvPr id="1" name=""/>
+        <p:cNvGrpSpPr/>
+        <p:nvPr/>
+      </p:nvGrpSpPr>
+      <p:grpSpPr>
+        <a:xfrm>
+          <a:off x="0" y="0"/>
+          <a:ext cx="0" cy="0"/>
+          <a:chOff x="0" y="0"/>
+          <a:chExt cx="0" cy="0"/>
+        </a:xfrm>
+      </p:grpSpPr>
+      <p:sp>
+        <p:nvSpPr>
+          <p:cNvPr id="2" name="幻灯片图像占位符 1"/>
+          <p:cNvSpPr>
+            <a:spLocks noGrp="1" noRot="1" noChangeAspect="1"/>
+          </p:cNvSpPr>
+          <p:nvPr>
+            <p:ph type="sldImg"/>
+          </p:nvPr>
+        </p:nvSpPr>
+        <p:spPr/>
+      </p:sp>
+      <p:sp>
+        <p:nvSpPr>
+          <p:cNvPr id="3" name="备注占位符 2"/>
+          <p:cNvSpPr>
+            <a:spLocks noGrp="1"/>
+          </p:cNvSpPr>
+          <p:nvPr>
+            <p:ph type="body" idx="1"/>
+          </p:nvPr>
+        </p:nvSpPr>
+        <p:spPr/>
+        <p:txBody>
+          <a:bodyPr/>
+          <a:lstStyle/>
+          <a:p>
+            <a:endParaRPr lang="zh-CN" altLang="en-US" dirty="0"/>
+          </a:p>
+        </p:txBody>
+      </p:sp>
+      <p:sp>
+        <p:nvSpPr>
+          <p:cNvPr id="4" name="灯片编号占位符 3"/>
+          <p:cNvSpPr>
+            <a:spLocks noGrp="1"/>
+          </p:cNvSpPr>
+          <p:nvPr>
+            <p:ph type="sldNum" sz="quarter" idx="10"/>
+          </p:nvPr>
+        </p:nvSpPr>
+        <p:spPr/>
+        <p:txBody>
+          <a:bodyPr/>
+          <a:lstStyle/>
+          <a:p>
+            <a:fld id="{DD202784-B46A-4EF4-B218-4316F9133D14}" type="slidenum">
+              <a:rPr lang="zh-CN" altLang="en-US" smtClean="0"/>
+              <a:t>10</a:t>
+            </a:fld>
+            <a:endParaRPr lang="zh-CN" altLang="en-US"/>
+          </a:p>
+        </p:txBody>
+      </p:sp>
+    </p:spTree>
+    <p:extLst>
+      <p:ext uri="{BB962C8B-B14F-4D97-AF65-F5344CB8AC3E}">
+        <p14:creationId xmlns:p14="http://schemas.microsoft.com/office/powerpoint/2010/main" val="3776015239"/>
+      </p:ext>
+    </p:extLst>
+  </p:cSld>
+  <p:clrMapOvr>
+    <a:masterClrMapping/>
+  </p:clrMapOvr>
+</p:notes>
+</file>
+
+<file path=ppt/notesSlides/notesSlide11.xml><?xml version="1.0" encoding="utf-8"?>
+<p:notes xmlns:a="http://schemas.openxmlformats.org/drawingml/2006/main" xmlns:r="http://schemas.openxmlformats.org/officeDocument/2006/relationships" xmlns:p="http://schemas.openxmlformats.org/presentationml/2006/main">
+  <p:cSld>
+    <p:spTree>
+      <p:nvGrpSpPr>
+        <p:cNvPr id="1" name=""/>
+        <p:cNvGrpSpPr/>
+        <p:nvPr/>
+      </p:nvGrpSpPr>
+      <p:grpSpPr>
+        <a:xfrm>
+          <a:off x="0" y="0"/>
+          <a:ext cx="0" cy="0"/>
+          <a:chOff x="0" y="0"/>
+          <a:chExt cx="0" cy="0"/>
+        </a:xfrm>
+      </p:grpSpPr>
+      <p:sp>
+        <p:nvSpPr>
+          <p:cNvPr id="2" name="幻灯片图像占位符 1"/>
+          <p:cNvSpPr>
+            <a:spLocks noGrp="1" noRot="1" noChangeAspect="1"/>
+          </p:cNvSpPr>
+          <p:nvPr>
+            <p:ph type="sldImg"/>
+          </p:nvPr>
+        </p:nvSpPr>
+        <p:spPr/>
+      </p:sp>
+      <p:sp>
+        <p:nvSpPr>
+          <p:cNvPr id="3" name="备注占位符 2"/>
+          <p:cNvSpPr>
+            <a:spLocks noGrp="1"/>
+          </p:cNvSpPr>
+          <p:nvPr>
+            <p:ph type="body" idx="1"/>
+          </p:nvPr>
+        </p:nvSpPr>
+        <p:spPr/>
+        <p:txBody>
+          <a:bodyPr/>
+          <a:lstStyle/>
+          <a:p>
+            <a:endParaRPr lang="zh-CN" altLang="en-US" dirty="0"/>
+          </a:p>
+        </p:txBody>
+      </p:sp>
+      <p:sp>
+        <p:nvSpPr>
+          <p:cNvPr id="4" name="灯片编号占位符 3"/>
+          <p:cNvSpPr>
+            <a:spLocks noGrp="1"/>
+          </p:cNvSpPr>
+          <p:nvPr>
+            <p:ph type="sldNum" sz="quarter" idx="10"/>
+          </p:nvPr>
+        </p:nvSpPr>
+        <p:spPr/>
+        <p:txBody>
+          <a:bodyPr/>
+          <a:lstStyle/>
+          <a:p>
+            <a:fld id="{DD202784-B46A-4EF4-B218-4316F9133D14}" type="slidenum">
+              <a:rPr lang="zh-CN" altLang="en-US" smtClean="0"/>
+              <a:t>11</a:t>
+            </a:fld>
+            <a:endParaRPr lang="zh-CN" altLang="en-US"/>
+          </a:p>
+        </p:txBody>
+      </p:sp>
+    </p:spTree>
+    <p:extLst>
+      <p:ext uri="{BB962C8B-B14F-4D97-AF65-F5344CB8AC3E}">
+        <p14:creationId xmlns:p14="http://schemas.microsoft.com/office/powerpoint/2010/main" val="3776015239"/>
+      </p:ext>
+    </p:extLst>
+  </p:cSld>
+  <p:clrMapOvr>
+    <a:masterClrMapping/>
+  </p:clrMapOvr>
+</p:notes>
+</file>
+
+<file path=ppt/notesSlides/notesSlide12.xml><?xml version="1.0" encoding="utf-8"?>
+<p:notes xmlns:a="http://schemas.openxmlformats.org/drawingml/2006/main" xmlns:r="http://schemas.openxmlformats.org/officeDocument/2006/relationships" xmlns:p="http://schemas.openxmlformats.org/presentationml/2006/main">
+  <p:cSld>
+    <p:spTree>
+      <p:nvGrpSpPr>
+        <p:cNvPr id="1" name=""/>
+        <p:cNvGrpSpPr/>
+        <p:nvPr/>
+      </p:nvGrpSpPr>
+      <p:grpSpPr>
+        <a:xfrm>
+          <a:off x="0" y="0"/>
+          <a:ext cx="0" cy="0"/>
+          <a:chOff x="0" y="0"/>
+          <a:chExt cx="0" cy="0"/>
+        </a:xfrm>
+      </p:grpSpPr>
+      <p:sp>
+        <p:nvSpPr>
+          <p:cNvPr id="2" name="幻灯片图像占位符 1"/>
+          <p:cNvSpPr>
+            <a:spLocks noGrp="1" noRot="1" noChangeAspect="1"/>
+          </p:cNvSpPr>
+          <p:nvPr>
+            <p:ph type="sldImg"/>
+          </p:nvPr>
+        </p:nvSpPr>
+        <p:spPr/>
+      </p:sp>
+      <p:sp>
+        <p:nvSpPr>
+          <p:cNvPr id="3" name="备注占位符 2"/>
+          <p:cNvSpPr>
+            <a:spLocks noGrp="1"/>
+          </p:cNvSpPr>
+          <p:nvPr>
+            <p:ph type="body" idx="1"/>
+          </p:nvPr>
+        </p:nvSpPr>
+        <p:spPr/>
+        <p:txBody>
+          <a:bodyPr/>
+          <a:lstStyle/>
+          <a:p>
+            <a:endParaRPr lang="zh-CN" altLang="en-US" dirty="0"/>
+          </a:p>
+        </p:txBody>
+      </p:sp>
+      <p:sp>
+        <p:nvSpPr>
+          <p:cNvPr id="4" name="灯片编号占位符 3"/>
+          <p:cNvSpPr>
+            <a:spLocks noGrp="1"/>
+          </p:cNvSpPr>
+          <p:nvPr>
+            <p:ph type="sldNum" sz="quarter" idx="10"/>
+          </p:nvPr>
+        </p:nvSpPr>
+        <p:spPr/>
+        <p:txBody>
+          <a:bodyPr/>
+          <a:lstStyle/>
+          <a:p>
+            <a:fld id="{DD202784-B46A-4EF4-B218-4316F9133D14}" type="slidenum">
+              <a:rPr lang="zh-CN" altLang="en-US" smtClean="0"/>
+              <a:t>12</a:t>
+            </a:fld>
+            <a:endParaRPr lang="zh-CN" altLang="en-US"/>
+          </a:p>
+        </p:txBody>
+      </p:sp>
+    </p:spTree>
+    <p:extLst>
+      <p:ext uri="{BB962C8B-B14F-4D97-AF65-F5344CB8AC3E}">
+        <p14:creationId xmlns:p14="http://schemas.microsoft.com/office/powerpoint/2010/main" val="3776015239"/>
+      </p:ext>
+    </p:extLst>
+  </p:cSld>
+  <p:clrMapOvr>
+    <a:masterClrMapping/>
+  </p:clrMapOvr>
+</p:notes>
+</file>
+
+<file path=ppt/notesSlides/notesSlide13.xml><?xml version="1.0" encoding="utf-8"?>
+<p:notes xmlns:a="http://schemas.openxmlformats.org/drawingml/2006/main" xmlns:r="http://schemas.openxmlformats.org/officeDocument/2006/relationships" xmlns:p="http://schemas.openxmlformats.org/presentationml/2006/main">
+  <p:cSld>
+    <p:spTree>
+      <p:nvGrpSpPr>
+        <p:cNvPr id="1" name=""/>
+        <p:cNvGrpSpPr/>
+        <p:nvPr/>
+      </p:nvGrpSpPr>
+      <p:grpSpPr>
+        <a:xfrm>
+          <a:off x="0" y="0"/>
+          <a:ext cx="0" cy="0"/>
+          <a:chOff x="0" y="0"/>
+          <a:chExt cx="0" cy="0"/>
+        </a:xfrm>
+      </p:grpSpPr>
+      <p:sp>
+        <p:nvSpPr>
+          <p:cNvPr id="2" name="幻灯片图像占位符 1"/>
+          <p:cNvSpPr>
+            <a:spLocks noGrp="1" noRot="1" noChangeAspect="1"/>
+          </p:cNvSpPr>
+          <p:nvPr>
+            <p:ph type="sldImg"/>
+          </p:nvPr>
+        </p:nvSpPr>
+        <p:spPr/>
+      </p:sp>
+      <p:sp>
+        <p:nvSpPr>
+          <p:cNvPr id="3" name="备注占位符 2"/>
+          <p:cNvSpPr>
+            <a:spLocks noGrp="1"/>
+          </p:cNvSpPr>
+          <p:nvPr>
+            <p:ph type="body" idx="1"/>
+          </p:nvPr>
+        </p:nvSpPr>
+        <p:spPr/>
+        <p:txBody>
+          <a:bodyPr/>
+          <a:lstStyle/>
+          <a:p>
+            <a:endParaRPr lang="zh-CN" altLang="en-US" dirty="0"/>
+          </a:p>
+        </p:txBody>
+      </p:sp>
+      <p:sp>
+        <p:nvSpPr>
+          <p:cNvPr id="4" name="灯片编号占位符 3"/>
+          <p:cNvSpPr>
+            <a:spLocks noGrp="1"/>
+          </p:cNvSpPr>
+          <p:nvPr>
+            <p:ph type="sldNum" sz="quarter" idx="10"/>
+          </p:nvPr>
+        </p:nvSpPr>
+        <p:spPr/>
+        <p:txBody>
+          <a:bodyPr/>
+          <a:lstStyle/>
+          <a:p>
+            <a:fld id="{DD202784-B46A-4EF4-B218-4316F9133D14}" type="slidenum">
+              <a:rPr lang="zh-CN" altLang="en-US" smtClean="0"/>
+              <a:t>13</a:t>
+            </a:fld>
+            <a:endParaRPr lang="zh-CN" altLang="en-US"/>
+          </a:p>
+        </p:txBody>
+      </p:sp>
+    </p:spTree>
+    <p:extLst>
+      <p:ext uri="{BB962C8B-B14F-4D97-AF65-F5344CB8AC3E}">
+        <p14:creationId xmlns:p14="http://schemas.microsoft.com/office/powerpoint/2010/main" val="3776015239"/>
+      </p:ext>
+    </p:extLst>
+  </p:cSld>
+  <p:clrMapOvr>
+    <a:masterClrMapping/>
+  </p:clrMapOvr>
+</p:notes>
+</file>
+
 <file path=ppt/notesSlides/notesSlide2.xml><?xml version="1.0" encoding="utf-8"?>
 <p:notes xmlns:a="http://schemas.openxmlformats.org/drawingml/2006/main" xmlns:r="http://schemas.openxmlformats.org/officeDocument/2006/relationships" xmlns:p="http://schemas.openxmlformats.org/presentationml/2006/main">
   <p:cSld>
@@ -947,6 +1289,34 @@
           <a:bodyPr/>
           <a:lstStyle/>
           <a:p>
+            <a:pPr marL="0" marR="0" indent="0" algn="l" defTabSz="914400" rtl="0" eaLnBrk="1" fontAlgn="auto" latinLnBrk="0" hangingPunct="1">
+              <a:lnSpc>
+                <a:spcPct val="100000"/>
+              </a:lnSpc>
+              <a:spcBef>
+                <a:spcPts val="0"/>
+              </a:spcBef>
+              <a:spcAft>
+                <a:spcPts val="0"/>
+              </a:spcAft>
+              <a:buClrTx/>
+              <a:buSzTx/>
+              <a:buFontTx/>
+              <a:buNone/>
+              <a:tabLst/>
+              <a:defRPr/>
+            </a:pPr>
+            <a:r>
+              <a:rPr lang="en-US" altLang="zh-CN" dirty="0" smtClean="0"/>
+              <a:t>Both these</a:t>
+            </a:r>
+            <a:r>
+              <a:rPr lang="en-US" altLang="zh-CN" baseline="0" dirty="0" smtClean="0"/>
+              <a:t> two databases are used for training,there is another database bigger and more random to test/practice</a:t>
+            </a:r>
+            <a:endParaRPr lang="zh-CN" altLang="en-US" dirty="0" smtClean="0"/>
+          </a:p>
+          <a:p>
             <a:endParaRPr lang="zh-CN" altLang="en-US" dirty="0"/>
           </a:p>
         </p:txBody>
@@ -1053,6 +1423,174 @@
             <a:fld id="{DD202784-B46A-4EF4-B218-4316F9133D14}" type="slidenum">
               <a:rPr lang="zh-CN" altLang="en-US" smtClean="0"/>
               <a:t>7</a:t>
+            </a:fld>
+            <a:endParaRPr lang="zh-CN" altLang="en-US"/>
+          </a:p>
+        </p:txBody>
+      </p:sp>
+    </p:spTree>
+    <p:extLst>
+      <p:ext uri="{BB962C8B-B14F-4D97-AF65-F5344CB8AC3E}">
+        <p14:creationId xmlns:p14="http://schemas.microsoft.com/office/powerpoint/2010/main" val="3776015239"/>
+      </p:ext>
+    </p:extLst>
+  </p:cSld>
+  <p:clrMapOvr>
+    <a:masterClrMapping/>
+  </p:clrMapOvr>
+</p:notes>
+</file>
+
+<file path=ppt/notesSlides/notesSlide8.xml><?xml version="1.0" encoding="utf-8"?>
+<p:notes xmlns:a="http://schemas.openxmlformats.org/drawingml/2006/main" xmlns:r="http://schemas.openxmlformats.org/officeDocument/2006/relationships" xmlns:p="http://schemas.openxmlformats.org/presentationml/2006/main">
+  <p:cSld>
+    <p:spTree>
+      <p:nvGrpSpPr>
+        <p:cNvPr id="1" name=""/>
+        <p:cNvGrpSpPr/>
+        <p:nvPr/>
+      </p:nvGrpSpPr>
+      <p:grpSpPr>
+        <a:xfrm>
+          <a:off x="0" y="0"/>
+          <a:ext cx="0" cy="0"/>
+          <a:chOff x="0" y="0"/>
+          <a:chExt cx="0" cy="0"/>
+        </a:xfrm>
+      </p:grpSpPr>
+      <p:sp>
+        <p:nvSpPr>
+          <p:cNvPr id="2" name="幻灯片图像占位符 1"/>
+          <p:cNvSpPr>
+            <a:spLocks noGrp="1" noRot="1" noChangeAspect="1"/>
+          </p:cNvSpPr>
+          <p:nvPr>
+            <p:ph type="sldImg"/>
+          </p:nvPr>
+        </p:nvSpPr>
+        <p:spPr/>
+      </p:sp>
+      <p:sp>
+        <p:nvSpPr>
+          <p:cNvPr id="3" name="备注占位符 2"/>
+          <p:cNvSpPr>
+            <a:spLocks noGrp="1"/>
+          </p:cNvSpPr>
+          <p:nvPr>
+            <p:ph type="body" idx="1"/>
+          </p:nvPr>
+        </p:nvSpPr>
+        <p:spPr/>
+        <p:txBody>
+          <a:bodyPr/>
+          <a:lstStyle/>
+          <a:p>
+            <a:endParaRPr lang="zh-CN" altLang="en-US" dirty="0"/>
+          </a:p>
+        </p:txBody>
+      </p:sp>
+      <p:sp>
+        <p:nvSpPr>
+          <p:cNvPr id="4" name="灯片编号占位符 3"/>
+          <p:cNvSpPr>
+            <a:spLocks noGrp="1"/>
+          </p:cNvSpPr>
+          <p:nvPr>
+            <p:ph type="sldNum" sz="quarter" idx="10"/>
+          </p:nvPr>
+        </p:nvSpPr>
+        <p:spPr/>
+        <p:txBody>
+          <a:bodyPr/>
+          <a:lstStyle/>
+          <a:p>
+            <a:fld id="{DD202784-B46A-4EF4-B218-4316F9133D14}" type="slidenum">
+              <a:rPr lang="zh-CN" altLang="en-US" smtClean="0"/>
+              <a:t>8</a:t>
+            </a:fld>
+            <a:endParaRPr lang="zh-CN" altLang="en-US"/>
+          </a:p>
+        </p:txBody>
+      </p:sp>
+    </p:spTree>
+    <p:extLst>
+      <p:ext uri="{BB962C8B-B14F-4D97-AF65-F5344CB8AC3E}">
+        <p14:creationId xmlns:p14="http://schemas.microsoft.com/office/powerpoint/2010/main" val="3776015239"/>
+      </p:ext>
+    </p:extLst>
+  </p:cSld>
+  <p:clrMapOvr>
+    <a:masterClrMapping/>
+  </p:clrMapOvr>
+</p:notes>
+</file>
+
+<file path=ppt/notesSlides/notesSlide9.xml><?xml version="1.0" encoding="utf-8"?>
+<p:notes xmlns:a="http://schemas.openxmlformats.org/drawingml/2006/main" xmlns:r="http://schemas.openxmlformats.org/officeDocument/2006/relationships" xmlns:p="http://schemas.openxmlformats.org/presentationml/2006/main">
+  <p:cSld>
+    <p:spTree>
+      <p:nvGrpSpPr>
+        <p:cNvPr id="1" name=""/>
+        <p:cNvGrpSpPr/>
+        <p:nvPr/>
+      </p:nvGrpSpPr>
+      <p:grpSpPr>
+        <a:xfrm>
+          <a:off x="0" y="0"/>
+          <a:ext cx="0" cy="0"/>
+          <a:chOff x="0" y="0"/>
+          <a:chExt cx="0" cy="0"/>
+        </a:xfrm>
+      </p:grpSpPr>
+      <p:sp>
+        <p:nvSpPr>
+          <p:cNvPr id="2" name="幻灯片图像占位符 1"/>
+          <p:cNvSpPr>
+            <a:spLocks noGrp="1" noRot="1" noChangeAspect="1"/>
+          </p:cNvSpPr>
+          <p:nvPr>
+            <p:ph type="sldImg"/>
+          </p:nvPr>
+        </p:nvSpPr>
+        <p:spPr/>
+      </p:sp>
+      <p:sp>
+        <p:nvSpPr>
+          <p:cNvPr id="3" name="备注占位符 2"/>
+          <p:cNvSpPr>
+            <a:spLocks noGrp="1"/>
+          </p:cNvSpPr>
+          <p:nvPr>
+            <p:ph type="body" idx="1"/>
+          </p:nvPr>
+        </p:nvSpPr>
+        <p:spPr/>
+        <p:txBody>
+          <a:bodyPr/>
+          <a:lstStyle/>
+          <a:p>
+            <a:endParaRPr lang="zh-CN" altLang="en-US" dirty="0"/>
+          </a:p>
+        </p:txBody>
+      </p:sp>
+      <p:sp>
+        <p:nvSpPr>
+          <p:cNvPr id="4" name="灯片编号占位符 3"/>
+          <p:cNvSpPr>
+            <a:spLocks noGrp="1"/>
+          </p:cNvSpPr>
+          <p:nvPr>
+            <p:ph type="sldNum" sz="quarter" idx="10"/>
+          </p:nvPr>
+        </p:nvSpPr>
+        <p:spPr/>
+        <p:txBody>
+          <a:bodyPr/>
+          <a:lstStyle/>
+          <a:p>
+            <a:fld id="{DD202784-B46A-4EF4-B218-4316F9133D14}" type="slidenum">
+              <a:rPr lang="zh-CN" altLang="en-US" smtClean="0"/>
+              <a:t>9</a:t>
             </a:fld>
             <a:endParaRPr lang="zh-CN" altLang="en-US"/>
           </a:p>
@@ -1200,7 +1738,7 @@
           <a:p>
             <a:fld id="{D7D8C689-48A4-48E7-8DC1-52CF9C1A4E1F}" type="datetimeFigureOut">
               <a:rPr lang="zh-CN" altLang="en-US" smtClean="0"/>
-              <a:t>2018/4/5</a:t>
+              <a:t>2018/4/6 Friday</a:t>
             </a:fld>
             <a:endParaRPr lang="zh-CN" altLang="en-US"/>
           </a:p>
@@ -1368,7 +1906,7 @@
           <a:p>
             <a:fld id="{D7D8C689-48A4-48E7-8DC1-52CF9C1A4E1F}" type="datetimeFigureOut">
               <a:rPr lang="zh-CN" altLang="en-US" smtClean="0"/>
-              <a:t>2018/4/5</a:t>
+              <a:t>2018/4/6 Friday</a:t>
             </a:fld>
             <a:endParaRPr lang="zh-CN" altLang="en-US"/>
           </a:p>
@@ -1546,7 +2084,7 @@
           <a:p>
             <a:fld id="{D7D8C689-48A4-48E7-8DC1-52CF9C1A4E1F}" type="datetimeFigureOut">
               <a:rPr lang="zh-CN" altLang="en-US" smtClean="0"/>
-              <a:t>2018/4/5</a:t>
+              <a:t>2018/4/6 Friday</a:t>
             </a:fld>
             <a:endParaRPr lang="zh-CN" altLang="en-US"/>
           </a:p>
@@ -1714,7 +2252,7 @@
           <a:p>
             <a:fld id="{D7D8C689-48A4-48E7-8DC1-52CF9C1A4E1F}" type="datetimeFigureOut">
               <a:rPr lang="zh-CN" altLang="en-US" smtClean="0"/>
-              <a:t>2018/4/5</a:t>
+              <a:t>2018/4/6 Friday</a:t>
             </a:fld>
             <a:endParaRPr lang="zh-CN" altLang="en-US"/>
           </a:p>
@@ -1959,7 +2497,7 @@
           <a:p>
             <a:fld id="{D7D8C689-48A4-48E7-8DC1-52CF9C1A4E1F}" type="datetimeFigureOut">
               <a:rPr lang="zh-CN" altLang="en-US" smtClean="0"/>
-              <a:t>2018/4/5</a:t>
+              <a:t>2018/4/6 Friday</a:t>
             </a:fld>
             <a:endParaRPr lang="zh-CN" altLang="en-US"/>
           </a:p>
@@ -2188,7 +2726,7 @@
           <a:p>
             <a:fld id="{D7D8C689-48A4-48E7-8DC1-52CF9C1A4E1F}" type="datetimeFigureOut">
               <a:rPr lang="zh-CN" altLang="en-US" smtClean="0"/>
-              <a:t>2018/4/5</a:t>
+              <a:t>2018/4/6 Friday</a:t>
             </a:fld>
             <a:endParaRPr lang="zh-CN" altLang="en-US"/>
           </a:p>
@@ -2552,7 +3090,7 @@
           <a:p>
             <a:fld id="{D7D8C689-48A4-48E7-8DC1-52CF9C1A4E1F}" type="datetimeFigureOut">
               <a:rPr lang="zh-CN" altLang="en-US" smtClean="0"/>
-              <a:t>2018/4/5</a:t>
+              <a:t>2018/4/6 Friday</a:t>
             </a:fld>
             <a:endParaRPr lang="zh-CN" altLang="en-US"/>
           </a:p>
@@ -2669,7 +3207,7 @@
           <a:p>
             <a:fld id="{D7D8C689-48A4-48E7-8DC1-52CF9C1A4E1F}" type="datetimeFigureOut">
               <a:rPr lang="zh-CN" altLang="en-US" smtClean="0"/>
-              <a:t>2018/4/5</a:t>
+              <a:t>2018/4/6 Friday</a:t>
             </a:fld>
             <a:endParaRPr lang="zh-CN" altLang="en-US"/>
           </a:p>
@@ -2764,7 +3302,7 @@
           <a:p>
             <a:fld id="{D7D8C689-48A4-48E7-8DC1-52CF9C1A4E1F}" type="datetimeFigureOut">
               <a:rPr lang="zh-CN" altLang="en-US" smtClean="0"/>
-              <a:t>2018/4/5</a:t>
+              <a:t>2018/4/6 Friday</a:t>
             </a:fld>
             <a:endParaRPr lang="zh-CN" altLang="en-US"/>
           </a:p>
@@ -3039,7 +3577,7 @@
           <a:p>
             <a:fld id="{D7D8C689-48A4-48E7-8DC1-52CF9C1A4E1F}" type="datetimeFigureOut">
               <a:rPr lang="zh-CN" altLang="en-US" smtClean="0"/>
-              <a:t>2018/4/5</a:t>
+              <a:t>2018/4/6 Friday</a:t>
             </a:fld>
             <a:endParaRPr lang="zh-CN" altLang="en-US"/>
           </a:p>
@@ -3291,7 +3829,7 @@
           <a:p>
             <a:fld id="{D7D8C689-48A4-48E7-8DC1-52CF9C1A4E1F}" type="datetimeFigureOut">
               <a:rPr lang="zh-CN" altLang="en-US" smtClean="0"/>
-              <a:t>2018/4/5</a:t>
+              <a:t>2018/4/6 Friday</a:t>
             </a:fld>
             <a:endParaRPr lang="zh-CN" altLang="en-US"/>
           </a:p>
@@ -3502,7 +4040,7 @@
           <a:p>
             <a:fld id="{D7D8C689-48A4-48E7-8DC1-52CF9C1A4E1F}" type="datetimeFigureOut">
               <a:rPr lang="zh-CN" altLang="en-US" smtClean="0"/>
-              <a:t>2018/4/5</a:t>
+              <a:t>2018/4/6 Friday</a:t>
             </a:fld>
             <a:endParaRPr lang="zh-CN" altLang="en-US"/>
           </a:p>
@@ -4046,20 +4584,6 @@
               </a:rPr>
               <a:t>Tone Stylization</a:t>
             </a:r>
-            <a:endParaRPr lang="en-US" altLang="zh-CN" sz="5400" b="1" dirty="0" smtClean="0">
-              <a:solidFill>
-                <a:schemeClr val="accent2"/>
-              </a:solidFill>
-              <a:effectLst>
-                <a:outerShdw blurRad="38100" dist="38100" dir="2700000" algn="tl">
-                  <a:srgbClr val="000000">
-                    <a:alpha val="43137"/>
-                  </a:srgbClr>
-                </a:outerShdw>
-              </a:effectLst>
-              <a:latin typeface="微软雅黑" panose="020B0503020204020204" pitchFamily="34" charset="-122"/>
-              <a:ea typeface="微软雅黑" panose="020B0503020204020204" pitchFamily="34" charset="-122"/>
-            </a:endParaRPr>
           </a:p>
         </p:txBody>
       </p:sp>
@@ -4104,23 +4628,6 @@
               <a:t>Life </a:t>
             </a:r>
             <a:r>
-              <a:rPr lang="en-US" altLang="zh-CN" sz="3200" dirty="0" err="1" smtClean="0">
-                <a:solidFill>
-                  <a:schemeClr val="accent2"/>
-                </a:solidFill>
-                <a:effectLst>
-                  <a:outerShdw blurRad="38100" dist="38100" dir="2700000" algn="tl">
-                    <a:srgbClr val="000000">
-                      <a:alpha val="43137"/>
-                    </a:srgbClr>
-                  </a:outerShdw>
-                </a:effectLst>
-                <a:latin typeface="微软雅黑" panose="020B0503020204020204" pitchFamily="34" charset="-122"/>
-                <a:ea typeface="微软雅黑" panose="020B0503020204020204" pitchFamily="34" charset="-122"/>
-              </a:rPr>
-              <a:t>Sience</a:t>
-            </a:r>
-            <a:r>
               <a:rPr lang="en-US" altLang="zh-CN" sz="3200" dirty="0" smtClean="0">
                 <a:solidFill>
                   <a:schemeClr val="accent2"/>
@@ -4135,7 +4642,24 @@
                 <a:latin typeface="微软雅黑" panose="020B0503020204020204" pitchFamily="34" charset="-122"/>
                 <a:ea typeface="微软雅黑" panose="020B0503020204020204" pitchFamily="34" charset="-122"/>
               </a:rPr>
-              <a:t> and Technology</a:t>
+              <a:t>Science </a:t>
+            </a:r>
+            <a:r>
+              <a:rPr lang="en-US" altLang="zh-CN" sz="3200" dirty="0" smtClean="0">
+                <a:solidFill>
+                  <a:schemeClr val="accent2"/>
+                </a:solidFill>
+                <a:effectLst>
+                  <a:outerShdw blurRad="38100" dist="38100" dir="2700000" algn="tl">
+                    <a:srgbClr val="000000">
+                      <a:alpha val="43137"/>
+                    </a:srgbClr>
+                  </a:outerShdw>
+                </a:effectLst>
+                <a:latin typeface="微软雅黑" panose="020B0503020204020204" pitchFamily="34" charset="-122"/>
+                <a:ea typeface="微软雅黑" panose="020B0503020204020204" pitchFamily="34" charset="-122"/>
+              </a:rPr>
+              <a:t>and Technology</a:t>
             </a:r>
           </a:p>
           <a:p>
@@ -4215,6 +4739,1097 @@
     <p:extLst>
       <p:ext uri="{BB962C8B-B14F-4D97-AF65-F5344CB8AC3E}">
         <p14:creationId xmlns:p14="http://schemas.microsoft.com/office/powerpoint/2010/main" val="3247952448"/>
+      </p:ext>
+    </p:extLst>
+  </p:cSld>
+  <p:clrMapOvr>
+    <a:masterClrMapping/>
+  </p:clrMapOvr>
+  <p:timing>
+    <p:tnLst>
+      <p:par>
+        <p:cTn id="1" dur="indefinite" restart="never" nodeType="tmRoot"/>
+      </p:par>
+    </p:tnLst>
+  </p:timing>
+</p:sld>
+</file>
+
+<file path=ppt/slides/slide10.xml><?xml version="1.0" encoding="utf-8"?>
+<p:sld xmlns:a="http://schemas.openxmlformats.org/drawingml/2006/main" xmlns:r="http://schemas.openxmlformats.org/officeDocument/2006/relationships" xmlns:p="http://schemas.openxmlformats.org/presentationml/2006/main">
+  <p:cSld>
+    <p:spTree>
+      <p:nvGrpSpPr>
+        <p:cNvPr id="1" name=""/>
+        <p:cNvGrpSpPr/>
+        <p:nvPr/>
+      </p:nvGrpSpPr>
+      <p:grpSpPr>
+        <a:xfrm>
+          <a:off x="0" y="0"/>
+          <a:ext cx="0" cy="0"/>
+          <a:chOff x="0" y="0"/>
+          <a:chExt cx="0" cy="0"/>
+        </a:xfrm>
+      </p:grpSpPr>
+      <p:sp>
+        <p:nvSpPr>
+          <p:cNvPr id="6" name="矩形 5"/>
+          <p:cNvSpPr/>
+          <p:nvPr/>
+        </p:nvSpPr>
+        <p:spPr>
+          <a:xfrm rot="877900">
+            <a:off x="-2271512" y="-5775958"/>
+            <a:ext cx="6186601" cy="6857999"/>
+          </a:xfrm>
+          <a:prstGeom prst="rect">
+            <a:avLst/>
+          </a:prstGeom>
+          <a:solidFill>
+            <a:schemeClr val="bg1">
+              <a:lumMod val="95000"/>
+            </a:schemeClr>
+          </a:solidFill>
+          <a:ln>
+            <a:noFill/>
+          </a:ln>
+        </p:spPr>
+        <p:style>
+          <a:lnRef idx="2">
+            <a:schemeClr val="accent1">
+              <a:shade val="50000"/>
+            </a:schemeClr>
+          </a:lnRef>
+          <a:fillRef idx="1">
+            <a:schemeClr val="accent1"/>
+          </a:fillRef>
+          <a:effectRef idx="0">
+            <a:schemeClr val="accent1"/>
+          </a:effectRef>
+          <a:fontRef idx="minor">
+            <a:schemeClr val="lt1"/>
+          </a:fontRef>
+        </p:style>
+        <p:txBody>
+          <a:bodyPr rtlCol="0" anchor="ctr"/>
+          <a:lstStyle/>
+          <a:p>
+            <a:pPr algn="ctr"/>
+            <a:endParaRPr lang="zh-CN" altLang="en-US"/>
+          </a:p>
+        </p:txBody>
+      </p:sp>
+      <p:sp>
+        <p:nvSpPr>
+          <p:cNvPr id="30" name="文本框 29"/>
+          <p:cNvSpPr txBox="1"/>
+          <p:nvPr/>
+        </p:nvSpPr>
+        <p:spPr>
+          <a:xfrm>
+            <a:off x="662538" y="294935"/>
+            <a:ext cx="9205361" cy="769441"/>
+          </a:xfrm>
+          <a:prstGeom prst="rect">
+            <a:avLst/>
+          </a:prstGeom>
+          <a:noFill/>
+        </p:spPr>
+        <p:txBody>
+          <a:bodyPr wrap="square" rtlCol="0">
+            <a:spAutoFit/>
+          </a:bodyPr>
+          <a:lstStyle/>
+          <a:p>
+            <a:r>
+              <a:rPr lang="en-US" altLang="zh-CN" sz="4400" b="1" dirty="0" smtClean="0">
+                <a:solidFill>
+                  <a:srgbClr val="00ABB4"/>
+                </a:solidFill>
+                <a:latin typeface="微软雅黑" panose="020B0503020204020204" pitchFamily="34" charset="-122"/>
+                <a:ea typeface="微软雅黑" panose="020B0503020204020204" pitchFamily="34" charset="-122"/>
+              </a:rPr>
+              <a:t>Introduction</a:t>
+            </a:r>
+            <a:endParaRPr lang="en-US" altLang="zh-CN" sz="4400" b="1" dirty="0">
+              <a:solidFill>
+                <a:srgbClr val="00ABB4"/>
+              </a:solidFill>
+              <a:latin typeface="微软雅黑" panose="020B0503020204020204" pitchFamily="34" charset="-122"/>
+              <a:ea typeface="微软雅黑" panose="020B0503020204020204" pitchFamily="34" charset="-122"/>
+            </a:endParaRPr>
+          </a:p>
+        </p:txBody>
+      </p:sp>
+      <p:sp>
+        <p:nvSpPr>
+          <p:cNvPr id="31" name="Rectangle 96"/>
+          <p:cNvSpPr/>
+          <p:nvPr/>
+        </p:nvSpPr>
+        <p:spPr>
+          <a:xfrm>
+            <a:off x="821787" y="1140576"/>
+            <a:ext cx="10833001" cy="5262979"/>
+          </a:xfrm>
+          <a:prstGeom prst="rect">
+            <a:avLst/>
+          </a:prstGeom>
+        </p:spPr>
+        <p:txBody>
+          <a:bodyPr wrap="square">
+            <a:spAutoFit/>
+          </a:bodyPr>
+          <a:lstStyle/>
+          <a:p>
+            <a:pPr marL="342900" indent="-342900">
+              <a:lnSpc>
+                <a:spcPct val="200000"/>
+              </a:lnSpc>
+              <a:buFont typeface="Arial" panose="020B0604020202020204" pitchFamily="34" charset="0"/>
+              <a:buChar char="•"/>
+            </a:pPr>
+            <a:r>
+              <a:rPr lang="en-US" altLang="zh-CN" sz="2800" b="1" dirty="0" smtClean="0">
+                <a:latin typeface="Meiryo" panose="020B0604030504040204" pitchFamily="34" charset="-128"/>
+                <a:ea typeface="Meiryo" panose="020B0604030504040204" pitchFamily="34" charset="-128"/>
+                <a:cs typeface="Meiryo" panose="020B0604030504040204" pitchFamily="34" charset="-128"/>
+              </a:rPr>
+              <a:t>Transfomation:</a:t>
+            </a:r>
+          </a:p>
+          <a:p>
+            <a:pPr marL="800100" lvl="1" indent="-342900">
+              <a:lnSpc>
+                <a:spcPct val="200000"/>
+              </a:lnSpc>
+              <a:buFont typeface="Arial" panose="020B0604020202020204" pitchFamily="34" charset="0"/>
+              <a:buChar char="•"/>
+            </a:pPr>
+            <a:r>
+              <a:rPr lang="en-US" altLang="zh-CN" sz="2800" dirty="0" smtClean="0">
+                <a:latin typeface="Meiryo" panose="020B0604030504040204" pitchFamily="34" charset="-128"/>
+                <a:ea typeface="Meiryo" panose="020B0604030504040204" pitchFamily="34" charset="-128"/>
+                <a:cs typeface="Meiryo" panose="020B0604030504040204" pitchFamily="34" charset="-128"/>
+              </a:rPr>
+              <a:t>Statisics of exemplar  </a:t>
+            </a:r>
+            <a:r>
+              <a:rPr lang="en-US" altLang="zh-CN" sz="2800" dirty="0" smtClean="0">
+                <a:latin typeface="Meiryo" panose="020B0604030504040204" pitchFamily="34" charset="-128"/>
+                <a:ea typeface="Meiryo" panose="020B0604030504040204" pitchFamily="34" charset="-128"/>
+                <a:cs typeface="Meiryo" panose="020B0604030504040204" pitchFamily="34" charset="-128"/>
+                <a:sym typeface="Wingdings" panose="05000000000000000000" pitchFamily="2" charset="2"/>
+              </a:rPr>
+              <a:t> input photo </a:t>
+            </a:r>
+          </a:p>
+          <a:p>
+            <a:pPr marL="800100" lvl="1" indent="-342900">
+              <a:lnSpc>
+                <a:spcPct val="200000"/>
+              </a:lnSpc>
+              <a:buFont typeface="Arial" panose="020B0604020202020204" pitchFamily="34" charset="0"/>
+              <a:buChar char="•"/>
+            </a:pPr>
+            <a:r>
+              <a:rPr lang="en-US" altLang="zh-CN" sz="2800" dirty="0" smtClean="0">
+                <a:latin typeface="Meiryo" panose="020B0604030504040204" pitchFamily="34" charset="-128"/>
+                <a:ea typeface="Meiryo" panose="020B0604030504040204" pitchFamily="34" charset="-128"/>
+                <a:cs typeface="Meiryo" panose="020B0604030504040204" pitchFamily="34" charset="-128"/>
+                <a:sym typeface="Wingdings" panose="05000000000000000000" pitchFamily="2" charset="2"/>
+              </a:rPr>
+              <a:t>Regularized p</a:t>
+            </a:r>
+            <a:r>
+              <a:rPr lang="en-US" altLang="zh-CN" sz="2800" dirty="0" smtClean="0">
+                <a:latin typeface="Meiryo" panose="020B0604030504040204" pitchFamily="34" charset="-128"/>
+                <a:ea typeface="Meiryo" panose="020B0604030504040204" pitchFamily="34" charset="-128"/>
+                <a:cs typeface="Meiryo" panose="020B0604030504040204" pitchFamily="34" charset="-128"/>
+              </a:rPr>
+              <a:t>revious techniques(color and tone mapping functions)</a:t>
+            </a:r>
+          </a:p>
+          <a:p>
+            <a:pPr marL="800100" lvl="1" indent="-342900">
+              <a:lnSpc>
+                <a:spcPct val="200000"/>
+              </a:lnSpc>
+              <a:buFont typeface="Arial" panose="020B0604020202020204" pitchFamily="34" charset="0"/>
+              <a:buChar char="•"/>
+            </a:pPr>
+            <a:r>
+              <a:rPr lang="en-US" altLang="zh-CN" sz="2800" dirty="0" smtClean="0">
+                <a:latin typeface="Meiryo" panose="020B0604030504040204" pitchFamily="34" charset="-128"/>
+                <a:ea typeface="Meiryo" panose="020B0604030504040204" pitchFamily="34" charset="-128"/>
+                <a:cs typeface="Meiryo" panose="020B0604030504040204" pitchFamily="34" charset="-128"/>
+              </a:rPr>
+              <a:t>Face-specific luminance correction step</a:t>
+            </a:r>
+          </a:p>
+          <a:p>
+            <a:pPr marL="800100" lvl="1" indent="-342900">
+              <a:lnSpc>
+                <a:spcPct val="200000"/>
+              </a:lnSpc>
+              <a:buFont typeface="Arial" panose="020B0604020202020204" pitchFamily="34" charset="0"/>
+              <a:buChar char="•"/>
+            </a:pPr>
+            <a:r>
+              <a:rPr lang="en-US" altLang="zh-CN" sz="2800" dirty="0" smtClean="0">
+                <a:latin typeface="Meiryo" panose="020B0604030504040204" pitchFamily="34" charset="-128"/>
+                <a:ea typeface="Meiryo" panose="020B0604030504040204" pitchFamily="34" charset="-128"/>
+                <a:cs typeface="Meiryo" panose="020B0604030504040204" pitchFamily="34" charset="-128"/>
+              </a:rPr>
+              <a:t>Last two steps : minimize artifacts</a:t>
+            </a:r>
+          </a:p>
+        </p:txBody>
+      </p:sp>
+    </p:spTree>
+    <p:extLst>
+      <p:ext uri="{BB962C8B-B14F-4D97-AF65-F5344CB8AC3E}">
+        <p14:creationId xmlns:p14="http://schemas.microsoft.com/office/powerpoint/2010/main" val="3835875970"/>
+      </p:ext>
+    </p:extLst>
+  </p:cSld>
+  <p:clrMapOvr>
+    <a:masterClrMapping/>
+  </p:clrMapOvr>
+  <p:timing>
+    <p:tnLst>
+      <p:par>
+        <p:cTn id="1" dur="indefinite" restart="never" nodeType="tmRoot"/>
+      </p:par>
+    </p:tnLst>
+  </p:timing>
+</p:sld>
+</file>
+
+<file path=ppt/slides/slide11.xml><?xml version="1.0" encoding="utf-8"?>
+<p:sld xmlns:a="http://schemas.openxmlformats.org/drawingml/2006/main" xmlns:r="http://schemas.openxmlformats.org/officeDocument/2006/relationships" xmlns:p="http://schemas.openxmlformats.org/presentationml/2006/main">
+  <p:cSld>
+    <p:spTree>
+      <p:nvGrpSpPr>
+        <p:cNvPr id="1" name=""/>
+        <p:cNvGrpSpPr/>
+        <p:nvPr/>
+      </p:nvGrpSpPr>
+      <p:grpSpPr>
+        <a:xfrm>
+          <a:off x="0" y="0"/>
+          <a:ext cx="0" cy="0"/>
+          <a:chOff x="0" y="0"/>
+          <a:chExt cx="0" cy="0"/>
+        </a:xfrm>
+      </p:grpSpPr>
+      <p:sp>
+        <p:nvSpPr>
+          <p:cNvPr id="6" name="矩形 5"/>
+          <p:cNvSpPr/>
+          <p:nvPr/>
+        </p:nvSpPr>
+        <p:spPr>
+          <a:xfrm rot="877900">
+            <a:off x="-2271512" y="-5775958"/>
+            <a:ext cx="6186601" cy="6857999"/>
+          </a:xfrm>
+          <a:prstGeom prst="rect">
+            <a:avLst/>
+          </a:prstGeom>
+          <a:solidFill>
+            <a:schemeClr val="bg1">
+              <a:lumMod val="95000"/>
+            </a:schemeClr>
+          </a:solidFill>
+          <a:ln>
+            <a:noFill/>
+          </a:ln>
+        </p:spPr>
+        <p:style>
+          <a:lnRef idx="2">
+            <a:schemeClr val="accent1">
+              <a:shade val="50000"/>
+            </a:schemeClr>
+          </a:lnRef>
+          <a:fillRef idx="1">
+            <a:schemeClr val="accent1"/>
+          </a:fillRef>
+          <a:effectRef idx="0">
+            <a:schemeClr val="accent1"/>
+          </a:effectRef>
+          <a:fontRef idx="minor">
+            <a:schemeClr val="lt1"/>
+          </a:fontRef>
+        </p:style>
+        <p:txBody>
+          <a:bodyPr rtlCol="0" anchor="ctr"/>
+          <a:lstStyle/>
+          <a:p>
+            <a:pPr algn="ctr"/>
+            <a:endParaRPr lang="zh-CN" altLang="en-US"/>
+          </a:p>
+        </p:txBody>
+      </p:sp>
+      <p:sp>
+        <p:nvSpPr>
+          <p:cNvPr id="30" name="文本框 29"/>
+          <p:cNvSpPr txBox="1"/>
+          <p:nvPr/>
+        </p:nvSpPr>
+        <p:spPr>
+          <a:xfrm>
+            <a:off x="662538" y="294935"/>
+            <a:ext cx="9205361" cy="769441"/>
+          </a:xfrm>
+          <a:prstGeom prst="rect">
+            <a:avLst/>
+          </a:prstGeom>
+          <a:noFill/>
+        </p:spPr>
+        <p:txBody>
+          <a:bodyPr wrap="square" rtlCol="0">
+            <a:spAutoFit/>
+          </a:bodyPr>
+          <a:lstStyle/>
+          <a:p>
+            <a:r>
+              <a:rPr lang="en-US" altLang="zh-CN" sz="4400" b="1" dirty="0" smtClean="0">
+                <a:solidFill>
+                  <a:srgbClr val="00ABB4"/>
+                </a:solidFill>
+                <a:latin typeface="微软雅黑" panose="020B0503020204020204" pitchFamily="34" charset="-122"/>
+                <a:ea typeface="微软雅黑" panose="020B0503020204020204" pitchFamily="34" charset="-122"/>
+              </a:rPr>
+              <a:t>Introduction</a:t>
+            </a:r>
+            <a:endParaRPr lang="en-US" altLang="zh-CN" sz="4400" b="1" dirty="0">
+              <a:solidFill>
+                <a:srgbClr val="00ABB4"/>
+              </a:solidFill>
+              <a:latin typeface="微软雅黑" panose="020B0503020204020204" pitchFamily="34" charset="-122"/>
+              <a:ea typeface="微软雅黑" panose="020B0503020204020204" pitchFamily="34" charset="-122"/>
+            </a:endParaRPr>
+          </a:p>
+        </p:txBody>
+      </p:sp>
+      <p:sp>
+        <p:nvSpPr>
+          <p:cNvPr id="31" name="Rectangle 96"/>
+          <p:cNvSpPr/>
+          <p:nvPr/>
+        </p:nvSpPr>
+        <p:spPr>
+          <a:xfrm>
+            <a:off x="821787" y="1445376"/>
+            <a:ext cx="10833001" cy="3908762"/>
+          </a:xfrm>
+          <a:prstGeom prst="rect">
+            <a:avLst/>
+          </a:prstGeom>
+        </p:spPr>
+        <p:txBody>
+          <a:bodyPr wrap="square">
+            <a:spAutoFit/>
+          </a:bodyPr>
+          <a:lstStyle/>
+          <a:p>
+            <a:pPr marL="342900" indent="-342900">
+              <a:lnSpc>
+                <a:spcPct val="200000"/>
+              </a:lnSpc>
+              <a:buFont typeface="Arial" panose="020B0604020202020204" pitchFamily="34" charset="0"/>
+              <a:buChar char="•"/>
+            </a:pPr>
+            <a:r>
+              <a:rPr lang="en-US" altLang="zh-CN" sz="2800" b="1" dirty="0" smtClean="0">
+                <a:latin typeface="Meiryo" panose="020B0604030504040204" pitchFamily="34" charset="-128"/>
+                <a:ea typeface="Meiryo" panose="020B0604030504040204" pitchFamily="34" charset="-128"/>
+                <a:cs typeface="Meiryo" panose="020B0604030504040204" pitchFamily="34" charset="-128"/>
+              </a:rPr>
+              <a:t>Contributions:</a:t>
+            </a:r>
+          </a:p>
+          <a:p>
+            <a:pPr marL="914400" lvl="1" indent="-457200">
+              <a:lnSpc>
+                <a:spcPct val="200000"/>
+              </a:lnSpc>
+              <a:buAutoNum type="arabicPeriod"/>
+            </a:pPr>
+            <a:r>
+              <a:rPr lang="en-US" altLang="zh-CN" sz="2400" dirty="0" smtClean="0">
+                <a:latin typeface="Meiryo" panose="020B0604030504040204" pitchFamily="34" charset="-128"/>
+                <a:ea typeface="Meiryo" panose="020B0604030504040204" pitchFamily="34" charset="-128"/>
+                <a:cs typeface="Meiryo" panose="020B0604030504040204" pitchFamily="34" charset="-128"/>
+              </a:rPr>
+              <a:t>A </a:t>
+            </a:r>
+            <a:r>
+              <a:rPr lang="en-US" altLang="zh-CN" sz="2400" dirty="0">
+                <a:latin typeface="Meiryo" panose="020B0604030504040204" pitchFamily="34" charset="-128"/>
+                <a:ea typeface="Meiryo" panose="020B0604030504040204" pitchFamily="34" charset="-128"/>
+                <a:cs typeface="Meiryo" panose="020B0604030504040204" pitchFamily="34" charset="-128"/>
+              </a:rPr>
+              <a:t>robust style transfer method </a:t>
+            </a:r>
+            <a:r>
+              <a:rPr lang="en-US" altLang="zh-CN" sz="2400" dirty="0"/>
+              <a:t>that captures a wide</a:t>
+            </a:r>
+            <a:br>
+              <a:rPr lang="en-US" altLang="zh-CN" sz="2400" dirty="0"/>
+            </a:br>
+            <a:r>
+              <a:rPr lang="en-US" altLang="zh-CN" sz="2400" dirty="0"/>
+              <a:t>range of looks while avoiding image artifacts</a:t>
+            </a:r>
+            <a:r>
+              <a:rPr lang="en-US" altLang="zh-CN" sz="2400" dirty="0"/>
+              <a:t> </a:t>
+            </a:r>
+            <a:endParaRPr lang="en-US" altLang="zh-CN" sz="2400" dirty="0" smtClean="0">
+              <a:latin typeface="Meiryo" panose="020B0604030504040204" pitchFamily="34" charset="-128"/>
+              <a:ea typeface="Meiryo" panose="020B0604030504040204" pitchFamily="34" charset="-128"/>
+              <a:cs typeface="Meiryo" panose="020B0604030504040204" pitchFamily="34" charset="-128"/>
+            </a:endParaRPr>
+          </a:p>
+          <a:p>
+            <a:pPr marL="914400" lvl="1" indent="-457200">
+              <a:lnSpc>
+                <a:spcPct val="200000"/>
+              </a:lnSpc>
+              <a:buAutoNum type="arabicPeriod"/>
+            </a:pPr>
+            <a:r>
+              <a:rPr lang="en-US" altLang="zh-CN" sz="2400" dirty="0" smtClean="0">
+                <a:latin typeface="Meiryo" panose="020B0604030504040204" pitchFamily="34" charset="-128"/>
+                <a:ea typeface="Meiryo" panose="020B0604030504040204" pitchFamily="34" charset="-128"/>
+                <a:cs typeface="Meiryo" panose="020B0604030504040204" pitchFamily="34" charset="-128"/>
+              </a:rPr>
+              <a:t>An unsupervised method to learn a content-specific</a:t>
+            </a:r>
+            <a:br>
+              <a:rPr lang="en-US" altLang="zh-CN" sz="2400" dirty="0" smtClean="0">
+                <a:latin typeface="Meiryo" panose="020B0604030504040204" pitchFamily="34" charset="-128"/>
+                <a:ea typeface="Meiryo" panose="020B0604030504040204" pitchFamily="34" charset="-128"/>
+                <a:cs typeface="Meiryo" panose="020B0604030504040204" pitchFamily="34" charset="-128"/>
+              </a:rPr>
+            </a:br>
+            <a:r>
+              <a:rPr lang="en-US" altLang="zh-CN" sz="2400" dirty="0" smtClean="0">
+                <a:latin typeface="Meiryo" panose="020B0604030504040204" pitchFamily="34" charset="-128"/>
+                <a:ea typeface="Meiryo" panose="020B0604030504040204" pitchFamily="34" charset="-128"/>
+                <a:cs typeface="Meiryo" panose="020B0604030504040204" pitchFamily="34" charset="-128"/>
+              </a:rPr>
+              <a:t>style ranking using semantic and style similarity</a:t>
+            </a:r>
+            <a:endParaRPr lang="en-US" altLang="zh-CN" sz="2400" dirty="0">
+              <a:latin typeface="Meiryo" panose="020B0604030504040204" pitchFamily="34" charset="-128"/>
+              <a:ea typeface="Meiryo" panose="020B0604030504040204" pitchFamily="34" charset="-128"/>
+              <a:cs typeface="Meiryo" panose="020B0604030504040204" pitchFamily="34" charset="-128"/>
+            </a:endParaRPr>
+          </a:p>
+        </p:txBody>
+      </p:sp>
+    </p:spTree>
+    <p:extLst>
+      <p:ext uri="{BB962C8B-B14F-4D97-AF65-F5344CB8AC3E}">
+        <p14:creationId xmlns:p14="http://schemas.microsoft.com/office/powerpoint/2010/main" val="870772542"/>
+      </p:ext>
+    </p:extLst>
+  </p:cSld>
+  <p:clrMapOvr>
+    <a:masterClrMapping/>
+  </p:clrMapOvr>
+  <p:timing>
+    <p:tnLst>
+      <p:par>
+        <p:cTn id="1" dur="indefinite" restart="never" nodeType="tmRoot"/>
+      </p:par>
+    </p:tnLst>
+  </p:timing>
+</p:sld>
+</file>
+
+<file path=ppt/slides/slide12.xml><?xml version="1.0" encoding="utf-8"?>
+<p:sld xmlns:a="http://schemas.openxmlformats.org/drawingml/2006/main" xmlns:r="http://schemas.openxmlformats.org/officeDocument/2006/relationships" xmlns:p="http://schemas.openxmlformats.org/presentationml/2006/main">
+  <p:cSld>
+    <p:spTree>
+      <p:nvGrpSpPr>
+        <p:cNvPr id="1" name=""/>
+        <p:cNvGrpSpPr/>
+        <p:nvPr/>
+      </p:nvGrpSpPr>
+      <p:grpSpPr>
+        <a:xfrm>
+          <a:off x="0" y="0"/>
+          <a:ext cx="0" cy="0"/>
+          <a:chOff x="0" y="0"/>
+          <a:chExt cx="0" cy="0"/>
+        </a:xfrm>
+      </p:grpSpPr>
+      <p:sp>
+        <p:nvSpPr>
+          <p:cNvPr id="6" name="矩形 5"/>
+          <p:cNvSpPr/>
+          <p:nvPr/>
+        </p:nvSpPr>
+        <p:spPr>
+          <a:xfrm rot="877900">
+            <a:off x="-2271512" y="-5775958"/>
+            <a:ext cx="6186601" cy="6857999"/>
+          </a:xfrm>
+          <a:prstGeom prst="rect">
+            <a:avLst/>
+          </a:prstGeom>
+          <a:solidFill>
+            <a:schemeClr val="bg1">
+              <a:lumMod val="95000"/>
+            </a:schemeClr>
+          </a:solidFill>
+          <a:ln>
+            <a:noFill/>
+          </a:ln>
+        </p:spPr>
+        <p:style>
+          <a:lnRef idx="2">
+            <a:schemeClr val="accent1">
+              <a:shade val="50000"/>
+            </a:schemeClr>
+          </a:lnRef>
+          <a:fillRef idx="1">
+            <a:schemeClr val="accent1"/>
+          </a:fillRef>
+          <a:effectRef idx="0">
+            <a:schemeClr val="accent1"/>
+          </a:effectRef>
+          <a:fontRef idx="minor">
+            <a:schemeClr val="lt1"/>
+          </a:fontRef>
+        </p:style>
+        <p:txBody>
+          <a:bodyPr rtlCol="0" anchor="ctr"/>
+          <a:lstStyle/>
+          <a:p>
+            <a:pPr algn="ctr"/>
+            <a:endParaRPr lang="zh-CN" altLang="en-US"/>
+          </a:p>
+        </p:txBody>
+      </p:sp>
+      <p:sp>
+        <p:nvSpPr>
+          <p:cNvPr id="30" name="文本框 29"/>
+          <p:cNvSpPr txBox="1"/>
+          <p:nvPr/>
+        </p:nvSpPr>
+        <p:spPr>
+          <a:xfrm>
+            <a:off x="662538" y="294935"/>
+            <a:ext cx="9205361" cy="769441"/>
+          </a:xfrm>
+          <a:prstGeom prst="rect">
+            <a:avLst/>
+          </a:prstGeom>
+          <a:noFill/>
+        </p:spPr>
+        <p:txBody>
+          <a:bodyPr wrap="square" rtlCol="0">
+            <a:spAutoFit/>
+          </a:bodyPr>
+          <a:lstStyle/>
+          <a:p>
+            <a:r>
+              <a:rPr lang="en-US" altLang="zh-CN" sz="4400" b="1" dirty="0" smtClean="0">
+                <a:solidFill>
+                  <a:srgbClr val="00ABB4"/>
+                </a:solidFill>
+                <a:latin typeface="微软雅黑" panose="020B0503020204020204" pitchFamily="34" charset="-122"/>
+                <a:ea typeface="微软雅黑" panose="020B0503020204020204" pitchFamily="34" charset="-122"/>
+              </a:rPr>
+              <a:t>Introduction</a:t>
+            </a:r>
+            <a:endParaRPr lang="en-US" altLang="zh-CN" sz="4400" b="1" dirty="0">
+              <a:solidFill>
+                <a:srgbClr val="00ABB4"/>
+              </a:solidFill>
+              <a:latin typeface="微软雅黑" panose="020B0503020204020204" pitchFamily="34" charset="-122"/>
+              <a:ea typeface="微软雅黑" panose="020B0503020204020204" pitchFamily="34" charset="-122"/>
+            </a:endParaRPr>
+          </a:p>
+        </p:txBody>
+      </p:sp>
+      <p:sp>
+        <p:nvSpPr>
+          <p:cNvPr id="31" name="Rectangle 96"/>
+          <p:cNvSpPr/>
+          <p:nvPr/>
+        </p:nvSpPr>
+        <p:spPr>
+          <a:xfrm>
+            <a:off x="821787" y="1140576"/>
+            <a:ext cx="10833001" cy="4647426"/>
+          </a:xfrm>
+          <a:prstGeom prst="rect">
+            <a:avLst/>
+          </a:prstGeom>
+        </p:spPr>
+        <p:txBody>
+          <a:bodyPr wrap="square">
+            <a:spAutoFit/>
+          </a:bodyPr>
+          <a:lstStyle/>
+          <a:p>
+            <a:pPr marL="342900" indent="-342900">
+              <a:lnSpc>
+                <a:spcPct val="200000"/>
+              </a:lnSpc>
+              <a:buFont typeface="Arial" panose="020B0604020202020204" pitchFamily="34" charset="0"/>
+              <a:buChar char="•"/>
+            </a:pPr>
+            <a:r>
+              <a:rPr lang="en-US" altLang="zh-CN" sz="2800" b="1" dirty="0" smtClean="0">
+                <a:latin typeface="Meiryo" panose="020B0604030504040204" pitchFamily="34" charset="-128"/>
+                <a:ea typeface="Meiryo" panose="020B0604030504040204" pitchFamily="34" charset="-128"/>
+                <a:cs typeface="Meiryo" panose="020B0604030504040204" pitchFamily="34" charset="-128"/>
+              </a:rPr>
+              <a:t>Contributions:</a:t>
+            </a:r>
+          </a:p>
+          <a:p>
+            <a:pPr marL="914400" lvl="1" indent="-457200">
+              <a:lnSpc>
+                <a:spcPct val="200000"/>
+              </a:lnSpc>
+              <a:buFont typeface="+mj-lt"/>
+              <a:buAutoNum type="arabicPeriod" startAt="3"/>
+            </a:pPr>
+            <a:r>
+              <a:rPr lang="en-US" altLang="zh-CN" sz="2400" dirty="0" smtClean="0">
+                <a:latin typeface="Meiryo" panose="020B0604030504040204" pitchFamily="34" charset="-128"/>
+                <a:ea typeface="Meiryo" panose="020B0604030504040204" pitchFamily="34" charset="-128"/>
+                <a:cs typeface="Meiryo" panose="020B0604030504040204" pitchFamily="34" charset="-128"/>
+              </a:rPr>
+              <a:t>A style selection method to sample the ranked styles to</a:t>
+            </a:r>
+            <a:br>
+              <a:rPr lang="en-US" altLang="zh-CN" sz="2400" dirty="0" smtClean="0">
+                <a:latin typeface="Meiryo" panose="020B0604030504040204" pitchFamily="34" charset="-128"/>
+                <a:ea typeface="Meiryo" panose="020B0604030504040204" pitchFamily="34" charset="-128"/>
+                <a:cs typeface="Meiryo" panose="020B0604030504040204" pitchFamily="34" charset="-128"/>
+              </a:rPr>
+            </a:br>
+            <a:r>
+              <a:rPr lang="en-US" altLang="zh-CN" sz="2400" dirty="0" smtClean="0">
+                <a:latin typeface="Meiryo" panose="020B0604030504040204" pitchFamily="34" charset="-128"/>
+                <a:ea typeface="Meiryo" panose="020B0604030504040204" pitchFamily="34" charset="-128"/>
+                <a:cs typeface="Meiryo" panose="020B0604030504040204" pitchFamily="34" charset="-128"/>
+              </a:rPr>
+              <a:t>ensure both diversity and quality in the results</a:t>
+            </a:r>
+          </a:p>
+          <a:p>
+            <a:pPr marL="914400" lvl="1" indent="-457200">
+              <a:lnSpc>
+                <a:spcPct val="200000"/>
+              </a:lnSpc>
+              <a:buFont typeface="+mj-lt"/>
+              <a:buAutoNum type="arabicPeriod" startAt="3"/>
+            </a:pPr>
+            <a:r>
+              <a:rPr lang="en-US" altLang="zh-CN" sz="2400" dirty="0" smtClean="0">
+                <a:latin typeface="Meiryo" panose="020B0604030504040204" pitchFamily="34" charset="-128"/>
+                <a:ea typeface="Meiryo" panose="020B0604030504040204" pitchFamily="34" charset="-128"/>
+                <a:cs typeface="Meiryo" panose="020B0604030504040204" pitchFamily="34" charset="-128"/>
+              </a:rPr>
+              <a:t>A new benchmark dataset with professional stylizations and a comprehensive user evaluation of various</a:t>
+            </a:r>
+            <a:br>
+              <a:rPr lang="en-US" altLang="zh-CN" sz="2400" dirty="0" smtClean="0">
+                <a:latin typeface="Meiryo" panose="020B0604030504040204" pitchFamily="34" charset="-128"/>
+                <a:ea typeface="Meiryo" panose="020B0604030504040204" pitchFamily="34" charset="-128"/>
+                <a:cs typeface="Meiryo" panose="020B0604030504040204" pitchFamily="34" charset="-128"/>
+              </a:rPr>
+            </a:br>
+            <a:r>
+              <a:rPr lang="en-US" altLang="zh-CN" sz="2400" dirty="0" smtClean="0">
+                <a:latin typeface="Meiryo" panose="020B0604030504040204" pitchFamily="34" charset="-128"/>
+                <a:ea typeface="Meiryo" panose="020B0604030504040204" pitchFamily="34" charset="-128"/>
+                <a:cs typeface="Meiryo" panose="020B0604030504040204" pitchFamily="34" charset="-128"/>
+              </a:rPr>
+              <a:t>style selection and transfer techniques. </a:t>
+            </a:r>
+            <a:endParaRPr lang="en-US" altLang="zh-CN" sz="2400" dirty="0">
+              <a:latin typeface="Meiryo" panose="020B0604030504040204" pitchFamily="34" charset="-128"/>
+              <a:ea typeface="Meiryo" panose="020B0604030504040204" pitchFamily="34" charset="-128"/>
+              <a:cs typeface="Meiryo" panose="020B0604030504040204" pitchFamily="34" charset="-128"/>
+            </a:endParaRPr>
+          </a:p>
+        </p:txBody>
+      </p:sp>
+    </p:spTree>
+    <p:extLst>
+      <p:ext uri="{BB962C8B-B14F-4D97-AF65-F5344CB8AC3E}">
+        <p14:creationId xmlns:p14="http://schemas.microsoft.com/office/powerpoint/2010/main" val="1729192018"/>
+      </p:ext>
+    </p:extLst>
+  </p:cSld>
+  <p:clrMapOvr>
+    <a:masterClrMapping/>
+  </p:clrMapOvr>
+  <p:timing>
+    <p:tnLst>
+      <p:par>
+        <p:cTn id="1" dur="indefinite" restart="never" nodeType="tmRoot"/>
+      </p:par>
+    </p:tnLst>
+  </p:timing>
+</p:sld>
+</file>
+
+<file path=ppt/slides/slide13.xml><?xml version="1.0" encoding="utf-8"?>
+<p:sld xmlns:a="http://schemas.openxmlformats.org/drawingml/2006/main" xmlns:r="http://schemas.openxmlformats.org/officeDocument/2006/relationships" xmlns:p="http://schemas.openxmlformats.org/presentationml/2006/main">
+  <p:cSld>
+    <p:spTree>
+      <p:nvGrpSpPr>
+        <p:cNvPr id="1" name=""/>
+        <p:cNvGrpSpPr/>
+        <p:nvPr/>
+      </p:nvGrpSpPr>
+      <p:grpSpPr>
+        <a:xfrm>
+          <a:off x="0" y="0"/>
+          <a:ext cx="0" cy="0"/>
+          <a:chOff x="0" y="0"/>
+          <a:chExt cx="0" cy="0"/>
+        </a:xfrm>
+      </p:grpSpPr>
+      <p:sp>
+        <p:nvSpPr>
+          <p:cNvPr id="5" name="矩形 4"/>
+          <p:cNvSpPr/>
+          <p:nvPr/>
+        </p:nvSpPr>
+        <p:spPr>
+          <a:xfrm>
+            <a:off x="6005399" y="3447534"/>
+            <a:ext cx="6172200" cy="3410465"/>
+          </a:xfrm>
+          <a:prstGeom prst="rect">
+            <a:avLst/>
+          </a:prstGeom>
+          <a:solidFill>
+            <a:schemeClr val="bg1">
+              <a:lumMod val="95000"/>
+            </a:schemeClr>
+          </a:solidFill>
+          <a:ln>
+            <a:noFill/>
+          </a:ln>
+        </p:spPr>
+        <p:style>
+          <a:lnRef idx="2">
+            <a:schemeClr val="accent1">
+              <a:shade val="50000"/>
+            </a:schemeClr>
+          </a:lnRef>
+          <a:fillRef idx="1">
+            <a:schemeClr val="accent1"/>
+          </a:fillRef>
+          <a:effectRef idx="0">
+            <a:schemeClr val="accent1"/>
+          </a:effectRef>
+          <a:fontRef idx="minor">
+            <a:schemeClr val="lt1"/>
+          </a:fontRef>
+        </p:style>
+        <p:txBody>
+          <a:bodyPr rtlCol="0" anchor="ctr"/>
+          <a:lstStyle/>
+          <a:p>
+            <a:pPr algn="ctr"/>
+            <a:endParaRPr lang="zh-CN" altLang="en-US"/>
+          </a:p>
+        </p:txBody>
+      </p:sp>
+      <p:sp>
+        <p:nvSpPr>
+          <p:cNvPr id="29" name="矩形 28"/>
+          <p:cNvSpPr/>
+          <p:nvPr/>
+        </p:nvSpPr>
+        <p:spPr>
+          <a:xfrm>
+            <a:off x="12346" y="1"/>
+            <a:ext cx="6006821" cy="3447534"/>
+          </a:xfrm>
+          <a:prstGeom prst="rect">
+            <a:avLst/>
+          </a:prstGeom>
+          <a:solidFill>
+            <a:schemeClr val="bg1">
+              <a:lumMod val="95000"/>
+            </a:schemeClr>
+          </a:solidFill>
+          <a:ln>
+            <a:noFill/>
+          </a:ln>
+        </p:spPr>
+        <p:style>
+          <a:lnRef idx="2">
+            <a:schemeClr val="accent1">
+              <a:shade val="50000"/>
+            </a:schemeClr>
+          </a:lnRef>
+          <a:fillRef idx="1">
+            <a:schemeClr val="accent1"/>
+          </a:fillRef>
+          <a:effectRef idx="0">
+            <a:schemeClr val="accent1"/>
+          </a:effectRef>
+          <a:fontRef idx="minor">
+            <a:schemeClr val="lt1"/>
+          </a:fontRef>
+        </p:style>
+        <p:txBody>
+          <a:bodyPr rtlCol="0" anchor="ctr"/>
+          <a:lstStyle/>
+          <a:p>
+            <a:pPr algn="ctr"/>
+            <a:endParaRPr lang="zh-CN" altLang="en-US"/>
+          </a:p>
+        </p:txBody>
+      </p:sp>
+      <p:sp>
+        <p:nvSpPr>
+          <p:cNvPr id="30" name="文本框 29"/>
+          <p:cNvSpPr txBox="1"/>
+          <p:nvPr/>
+        </p:nvSpPr>
+        <p:spPr>
+          <a:xfrm>
+            <a:off x="662538" y="294935"/>
+            <a:ext cx="9205361" cy="1446550"/>
+          </a:xfrm>
+          <a:prstGeom prst="rect">
+            <a:avLst/>
+          </a:prstGeom>
+          <a:noFill/>
+        </p:spPr>
+        <p:txBody>
+          <a:bodyPr wrap="square" rtlCol="0">
+            <a:spAutoFit/>
+          </a:bodyPr>
+          <a:lstStyle/>
+          <a:p>
+            <a:r>
+              <a:rPr lang="en-US" altLang="zh-CN" sz="4400" b="1" dirty="0" smtClean="0">
+                <a:solidFill>
+                  <a:srgbClr val="00ABB4"/>
+                </a:solidFill>
+                <a:latin typeface="微软雅黑" panose="020B0503020204020204" pitchFamily="34" charset="-122"/>
+                <a:ea typeface="微软雅黑" panose="020B0503020204020204" pitchFamily="34" charset="-122"/>
+              </a:rPr>
+              <a:t>Statistical Measurement --Modularity</a:t>
+            </a:r>
+            <a:endParaRPr lang="en-US" altLang="zh-CN" sz="4400" b="1" dirty="0">
+              <a:solidFill>
+                <a:srgbClr val="00ABB4"/>
+              </a:solidFill>
+              <a:latin typeface="微软雅黑" panose="020B0503020204020204" pitchFamily="34" charset="-122"/>
+              <a:ea typeface="微软雅黑" panose="020B0503020204020204" pitchFamily="34" charset="-122"/>
+            </a:endParaRPr>
+          </a:p>
+        </p:txBody>
+      </p:sp>
+      <p:sp>
+        <p:nvSpPr>
+          <p:cNvPr id="31" name="Rectangle 96"/>
+          <p:cNvSpPr/>
+          <p:nvPr/>
+        </p:nvSpPr>
+        <p:spPr>
+          <a:xfrm>
+            <a:off x="662538" y="1741485"/>
+            <a:ext cx="7842151" cy="4401205"/>
+          </a:xfrm>
+          <a:prstGeom prst="rect">
+            <a:avLst/>
+          </a:prstGeom>
+        </p:spPr>
+        <p:txBody>
+          <a:bodyPr wrap="square">
+            <a:spAutoFit/>
+          </a:bodyPr>
+          <a:lstStyle/>
+          <a:p>
+            <a:pPr marL="342900" indent="-342900">
+              <a:lnSpc>
+                <a:spcPct val="200000"/>
+              </a:lnSpc>
+              <a:buFont typeface="Arial" panose="020B0604020202020204" pitchFamily="34" charset="0"/>
+              <a:buChar char="•"/>
+            </a:pPr>
+            <a:r>
+              <a:rPr lang="en-US" altLang="zh-CN" sz="2800" b="1" dirty="0" smtClean="0">
+                <a:latin typeface="Meiryo" panose="020B0604030504040204" pitchFamily="34" charset="-128"/>
+                <a:ea typeface="Meiryo" panose="020B0604030504040204" pitchFamily="34" charset="-128"/>
+                <a:cs typeface="Meiryo" panose="020B0604030504040204" pitchFamily="34" charset="-128"/>
+              </a:rPr>
+              <a:t>7 modules :</a:t>
+            </a:r>
+          </a:p>
+          <a:p>
+            <a:pPr marL="914400" lvl="1" indent="-457200">
+              <a:lnSpc>
+                <a:spcPct val="200000"/>
+              </a:lnSpc>
+              <a:buFont typeface="Arial" panose="020B0604020202020204" pitchFamily="34" charset="0"/>
+              <a:buChar char="•"/>
+            </a:pPr>
+            <a:r>
+              <a:rPr lang="en-US" altLang="zh-CN" sz="2800" dirty="0" smtClean="0">
+                <a:latin typeface="Meiryo" panose="020B0604030504040204" pitchFamily="34" charset="-128"/>
+                <a:ea typeface="Meiryo" panose="020B0604030504040204" pitchFamily="34" charset="-128"/>
+                <a:cs typeface="Meiryo" panose="020B0604030504040204" pitchFamily="34" charset="-128"/>
+              </a:rPr>
+              <a:t>Insular,  Anterior DMN, Hippocampus and thalamus, Posterior DMN, Sensory-motor, Striatum, Hypothalamus</a:t>
+            </a:r>
+          </a:p>
+        </p:txBody>
+      </p:sp>
+    </p:spTree>
+    <p:extLst>
+      <p:ext uri="{BB962C8B-B14F-4D97-AF65-F5344CB8AC3E}">
+        <p14:creationId xmlns:p14="http://schemas.microsoft.com/office/powerpoint/2010/main" val="929069044"/>
+      </p:ext>
+    </p:extLst>
+  </p:cSld>
+  <p:clrMapOvr>
+    <a:masterClrMapping/>
+  </p:clrMapOvr>
+  <p:timing>
+    <p:tnLst>
+      <p:par>
+        <p:cTn id="1" dur="indefinite" restart="never" nodeType="tmRoot"/>
+      </p:par>
+    </p:tnLst>
+  </p:timing>
+</p:sld>
+</file>
+
+<file path=ppt/slides/slide14.xml><?xml version="1.0" encoding="utf-8"?>
+<p:sld xmlns:a="http://schemas.openxmlformats.org/drawingml/2006/main" xmlns:r="http://schemas.openxmlformats.org/officeDocument/2006/relationships" xmlns:p="http://schemas.openxmlformats.org/presentationml/2006/main">
+  <p:cSld>
+    <p:spTree>
+      <p:nvGrpSpPr>
+        <p:cNvPr id="1" name=""/>
+        <p:cNvGrpSpPr/>
+        <p:nvPr/>
+      </p:nvGrpSpPr>
+      <p:grpSpPr>
+        <a:xfrm>
+          <a:off x="0" y="0"/>
+          <a:ext cx="0" cy="0"/>
+          <a:chOff x="0" y="0"/>
+          <a:chExt cx="0" cy="0"/>
+        </a:xfrm>
+      </p:grpSpPr>
+      <p:sp>
+        <p:nvSpPr>
+          <p:cNvPr id="3" name="文本框 2"/>
+          <p:cNvSpPr txBox="1"/>
+          <p:nvPr/>
+        </p:nvSpPr>
+        <p:spPr>
+          <a:xfrm>
+            <a:off x="2618510" y="2333008"/>
+            <a:ext cx="6964407" cy="1261884"/>
+          </a:xfrm>
+          <a:prstGeom prst="rect">
+            <a:avLst/>
+          </a:prstGeom>
+          <a:noFill/>
+        </p:spPr>
+        <p:txBody>
+          <a:bodyPr wrap="none" rtlCol="0">
+            <a:spAutoFit/>
+          </a:bodyPr>
+          <a:lstStyle/>
+          <a:p>
+            <a:pPr algn="ctr"/>
+            <a:r>
+              <a:rPr lang="en-US" altLang="zh-CN" sz="3800" b="1" dirty="0" smtClean="0">
+                <a:solidFill>
+                  <a:srgbClr val="00ABB4"/>
+                </a:solidFill>
+                <a:effectLst>
+                  <a:outerShdw blurRad="38100" dist="38100" dir="2700000" algn="tl">
+                    <a:srgbClr val="000000">
+                      <a:alpha val="43137"/>
+                    </a:srgbClr>
+                  </a:outerShdw>
+                </a:effectLst>
+                <a:latin typeface="微软雅黑" panose="020B0503020204020204" pitchFamily="34" charset="-122"/>
+                <a:ea typeface="微软雅黑" panose="020B0503020204020204" pitchFamily="34" charset="-122"/>
+              </a:rPr>
+              <a:t>Thank you all for listening~</a:t>
+            </a:r>
+            <a:r>
+              <a:rPr lang="en-US" altLang="zh-CN" sz="3800" b="1" dirty="0">
+                <a:solidFill>
+                  <a:srgbClr val="00ABB4"/>
+                </a:solidFill>
+                <a:effectLst>
+                  <a:outerShdw blurRad="38100" dist="38100" dir="2700000" algn="tl">
+                    <a:srgbClr val="000000">
+                      <a:alpha val="43137"/>
+                    </a:srgbClr>
+                  </a:outerShdw>
+                </a:effectLst>
+                <a:latin typeface="微软雅黑" panose="020B0503020204020204" pitchFamily="34" charset="-122"/>
+                <a:ea typeface="微软雅黑" panose="020B0503020204020204" pitchFamily="34" charset="-122"/>
+              </a:rPr>
+              <a:t/>
+            </a:r>
+            <a:br>
+              <a:rPr lang="en-US" altLang="zh-CN" sz="3800" b="1" dirty="0">
+                <a:solidFill>
+                  <a:srgbClr val="00ABB4"/>
+                </a:solidFill>
+                <a:effectLst>
+                  <a:outerShdw blurRad="38100" dist="38100" dir="2700000" algn="tl">
+                    <a:srgbClr val="000000">
+                      <a:alpha val="43137"/>
+                    </a:srgbClr>
+                  </a:outerShdw>
+                </a:effectLst>
+                <a:latin typeface="微软雅黑" panose="020B0503020204020204" pitchFamily="34" charset="-122"/>
+                <a:ea typeface="微软雅黑" panose="020B0503020204020204" pitchFamily="34" charset="-122"/>
+              </a:rPr>
+            </a:br>
+            <a:endParaRPr lang="en-US" altLang="zh-CN" sz="3800" b="1" dirty="0">
+              <a:solidFill>
+                <a:srgbClr val="00ABB4"/>
+              </a:solidFill>
+              <a:effectLst>
+                <a:outerShdw blurRad="38100" dist="38100" dir="2700000" algn="tl">
+                  <a:srgbClr val="000000">
+                    <a:alpha val="43137"/>
+                  </a:srgbClr>
+                </a:outerShdw>
+              </a:effectLst>
+              <a:latin typeface="微软雅黑" panose="020B0503020204020204" pitchFamily="34" charset="-122"/>
+              <a:ea typeface="微软雅黑" panose="020B0503020204020204" pitchFamily="34" charset="-122"/>
+            </a:endParaRPr>
+          </a:p>
+        </p:txBody>
+      </p:sp>
+    </p:spTree>
+    <p:extLst>
+      <p:ext uri="{BB962C8B-B14F-4D97-AF65-F5344CB8AC3E}">
+        <p14:creationId xmlns:p14="http://schemas.microsoft.com/office/powerpoint/2010/main" val="3711594375"/>
       </p:ext>
     </p:extLst>
   </p:cSld>
@@ -4713,11 +6328,6 @@
               </a:rPr>
               <a:t>Style Transfer</a:t>
             </a:r>
-            <a:endParaRPr lang="en-US" altLang="zh-CN" sz="2800" b="1" dirty="0" smtClean="0">
-              <a:latin typeface="Meiryo" panose="020B0604030504040204" pitchFamily="34" charset="-128"/>
-              <a:ea typeface="Meiryo" panose="020B0604030504040204" pitchFamily="34" charset="-128"/>
-              <a:cs typeface="Meiryo" panose="020B0604030504040204" pitchFamily="34" charset="-128"/>
-            </a:endParaRPr>
           </a:p>
         </p:txBody>
       </p:sp>
@@ -4932,15 +6542,7 @@
                 <a:ea typeface="Meiryo" panose="020B0604030504040204" pitchFamily="34" charset="-128"/>
                 <a:cs typeface="Meiryo" panose="020B0604030504040204" pitchFamily="34" charset="-128"/>
               </a:rPr>
-              <a:t>Quality depend on th</a:t>
-            </a:r>
-            <a:r>
-              <a:rPr lang="en-US" altLang="zh-CN" sz="2800" dirty="0" smtClean="0">
-                <a:latin typeface="Meiryo" panose="020B0604030504040204" pitchFamily="34" charset="-128"/>
-                <a:ea typeface="Meiryo" panose="020B0604030504040204" pitchFamily="34" charset="-128"/>
-                <a:cs typeface="Meiryo" panose="020B0604030504040204" pitchFamily="34" charset="-128"/>
-              </a:rPr>
-              <a:t>e exemplar chosen</a:t>
+              <a:t>Quality depend on the exemplar chosen</a:t>
             </a:r>
           </a:p>
           <a:p>
@@ -5000,11 +6602,6 @@
               </a:rPr>
               <a:t> of training data</a:t>
             </a:r>
-            <a:endParaRPr lang="en-US" altLang="zh-CN" sz="2800" dirty="0" smtClean="0">
-              <a:latin typeface="Meiryo" panose="020B0604030504040204" pitchFamily="34" charset="-128"/>
-              <a:ea typeface="Meiryo" panose="020B0604030504040204" pitchFamily="34" charset="-128"/>
-              <a:cs typeface="Meiryo" panose="020B0604030504040204" pitchFamily="34" charset="-128"/>
-            </a:endParaRPr>
           </a:p>
         </p:txBody>
       </p:sp>
@@ -5271,11 +6868,6 @@
               </a:rPr>
               <a:t> </a:t>
             </a:r>
-            <a:endParaRPr lang="en-US" altLang="zh-CN" sz="2800" dirty="0" smtClean="0">
-              <a:latin typeface="Meiryo" panose="020B0604030504040204" pitchFamily="34" charset="-128"/>
-              <a:ea typeface="Meiryo" panose="020B0604030504040204" pitchFamily="34" charset="-128"/>
-              <a:cs typeface="Meiryo" panose="020B0604030504040204" pitchFamily="34" charset="-128"/>
-            </a:endParaRPr>
           </a:p>
         </p:txBody>
       </p:sp>
@@ -5414,8 +7006,8 @@
         </p:nvSpPr>
         <p:spPr>
           <a:xfrm>
-            <a:off x="882750" y="1050913"/>
-            <a:ext cx="10245297" cy="3539430"/>
+            <a:off x="882750" y="879463"/>
+            <a:ext cx="10245297" cy="5262979"/>
           </a:xfrm>
           <a:prstGeom prst="rect">
             <a:avLst/>
@@ -5457,8 +7049,21 @@
                 <a:ea typeface="Meiryo" panose="020B0604030504040204" pitchFamily="34" charset="-128"/>
                 <a:cs typeface="Meiryo" panose="020B0604030504040204" pitchFamily="34" charset="-128"/>
               </a:rPr>
-              <a:t>Target style database:</a:t>
-            </a:r>
+              <a:t>Target style </a:t>
+            </a:r>
+            <a:r>
+              <a:rPr lang="en-US" altLang="zh-CN" sz="2800" dirty="0" smtClean="0">
+                <a:latin typeface="Meiryo" panose="020B0604030504040204" pitchFamily="34" charset="-128"/>
+                <a:ea typeface="Meiryo" panose="020B0604030504040204" pitchFamily="34" charset="-128"/>
+                <a:cs typeface="Meiryo" panose="020B0604030504040204" pitchFamily="34" charset="-128"/>
+              </a:rPr>
+              <a:t>database(small, not enough):</a:t>
+            </a:r>
+            <a:endParaRPr lang="en-US" altLang="zh-CN" sz="2800" dirty="0" smtClean="0">
+              <a:latin typeface="Meiryo" panose="020B0604030504040204" pitchFamily="34" charset="-128"/>
+              <a:ea typeface="Meiryo" panose="020B0604030504040204" pitchFamily="34" charset="-128"/>
+              <a:cs typeface="Meiryo" panose="020B0604030504040204" pitchFamily="34" charset="-128"/>
+            </a:endParaRPr>
           </a:p>
           <a:p>
             <a:pPr marL="1257300" lvl="2" indent="-342900">
@@ -5474,15 +7079,32 @@
                 <a:ea typeface="Meiryo" panose="020B0604030504040204" pitchFamily="34" charset="-128"/>
                 <a:cs typeface="Meiryo" panose="020B0604030504040204" pitchFamily="34" charset="-128"/>
               </a:rPr>
-              <a:t>1500 stylized exemplar </a:t>
-            </a:r>
-            <a:r>
-              <a:rPr lang="en-US" altLang="zh-CN" sz="2800" smtClean="0">
+              <a:t>1500 stylized exemplar images(good styles</a:t>
+            </a:r>
+            <a:r>
+              <a:rPr lang="en-US" altLang="zh-CN" sz="2800" dirty="0" smtClean="0">
                 <a:latin typeface="Meiryo" panose="020B0604030504040204" pitchFamily="34" charset="-128"/>
                 <a:ea typeface="Meiryo" panose="020B0604030504040204" pitchFamily="34" charset="-128"/>
                 <a:cs typeface="Meiryo" panose="020B0604030504040204" pitchFamily="34" charset="-128"/>
               </a:rPr>
-              <a:t>images(good styles)</a:t>
+              <a:t>)</a:t>
+            </a:r>
+          </a:p>
+          <a:p>
+            <a:pPr marL="1257300" lvl="2" indent="-342900">
+              <a:lnSpc>
+                <a:spcPct val="200000"/>
+              </a:lnSpc>
+              <a:buFont typeface="Arial" panose="020B0604020202020204" pitchFamily="34" charset="0"/>
+              <a:buChar char="•"/>
+            </a:pPr>
+            <a:r>
+              <a:rPr lang="en-US" altLang="zh-CN" sz="2800" dirty="0" smtClean="0">
+                <a:latin typeface="Meiryo" panose="020B0604030504040204" pitchFamily="34" charset="-128"/>
+                <a:ea typeface="Meiryo" panose="020B0604030504040204" pitchFamily="34" charset="-128"/>
+                <a:cs typeface="Meiryo" panose="020B0604030504040204" pitchFamily="34" charset="-128"/>
+              </a:rPr>
+              <a:t>Automatically select the style from here</a:t>
             </a:r>
             <a:endParaRPr lang="en-US" altLang="zh-CN" sz="2800" dirty="0" smtClean="0">
               <a:latin typeface="Meiryo" panose="020B0604030504040204" pitchFamily="34" charset="-128"/>
@@ -5504,7 +7126,32 @@
                 <a:ea typeface="Meiryo" panose="020B0604030504040204" pitchFamily="34" charset="-128"/>
                 <a:cs typeface="Meiryo" panose="020B0604030504040204" pitchFamily="34" charset="-128"/>
               </a:rPr>
-              <a:t>A large photo collection:</a:t>
+              <a:t>A large photo </a:t>
+            </a:r>
+            <a:r>
+              <a:rPr lang="en-US" altLang="zh-CN" sz="2800" dirty="0" smtClean="0">
+                <a:latin typeface="Meiryo" panose="020B0604030504040204" pitchFamily="34" charset="-128"/>
+                <a:ea typeface="Meiryo" panose="020B0604030504040204" pitchFamily="34" charset="-128"/>
+                <a:cs typeface="Meiryo" panose="020B0604030504040204" pitchFamily="34" charset="-128"/>
+              </a:rPr>
+              <a:t>collection(not curated,good&amp;poor):</a:t>
+            </a:r>
+          </a:p>
+          <a:p>
+            <a:pPr marL="1257300" lvl="2" indent="-342900">
+              <a:lnSpc>
+                <a:spcPct val="200000"/>
+              </a:lnSpc>
+              <a:buFont typeface="Arial" panose="020B0604020202020204" pitchFamily="34" charset="0"/>
+              <a:buChar char="•"/>
+            </a:pPr>
+            <a:r>
+              <a:rPr lang="en-US" altLang="zh-CN" sz="2800" dirty="0" smtClean="0">
+                <a:latin typeface="Meiryo" panose="020B0604030504040204" pitchFamily="34" charset="-128"/>
+                <a:ea typeface="Meiryo" panose="020B0604030504040204" pitchFamily="34" charset="-128"/>
+                <a:cs typeface="Meiryo" panose="020B0604030504040204" pitchFamily="34" charset="-128"/>
+              </a:rPr>
+              <a:t>Millions(‘All’ styles &amp; Semantic content) </a:t>
             </a:r>
             <a:endParaRPr lang="en-US" altLang="zh-CN" sz="2800" dirty="0" smtClean="0">
               <a:latin typeface="Meiryo" panose="020B0604030504040204" pitchFamily="34" charset="-128"/>
@@ -5517,7 +7164,7 @@
     </p:spTree>
     <p:extLst>
       <p:ext uri="{BB962C8B-B14F-4D97-AF65-F5344CB8AC3E}">
-        <p14:creationId xmlns:p14="http://schemas.microsoft.com/office/powerpoint/2010/main" val="3536752226"/>
+        <p14:creationId xmlns:p14="http://schemas.microsoft.com/office/powerpoint/2010/main" val="2742236781"/>
       </p:ext>
     </p:extLst>
   </p:cSld>
@@ -5553,14 +7200,14 @@
       </p:grpSpPr>
       <p:sp>
         <p:nvSpPr>
-          <p:cNvPr id="5" name="矩形 4"/>
+          <p:cNvPr id="6" name="矩形 5"/>
           <p:cNvSpPr/>
           <p:nvPr/>
         </p:nvSpPr>
         <p:spPr>
-          <a:xfrm>
-            <a:off x="6005399" y="3447534"/>
-            <a:ext cx="6172200" cy="3410465"/>
+          <a:xfrm rot="877900">
+            <a:off x="-2271512" y="-5775958"/>
+            <a:ext cx="6186601" cy="6857999"/>
           </a:xfrm>
           <a:prstGeom prst="rect">
             <a:avLst/>
@@ -5601,54 +7248,6 @@
       </p:sp>
       <p:sp>
         <p:nvSpPr>
-          <p:cNvPr id="29" name="矩形 28"/>
-          <p:cNvSpPr/>
-          <p:nvPr/>
-        </p:nvSpPr>
-        <p:spPr>
-          <a:xfrm>
-            <a:off x="12346" y="1"/>
-            <a:ext cx="6006821" cy="3447534"/>
-          </a:xfrm>
-          <a:prstGeom prst="rect">
-            <a:avLst/>
-          </a:prstGeom>
-          <a:solidFill>
-            <a:schemeClr val="bg1">
-              <a:lumMod val="95000"/>
-            </a:schemeClr>
-          </a:solidFill>
-          <a:ln>
-            <a:noFill/>
-          </a:ln>
-        </p:spPr>
-        <p:style>
-          <a:lnRef idx="2">
-            <a:schemeClr val="accent1">
-              <a:shade val="50000"/>
-            </a:schemeClr>
-          </a:lnRef>
-          <a:fillRef idx="1">
-            <a:schemeClr val="accent1"/>
-          </a:fillRef>
-          <a:effectRef idx="0">
-            <a:schemeClr val="accent1"/>
-          </a:effectRef>
-          <a:fontRef idx="minor">
-            <a:schemeClr val="lt1"/>
-          </a:fontRef>
-        </p:style>
-        <p:txBody>
-          <a:bodyPr rtlCol="0" anchor="ctr"/>
-          <a:lstStyle/>
-          <a:p>
-            <a:pPr algn="ctr"/>
-            <a:endParaRPr lang="zh-CN" altLang="en-US"/>
-          </a:p>
-        </p:txBody>
-      </p:sp>
-      <p:sp>
-        <p:nvSpPr>
           <p:cNvPr id="30" name="文本框 29"/>
           <p:cNvSpPr txBox="1"/>
           <p:nvPr/>
@@ -5656,7 +7255,7 @@
         <p:spPr>
           <a:xfrm>
             <a:off x="662538" y="294935"/>
-            <a:ext cx="9205361" cy="1446550"/>
+            <a:ext cx="9205361" cy="769441"/>
           </a:xfrm>
           <a:prstGeom prst="rect">
             <a:avLst/>
@@ -5677,7 +7276,7 @@
                 <a:latin typeface="微软雅黑" panose="020B0503020204020204" pitchFamily="34" charset="-122"/>
                 <a:ea typeface="微软雅黑" panose="020B0503020204020204" pitchFamily="34" charset="-122"/>
               </a:rPr>
-              <a:t>Statistical Measurement --Modularity</a:t>
+              <a:t>Introduction</a:t>
             </a:r>
             <a:endParaRPr lang="en-US" altLang="zh-CN" sz="4400" b="1" dirty="0">
               <a:solidFill>
@@ -5697,8 +7296,8 @@
         </p:nvSpPr>
         <p:spPr>
           <a:xfrm>
-            <a:off x="662538" y="1741485"/>
-            <a:ext cx="7842151" cy="4401205"/>
+            <a:off x="882749" y="1279512"/>
+            <a:ext cx="10245297" cy="4401205"/>
           </a:xfrm>
           <a:prstGeom prst="rect">
             <a:avLst/>
@@ -5723,11 +7322,11 @@
                 <a:ea typeface="Meiryo" panose="020B0604030504040204" pitchFamily="34" charset="-128"/>
                 <a:cs typeface="Meiryo" panose="020B0604030504040204" pitchFamily="34" charset="-128"/>
               </a:rPr>
-              <a:t>7 modules :</a:t>
-            </a:r>
-          </a:p>
-          <a:p>
-            <a:pPr marL="914400" lvl="1" indent="-457200">
+              <a:t>They use the large photo collection to :</a:t>
+            </a:r>
+          </a:p>
+          <a:p>
+            <a:pPr marL="800100" lvl="1" indent="-342900">
               <a:lnSpc>
                 <a:spcPct val="200000"/>
               </a:lnSpc>
@@ -5740,15 +7339,54 @@
                 <a:ea typeface="Meiryo" panose="020B0604030504040204" pitchFamily="34" charset="-128"/>
                 <a:cs typeface="Meiryo" panose="020B0604030504040204" pitchFamily="34" charset="-128"/>
               </a:rPr>
-              <a:t>Insular,  Anterior DMN, Hippocampus and thalamus, Posterior DMN, Sensory-motor, Striatum, Hypothalamus</a:t>
-            </a:r>
+              <a:t>Learn a content-to–style mapping</a:t>
+            </a:r>
+          </a:p>
+          <a:p>
+            <a:pPr marL="800100" lvl="1" indent="-342900">
+              <a:lnSpc>
+                <a:spcPct val="200000"/>
+              </a:lnSpc>
+              <a:buFont typeface="Arial" panose="020B0604020202020204" pitchFamily="34" charset="0"/>
+              <a:buChar char="•"/>
+            </a:pPr>
+            <a:r>
+              <a:rPr lang="en-US" altLang="zh-CN" sz="2800" dirty="0" smtClean="0">
+                <a:latin typeface="Meiryo" panose="020B0604030504040204" pitchFamily="34" charset="-128"/>
+                <a:ea typeface="Meiryo" panose="020B0604030504040204" pitchFamily="34" charset="-128"/>
+                <a:cs typeface="Meiryo" panose="020B0604030504040204" pitchFamily="34" charset="-128"/>
+              </a:rPr>
+              <a:t>Generate the transform between one photo and one certain exemplar in target style database</a:t>
+            </a:r>
+          </a:p>
+          <a:p>
+            <a:pPr marL="800100" lvl="1" indent="-342900">
+              <a:lnSpc>
+                <a:spcPct val="200000"/>
+              </a:lnSpc>
+              <a:buFont typeface="Arial" panose="020B0604020202020204" pitchFamily="34" charset="0"/>
+              <a:buChar char="•"/>
+            </a:pPr>
+            <a:r>
+              <a:rPr lang="en-US" altLang="zh-CN" sz="2800" dirty="0" smtClean="0">
+                <a:latin typeface="Meiryo" panose="020B0604030504040204" pitchFamily="34" charset="-128"/>
+                <a:ea typeface="Meiryo" panose="020B0604030504040204" pitchFamily="34" charset="-128"/>
+                <a:cs typeface="Meiryo" panose="020B0604030504040204" pitchFamily="34" charset="-128"/>
+              </a:rPr>
+              <a:t>Unsupervised </a:t>
+            </a:r>
+            <a:endParaRPr lang="en-US" altLang="zh-CN" sz="2800" dirty="0" smtClean="0">
+              <a:latin typeface="Meiryo" panose="020B0604030504040204" pitchFamily="34" charset="-128"/>
+              <a:ea typeface="Meiryo" panose="020B0604030504040204" pitchFamily="34" charset="-128"/>
+              <a:cs typeface="Meiryo" panose="020B0604030504040204" pitchFamily="34" charset="-128"/>
+            </a:endParaRPr>
           </a:p>
         </p:txBody>
       </p:sp>
     </p:spTree>
     <p:extLst>
       <p:ext uri="{BB962C8B-B14F-4D97-AF65-F5344CB8AC3E}">
-        <p14:creationId xmlns:p14="http://schemas.microsoft.com/office/powerpoint/2010/main" val="929069044"/>
+        <p14:creationId xmlns:p14="http://schemas.microsoft.com/office/powerpoint/2010/main" val="3536752226"/>
       </p:ext>
     </p:extLst>
   </p:cSld>
@@ -5784,14 +7422,62 @@
       </p:grpSpPr>
       <p:sp>
         <p:nvSpPr>
-          <p:cNvPr id="3" name="文本框 2"/>
+          <p:cNvPr id="6" name="矩形 5"/>
+          <p:cNvSpPr/>
+          <p:nvPr/>
+        </p:nvSpPr>
+        <p:spPr>
+          <a:xfrm rot="877900">
+            <a:off x="-2271512" y="-5775958"/>
+            <a:ext cx="6186601" cy="6857999"/>
+          </a:xfrm>
+          <a:prstGeom prst="rect">
+            <a:avLst/>
+          </a:prstGeom>
+          <a:solidFill>
+            <a:schemeClr val="bg1">
+              <a:lumMod val="95000"/>
+            </a:schemeClr>
+          </a:solidFill>
+          <a:ln>
+            <a:noFill/>
+          </a:ln>
+        </p:spPr>
+        <p:style>
+          <a:lnRef idx="2">
+            <a:schemeClr val="accent1">
+              <a:shade val="50000"/>
+            </a:schemeClr>
+          </a:lnRef>
+          <a:fillRef idx="1">
+            <a:schemeClr val="accent1"/>
+          </a:fillRef>
+          <a:effectRef idx="0">
+            <a:schemeClr val="accent1"/>
+          </a:effectRef>
+          <a:fontRef idx="minor">
+            <a:schemeClr val="lt1"/>
+          </a:fontRef>
+        </p:style>
+        <p:txBody>
+          <a:bodyPr rtlCol="0" anchor="ctr"/>
+          <a:lstStyle/>
+          <a:p>
+            <a:pPr algn="ctr"/>
+            <a:endParaRPr lang="zh-CN" altLang="en-US"/>
+          </a:p>
+        </p:txBody>
+      </p:sp>
+      <p:sp>
+        <p:nvSpPr>
+          <p:cNvPr id="30" name="文本框 29"/>
           <p:cNvSpPr txBox="1"/>
           <p:nvPr/>
         </p:nvSpPr>
         <p:spPr>
           <a:xfrm>
-            <a:off x="2618510" y="2333008"/>
-            <a:ext cx="6964407" cy="1261884"/>
+            <a:off x="662538" y="294935"/>
+            <a:ext cx="9205361" cy="769441"/>
           </a:xfrm>
           <a:prstGeom prst="rect">
             <a:avLst/>
@@ -5799,83 +7485,397 @@
           <a:noFill/>
         </p:spPr>
         <p:txBody>
-          <a:bodyPr wrap="none" rtlCol="0">
+          <a:bodyPr wrap="square" rtlCol="0">
             <a:spAutoFit/>
           </a:bodyPr>
           <a:lstStyle/>
           <a:p>
-            <a:pPr algn="ctr"/>
-            <a:r>
-              <a:rPr lang="en-US" altLang="zh-CN" sz="3800" b="1" dirty="0" smtClean="0">
+            <a:r>
+              <a:rPr lang="en-US" altLang="zh-CN" sz="4400" b="1" dirty="0" smtClean="0">
                 <a:solidFill>
                   <a:srgbClr val="00ABB4"/>
                 </a:solidFill>
-                <a:effectLst>
-                  <a:outerShdw blurRad="38100" dist="38100" dir="2700000" algn="tl">
-                    <a:srgbClr val="000000">
-                      <a:alpha val="43137"/>
-                    </a:srgbClr>
-                  </a:outerShdw>
-                </a:effectLst>
                 <a:latin typeface="微软雅黑" panose="020B0503020204020204" pitchFamily="34" charset="-122"/>
                 <a:ea typeface="微软雅黑" panose="020B0503020204020204" pitchFamily="34" charset="-122"/>
               </a:rPr>
-              <a:t>Thank you all for listening~</a:t>
-            </a:r>
-            <a:r>
-              <a:rPr lang="en-US" altLang="zh-CN" sz="3800" b="1" dirty="0">
+              <a:t>Introduction</a:t>
+            </a:r>
+            <a:endParaRPr lang="en-US" altLang="zh-CN" sz="4400" b="1" dirty="0">
+              <a:solidFill>
+                <a:srgbClr val="00ABB4"/>
+              </a:solidFill>
+              <a:latin typeface="微软雅黑" panose="020B0503020204020204" pitchFamily="34" charset="-122"/>
+              <a:ea typeface="微软雅黑" panose="020B0503020204020204" pitchFamily="34" charset="-122"/>
+            </a:endParaRPr>
+          </a:p>
+        </p:txBody>
+      </p:sp>
+      <p:sp>
+        <p:nvSpPr>
+          <p:cNvPr id="31" name="Rectangle 96"/>
+          <p:cNvSpPr/>
+          <p:nvPr/>
+        </p:nvSpPr>
+        <p:spPr>
+          <a:xfrm>
+            <a:off x="882749" y="1064376"/>
+            <a:ext cx="10566301" cy="5262979"/>
+          </a:xfrm>
+          <a:prstGeom prst="rect">
+            <a:avLst/>
+          </a:prstGeom>
+        </p:spPr>
+        <p:txBody>
+          <a:bodyPr wrap="square">
+            <a:spAutoFit/>
+          </a:bodyPr>
+          <a:lstStyle/>
+          <a:p>
+            <a:pPr marL="342900" indent="-342900">
+              <a:lnSpc>
+                <a:spcPct val="200000"/>
+              </a:lnSpc>
+              <a:buFont typeface="Arial" panose="020B0604020202020204" pitchFamily="34" charset="0"/>
+              <a:buChar char="•"/>
+            </a:pPr>
+            <a:r>
+              <a:rPr lang="en-US" altLang="zh-CN" sz="2800" b="1" dirty="0" smtClean="0">
+                <a:latin typeface="Meiryo" panose="020B0604030504040204" pitchFamily="34" charset="-128"/>
+                <a:ea typeface="Meiryo" panose="020B0604030504040204" pitchFamily="34" charset="-128"/>
+                <a:cs typeface="Meiryo" panose="020B0604030504040204" pitchFamily="34" charset="-128"/>
+              </a:rPr>
+              <a:t>They do steps below to the large photo collection :</a:t>
+            </a:r>
+          </a:p>
+          <a:p>
+            <a:pPr marL="800100" lvl="1" indent="-342900">
+              <a:lnSpc>
+                <a:spcPct val="200000"/>
+              </a:lnSpc>
+              <a:buFont typeface="Arial" panose="020B0604020202020204" pitchFamily="34" charset="0"/>
+              <a:buChar char="•"/>
+            </a:pPr>
+            <a:r>
+              <a:rPr lang="en-US" altLang="zh-CN" sz="2800" dirty="0" smtClean="0">
+                <a:latin typeface="Meiryo" panose="020B0604030504040204" pitchFamily="34" charset="-128"/>
+                <a:ea typeface="Meiryo" panose="020B0604030504040204" pitchFamily="34" charset="-128"/>
+                <a:cs typeface="Meiryo" panose="020B0604030504040204" pitchFamily="34" charset="-128"/>
+              </a:rPr>
+              <a:t>Segment it to </a:t>
+            </a:r>
+            <a:r>
+              <a:rPr lang="en-US" altLang="zh-CN" sz="2800" u="sng" dirty="0" smtClean="0">
+                <a:latin typeface="Meiryo" panose="020B0604030504040204" pitchFamily="34" charset="-128"/>
+                <a:ea typeface="Meiryo" panose="020B0604030504040204" pitchFamily="34" charset="-128"/>
+                <a:cs typeface="Meiryo" panose="020B0604030504040204" pitchFamily="34" charset="-128"/>
+              </a:rPr>
+              <a:t>conten-based clusters</a:t>
+            </a:r>
+            <a:r>
+              <a:rPr lang="en-US" altLang="zh-CN" sz="2800" dirty="0" smtClean="0">
+                <a:latin typeface="Meiryo" panose="020B0604030504040204" pitchFamily="34" charset="-128"/>
+                <a:ea typeface="Meiryo" panose="020B0604030504040204" pitchFamily="34" charset="-128"/>
+                <a:cs typeface="Meiryo" panose="020B0604030504040204" pitchFamily="34" charset="-128"/>
+              </a:rPr>
+              <a:t> by </a:t>
+            </a:r>
+            <a:r>
+              <a:rPr lang="en-US" altLang="zh-CN" sz="2800" u="sng" dirty="0" smtClean="0">
+                <a:latin typeface="Meiryo" panose="020B0604030504040204" pitchFamily="34" charset="-128"/>
+                <a:ea typeface="Meiryo" panose="020B0604030504040204" pitchFamily="34" charset="-128"/>
+                <a:cs typeface="Meiryo" panose="020B0604030504040204" pitchFamily="34" charset="-128"/>
+              </a:rPr>
+              <a:t>semntic features(from CNN)</a:t>
+            </a:r>
+          </a:p>
+          <a:p>
+            <a:pPr marL="800100" lvl="1" indent="-342900">
+              <a:lnSpc>
+                <a:spcPct val="200000"/>
+              </a:lnSpc>
+              <a:buFont typeface="Arial" panose="020B0604020202020204" pitchFamily="34" charset="0"/>
+              <a:buChar char="•"/>
+            </a:pPr>
+            <a:r>
+              <a:rPr lang="en-US" altLang="zh-CN" sz="2800" dirty="0" smtClean="0">
+                <a:latin typeface="Meiryo" panose="020B0604030504040204" pitchFamily="34" charset="-128"/>
+                <a:ea typeface="Meiryo" panose="020B0604030504040204" pitchFamily="34" charset="-128"/>
+                <a:cs typeface="Meiryo" panose="020B0604030504040204" pitchFamily="34" charset="-128"/>
+              </a:rPr>
+              <a:t>Learn a </a:t>
+            </a:r>
+            <a:r>
+              <a:rPr lang="en-US" altLang="zh-CN" sz="2800" u="sng" dirty="0" smtClean="0">
+                <a:latin typeface="Meiryo" panose="020B0604030504040204" pitchFamily="34" charset="-128"/>
+                <a:ea typeface="Meiryo" panose="020B0604030504040204" pitchFamily="34" charset="-128"/>
+                <a:cs typeface="Meiryo" panose="020B0604030504040204" pitchFamily="34" charset="-128"/>
+              </a:rPr>
+              <a:t>ranking of the style exemplar for each cluster </a:t>
+            </a:r>
+            <a:r>
+              <a:rPr lang="en-US" altLang="zh-CN" sz="2800" dirty="0" smtClean="0">
+                <a:latin typeface="Meiryo" panose="020B0604030504040204" pitchFamily="34" charset="-128"/>
+                <a:ea typeface="Meiryo" panose="020B0604030504040204" pitchFamily="34" charset="-128"/>
+                <a:cs typeface="Meiryo" panose="020B0604030504040204" pitchFamily="34" charset="-128"/>
+              </a:rPr>
+              <a:t>by eveluating the respective </a:t>
+            </a:r>
+            <a:r>
+              <a:rPr lang="en-US" altLang="zh-CN" sz="2800" u="sng" dirty="0" smtClean="0">
+                <a:latin typeface="Meiryo" panose="020B0604030504040204" pitchFamily="34" charset="-128"/>
+                <a:ea typeface="Meiryo" panose="020B0604030504040204" pitchFamily="34" charset="-128"/>
+                <a:cs typeface="Meiryo" panose="020B0604030504040204" pitchFamily="34" charset="-128"/>
+              </a:rPr>
+              <a:t>style similarities </a:t>
+            </a:r>
+            <a:r>
+              <a:rPr lang="en-US" altLang="zh-CN" sz="2800" dirty="0" smtClean="0">
+                <a:latin typeface="Meiryo" panose="020B0604030504040204" pitchFamily="34" charset="-128"/>
+                <a:ea typeface="Meiryo" panose="020B0604030504040204" pitchFamily="34" charset="-128"/>
+                <a:cs typeface="Meiryo" panose="020B0604030504040204" pitchFamily="34" charset="-128"/>
+              </a:rPr>
+              <a:t>to images in the cluster</a:t>
+            </a:r>
+          </a:p>
+        </p:txBody>
+      </p:sp>
+    </p:spTree>
+    <p:extLst>
+      <p:ext uri="{BB962C8B-B14F-4D97-AF65-F5344CB8AC3E}">
+        <p14:creationId xmlns:p14="http://schemas.microsoft.com/office/powerpoint/2010/main" val="3089685507"/>
+      </p:ext>
+    </p:extLst>
+  </p:cSld>
+  <p:clrMapOvr>
+    <a:masterClrMapping/>
+  </p:clrMapOvr>
+  <p:timing>
+    <p:tnLst>
+      <p:par>
+        <p:cTn id="1" dur="indefinite" restart="never" nodeType="tmRoot"/>
+      </p:par>
+    </p:tnLst>
+  </p:timing>
+</p:sld>
+</file>
+
+<file path=ppt/slides/slide9.xml><?xml version="1.0" encoding="utf-8"?>
+<p:sld xmlns:a="http://schemas.openxmlformats.org/drawingml/2006/main" xmlns:r="http://schemas.openxmlformats.org/officeDocument/2006/relationships" xmlns:p="http://schemas.openxmlformats.org/presentationml/2006/main">
+  <p:cSld>
+    <p:spTree>
+      <p:nvGrpSpPr>
+        <p:cNvPr id="1" name=""/>
+        <p:cNvGrpSpPr/>
+        <p:nvPr/>
+      </p:nvGrpSpPr>
+      <p:grpSpPr>
+        <a:xfrm>
+          <a:off x="0" y="0"/>
+          <a:ext cx="0" cy="0"/>
+          <a:chOff x="0" y="0"/>
+          <a:chExt cx="0" cy="0"/>
+        </a:xfrm>
+      </p:grpSpPr>
+      <p:sp>
+        <p:nvSpPr>
+          <p:cNvPr id="6" name="矩形 5"/>
+          <p:cNvSpPr/>
+          <p:nvPr/>
+        </p:nvSpPr>
+        <p:spPr>
+          <a:xfrm rot="877900">
+            <a:off x="-2271512" y="-5775958"/>
+            <a:ext cx="6186601" cy="6857999"/>
+          </a:xfrm>
+          <a:prstGeom prst="rect">
+            <a:avLst/>
+          </a:prstGeom>
+          <a:solidFill>
+            <a:schemeClr val="bg1">
+              <a:lumMod val="95000"/>
+            </a:schemeClr>
+          </a:solidFill>
+          <a:ln>
+            <a:noFill/>
+          </a:ln>
+        </p:spPr>
+        <p:style>
+          <a:lnRef idx="2">
+            <a:schemeClr val="accent1">
+              <a:shade val="50000"/>
+            </a:schemeClr>
+          </a:lnRef>
+          <a:fillRef idx="1">
+            <a:schemeClr val="accent1"/>
+          </a:fillRef>
+          <a:effectRef idx="0">
+            <a:schemeClr val="accent1"/>
+          </a:effectRef>
+          <a:fontRef idx="minor">
+            <a:schemeClr val="lt1"/>
+          </a:fontRef>
+        </p:style>
+        <p:txBody>
+          <a:bodyPr rtlCol="0" anchor="ctr"/>
+          <a:lstStyle/>
+          <a:p>
+            <a:pPr algn="ctr"/>
+            <a:endParaRPr lang="zh-CN" altLang="en-US"/>
+          </a:p>
+        </p:txBody>
+      </p:sp>
+      <p:sp>
+        <p:nvSpPr>
+          <p:cNvPr id="30" name="文本框 29"/>
+          <p:cNvSpPr txBox="1"/>
+          <p:nvPr/>
+        </p:nvSpPr>
+        <p:spPr>
+          <a:xfrm>
+            <a:off x="662538" y="294935"/>
+            <a:ext cx="9205361" cy="769441"/>
+          </a:xfrm>
+          <a:prstGeom prst="rect">
+            <a:avLst/>
+          </a:prstGeom>
+          <a:noFill/>
+        </p:spPr>
+        <p:txBody>
+          <a:bodyPr wrap="square" rtlCol="0">
+            <a:spAutoFit/>
+          </a:bodyPr>
+          <a:lstStyle/>
+          <a:p>
+            <a:r>
+              <a:rPr lang="en-US" altLang="zh-CN" sz="4400" b="1" dirty="0" smtClean="0">
                 <a:solidFill>
                   <a:srgbClr val="00ABB4"/>
                 </a:solidFill>
-                <a:effectLst>
-                  <a:outerShdw blurRad="38100" dist="38100" dir="2700000" algn="tl">
-                    <a:srgbClr val="000000">
-                      <a:alpha val="43137"/>
-                    </a:srgbClr>
-                  </a:outerShdw>
-                </a:effectLst>
                 <a:latin typeface="微软雅黑" panose="020B0503020204020204" pitchFamily="34" charset="-122"/>
                 <a:ea typeface="微软雅黑" panose="020B0503020204020204" pitchFamily="34" charset="-122"/>
               </a:rPr>
-              <a:t/>
-            </a:r>
-            <a:br>
-              <a:rPr lang="en-US" altLang="zh-CN" sz="3800" b="1" dirty="0">
-                <a:solidFill>
-                  <a:srgbClr val="00ABB4"/>
-                </a:solidFill>
-                <a:effectLst>
-                  <a:outerShdw blurRad="38100" dist="38100" dir="2700000" algn="tl">
-                    <a:srgbClr val="000000">
-                      <a:alpha val="43137"/>
-                    </a:srgbClr>
-                  </a:outerShdw>
-                </a:effectLst>
-                <a:latin typeface="微软雅黑" panose="020B0503020204020204" pitchFamily="34" charset="-122"/>
-                <a:ea typeface="微软雅黑" panose="020B0503020204020204" pitchFamily="34" charset="-122"/>
-              </a:rPr>
-            </a:br>
-            <a:endParaRPr lang="en-US" altLang="zh-CN" sz="3800" b="1" dirty="0">
+              <a:t>Introduction</a:t>
+            </a:r>
+            <a:endParaRPr lang="en-US" altLang="zh-CN" sz="4400" b="1" dirty="0">
               <a:solidFill>
                 <a:srgbClr val="00ABB4"/>
               </a:solidFill>
-              <a:effectLst>
-                <a:outerShdw blurRad="38100" dist="38100" dir="2700000" algn="tl">
-                  <a:srgbClr val="000000">
-                    <a:alpha val="43137"/>
-                  </a:srgbClr>
-                </a:outerShdw>
-              </a:effectLst>
               <a:latin typeface="微软雅黑" panose="020B0503020204020204" pitchFamily="34" charset="-122"/>
               <a:ea typeface="微软雅黑" panose="020B0503020204020204" pitchFamily="34" charset="-122"/>
             </a:endParaRPr>
           </a:p>
         </p:txBody>
       </p:sp>
+      <p:sp>
+        <p:nvSpPr>
+          <p:cNvPr id="31" name="Rectangle 96"/>
+          <p:cNvSpPr/>
+          <p:nvPr/>
+        </p:nvSpPr>
+        <p:spPr>
+          <a:xfrm>
+            <a:off x="821787" y="1254876"/>
+            <a:ext cx="10833001" cy="4401205"/>
+          </a:xfrm>
+          <a:prstGeom prst="rect">
+            <a:avLst/>
+          </a:prstGeom>
+        </p:spPr>
+        <p:txBody>
+          <a:bodyPr wrap="square">
+            <a:spAutoFit/>
+          </a:bodyPr>
+          <a:lstStyle/>
+          <a:p>
+            <a:pPr marL="342900" indent="-342900">
+              <a:lnSpc>
+                <a:spcPct val="200000"/>
+              </a:lnSpc>
+              <a:buFont typeface="Arial" panose="020B0604020202020204" pitchFamily="34" charset="0"/>
+              <a:buChar char="•"/>
+            </a:pPr>
+            <a:r>
+              <a:rPr lang="en-US" altLang="zh-CN" sz="2800" b="1" dirty="0" smtClean="0">
+                <a:latin typeface="Meiryo" panose="020B0604030504040204" pitchFamily="34" charset="-128"/>
+                <a:ea typeface="Meiryo" panose="020B0604030504040204" pitchFamily="34" charset="-128"/>
+                <a:cs typeface="Meiryo" panose="020B0604030504040204" pitchFamily="34" charset="-128"/>
+              </a:rPr>
+              <a:t>Run time:</a:t>
+            </a:r>
+          </a:p>
+          <a:p>
+            <a:pPr marL="800100" lvl="1" indent="-342900">
+              <a:lnSpc>
+                <a:spcPct val="200000"/>
+              </a:lnSpc>
+              <a:buFont typeface="Arial" panose="020B0604020202020204" pitchFamily="34" charset="0"/>
+              <a:buChar char="•"/>
+            </a:pPr>
+            <a:r>
+              <a:rPr lang="en-US" altLang="zh-CN" sz="2800" dirty="0" smtClean="0">
+                <a:latin typeface="Meiryo" panose="020B0604030504040204" pitchFamily="34" charset="-128"/>
+                <a:ea typeface="Meiryo" panose="020B0604030504040204" pitchFamily="34" charset="-128"/>
+                <a:cs typeface="Meiryo" panose="020B0604030504040204" pitchFamily="34" charset="-128"/>
+              </a:rPr>
+              <a:t>Input photo</a:t>
+            </a:r>
+          </a:p>
+          <a:p>
+            <a:pPr marL="800100" lvl="1" indent="-342900">
+              <a:lnSpc>
+                <a:spcPct val="200000"/>
+              </a:lnSpc>
+              <a:buFont typeface="Arial" panose="020B0604020202020204" pitchFamily="34" charset="0"/>
+              <a:buChar char="•"/>
+            </a:pPr>
+            <a:r>
+              <a:rPr lang="en-US" altLang="zh-CN" sz="2800" dirty="0" smtClean="0">
+                <a:latin typeface="Meiryo" panose="020B0604030504040204" pitchFamily="34" charset="-128"/>
+                <a:ea typeface="Meiryo" panose="020B0604030504040204" pitchFamily="34" charset="-128"/>
+                <a:cs typeface="Meiryo" panose="020B0604030504040204" pitchFamily="34" charset="-128"/>
+              </a:rPr>
+              <a:t>Nearest cluster to it</a:t>
+            </a:r>
+          </a:p>
+          <a:p>
+            <a:pPr marL="800100" lvl="1" indent="-342900">
+              <a:lnSpc>
+                <a:spcPct val="200000"/>
+              </a:lnSpc>
+              <a:buFont typeface="Arial" panose="020B0604020202020204" pitchFamily="34" charset="0"/>
+              <a:buChar char="•"/>
+            </a:pPr>
+            <a:r>
+              <a:rPr lang="en-US" altLang="zh-CN" sz="2800" dirty="0" smtClean="0">
+                <a:latin typeface="Meiryo" panose="020B0604030504040204" pitchFamily="34" charset="-128"/>
+                <a:ea typeface="Meiryo" panose="020B0604030504040204" pitchFamily="34" charset="-128"/>
+                <a:cs typeface="Meiryo" panose="020B0604030504040204" pitchFamily="34" charset="-128"/>
+              </a:rPr>
+              <a:t>Stylized exemplar ranking Sample to get a diverse subset of relevant style exemplar</a:t>
+            </a:r>
+            <a:r>
+              <a:rPr lang="en-US" altLang="zh-CN" sz="2800" dirty="0">
+                <a:latin typeface="Meiryo" panose="020B0604030504040204" pitchFamily="34" charset="-128"/>
+                <a:ea typeface="Meiryo" panose="020B0604030504040204" pitchFamily="34" charset="-128"/>
+                <a:cs typeface="Meiryo" panose="020B0604030504040204" pitchFamily="34" charset="-128"/>
+              </a:rPr>
+              <a:t>(not only one exemplar</a:t>
+            </a:r>
+            <a:r>
+              <a:rPr lang="en-US" altLang="zh-CN" sz="2800" dirty="0" smtClean="0">
+                <a:latin typeface="Meiryo" panose="020B0604030504040204" pitchFamily="34" charset="-128"/>
+                <a:ea typeface="Meiryo" panose="020B0604030504040204" pitchFamily="34" charset="-128"/>
+                <a:cs typeface="Meiryo" panose="020B0604030504040204" pitchFamily="34" charset="-128"/>
+              </a:rPr>
+              <a:t>)</a:t>
+            </a:r>
+          </a:p>
+        </p:txBody>
+      </p:sp>
     </p:spTree>
     <p:extLst>
       <p:ext uri="{BB962C8B-B14F-4D97-AF65-F5344CB8AC3E}">
-        <p14:creationId xmlns:p14="http://schemas.microsoft.com/office/powerpoint/2010/main" val="3711594375"/>
+        <p14:creationId xmlns:p14="http://schemas.microsoft.com/office/powerpoint/2010/main" val="3734846497"/>
       </p:ext>
     </p:extLst>
   </p:cSld>
@@ -6206,7 +8206,7 @@
   <a:extraClrSchemeLst/>
   <a:extLst>
     <a:ext uri="{05A4C25C-085E-4340-85A3-A5531E510DB2}">
-      <thm15:themeFamily xmlns="" xmlns:thm15="http://schemas.microsoft.com/office/thememl/2012/main" name="Office Theme" id="{62F939B6-93AF-4DB8-9C6B-D6C7DFDC589F}" vid="{4A3C46E8-61CC-4603-A589-7422A47A8E4A}"/>
+      <thm15:themeFamily xmlns:thm15="http://schemas.microsoft.com/office/thememl/2012/main" xmlns="" name="Office Theme" id="{62F939B6-93AF-4DB8-9C6B-D6C7DFDC589F}" vid="{4A3C46E8-61CC-4603-A589-7422A47A8E4A}"/>
     </a:ext>
   </a:extLst>
 </a:theme>
@@ -6467,7 +8467,7 @@
   <a:extraClrSchemeLst/>
   <a:extLst>
     <a:ext uri="{05A4C25C-085E-4340-85A3-A5531E510DB2}">
-      <thm15:themeFamily xmlns="" xmlns:thm15="http://schemas.microsoft.com/office/thememl/2012/main" name="Office Theme" id="{62F939B6-93AF-4DB8-9C6B-D6C7DFDC589F}" vid="{4A3C46E8-61CC-4603-A589-7422A47A8E4A}"/>
+      <thm15:themeFamily xmlns:thm15="http://schemas.microsoft.com/office/thememl/2012/main" xmlns="" name="Office Theme" id="{62F939B6-93AF-4DB8-9C6B-D6C7DFDC589F}" vid="{4A3C46E8-61CC-4603-A589-7422A47A8E4A}"/>
     </a:ext>
   </a:extLst>
 </a:theme>

--- a/ComputerVision.pptx
+++ b/ComputerVision.pptx
@@ -5,7 +5,7 @@
     <p:sldMasterId id="2147483648" r:id="rId1"/>
   </p:sldMasterIdLst>
   <p:notesMasterIdLst>
-    <p:notesMasterId r:id="rId31"/>
+    <p:notesMasterId r:id="rId39"/>
   </p:notesMasterIdLst>
   <p:sldIdLst>
     <p:sldId id="442" r:id="rId2"/>
@@ -29,14 +29,22 @@
     <p:sldId id="489" r:id="rId20"/>
     <p:sldId id="494" r:id="rId21"/>
     <p:sldId id="495" r:id="rId22"/>
-    <p:sldId id="493" r:id="rId23"/>
-    <p:sldId id="496" r:id="rId24"/>
-    <p:sldId id="497" r:id="rId25"/>
-    <p:sldId id="499" r:id="rId26"/>
-    <p:sldId id="500" r:id="rId27"/>
-    <p:sldId id="501" r:id="rId28"/>
-    <p:sldId id="502" r:id="rId29"/>
-    <p:sldId id="303" r:id="rId30"/>
+    <p:sldId id="496" r:id="rId23"/>
+    <p:sldId id="493" r:id="rId24"/>
+    <p:sldId id="499" r:id="rId25"/>
+    <p:sldId id="500" r:id="rId26"/>
+    <p:sldId id="501" r:id="rId27"/>
+    <p:sldId id="502" r:id="rId28"/>
+    <p:sldId id="503" r:id="rId29"/>
+    <p:sldId id="504" r:id="rId30"/>
+    <p:sldId id="505" r:id="rId31"/>
+    <p:sldId id="506" r:id="rId32"/>
+    <p:sldId id="507" r:id="rId33"/>
+    <p:sldId id="508" r:id="rId34"/>
+    <p:sldId id="509" r:id="rId35"/>
+    <p:sldId id="510" r:id="rId36"/>
+    <p:sldId id="511" r:id="rId37"/>
+    <p:sldId id="303" r:id="rId38"/>
   </p:sldIdLst>
   <p:sldSz cx="12192000" cy="6858000"/>
   <p:notesSz cx="6858000" cy="9144000"/>
@@ -2283,6 +2291,90 @@
 </p:notes>
 </file>
 
+<file path=ppt/notesSlides/notesSlide29.xml><?xml version="1.0" encoding="utf-8"?>
+<p:notes xmlns:a="http://schemas.openxmlformats.org/drawingml/2006/main" xmlns:r="http://schemas.openxmlformats.org/officeDocument/2006/relationships" xmlns:p="http://schemas.openxmlformats.org/presentationml/2006/main">
+  <p:cSld>
+    <p:spTree>
+      <p:nvGrpSpPr>
+        <p:cNvPr id="1" name=""/>
+        <p:cNvGrpSpPr/>
+        <p:nvPr/>
+      </p:nvGrpSpPr>
+      <p:grpSpPr>
+        <a:xfrm>
+          <a:off x="0" y="0"/>
+          <a:ext cx="0" cy="0"/>
+          <a:chOff x="0" y="0"/>
+          <a:chExt cx="0" cy="0"/>
+        </a:xfrm>
+      </p:grpSpPr>
+      <p:sp>
+        <p:nvSpPr>
+          <p:cNvPr id="2" name="幻灯片图像占位符 1"/>
+          <p:cNvSpPr>
+            <a:spLocks noGrp="1" noRot="1" noChangeAspect="1"/>
+          </p:cNvSpPr>
+          <p:nvPr>
+            <p:ph type="sldImg"/>
+          </p:nvPr>
+        </p:nvSpPr>
+        <p:spPr/>
+      </p:sp>
+      <p:sp>
+        <p:nvSpPr>
+          <p:cNvPr id="3" name="备注占位符 2"/>
+          <p:cNvSpPr>
+            <a:spLocks noGrp="1"/>
+          </p:cNvSpPr>
+          <p:nvPr>
+            <p:ph type="body" idx="1"/>
+          </p:nvPr>
+        </p:nvSpPr>
+        <p:spPr/>
+        <p:txBody>
+          <a:bodyPr/>
+          <a:lstStyle/>
+          <a:p>
+            <a:endParaRPr lang="zh-CN" altLang="en-US" dirty="0"/>
+          </a:p>
+        </p:txBody>
+      </p:sp>
+      <p:sp>
+        <p:nvSpPr>
+          <p:cNvPr id="4" name="灯片编号占位符 3"/>
+          <p:cNvSpPr>
+            <a:spLocks noGrp="1"/>
+          </p:cNvSpPr>
+          <p:nvPr>
+            <p:ph type="sldNum" sz="quarter" idx="10"/>
+          </p:nvPr>
+        </p:nvSpPr>
+        <p:spPr/>
+        <p:txBody>
+          <a:bodyPr/>
+          <a:lstStyle/>
+          <a:p>
+            <a:fld id="{DD202784-B46A-4EF4-B218-4316F9133D14}" type="slidenum">
+              <a:rPr lang="zh-CN" altLang="en-US" smtClean="0"/>
+              <a:t>29</a:t>
+            </a:fld>
+            <a:endParaRPr lang="zh-CN" altLang="en-US"/>
+          </a:p>
+        </p:txBody>
+      </p:sp>
+    </p:spTree>
+    <p:extLst>
+      <p:ext uri="{BB962C8B-B14F-4D97-AF65-F5344CB8AC3E}">
+        <p14:creationId xmlns:p14="http://schemas.microsoft.com/office/powerpoint/2010/main" val="3776015239"/>
+      </p:ext>
+    </p:extLst>
+  </p:cSld>
+  <p:clrMapOvr>
+    <a:masterClrMapping/>
+  </p:clrMapOvr>
+</p:notes>
+</file>
+
 <file path=ppt/notesSlides/notesSlide3.xml><?xml version="1.0" encoding="utf-8"?>
 <p:notes xmlns:a="http://schemas.openxmlformats.org/drawingml/2006/main" xmlns:r="http://schemas.openxmlformats.org/officeDocument/2006/relationships" xmlns:p="http://schemas.openxmlformats.org/presentationml/2006/main">
   <p:cSld>
@@ -2349,6 +2441,594 @@
             <a:fld id="{DD202784-B46A-4EF4-B218-4316F9133D14}" type="slidenum">
               <a:rPr lang="zh-CN" altLang="en-US" smtClean="0"/>
               <a:t>3</a:t>
+            </a:fld>
+            <a:endParaRPr lang="zh-CN" altLang="en-US"/>
+          </a:p>
+        </p:txBody>
+      </p:sp>
+    </p:spTree>
+    <p:extLst>
+      <p:ext uri="{BB962C8B-B14F-4D97-AF65-F5344CB8AC3E}">
+        <p14:creationId xmlns:p14="http://schemas.microsoft.com/office/powerpoint/2010/main" val="3776015239"/>
+      </p:ext>
+    </p:extLst>
+  </p:cSld>
+  <p:clrMapOvr>
+    <a:masterClrMapping/>
+  </p:clrMapOvr>
+</p:notes>
+</file>
+
+<file path=ppt/notesSlides/notesSlide30.xml><?xml version="1.0" encoding="utf-8"?>
+<p:notes xmlns:a="http://schemas.openxmlformats.org/drawingml/2006/main" xmlns:r="http://schemas.openxmlformats.org/officeDocument/2006/relationships" xmlns:p="http://schemas.openxmlformats.org/presentationml/2006/main">
+  <p:cSld>
+    <p:spTree>
+      <p:nvGrpSpPr>
+        <p:cNvPr id="1" name=""/>
+        <p:cNvGrpSpPr/>
+        <p:nvPr/>
+      </p:nvGrpSpPr>
+      <p:grpSpPr>
+        <a:xfrm>
+          <a:off x="0" y="0"/>
+          <a:ext cx="0" cy="0"/>
+          <a:chOff x="0" y="0"/>
+          <a:chExt cx="0" cy="0"/>
+        </a:xfrm>
+      </p:grpSpPr>
+      <p:sp>
+        <p:nvSpPr>
+          <p:cNvPr id="2" name="幻灯片图像占位符 1"/>
+          <p:cNvSpPr>
+            <a:spLocks noGrp="1" noRot="1" noChangeAspect="1"/>
+          </p:cNvSpPr>
+          <p:nvPr>
+            <p:ph type="sldImg"/>
+          </p:nvPr>
+        </p:nvSpPr>
+        <p:spPr/>
+      </p:sp>
+      <p:sp>
+        <p:nvSpPr>
+          <p:cNvPr id="3" name="备注占位符 2"/>
+          <p:cNvSpPr>
+            <a:spLocks noGrp="1"/>
+          </p:cNvSpPr>
+          <p:nvPr>
+            <p:ph type="body" idx="1"/>
+          </p:nvPr>
+        </p:nvSpPr>
+        <p:spPr/>
+        <p:txBody>
+          <a:bodyPr/>
+          <a:lstStyle/>
+          <a:p>
+            <a:endParaRPr lang="zh-CN" altLang="en-US" dirty="0"/>
+          </a:p>
+        </p:txBody>
+      </p:sp>
+      <p:sp>
+        <p:nvSpPr>
+          <p:cNvPr id="4" name="灯片编号占位符 3"/>
+          <p:cNvSpPr>
+            <a:spLocks noGrp="1"/>
+          </p:cNvSpPr>
+          <p:nvPr>
+            <p:ph type="sldNum" sz="quarter" idx="10"/>
+          </p:nvPr>
+        </p:nvSpPr>
+        <p:spPr/>
+        <p:txBody>
+          <a:bodyPr/>
+          <a:lstStyle/>
+          <a:p>
+            <a:fld id="{DD202784-B46A-4EF4-B218-4316F9133D14}" type="slidenum">
+              <a:rPr lang="zh-CN" altLang="en-US" smtClean="0"/>
+              <a:t>30</a:t>
+            </a:fld>
+            <a:endParaRPr lang="zh-CN" altLang="en-US"/>
+          </a:p>
+        </p:txBody>
+      </p:sp>
+    </p:spTree>
+    <p:extLst>
+      <p:ext uri="{BB962C8B-B14F-4D97-AF65-F5344CB8AC3E}">
+        <p14:creationId xmlns:p14="http://schemas.microsoft.com/office/powerpoint/2010/main" val="3776015239"/>
+      </p:ext>
+    </p:extLst>
+  </p:cSld>
+  <p:clrMapOvr>
+    <a:masterClrMapping/>
+  </p:clrMapOvr>
+</p:notes>
+</file>
+
+<file path=ppt/notesSlides/notesSlide31.xml><?xml version="1.0" encoding="utf-8"?>
+<p:notes xmlns:a="http://schemas.openxmlformats.org/drawingml/2006/main" xmlns:r="http://schemas.openxmlformats.org/officeDocument/2006/relationships" xmlns:p="http://schemas.openxmlformats.org/presentationml/2006/main">
+  <p:cSld>
+    <p:spTree>
+      <p:nvGrpSpPr>
+        <p:cNvPr id="1" name=""/>
+        <p:cNvGrpSpPr/>
+        <p:nvPr/>
+      </p:nvGrpSpPr>
+      <p:grpSpPr>
+        <a:xfrm>
+          <a:off x="0" y="0"/>
+          <a:ext cx="0" cy="0"/>
+          <a:chOff x="0" y="0"/>
+          <a:chExt cx="0" cy="0"/>
+        </a:xfrm>
+      </p:grpSpPr>
+      <p:sp>
+        <p:nvSpPr>
+          <p:cNvPr id="2" name="幻灯片图像占位符 1"/>
+          <p:cNvSpPr>
+            <a:spLocks noGrp="1" noRot="1" noChangeAspect="1"/>
+          </p:cNvSpPr>
+          <p:nvPr>
+            <p:ph type="sldImg"/>
+          </p:nvPr>
+        </p:nvSpPr>
+        <p:spPr/>
+      </p:sp>
+      <p:sp>
+        <p:nvSpPr>
+          <p:cNvPr id="3" name="备注占位符 2"/>
+          <p:cNvSpPr>
+            <a:spLocks noGrp="1"/>
+          </p:cNvSpPr>
+          <p:nvPr>
+            <p:ph type="body" idx="1"/>
+          </p:nvPr>
+        </p:nvSpPr>
+        <p:spPr/>
+        <p:txBody>
+          <a:bodyPr/>
+          <a:lstStyle/>
+          <a:p>
+            <a:endParaRPr lang="zh-CN" altLang="en-US" dirty="0"/>
+          </a:p>
+        </p:txBody>
+      </p:sp>
+      <p:sp>
+        <p:nvSpPr>
+          <p:cNvPr id="4" name="灯片编号占位符 3"/>
+          <p:cNvSpPr>
+            <a:spLocks noGrp="1"/>
+          </p:cNvSpPr>
+          <p:nvPr>
+            <p:ph type="sldNum" sz="quarter" idx="10"/>
+          </p:nvPr>
+        </p:nvSpPr>
+        <p:spPr/>
+        <p:txBody>
+          <a:bodyPr/>
+          <a:lstStyle/>
+          <a:p>
+            <a:fld id="{DD202784-B46A-4EF4-B218-4316F9133D14}" type="slidenum">
+              <a:rPr lang="zh-CN" altLang="en-US" smtClean="0"/>
+              <a:t>31</a:t>
+            </a:fld>
+            <a:endParaRPr lang="zh-CN" altLang="en-US"/>
+          </a:p>
+        </p:txBody>
+      </p:sp>
+    </p:spTree>
+    <p:extLst>
+      <p:ext uri="{BB962C8B-B14F-4D97-AF65-F5344CB8AC3E}">
+        <p14:creationId xmlns:p14="http://schemas.microsoft.com/office/powerpoint/2010/main" val="3776015239"/>
+      </p:ext>
+    </p:extLst>
+  </p:cSld>
+  <p:clrMapOvr>
+    <a:masterClrMapping/>
+  </p:clrMapOvr>
+</p:notes>
+</file>
+
+<file path=ppt/notesSlides/notesSlide32.xml><?xml version="1.0" encoding="utf-8"?>
+<p:notes xmlns:a="http://schemas.openxmlformats.org/drawingml/2006/main" xmlns:r="http://schemas.openxmlformats.org/officeDocument/2006/relationships" xmlns:p="http://schemas.openxmlformats.org/presentationml/2006/main">
+  <p:cSld>
+    <p:spTree>
+      <p:nvGrpSpPr>
+        <p:cNvPr id="1" name=""/>
+        <p:cNvGrpSpPr/>
+        <p:nvPr/>
+      </p:nvGrpSpPr>
+      <p:grpSpPr>
+        <a:xfrm>
+          <a:off x="0" y="0"/>
+          <a:ext cx="0" cy="0"/>
+          <a:chOff x="0" y="0"/>
+          <a:chExt cx="0" cy="0"/>
+        </a:xfrm>
+      </p:grpSpPr>
+      <p:sp>
+        <p:nvSpPr>
+          <p:cNvPr id="2" name="幻灯片图像占位符 1"/>
+          <p:cNvSpPr>
+            <a:spLocks noGrp="1" noRot="1" noChangeAspect="1"/>
+          </p:cNvSpPr>
+          <p:nvPr>
+            <p:ph type="sldImg"/>
+          </p:nvPr>
+        </p:nvSpPr>
+        <p:spPr/>
+      </p:sp>
+      <p:sp>
+        <p:nvSpPr>
+          <p:cNvPr id="3" name="备注占位符 2"/>
+          <p:cNvSpPr>
+            <a:spLocks noGrp="1"/>
+          </p:cNvSpPr>
+          <p:nvPr>
+            <p:ph type="body" idx="1"/>
+          </p:nvPr>
+        </p:nvSpPr>
+        <p:spPr/>
+        <p:txBody>
+          <a:bodyPr/>
+          <a:lstStyle/>
+          <a:p>
+            <a:endParaRPr lang="zh-CN" altLang="en-US" dirty="0"/>
+          </a:p>
+        </p:txBody>
+      </p:sp>
+      <p:sp>
+        <p:nvSpPr>
+          <p:cNvPr id="4" name="灯片编号占位符 3"/>
+          <p:cNvSpPr>
+            <a:spLocks noGrp="1"/>
+          </p:cNvSpPr>
+          <p:nvPr>
+            <p:ph type="sldNum" sz="quarter" idx="10"/>
+          </p:nvPr>
+        </p:nvSpPr>
+        <p:spPr/>
+        <p:txBody>
+          <a:bodyPr/>
+          <a:lstStyle/>
+          <a:p>
+            <a:fld id="{DD202784-B46A-4EF4-B218-4316F9133D14}" type="slidenum">
+              <a:rPr lang="zh-CN" altLang="en-US" smtClean="0"/>
+              <a:t>32</a:t>
+            </a:fld>
+            <a:endParaRPr lang="zh-CN" altLang="en-US"/>
+          </a:p>
+        </p:txBody>
+      </p:sp>
+    </p:spTree>
+    <p:extLst>
+      <p:ext uri="{BB962C8B-B14F-4D97-AF65-F5344CB8AC3E}">
+        <p14:creationId xmlns:p14="http://schemas.microsoft.com/office/powerpoint/2010/main" val="3776015239"/>
+      </p:ext>
+    </p:extLst>
+  </p:cSld>
+  <p:clrMapOvr>
+    <a:masterClrMapping/>
+  </p:clrMapOvr>
+</p:notes>
+</file>
+
+<file path=ppt/notesSlides/notesSlide33.xml><?xml version="1.0" encoding="utf-8"?>
+<p:notes xmlns:a="http://schemas.openxmlformats.org/drawingml/2006/main" xmlns:r="http://schemas.openxmlformats.org/officeDocument/2006/relationships" xmlns:p="http://schemas.openxmlformats.org/presentationml/2006/main">
+  <p:cSld>
+    <p:spTree>
+      <p:nvGrpSpPr>
+        <p:cNvPr id="1" name=""/>
+        <p:cNvGrpSpPr/>
+        <p:nvPr/>
+      </p:nvGrpSpPr>
+      <p:grpSpPr>
+        <a:xfrm>
+          <a:off x="0" y="0"/>
+          <a:ext cx="0" cy="0"/>
+          <a:chOff x="0" y="0"/>
+          <a:chExt cx="0" cy="0"/>
+        </a:xfrm>
+      </p:grpSpPr>
+      <p:sp>
+        <p:nvSpPr>
+          <p:cNvPr id="2" name="幻灯片图像占位符 1"/>
+          <p:cNvSpPr>
+            <a:spLocks noGrp="1" noRot="1" noChangeAspect="1"/>
+          </p:cNvSpPr>
+          <p:nvPr>
+            <p:ph type="sldImg"/>
+          </p:nvPr>
+        </p:nvSpPr>
+        <p:spPr/>
+      </p:sp>
+      <p:sp>
+        <p:nvSpPr>
+          <p:cNvPr id="3" name="备注占位符 2"/>
+          <p:cNvSpPr>
+            <a:spLocks noGrp="1"/>
+          </p:cNvSpPr>
+          <p:nvPr>
+            <p:ph type="body" idx="1"/>
+          </p:nvPr>
+        </p:nvSpPr>
+        <p:spPr/>
+        <p:txBody>
+          <a:bodyPr/>
+          <a:lstStyle/>
+          <a:p>
+            <a:endParaRPr lang="zh-CN" altLang="en-US" dirty="0"/>
+          </a:p>
+        </p:txBody>
+      </p:sp>
+      <p:sp>
+        <p:nvSpPr>
+          <p:cNvPr id="4" name="灯片编号占位符 3"/>
+          <p:cNvSpPr>
+            <a:spLocks noGrp="1"/>
+          </p:cNvSpPr>
+          <p:nvPr>
+            <p:ph type="sldNum" sz="quarter" idx="10"/>
+          </p:nvPr>
+        </p:nvSpPr>
+        <p:spPr/>
+        <p:txBody>
+          <a:bodyPr/>
+          <a:lstStyle/>
+          <a:p>
+            <a:fld id="{DD202784-B46A-4EF4-B218-4316F9133D14}" type="slidenum">
+              <a:rPr lang="zh-CN" altLang="en-US" smtClean="0"/>
+              <a:t>33</a:t>
+            </a:fld>
+            <a:endParaRPr lang="zh-CN" altLang="en-US"/>
+          </a:p>
+        </p:txBody>
+      </p:sp>
+    </p:spTree>
+    <p:extLst>
+      <p:ext uri="{BB962C8B-B14F-4D97-AF65-F5344CB8AC3E}">
+        <p14:creationId xmlns:p14="http://schemas.microsoft.com/office/powerpoint/2010/main" val="3776015239"/>
+      </p:ext>
+    </p:extLst>
+  </p:cSld>
+  <p:clrMapOvr>
+    <a:masterClrMapping/>
+  </p:clrMapOvr>
+</p:notes>
+</file>
+
+<file path=ppt/notesSlides/notesSlide34.xml><?xml version="1.0" encoding="utf-8"?>
+<p:notes xmlns:a="http://schemas.openxmlformats.org/drawingml/2006/main" xmlns:r="http://schemas.openxmlformats.org/officeDocument/2006/relationships" xmlns:p="http://schemas.openxmlformats.org/presentationml/2006/main">
+  <p:cSld>
+    <p:spTree>
+      <p:nvGrpSpPr>
+        <p:cNvPr id="1" name=""/>
+        <p:cNvGrpSpPr/>
+        <p:nvPr/>
+      </p:nvGrpSpPr>
+      <p:grpSpPr>
+        <a:xfrm>
+          <a:off x="0" y="0"/>
+          <a:ext cx="0" cy="0"/>
+          <a:chOff x="0" y="0"/>
+          <a:chExt cx="0" cy="0"/>
+        </a:xfrm>
+      </p:grpSpPr>
+      <p:sp>
+        <p:nvSpPr>
+          <p:cNvPr id="2" name="幻灯片图像占位符 1"/>
+          <p:cNvSpPr>
+            <a:spLocks noGrp="1" noRot="1" noChangeAspect="1"/>
+          </p:cNvSpPr>
+          <p:nvPr>
+            <p:ph type="sldImg"/>
+          </p:nvPr>
+        </p:nvSpPr>
+        <p:spPr/>
+      </p:sp>
+      <p:sp>
+        <p:nvSpPr>
+          <p:cNvPr id="3" name="备注占位符 2"/>
+          <p:cNvSpPr>
+            <a:spLocks noGrp="1"/>
+          </p:cNvSpPr>
+          <p:nvPr>
+            <p:ph type="body" idx="1"/>
+          </p:nvPr>
+        </p:nvSpPr>
+        <p:spPr/>
+        <p:txBody>
+          <a:bodyPr/>
+          <a:lstStyle/>
+          <a:p>
+            <a:endParaRPr lang="zh-CN" altLang="en-US" dirty="0"/>
+          </a:p>
+        </p:txBody>
+      </p:sp>
+      <p:sp>
+        <p:nvSpPr>
+          <p:cNvPr id="4" name="灯片编号占位符 3"/>
+          <p:cNvSpPr>
+            <a:spLocks noGrp="1"/>
+          </p:cNvSpPr>
+          <p:nvPr>
+            <p:ph type="sldNum" sz="quarter" idx="10"/>
+          </p:nvPr>
+        </p:nvSpPr>
+        <p:spPr/>
+        <p:txBody>
+          <a:bodyPr/>
+          <a:lstStyle/>
+          <a:p>
+            <a:fld id="{DD202784-B46A-4EF4-B218-4316F9133D14}" type="slidenum">
+              <a:rPr lang="zh-CN" altLang="en-US" smtClean="0"/>
+              <a:t>34</a:t>
+            </a:fld>
+            <a:endParaRPr lang="zh-CN" altLang="en-US"/>
+          </a:p>
+        </p:txBody>
+      </p:sp>
+    </p:spTree>
+    <p:extLst>
+      <p:ext uri="{BB962C8B-B14F-4D97-AF65-F5344CB8AC3E}">
+        <p14:creationId xmlns:p14="http://schemas.microsoft.com/office/powerpoint/2010/main" val="3776015239"/>
+      </p:ext>
+    </p:extLst>
+  </p:cSld>
+  <p:clrMapOvr>
+    <a:masterClrMapping/>
+  </p:clrMapOvr>
+</p:notes>
+</file>
+
+<file path=ppt/notesSlides/notesSlide35.xml><?xml version="1.0" encoding="utf-8"?>
+<p:notes xmlns:a="http://schemas.openxmlformats.org/drawingml/2006/main" xmlns:r="http://schemas.openxmlformats.org/officeDocument/2006/relationships" xmlns:p="http://schemas.openxmlformats.org/presentationml/2006/main">
+  <p:cSld>
+    <p:spTree>
+      <p:nvGrpSpPr>
+        <p:cNvPr id="1" name=""/>
+        <p:cNvGrpSpPr/>
+        <p:nvPr/>
+      </p:nvGrpSpPr>
+      <p:grpSpPr>
+        <a:xfrm>
+          <a:off x="0" y="0"/>
+          <a:ext cx="0" cy="0"/>
+          <a:chOff x="0" y="0"/>
+          <a:chExt cx="0" cy="0"/>
+        </a:xfrm>
+      </p:grpSpPr>
+      <p:sp>
+        <p:nvSpPr>
+          <p:cNvPr id="2" name="幻灯片图像占位符 1"/>
+          <p:cNvSpPr>
+            <a:spLocks noGrp="1" noRot="1" noChangeAspect="1"/>
+          </p:cNvSpPr>
+          <p:nvPr>
+            <p:ph type="sldImg"/>
+          </p:nvPr>
+        </p:nvSpPr>
+        <p:spPr/>
+      </p:sp>
+      <p:sp>
+        <p:nvSpPr>
+          <p:cNvPr id="3" name="备注占位符 2"/>
+          <p:cNvSpPr>
+            <a:spLocks noGrp="1"/>
+          </p:cNvSpPr>
+          <p:nvPr>
+            <p:ph type="body" idx="1"/>
+          </p:nvPr>
+        </p:nvSpPr>
+        <p:spPr/>
+        <p:txBody>
+          <a:bodyPr/>
+          <a:lstStyle/>
+          <a:p>
+            <a:endParaRPr lang="zh-CN" altLang="en-US" dirty="0"/>
+          </a:p>
+        </p:txBody>
+      </p:sp>
+      <p:sp>
+        <p:nvSpPr>
+          <p:cNvPr id="4" name="灯片编号占位符 3"/>
+          <p:cNvSpPr>
+            <a:spLocks noGrp="1"/>
+          </p:cNvSpPr>
+          <p:nvPr>
+            <p:ph type="sldNum" sz="quarter" idx="10"/>
+          </p:nvPr>
+        </p:nvSpPr>
+        <p:spPr/>
+        <p:txBody>
+          <a:bodyPr/>
+          <a:lstStyle/>
+          <a:p>
+            <a:fld id="{DD202784-B46A-4EF4-B218-4316F9133D14}" type="slidenum">
+              <a:rPr lang="zh-CN" altLang="en-US" smtClean="0"/>
+              <a:t>35</a:t>
+            </a:fld>
+            <a:endParaRPr lang="zh-CN" altLang="en-US"/>
+          </a:p>
+        </p:txBody>
+      </p:sp>
+    </p:spTree>
+    <p:extLst>
+      <p:ext uri="{BB962C8B-B14F-4D97-AF65-F5344CB8AC3E}">
+        <p14:creationId xmlns:p14="http://schemas.microsoft.com/office/powerpoint/2010/main" val="3776015239"/>
+      </p:ext>
+    </p:extLst>
+  </p:cSld>
+  <p:clrMapOvr>
+    <a:masterClrMapping/>
+  </p:clrMapOvr>
+</p:notes>
+</file>
+
+<file path=ppt/notesSlides/notesSlide36.xml><?xml version="1.0" encoding="utf-8"?>
+<p:notes xmlns:a="http://schemas.openxmlformats.org/drawingml/2006/main" xmlns:r="http://schemas.openxmlformats.org/officeDocument/2006/relationships" xmlns:p="http://schemas.openxmlformats.org/presentationml/2006/main">
+  <p:cSld>
+    <p:spTree>
+      <p:nvGrpSpPr>
+        <p:cNvPr id="1" name=""/>
+        <p:cNvGrpSpPr/>
+        <p:nvPr/>
+      </p:nvGrpSpPr>
+      <p:grpSpPr>
+        <a:xfrm>
+          <a:off x="0" y="0"/>
+          <a:ext cx="0" cy="0"/>
+          <a:chOff x="0" y="0"/>
+          <a:chExt cx="0" cy="0"/>
+        </a:xfrm>
+      </p:grpSpPr>
+      <p:sp>
+        <p:nvSpPr>
+          <p:cNvPr id="2" name="幻灯片图像占位符 1"/>
+          <p:cNvSpPr>
+            <a:spLocks noGrp="1" noRot="1" noChangeAspect="1"/>
+          </p:cNvSpPr>
+          <p:nvPr>
+            <p:ph type="sldImg"/>
+          </p:nvPr>
+        </p:nvSpPr>
+        <p:spPr/>
+      </p:sp>
+      <p:sp>
+        <p:nvSpPr>
+          <p:cNvPr id="3" name="备注占位符 2"/>
+          <p:cNvSpPr>
+            <a:spLocks noGrp="1"/>
+          </p:cNvSpPr>
+          <p:nvPr>
+            <p:ph type="body" idx="1"/>
+          </p:nvPr>
+        </p:nvSpPr>
+        <p:spPr/>
+        <p:txBody>
+          <a:bodyPr/>
+          <a:lstStyle/>
+          <a:p>
+            <a:endParaRPr lang="zh-CN" altLang="en-US" dirty="0"/>
+          </a:p>
+        </p:txBody>
+      </p:sp>
+      <p:sp>
+        <p:nvSpPr>
+          <p:cNvPr id="4" name="灯片编号占位符 3"/>
+          <p:cNvSpPr>
+            <a:spLocks noGrp="1"/>
+          </p:cNvSpPr>
+          <p:nvPr>
+            <p:ph type="sldNum" sz="quarter" idx="10"/>
+          </p:nvPr>
+        </p:nvSpPr>
+        <p:spPr/>
+        <p:txBody>
+          <a:bodyPr/>
+          <a:lstStyle/>
+          <a:p>
+            <a:fld id="{DD202784-B46A-4EF4-B218-4316F9133D14}" type="slidenum">
+              <a:rPr lang="zh-CN" altLang="en-US" smtClean="0"/>
+              <a:t>36</a:t>
             </a:fld>
             <a:endParaRPr lang="zh-CN" altLang="en-US"/>
           </a:p>
@@ -9305,7 +9985,7 @@
         <p:spPr>
           <a:xfrm>
             <a:off x="662538" y="294935"/>
-            <a:ext cx="9072012" cy="769441"/>
+            <a:ext cx="9072012" cy="1446550"/>
           </a:xfrm>
           <a:prstGeom prst="rect">
             <a:avLst/>
@@ -9318,6 +9998,7 @@
           </a:bodyPr>
           <a:lstStyle/>
           <a:p>
+            <a:pPr algn="r"/>
             <a:r>
               <a:rPr lang="en-US" altLang="zh-CN" sz="4400" b="1" dirty="0" smtClean="0">
                 <a:solidFill>
@@ -9346,9 +10027,19 @@
                 <a:latin typeface="微软雅黑" panose="020B0503020204020204" pitchFamily="34" charset="-122"/>
                 <a:ea typeface="微软雅黑" panose="020B0503020204020204" pitchFamily="34" charset="-122"/>
               </a:rPr>
-              <a:t>Transfer</a:t>
-            </a:r>
-            <a:endParaRPr lang="en-US" altLang="zh-CN" sz="4400" b="1" dirty="0">
+              <a:t>Transfer </a:t>
+            </a:r>
+            <a:r>
+              <a:rPr lang="en-US" altLang="zh-CN" sz="4400" dirty="0" smtClean="0">
+                <a:solidFill>
+                  <a:srgbClr val="00ABB4"/>
+                </a:solidFill>
+                <a:latin typeface="微软雅黑" panose="020B0503020204020204" pitchFamily="34" charset="-122"/>
+                <a:ea typeface="微软雅黑" panose="020B0503020204020204" pitchFamily="34" charset="-122"/>
+              </a:rPr>
+              <a:t>(do to I, along with S)</a:t>
+            </a:r>
+            <a:endParaRPr lang="en-US" altLang="zh-CN" sz="4400" dirty="0">
               <a:solidFill>
                 <a:srgbClr val="00ABB4"/>
               </a:solidFill>
@@ -9366,7 +10057,7 @@
         </p:nvSpPr>
         <p:spPr>
           <a:xfrm>
-            <a:off x="805956" y="1701020"/>
+            <a:off x="805956" y="2101070"/>
             <a:ext cx="10919862" cy="3539430"/>
           </a:xfrm>
           <a:prstGeom prst="rect">
@@ -9703,8 +10394,8 @@
         </p:nvSpPr>
         <p:spPr>
           <a:xfrm>
-            <a:off x="662538" y="1317831"/>
-            <a:ext cx="10919862" cy="4401205"/>
+            <a:off x="304800" y="1251491"/>
+            <a:ext cx="11582400" cy="5155257"/>
           </a:xfrm>
           <a:prstGeom prst="rect">
             <a:avLst/>
@@ -9716,7 +10407,7 @@
           </a:bodyPr>
           <a:lstStyle/>
           <a:p>
-            <a:pPr marL="342900" indent="-342900">
+            <a:pPr marL="800100" lvl="1" indent="-342900">
               <a:lnSpc>
                 <a:spcPct val="200000"/>
               </a:lnSpc>
@@ -9729,7 +10420,7 @@
                 <a:ea typeface="Meiryo" panose="020B0604030504040204" pitchFamily="34" charset="-128"/>
                 <a:cs typeface="Meiryo" panose="020B0604030504040204" pitchFamily="34" charset="-128"/>
               </a:rPr>
-              <a:t>Next, </a:t>
+              <a:t>We </a:t>
             </a:r>
             <a:r>
               <a:rPr lang="en-US" altLang="zh-CN" sz="2800" dirty="0">
@@ -9737,37 +10428,15 @@
                 <a:ea typeface="Meiryo" panose="020B0604030504040204" pitchFamily="34" charset="-128"/>
                 <a:cs typeface="Meiryo" panose="020B0604030504040204" pitchFamily="34" charset="-128"/>
               </a:rPr>
-              <a:t>we stretch the luminance (L channel) to cover</a:t>
-            </a:r>
-            <a:br>
+              <a:t>model </a:t>
+            </a:r>
+            <a:r>
               <a:rPr lang="en-US" altLang="zh-CN" sz="2800" dirty="0">
                 <a:latin typeface="Meiryo" panose="020B0604030504040204" pitchFamily="34" charset="-128"/>
                 <a:ea typeface="Meiryo" panose="020B0604030504040204" pitchFamily="34" charset="-128"/>
                 <a:cs typeface="Meiryo" panose="020B0604030504040204" pitchFamily="34" charset="-128"/>
               </a:rPr>
-            </a:br>
-            <a:r>
-              <a:rPr lang="en-US" altLang="zh-CN" sz="2800" dirty="0">
-                <a:latin typeface="Meiryo" panose="020B0604030504040204" pitchFamily="34" charset="-128"/>
-                <a:ea typeface="Meiryo" panose="020B0604030504040204" pitchFamily="34" charset="-128"/>
-                <a:cs typeface="Meiryo" panose="020B0604030504040204" pitchFamily="34" charset="-128"/>
-              </a:rPr>
-              <a:t>the full dynamic range after clipping both the minimum</a:t>
-            </a:r>
-            <a:br>
-              <a:rPr lang="en-US" altLang="zh-CN" sz="2800" dirty="0">
-                <a:latin typeface="Meiryo" panose="020B0604030504040204" pitchFamily="34" charset="-128"/>
-                <a:ea typeface="Meiryo" panose="020B0604030504040204" pitchFamily="34" charset="-128"/>
-                <a:cs typeface="Meiryo" panose="020B0604030504040204" pitchFamily="34" charset="-128"/>
-              </a:rPr>
-            </a:br>
-            <a:r>
-              <a:rPr lang="en-US" altLang="zh-CN" sz="2800" dirty="0">
-                <a:latin typeface="Meiryo" panose="020B0604030504040204" pitchFamily="34" charset="-128"/>
-                <a:ea typeface="Meiryo" panose="020B0604030504040204" pitchFamily="34" charset="-128"/>
-                <a:cs typeface="Meiryo" panose="020B0604030504040204" pitchFamily="34" charset="-128"/>
-              </a:rPr>
-              <a:t>and the maximum 0.5 percent pixels of luminance levels</a:t>
+              <a:t>the chrominance distribution of an image using </a:t>
             </a:r>
             <a:r>
               <a:rPr lang="en-US" altLang="zh-CN" sz="2800" dirty="0" smtClean="0">
@@ -9775,11 +10444,11 @@
                 <a:ea typeface="Meiryo" panose="020B0604030504040204" pitchFamily="34" charset="-128"/>
                 <a:cs typeface="Meiryo" panose="020B0604030504040204" pitchFamily="34" charset="-128"/>
               </a:rPr>
-              <a:t>,</a:t>
-            </a:r>
-          </a:p>
-          <a:p>
-            <a:pPr marL="342900" indent="-342900">
+              <a:t>a multivariate Gaussian</a:t>
+            </a:r>
+          </a:p>
+          <a:p>
+            <a:pPr marL="800100" lvl="1" indent="-342900">
               <a:lnSpc>
                 <a:spcPct val="200000"/>
               </a:lnSpc>
@@ -9792,7 +10461,7 @@
                 <a:ea typeface="Meiryo" panose="020B0604030504040204" pitchFamily="34" charset="-128"/>
                 <a:cs typeface="Meiryo" panose="020B0604030504040204" pitchFamily="34" charset="-128"/>
               </a:rPr>
-              <a:t>Last, apply </a:t>
+              <a:t>Then find </a:t>
             </a:r>
             <a:r>
               <a:rPr lang="en-US" altLang="zh-CN" sz="2800" dirty="0">
@@ -9800,7 +10469,7 @@
                 <a:ea typeface="Meiryo" panose="020B0604030504040204" pitchFamily="34" charset="-128"/>
                 <a:cs typeface="Meiryo" panose="020B0604030504040204" pitchFamily="34" charset="-128"/>
               </a:rPr>
-              <a:t>different transfer functions to the luminance </a:t>
+              <a:t>a transfer function </a:t>
             </a:r>
             <a:r>
               <a:rPr lang="en-US" altLang="zh-CN" sz="2800" dirty="0" smtClean="0">
@@ -9808,7 +10477,7 @@
                 <a:ea typeface="Meiryo" panose="020B0604030504040204" pitchFamily="34" charset="-128"/>
                 <a:cs typeface="Meiryo" panose="020B0604030504040204" pitchFamily="34" charset="-128"/>
               </a:rPr>
-              <a:t>and chrominance </a:t>
+              <a:t>that creates </a:t>
             </a:r>
             <a:r>
               <a:rPr lang="en-US" altLang="zh-CN" sz="2800" dirty="0">
@@ -9816,7 +10485,55 @@
                 <a:ea typeface="Meiryo" panose="020B0604030504040204" pitchFamily="34" charset="-128"/>
                 <a:cs typeface="Meiryo" panose="020B0604030504040204" pitchFamily="34" charset="-128"/>
               </a:rPr>
-              <a:t>components </a:t>
+              <a:t>the output image O by mapping the Gaussian statistics NS(µS, </a:t>
+            </a:r>
+            <a:r>
+              <a:rPr lang="el-GR" altLang="zh-CN" sz="2800" dirty="0">
+                <a:latin typeface="Meiryo" panose="020B0604030504040204" pitchFamily="34" charset="-128"/>
+                <a:ea typeface="Meiryo" panose="020B0604030504040204" pitchFamily="34" charset="-128"/>
+                <a:cs typeface="Meiryo" panose="020B0604030504040204" pitchFamily="34" charset="-128"/>
+              </a:rPr>
+              <a:t>Σ</a:t>
+            </a:r>
+            <a:r>
+              <a:rPr lang="en-US" altLang="zh-CN" sz="2800" dirty="0">
+                <a:latin typeface="Meiryo" panose="020B0604030504040204" pitchFamily="34" charset="-128"/>
+                <a:ea typeface="Meiryo" panose="020B0604030504040204" pitchFamily="34" charset="-128"/>
+                <a:cs typeface="Meiryo" panose="020B0604030504040204" pitchFamily="34" charset="-128"/>
+              </a:rPr>
+              <a:t>S) of the style exemplar S to the </a:t>
+            </a:r>
+            <a:r>
+              <a:rPr lang="en-US" altLang="zh-CN" sz="2800" dirty="0" smtClean="0">
+                <a:latin typeface="Meiryo" panose="020B0604030504040204" pitchFamily="34" charset="-128"/>
+                <a:ea typeface="Meiryo" panose="020B0604030504040204" pitchFamily="34" charset="-128"/>
+                <a:cs typeface="Meiryo" panose="020B0604030504040204" pitchFamily="34" charset="-128"/>
+              </a:rPr>
+              <a:t>Gaussian statistics </a:t>
+            </a:r>
+            <a:r>
+              <a:rPr lang="en-US" altLang="zh-CN" sz="2800" dirty="0">
+                <a:latin typeface="Meiryo" panose="020B0604030504040204" pitchFamily="34" charset="-128"/>
+                <a:ea typeface="Meiryo" panose="020B0604030504040204" pitchFamily="34" charset="-128"/>
+                <a:cs typeface="Meiryo" panose="020B0604030504040204" pitchFamily="34" charset="-128"/>
+              </a:rPr>
+              <a:t>NI(µI, </a:t>
+            </a:r>
+            <a:r>
+              <a:rPr lang="el-GR" altLang="zh-CN" sz="2800" dirty="0">
+                <a:latin typeface="Meiryo" panose="020B0604030504040204" pitchFamily="34" charset="-128"/>
+                <a:ea typeface="Meiryo" panose="020B0604030504040204" pitchFamily="34" charset="-128"/>
+                <a:cs typeface="Meiryo" panose="020B0604030504040204" pitchFamily="34" charset="-128"/>
+              </a:rPr>
+              <a:t>Σ</a:t>
+            </a:r>
+            <a:r>
+              <a:rPr lang="en-US" altLang="zh-CN" sz="2800" dirty="0">
+                <a:latin typeface="Meiryo" panose="020B0604030504040204" pitchFamily="34" charset="-128"/>
+                <a:ea typeface="Meiryo" panose="020B0604030504040204" pitchFamily="34" charset="-128"/>
+                <a:cs typeface="Meiryo" panose="020B0604030504040204" pitchFamily="34" charset="-128"/>
+              </a:rPr>
+              <a:t>I) of the input image I </a:t>
             </a:r>
           </a:p>
         </p:txBody>
@@ -9824,7 +10541,7 @@
     </p:spTree>
     <p:extLst>
       <p:ext uri="{BB962C8B-B14F-4D97-AF65-F5344CB8AC3E}">
-        <p14:creationId xmlns:p14="http://schemas.microsoft.com/office/powerpoint/2010/main" val="268914579"/>
+        <p14:creationId xmlns:p14="http://schemas.microsoft.com/office/powerpoint/2010/main" val="1916779387"/>
       </p:ext>
     </p:extLst>
   </p:cSld>
@@ -9956,7 +10673,133 @@
       </p:sp>
       <p:sp>
         <p:nvSpPr>
-          <p:cNvPr id="30" name="文本框 29"/>
+          <p:cNvPr id="31" name="Rectangle 96"/>
+          <p:cNvSpPr/>
+          <p:nvPr/>
+        </p:nvSpPr>
+        <p:spPr>
+          <a:xfrm>
+            <a:off x="662538" y="1363866"/>
+            <a:ext cx="10919862" cy="4401205"/>
+          </a:xfrm>
+          <a:prstGeom prst="rect">
+            <a:avLst/>
+          </a:prstGeom>
+        </p:spPr>
+        <p:txBody>
+          <a:bodyPr wrap="square">
+            <a:spAutoFit/>
+          </a:bodyPr>
+          <a:lstStyle/>
+          <a:p>
+            <a:pPr marL="342900" indent="-342900">
+              <a:lnSpc>
+                <a:spcPct val="200000"/>
+              </a:lnSpc>
+              <a:buFont typeface="Arial" panose="020B0604020202020204" pitchFamily="34" charset="0"/>
+              <a:buChar char="•"/>
+            </a:pPr>
+            <a:r>
+              <a:rPr lang="en-US" altLang="zh-CN" sz="2800" dirty="0" smtClean="0">
+                <a:latin typeface="Meiryo" panose="020B0604030504040204" pitchFamily="34" charset="-128"/>
+                <a:ea typeface="Meiryo" panose="020B0604030504040204" pitchFamily="34" charset="-128"/>
+                <a:cs typeface="Meiryo" panose="020B0604030504040204" pitchFamily="34" charset="-128"/>
+              </a:rPr>
+              <a:t>Next, </a:t>
+            </a:r>
+            <a:r>
+              <a:rPr lang="en-US" altLang="zh-CN" sz="2800" dirty="0">
+                <a:latin typeface="Meiryo" panose="020B0604030504040204" pitchFamily="34" charset="-128"/>
+                <a:ea typeface="Meiryo" panose="020B0604030504040204" pitchFamily="34" charset="-128"/>
+                <a:cs typeface="Meiryo" panose="020B0604030504040204" pitchFamily="34" charset="-128"/>
+              </a:rPr>
+              <a:t>we stretch the luminance (L channel) to cover</a:t>
+            </a:r>
+            <a:br>
+              <a:rPr lang="en-US" altLang="zh-CN" sz="2800" dirty="0">
+                <a:latin typeface="Meiryo" panose="020B0604030504040204" pitchFamily="34" charset="-128"/>
+                <a:ea typeface="Meiryo" panose="020B0604030504040204" pitchFamily="34" charset="-128"/>
+                <a:cs typeface="Meiryo" panose="020B0604030504040204" pitchFamily="34" charset="-128"/>
+              </a:rPr>
+            </a:br>
+            <a:r>
+              <a:rPr lang="en-US" altLang="zh-CN" sz="2800" dirty="0">
+                <a:latin typeface="Meiryo" panose="020B0604030504040204" pitchFamily="34" charset="-128"/>
+                <a:ea typeface="Meiryo" panose="020B0604030504040204" pitchFamily="34" charset="-128"/>
+                <a:cs typeface="Meiryo" panose="020B0604030504040204" pitchFamily="34" charset="-128"/>
+              </a:rPr>
+              <a:t>the full dynamic range after clipping both the minimum</a:t>
+            </a:r>
+            <a:br>
+              <a:rPr lang="en-US" altLang="zh-CN" sz="2800" dirty="0">
+                <a:latin typeface="Meiryo" panose="020B0604030504040204" pitchFamily="34" charset="-128"/>
+                <a:ea typeface="Meiryo" panose="020B0604030504040204" pitchFamily="34" charset="-128"/>
+                <a:cs typeface="Meiryo" panose="020B0604030504040204" pitchFamily="34" charset="-128"/>
+              </a:rPr>
+            </a:br>
+            <a:r>
+              <a:rPr lang="en-US" altLang="zh-CN" sz="2800" dirty="0">
+                <a:latin typeface="Meiryo" panose="020B0604030504040204" pitchFamily="34" charset="-128"/>
+                <a:ea typeface="Meiryo" panose="020B0604030504040204" pitchFamily="34" charset="-128"/>
+                <a:cs typeface="Meiryo" panose="020B0604030504040204" pitchFamily="34" charset="-128"/>
+              </a:rPr>
+              <a:t>and the maximum 0.5 percent pixels of luminance levels</a:t>
+            </a:r>
+            <a:r>
+              <a:rPr lang="en-US" altLang="zh-CN" sz="2800" dirty="0" smtClean="0">
+                <a:latin typeface="Meiryo" panose="020B0604030504040204" pitchFamily="34" charset="-128"/>
+                <a:ea typeface="Meiryo" panose="020B0604030504040204" pitchFamily="34" charset="-128"/>
+                <a:cs typeface="Meiryo" panose="020B0604030504040204" pitchFamily="34" charset="-128"/>
+              </a:rPr>
+              <a:t>,</a:t>
+            </a:r>
+          </a:p>
+          <a:p>
+            <a:pPr marL="342900" indent="-342900">
+              <a:lnSpc>
+                <a:spcPct val="200000"/>
+              </a:lnSpc>
+              <a:buFont typeface="Arial" panose="020B0604020202020204" pitchFamily="34" charset="0"/>
+              <a:buChar char="•"/>
+            </a:pPr>
+            <a:r>
+              <a:rPr lang="en-US" altLang="zh-CN" sz="2800" dirty="0" smtClean="0">
+                <a:latin typeface="Meiryo" panose="020B0604030504040204" pitchFamily="34" charset="-128"/>
+                <a:ea typeface="Meiryo" panose="020B0604030504040204" pitchFamily="34" charset="-128"/>
+                <a:cs typeface="Meiryo" panose="020B0604030504040204" pitchFamily="34" charset="-128"/>
+              </a:rPr>
+              <a:t>Last, apply </a:t>
+            </a:r>
+            <a:r>
+              <a:rPr lang="en-US" altLang="zh-CN" sz="2800" dirty="0">
+                <a:latin typeface="Meiryo" panose="020B0604030504040204" pitchFamily="34" charset="-128"/>
+                <a:ea typeface="Meiryo" panose="020B0604030504040204" pitchFamily="34" charset="-128"/>
+                <a:cs typeface="Meiryo" panose="020B0604030504040204" pitchFamily="34" charset="-128"/>
+              </a:rPr>
+              <a:t>different transfer functions to the luminance </a:t>
+            </a:r>
+            <a:r>
+              <a:rPr lang="en-US" altLang="zh-CN" sz="2800" dirty="0" smtClean="0">
+                <a:latin typeface="Meiryo" panose="020B0604030504040204" pitchFamily="34" charset="-128"/>
+                <a:ea typeface="Meiryo" panose="020B0604030504040204" pitchFamily="34" charset="-128"/>
+                <a:cs typeface="Meiryo" panose="020B0604030504040204" pitchFamily="34" charset="-128"/>
+              </a:rPr>
+              <a:t>and chrominance </a:t>
+            </a:r>
+            <a:r>
+              <a:rPr lang="en-US" altLang="zh-CN" sz="2800" dirty="0">
+                <a:latin typeface="Meiryo" panose="020B0604030504040204" pitchFamily="34" charset="-128"/>
+                <a:ea typeface="Meiryo" panose="020B0604030504040204" pitchFamily="34" charset="-128"/>
+                <a:cs typeface="Meiryo" panose="020B0604030504040204" pitchFamily="34" charset="-128"/>
+              </a:rPr>
+              <a:t>components </a:t>
+            </a:r>
+          </a:p>
+        </p:txBody>
+      </p:sp>
+      <p:sp>
+        <p:nvSpPr>
+          <p:cNvPr id="10" name="文本框 29"/>
           <p:cNvSpPr txBox="1"/>
           <p:nvPr/>
         </p:nvSpPr>
@@ -9976,6 +10819,7 @@
           </a:bodyPr>
           <a:lstStyle/>
           <a:p>
+            <a:pPr algn="r"/>
             <a:r>
               <a:rPr lang="en-US" altLang="zh-CN" sz="4400" b="1" dirty="0" smtClean="0">
                 <a:solidFill>
@@ -10006,7 +10850,7 @@
               </a:rPr>
               <a:t>Transfer</a:t>
             </a:r>
-            <a:endParaRPr lang="en-US" altLang="zh-CN" sz="4400" b="1" dirty="0">
+            <a:endParaRPr lang="en-US" altLang="zh-CN" sz="4400" dirty="0">
               <a:solidFill>
                 <a:srgbClr val="00ABB4"/>
               </a:solidFill>
@@ -10016,162 +10860,10 @@
           </a:p>
         </p:txBody>
       </p:sp>
-      <p:sp>
-        <p:nvSpPr>
-          <p:cNvPr id="31" name="Rectangle 96"/>
-          <p:cNvSpPr/>
-          <p:nvPr/>
-        </p:nvSpPr>
-        <p:spPr>
-          <a:xfrm>
-            <a:off x="304800" y="1251491"/>
-            <a:ext cx="11582400" cy="5155257"/>
-          </a:xfrm>
-          <a:prstGeom prst="rect">
-            <a:avLst/>
-          </a:prstGeom>
-        </p:spPr>
-        <p:txBody>
-          <a:bodyPr wrap="square">
-            <a:spAutoFit/>
-          </a:bodyPr>
-          <a:lstStyle/>
-          <a:p>
-            <a:pPr marL="800100" lvl="1" indent="-342900">
-              <a:lnSpc>
-                <a:spcPct val="200000"/>
-              </a:lnSpc>
-              <a:buFont typeface="Arial" panose="020B0604020202020204" pitchFamily="34" charset="0"/>
-              <a:buChar char="•"/>
-            </a:pPr>
-            <a:r>
-              <a:rPr lang="en-US" altLang="zh-CN" sz="2800" dirty="0" smtClean="0">
-                <a:latin typeface="Meiryo" panose="020B0604030504040204" pitchFamily="34" charset="-128"/>
-                <a:ea typeface="Meiryo" panose="020B0604030504040204" pitchFamily="34" charset="-128"/>
-                <a:cs typeface="Meiryo" panose="020B0604030504040204" pitchFamily="34" charset="-128"/>
-              </a:rPr>
-              <a:t>We </a:t>
-            </a:r>
-            <a:r>
-              <a:rPr lang="en-US" altLang="zh-CN" sz="2800" dirty="0">
-                <a:latin typeface="Meiryo" panose="020B0604030504040204" pitchFamily="34" charset="-128"/>
-                <a:ea typeface="Meiryo" panose="020B0604030504040204" pitchFamily="34" charset="-128"/>
-                <a:cs typeface="Meiryo" panose="020B0604030504040204" pitchFamily="34" charset="-128"/>
-              </a:rPr>
-              <a:t>model </a:t>
-            </a:r>
-            <a:r>
-              <a:rPr lang="en-US" altLang="zh-CN" sz="2800" dirty="0">
-                <a:latin typeface="Meiryo" panose="020B0604030504040204" pitchFamily="34" charset="-128"/>
-                <a:ea typeface="Meiryo" panose="020B0604030504040204" pitchFamily="34" charset="-128"/>
-                <a:cs typeface="Meiryo" panose="020B0604030504040204" pitchFamily="34" charset="-128"/>
-              </a:rPr>
-              <a:t>the chrominance distribution of an image using </a:t>
-            </a:r>
-            <a:r>
-              <a:rPr lang="en-US" altLang="zh-CN" sz="2800" dirty="0" smtClean="0">
-                <a:latin typeface="Meiryo" panose="020B0604030504040204" pitchFamily="34" charset="-128"/>
-                <a:ea typeface="Meiryo" panose="020B0604030504040204" pitchFamily="34" charset="-128"/>
-                <a:cs typeface="Meiryo" panose="020B0604030504040204" pitchFamily="34" charset="-128"/>
-              </a:rPr>
-              <a:t>a multivariate Gaussian</a:t>
-            </a:r>
-          </a:p>
-          <a:p>
-            <a:pPr marL="800100" lvl="1" indent="-342900">
-              <a:lnSpc>
-                <a:spcPct val="200000"/>
-              </a:lnSpc>
-              <a:buFont typeface="Arial" panose="020B0604020202020204" pitchFamily="34" charset="0"/>
-              <a:buChar char="•"/>
-            </a:pPr>
-            <a:r>
-              <a:rPr lang="en-US" altLang="zh-CN" sz="2800" dirty="0" smtClean="0">
-                <a:latin typeface="Meiryo" panose="020B0604030504040204" pitchFamily="34" charset="-128"/>
-                <a:ea typeface="Meiryo" panose="020B0604030504040204" pitchFamily="34" charset="-128"/>
-                <a:cs typeface="Meiryo" panose="020B0604030504040204" pitchFamily="34" charset="-128"/>
-              </a:rPr>
-              <a:t>Then find </a:t>
-            </a:r>
-            <a:r>
-              <a:rPr lang="en-US" altLang="zh-CN" sz="2800" dirty="0">
-                <a:latin typeface="Meiryo" panose="020B0604030504040204" pitchFamily="34" charset="-128"/>
-                <a:ea typeface="Meiryo" panose="020B0604030504040204" pitchFamily="34" charset="-128"/>
-                <a:cs typeface="Meiryo" panose="020B0604030504040204" pitchFamily="34" charset="-128"/>
-              </a:rPr>
-              <a:t>a transfer function </a:t>
-            </a:r>
-            <a:r>
-              <a:rPr lang="en-US" altLang="zh-CN" sz="2800" dirty="0" smtClean="0">
-                <a:latin typeface="Meiryo" panose="020B0604030504040204" pitchFamily="34" charset="-128"/>
-                <a:ea typeface="Meiryo" panose="020B0604030504040204" pitchFamily="34" charset="-128"/>
-                <a:cs typeface="Meiryo" panose="020B0604030504040204" pitchFamily="34" charset="-128"/>
-              </a:rPr>
-              <a:t>that creates </a:t>
-            </a:r>
-            <a:r>
-              <a:rPr lang="en-US" altLang="zh-CN" sz="2800" dirty="0">
-                <a:latin typeface="Meiryo" panose="020B0604030504040204" pitchFamily="34" charset="-128"/>
-                <a:ea typeface="Meiryo" panose="020B0604030504040204" pitchFamily="34" charset="-128"/>
-                <a:cs typeface="Meiryo" panose="020B0604030504040204" pitchFamily="34" charset="-128"/>
-              </a:rPr>
-              <a:t>the output image O by mapping the Gaussian statistics NS(µS, </a:t>
-            </a:r>
-            <a:r>
-              <a:rPr lang="el-GR" altLang="zh-CN" sz="2800" dirty="0">
-                <a:latin typeface="Meiryo" panose="020B0604030504040204" pitchFamily="34" charset="-128"/>
-                <a:ea typeface="Meiryo" panose="020B0604030504040204" pitchFamily="34" charset="-128"/>
-                <a:cs typeface="Meiryo" panose="020B0604030504040204" pitchFamily="34" charset="-128"/>
-              </a:rPr>
-              <a:t>Σ</a:t>
-            </a:r>
-            <a:r>
-              <a:rPr lang="en-US" altLang="zh-CN" sz="2800" dirty="0">
-                <a:latin typeface="Meiryo" panose="020B0604030504040204" pitchFamily="34" charset="-128"/>
-                <a:ea typeface="Meiryo" panose="020B0604030504040204" pitchFamily="34" charset="-128"/>
-                <a:cs typeface="Meiryo" panose="020B0604030504040204" pitchFamily="34" charset="-128"/>
-              </a:rPr>
-              <a:t>S) of the style exemplar S to the </a:t>
-            </a:r>
-            <a:r>
-              <a:rPr lang="en-US" altLang="zh-CN" sz="2800" dirty="0" smtClean="0">
-                <a:latin typeface="Meiryo" panose="020B0604030504040204" pitchFamily="34" charset="-128"/>
-                <a:ea typeface="Meiryo" panose="020B0604030504040204" pitchFamily="34" charset="-128"/>
-                <a:cs typeface="Meiryo" panose="020B0604030504040204" pitchFamily="34" charset="-128"/>
-              </a:rPr>
-              <a:t>Gaussian statistics </a:t>
-            </a:r>
-            <a:r>
-              <a:rPr lang="en-US" altLang="zh-CN" sz="2800" dirty="0">
-                <a:latin typeface="Meiryo" panose="020B0604030504040204" pitchFamily="34" charset="-128"/>
-                <a:ea typeface="Meiryo" panose="020B0604030504040204" pitchFamily="34" charset="-128"/>
-                <a:cs typeface="Meiryo" panose="020B0604030504040204" pitchFamily="34" charset="-128"/>
-              </a:rPr>
-              <a:t>NI(µI, </a:t>
-            </a:r>
-            <a:r>
-              <a:rPr lang="el-GR" altLang="zh-CN" sz="2800" dirty="0">
-                <a:latin typeface="Meiryo" panose="020B0604030504040204" pitchFamily="34" charset="-128"/>
-                <a:ea typeface="Meiryo" panose="020B0604030504040204" pitchFamily="34" charset="-128"/>
-                <a:cs typeface="Meiryo" panose="020B0604030504040204" pitchFamily="34" charset="-128"/>
-              </a:rPr>
-              <a:t>Σ</a:t>
-            </a:r>
-            <a:r>
-              <a:rPr lang="en-US" altLang="zh-CN" sz="2800" dirty="0">
-                <a:latin typeface="Meiryo" panose="020B0604030504040204" pitchFamily="34" charset="-128"/>
-                <a:ea typeface="Meiryo" panose="020B0604030504040204" pitchFamily="34" charset="-128"/>
-                <a:cs typeface="Meiryo" panose="020B0604030504040204" pitchFamily="34" charset="-128"/>
-              </a:rPr>
-              <a:t>I) of the input image I </a:t>
-            </a:r>
-          </a:p>
-        </p:txBody>
-      </p:sp>
     </p:spTree>
     <p:extLst>
       <p:ext uri="{BB962C8B-B14F-4D97-AF65-F5344CB8AC3E}">
-        <p14:creationId xmlns:p14="http://schemas.microsoft.com/office/powerpoint/2010/main" val="1916779387"/>
+        <p14:creationId xmlns:p14="http://schemas.microsoft.com/office/powerpoint/2010/main" val="268914579"/>
       </p:ext>
     </p:extLst>
   </p:cSld>
@@ -10371,8 +11063,8 @@
         </p:nvSpPr>
         <p:spPr>
           <a:xfrm>
-            <a:off x="662538" y="1317831"/>
-            <a:ext cx="10919862" cy="4401205"/>
+            <a:off x="986388" y="3059358"/>
+            <a:ext cx="11224662" cy="1815882"/>
           </a:xfrm>
           <a:prstGeom prst="rect">
             <a:avLst/>
@@ -10384,327 +11076,6 @@
           </a:bodyPr>
           <a:lstStyle/>
           <a:p>
-            <a:pPr marL="342900" indent="-342900">
-              <a:lnSpc>
-                <a:spcPct val="200000"/>
-              </a:lnSpc>
-              <a:buFont typeface="Arial" panose="020B0604020202020204" pitchFamily="34" charset="0"/>
-              <a:buChar char="•"/>
-            </a:pPr>
-            <a:r>
-              <a:rPr lang="en-US" altLang="zh-CN" sz="2800" dirty="0" smtClean="0">
-                <a:latin typeface="Meiryo" panose="020B0604030504040204" pitchFamily="34" charset="-128"/>
-                <a:ea typeface="Meiryo" panose="020B0604030504040204" pitchFamily="34" charset="-128"/>
-                <a:cs typeface="Meiryo" panose="020B0604030504040204" pitchFamily="34" charset="-128"/>
-              </a:rPr>
-              <a:t>Next, </a:t>
-            </a:r>
-            <a:r>
-              <a:rPr lang="en-US" altLang="zh-CN" sz="2800" dirty="0">
-                <a:latin typeface="Meiryo" panose="020B0604030504040204" pitchFamily="34" charset="-128"/>
-                <a:ea typeface="Meiryo" panose="020B0604030504040204" pitchFamily="34" charset="-128"/>
-                <a:cs typeface="Meiryo" panose="020B0604030504040204" pitchFamily="34" charset="-128"/>
-              </a:rPr>
-              <a:t>we stretch the luminance (L channel) to cover</a:t>
-            </a:r>
-            <a:br>
-              <a:rPr lang="en-US" altLang="zh-CN" sz="2800" dirty="0">
-                <a:latin typeface="Meiryo" panose="020B0604030504040204" pitchFamily="34" charset="-128"/>
-                <a:ea typeface="Meiryo" panose="020B0604030504040204" pitchFamily="34" charset="-128"/>
-                <a:cs typeface="Meiryo" panose="020B0604030504040204" pitchFamily="34" charset="-128"/>
-              </a:rPr>
-            </a:br>
-            <a:r>
-              <a:rPr lang="en-US" altLang="zh-CN" sz="2800" dirty="0">
-                <a:latin typeface="Meiryo" panose="020B0604030504040204" pitchFamily="34" charset="-128"/>
-                <a:ea typeface="Meiryo" panose="020B0604030504040204" pitchFamily="34" charset="-128"/>
-                <a:cs typeface="Meiryo" panose="020B0604030504040204" pitchFamily="34" charset="-128"/>
-              </a:rPr>
-              <a:t>the full dynamic range after clipping both the minimum</a:t>
-            </a:r>
-            <a:br>
-              <a:rPr lang="en-US" altLang="zh-CN" sz="2800" dirty="0">
-                <a:latin typeface="Meiryo" panose="020B0604030504040204" pitchFamily="34" charset="-128"/>
-                <a:ea typeface="Meiryo" panose="020B0604030504040204" pitchFamily="34" charset="-128"/>
-                <a:cs typeface="Meiryo" panose="020B0604030504040204" pitchFamily="34" charset="-128"/>
-              </a:rPr>
-            </a:br>
-            <a:r>
-              <a:rPr lang="en-US" altLang="zh-CN" sz="2800" dirty="0">
-                <a:latin typeface="Meiryo" panose="020B0604030504040204" pitchFamily="34" charset="-128"/>
-                <a:ea typeface="Meiryo" panose="020B0604030504040204" pitchFamily="34" charset="-128"/>
-                <a:cs typeface="Meiryo" panose="020B0604030504040204" pitchFamily="34" charset="-128"/>
-              </a:rPr>
-              <a:t>and the maximum 0.5 percent pixels of luminance levels</a:t>
-            </a:r>
-            <a:r>
-              <a:rPr lang="en-US" altLang="zh-CN" sz="2800" dirty="0" smtClean="0">
-                <a:latin typeface="Meiryo" panose="020B0604030504040204" pitchFamily="34" charset="-128"/>
-                <a:ea typeface="Meiryo" panose="020B0604030504040204" pitchFamily="34" charset="-128"/>
-                <a:cs typeface="Meiryo" panose="020B0604030504040204" pitchFamily="34" charset="-128"/>
-              </a:rPr>
-              <a:t>,</a:t>
-            </a:r>
-          </a:p>
-          <a:p>
-            <a:pPr marL="342900" indent="-342900">
-              <a:lnSpc>
-                <a:spcPct val="200000"/>
-              </a:lnSpc>
-              <a:buFont typeface="Arial" panose="020B0604020202020204" pitchFamily="34" charset="0"/>
-              <a:buChar char="•"/>
-            </a:pPr>
-            <a:r>
-              <a:rPr lang="en-US" altLang="zh-CN" sz="2800" dirty="0" smtClean="0">
-                <a:latin typeface="Meiryo" panose="020B0604030504040204" pitchFamily="34" charset="-128"/>
-                <a:ea typeface="Meiryo" panose="020B0604030504040204" pitchFamily="34" charset="-128"/>
-                <a:cs typeface="Meiryo" panose="020B0604030504040204" pitchFamily="34" charset="-128"/>
-              </a:rPr>
-              <a:t>Last, apply </a:t>
-            </a:r>
-            <a:r>
-              <a:rPr lang="en-US" altLang="zh-CN" sz="2800" dirty="0">
-                <a:latin typeface="Meiryo" panose="020B0604030504040204" pitchFamily="34" charset="-128"/>
-                <a:ea typeface="Meiryo" panose="020B0604030504040204" pitchFamily="34" charset="-128"/>
-                <a:cs typeface="Meiryo" panose="020B0604030504040204" pitchFamily="34" charset="-128"/>
-              </a:rPr>
-              <a:t>different transfer functions to the luminance </a:t>
-            </a:r>
-            <a:r>
-              <a:rPr lang="en-US" altLang="zh-CN" sz="2800" dirty="0" smtClean="0">
-                <a:latin typeface="Meiryo" panose="020B0604030504040204" pitchFamily="34" charset="-128"/>
-                <a:ea typeface="Meiryo" panose="020B0604030504040204" pitchFamily="34" charset="-128"/>
-                <a:cs typeface="Meiryo" panose="020B0604030504040204" pitchFamily="34" charset="-128"/>
-              </a:rPr>
-              <a:t>and chrominance </a:t>
-            </a:r>
-            <a:r>
-              <a:rPr lang="en-US" altLang="zh-CN" sz="2800" dirty="0">
-                <a:latin typeface="Meiryo" panose="020B0604030504040204" pitchFamily="34" charset="-128"/>
-                <a:ea typeface="Meiryo" panose="020B0604030504040204" pitchFamily="34" charset="-128"/>
-                <a:cs typeface="Meiryo" panose="020B0604030504040204" pitchFamily="34" charset="-128"/>
-              </a:rPr>
-              <a:t>components </a:t>
-            </a:r>
-          </a:p>
-        </p:txBody>
-      </p:sp>
-    </p:spTree>
-    <p:extLst>
-      <p:ext uri="{BB962C8B-B14F-4D97-AF65-F5344CB8AC3E}">
-        <p14:creationId xmlns:p14="http://schemas.microsoft.com/office/powerpoint/2010/main" val="3825296595"/>
-      </p:ext>
-    </p:extLst>
-  </p:cSld>
-  <p:clrMapOvr>
-    <a:masterClrMapping/>
-  </p:clrMapOvr>
-  <p:timing>
-    <p:tnLst>
-      <p:par>
-        <p:cTn id="1" dur="indefinite" restart="never" nodeType="tmRoot"/>
-      </p:par>
-    </p:tnLst>
-  </p:timing>
-</p:sld>
-</file>
-
-<file path=ppt/slides/slide25.xml><?xml version="1.0" encoding="utf-8"?>
-<p:sld xmlns:a="http://schemas.openxmlformats.org/drawingml/2006/main" xmlns:r="http://schemas.openxmlformats.org/officeDocument/2006/relationships" xmlns:p="http://schemas.openxmlformats.org/presentationml/2006/main">
-  <p:cSld>
-    <p:spTree>
-      <p:nvGrpSpPr>
-        <p:cNvPr id="1" name=""/>
-        <p:cNvGrpSpPr/>
-        <p:nvPr/>
-      </p:nvGrpSpPr>
-      <p:grpSpPr>
-        <a:xfrm>
-          <a:off x="0" y="0"/>
-          <a:ext cx="0" cy="0"/>
-          <a:chOff x="0" y="0"/>
-          <a:chExt cx="0" cy="0"/>
-        </a:xfrm>
-      </p:grpSpPr>
-      <p:sp>
-        <p:nvSpPr>
-          <p:cNvPr id="9" name="等腰三角形 8"/>
-          <p:cNvSpPr/>
-          <p:nvPr/>
-        </p:nvSpPr>
-        <p:spPr>
-          <a:xfrm rot="4613108">
-            <a:off x="7331460" y="3148738"/>
-            <a:ext cx="4577580" cy="4214762"/>
-          </a:xfrm>
-          <a:prstGeom prst="triangle">
-            <a:avLst/>
-          </a:prstGeom>
-          <a:solidFill>
-            <a:schemeClr val="bg1">
-              <a:lumMod val="95000"/>
-            </a:schemeClr>
-          </a:solidFill>
-          <a:ln>
-            <a:noFill/>
-          </a:ln>
-        </p:spPr>
-        <p:style>
-          <a:lnRef idx="2">
-            <a:schemeClr val="accent1">
-              <a:shade val="50000"/>
-            </a:schemeClr>
-          </a:lnRef>
-          <a:fillRef idx="1">
-            <a:schemeClr val="accent1"/>
-          </a:fillRef>
-          <a:effectRef idx="0">
-            <a:schemeClr val="accent1"/>
-          </a:effectRef>
-          <a:fontRef idx="minor">
-            <a:schemeClr val="lt1"/>
-          </a:fontRef>
-        </p:style>
-        <p:txBody>
-          <a:bodyPr rtlCol="0" anchor="ctr"/>
-          <a:lstStyle/>
-          <a:p>
-            <a:pPr algn="ctr"/>
-            <a:endParaRPr lang="zh-CN" altLang="en-US"/>
-          </a:p>
-        </p:txBody>
-      </p:sp>
-      <p:sp>
-        <p:nvSpPr>
-          <p:cNvPr id="8" name="矩形 7"/>
-          <p:cNvSpPr/>
-          <p:nvPr/>
-        </p:nvSpPr>
-        <p:spPr>
-          <a:xfrm rot="783766">
-            <a:off x="-2197454" y="-2340269"/>
-            <a:ext cx="6006821" cy="3447534"/>
-          </a:xfrm>
-          <a:prstGeom prst="rect">
-            <a:avLst/>
-          </a:prstGeom>
-          <a:solidFill>
-            <a:schemeClr val="bg1">
-              <a:lumMod val="95000"/>
-            </a:schemeClr>
-          </a:solidFill>
-          <a:ln>
-            <a:noFill/>
-          </a:ln>
-        </p:spPr>
-        <p:style>
-          <a:lnRef idx="2">
-            <a:schemeClr val="accent1">
-              <a:shade val="50000"/>
-            </a:schemeClr>
-          </a:lnRef>
-          <a:fillRef idx="1">
-            <a:schemeClr val="accent1"/>
-          </a:fillRef>
-          <a:effectRef idx="0">
-            <a:schemeClr val="accent1"/>
-          </a:effectRef>
-          <a:fontRef idx="minor">
-            <a:schemeClr val="lt1"/>
-          </a:fontRef>
-        </p:style>
-        <p:txBody>
-          <a:bodyPr rtlCol="0" anchor="ctr"/>
-          <a:lstStyle/>
-          <a:p>
-            <a:pPr algn="ctr"/>
-            <a:endParaRPr lang="zh-CN" altLang="en-US"/>
-          </a:p>
-        </p:txBody>
-      </p:sp>
-      <p:sp>
-        <p:nvSpPr>
-          <p:cNvPr id="30" name="文本框 29"/>
-          <p:cNvSpPr txBox="1"/>
-          <p:nvPr/>
-        </p:nvSpPr>
-        <p:spPr>
-          <a:xfrm>
-            <a:off x="662538" y="294935"/>
-            <a:ext cx="9072012" cy="769441"/>
-          </a:xfrm>
-          <a:prstGeom prst="rect">
-            <a:avLst/>
-          </a:prstGeom>
-          <a:noFill/>
-        </p:spPr>
-        <p:txBody>
-          <a:bodyPr wrap="square" rtlCol="0">
-            <a:spAutoFit/>
-          </a:bodyPr>
-          <a:lstStyle/>
-          <a:p>
-            <a:r>
-              <a:rPr lang="en-US" altLang="zh-CN" sz="4400" b="1" dirty="0" smtClean="0">
-                <a:solidFill>
-                  <a:srgbClr val="00ABB4"/>
-                </a:solidFill>
-                <a:latin typeface="微软雅黑" panose="020B0503020204020204" pitchFamily="34" charset="-122"/>
-                <a:ea typeface="微软雅黑" panose="020B0503020204020204" pitchFamily="34" charset="-122"/>
-              </a:rPr>
-              <a:t>1 Example-based </a:t>
-            </a:r>
-            <a:r>
-              <a:rPr lang="en-US" altLang="zh-CN" sz="4400" b="1" dirty="0">
-                <a:solidFill>
-                  <a:srgbClr val="00ABB4"/>
-                </a:solidFill>
-                <a:latin typeface="微软雅黑" panose="020B0503020204020204" pitchFamily="34" charset="-122"/>
-                <a:ea typeface="微软雅黑" panose="020B0503020204020204" pitchFamily="34" charset="-122"/>
-              </a:rPr>
-              <a:t>Style </a:t>
-            </a:r>
-            <a:r>
-              <a:rPr lang="en-US" altLang="zh-CN" sz="4400" b="1" dirty="0" smtClean="0">
-                <a:solidFill>
-                  <a:srgbClr val="00ABB4"/>
-                </a:solidFill>
-                <a:latin typeface="微软雅黑" panose="020B0503020204020204" pitchFamily="34" charset="-122"/>
-                <a:ea typeface="微软雅黑" panose="020B0503020204020204" pitchFamily="34" charset="-122"/>
-              </a:rPr>
-              <a:t>Transfer</a:t>
-            </a:r>
-            <a:endParaRPr lang="en-US" altLang="zh-CN" sz="4400" b="1" dirty="0">
-              <a:solidFill>
-                <a:srgbClr val="00ABB4"/>
-              </a:solidFill>
-              <a:latin typeface="微软雅黑" panose="020B0503020204020204" pitchFamily="34" charset="-122"/>
-              <a:ea typeface="微软雅黑" panose="020B0503020204020204" pitchFamily="34" charset="-122"/>
-            </a:endParaRPr>
-          </a:p>
-        </p:txBody>
-      </p:sp>
-      <p:sp>
-        <p:nvSpPr>
-          <p:cNvPr id="31" name="Rectangle 96"/>
-          <p:cNvSpPr/>
-          <p:nvPr/>
-        </p:nvSpPr>
-        <p:spPr>
-          <a:xfrm>
-            <a:off x="967338" y="3059358"/>
-            <a:ext cx="10919862" cy="1708160"/>
-          </a:xfrm>
-          <a:prstGeom prst="rect">
-            <a:avLst/>
-          </a:prstGeom>
-        </p:spPr>
-        <p:txBody>
-          <a:bodyPr wrap="square">
-            <a:spAutoFit/>
-          </a:bodyPr>
-          <a:lstStyle/>
-          <a:p>
             <a:pPr>
               <a:lnSpc>
                 <a:spcPct val="200000"/>
@@ -10716,7 +11087,7 @@
                 <a:ea typeface="Meiryo" panose="020B0604030504040204" pitchFamily="34" charset="-128"/>
                 <a:cs typeface="Meiryo" panose="020B0604030504040204" pitchFamily="34" charset="-128"/>
               </a:rPr>
-              <a:t>where </a:t>
+              <a:t>T : </a:t>
             </a:r>
             <a:r>
               <a:rPr lang="en-US" altLang="zh-CN" sz="2800" dirty="0">
@@ -10724,22 +11095,23 @@
                 <a:ea typeface="Meiryo" panose="020B0604030504040204" pitchFamily="34" charset="-128"/>
                 <a:cs typeface="Meiryo" panose="020B0604030504040204" pitchFamily="34" charset="-128"/>
               </a:rPr>
-              <a:t>T is a linear transformation that maps chrominance</a:t>
-            </a:r>
-            <a:br>
+              <a:t>a linear transformation that maps </a:t>
+            </a:r>
+            <a:r>
+              <a:rPr lang="en-US" altLang="zh-CN" sz="2800" dirty="0" smtClean="0">
+                <a:latin typeface="Meiryo" panose="020B0604030504040204" pitchFamily="34" charset="-128"/>
+                <a:ea typeface="Meiryo" panose="020B0604030504040204" pitchFamily="34" charset="-128"/>
+                <a:cs typeface="Meiryo" panose="020B0604030504040204" pitchFamily="34" charset="-128"/>
+              </a:rPr>
+              <a:t>chrominance between </a:t>
+            </a:r>
+            <a:r>
               <a:rPr lang="en-US" altLang="zh-CN" sz="2800" dirty="0">
                 <a:latin typeface="Meiryo" panose="020B0604030504040204" pitchFamily="34" charset="-128"/>
                 <a:ea typeface="Meiryo" panose="020B0604030504040204" pitchFamily="34" charset="-128"/>
                 <a:cs typeface="Meiryo" panose="020B0604030504040204" pitchFamily="34" charset="-128"/>
               </a:rPr>
-            </a:br>
-            <a:r>
-              <a:rPr lang="en-US" altLang="zh-CN" sz="2800" dirty="0">
-                <a:latin typeface="Meiryo" panose="020B0604030504040204" pitchFamily="34" charset="-128"/>
-                <a:ea typeface="Meiryo" panose="020B0604030504040204" pitchFamily="34" charset="-128"/>
-                <a:cs typeface="Meiryo" panose="020B0604030504040204" pitchFamily="34" charset="-128"/>
-              </a:rPr>
-              <a:t>between the images and c(x) is the chrominance at pixel </a:t>
+              <a:t>the images and c(x) is the chrominance at pixel </a:t>
             </a:r>
             <a:r>
               <a:rPr lang="en-US" altLang="zh-CN" sz="2800" dirty="0" smtClean="0">
@@ -10747,7 +11119,7 @@
                 <a:ea typeface="Meiryo" panose="020B0604030504040204" pitchFamily="34" charset="-128"/>
                 <a:cs typeface="Meiryo" panose="020B0604030504040204" pitchFamily="34" charset="-128"/>
               </a:rPr>
-              <a:t>x </a:t>
+              <a:t>x as below:</a:t>
             </a:r>
             <a:endParaRPr lang="en-US" altLang="zh-CN" sz="2800" dirty="0">
               <a:latin typeface="Meiryo" panose="020B0604030504040204" pitchFamily="34" charset="-128"/>
@@ -10780,7 +11152,7 @@
         </p:blipFill>
         <p:spPr bwMode="auto">
           <a:xfrm>
-            <a:off x="1140994" y="2139278"/>
+            <a:off x="1693444" y="2139278"/>
             <a:ext cx="8745955" cy="581025"/>
           </a:xfrm>
           <a:prstGeom prst="rect">
@@ -10834,7 +11206,7 @@
         </p:blipFill>
         <p:spPr bwMode="auto">
           <a:xfrm>
-            <a:off x="2572625" y="4920251"/>
+            <a:off x="2858375" y="4920251"/>
             <a:ext cx="5882692" cy="905030"/>
           </a:xfrm>
           <a:prstGeom prst="rect">
@@ -10929,7 +11301,7 @@
 </p:sld>
 </file>
 
-<file path=ppt/slides/slide26.xml><?xml version="1.0" encoding="utf-8"?>
+<file path=ppt/slides/slide25.xml><?xml version="1.0" encoding="utf-8"?>
 <p:sld xmlns:a="http://schemas.openxmlformats.org/drawingml/2006/main" xmlns:r="http://schemas.openxmlformats.org/officeDocument/2006/relationships" xmlns:p="http://schemas.openxmlformats.org/presentationml/2006/main">
   <p:cSld>
     <p:spTree>
@@ -11166,8 +11538,8 @@
         </p:nvSpPr>
         <p:spPr>
           <a:xfrm>
-            <a:off x="805956" y="2663167"/>
-            <a:ext cx="11224662" cy="3539430"/>
+            <a:off x="1400174" y="2659334"/>
+            <a:ext cx="10220326" cy="3539430"/>
           </a:xfrm>
           <a:prstGeom prst="rect">
             <a:avLst/>
@@ -11179,6 +11551,93 @@
           </a:bodyPr>
           <a:lstStyle/>
           <a:p>
+            <a:pPr marL="457200" indent="-457200">
+              <a:lnSpc>
+                <a:spcPct val="200000"/>
+              </a:lnSpc>
+              <a:buFont typeface="Arial" panose="020B0604020202020204" pitchFamily="34" charset="0"/>
+              <a:buChar char="•"/>
+            </a:pPr>
+            <a:r>
+              <a:rPr lang="en-US" altLang="zh-CN" sz="2800" dirty="0" smtClean="0">
+                <a:latin typeface="Meiryo" panose="020B0604030504040204" pitchFamily="34" charset="-128"/>
+                <a:ea typeface="Meiryo" panose="020B0604030504040204" pitchFamily="34" charset="-128"/>
+                <a:cs typeface="Meiryo" panose="020B0604030504040204" pitchFamily="34" charset="-128"/>
+              </a:rPr>
+              <a:t>I : </a:t>
+            </a:r>
+            <a:r>
+              <a:rPr lang="en-US" altLang="zh-CN" sz="2800" dirty="0">
+                <a:latin typeface="Meiryo" panose="020B0604030504040204" pitchFamily="34" charset="-128"/>
+                <a:ea typeface="Meiryo" panose="020B0604030504040204" pitchFamily="34" charset="-128"/>
+                <a:cs typeface="Meiryo" panose="020B0604030504040204" pitchFamily="34" charset="-128"/>
+              </a:rPr>
+              <a:t>an identity </a:t>
+            </a:r>
+            <a:r>
+              <a:rPr lang="en-US" altLang="zh-CN" sz="2800" dirty="0" smtClean="0">
+                <a:latin typeface="Meiryo" panose="020B0604030504040204" pitchFamily="34" charset="-128"/>
+                <a:ea typeface="Meiryo" panose="020B0604030504040204" pitchFamily="34" charset="-128"/>
+                <a:cs typeface="Meiryo" panose="020B0604030504040204" pitchFamily="34" charset="-128"/>
+              </a:rPr>
+              <a:t>matrix</a:t>
+            </a:r>
+          </a:p>
+          <a:p>
+            <a:pPr marL="457200" indent="-457200">
+              <a:lnSpc>
+                <a:spcPct val="200000"/>
+              </a:lnSpc>
+              <a:buFont typeface="Arial" panose="020B0604020202020204" pitchFamily="34" charset="0"/>
+              <a:buChar char="•"/>
+            </a:pPr>
+            <a:r>
+              <a:rPr lang="en-US" altLang="zh-CN" sz="2800" dirty="0" smtClean="0">
+                <a:latin typeface="Meiryo" panose="020B0604030504040204" pitchFamily="34" charset="-128"/>
+                <a:ea typeface="Meiryo" panose="020B0604030504040204" pitchFamily="34" charset="-128"/>
+                <a:cs typeface="Meiryo" panose="020B0604030504040204" pitchFamily="34" charset="-128"/>
+              </a:rPr>
+              <a:t>Advantage : </a:t>
+            </a:r>
+            <a:r>
+              <a:rPr lang="en-US" altLang="zh-CN" sz="2800" u="sng" dirty="0" smtClean="0">
+                <a:latin typeface="Meiryo" panose="020B0604030504040204" pitchFamily="34" charset="-128"/>
+                <a:ea typeface="Meiryo" panose="020B0604030504040204" pitchFamily="34" charset="-128"/>
+                <a:cs typeface="Meiryo" panose="020B0604030504040204" pitchFamily="34" charset="-128"/>
+              </a:rPr>
+              <a:t> </a:t>
+            </a:r>
+            <a:r>
+              <a:rPr lang="en-US" altLang="zh-CN" sz="2800" u="sng" dirty="0">
+                <a:latin typeface="Meiryo" panose="020B0604030504040204" pitchFamily="34" charset="-128"/>
+                <a:ea typeface="Meiryo" panose="020B0604030504040204" pitchFamily="34" charset="-128"/>
+                <a:cs typeface="Meiryo" panose="020B0604030504040204" pitchFamily="34" charset="-128"/>
+              </a:rPr>
+              <a:t>only </a:t>
+            </a:r>
+            <a:r>
+              <a:rPr lang="en-US" altLang="zh-CN" sz="2800" u="sng" dirty="0">
+                <a:latin typeface="Meiryo" panose="020B0604030504040204" pitchFamily="34" charset="-128"/>
+                <a:ea typeface="Meiryo" panose="020B0604030504040204" pitchFamily="34" charset="-128"/>
+                <a:cs typeface="Meiryo" panose="020B0604030504040204" pitchFamily="34" charset="-128"/>
+              </a:rPr>
+              <a:t>regularizes colors </a:t>
+            </a:r>
+            <a:r>
+              <a:rPr lang="en-US" altLang="zh-CN" sz="2800" u="sng" dirty="0">
+                <a:latin typeface="Meiryo" panose="020B0604030504040204" pitchFamily="34" charset="-128"/>
+                <a:ea typeface="Meiryo" panose="020B0604030504040204" pitchFamily="34" charset="-128"/>
+                <a:cs typeface="Meiryo" panose="020B0604030504040204" pitchFamily="34" charset="-128"/>
+              </a:rPr>
+              <a:t>channels with low </a:t>
+            </a:r>
+            <a:endParaRPr lang="en-US" altLang="zh-CN" sz="2800" u="sng" dirty="0" smtClean="0">
+              <a:latin typeface="Meiryo" panose="020B0604030504040204" pitchFamily="34" charset="-128"/>
+              <a:ea typeface="Meiryo" panose="020B0604030504040204" pitchFamily="34" charset="-128"/>
+              <a:cs typeface="Meiryo" panose="020B0604030504040204" pitchFamily="34" charset="-128"/>
+            </a:endParaRPr>
+          </a:p>
+          <a:p>
             <a:pPr>
               <a:lnSpc>
                 <a:spcPct val="200000"/>
@@ -11190,7 +11649,23 @@
                 <a:ea typeface="Meiryo" panose="020B0604030504040204" pitchFamily="34" charset="-128"/>
                 <a:cs typeface="Meiryo" panose="020B0604030504040204" pitchFamily="34" charset="-128"/>
               </a:rPr>
-              <a:t>Here </a:t>
+              <a:t>	</a:t>
+            </a:r>
+            <a:r>
+              <a:rPr lang="en-US" altLang="zh-CN" sz="2800" dirty="0" smtClean="0">
+                <a:latin typeface="Meiryo" panose="020B0604030504040204" pitchFamily="34" charset="-128"/>
+                <a:ea typeface="Meiryo" panose="020B0604030504040204" pitchFamily="34" charset="-128"/>
+                <a:cs typeface="Meiryo" panose="020B0604030504040204" pitchFamily="34" charset="-128"/>
+              </a:rPr>
+              <a:t>		</a:t>
+            </a:r>
+            <a:r>
+              <a:rPr lang="en-US" altLang="zh-CN" sz="2800" u="sng" dirty="0" smtClean="0">
+                <a:latin typeface="Meiryo" panose="020B0604030504040204" pitchFamily="34" charset="-128"/>
+                <a:ea typeface="Meiryo" panose="020B0604030504040204" pitchFamily="34" charset="-128"/>
+                <a:cs typeface="Meiryo" panose="020B0604030504040204" pitchFamily="34" charset="-128"/>
+              </a:rPr>
+              <a:t>variation </a:t>
             </a:r>
             <a:r>
               <a:rPr lang="en-US" altLang="zh-CN" sz="2800" dirty="0">
@@ -11198,7 +11673,7 @@
                 <a:ea typeface="Meiryo" panose="020B0604030504040204" pitchFamily="34" charset="-128"/>
                 <a:cs typeface="Meiryo" panose="020B0604030504040204" pitchFamily="34" charset="-128"/>
               </a:rPr>
-              <a:t>I is an identity </a:t>
+              <a:t>without affecting </a:t>
             </a:r>
             <a:r>
               <a:rPr lang="en-US" altLang="zh-CN" sz="2800" dirty="0">
@@ -11206,66 +11681,35 @@
                 <a:ea typeface="Meiryo" panose="020B0604030504040204" pitchFamily="34" charset="-128"/>
                 <a:cs typeface="Meiryo" panose="020B0604030504040204" pitchFamily="34" charset="-128"/>
               </a:rPr>
-              <a:t>matrix.</a:t>
-            </a:r>
-            <a:r>
-              <a:rPr lang="en-US" altLang="zh-CN" sz="2800" dirty="0">
-                <a:latin typeface="Meiryo" panose="020B0604030504040204" pitchFamily="34" charset="-128"/>
-                <a:ea typeface="Meiryo" panose="020B0604030504040204" pitchFamily="34" charset="-128"/>
-                <a:cs typeface="Meiryo" panose="020B0604030504040204" pitchFamily="34" charset="-128"/>
-              </a:rPr>
-              <a:t> This formulation has the advantage that it</a:t>
-            </a:r>
-            <a:r>
-              <a:rPr lang="en-US" altLang="zh-CN" sz="2800" u="sng" dirty="0">
-                <a:latin typeface="Meiryo" panose="020B0604030504040204" pitchFamily="34" charset="-128"/>
-                <a:ea typeface="Meiryo" panose="020B0604030504040204" pitchFamily="34" charset="-128"/>
-                <a:cs typeface="Meiryo" panose="020B0604030504040204" pitchFamily="34" charset="-128"/>
-              </a:rPr>
-              <a:t> only </a:t>
-            </a:r>
-            <a:r>
-              <a:rPr lang="en-US" altLang="zh-CN" sz="2800" u="sng" dirty="0">
-                <a:latin typeface="Meiryo" panose="020B0604030504040204" pitchFamily="34" charset="-128"/>
-                <a:ea typeface="Meiryo" panose="020B0604030504040204" pitchFamily="34" charset="-128"/>
-                <a:cs typeface="Meiryo" panose="020B0604030504040204" pitchFamily="34" charset="-128"/>
-              </a:rPr>
-              <a:t>regularizes colors </a:t>
-            </a:r>
-            <a:r>
-              <a:rPr lang="en-US" altLang="zh-CN" sz="2800" u="sng" dirty="0">
-                <a:latin typeface="Meiryo" panose="020B0604030504040204" pitchFamily="34" charset="-128"/>
-                <a:ea typeface="Meiryo" panose="020B0604030504040204" pitchFamily="34" charset="-128"/>
-                <a:cs typeface="Meiryo" panose="020B0604030504040204" pitchFamily="34" charset="-128"/>
-              </a:rPr>
-              <a:t>channels with low variation </a:t>
-            </a:r>
-            <a:r>
-              <a:rPr lang="en-US" altLang="zh-CN" sz="2800" dirty="0">
-                <a:latin typeface="Meiryo" panose="020B0604030504040204" pitchFamily="34" charset="-128"/>
-                <a:ea typeface="Meiryo" panose="020B0604030504040204" pitchFamily="34" charset="-128"/>
-                <a:cs typeface="Meiryo" panose="020B0604030504040204" pitchFamily="34" charset="-128"/>
-              </a:rPr>
-              <a:t>without affecting </a:t>
-            </a:r>
-            <a:r>
-              <a:rPr lang="en-US" altLang="zh-CN" sz="2800" dirty="0">
-                <a:latin typeface="Meiryo" panose="020B0604030504040204" pitchFamily="34" charset="-128"/>
-                <a:ea typeface="Meiryo" panose="020B0604030504040204" pitchFamily="34" charset="-128"/>
-                <a:cs typeface="Meiryo" panose="020B0604030504040204" pitchFamily="34" charset="-128"/>
-              </a:rPr>
-              <a:t>the others</a:t>
-            </a:r>
-            <a:r>
-              <a:rPr lang="en-US" altLang="zh-CN" sz="2800" dirty="0">
-                <a:latin typeface="Meiryo" panose="020B0604030504040204" pitchFamily="34" charset="-128"/>
-                <a:ea typeface="Meiryo" panose="020B0604030504040204" pitchFamily="34" charset="-128"/>
-                <a:cs typeface="Meiryo" panose="020B0604030504040204" pitchFamily="34" charset="-128"/>
-              </a:rPr>
-              <a:t>. We use a regularization of </a:t>
-            </a:r>
-            <a:r>
-              <a:rPr lang="el-GR" altLang="zh-CN" sz="2800" dirty="0">
+              <a:t>the </a:t>
+            </a:r>
+            <a:r>
+              <a:rPr lang="en-US" altLang="zh-CN" sz="2800" dirty="0" smtClean="0">
+                <a:latin typeface="Meiryo" panose="020B0604030504040204" pitchFamily="34" charset="-128"/>
+                <a:ea typeface="Meiryo" panose="020B0604030504040204" pitchFamily="34" charset="-128"/>
+                <a:cs typeface="Meiryo" panose="020B0604030504040204" pitchFamily="34" charset="-128"/>
+              </a:rPr>
+              <a:t>others</a:t>
+            </a:r>
+          </a:p>
+          <a:p>
+            <a:pPr marL="457200" indent="-457200">
+              <a:lnSpc>
+                <a:spcPct val="200000"/>
+              </a:lnSpc>
+              <a:buFont typeface="Arial" panose="020B0604020202020204" pitchFamily="34" charset="0"/>
+              <a:buChar char="•"/>
+            </a:pPr>
+            <a:r>
+              <a:rPr lang="en-US" altLang="zh-CN" sz="2800" dirty="0" smtClean="0">
+                <a:latin typeface="Meiryo" panose="020B0604030504040204" pitchFamily="34" charset="-128"/>
+                <a:ea typeface="Meiryo" panose="020B0604030504040204" pitchFamily="34" charset="-128"/>
+                <a:cs typeface="Meiryo" panose="020B0604030504040204" pitchFamily="34" charset="-128"/>
+              </a:rPr>
+              <a:t> </a:t>
+            </a:r>
+            <a:r>
+              <a:rPr lang="el-GR" altLang="zh-CN" sz="2800" dirty="0" smtClean="0">
                 <a:latin typeface="Meiryo" panose="020B0604030504040204" pitchFamily="34" charset="-128"/>
                 <a:ea typeface="Meiryo" panose="020B0604030504040204" pitchFamily="34" charset="-128"/>
                 <a:cs typeface="Meiryo" panose="020B0604030504040204" pitchFamily="34" charset="-128"/>
@@ -11303,7 +11747,7 @@
 </p:sld>
 </file>
 
-<file path=ppt/slides/slide27.xml><?xml version="1.0" encoding="utf-8"?>
+<file path=ppt/slides/slide26.xml><?xml version="1.0" encoding="utf-8"?>
 <p:sld xmlns:a="http://schemas.openxmlformats.org/drawingml/2006/main" xmlns:r="http://schemas.openxmlformats.org/officeDocument/2006/relationships" xmlns:p="http://schemas.openxmlformats.org/presentationml/2006/main">
   <p:cSld>
     <p:spTree>
@@ -11486,8 +11930,8 @@
         </p:nvSpPr>
         <p:spPr>
           <a:xfrm>
-            <a:off x="967338" y="3459408"/>
-            <a:ext cx="10919862" cy="2677656"/>
+            <a:off x="1557888" y="3878508"/>
+            <a:ext cx="10919862" cy="1708160"/>
           </a:xfrm>
           <a:prstGeom prst="rect">
             <a:avLst/>
@@ -11499,10 +11943,12 @@
           </a:bodyPr>
           <a:lstStyle/>
           <a:p>
-            <a:pPr>
+            <a:pPr marL="457200" indent="-457200">
               <a:lnSpc>
                 <a:spcPct val="200000"/>
               </a:lnSpc>
+              <a:buFont typeface="Arial" panose="020B0604020202020204" pitchFamily="34" charset="0"/>
+              <a:buChar char="•"/>
             </a:pPr>
             <a:r>
               <a:rPr lang="en-US" altLang="zh-CN" sz="2800" dirty="0" smtClean="0">
@@ -11510,7 +11956,23 @@
                 <a:ea typeface="Meiryo" panose="020B0604030504040204" pitchFamily="34" charset="-128"/>
                 <a:cs typeface="Meiryo" panose="020B0604030504040204" pitchFamily="34" charset="-128"/>
               </a:rPr>
-              <a:t>where </a:t>
+              <a:t>l</a:t>
+            </a:r>
+            <a:r>
+              <a:rPr lang="en-US" altLang="zh-CN" sz="2800" baseline="-25000" dirty="0" smtClean="0">
+                <a:latin typeface="Meiryo" panose="020B0604030504040204" pitchFamily="34" charset="-128"/>
+                <a:ea typeface="Meiryo" panose="020B0604030504040204" pitchFamily="34" charset="-128"/>
+                <a:cs typeface="Meiryo" panose="020B0604030504040204" pitchFamily="34" charset="-128"/>
+              </a:rPr>
+              <a:t>I</a:t>
+            </a:r>
+            <a:r>
+              <a:rPr lang="en-US" altLang="zh-CN" sz="2800" dirty="0" smtClean="0">
+                <a:latin typeface="Meiryo" panose="020B0604030504040204" pitchFamily="34" charset="-128"/>
+                <a:ea typeface="Meiryo" panose="020B0604030504040204" pitchFamily="34" charset="-128"/>
+                <a:cs typeface="Meiryo" panose="020B0604030504040204" pitchFamily="34" charset="-128"/>
+              </a:rPr>
+              <a:t>(x</a:t>
             </a:r>
             <a:r>
               <a:rPr lang="en-US" altLang="zh-CN" sz="2800" dirty="0">
@@ -11518,7 +11980,7 @@
                 <a:ea typeface="Meiryo" panose="020B0604030504040204" pitchFamily="34" charset="-128"/>
                 <a:cs typeface="Meiryo" panose="020B0604030504040204" pitchFamily="34" charset="-128"/>
               </a:rPr>
-              <a:t>l</a:t>
+              <a:t>) and l</a:t>
             </a:r>
             <a:r>
               <a:rPr lang="en-US" altLang="zh-CN" sz="2800" baseline="-25000" dirty="0">
@@ -11526,7 +11988,7 @@
                 <a:ea typeface="Meiryo" panose="020B0604030504040204" pitchFamily="34" charset="-128"/>
                 <a:cs typeface="Meiryo" panose="020B0604030504040204" pitchFamily="34" charset="-128"/>
               </a:rPr>
-              <a:t>I</a:t>
+              <a:t>O</a:t>
             </a:r>
             <a:r>
               <a:rPr lang="en-US" altLang="zh-CN" sz="2800" dirty="0">
@@ -11534,15 +11996,15 @@
                 <a:ea typeface="Meiryo" panose="020B0604030504040204" pitchFamily="34" charset="-128"/>
                 <a:cs typeface="Meiryo" panose="020B0604030504040204" pitchFamily="34" charset="-128"/>
               </a:rPr>
-              <a:t>(x) and l</a:t>
-            </a:r>
-            <a:r>
-              <a:rPr lang="en-US" altLang="zh-CN" sz="2800" baseline="-25000" dirty="0">
-                <a:latin typeface="Meiryo" panose="020B0604030504040204" pitchFamily="34" charset="-128"/>
-                <a:ea typeface="Meiryo" panose="020B0604030504040204" pitchFamily="34" charset="-128"/>
-                <a:cs typeface="Meiryo" panose="020B0604030504040204" pitchFamily="34" charset="-128"/>
-              </a:rPr>
-              <a:t>O</a:t>
+              <a:t>(x) </a:t>
+            </a:r>
+            <a:r>
+              <a:rPr lang="en-US" altLang="zh-CN" sz="2800" dirty="0" smtClean="0">
+                <a:latin typeface="Meiryo" panose="020B0604030504040204" pitchFamily="34" charset="-128"/>
+                <a:ea typeface="Meiryo" panose="020B0604030504040204" pitchFamily="34" charset="-128"/>
+                <a:cs typeface="Meiryo" panose="020B0604030504040204" pitchFamily="34" charset="-128"/>
+              </a:rPr>
+              <a:t>: </a:t>
             </a:r>
             <a:r>
               <a:rPr lang="en-US" altLang="zh-CN" sz="2800" dirty="0">
@@ -11550,54 +12012,78 @@
                 <a:ea typeface="Meiryo" panose="020B0604030504040204" pitchFamily="34" charset="-128"/>
                 <a:cs typeface="Meiryo" panose="020B0604030504040204" pitchFamily="34" charset="-128"/>
               </a:rPr>
-              <a:t>(x) are the input and output luminance</a:t>
-            </a:r>
-            <a:br>
+              <a:t>the input and output </a:t>
+            </a:r>
+            <a:r>
+              <a:rPr lang="en-US" altLang="zh-CN" sz="2800" dirty="0" smtClean="0">
+                <a:latin typeface="Meiryo" panose="020B0604030504040204" pitchFamily="34" charset="-128"/>
+                <a:ea typeface="Meiryo" panose="020B0604030504040204" pitchFamily="34" charset="-128"/>
+                <a:cs typeface="Meiryo" panose="020B0604030504040204" pitchFamily="34" charset="-128"/>
+              </a:rPr>
+              <a:t>luminance</a:t>
+            </a:r>
+          </a:p>
+          <a:p>
+            <a:pPr marL="457200" indent="-457200">
+              <a:lnSpc>
+                <a:spcPct val="200000"/>
+              </a:lnSpc>
+              <a:buFont typeface="Arial" panose="020B0604020202020204" pitchFamily="34" charset="0"/>
+              <a:buChar char="•"/>
+            </a:pPr>
+            <a:r>
+              <a:rPr lang="en-US" altLang="zh-CN" sz="2800" dirty="0" smtClean="0">
+                <a:latin typeface="Meiryo" panose="020B0604030504040204" pitchFamily="34" charset="-128"/>
+                <a:ea typeface="Meiryo" panose="020B0604030504040204" pitchFamily="34" charset="-128"/>
+                <a:cs typeface="Meiryo" panose="020B0604030504040204" pitchFamily="34" charset="-128"/>
+              </a:rPr>
+              <a:t>m </a:t>
+            </a:r>
+            <a:r>
               <a:rPr lang="en-US" altLang="zh-CN" sz="2800" dirty="0">
                 <a:latin typeface="Meiryo" panose="020B0604030504040204" pitchFamily="34" charset="-128"/>
                 <a:ea typeface="Meiryo" panose="020B0604030504040204" pitchFamily="34" charset="-128"/>
                 <a:cs typeface="Meiryo" panose="020B0604030504040204" pitchFamily="34" charset="-128"/>
               </a:rPr>
-            </a:br>
+              <a:t>and </a:t>
+            </a:r>
+            <a:r>
+              <a:rPr lang="el-GR" altLang="zh-CN" sz="2800" dirty="0">
+                <a:latin typeface="Meiryo" panose="020B0604030504040204" pitchFamily="34" charset="-128"/>
+                <a:ea typeface="Meiryo" panose="020B0604030504040204" pitchFamily="34" charset="-128"/>
+                <a:cs typeface="Meiryo" panose="020B0604030504040204" pitchFamily="34" charset="-128"/>
+              </a:rPr>
+              <a:t>δ </a:t>
+            </a:r>
+            <a:r>
+              <a:rPr lang="en-US" altLang="zh-CN" sz="2800" dirty="0" smtClean="0">
+                <a:latin typeface="Meiryo" panose="020B0604030504040204" pitchFamily="34" charset="-128"/>
+                <a:ea typeface="Meiryo" panose="020B0604030504040204" pitchFamily="34" charset="-128"/>
+                <a:cs typeface="Meiryo" panose="020B0604030504040204" pitchFamily="34" charset="-128"/>
+              </a:rPr>
+              <a:t>: two </a:t>
+            </a:r>
             <a:r>
               <a:rPr lang="en-US" altLang="zh-CN" sz="2800" dirty="0">
                 <a:latin typeface="Meiryo" panose="020B0604030504040204" pitchFamily="34" charset="-128"/>
                 <a:ea typeface="Meiryo" panose="020B0604030504040204" pitchFamily="34" charset="-128"/>
                 <a:cs typeface="Meiryo" panose="020B0604030504040204" pitchFamily="34" charset="-128"/>
               </a:rPr>
-              <a:t>respectively, and m and </a:t>
-            </a:r>
-            <a:r>
-              <a:rPr lang="el-GR" altLang="zh-CN" sz="2800" dirty="0">
-                <a:latin typeface="Meiryo" panose="020B0604030504040204" pitchFamily="34" charset="-128"/>
-                <a:ea typeface="Meiryo" panose="020B0604030504040204" pitchFamily="34" charset="-128"/>
-                <a:cs typeface="Meiryo" panose="020B0604030504040204" pitchFamily="34" charset="-128"/>
-              </a:rPr>
-              <a:t>δ </a:t>
-            </a:r>
-            <a:r>
-              <a:rPr lang="en-US" altLang="zh-CN" sz="2800" dirty="0">
-                <a:latin typeface="Meiryo" panose="020B0604030504040204" pitchFamily="34" charset="-128"/>
-                <a:ea typeface="Meiryo" panose="020B0604030504040204" pitchFamily="34" charset="-128"/>
-                <a:cs typeface="Meiryo" panose="020B0604030504040204" pitchFamily="34" charset="-128"/>
-              </a:rPr>
-              <a:t>are the two parameters of the</a:t>
-            </a:r>
-            <a:br>
-              <a:rPr lang="en-US" altLang="zh-CN" sz="2800" dirty="0">
-                <a:latin typeface="Meiryo" panose="020B0604030504040204" pitchFamily="34" charset="-128"/>
-                <a:ea typeface="Meiryo" panose="020B0604030504040204" pitchFamily="34" charset="-128"/>
-                <a:cs typeface="Meiryo" panose="020B0604030504040204" pitchFamily="34" charset="-128"/>
-              </a:rPr>
-            </a:br>
-            <a:r>
-              <a:rPr lang="en-US" altLang="zh-CN" sz="2800" dirty="0">
-                <a:latin typeface="Meiryo" panose="020B0604030504040204" pitchFamily="34" charset="-128"/>
-                <a:ea typeface="Meiryo" panose="020B0604030504040204" pitchFamily="34" charset="-128"/>
-                <a:cs typeface="Meiryo" panose="020B0604030504040204" pitchFamily="34" charset="-128"/>
-              </a:rPr>
-              <a:t>mapping function. </a:t>
-            </a:r>
+              <a:t>parameters of </a:t>
+            </a:r>
+            <a:r>
+              <a:rPr lang="en-US" altLang="zh-CN" sz="2800" dirty="0" smtClean="0">
+                <a:latin typeface="Meiryo" panose="020B0604030504040204" pitchFamily="34" charset="-128"/>
+                <a:ea typeface="Meiryo" panose="020B0604030504040204" pitchFamily="34" charset="-128"/>
+                <a:cs typeface="Meiryo" panose="020B0604030504040204" pitchFamily="34" charset="-128"/>
+              </a:rPr>
+              <a:t>the mapping function </a:t>
+            </a:r>
+            <a:endParaRPr lang="en-US" altLang="zh-CN" sz="2800" dirty="0">
+              <a:latin typeface="Meiryo" panose="020B0604030504040204" pitchFamily="34" charset="-128"/>
+              <a:ea typeface="Meiryo" panose="020B0604030504040204" pitchFamily="34" charset="-128"/>
+              <a:cs typeface="Meiryo" panose="020B0604030504040204" pitchFamily="34" charset="-128"/>
+            </a:endParaRPr>
           </a:p>
         </p:txBody>
       </p:sp>
@@ -11668,7 +12154,7 @@
         </p:blipFill>
         <p:spPr bwMode="auto">
           <a:xfrm>
-            <a:off x="1789066" y="1948611"/>
+            <a:off x="1789066" y="2158161"/>
             <a:ext cx="8666805" cy="1275434"/>
           </a:xfrm>
           <a:prstGeom prst="rect">
@@ -11719,7 +12205,7 @@
 </p:sld>
 </file>
 
-<file path=ppt/slides/slide28.xml><?xml version="1.0" encoding="utf-8"?>
+<file path=ppt/slides/slide27.xml><?xml version="1.0" encoding="utf-8"?>
 <p:sld xmlns:a="http://schemas.openxmlformats.org/drawingml/2006/main" xmlns:r="http://schemas.openxmlformats.org/officeDocument/2006/relationships" xmlns:p="http://schemas.openxmlformats.org/presentationml/2006/main">
   <p:cSld>
     <p:spTree>
@@ -11915,10 +12401,12 @@
           </a:bodyPr>
           <a:lstStyle/>
           <a:p>
-            <a:pPr>
+            <a:pPr marL="457200" indent="-457200">
               <a:lnSpc>
                 <a:spcPct val="200000"/>
               </a:lnSpc>
+              <a:buFont typeface="Arial" panose="020B0604020202020204" pitchFamily="34" charset="0"/>
+              <a:buChar char="•"/>
             </a:pPr>
             <a:r>
               <a:rPr lang="en-US" altLang="zh-CN" sz="2800" dirty="0" smtClean="0">
@@ -11926,7 +12414,7 @@
                 <a:ea typeface="Meiryo" panose="020B0604030504040204" pitchFamily="34" charset="-128"/>
                 <a:cs typeface="Meiryo" panose="020B0604030504040204" pitchFamily="34" charset="-128"/>
               </a:rPr>
-              <a:t>m </a:t>
+              <a:t>m :determines </a:t>
             </a:r>
             <a:r>
               <a:rPr lang="en-US" altLang="zh-CN" sz="2800" dirty="0">
@@ -11934,7 +12422,7 @@
                 <a:ea typeface="Meiryo" panose="020B0604030504040204" pitchFamily="34" charset="-128"/>
                 <a:cs typeface="Meiryo" panose="020B0604030504040204" pitchFamily="34" charset="-128"/>
               </a:rPr>
-              <a:t>determines the inflection point of </a:t>
+              <a:t>the inflection point of </a:t>
             </a:r>
             <a:r>
               <a:rPr lang="en-US" altLang="zh-CN" sz="2800" dirty="0" smtClean="0">
@@ -11950,10 +12438,24 @@
                 <a:ea typeface="Meiryo" panose="020B0604030504040204" pitchFamily="34" charset="-128"/>
                 <a:cs typeface="Meiryo" panose="020B0604030504040204" pitchFamily="34" charset="-128"/>
               </a:rPr>
-              <a:t>function and </a:t>
-            </a:r>
-            <a:r>
-              <a:rPr lang="el-GR" altLang="zh-CN" sz="2800" dirty="0">
+              <a:t>function </a:t>
+            </a:r>
+            <a:endParaRPr lang="en-US" altLang="zh-CN" sz="2800" dirty="0">
+              <a:latin typeface="Meiryo" panose="020B0604030504040204" pitchFamily="34" charset="-128"/>
+              <a:ea typeface="Meiryo" panose="020B0604030504040204" pitchFamily="34" charset="-128"/>
+              <a:cs typeface="Meiryo" panose="020B0604030504040204" pitchFamily="34" charset="-128"/>
+            </a:endParaRPr>
+          </a:p>
+          <a:p>
+            <a:pPr marL="457200" indent="-457200">
+              <a:lnSpc>
+                <a:spcPct val="200000"/>
+              </a:lnSpc>
+              <a:buFont typeface="Arial" panose="020B0604020202020204" pitchFamily="34" charset="0"/>
+              <a:buChar char="•"/>
+            </a:pPr>
+            <a:r>
+              <a:rPr lang="el-GR" altLang="zh-CN" sz="2800" dirty="0" smtClean="0">
                 <a:latin typeface="Meiryo" panose="020B0604030504040204" pitchFamily="34" charset="-128"/>
                 <a:ea typeface="Meiryo" panose="020B0604030504040204" pitchFamily="34" charset="-128"/>
                 <a:cs typeface="Meiryo" panose="020B0604030504040204" pitchFamily="34" charset="-128"/>
@@ -11961,12 +12463,20 @@
               <a:t>δ </a:t>
             </a:r>
             <a:r>
+              <a:rPr lang="en-US" altLang="zh-CN" sz="2800" dirty="0" smtClean="0">
+                <a:latin typeface="Meiryo" panose="020B0604030504040204" pitchFamily="34" charset="-128"/>
+                <a:ea typeface="Meiryo" panose="020B0604030504040204" pitchFamily="34" charset="-128"/>
+                <a:cs typeface="Meiryo" panose="020B0604030504040204" pitchFamily="34" charset="-128"/>
+              </a:rPr>
+              <a:t>:determines </a:t>
+            </a:r>
+            <a:r>
               <a:rPr lang="en-US" altLang="zh-CN" sz="2800" dirty="0">
                 <a:latin typeface="Meiryo" panose="020B0604030504040204" pitchFamily="34" charset="-128"/>
                 <a:ea typeface="Meiryo" panose="020B0604030504040204" pitchFamily="34" charset="-128"/>
                 <a:cs typeface="Meiryo" panose="020B0604030504040204" pitchFamily="34" charset="-128"/>
               </a:rPr>
-              <a:t>determines the degree of </a:t>
+              <a:t>the degree of </a:t>
             </a:r>
             <a:r>
               <a:rPr lang="en-US" altLang="zh-CN" sz="2800" dirty="0" smtClean="0">
@@ -11982,7 +12492,23 @@
                 <a:ea typeface="Meiryo" panose="020B0604030504040204" pitchFamily="34" charset="-128"/>
                 <a:cs typeface="Meiryo" panose="020B0604030504040204" pitchFamily="34" charset="-128"/>
               </a:rPr>
-              <a:t>around the inflection point. </a:t>
+              <a:t>around </a:t>
+            </a:r>
+            <a:r>
+              <a:rPr lang="en-US" altLang="zh-CN" sz="2800" dirty="0" smtClean="0">
+                <a:latin typeface="Meiryo" panose="020B0604030504040204" pitchFamily="34" charset="-128"/>
+                <a:ea typeface="Meiryo" panose="020B0604030504040204" pitchFamily="34" charset="-128"/>
+                <a:cs typeface="Meiryo" panose="020B0604030504040204" pitchFamily="34" charset="-128"/>
+              </a:rPr>
+              <a:t>       	the </a:t>
+            </a:r>
+            <a:r>
+              <a:rPr lang="en-US" altLang="zh-CN" sz="2800" dirty="0">
+                <a:latin typeface="Meiryo" panose="020B0604030504040204" pitchFamily="34" charset="-128"/>
+                <a:ea typeface="Meiryo" panose="020B0604030504040204" pitchFamily="34" charset="-128"/>
+                <a:cs typeface="Meiryo" panose="020B0604030504040204" pitchFamily="34" charset="-128"/>
+              </a:rPr>
+              <a:t>inflection point. </a:t>
             </a:r>
           </a:p>
         </p:txBody>
@@ -12105,6 +12631,579 @@
 </p:sld>
 </file>
 
+<file path=ppt/slides/slide28.xml><?xml version="1.0" encoding="utf-8"?>
+<p:sld xmlns:a="http://schemas.openxmlformats.org/drawingml/2006/main" xmlns:r="http://schemas.openxmlformats.org/officeDocument/2006/relationships" xmlns:p="http://schemas.openxmlformats.org/presentationml/2006/main">
+  <p:cSld>
+    <p:spTree>
+      <p:nvGrpSpPr>
+        <p:cNvPr id="1" name=""/>
+        <p:cNvGrpSpPr/>
+        <p:nvPr/>
+      </p:nvGrpSpPr>
+      <p:grpSpPr>
+        <a:xfrm>
+          <a:off x="0" y="0"/>
+          <a:ext cx="0" cy="0"/>
+          <a:chOff x="0" y="0"/>
+          <a:chExt cx="0" cy="0"/>
+        </a:xfrm>
+      </p:grpSpPr>
+      <p:sp>
+        <p:nvSpPr>
+          <p:cNvPr id="9" name="等腰三角形 8"/>
+          <p:cNvSpPr/>
+          <p:nvPr/>
+        </p:nvSpPr>
+        <p:spPr>
+          <a:xfrm rot="4613108">
+            <a:off x="7331460" y="3148738"/>
+            <a:ext cx="4577580" cy="4214762"/>
+          </a:xfrm>
+          <a:prstGeom prst="triangle">
+            <a:avLst/>
+          </a:prstGeom>
+          <a:solidFill>
+            <a:schemeClr val="bg1">
+              <a:lumMod val="95000"/>
+            </a:schemeClr>
+          </a:solidFill>
+          <a:ln>
+            <a:noFill/>
+          </a:ln>
+        </p:spPr>
+        <p:style>
+          <a:lnRef idx="2">
+            <a:schemeClr val="accent1">
+              <a:shade val="50000"/>
+            </a:schemeClr>
+          </a:lnRef>
+          <a:fillRef idx="1">
+            <a:schemeClr val="accent1"/>
+          </a:fillRef>
+          <a:effectRef idx="0">
+            <a:schemeClr val="accent1"/>
+          </a:effectRef>
+          <a:fontRef idx="minor">
+            <a:schemeClr val="lt1"/>
+          </a:fontRef>
+        </p:style>
+        <p:txBody>
+          <a:bodyPr rtlCol="0" anchor="ctr"/>
+          <a:lstStyle/>
+          <a:p>
+            <a:pPr algn="ctr"/>
+            <a:endParaRPr lang="zh-CN" altLang="en-US"/>
+          </a:p>
+        </p:txBody>
+      </p:sp>
+      <p:sp>
+        <p:nvSpPr>
+          <p:cNvPr id="8" name="矩形 7"/>
+          <p:cNvSpPr/>
+          <p:nvPr/>
+        </p:nvSpPr>
+        <p:spPr>
+          <a:xfrm rot="783766">
+            <a:off x="-2197454" y="-2340269"/>
+            <a:ext cx="6006821" cy="3447534"/>
+          </a:xfrm>
+          <a:prstGeom prst="rect">
+            <a:avLst/>
+          </a:prstGeom>
+          <a:solidFill>
+            <a:schemeClr val="bg1">
+              <a:lumMod val="95000"/>
+            </a:schemeClr>
+          </a:solidFill>
+          <a:ln>
+            <a:noFill/>
+          </a:ln>
+        </p:spPr>
+        <p:style>
+          <a:lnRef idx="2">
+            <a:schemeClr val="accent1">
+              <a:shade val="50000"/>
+            </a:schemeClr>
+          </a:lnRef>
+          <a:fillRef idx="1">
+            <a:schemeClr val="accent1"/>
+          </a:fillRef>
+          <a:effectRef idx="0">
+            <a:schemeClr val="accent1"/>
+          </a:effectRef>
+          <a:fontRef idx="minor">
+            <a:schemeClr val="lt1"/>
+          </a:fontRef>
+        </p:style>
+        <p:txBody>
+          <a:bodyPr rtlCol="0" anchor="ctr"/>
+          <a:lstStyle/>
+          <a:p>
+            <a:pPr algn="ctr"/>
+            <a:endParaRPr lang="zh-CN" altLang="en-US"/>
+          </a:p>
+        </p:txBody>
+      </p:sp>
+      <p:sp>
+        <p:nvSpPr>
+          <p:cNvPr id="30" name="文本框 29"/>
+          <p:cNvSpPr txBox="1"/>
+          <p:nvPr/>
+        </p:nvSpPr>
+        <p:spPr>
+          <a:xfrm>
+            <a:off x="662538" y="294935"/>
+            <a:ext cx="9072012" cy="769441"/>
+          </a:xfrm>
+          <a:prstGeom prst="rect">
+            <a:avLst/>
+          </a:prstGeom>
+          <a:noFill/>
+        </p:spPr>
+        <p:txBody>
+          <a:bodyPr wrap="square" rtlCol="0">
+            <a:spAutoFit/>
+          </a:bodyPr>
+          <a:lstStyle/>
+          <a:p>
+            <a:r>
+              <a:rPr lang="en-US" altLang="zh-CN" sz="4400" b="1" dirty="0" smtClean="0">
+                <a:solidFill>
+                  <a:srgbClr val="00ABB4"/>
+                </a:solidFill>
+                <a:latin typeface="微软雅黑" panose="020B0503020204020204" pitchFamily="34" charset="-122"/>
+                <a:ea typeface="微软雅黑" panose="020B0503020204020204" pitchFamily="34" charset="-122"/>
+              </a:rPr>
+              <a:t>1 Example-based </a:t>
+            </a:r>
+            <a:r>
+              <a:rPr lang="en-US" altLang="zh-CN" sz="4400" b="1" dirty="0">
+                <a:solidFill>
+                  <a:srgbClr val="00ABB4"/>
+                </a:solidFill>
+                <a:latin typeface="微软雅黑" panose="020B0503020204020204" pitchFamily="34" charset="-122"/>
+                <a:ea typeface="微软雅黑" panose="020B0503020204020204" pitchFamily="34" charset="-122"/>
+              </a:rPr>
+              <a:t>Style </a:t>
+            </a:r>
+            <a:r>
+              <a:rPr lang="en-US" altLang="zh-CN" sz="4400" b="1" dirty="0" smtClean="0">
+                <a:solidFill>
+                  <a:srgbClr val="00ABB4"/>
+                </a:solidFill>
+                <a:latin typeface="微软雅黑" panose="020B0503020204020204" pitchFamily="34" charset="-122"/>
+                <a:ea typeface="微软雅黑" panose="020B0503020204020204" pitchFamily="34" charset="-122"/>
+              </a:rPr>
+              <a:t>Transfer</a:t>
+            </a:r>
+            <a:endParaRPr lang="en-US" altLang="zh-CN" sz="4400" b="1" dirty="0">
+              <a:solidFill>
+                <a:srgbClr val="00ABB4"/>
+              </a:solidFill>
+              <a:latin typeface="微软雅黑" panose="020B0503020204020204" pitchFamily="34" charset="-122"/>
+              <a:ea typeface="微软雅黑" panose="020B0503020204020204" pitchFamily="34" charset="-122"/>
+            </a:endParaRPr>
+          </a:p>
+        </p:txBody>
+      </p:sp>
+      <p:sp>
+        <p:nvSpPr>
+          <p:cNvPr id="31" name="Rectangle 96"/>
+          <p:cNvSpPr/>
+          <p:nvPr/>
+        </p:nvSpPr>
+        <p:spPr>
+          <a:xfrm>
+            <a:off x="1100140" y="3154608"/>
+            <a:ext cx="10001250" cy="3539430"/>
+          </a:xfrm>
+          <a:prstGeom prst="rect">
+            <a:avLst/>
+          </a:prstGeom>
+        </p:spPr>
+        <p:txBody>
+          <a:bodyPr wrap="square">
+            <a:spAutoFit/>
+          </a:bodyPr>
+          <a:lstStyle/>
+          <a:p>
+            <a:pPr marL="457200" indent="-457200">
+              <a:lnSpc>
+                <a:spcPct val="200000"/>
+              </a:lnSpc>
+              <a:buFont typeface="Arial" panose="020B0604020202020204" pitchFamily="34" charset="0"/>
+              <a:buChar char="•"/>
+            </a:pPr>
+            <a:r>
+              <a:rPr lang="en-US" altLang="zh-CN" sz="2800" dirty="0" smtClean="0">
+                <a:latin typeface="Meiryo" panose="020B0604030504040204" pitchFamily="34" charset="-128"/>
+                <a:ea typeface="Meiryo" panose="020B0604030504040204" pitchFamily="34" charset="-128"/>
+                <a:cs typeface="Meiryo" panose="020B0604030504040204" pitchFamily="34" charset="-128"/>
+              </a:rPr>
+              <a:t>L</a:t>
+            </a:r>
+            <a:r>
+              <a:rPr lang="en-US" altLang="zh-CN" sz="2800" baseline="-25000" dirty="0" smtClean="0">
+                <a:latin typeface="Meiryo" panose="020B0604030504040204" pitchFamily="34" charset="-128"/>
+                <a:ea typeface="Meiryo" panose="020B0604030504040204" pitchFamily="34" charset="-128"/>
+                <a:cs typeface="Meiryo" panose="020B0604030504040204" pitchFamily="34" charset="-128"/>
+              </a:rPr>
+              <a:t>I</a:t>
+            </a:r>
+            <a:r>
+              <a:rPr lang="en-US" altLang="zh-CN" sz="2800" dirty="0" smtClean="0">
+                <a:latin typeface="Meiryo" panose="020B0604030504040204" pitchFamily="34" charset="-128"/>
+                <a:ea typeface="Meiryo" panose="020B0604030504040204" pitchFamily="34" charset="-128"/>
+                <a:cs typeface="Meiryo" panose="020B0604030504040204" pitchFamily="34" charset="-128"/>
+              </a:rPr>
+              <a:t> </a:t>
+            </a:r>
+            <a:r>
+              <a:rPr lang="en-US" altLang="zh-CN" sz="2800" dirty="0">
+                <a:latin typeface="Meiryo" panose="020B0604030504040204" pitchFamily="34" charset="-128"/>
+                <a:ea typeface="Meiryo" panose="020B0604030504040204" pitchFamily="34" charset="-128"/>
+                <a:cs typeface="Meiryo" panose="020B0604030504040204" pitchFamily="34" charset="-128"/>
+              </a:rPr>
+              <a:t>and L</a:t>
+            </a:r>
+            <a:r>
+              <a:rPr lang="en-US" altLang="zh-CN" sz="2800" baseline="-25000" dirty="0">
+                <a:latin typeface="Meiryo" panose="020B0604030504040204" pitchFamily="34" charset="-128"/>
+                <a:ea typeface="Meiryo" panose="020B0604030504040204" pitchFamily="34" charset="-128"/>
+                <a:cs typeface="Meiryo" panose="020B0604030504040204" pitchFamily="34" charset="-128"/>
+              </a:rPr>
+              <a:t>S</a:t>
+            </a:r>
+            <a:r>
+              <a:rPr lang="en-US" altLang="zh-CN" sz="2800" dirty="0">
+                <a:latin typeface="Meiryo" panose="020B0604030504040204" pitchFamily="34" charset="-128"/>
+                <a:ea typeface="Meiryo" panose="020B0604030504040204" pitchFamily="34" charset="-128"/>
+                <a:cs typeface="Meiryo" panose="020B0604030504040204" pitchFamily="34" charset="-128"/>
+              </a:rPr>
+              <a:t> </a:t>
+            </a:r>
+            <a:r>
+              <a:rPr lang="en-US" altLang="zh-CN" sz="2800" dirty="0" smtClean="0">
+                <a:latin typeface="Meiryo" panose="020B0604030504040204" pitchFamily="34" charset="-128"/>
+                <a:ea typeface="Meiryo" panose="020B0604030504040204" pitchFamily="34" charset="-128"/>
+                <a:cs typeface="Meiryo" panose="020B0604030504040204" pitchFamily="34" charset="-128"/>
+              </a:rPr>
+              <a:t>: </a:t>
+            </a:r>
+            <a:r>
+              <a:rPr lang="en-US" altLang="zh-CN" sz="2800" dirty="0">
+                <a:latin typeface="Meiryo" panose="020B0604030504040204" pitchFamily="34" charset="-128"/>
+                <a:ea typeface="Meiryo" panose="020B0604030504040204" pitchFamily="34" charset="-128"/>
+                <a:cs typeface="Meiryo" panose="020B0604030504040204" pitchFamily="34" charset="-128"/>
+              </a:rPr>
+              <a:t>the input and style </a:t>
+            </a:r>
+            <a:r>
+              <a:rPr lang="en-US" altLang="zh-CN" sz="2800" dirty="0" smtClean="0">
+                <a:latin typeface="Meiryo" panose="020B0604030504040204" pitchFamily="34" charset="-128"/>
+                <a:ea typeface="Meiryo" panose="020B0604030504040204" pitchFamily="34" charset="-128"/>
+                <a:cs typeface="Meiryo" panose="020B0604030504040204" pitchFamily="34" charset="-128"/>
+              </a:rPr>
+              <a:t>luminance features</a:t>
+            </a:r>
+          </a:p>
+          <a:p>
+            <a:pPr marL="457200" indent="-457200">
+              <a:lnSpc>
+                <a:spcPct val="200000"/>
+              </a:lnSpc>
+              <a:buFont typeface="Arial" panose="020B0604020202020204" pitchFamily="34" charset="0"/>
+              <a:buChar char="•"/>
+            </a:pPr>
+            <a:r>
+              <a:rPr lang="en-US" altLang="zh-CN" sz="2800" dirty="0" smtClean="0">
+                <a:latin typeface="Meiryo" panose="020B0604030504040204" pitchFamily="34" charset="-128"/>
+                <a:ea typeface="Meiryo" panose="020B0604030504040204" pitchFamily="34" charset="-128"/>
+                <a:cs typeface="Meiryo" panose="020B0604030504040204" pitchFamily="34" charset="-128"/>
+              </a:rPr>
+              <a:t>    : represents </a:t>
+            </a:r>
+            <a:r>
+              <a:rPr lang="en-US" altLang="zh-CN" sz="2800" dirty="0">
+                <a:latin typeface="Meiryo" panose="020B0604030504040204" pitchFamily="34" charset="-128"/>
+                <a:ea typeface="Meiryo" panose="020B0604030504040204" pitchFamily="34" charset="-128"/>
+                <a:cs typeface="Meiryo" panose="020B0604030504040204" pitchFamily="34" charset="-128"/>
+              </a:rPr>
+              <a:t>how closely </a:t>
+            </a:r>
+            <a:r>
+              <a:rPr lang="en-US" altLang="zh-CN" sz="2800" dirty="0" smtClean="0">
+                <a:latin typeface="Meiryo" panose="020B0604030504040204" pitchFamily="34" charset="-128"/>
+                <a:ea typeface="Meiryo" panose="020B0604030504040204" pitchFamily="34" charset="-128"/>
+                <a:cs typeface="Meiryo" panose="020B0604030504040204" pitchFamily="34" charset="-128"/>
+              </a:rPr>
+              <a:t>we want </a:t>
+            </a:r>
+            <a:r>
+              <a:rPr lang="en-US" altLang="zh-CN" sz="2800" dirty="0">
+                <a:latin typeface="Meiryo" panose="020B0604030504040204" pitchFamily="34" charset="-128"/>
+                <a:ea typeface="Meiryo" panose="020B0604030504040204" pitchFamily="34" charset="-128"/>
+                <a:cs typeface="Meiryo" panose="020B0604030504040204" pitchFamily="34" charset="-128"/>
+              </a:rPr>
+              <a:t>to match the </a:t>
+            </a:r>
+            <a:endParaRPr lang="en-US" altLang="zh-CN" sz="2800" dirty="0" smtClean="0">
+              <a:latin typeface="Meiryo" panose="020B0604030504040204" pitchFamily="34" charset="-128"/>
+              <a:ea typeface="Meiryo" panose="020B0604030504040204" pitchFamily="34" charset="-128"/>
+              <a:cs typeface="Meiryo" panose="020B0604030504040204" pitchFamily="34" charset="-128"/>
+            </a:endParaRPr>
+          </a:p>
+          <a:p>
+            <a:pPr>
+              <a:lnSpc>
+                <a:spcPct val="200000"/>
+              </a:lnSpc>
+            </a:pPr>
+            <a:r>
+              <a:rPr lang="en-US" altLang="zh-CN" sz="2800" dirty="0">
+                <a:latin typeface="Meiryo" panose="020B0604030504040204" pitchFamily="34" charset="-128"/>
+                <a:ea typeface="Meiryo" panose="020B0604030504040204" pitchFamily="34" charset="-128"/>
+                <a:cs typeface="Meiryo" panose="020B0604030504040204" pitchFamily="34" charset="-128"/>
+              </a:rPr>
+              <a:t> </a:t>
+            </a:r>
+            <a:r>
+              <a:rPr lang="en-US" altLang="zh-CN" sz="2800" dirty="0" smtClean="0">
+                <a:latin typeface="Meiryo" panose="020B0604030504040204" pitchFamily="34" charset="-128"/>
+                <a:ea typeface="Meiryo" panose="020B0604030504040204" pitchFamily="34" charset="-128"/>
+                <a:cs typeface="Meiryo" panose="020B0604030504040204" pitchFamily="34" charset="-128"/>
+              </a:rPr>
+              <a:t> 	  exemplar </a:t>
+            </a:r>
+            <a:r>
+              <a:rPr lang="en-US" altLang="zh-CN" sz="2800" dirty="0">
+                <a:latin typeface="Meiryo" panose="020B0604030504040204" pitchFamily="34" charset="-128"/>
+                <a:ea typeface="Meiryo" panose="020B0604030504040204" pitchFamily="34" charset="-128"/>
+                <a:cs typeface="Meiryo" panose="020B0604030504040204" pitchFamily="34" charset="-128"/>
+              </a:rPr>
+              <a:t>luminance </a:t>
+            </a:r>
+            <a:r>
+              <a:rPr lang="en-US" altLang="zh-CN" sz="2800" dirty="0" smtClean="0">
+                <a:latin typeface="Meiryo" panose="020B0604030504040204" pitchFamily="34" charset="-128"/>
+                <a:ea typeface="Meiryo" panose="020B0604030504040204" pitchFamily="34" charset="-128"/>
+                <a:cs typeface="Meiryo" panose="020B0604030504040204" pitchFamily="34" charset="-128"/>
+              </a:rPr>
+              <a:t>distribution</a:t>
+            </a:r>
+          </a:p>
+          <a:p>
+            <a:pPr marL="457200" indent="-457200">
+              <a:lnSpc>
+                <a:spcPct val="200000"/>
+              </a:lnSpc>
+              <a:buFont typeface="Arial" panose="020B0604020202020204" pitchFamily="34" charset="0"/>
+              <a:buChar char="•"/>
+            </a:pPr>
+            <a:r>
+              <a:rPr lang="el-GR" altLang="zh-CN" sz="2800" dirty="0" smtClean="0">
+                <a:latin typeface="Meiryo" panose="020B0604030504040204" pitchFamily="34" charset="-128"/>
+                <a:ea typeface="Meiryo" panose="020B0604030504040204" pitchFamily="34" charset="-128"/>
+                <a:cs typeface="Meiryo" panose="020B0604030504040204" pitchFamily="34" charset="-128"/>
+              </a:rPr>
+              <a:t>τ </a:t>
+            </a:r>
+            <a:r>
+              <a:rPr lang="en-US" altLang="zh-CN" sz="2800" dirty="0">
+                <a:latin typeface="Meiryo" panose="020B0604030504040204" pitchFamily="34" charset="-128"/>
+                <a:ea typeface="Meiryo" panose="020B0604030504040204" pitchFamily="34" charset="-128"/>
+                <a:cs typeface="Meiryo" panose="020B0604030504040204" pitchFamily="34" charset="-128"/>
+              </a:rPr>
+              <a:t>=0.4 </a:t>
+            </a:r>
+            <a:r>
+              <a:rPr lang="en-US" altLang="zh-CN" sz="2800" dirty="0" smtClean="0">
+                <a:latin typeface="Meiryo" panose="020B0604030504040204" pitchFamily="34" charset="-128"/>
+                <a:ea typeface="Meiryo" panose="020B0604030504040204" pitchFamily="34" charset="-128"/>
+                <a:cs typeface="Meiryo" panose="020B0604030504040204" pitchFamily="34" charset="-128"/>
+              </a:rPr>
+              <a:t> </a:t>
+            </a:r>
+            <a:endParaRPr lang="en-US" altLang="zh-CN" sz="2800" dirty="0">
+              <a:latin typeface="Meiryo" panose="020B0604030504040204" pitchFamily="34" charset="-128"/>
+              <a:ea typeface="Meiryo" panose="020B0604030504040204" pitchFamily="34" charset="-128"/>
+              <a:cs typeface="Meiryo" panose="020B0604030504040204" pitchFamily="34" charset="-128"/>
+            </a:endParaRPr>
+          </a:p>
+        </p:txBody>
+      </p:sp>
+      <p:sp>
+        <p:nvSpPr>
+          <p:cNvPr id="11" name="Rectangle 96"/>
+          <p:cNvSpPr/>
+          <p:nvPr/>
+        </p:nvSpPr>
+        <p:spPr>
+          <a:xfrm>
+            <a:off x="662538" y="1102225"/>
+            <a:ext cx="10919862" cy="846386"/>
+          </a:xfrm>
+          <a:prstGeom prst="rect">
+            <a:avLst/>
+          </a:prstGeom>
+        </p:spPr>
+        <p:txBody>
+          <a:bodyPr wrap="square">
+            <a:spAutoFit/>
+          </a:bodyPr>
+          <a:lstStyle/>
+          <a:p>
+            <a:pPr marL="457200" indent="-457200">
+              <a:lnSpc>
+                <a:spcPct val="200000"/>
+              </a:lnSpc>
+              <a:buFont typeface="Arial" panose="020B0604020202020204" pitchFamily="34" charset="0"/>
+              <a:buChar char="•"/>
+            </a:pPr>
+            <a:r>
+              <a:rPr lang="en-US" altLang="zh-CN" sz="2800" b="1" dirty="0" smtClean="0">
+                <a:latin typeface="Meiryo" panose="020B0604030504040204" pitchFamily="34" charset="-128"/>
+                <a:ea typeface="Meiryo" panose="020B0604030504040204" pitchFamily="34" charset="-128"/>
+                <a:cs typeface="Meiryo" panose="020B0604030504040204" pitchFamily="34" charset="-128"/>
+              </a:rPr>
+              <a:t>Luminance:</a:t>
+            </a:r>
+            <a:endParaRPr lang="en-US" altLang="zh-CN" sz="2800" b="1" dirty="0">
+              <a:latin typeface="Meiryo" panose="020B0604030504040204" pitchFamily="34" charset="-128"/>
+              <a:ea typeface="Meiryo" panose="020B0604030504040204" pitchFamily="34" charset="-128"/>
+              <a:cs typeface="Meiryo" panose="020B0604030504040204" pitchFamily="34" charset="-128"/>
+            </a:endParaRPr>
+          </a:p>
+        </p:txBody>
+      </p:sp>
+      <p:pic>
+        <p:nvPicPr>
+          <p:cNvPr id="4098" name="Picture 2"/>
+          <p:cNvPicPr>
+            <a:picLocks noChangeAspect="1" noChangeArrowheads="1"/>
+          </p:cNvPicPr>
+          <p:nvPr/>
+        </p:nvPicPr>
+        <p:blipFill>
+          <a:blip r:embed="rId3">
+            <a:extLst>
+              <a:ext uri="{28A0092B-C50C-407E-A947-70E740481C1C}">
+                <a14:useLocalDpi xmlns:a14="http://schemas.microsoft.com/office/drawing/2010/main" val="0"/>
+              </a:ext>
+            </a:extLst>
+          </a:blip>
+          <a:srcRect/>
+          <a:stretch>
+            <a:fillRect/>
+          </a:stretch>
+        </p:blipFill>
+        <p:spPr bwMode="auto">
+          <a:xfrm>
+            <a:off x="2188293" y="1948611"/>
+            <a:ext cx="7476508" cy="1346871"/>
+          </a:xfrm>
+          <a:prstGeom prst="rect">
+            <a:avLst/>
+          </a:prstGeom>
+          <a:noFill/>
+          <a:ln>
+            <a:noFill/>
+          </a:ln>
+          <a:extLst>
+            <a:ext uri="{909E8E84-426E-40DD-AFC4-6F175D3DCCD1}">
+              <a14:hiddenFill xmlns:a14="http://schemas.microsoft.com/office/drawing/2010/main">
+                <a:solidFill>
+                  <a:schemeClr val="accent1"/>
+                </a:solidFill>
+              </a14:hiddenFill>
+            </a:ext>
+            <a:ext uri="{91240B29-F687-4F45-9708-019B960494DF}">
+              <a14:hiddenLine xmlns:a14="http://schemas.microsoft.com/office/drawing/2010/main" w="9525">
+                <a:solidFill>
+                  <a:schemeClr val="tx1"/>
+                </a:solidFill>
+                <a:miter lim="800000"/>
+                <a:headEnd/>
+                <a:tailEnd/>
+              </a14:hiddenLine>
+            </a:ext>
+          </a:extLst>
+        </p:spPr>
+      </p:pic>
+      <p:pic>
+        <p:nvPicPr>
+          <p:cNvPr id="4099" name="Picture 3"/>
+          <p:cNvPicPr>
+            <a:picLocks noChangeAspect="1" noChangeArrowheads="1"/>
+          </p:cNvPicPr>
+          <p:nvPr/>
+        </p:nvPicPr>
+        <p:blipFill>
+          <a:blip r:embed="rId4">
+            <a:extLst>
+              <a:ext uri="{28A0092B-C50C-407E-A947-70E740481C1C}">
+                <a14:useLocalDpi xmlns:a14="http://schemas.microsoft.com/office/drawing/2010/main" val="0"/>
+              </a:ext>
+            </a:extLst>
+          </a:blip>
+          <a:srcRect/>
+          <a:stretch>
+            <a:fillRect/>
+          </a:stretch>
+        </p:blipFill>
+        <p:spPr bwMode="auto">
+          <a:xfrm>
+            <a:off x="1609728" y="4185201"/>
+            <a:ext cx="395288" cy="549966"/>
+          </a:xfrm>
+          <a:prstGeom prst="rect">
+            <a:avLst/>
+          </a:prstGeom>
+          <a:noFill/>
+          <a:ln>
+            <a:noFill/>
+          </a:ln>
+          <a:extLst>
+            <a:ext uri="{909E8E84-426E-40DD-AFC4-6F175D3DCCD1}">
+              <a14:hiddenFill xmlns:a14="http://schemas.microsoft.com/office/drawing/2010/main">
+                <a:solidFill>
+                  <a:schemeClr val="accent1"/>
+                </a:solidFill>
+              </a14:hiddenFill>
+            </a:ext>
+            <a:ext uri="{91240B29-F687-4F45-9708-019B960494DF}">
+              <a14:hiddenLine xmlns:a14="http://schemas.microsoft.com/office/drawing/2010/main" w="9525">
+                <a:solidFill>
+                  <a:schemeClr val="tx1"/>
+                </a:solidFill>
+                <a:miter lim="800000"/>
+                <a:headEnd/>
+                <a:tailEnd/>
+              </a14:hiddenLine>
+            </a:ext>
+          </a:extLst>
+        </p:spPr>
+      </p:pic>
+    </p:spTree>
+    <p:extLst>
+      <p:ext uri="{BB962C8B-B14F-4D97-AF65-F5344CB8AC3E}">
+        <p14:creationId xmlns:p14="http://schemas.microsoft.com/office/powerpoint/2010/main" val="3544436424"/>
+      </p:ext>
+    </p:extLst>
+  </p:cSld>
+  <p:clrMapOvr>
+    <a:masterClrMapping/>
+  </p:clrMapOvr>
+  <p:timing>
+    <p:tnLst>
+      <p:par>
+        <p:cTn id="1" dur="indefinite" restart="never" nodeType="tmRoot"/>
+      </p:par>
+    </p:tnLst>
+  </p:timing>
+</p:sld>
+</file>
+
 <file path=ppt/slides/slide29.xml><?xml version="1.0" encoding="utf-8"?>
 <p:sld xmlns:a="http://schemas.openxmlformats.org/drawingml/2006/main" xmlns:r="http://schemas.openxmlformats.org/officeDocument/2006/relationships" xmlns:p="http://schemas.openxmlformats.org/presentationml/2006/main">
   <p:cSld>
@@ -12124,14 +13223,110 @@
       </p:grpSpPr>
       <p:sp>
         <p:nvSpPr>
-          <p:cNvPr id="3" name="文本框 2"/>
+          <p:cNvPr id="9" name="等腰三角形 8"/>
+          <p:cNvSpPr/>
+          <p:nvPr/>
+        </p:nvSpPr>
+        <p:spPr>
+          <a:xfrm rot="4613108">
+            <a:off x="7331460" y="3148738"/>
+            <a:ext cx="4577580" cy="4214762"/>
+          </a:xfrm>
+          <a:prstGeom prst="triangle">
+            <a:avLst/>
+          </a:prstGeom>
+          <a:solidFill>
+            <a:schemeClr val="bg1">
+              <a:lumMod val="95000"/>
+            </a:schemeClr>
+          </a:solidFill>
+          <a:ln>
+            <a:noFill/>
+          </a:ln>
+        </p:spPr>
+        <p:style>
+          <a:lnRef idx="2">
+            <a:schemeClr val="accent1">
+              <a:shade val="50000"/>
+            </a:schemeClr>
+          </a:lnRef>
+          <a:fillRef idx="1">
+            <a:schemeClr val="accent1"/>
+          </a:fillRef>
+          <a:effectRef idx="0">
+            <a:schemeClr val="accent1"/>
+          </a:effectRef>
+          <a:fontRef idx="minor">
+            <a:schemeClr val="lt1"/>
+          </a:fontRef>
+        </p:style>
+        <p:txBody>
+          <a:bodyPr rtlCol="0" anchor="ctr"/>
+          <a:lstStyle/>
+          <a:p>
+            <a:pPr algn="ctr"/>
+            <a:endParaRPr lang="zh-CN" altLang="en-US"/>
+          </a:p>
+        </p:txBody>
+      </p:sp>
+      <p:sp>
+        <p:nvSpPr>
+          <p:cNvPr id="8" name="矩形 7"/>
+          <p:cNvSpPr/>
+          <p:nvPr/>
+        </p:nvSpPr>
+        <p:spPr>
+          <a:xfrm rot="783766">
+            <a:off x="-2197454" y="-2340269"/>
+            <a:ext cx="6006821" cy="3447534"/>
+          </a:xfrm>
+          <a:prstGeom prst="rect">
+            <a:avLst/>
+          </a:prstGeom>
+          <a:solidFill>
+            <a:schemeClr val="bg1">
+              <a:lumMod val="95000"/>
+            </a:schemeClr>
+          </a:solidFill>
+          <a:ln>
+            <a:noFill/>
+          </a:ln>
+        </p:spPr>
+        <p:style>
+          <a:lnRef idx="2">
+            <a:schemeClr val="accent1">
+              <a:shade val="50000"/>
+            </a:schemeClr>
+          </a:lnRef>
+          <a:fillRef idx="1">
+            <a:schemeClr val="accent1"/>
+          </a:fillRef>
+          <a:effectRef idx="0">
+            <a:schemeClr val="accent1"/>
+          </a:effectRef>
+          <a:fontRef idx="minor">
+            <a:schemeClr val="lt1"/>
+          </a:fontRef>
+        </p:style>
+        <p:txBody>
+          <a:bodyPr rtlCol="0" anchor="ctr"/>
+          <a:lstStyle/>
+          <a:p>
+            <a:pPr algn="ctr"/>
+            <a:endParaRPr lang="zh-CN" altLang="en-US"/>
+          </a:p>
+        </p:txBody>
+      </p:sp>
+      <p:sp>
+        <p:nvSpPr>
+          <p:cNvPr id="30" name="文本框 29"/>
           <p:cNvSpPr txBox="1"/>
           <p:nvPr/>
         </p:nvSpPr>
         <p:spPr>
           <a:xfrm>
-            <a:off x="2618510" y="2333008"/>
-            <a:ext cx="6964407" cy="1261884"/>
+            <a:off x="662538" y="294935"/>
+            <a:ext cx="9072012" cy="769441"/>
           </a:xfrm>
           <a:prstGeom prst="rect">
             <a:avLst/>
@@ -12139,83 +13334,202 @@
           <a:noFill/>
         </p:spPr>
         <p:txBody>
-          <a:bodyPr wrap="none" rtlCol="0">
+          <a:bodyPr wrap="square" rtlCol="0">
             <a:spAutoFit/>
           </a:bodyPr>
           <a:lstStyle/>
           <a:p>
-            <a:pPr algn="ctr"/>
-            <a:r>
-              <a:rPr lang="en-US" altLang="zh-CN" sz="3800" b="1" dirty="0" smtClean="0">
+            <a:r>
+              <a:rPr lang="en-US" altLang="zh-CN" sz="4400" b="1" dirty="0" smtClean="0">
                 <a:solidFill>
                   <a:srgbClr val="00ABB4"/>
                 </a:solidFill>
-                <a:effectLst>
-                  <a:outerShdw blurRad="38100" dist="38100" dir="2700000" algn="tl">
-                    <a:srgbClr val="000000">
-                      <a:alpha val="43137"/>
-                    </a:srgbClr>
-                  </a:outerShdw>
-                </a:effectLst>
                 <a:latin typeface="微软雅黑" panose="020B0503020204020204" pitchFamily="34" charset="-122"/>
                 <a:ea typeface="微软雅黑" panose="020B0503020204020204" pitchFamily="34" charset="-122"/>
               </a:rPr>
-              <a:t>Thank you all for listening~</a:t>
-            </a:r>
-            <a:r>
-              <a:rPr lang="en-US" altLang="zh-CN" sz="3800" b="1" dirty="0">
+              <a:t>1 Example-based </a:t>
+            </a:r>
+            <a:r>
+              <a:rPr lang="en-US" altLang="zh-CN" sz="4400" b="1" dirty="0">
                 <a:solidFill>
                   <a:srgbClr val="00ABB4"/>
                 </a:solidFill>
-                <a:effectLst>
-                  <a:outerShdw blurRad="38100" dist="38100" dir="2700000" algn="tl">
-                    <a:srgbClr val="000000">
-                      <a:alpha val="43137"/>
-                    </a:srgbClr>
-                  </a:outerShdw>
-                </a:effectLst>
                 <a:latin typeface="微软雅黑" panose="020B0503020204020204" pitchFamily="34" charset="-122"/>
                 <a:ea typeface="微软雅黑" panose="020B0503020204020204" pitchFamily="34" charset="-122"/>
               </a:rPr>
-              <a:t/>
-            </a:r>
-            <a:br>
-              <a:rPr lang="en-US" altLang="zh-CN" sz="3800" b="1" dirty="0">
+              <a:t>Style </a:t>
+            </a:r>
+            <a:r>
+              <a:rPr lang="en-US" altLang="zh-CN" sz="4400" b="1" dirty="0" smtClean="0">
                 <a:solidFill>
                   <a:srgbClr val="00ABB4"/>
                 </a:solidFill>
-                <a:effectLst>
-                  <a:outerShdw blurRad="38100" dist="38100" dir="2700000" algn="tl">
-                    <a:srgbClr val="000000">
-                      <a:alpha val="43137"/>
-                    </a:srgbClr>
-                  </a:outerShdw>
-                </a:effectLst>
                 <a:latin typeface="微软雅黑" panose="020B0503020204020204" pitchFamily="34" charset="-122"/>
                 <a:ea typeface="微软雅黑" panose="020B0503020204020204" pitchFamily="34" charset="-122"/>
               </a:rPr>
-            </a:br>
-            <a:endParaRPr lang="en-US" altLang="zh-CN" sz="3800" b="1" dirty="0">
+              <a:t>Transfer</a:t>
+            </a:r>
+            <a:endParaRPr lang="en-US" altLang="zh-CN" sz="4400" b="1" dirty="0">
               <a:solidFill>
                 <a:srgbClr val="00ABB4"/>
               </a:solidFill>
-              <a:effectLst>
-                <a:outerShdw blurRad="38100" dist="38100" dir="2700000" algn="tl">
-                  <a:srgbClr val="000000">
-                    <a:alpha val="43137"/>
-                  </a:srgbClr>
-                </a:outerShdw>
-              </a:effectLst>
               <a:latin typeface="微软雅黑" panose="020B0503020204020204" pitchFamily="34" charset="-122"/>
               <a:ea typeface="微软雅黑" panose="020B0503020204020204" pitchFamily="34" charset="-122"/>
             </a:endParaRPr>
           </a:p>
         </p:txBody>
       </p:sp>
+      <p:sp>
+        <p:nvSpPr>
+          <p:cNvPr id="31" name="Rectangle 96"/>
+          <p:cNvSpPr/>
+          <p:nvPr/>
+        </p:nvSpPr>
+        <p:spPr>
+          <a:xfrm>
+            <a:off x="1100140" y="2697543"/>
+            <a:ext cx="10272710" cy="2569934"/>
+          </a:xfrm>
+          <a:prstGeom prst="rect">
+            <a:avLst/>
+          </a:prstGeom>
+        </p:spPr>
+        <p:txBody>
+          <a:bodyPr wrap="square">
+            <a:spAutoFit/>
+          </a:bodyPr>
+          <a:lstStyle/>
+          <a:p>
+            <a:pPr marL="457200" indent="-457200">
+              <a:lnSpc>
+                <a:spcPct val="200000"/>
+              </a:lnSpc>
+              <a:buFont typeface="Arial" panose="020B0604020202020204" pitchFamily="34" charset="0"/>
+              <a:buChar char="•"/>
+            </a:pPr>
+            <a:r>
+              <a:rPr lang="en-US" altLang="zh-CN" sz="2800" dirty="0" smtClean="0">
+                <a:latin typeface="Meiryo" panose="020B0604030504040204" pitchFamily="34" charset="-128"/>
+                <a:ea typeface="Meiryo" panose="020B0604030504040204" pitchFamily="34" charset="-128"/>
+                <a:cs typeface="Meiryo" panose="020B0604030504040204" pitchFamily="34" charset="-128"/>
+              </a:rPr>
+              <a:t>First </a:t>
+            </a:r>
+            <a:r>
+              <a:rPr lang="en-US" altLang="zh-CN" sz="2800" dirty="0">
+                <a:latin typeface="Meiryo" panose="020B0604030504040204" pitchFamily="34" charset="-128"/>
+                <a:ea typeface="Meiryo" panose="020B0604030504040204" pitchFamily="34" charset="-128"/>
+                <a:cs typeface="Meiryo" panose="020B0604030504040204" pitchFamily="34" charset="-128"/>
+              </a:rPr>
+              <a:t>detect face regions </a:t>
+            </a:r>
+            <a:r>
+              <a:rPr lang="en-US" altLang="zh-CN" sz="2800" dirty="0" smtClean="0">
+                <a:latin typeface="Meiryo" panose="020B0604030504040204" pitchFamily="34" charset="-128"/>
+                <a:ea typeface="Meiryo" panose="020B0604030504040204" pitchFamily="34" charset="-128"/>
+                <a:cs typeface="Meiryo" panose="020B0604030504040204" pitchFamily="34" charset="-128"/>
+              </a:rPr>
+              <a:t>in </a:t>
+            </a:r>
+            <a:r>
+              <a:rPr lang="en-US" altLang="zh-CN" sz="2800" dirty="0">
+                <a:latin typeface="Meiryo" panose="020B0604030504040204" pitchFamily="34" charset="-128"/>
+                <a:ea typeface="Meiryo" panose="020B0604030504040204" pitchFamily="34" charset="-128"/>
+                <a:cs typeface="Meiryo" panose="020B0604030504040204" pitchFamily="34" charset="-128"/>
+              </a:rPr>
+              <a:t>the input image, given by center p and radius r, </a:t>
+            </a:r>
+            <a:r>
+              <a:rPr lang="en-US" altLang="zh-CN" sz="2800" dirty="0" smtClean="0">
+                <a:latin typeface="Meiryo" panose="020B0604030504040204" pitchFamily="34" charset="-128"/>
+                <a:ea typeface="Meiryo" panose="020B0604030504040204" pitchFamily="34" charset="-128"/>
+                <a:cs typeface="Meiryo" panose="020B0604030504040204" pitchFamily="34" charset="-128"/>
+              </a:rPr>
+              <a:t>using the </a:t>
+            </a:r>
+            <a:r>
+              <a:rPr lang="en-US" altLang="zh-CN" sz="2800" dirty="0">
+                <a:latin typeface="Meiryo" panose="020B0604030504040204" pitchFamily="34" charset="-128"/>
+                <a:ea typeface="Meiryo" panose="020B0604030504040204" pitchFamily="34" charset="-128"/>
+                <a:cs typeface="Meiryo" panose="020B0604030504040204" pitchFamily="34" charset="-128"/>
+              </a:rPr>
+              <a:t>Haar cascade </a:t>
+            </a:r>
+            <a:r>
+              <a:rPr lang="en-US" altLang="zh-CN" sz="2800" dirty="0" smtClean="0">
+                <a:latin typeface="Meiryo" panose="020B0604030504040204" pitchFamily="34" charset="-128"/>
+                <a:ea typeface="Meiryo" panose="020B0604030504040204" pitchFamily="34" charset="-128"/>
+                <a:cs typeface="Meiryo" panose="020B0604030504040204" pitchFamily="34" charset="-128"/>
+              </a:rPr>
+              <a:t>classifier </a:t>
+            </a:r>
+            <a:r>
+              <a:rPr lang="en-US" altLang="zh-CN" sz="2800" dirty="0">
+                <a:latin typeface="Meiryo" panose="020B0604030504040204" pitchFamily="34" charset="-128"/>
+                <a:ea typeface="Meiryo" panose="020B0604030504040204" pitchFamily="34" charset="-128"/>
+                <a:cs typeface="Meiryo" panose="020B0604030504040204" pitchFamily="34" charset="-128"/>
+              </a:rPr>
+              <a:t>implemented in the </a:t>
+            </a:r>
+            <a:r>
+              <a:rPr lang="en-US" altLang="zh-CN" sz="2800" dirty="0" smtClean="0">
+                <a:latin typeface="Meiryo" panose="020B0604030504040204" pitchFamily="34" charset="-128"/>
+                <a:ea typeface="Meiryo" panose="020B0604030504040204" pitchFamily="34" charset="-128"/>
+                <a:cs typeface="Meiryo" panose="020B0604030504040204" pitchFamily="34" charset="-128"/>
+              </a:rPr>
+              <a:t>OpenCV</a:t>
+            </a:r>
+          </a:p>
+        </p:txBody>
+      </p:sp>
+      <p:sp>
+        <p:nvSpPr>
+          <p:cNvPr id="11" name="Rectangle 96"/>
+          <p:cNvSpPr/>
+          <p:nvPr/>
+        </p:nvSpPr>
+        <p:spPr>
+          <a:xfrm>
+            <a:off x="662538" y="1102225"/>
+            <a:ext cx="10919862" cy="846386"/>
+          </a:xfrm>
+          <a:prstGeom prst="rect">
+            <a:avLst/>
+          </a:prstGeom>
+        </p:spPr>
+        <p:txBody>
+          <a:bodyPr wrap="square">
+            <a:spAutoFit/>
+          </a:bodyPr>
+          <a:lstStyle/>
+          <a:p>
+            <a:pPr marL="457200" indent="-457200">
+              <a:lnSpc>
+                <a:spcPct val="200000"/>
+              </a:lnSpc>
+              <a:buFont typeface="Arial" panose="020B0604020202020204" pitchFamily="34" charset="0"/>
+              <a:buChar char="•"/>
+            </a:pPr>
+            <a:r>
+              <a:rPr lang="en-US" altLang="zh-CN" sz="2800" b="1" dirty="0" smtClean="0">
+                <a:latin typeface="Meiryo" panose="020B0604030504040204" pitchFamily="34" charset="-128"/>
+                <a:ea typeface="Meiryo" panose="020B0604030504040204" pitchFamily="34" charset="-128"/>
+                <a:cs typeface="Meiryo" panose="020B0604030504040204" pitchFamily="34" charset="-128"/>
+              </a:rPr>
+              <a:t>Face exposure corection:</a:t>
+            </a:r>
+            <a:endParaRPr lang="en-US" altLang="zh-CN" sz="2800" b="1" dirty="0">
+              <a:latin typeface="Meiryo" panose="020B0604030504040204" pitchFamily="34" charset="-128"/>
+              <a:ea typeface="Meiryo" panose="020B0604030504040204" pitchFamily="34" charset="-128"/>
+              <a:cs typeface="Meiryo" panose="020B0604030504040204" pitchFamily="34" charset="-128"/>
+            </a:endParaRPr>
+          </a:p>
+        </p:txBody>
+      </p:sp>
     </p:spTree>
     <p:extLst>
       <p:ext uri="{BB962C8B-B14F-4D97-AF65-F5344CB8AC3E}">
-        <p14:creationId xmlns:p14="http://schemas.microsoft.com/office/powerpoint/2010/main" val="3711594375"/>
+        <p14:creationId xmlns:p14="http://schemas.microsoft.com/office/powerpoint/2010/main" val="2353494279"/>
       </p:ext>
     </p:extLst>
   </p:cSld>
@@ -12449,6 +13763,2837 @@
     <p:extLst>
       <p:ext uri="{BB962C8B-B14F-4D97-AF65-F5344CB8AC3E}">
         <p14:creationId xmlns:p14="http://schemas.microsoft.com/office/powerpoint/2010/main" val="572571404"/>
+      </p:ext>
+    </p:extLst>
+  </p:cSld>
+  <p:clrMapOvr>
+    <a:masterClrMapping/>
+  </p:clrMapOvr>
+  <p:timing>
+    <p:tnLst>
+      <p:par>
+        <p:cTn id="1" dur="indefinite" restart="never" nodeType="tmRoot"/>
+      </p:par>
+    </p:tnLst>
+  </p:timing>
+</p:sld>
+</file>
+
+<file path=ppt/slides/slide30.xml><?xml version="1.0" encoding="utf-8"?>
+<p:sld xmlns:a="http://schemas.openxmlformats.org/drawingml/2006/main" xmlns:r="http://schemas.openxmlformats.org/officeDocument/2006/relationships" xmlns:p="http://schemas.openxmlformats.org/presentationml/2006/main">
+  <p:cSld>
+    <p:spTree>
+      <p:nvGrpSpPr>
+        <p:cNvPr id="1" name=""/>
+        <p:cNvGrpSpPr/>
+        <p:nvPr/>
+      </p:nvGrpSpPr>
+      <p:grpSpPr>
+        <a:xfrm>
+          <a:off x="0" y="0"/>
+          <a:ext cx="0" cy="0"/>
+          <a:chOff x="0" y="0"/>
+          <a:chExt cx="0" cy="0"/>
+        </a:xfrm>
+      </p:grpSpPr>
+      <p:sp>
+        <p:nvSpPr>
+          <p:cNvPr id="9" name="等腰三角形 8"/>
+          <p:cNvSpPr/>
+          <p:nvPr/>
+        </p:nvSpPr>
+        <p:spPr>
+          <a:xfrm rot="4613108">
+            <a:off x="7331460" y="3148738"/>
+            <a:ext cx="4577580" cy="4214762"/>
+          </a:xfrm>
+          <a:prstGeom prst="triangle">
+            <a:avLst/>
+          </a:prstGeom>
+          <a:solidFill>
+            <a:schemeClr val="bg1">
+              <a:lumMod val="95000"/>
+            </a:schemeClr>
+          </a:solidFill>
+          <a:ln>
+            <a:noFill/>
+          </a:ln>
+        </p:spPr>
+        <p:style>
+          <a:lnRef idx="2">
+            <a:schemeClr val="accent1">
+              <a:shade val="50000"/>
+            </a:schemeClr>
+          </a:lnRef>
+          <a:fillRef idx="1">
+            <a:schemeClr val="accent1"/>
+          </a:fillRef>
+          <a:effectRef idx="0">
+            <a:schemeClr val="accent1"/>
+          </a:effectRef>
+          <a:fontRef idx="minor">
+            <a:schemeClr val="lt1"/>
+          </a:fontRef>
+        </p:style>
+        <p:txBody>
+          <a:bodyPr rtlCol="0" anchor="ctr"/>
+          <a:lstStyle/>
+          <a:p>
+            <a:pPr algn="ctr"/>
+            <a:endParaRPr lang="zh-CN" altLang="en-US"/>
+          </a:p>
+        </p:txBody>
+      </p:sp>
+      <p:sp>
+        <p:nvSpPr>
+          <p:cNvPr id="8" name="矩形 7"/>
+          <p:cNvSpPr/>
+          <p:nvPr/>
+        </p:nvSpPr>
+        <p:spPr>
+          <a:xfrm rot="783766">
+            <a:off x="-2197454" y="-2340269"/>
+            <a:ext cx="6006821" cy="3447534"/>
+          </a:xfrm>
+          <a:prstGeom prst="rect">
+            <a:avLst/>
+          </a:prstGeom>
+          <a:solidFill>
+            <a:schemeClr val="bg1">
+              <a:lumMod val="95000"/>
+            </a:schemeClr>
+          </a:solidFill>
+          <a:ln>
+            <a:noFill/>
+          </a:ln>
+        </p:spPr>
+        <p:style>
+          <a:lnRef idx="2">
+            <a:schemeClr val="accent1">
+              <a:shade val="50000"/>
+            </a:schemeClr>
+          </a:lnRef>
+          <a:fillRef idx="1">
+            <a:schemeClr val="accent1"/>
+          </a:fillRef>
+          <a:effectRef idx="0">
+            <a:schemeClr val="accent1"/>
+          </a:effectRef>
+          <a:fontRef idx="minor">
+            <a:schemeClr val="lt1"/>
+          </a:fontRef>
+        </p:style>
+        <p:txBody>
+          <a:bodyPr rtlCol="0" anchor="ctr"/>
+          <a:lstStyle/>
+          <a:p>
+            <a:pPr algn="ctr"/>
+            <a:endParaRPr lang="zh-CN" altLang="en-US"/>
+          </a:p>
+        </p:txBody>
+      </p:sp>
+      <p:sp>
+        <p:nvSpPr>
+          <p:cNvPr id="30" name="文本框 29"/>
+          <p:cNvSpPr txBox="1"/>
+          <p:nvPr/>
+        </p:nvSpPr>
+        <p:spPr>
+          <a:xfrm>
+            <a:off x="662538" y="294935"/>
+            <a:ext cx="9072012" cy="769441"/>
+          </a:xfrm>
+          <a:prstGeom prst="rect">
+            <a:avLst/>
+          </a:prstGeom>
+          <a:noFill/>
+        </p:spPr>
+        <p:txBody>
+          <a:bodyPr wrap="square" rtlCol="0">
+            <a:spAutoFit/>
+          </a:bodyPr>
+          <a:lstStyle/>
+          <a:p>
+            <a:r>
+              <a:rPr lang="en-US" altLang="zh-CN" sz="4400" b="1" dirty="0" smtClean="0">
+                <a:solidFill>
+                  <a:srgbClr val="00ABB4"/>
+                </a:solidFill>
+                <a:latin typeface="微软雅黑" panose="020B0503020204020204" pitchFamily="34" charset="-122"/>
+                <a:ea typeface="微软雅黑" panose="020B0503020204020204" pitchFamily="34" charset="-122"/>
+              </a:rPr>
+              <a:t>1 Example-based </a:t>
+            </a:r>
+            <a:r>
+              <a:rPr lang="en-US" altLang="zh-CN" sz="4400" b="1" dirty="0">
+                <a:solidFill>
+                  <a:srgbClr val="00ABB4"/>
+                </a:solidFill>
+                <a:latin typeface="微软雅黑" panose="020B0503020204020204" pitchFamily="34" charset="-122"/>
+                <a:ea typeface="微软雅黑" panose="020B0503020204020204" pitchFamily="34" charset="-122"/>
+              </a:rPr>
+              <a:t>Style </a:t>
+            </a:r>
+            <a:r>
+              <a:rPr lang="en-US" altLang="zh-CN" sz="4400" b="1" dirty="0" smtClean="0">
+                <a:solidFill>
+                  <a:srgbClr val="00ABB4"/>
+                </a:solidFill>
+                <a:latin typeface="微软雅黑" panose="020B0503020204020204" pitchFamily="34" charset="-122"/>
+                <a:ea typeface="微软雅黑" panose="020B0503020204020204" pitchFamily="34" charset="-122"/>
+              </a:rPr>
+              <a:t>Transfer</a:t>
+            </a:r>
+            <a:endParaRPr lang="en-US" altLang="zh-CN" sz="4400" b="1" dirty="0">
+              <a:solidFill>
+                <a:srgbClr val="00ABB4"/>
+              </a:solidFill>
+              <a:latin typeface="微软雅黑" panose="020B0503020204020204" pitchFamily="34" charset="-122"/>
+              <a:ea typeface="微软雅黑" panose="020B0503020204020204" pitchFamily="34" charset="-122"/>
+            </a:endParaRPr>
+          </a:p>
+        </p:txBody>
+      </p:sp>
+      <p:sp>
+        <p:nvSpPr>
+          <p:cNvPr id="31" name="Rectangle 96"/>
+          <p:cNvSpPr/>
+          <p:nvPr/>
+        </p:nvSpPr>
+        <p:spPr>
+          <a:xfrm>
+            <a:off x="1100140" y="2164008"/>
+            <a:ext cx="10272710" cy="1708160"/>
+          </a:xfrm>
+          <a:prstGeom prst="rect">
+            <a:avLst/>
+          </a:prstGeom>
+        </p:spPr>
+        <p:txBody>
+          <a:bodyPr wrap="square">
+            <a:spAutoFit/>
+          </a:bodyPr>
+          <a:lstStyle/>
+          <a:p>
+            <a:pPr marL="457200" indent="-457200">
+              <a:lnSpc>
+                <a:spcPct val="200000"/>
+              </a:lnSpc>
+              <a:buFont typeface="Arial" panose="020B0604020202020204" pitchFamily="34" charset="0"/>
+              <a:buChar char="•"/>
+            </a:pPr>
+            <a:r>
+              <a:rPr lang="en-US" altLang="zh-CN" sz="2800" dirty="0" smtClean="0">
+                <a:latin typeface="Meiryo" panose="020B0604030504040204" pitchFamily="34" charset="-128"/>
+                <a:ea typeface="Meiryo" panose="020B0604030504040204" pitchFamily="34" charset="-128"/>
+                <a:cs typeface="Meiryo" panose="020B0604030504040204" pitchFamily="34" charset="-128"/>
+              </a:rPr>
+              <a:t>If the </a:t>
+            </a:r>
+            <a:r>
+              <a:rPr lang="en-US" altLang="zh-CN" sz="2800" dirty="0">
+                <a:latin typeface="Meiryo" panose="020B0604030504040204" pitchFamily="34" charset="-128"/>
+                <a:ea typeface="Meiryo" panose="020B0604030504040204" pitchFamily="34" charset="-128"/>
+                <a:cs typeface="Meiryo" panose="020B0604030504040204" pitchFamily="34" charset="-128"/>
+              </a:rPr>
+              <a:t>median luminance in a face </a:t>
+            </a:r>
+            <a:r>
+              <a:rPr lang="en-US" altLang="zh-CN" sz="2800" dirty="0" smtClean="0">
+                <a:latin typeface="Meiryo" panose="020B0604030504040204" pitchFamily="34" charset="-128"/>
+                <a:ea typeface="Meiryo" panose="020B0604030504040204" pitchFamily="34" charset="-128"/>
+                <a:cs typeface="Meiryo" panose="020B0604030504040204" pitchFamily="34" charset="-128"/>
+              </a:rPr>
+              <a:t>region is </a:t>
+            </a:r>
+            <a:r>
+              <a:rPr lang="en-US" altLang="zh-CN" sz="2800" dirty="0">
+                <a:latin typeface="Meiryo" panose="020B0604030504040204" pitchFamily="34" charset="-128"/>
+                <a:ea typeface="Meiryo" panose="020B0604030504040204" pitchFamily="34" charset="-128"/>
+                <a:cs typeface="Meiryo" panose="020B0604030504040204" pitchFamily="34" charset="-128"/>
+              </a:rPr>
+              <a:t>lower than </a:t>
+            </a:r>
+            <a:r>
+              <a:rPr lang="en-US" altLang="zh-CN" sz="2800" dirty="0" smtClean="0">
+                <a:latin typeface="Meiryo" panose="020B0604030504040204" pitchFamily="34" charset="-128"/>
+                <a:ea typeface="Meiryo" panose="020B0604030504040204" pitchFamily="34" charset="-128"/>
+                <a:cs typeface="Meiryo" panose="020B0604030504040204" pitchFamily="34" charset="-128"/>
+              </a:rPr>
+              <a:t>a threshold l</a:t>
+            </a:r>
+            <a:r>
+              <a:rPr lang="en-US" altLang="zh-CN" sz="2800" baseline="-25000" dirty="0" smtClean="0">
+                <a:latin typeface="Meiryo" panose="020B0604030504040204" pitchFamily="34" charset="-128"/>
+                <a:ea typeface="Meiryo" panose="020B0604030504040204" pitchFamily="34" charset="-128"/>
+                <a:cs typeface="Meiryo" panose="020B0604030504040204" pitchFamily="34" charset="-128"/>
+              </a:rPr>
+              <a:t>th,</a:t>
+            </a:r>
+            <a:r>
+              <a:rPr lang="en-US" altLang="zh-CN" sz="2800" dirty="0" smtClean="0">
+                <a:latin typeface="Meiryo" panose="020B0604030504040204" pitchFamily="34" charset="-128"/>
+                <a:ea typeface="Meiryo" panose="020B0604030504040204" pitchFamily="34" charset="-128"/>
+                <a:cs typeface="Meiryo" panose="020B0604030504040204" pitchFamily="34" charset="-128"/>
+              </a:rPr>
+              <a:t> do </a:t>
+            </a:r>
+            <a:r>
+              <a:rPr lang="el-GR" altLang="zh-CN" sz="2800" dirty="0">
+                <a:latin typeface="Meiryo" panose="020B0604030504040204" pitchFamily="34" charset="-128"/>
+                <a:ea typeface="Meiryo" panose="020B0604030504040204" pitchFamily="34" charset="-128"/>
+                <a:cs typeface="Meiryo" panose="020B0604030504040204" pitchFamily="34" charset="-128"/>
+              </a:rPr>
+              <a:t>γ-</a:t>
+            </a:r>
+            <a:r>
+              <a:rPr lang="en-US" altLang="zh-CN" sz="2800" dirty="0">
+                <a:latin typeface="Meiryo" panose="020B0604030504040204" pitchFamily="34" charset="-128"/>
+                <a:ea typeface="Meiryo" panose="020B0604030504040204" pitchFamily="34" charset="-128"/>
+                <a:cs typeface="Meiryo" panose="020B0604030504040204" pitchFamily="34" charset="-128"/>
+              </a:rPr>
+              <a:t>correction </a:t>
+            </a:r>
+            <a:r>
+              <a:rPr lang="en-US" altLang="zh-CN" sz="2800" dirty="0" smtClean="0">
+                <a:latin typeface="Meiryo" panose="020B0604030504040204" pitchFamily="34" charset="-128"/>
+                <a:ea typeface="Meiryo" panose="020B0604030504040204" pitchFamily="34" charset="-128"/>
+                <a:cs typeface="Meiryo" panose="020B0604030504040204" pitchFamily="34" charset="-128"/>
+              </a:rPr>
+              <a:t>below:</a:t>
+            </a:r>
+            <a:endParaRPr lang="en-US" altLang="zh-CN" sz="2800" dirty="0">
+              <a:latin typeface="Meiryo" panose="020B0604030504040204" pitchFamily="34" charset="-128"/>
+              <a:ea typeface="Meiryo" panose="020B0604030504040204" pitchFamily="34" charset="-128"/>
+              <a:cs typeface="Meiryo" panose="020B0604030504040204" pitchFamily="34" charset="-128"/>
+            </a:endParaRPr>
+          </a:p>
+        </p:txBody>
+      </p:sp>
+      <p:sp>
+        <p:nvSpPr>
+          <p:cNvPr id="11" name="Rectangle 96"/>
+          <p:cNvSpPr/>
+          <p:nvPr/>
+        </p:nvSpPr>
+        <p:spPr>
+          <a:xfrm>
+            <a:off x="662538" y="1102225"/>
+            <a:ext cx="10919862" cy="846386"/>
+          </a:xfrm>
+          <a:prstGeom prst="rect">
+            <a:avLst/>
+          </a:prstGeom>
+        </p:spPr>
+        <p:txBody>
+          <a:bodyPr wrap="square">
+            <a:spAutoFit/>
+          </a:bodyPr>
+          <a:lstStyle/>
+          <a:p>
+            <a:pPr marL="457200" indent="-457200">
+              <a:lnSpc>
+                <a:spcPct val="200000"/>
+              </a:lnSpc>
+              <a:buFont typeface="Arial" panose="020B0604020202020204" pitchFamily="34" charset="0"/>
+              <a:buChar char="•"/>
+            </a:pPr>
+            <a:r>
+              <a:rPr lang="en-US" altLang="zh-CN" sz="2800" b="1" dirty="0" smtClean="0">
+                <a:latin typeface="Meiryo" panose="020B0604030504040204" pitchFamily="34" charset="-128"/>
+                <a:ea typeface="Meiryo" panose="020B0604030504040204" pitchFamily="34" charset="-128"/>
+                <a:cs typeface="Meiryo" panose="020B0604030504040204" pitchFamily="34" charset="-128"/>
+              </a:rPr>
+              <a:t>Face exposure corection:</a:t>
+            </a:r>
+            <a:endParaRPr lang="en-US" altLang="zh-CN" sz="2800" b="1" dirty="0">
+              <a:latin typeface="Meiryo" panose="020B0604030504040204" pitchFamily="34" charset="-128"/>
+              <a:ea typeface="Meiryo" panose="020B0604030504040204" pitchFamily="34" charset="-128"/>
+              <a:cs typeface="Meiryo" panose="020B0604030504040204" pitchFamily="34" charset="-128"/>
+            </a:endParaRPr>
+          </a:p>
+        </p:txBody>
+      </p:sp>
+      <p:pic>
+        <p:nvPicPr>
+          <p:cNvPr id="5122" name="Picture 2"/>
+          <p:cNvPicPr>
+            <a:picLocks noChangeAspect="1" noChangeArrowheads="1"/>
+          </p:cNvPicPr>
+          <p:nvPr/>
+        </p:nvPicPr>
+        <p:blipFill>
+          <a:blip r:embed="rId3">
+            <a:extLst>
+              <a:ext uri="{28A0092B-C50C-407E-A947-70E740481C1C}">
+                <a14:useLocalDpi xmlns:a14="http://schemas.microsoft.com/office/drawing/2010/main" val="0"/>
+              </a:ext>
+            </a:extLst>
+          </a:blip>
+          <a:srcRect/>
+          <a:stretch>
+            <a:fillRect/>
+          </a:stretch>
+        </p:blipFill>
+        <p:spPr bwMode="auto">
+          <a:xfrm>
+            <a:off x="1685102" y="4194081"/>
+            <a:ext cx="9136673" cy="2047875"/>
+          </a:xfrm>
+          <a:prstGeom prst="rect">
+            <a:avLst/>
+          </a:prstGeom>
+          <a:noFill/>
+          <a:ln>
+            <a:noFill/>
+          </a:ln>
+          <a:extLst>
+            <a:ext uri="{909E8E84-426E-40DD-AFC4-6F175D3DCCD1}">
+              <a14:hiddenFill xmlns:a14="http://schemas.microsoft.com/office/drawing/2010/main">
+                <a:solidFill>
+                  <a:schemeClr val="accent1"/>
+                </a:solidFill>
+              </a14:hiddenFill>
+            </a:ext>
+            <a:ext uri="{91240B29-F687-4F45-9708-019B960494DF}">
+              <a14:hiddenLine xmlns:a14="http://schemas.microsoft.com/office/drawing/2010/main" w="9525">
+                <a:solidFill>
+                  <a:schemeClr val="tx1"/>
+                </a:solidFill>
+                <a:miter lim="800000"/>
+                <a:headEnd/>
+                <a:tailEnd/>
+              </a14:hiddenLine>
+            </a:ext>
+          </a:extLst>
+        </p:spPr>
+      </p:pic>
+    </p:spTree>
+    <p:extLst>
+      <p:ext uri="{BB962C8B-B14F-4D97-AF65-F5344CB8AC3E}">
+        <p14:creationId xmlns:p14="http://schemas.microsoft.com/office/powerpoint/2010/main" val="496484272"/>
+      </p:ext>
+    </p:extLst>
+  </p:cSld>
+  <p:clrMapOvr>
+    <a:masterClrMapping/>
+  </p:clrMapOvr>
+  <p:timing>
+    <p:tnLst>
+      <p:par>
+        <p:cTn id="1" dur="indefinite" restart="never" nodeType="tmRoot"/>
+      </p:par>
+    </p:tnLst>
+  </p:timing>
+</p:sld>
+</file>
+
+<file path=ppt/slides/slide31.xml><?xml version="1.0" encoding="utf-8"?>
+<p:sld xmlns:a="http://schemas.openxmlformats.org/drawingml/2006/main" xmlns:r="http://schemas.openxmlformats.org/officeDocument/2006/relationships" xmlns:p="http://schemas.openxmlformats.org/presentationml/2006/main">
+  <p:cSld>
+    <p:spTree>
+      <p:nvGrpSpPr>
+        <p:cNvPr id="1" name=""/>
+        <p:cNvGrpSpPr/>
+        <p:nvPr/>
+      </p:nvGrpSpPr>
+      <p:grpSpPr>
+        <a:xfrm>
+          <a:off x="0" y="0"/>
+          <a:ext cx="0" cy="0"/>
+          <a:chOff x="0" y="0"/>
+          <a:chExt cx="0" cy="0"/>
+        </a:xfrm>
+      </p:grpSpPr>
+      <p:sp>
+        <p:nvSpPr>
+          <p:cNvPr id="9" name="等腰三角形 8"/>
+          <p:cNvSpPr/>
+          <p:nvPr/>
+        </p:nvSpPr>
+        <p:spPr>
+          <a:xfrm rot="4613108">
+            <a:off x="7331460" y="3148738"/>
+            <a:ext cx="4577580" cy="4214762"/>
+          </a:xfrm>
+          <a:prstGeom prst="triangle">
+            <a:avLst/>
+          </a:prstGeom>
+          <a:solidFill>
+            <a:schemeClr val="bg1">
+              <a:lumMod val="95000"/>
+            </a:schemeClr>
+          </a:solidFill>
+          <a:ln>
+            <a:noFill/>
+          </a:ln>
+        </p:spPr>
+        <p:style>
+          <a:lnRef idx="2">
+            <a:schemeClr val="accent1">
+              <a:shade val="50000"/>
+            </a:schemeClr>
+          </a:lnRef>
+          <a:fillRef idx="1">
+            <a:schemeClr val="accent1"/>
+          </a:fillRef>
+          <a:effectRef idx="0">
+            <a:schemeClr val="accent1"/>
+          </a:effectRef>
+          <a:fontRef idx="minor">
+            <a:schemeClr val="lt1"/>
+          </a:fontRef>
+        </p:style>
+        <p:txBody>
+          <a:bodyPr rtlCol="0" anchor="ctr"/>
+          <a:lstStyle/>
+          <a:p>
+            <a:pPr algn="ctr"/>
+            <a:endParaRPr lang="zh-CN" altLang="en-US"/>
+          </a:p>
+        </p:txBody>
+      </p:sp>
+      <p:sp>
+        <p:nvSpPr>
+          <p:cNvPr id="8" name="矩形 7"/>
+          <p:cNvSpPr/>
+          <p:nvPr/>
+        </p:nvSpPr>
+        <p:spPr>
+          <a:xfrm rot="783766">
+            <a:off x="-2197454" y="-2340269"/>
+            <a:ext cx="6006821" cy="3447534"/>
+          </a:xfrm>
+          <a:prstGeom prst="rect">
+            <a:avLst/>
+          </a:prstGeom>
+          <a:solidFill>
+            <a:schemeClr val="bg1">
+              <a:lumMod val="95000"/>
+            </a:schemeClr>
+          </a:solidFill>
+          <a:ln>
+            <a:noFill/>
+          </a:ln>
+        </p:spPr>
+        <p:style>
+          <a:lnRef idx="2">
+            <a:schemeClr val="accent1">
+              <a:shade val="50000"/>
+            </a:schemeClr>
+          </a:lnRef>
+          <a:fillRef idx="1">
+            <a:schemeClr val="accent1"/>
+          </a:fillRef>
+          <a:effectRef idx="0">
+            <a:schemeClr val="accent1"/>
+          </a:effectRef>
+          <a:fontRef idx="minor">
+            <a:schemeClr val="lt1"/>
+          </a:fontRef>
+        </p:style>
+        <p:txBody>
+          <a:bodyPr rtlCol="0" anchor="ctr"/>
+          <a:lstStyle/>
+          <a:p>
+            <a:pPr algn="ctr"/>
+            <a:endParaRPr lang="zh-CN" altLang="en-US"/>
+          </a:p>
+        </p:txBody>
+      </p:sp>
+      <p:sp>
+        <p:nvSpPr>
+          <p:cNvPr id="30" name="文本框 29"/>
+          <p:cNvSpPr txBox="1"/>
+          <p:nvPr/>
+        </p:nvSpPr>
+        <p:spPr>
+          <a:xfrm>
+            <a:off x="662538" y="294935"/>
+            <a:ext cx="9072012" cy="769441"/>
+          </a:xfrm>
+          <a:prstGeom prst="rect">
+            <a:avLst/>
+          </a:prstGeom>
+          <a:noFill/>
+        </p:spPr>
+        <p:txBody>
+          <a:bodyPr wrap="square" rtlCol="0">
+            <a:spAutoFit/>
+          </a:bodyPr>
+          <a:lstStyle/>
+          <a:p>
+            <a:r>
+              <a:rPr lang="en-US" altLang="zh-CN" sz="4400" b="1" dirty="0" smtClean="0">
+                <a:solidFill>
+                  <a:srgbClr val="00ABB4"/>
+                </a:solidFill>
+                <a:latin typeface="微软雅黑" panose="020B0503020204020204" pitchFamily="34" charset="-122"/>
+                <a:ea typeface="微软雅黑" panose="020B0503020204020204" pitchFamily="34" charset="-122"/>
+              </a:rPr>
+              <a:t>1 Example-based </a:t>
+            </a:r>
+            <a:r>
+              <a:rPr lang="en-US" altLang="zh-CN" sz="4400" b="1" dirty="0">
+                <a:solidFill>
+                  <a:srgbClr val="00ABB4"/>
+                </a:solidFill>
+                <a:latin typeface="微软雅黑" panose="020B0503020204020204" pitchFamily="34" charset="-122"/>
+                <a:ea typeface="微软雅黑" panose="020B0503020204020204" pitchFamily="34" charset="-122"/>
+              </a:rPr>
+              <a:t>Style </a:t>
+            </a:r>
+            <a:r>
+              <a:rPr lang="en-US" altLang="zh-CN" sz="4400" b="1" dirty="0" smtClean="0">
+                <a:solidFill>
+                  <a:srgbClr val="00ABB4"/>
+                </a:solidFill>
+                <a:latin typeface="微软雅黑" panose="020B0503020204020204" pitchFamily="34" charset="-122"/>
+                <a:ea typeface="微软雅黑" panose="020B0503020204020204" pitchFamily="34" charset="-122"/>
+              </a:rPr>
+              <a:t>Transfer</a:t>
+            </a:r>
+            <a:endParaRPr lang="en-US" altLang="zh-CN" sz="4400" b="1" dirty="0">
+              <a:solidFill>
+                <a:srgbClr val="00ABB4"/>
+              </a:solidFill>
+              <a:latin typeface="微软雅黑" panose="020B0503020204020204" pitchFamily="34" charset="-122"/>
+              <a:ea typeface="微软雅黑" panose="020B0503020204020204" pitchFamily="34" charset="-122"/>
+            </a:endParaRPr>
+          </a:p>
+        </p:txBody>
+      </p:sp>
+      <p:sp>
+        <p:nvSpPr>
+          <p:cNvPr id="31" name="Rectangle 96"/>
+          <p:cNvSpPr/>
+          <p:nvPr/>
+        </p:nvSpPr>
+        <p:spPr>
+          <a:xfrm>
+            <a:off x="1309690" y="4072686"/>
+            <a:ext cx="10272710" cy="1708160"/>
+          </a:xfrm>
+          <a:prstGeom prst="rect">
+            <a:avLst/>
+          </a:prstGeom>
+        </p:spPr>
+        <p:txBody>
+          <a:bodyPr wrap="square">
+            <a:spAutoFit/>
+          </a:bodyPr>
+          <a:lstStyle/>
+          <a:p>
+            <a:pPr marL="457200" indent="-457200">
+              <a:lnSpc>
+                <a:spcPct val="200000"/>
+              </a:lnSpc>
+              <a:buFont typeface="Arial" panose="020B0604020202020204" pitchFamily="34" charset="0"/>
+              <a:buChar char="•"/>
+            </a:pPr>
+            <a:r>
+              <a:rPr lang="en-US" altLang="zh-CN" sz="2800" dirty="0" smtClean="0">
+                <a:latin typeface="Meiryo" panose="020B0604030504040204" pitchFamily="34" charset="-128"/>
+                <a:ea typeface="Meiryo" panose="020B0604030504040204" pitchFamily="34" charset="-128"/>
+                <a:cs typeface="Meiryo" panose="020B0604030504040204" pitchFamily="34" charset="-128"/>
+              </a:rPr>
+              <a:t>W(x):</a:t>
+            </a:r>
+            <a:r>
+              <a:rPr lang="en-US" altLang="zh-CN" sz="2800" dirty="0">
+                <a:latin typeface="Meiryo" panose="020B0604030504040204" pitchFamily="34" charset="-128"/>
+                <a:ea typeface="Meiryo" panose="020B0604030504040204" pitchFamily="34" charset="-128"/>
+                <a:cs typeface="Meiryo" panose="020B0604030504040204" pitchFamily="34" charset="-128"/>
+              </a:rPr>
+              <a:t>compute these weights based on spatial distance from </a:t>
+            </a:r>
+            <a:r>
+              <a:rPr lang="en-US" altLang="zh-CN" sz="2800" dirty="0" smtClean="0">
+                <a:latin typeface="Meiryo" panose="020B0604030504040204" pitchFamily="34" charset="-128"/>
+                <a:ea typeface="Meiryo" panose="020B0604030504040204" pitchFamily="34" charset="-128"/>
+                <a:cs typeface="Meiryo" panose="020B0604030504040204" pitchFamily="34" charset="-128"/>
+              </a:rPr>
+              <a:t>the face center</a:t>
+            </a:r>
+          </a:p>
+        </p:txBody>
+      </p:sp>
+      <p:sp>
+        <p:nvSpPr>
+          <p:cNvPr id="11" name="Rectangle 96"/>
+          <p:cNvSpPr/>
+          <p:nvPr/>
+        </p:nvSpPr>
+        <p:spPr>
+          <a:xfrm>
+            <a:off x="662538" y="1102225"/>
+            <a:ext cx="10919862" cy="846386"/>
+          </a:xfrm>
+          <a:prstGeom prst="rect">
+            <a:avLst/>
+          </a:prstGeom>
+        </p:spPr>
+        <p:txBody>
+          <a:bodyPr wrap="square">
+            <a:spAutoFit/>
+          </a:bodyPr>
+          <a:lstStyle/>
+          <a:p>
+            <a:pPr marL="457200" indent="-457200">
+              <a:lnSpc>
+                <a:spcPct val="200000"/>
+              </a:lnSpc>
+              <a:buFont typeface="Arial" panose="020B0604020202020204" pitchFamily="34" charset="0"/>
+              <a:buChar char="•"/>
+            </a:pPr>
+            <a:r>
+              <a:rPr lang="en-US" altLang="zh-CN" sz="2800" b="1" dirty="0" smtClean="0">
+                <a:latin typeface="Meiryo" panose="020B0604030504040204" pitchFamily="34" charset="-128"/>
+                <a:ea typeface="Meiryo" panose="020B0604030504040204" pitchFamily="34" charset="-128"/>
+                <a:cs typeface="Meiryo" panose="020B0604030504040204" pitchFamily="34" charset="-128"/>
+              </a:rPr>
+              <a:t>Face exposure corection:</a:t>
+            </a:r>
+            <a:endParaRPr lang="en-US" altLang="zh-CN" sz="2800" b="1" dirty="0">
+              <a:latin typeface="Meiryo" panose="020B0604030504040204" pitchFamily="34" charset="-128"/>
+              <a:ea typeface="Meiryo" panose="020B0604030504040204" pitchFamily="34" charset="-128"/>
+              <a:cs typeface="Meiryo" panose="020B0604030504040204" pitchFamily="34" charset="-128"/>
+            </a:endParaRPr>
+          </a:p>
+        </p:txBody>
+      </p:sp>
+      <p:pic>
+        <p:nvPicPr>
+          <p:cNvPr id="5122" name="Picture 2"/>
+          <p:cNvPicPr>
+            <a:picLocks noChangeAspect="1" noChangeArrowheads="1"/>
+          </p:cNvPicPr>
+          <p:nvPr/>
+        </p:nvPicPr>
+        <p:blipFill>
+          <a:blip r:embed="rId3">
+            <a:extLst>
+              <a:ext uri="{28A0092B-C50C-407E-A947-70E740481C1C}">
+                <a14:useLocalDpi xmlns:a14="http://schemas.microsoft.com/office/drawing/2010/main" val="0"/>
+              </a:ext>
+            </a:extLst>
+          </a:blip>
+          <a:srcRect/>
+          <a:stretch>
+            <a:fillRect/>
+          </a:stretch>
+        </p:blipFill>
+        <p:spPr bwMode="auto">
+          <a:xfrm>
+            <a:off x="1554132" y="2005761"/>
+            <a:ext cx="9136673" cy="2047875"/>
+          </a:xfrm>
+          <a:prstGeom prst="rect">
+            <a:avLst/>
+          </a:prstGeom>
+          <a:noFill/>
+          <a:ln>
+            <a:noFill/>
+          </a:ln>
+          <a:extLst>
+            <a:ext uri="{909E8E84-426E-40DD-AFC4-6F175D3DCCD1}">
+              <a14:hiddenFill xmlns:a14="http://schemas.microsoft.com/office/drawing/2010/main">
+                <a:solidFill>
+                  <a:schemeClr val="accent1"/>
+                </a:solidFill>
+              </a14:hiddenFill>
+            </a:ext>
+            <a:ext uri="{91240B29-F687-4F45-9708-019B960494DF}">
+              <a14:hiddenLine xmlns:a14="http://schemas.microsoft.com/office/drawing/2010/main" w="9525">
+                <a:solidFill>
+                  <a:schemeClr val="tx1"/>
+                </a:solidFill>
+                <a:miter lim="800000"/>
+                <a:headEnd/>
+                <a:tailEnd/>
+              </a14:hiddenLine>
+            </a:ext>
+          </a:extLst>
+        </p:spPr>
+      </p:pic>
+    </p:spTree>
+    <p:extLst>
+      <p:ext uri="{BB962C8B-B14F-4D97-AF65-F5344CB8AC3E}">
+        <p14:creationId xmlns:p14="http://schemas.microsoft.com/office/powerpoint/2010/main" val="3117883215"/>
+      </p:ext>
+    </p:extLst>
+  </p:cSld>
+  <p:clrMapOvr>
+    <a:masterClrMapping/>
+  </p:clrMapOvr>
+  <p:timing>
+    <p:tnLst>
+      <p:par>
+        <p:cTn id="1" dur="indefinite" restart="never" nodeType="tmRoot"/>
+      </p:par>
+    </p:tnLst>
+  </p:timing>
+</p:sld>
+</file>
+
+<file path=ppt/slides/slide32.xml><?xml version="1.0" encoding="utf-8"?>
+<p:sld xmlns:a="http://schemas.openxmlformats.org/drawingml/2006/main" xmlns:r="http://schemas.openxmlformats.org/officeDocument/2006/relationships" xmlns:p="http://schemas.openxmlformats.org/presentationml/2006/main">
+  <p:cSld>
+    <p:spTree>
+      <p:nvGrpSpPr>
+        <p:cNvPr id="1" name=""/>
+        <p:cNvGrpSpPr/>
+        <p:nvPr/>
+      </p:nvGrpSpPr>
+      <p:grpSpPr>
+        <a:xfrm>
+          <a:off x="0" y="0"/>
+          <a:ext cx="0" cy="0"/>
+          <a:chOff x="0" y="0"/>
+          <a:chExt cx="0" cy="0"/>
+        </a:xfrm>
+      </p:grpSpPr>
+      <p:sp>
+        <p:nvSpPr>
+          <p:cNvPr id="9" name="等腰三角形 8"/>
+          <p:cNvSpPr/>
+          <p:nvPr/>
+        </p:nvSpPr>
+        <p:spPr>
+          <a:xfrm rot="4613108">
+            <a:off x="7331460" y="3148738"/>
+            <a:ext cx="4577580" cy="4214762"/>
+          </a:xfrm>
+          <a:prstGeom prst="triangle">
+            <a:avLst/>
+          </a:prstGeom>
+          <a:solidFill>
+            <a:schemeClr val="bg1">
+              <a:lumMod val="95000"/>
+            </a:schemeClr>
+          </a:solidFill>
+          <a:ln>
+            <a:noFill/>
+          </a:ln>
+        </p:spPr>
+        <p:style>
+          <a:lnRef idx="2">
+            <a:schemeClr val="accent1">
+              <a:shade val="50000"/>
+            </a:schemeClr>
+          </a:lnRef>
+          <a:fillRef idx="1">
+            <a:schemeClr val="accent1"/>
+          </a:fillRef>
+          <a:effectRef idx="0">
+            <a:schemeClr val="accent1"/>
+          </a:effectRef>
+          <a:fontRef idx="minor">
+            <a:schemeClr val="lt1"/>
+          </a:fontRef>
+        </p:style>
+        <p:txBody>
+          <a:bodyPr rtlCol="0" anchor="ctr"/>
+          <a:lstStyle/>
+          <a:p>
+            <a:pPr algn="ctr"/>
+            <a:endParaRPr lang="zh-CN" altLang="en-US"/>
+          </a:p>
+        </p:txBody>
+      </p:sp>
+      <p:sp>
+        <p:nvSpPr>
+          <p:cNvPr id="8" name="矩形 7"/>
+          <p:cNvSpPr/>
+          <p:nvPr/>
+        </p:nvSpPr>
+        <p:spPr>
+          <a:xfrm rot="783766">
+            <a:off x="-2197454" y="-2340269"/>
+            <a:ext cx="6006821" cy="3447534"/>
+          </a:xfrm>
+          <a:prstGeom prst="rect">
+            <a:avLst/>
+          </a:prstGeom>
+          <a:solidFill>
+            <a:schemeClr val="bg1">
+              <a:lumMod val="95000"/>
+            </a:schemeClr>
+          </a:solidFill>
+          <a:ln>
+            <a:noFill/>
+          </a:ln>
+        </p:spPr>
+        <p:style>
+          <a:lnRef idx="2">
+            <a:schemeClr val="accent1">
+              <a:shade val="50000"/>
+            </a:schemeClr>
+          </a:lnRef>
+          <a:fillRef idx="1">
+            <a:schemeClr val="accent1"/>
+          </a:fillRef>
+          <a:effectRef idx="0">
+            <a:schemeClr val="accent1"/>
+          </a:effectRef>
+          <a:fontRef idx="minor">
+            <a:schemeClr val="lt1"/>
+          </a:fontRef>
+        </p:style>
+        <p:txBody>
+          <a:bodyPr rtlCol="0" anchor="ctr"/>
+          <a:lstStyle/>
+          <a:p>
+            <a:pPr algn="ctr"/>
+            <a:endParaRPr lang="zh-CN" altLang="en-US"/>
+          </a:p>
+        </p:txBody>
+      </p:sp>
+      <p:sp>
+        <p:nvSpPr>
+          <p:cNvPr id="30" name="文本框 29"/>
+          <p:cNvSpPr txBox="1"/>
+          <p:nvPr/>
+        </p:nvSpPr>
+        <p:spPr>
+          <a:xfrm>
+            <a:off x="662538" y="294935"/>
+            <a:ext cx="9072012" cy="769441"/>
+          </a:xfrm>
+          <a:prstGeom prst="rect">
+            <a:avLst/>
+          </a:prstGeom>
+          <a:noFill/>
+        </p:spPr>
+        <p:txBody>
+          <a:bodyPr wrap="square" rtlCol="0">
+            <a:spAutoFit/>
+          </a:bodyPr>
+          <a:lstStyle/>
+          <a:p>
+            <a:r>
+              <a:rPr lang="en-US" altLang="zh-CN" sz="4400" b="1" dirty="0" smtClean="0">
+                <a:solidFill>
+                  <a:srgbClr val="00ABB4"/>
+                </a:solidFill>
+                <a:latin typeface="微软雅黑" panose="020B0503020204020204" pitchFamily="34" charset="-122"/>
+                <a:ea typeface="微软雅黑" panose="020B0503020204020204" pitchFamily="34" charset="-122"/>
+              </a:rPr>
+              <a:t>1 Example-based </a:t>
+            </a:r>
+            <a:r>
+              <a:rPr lang="en-US" altLang="zh-CN" sz="4400" b="1" dirty="0">
+                <a:solidFill>
+                  <a:srgbClr val="00ABB4"/>
+                </a:solidFill>
+                <a:latin typeface="微软雅黑" panose="020B0503020204020204" pitchFamily="34" charset="-122"/>
+                <a:ea typeface="微软雅黑" panose="020B0503020204020204" pitchFamily="34" charset="-122"/>
+              </a:rPr>
+              <a:t>Style </a:t>
+            </a:r>
+            <a:r>
+              <a:rPr lang="en-US" altLang="zh-CN" sz="4400" b="1" dirty="0" smtClean="0">
+                <a:solidFill>
+                  <a:srgbClr val="00ABB4"/>
+                </a:solidFill>
+                <a:latin typeface="微软雅黑" panose="020B0503020204020204" pitchFamily="34" charset="-122"/>
+                <a:ea typeface="微软雅黑" panose="020B0503020204020204" pitchFamily="34" charset="-122"/>
+              </a:rPr>
+              <a:t>Transfer</a:t>
+            </a:r>
+            <a:endParaRPr lang="en-US" altLang="zh-CN" sz="4400" b="1" dirty="0">
+              <a:solidFill>
+                <a:srgbClr val="00ABB4"/>
+              </a:solidFill>
+              <a:latin typeface="微软雅黑" panose="020B0503020204020204" pitchFamily="34" charset="-122"/>
+              <a:ea typeface="微软雅黑" panose="020B0503020204020204" pitchFamily="34" charset="-122"/>
+            </a:endParaRPr>
+          </a:p>
+        </p:txBody>
+      </p:sp>
+      <p:sp>
+        <p:nvSpPr>
+          <p:cNvPr id="31" name="Rectangle 96"/>
+          <p:cNvSpPr/>
+          <p:nvPr/>
+        </p:nvSpPr>
+        <p:spPr>
+          <a:xfrm>
+            <a:off x="1309690" y="4129836"/>
+            <a:ext cx="10272710" cy="1708160"/>
+          </a:xfrm>
+          <a:prstGeom prst="rect">
+            <a:avLst/>
+          </a:prstGeom>
+        </p:spPr>
+        <p:txBody>
+          <a:bodyPr wrap="square">
+            <a:spAutoFit/>
+          </a:bodyPr>
+          <a:lstStyle/>
+          <a:p>
+            <a:pPr marL="457200" indent="-457200">
+              <a:lnSpc>
+                <a:spcPct val="200000"/>
+              </a:lnSpc>
+              <a:buFont typeface="Arial" panose="020B0604020202020204" pitchFamily="34" charset="0"/>
+              <a:buChar char="•"/>
+            </a:pPr>
+            <a:r>
+              <a:rPr lang="en-US" altLang="zh-CN" sz="2800" dirty="0" smtClean="0">
+                <a:latin typeface="Meiryo" panose="020B0604030504040204" pitchFamily="34" charset="-128"/>
+                <a:ea typeface="Meiryo" panose="020B0604030504040204" pitchFamily="34" charset="-128"/>
+                <a:cs typeface="Meiryo" panose="020B0604030504040204" pitchFamily="34" charset="-128"/>
+              </a:rPr>
+              <a:t>     : chrominance </a:t>
+            </a:r>
+            <a:r>
+              <a:rPr lang="en-US" altLang="zh-CN" sz="2800" dirty="0">
+                <a:latin typeface="Meiryo" panose="020B0604030504040204" pitchFamily="34" charset="-128"/>
+                <a:ea typeface="Meiryo" panose="020B0604030504040204" pitchFamily="34" charset="-128"/>
+                <a:cs typeface="Meiryo" panose="020B0604030504040204" pitchFamily="34" charset="-128"/>
+              </a:rPr>
+              <a:t>distance from the median face</a:t>
+            </a:r>
+            <a:br>
+              <a:rPr lang="en-US" altLang="zh-CN" sz="2800" dirty="0">
+                <a:latin typeface="Meiryo" panose="020B0604030504040204" pitchFamily="34" charset="-128"/>
+                <a:ea typeface="Meiryo" panose="020B0604030504040204" pitchFamily="34" charset="-128"/>
+                <a:cs typeface="Meiryo" panose="020B0604030504040204" pitchFamily="34" charset="-128"/>
+              </a:rPr>
+            </a:br>
+            <a:r>
+              <a:rPr lang="en-US" altLang="zh-CN" sz="2800" dirty="0">
+                <a:latin typeface="Meiryo" panose="020B0604030504040204" pitchFamily="34" charset="-128"/>
+                <a:ea typeface="Meiryo" panose="020B0604030504040204" pitchFamily="34" charset="-128"/>
+                <a:cs typeface="Meiryo" panose="020B0604030504040204" pitchFamily="34" charset="-128"/>
+              </a:rPr>
+              <a:t>chrominance </a:t>
+            </a:r>
+            <a:r>
+              <a:rPr lang="en-US" altLang="zh-CN" sz="2800" dirty="0" smtClean="0">
+                <a:latin typeface="Meiryo" panose="020B0604030504040204" pitchFamily="34" charset="-128"/>
+                <a:ea typeface="Meiryo" panose="020B0604030504040204" pitchFamily="34" charset="-128"/>
+                <a:cs typeface="Meiryo" panose="020B0604030504040204" pitchFamily="34" charset="-128"/>
+              </a:rPr>
+              <a:t>value </a:t>
+            </a:r>
+            <a:r>
+              <a:rPr lang="en-US" altLang="zh-CN" sz="2800" dirty="0">
+                <a:latin typeface="Meiryo" panose="020B0604030504040204" pitchFamily="34" charset="-128"/>
+                <a:ea typeface="Meiryo" panose="020B0604030504040204" pitchFamily="34" charset="-128"/>
+                <a:cs typeface="Meiryo" panose="020B0604030504040204" pitchFamily="34" charset="-128"/>
+              </a:rPr>
+              <a:t>(to capture the color of the skin</a:t>
+            </a:r>
+            <a:r>
+              <a:rPr lang="en-US" altLang="zh-CN" sz="2800" dirty="0" smtClean="0">
+                <a:latin typeface="Meiryo" panose="020B0604030504040204" pitchFamily="34" charset="-128"/>
+                <a:ea typeface="Meiryo" panose="020B0604030504040204" pitchFamily="34" charset="-128"/>
+                <a:cs typeface="Meiryo" panose="020B0604030504040204" pitchFamily="34" charset="-128"/>
+              </a:rPr>
+              <a:t>)</a:t>
+            </a:r>
+          </a:p>
+        </p:txBody>
+      </p:sp>
+      <p:sp>
+        <p:nvSpPr>
+          <p:cNvPr id="11" name="Rectangle 96"/>
+          <p:cNvSpPr/>
+          <p:nvPr/>
+        </p:nvSpPr>
+        <p:spPr>
+          <a:xfrm>
+            <a:off x="662538" y="1102225"/>
+            <a:ext cx="10919862" cy="846386"/>
+          </a:xfrm>
+          <a:prstGeom prst="rect">
+            <a:avLst/>
+          </a:prstGeom>
+        </p:spPr>
+        <p:txBody>
+          <a:bodyPr wrap="square">
+            <a:spAutoFit/>
+          </a:bodyPr>
+          <a:lstStyle/>
+          <a:p>
+            <a:pPr marL="457200" indent="-457200">
+              <a:lnSpc>
+                <a:spcPct val="200000"/>
+              </a:lnSpc>
+              <a:buFont typeface="Arial" panose="020B0604020202020204" pitchFamily="34" charset="0"/>
+              <a:buChar char="•"/>
+            </a:pPr>
+            <a:r>
+              <a:rPr lang="en-US" altLang="zh-CN" sz="2800" b="1" dirty="0" smtClean="0">
+                <a:latin typeface="Meiryo" panose="020B0604030504040204" pitchFamily="34" charset="-128"/>
+                <a:ea typeface="Meiryo" panose="020B0604030504040204" pitchFamily="34" charset="-128"/>
+                <a:cs typeface="Meiryo" panose="020B0604030504040204" pitchFamily="34" charset="-128"/>
+              </a:rPr>
+              <a:t>Face exposure corection:</a:t>
+            </a:r>
+            <a:endParaRPr lang="en-US" altLang="zh-CN" sz="2800" b="1" dirty="0">
+              <a:latin typeface="Meiryo" panose="020B0604030504040204" pitchFamily="34" charset="-128"/>
+              <a:ea typeface="Meiryo" panose="020B0604030504040204" pitchFamily="34" charset="-128"/>
+              <a:cs typeface="Meiryo" panose="020B0604030504040204" pitchFamily="34" charset="-128"/>
+            </a:endParaRPr>
+          </a:p>
+        </p:txBody>
+      </p:sp>
+      <p:pic>
+        <p:nvPicPr>
+          <p:cNvPr id="5122" name="Picture 2"/>
+          <p:cNvPicPr>
+            <a:picLocks noChangeAspect="1" noChangeArrowheads="1"/>
+          </p:cNvPicPr>
+          <p:nvPr/>
+        </p:nvPicPr>
+        <p:blipFill>
+          <a:blip r:embed="rId3">
+            <a:extLst>
+              <a:ext uri="{28A0092B-C50C-407E-A947-70E740481C1C}">
+                <a14:useLocalDpi xmlns:a14="http://schemas.microsoft.com/office/drawing/2010/main" val="0"/>
+              </a:ext>
+            </a:extLst>
+          </a:blip>
+          <a:srcRect/>
+          <a:stretch>
+            <a:fillRect/>
+          </a:stretch>
+        </p:blipFill>
+        <p:spPr bwMode="auto">
+          <a:xfrm>
+            <a:off x="1554132" y="1948611"/>
+            <a:ext cx="9136673" cy="2047875"/>
+          </a:xfrm>
+          <a:prstGeom prst="rect">
+            <a:avLst/>
+          </a:prstGeom>
+          <a:noFill/>
+          <a:ln>
+            <a:noFill/>
+          </a:ln>
+          <a:extLst>
+            <a:ext uri="{909E8E84-426E-40DD-AFC4-6F175D3DCCD1}">
+              <a14:hiddenFill xmlns:a14="http://schemas.microsoft.com/office/drawing/2010/main">
+                <a:solidFill>
+                  <a:schemeClr val="accent1"/>
+                </a:solidFill>
+              </a14:hiddenFill>
+            </a:ext>
+            <a:ext uri="{91240B29-F687-4F45-9708-019B960494DF}">
+              <a14:hiddenLine xmlns:a14="http://schemas.microsoft.com/office/drawing/2010/main" w="9525">
+                <a:solidFill>
+                  <a:schemeClr val="tx1"/>
+                </a:solidFill>
+                <a:miter lim="800000"/>
+                <a:headEnd/>
+                <a:tailEnd/>
+              </a14:hiddenLine>
+            </a:ext>
+          </a:extLst>
+        </p:spPr>
+      </p:pic>
+      <p:pic>
+        <p:nvPicPr>
+          <p:cNvPr id="6147" name="Picture 3"/>
+          <p:cNvPicPr>
+            <a:picLocks noChangeAspect="1" noChangeArrowheads="1"/>
+          </p:cNvPicPr>
+          <p:nvPr/>
+        </p:nvPicPr>
+        <p:blipFill>
+          <a:blip r:embed="rId4">
+            <a:extLst>
+              <a:ext uri="{28A0092B-C50C-407E-A947-70E740481C1C}">
+                <a14:useLocalDpi xmlns:a14="http://schemas.microsoft.com/office/drawing/2010/main" val="0"/>
+              </a:ext>
+            </a:extLst>
+          </a:blip>
+          <a:srcRect/>
+          <a:stretch>
+            <a:fillRect/>
+          </a:stretch>
+        </p:blipFill>
+        <p:spPr bwMode="auto">
+          <a:xfrm>
+            <a:off x="1925973" y="4302233"/>
+            <a:ext cx="464345" cy="599779"/>
+          </a:xfrm>
+          <a:prstGeom prst="rect">
+            <a:avLst/>
+          </a:prstGeom>
+          <a:noFill/>
+          <a:ln>
+            <a:noFill/>
+          </a:ln>
+          <a:extLst>
+            <a:ext uri="{909E8E84-426E-40DD-AFC4-6F175D3DCCD1}">
+              <a14:hiddenFill xmlns:a14="http://schemas.microsoft.com/office/drawing/2010/main">
+                <a:solidFill>
+                  <a:schemeClr val="accent1"/>
+                </a:solidFill>
+              </a14:hiddenFill>
+            </a:ext>
+            <a:ext uri="{91240B29-F687-4F45-9708-019B960494DF}">
+              <a14:hiddenLine xmlns:a14="http://schemas.microsoft.com/office/drawing/2010/main" w="9525">
+                <a:solidFill>
+                  <a:schemeClr val="tx1"/>
+                </a:solidFill>
+                <a:miter lim="800000"/>
+                <a:headEnd/>
+                <a:tailEnd/>
+              </a14:hiddenLine>
+            </a:ext>
+          </a:extLst>
+        </p:spPr>
+      </p:pic>
+    </p:spTree>
+    <p:extLst>
+      <p:ext uri="{BB962C8B-B14F-4D97-AF65-F5344CB8AC3E}">
+        <p14:creationId xmlns:p14="http://schemas.microsoft.com/office/powerpoint/2010/main" val="3189941843"/>
+      </p:ext>
+    </p:extLst>
+  </p:cSld>
+  <p:clrMapOvr>
+    <a:masterClrMapping/>
+  </p:clrMapOvr>
+  <p:timing>
+    <p:tnLst>
+      <p:par>
+        <p:cTn id="1" dur="indefinite" restart="never" nodeType="tmRoot"/>
+      </p:par>
+    </p:tnLst>
+  </p:timing>
+</p:sld>
+</file>
+
+<file path=ppt/slides/slide33.xml><?xml version="1.0" encoding="utf-8"?>
+<p:sld xmlns:a="http://schemas.openxmlformats.org/drawingml/2006/main" xmlns:r="http://schemas.openxmlformats.org/officeDocument/2006/relationships" xmlns:p="http://schemas.openxmlformats.org/presentationml/2006/main">
+  <p:cSld>
+    <p:spTree>
+      <p:nvGrpSpPr>
+        <p:cNvPr id="1" name=""/>
+        <p:cNvGrpSpPr/>
+        <p:nvPr/>
+      </p:nvGrpSpPr>
+      <p:grpSpPr>
+        <a:xfrm>
+          <a:off x="0" y="0"/>
+          <a:ext cx="0" cy="0"/>
+          <a:chOff x="0" y="0"/>
+          <a:chExt cx="0" cy="0"/>
+        </a:xfrm>
+      </p:grpSpPr>
+      <p:sp>
+        <p:nvSpPr>
+          <p:cNvPr id="9" name="等腰三角形 8"/>
+          <p:cNvSpPr/>
+          <p:nvPr/>
+        </p:nvSpPr>
+        <p:spPr>
+          <a:xfrm rot="4613108">
+            <a:off x="7331460" y="3148738"/>
+            <a:ext cx="4577580" cy="4214762"/>
+          </a:xfrm>
+          <a:prstGeom prst="triangle">
+            <a:avLst/>
+          </a:prstGeom>
+          <a:solidFill>
+            <a:schemeClr val="bg1">
+              <a:lumMod val="95000"/>
+            </a:schemeClr>
+          </a:solidFill>
+          <a:ln>
+            <a:noFill/>
+          </a:ln>
+        </p:spPr>
+        <p:style>
+          <a:lnRef idx="2">
+            <a:schemeClr val="accent1">
+              <a:shade val="50000"/>
+            </a:schemeClr>
+          </a:lnRef>
+          <a:fillRef idx="1">
+            <a:schemeClr val="accent1"/>
+          </a:fillRef>
+          <a:effectRef idx="0">
+            <a:schemeClr val="accent1"/>
+          </a:effectRef>
+          <a:fontRef idx="minor">
+            <a:schemeClr val="lt1"/>
+          </a:fontRef>
+        </p:style>
+        <p:txBody>
+          <a:bodyPr rtlCol="0" anchor="ctr"/>
+          <a:lstStyle/>
+          <a:p>
+            <a:pPr algn="ctr"/>
+            <a:endParaRPr lang="zh-CN" altLang="en-US"/>
+          </a:p>
+        </p:txBody>
+      </p:sp>
+      <p:sp>
+        <p:nvSpPr>
+          <p:cNvPr id="8" name="矩形 7"/>
+          <p:cNvSpPr/>
+          <p:nvPr/>
+        </p:nvSpPr>
+        <p:spPr>
+          <a:xfrm rot="783766">
+            <a:off x="-2197454" y="-2340269"/>
+            <a:ext cx="6006821" cy="3447534"/>
+          </a:xfrm>
+          <a:prstGeom prst="rect">
+            <a:avLst/>
+          </a:prstGeom>
+          <a:solidFill>
+            <a:schemeClr val="bg1">
+              <a:lumMod val="95000"/>
+            </a:schemeClr>
+          </a:solidFill>
+          <a:ln>
+            <a:noFill/>
+          </a:ln>
+        </p:spPr>
+        <p:style>
+          <a:lnRef idx="2">
+            <a:schemeClr val="accent1">
+              <a:shade val="50000"/>
+            </a:schemeClr>
+          </a:lnRef>
+          <a:fillRef idx="1">
+            <a:schemeClr val="accent1"/>
+          </a:fillRef>
+          <a:effectRef idx="0">
+            <a:schemeClr val="accent1"/>
+          </a:effectRef>
+          <a:fontRef idx="minor">
+            <a:schemeClr val="lt1"/>
+          </a:fontRef>
+        </p:style>
+        <p:txBody>
+          <a:bodyPr rtlCol="0" anchor="ctr"/>
+          <a:lstStyle/>
+          <a:p>
+            <a:pPr algn="ctr"/>
+            <a:endParaRPr lang="zh-CN" altLang="en-US"/>
+          </a:p>
+        </p:txBody>
+      </p:sp>
+      <p:sp>
+        <p:nvSpPr>
+          <p:cNvPr id="30" name="文本框 29"/>
+          <p:cNvSpPr txBox="1"/>
+          <p:nvPr/>
+        </p:nvSpPr>
+        <p:spPr>
+          <a:xfrm>
+            <a:off x="662538" y="294935"/>
+            <a:ext cx="9072012" cy="769441"/>
+          </a:xfrm>
+          <a:prstGeom prst="rect">
+            <a:avLst/>
+          </a:prstGeom>
+          <a:noFill/>
+        </p:spPr>
+        <p:txBody>
+          <a:bodyPr wrap="square" rtlCol="0">
+            <a:spAutoFit/>
+          </a:bodyPr>
+          <a:lstStyle/>
+          <a:p>
+            <a:r>
+              <a:rPr lang="en-US" altLang="zh-CN" sz="4400" b="1" dirty="0" smtClean="0">
+                <a:solidFill>
+                  <a:srgbClr val="00ABB4"/>
+                </a:solidFill>
+                <a:latin typeface="微软雅黑" panose="020B0503020204020204" pitchFamily="34" charset="-122"/>
+                <a:ea typeface="微软雅黑" panose="020B0503020204020204" pitchFamily="34" charset="-122"/>
+              </a:rPr>
+              <a:t>1 Example-based </a:t>
+            </a:r>
+            <a:r>
+              <a:rPr lang="en-US" altLang="zh-CN" sz="4400" b="1" dirty="0">
+                <a:solidFill>
+                  <a:srgbClr val="00ABB4"/>
+                </a:solidFill>
+                <a:latin typeface="微软雅黑" panose="020B0503020204020204" pitchFamily="34" charset="-122"/>
+                <a:ea typeface="微软雅黑" panose="020B0503020204020204" pitchFamily="34" charset="-122"/>
+              </a:rPr>
+              <a:t>Style </a:t>
+            </a:r>
+            <a:r>
+              <a:rPr lang="en-US" altLang="zh-CN" sz="4400" b="1" dirty="0" smtClean="0">
+                <a:solidFill>
+                  <a:srgbClr val="00ABB4"/>
+                </a:solidFill>
+                <a:latin typeface="微软雅黑" panose="020B0503020204020204" pitchFamily="34" charset="-122"/>
+                <a:ea typeface="微软雅黑" panose="020B0503020204020204" pitchFamily="34" charset="-122"/>
+              </a:rPr>
+              <a:t>Transfer</a:t>
+            </a:r>
+            <a:endParaRPr lang="en-US" altLang="zh-CN" sz="4400" b="1" dirty="0">
+              <a:solidFill>
+                <a:srgbClr val="00ABB4"/>
+              </a:solidFill>
+              <a:latin typeface="微软雅黑" panose="020B0503020204020204" pitchFamily="34" charset="-122"/>
+              <a:ea typeface="微软雅黑" panose="020B0503020204020204" pitchFamily="34" charset="-122"/>
+            </a:endParaRPr>
+          </a:p>
+        </p:txBody>
+      </p:sp>
+      <p:sp>
+        <p:nvSpPr>
+          <p:cNvPr id="31" name="Rectangle 96"/>
+          <p:cNvSpPr/>
+          <p:nvPr/>
+        </p:nvSpPr>
+        <p:spPr>
+          <a:xfrm>
+            <a:off x="1138240" y="3996486"/>
+            <a:ext cx="11053760" cy="1708160"/>
+          </a:xfrm>
+          <a:prstGeom prst="rect">
+            <a:avLst/>
+          </a:prstGeom>
+        </p:spPr>
+        <p:txBody>
+          <a:bodyPr wrap="square">
+            <a:spAutoFit/>
+          </a:bodyPr>
+          <a:lstStyle/>
+          <a:p>
+            <a:pPr marL="457200" indent="-457200">
+              <a:lnSpc>
+                <a:spcPct val="200000"/>
+              </a:lnSpc>
+              <a:buFont typeface="Arial" panose="020B0604020202020204" pitchFamily="34" charset="0"/>
+              <a:buChar char="•"/>
+            </a:pPr>
+            <a:r>
+              <a:rPr lang="el-GR" altLang="zh-CN" sz="2800" dirty="0" smtClean="0">
+                <a:latin typeface="Meiryo" panose="020B0604030504040204" pitchFamily="34" charset="-128"/>
+                <a:ea typeface="Meiryo" panose="020B0604030504040204" pitchFamily="34" charset="-128"/>
+                <a:cs typeface="Meiryo" panose="020B0604030504040204" pitchFamily="34" charset="-128"/>
+              </a:rPr>
+              <a:t>α</a:t>
+            </a:r>
+            <a:r>
+              <a:rPr lang="en-US" altLang="zh-CN" sz="2800" baseline="-25000" dirty="0">
+                <a:latin typeface="Meiryo" panose="020B0604030504040204" pitchFamily="34" charset="-128"/>
+                <a:ea typeface="Meiryo" panose="020B0604030504040204" pitchFamily="34" charset="-128"/>
+                <a:cs typeface="Meiryo" panose="020B0604030504040204" pitchFamily="34" charset="-128"/>
+              </a:rPr>
+              <a:t>r</a:t>
+            </a:r>
+            <a:r>
+              <a:rPr lang="en-US" altLang="zh-CN" sz="2800" dirty="0">
+                <a:latin typeface="Meiryo" panose="020B0604030504040204" pitchFamily="34" charset="-128"/>
+                <a:ea typeface="Meiryo" panose="020B0604030504040204" pitchFamily="34" charset="-128"/>
+                <a:cs typeface="Meiryo" panose="020B0604030504040204" pitchFamily="34" charset="-128"/>
+              </a:rPr>
+              <a:t> and </a:t>
+            </a:r>
+            <a:r>
+              <a:rPr lang="el-GR" altLang="zh-CN" sz="2800" dirty="0">
+                <a:latin typeface="Meiryo" panose="020B0604030504040204" pitchFamily="34" charset="-128"/>
+                <a:ea typeface="Meiryo" panose="020B0604030504040204" pitchFamily="34" charset="-128"/>
+                <a:cs typeface="Meiryo" panose="020B0604030504040204" pitchFamily="34" charset="-128"/>
+              </a:rPr>
+              <a:t>α</a:t>
+            </a:r>
+            <a:r>
+              <a:rPr lang="en-US" altLang="zh-CN" sz="2800" baseline="-25000" dirty="0">
+                <a:latin typeface="Meiryo" panose="020B0604030504040204" pitchFamily="34" charset="-128"/>
+                <a:ea typeface="Meiryo" panose="020B0604030504040204" pitchFamily="34" charset="-128"/>
+                <a:cs typeface="Meiryo" panose="020B0604030504040204" pitchFamily="34" charset="-128"/>
+              </a:rPr>
+              <a:t>c</a:t>
+            </a:r>
+            <a:r>
+              <a:rPr lang="en-US" altLang="zh-CN" sz="2800" dirty="0">
+                <a:latin typeface="Meiryo" panose="020B0604030504040204" pitchFamily="34" charset="-128"/>
+                <a:ea typeface="Meiryo" panose="020B0604030504040204" pitchFamily="34" charset="-128"/>
+                <a:cs typeface="Meiryo" panose="020B0604030504040204" pitchFamily="34" charset="-128"/>
+              </a:rPr>
+              <a:t> </a:t>
+            </a:r>
+            <a:r>
+              <a:rPr lang="en-US" altLang="zh-CN" sz="2800" dirty="0" smtClean="0">
+                <a:latin typeface="Meiryo" panose="020B0604030504040204" pitchFamily="34" charset="-128"/>
+                <a:ea typeface="Meiryo" panose="020B0604030504040204" pitchFamily="34" charset="-128"/>
+                <a:cs typeface="Meiryo" panose="020B0604030504040204" pitchFamily="34" charset="-128"/>
+              </a:rPr>
+              <a:t>: </a:t>
+            </a:r>
+            <a:r>
+              <a:rPr lang="en-US" altLang="zh-CN" sz="2800" dirty="0">
+                <a:latin typeface="Meiryo" panose="020B0604030504040204" pitchFamily="34" charset="-128"/>
+                <a:ea typeface="Meiryo" panose="020B0604030504040204" pitchFamily="34" charset="-128"/>
+                <a:cs typeface="Meiryo" panose="020B0604030504040204" pitchFamily="34" charset="-128"/>
+              </a:rPr>
+              <a:t>normalization parameters that control the</a:t>
+            </a:r>
+            <a:br>
+              <a:rPr lang="en-US" altLang="zh-CN" sz="2800" dirty="0">
+                <a:latin typeface="Meiryo" panose="020B0604030504040204" pitchFamily="34" charset="-128"/>
+                <a:ea typeface="Meiryo" panose="020B0604030504040204" pitchFamily="34" charset="-128"/>
+                <a:cs typeface="Meiryo" panose="020B0604030504040204" pitchFamily="34" charset="-128"/>
+              </a:rPr>
+            </a:br>
+            <a:r>
+              <a:rPr lang="en-US" altLang="zh-CN" sz="2800" dirty="0">
+                <a:latin typeface="Meiryo" panose="020B0604030504040204" pitchFamily="34" charset="-128"/>
+                <a:ea typeface="Meiryo" panose="020B0604030504040204" pitchFamily="34" charset="-128"/>
+                <a:cs typeface="Meiryo" panose="020B0604030504040204" pitchFamily="34" charset="-128"/>
+              </a:rPr>
+              <a:t>weights of the spatial and chrominance kernels </a:t>
+            </a:r>
+            <a:r>
+              <a:rPr lang="en-US" altLang="zh-CN" sz="2800" dirty="0" smtClean="0">
+                <a:latin typeface="Meiryo" panose="020B0604030504040204" pitchFamily="34" charset="-128"/>
+                <a:ea typeface="Meiryo" panose="020B0604030504040204" pitchFamily="34" charset="-128"/>
+                <a:cs typeface="Meiryo" panose="020B0604030504040204" pitchFamily="34" charset="-128"/>
+              </a:rPr>
+              <a:t>respectively</a:t>
+            </a:r>
+          </a:p>
+        </p:txBody>
+      </p:sp>
+      <p:sp>
+        <p:nvSpPr>
+          <p:cNvPr id="11" name="Rectangle 96"/>
+          <p:cNvSpPr/>
+          <p:nvPr/>
+        </p:nvSpPr>
+        <p:spPr>
+          <a:xfrm>
+            <a:off x="662538" y="1102225"/>
+            <a:ext cx="10919862" cy="846386"/>
+          </a:xfrm>
+          <a:prstGeom prst="rect">
+            <a:avLst/>
+          </a:prstGeom>
+        </p:spPr>
+        <p:txBody>
+          <a:bodyPr wrap="square">
+            <a:spAutoFit/>
+          </a:bodyPr>
+          <a:lstStyle/>
+          <a:p>
+            <a:pPr marL="457200" indent="-457200">
+              <a:lnSpc>
+                <a:spcPct val="200000"/>
+              </a:lnSpc>
+              <a:buFont typeface="Arial" panose="020B0604020202020204" pitchFamily="34" charset="0"/>
+              <a:buChar char="•"/>
+            </a:pPr>
+            <a:r>
+              <a:rPr lang="en-US" altLang="zh-CN" sz="2800" b="1" dirty="0" smtClean="0">
+                <a:latin typeface="Meiryo" panose="020B0604030504040204" pitchFamily="34" charset="-128"/>
+                <a:ea typeface="Meiryo" panose="020B0604030504040204" pitchFamily="34" charset="-128"/>
+                <a:cs typeface="Meiryo" panose="020B0604030504040204" pitchFamily="34" charset="-128"/>
+              </a:rPr>
+              <a:t>Face exposure corection:</a:t>
+            </a:r>
+            <a:endParaRPr lang="en-US" altLang="zh-CN" sz="2800" b="1" dirty="0">
+              <a:latin typeface="Meiryo" panose="020B0604030504040204" pitchFamily="34" charset="-128"/>
+              <a:ea typeface="Meiryo" panose="020B0604030504040204" pitchFamily="34" charset="-128"/>
+              <a:cs typeface="Meiryo" panose="020B0604030504040204" pitchFamily="34" charset="-128"/>
+            </a:endParaRPr>
+          </a:p>
+        </p:txBody>
+      </p:sp>
+      <p:pic>
+        <p:nvPicPr>
+          <p:cNvPr id="5122" name="Picture 2"/>
+          <p:cNvPicPr>
+            <a:picLocks noChangeAspect="1" noChangeArrowheads="1"/>
+          </p:cNvPicPr>
+          <p:nvPr/>
+        </p:nvPicPr>
+        <p:blipFill>
+          <a:blip r:embed="rId3">
+            <a:extLst>
+              <a:ext uri="{28A0092B-C50C-407E-A947-70E740481C1C}">
+                <a14:useLocalDpi xmlns:a14="http://schemas.microsoft.com/office/drawing/2010/main" val="0"/>
+              </a:ext>
+            </a:extLst>
+          </a:blip>
+          <a:srcRect/>
+          <a:stretch>
+            <a:fillRect/>
+          </a:stretch>
+        </p:blipFill>
+        <p:spPr bwMode="auto">
+          <a:xfrm>
+            <a:off x="1554132" y="1948611"/>
+            <a:ext cx="9136673" cy="2047875"/>
+          </a:xfrm>
+          <a:prstGeom prst="rect">
+            <a:avLst/>
+          </a:prstGeom>
+          <a:noFill/>
+          <a:ln>
+            <a:noFill/>
+          </a:ln>
+          <a:extLst>
+            <a:ext uri="{909E8E84-426E-40DD-AFC4-6F175D3DCCD1}">
+              <a14:hiddenFill xmlns:a14="http://schemas.microsoft.com/office/drawing/2010/main">
+                <a:solidFill>
+                  <a:schemeClr val="accent1"/>
+                </a:solidFill>
+              </a14:hiddenFill>
+            </a:ext>
+            <a:ext uri="{91240B29-F687-4F45-9708-019B960494DF}">
+              <a14:hiddenLine xmlns:a14="http://schemas.microsoft.com/office/drawing/2010/main" w="9525">
+                <a:solidFill>
+                  <a:schemeClr val="tx1"/>
+                </a:solidFill>
+                <a:miter lim="800000"/>
+                <a:headEnd/>
+                <a:tailEnd/>
+              </a14:hiddenLine>
+            </a:ext>
+          </a:extLst>
+        </p:spPr>
+      </p:pic>
+    </p:spTree>
+    <p:extLst>
+      <p:ext uri="{BB962C8B-B14F-4D97-AF65-F5344CB8AC3E}">
+        <p14:creationId xmlns:p14="http://schemas.microsoft.com/office/powerpoint/2010/main" val="2129486242"/>
+      </p:ext>
+    </p:extLst>
+  </p:cSld>
+  <p:clrMapOvr>
+    <a:masterClrMapping/>
+  </p:clrMapOvr>
+  <p:timing>
+    <p:tnLst>
+      <p:par>
+        <p:cTn id="1" dur="indefinite" restart="never" nodeType="tmRoot"/>
+      </p:par>
+    </p:tnLst>
+  </p:timing>
+</p:sld>
+</file>
+
+<file path=ppt/slides/slide34.xml><?xml version="1.0" encoding="utf-8"?>
+<p:sld xmlns:a="http://schemas.openxmlformats.org/drawingml/2006/main" xmlns:r="http://schemas.openxmlformats.org/officeDocument/2006/relationships" xmlns:p="http://schemas.openxmlformats.org/presentationml/2006/main">
+  <p:cSld>
+    <p:spTree>
+      <p:nvGrpSpPr>
+        <p:cNvPr id="1" name=""/>
+        <p:cNvGrpSpPr/>
+        <p:nvPr/>
+      </p:nvGrpSpPr>
+      <p:grpSpPr>
+        <a:xfrm>
+          <a:off x="0" y="0"/>
+          <a:ext cx="0" cy="0"/>
+          <a:chOff x="0" y="0"/>
+          <a:chExt cx="0" cy="0"/>
+        </a:xfrm>
+      </p:grpSpPr>
+      <p:sp>
+        <p:nvSpPr>
+          <p:cNvPr id="9" name="等腰三角形 8"/>
+          <p:cNvSpPr/>
+          <p:nvPr/>
+        </p:nvSpPr>
+        <p:spPr>
+          <a:xfrm rot="4613108">
+            <a:off x="7331460" y="3148738"/>
+            <a:ext cx="4577580" cy="4214762"/>
+          </a:xfrm>
+          <a:prstGeom prst="triangle">
+            <a:avLst/>
+          </a:prstGeom>
+          <a:solidFill>
+            <a:schemeClr val="bg1">
+              <a:lumMod val="95000"/>
+            </a:schemeClr>
+          </a:solidFill>
+          <a:ln>
+            <a:noFill/>
+          </a:ln>
+        </p:spPr>
+        <p:style>
+          <a:lnRef idx="2">
+            <a:schemeClr val="accent1">
+              <a:shade val="50000"/>
+            </a:schemeClr>
+          </a:lnRef>
+          <a:fillRef idx="1">
+            <a:schemeClr val="accent1"/>
+          </a:fillRef>
+          <a:effectRef idx="0">
+            <a:schemeClr val="accent1"/>
+          </a:effectRef>
+          <a:fontRef idx="minor">
+            <a:schemeClr val="lt1"/>
+          </a:fontRef>
+        </p:style>
+        <p:txBody>
+          <a:bodyPr rtlCol="0" anchor="ctr"/>
+          <a:lstStyle/>
+          <a:p>
+            <a:pPr algn="ctr"/>
+            <a:endParaRPr lang="zh-CN" altLang="en-US"/>
+          </a:p>
+        </p:txBody>
+      </p:sp>
+      <p:sp>
+        <p:nvSpPr>
+          <p:cNvPr id="8" name="矩形 7"/>
+          <p:cNvSpPr/>
+          <p:nvPr/>
+        </p:nvSpPr>
+        <p:spPr>
+          <a:xfrm rot="783766">
+            <a:off x="-2197454" y="-2340269"/>
+            <a:ext cx="6006821" cy="3447534"/>
+          </a:xfrm>
+          <a:prstGeom prst="rect">
+            <a:avLst/>
+          </a:prstGeom>
+          <a:solidFill>
+            <a:schemeClr val="bg1">
+              <a:lumMod val="95000"/>
+            </a:schemeClr>
+          </a:solidFill>
+          <a:ln>
+            <a:noFill/>
+          </a:ln>
+        </p:spPr>
+        <p:style>
+          <a:lnRef idx="2">
+            <a:schemeClr val="accent1">
+              <a:shade val="50000"/>
+            </a:schemeClr>
+          </a:lnRef>
+          <a:fillRef idx="1">
+            <a:schemeClr val="accent1"/>
+          </a:fillRef>
+          <a:effectRef idx="0">
+            <a:schemeClr val="accent1"/>
+          </a:effectRef>
+          <a:fontRef idx="minor">
+            <a:schemeClr val="lt1"/>
+          </a:fontRef>
+        </p:style>
+        <p:txBody>
+          <a:bodyPr rtlCol="0" anchor="ctr"/>
+          <a:lstStyle/>
+          <a:p>
+            <a:pPr algn="ctr"/>
+            <a:endParaRPr lang="zh-CN" altLang="en-US"/>
+          </a:p>
+        </p:txBody>
+      </p:sp>
+      <p:sp>
+        <p:nvSpPr>
+          <p:cNvPr id="30" name="文本框 29"/>
+          <p:cNvSpPr txBox="1"/>
+          <p:nvPr/>
+        </p:nvSpPr>
+        <p:spPr>
+          <a:xfrm>
+            <a:off x="662538" y="294935"/>
+            <a:ext cx="9072012" cy="769441"/>
+          </a:xfrm>
+          <a:prstGeom prst="rect">
+            <a:avLst/>
+          </a:prstGeom>
+          <a:noFill/>
+        </p:spPr>
+        <p:txBody>
+          <a:bodyPr wrap="square" rtlCol="0">
+            <a:spAutoFit/>
+          </a:bodyPr>
+          <a:lstStyle/>
+          <a:p>
+            <a:r>
+              <a:rPr lang="en-US" altLang="zh-CN" sz="4400" b="1" dirty="0" smtClean="0">
+                <a:solidFill>
+                  <a:srgbClr val="00ABB4"/>
+                </a:solidFill>
+                <a:latin typeface="微软雅黑" panose="020B0503020204020204" pitchFamily="34" charset="-122"/>
+                <a:ea typeface="微软雅黑" panose="020B0503020204020204" pitchFamily="34" charset="-122"/>
+              </a:rPr>
+              <a:t>1 Example-based </a:t>
+            </a:r>
+            <a:r>
+              <a:rPr lang="en-US" altLang="zh-CN" sz="4400" b="1" dirty="0">
+                <a:solidFill>
+                  <a:srgbClr val="00ABB4"/>
+                </a:solidFill>
+                <a:latin typeface="微软雅黑" panose="020B0503020204020204" pitchFamily="34" charset="-122"/>
+                <a:ea typeface="微软雅黑" panose="020B0503020204020204" pitchFamily="34" charset="-122"/>
+              </a:rPr>
+              <a:t>Style </a:t>
+            </a:r>
+            <a:r>
+              <a:rPr lang="en-US" altLang="zh-CN" sz="4400" b="1" dirty="0" smtClean="0">
+                <a:solidFill>
+                  <a:srgbClr val="00ABB4"/>
+                </a:solidFill>
+                <a:latin typeface="微软雅黑" panose="020B0503020204020204" pitchFamily="34" charset="-122"/>
+                <a:ea typeface="微软雅黑" panose="020B0503020204020204" pitchFamily="34" charset="-122"/>
+              </a:rPr>
+              <a:t>Transfer</a:t>
+            </a:r>
+            <a:endParaRPr lang="en-US" altLang="zh-CN" sz="4400" b="1" dirty="0">
+              <a:solidFill>
+                <a:srgbClr val="00ABB4"/>
+              </a:solidFill>
+              <a:latin typeface="微软雅黑" panose="020B0503020204020204" pitchFamily="34" charset="-122"/>
+              <a:ea typeface="微软雅黑" panose="020B0503020204020204" pitchFamily="34" charset="-122"/>
+            </a:endParaRPr>
+          </a:p>
+        </p:txBody>
+      </p:sp>
+      <p:sp>
+        <p:nvSpPr>
+          <p:cNvPr id="31" name="Rectangle 96"/>
+          <p:cNvSpPr/>
+          <p:nvPr/>
+        </p:nvSpPr>
+        <p:spPr>
+          <a:xfrm>
+            <a:off x="1309690" y="4419679"/>
+            <a:ext cx="10272710" cy="846386"/>
+          </a:xfrm>
+          <a:prstGeom prst="rect">
+            <a:avLst/>
+          </a:prstGeom>
+        </p:spPr>
+        <p:txBody>
+          <a:bodyPr wrap="square">
+            <a:spAutoFit/>
+          </a:bodyPr>
+          <a:lstStyle/>
+          <a:p>
+            <a:pPr marL="457200" indent="-457200">
+              <a:lnSpc>
+                <a:spcPct val="200000"/>
+              </a:lnSpc>
+              <a:buFont typeface="Arial" panose="020B0604020202020204" pitchFamily="34" charset="0"/>
+              <a:buChar char="•"/>
+            </a:pPr>
+            <a:r>
+              <a:rPr lang="en-US" altLang="zh-CN" sz="2800" dirty="0" smtClean="0">
+                <a:latin typeface="Meiryo" panose="020B0604030504040204" pitchFamily="34" charset="-128"/>
+                <a:ea typeface="Meiryo" panose="020B0604030504040204" pitchFamily="34" charset="-128"/>
+                <a:cs typeface="Meiryo" panose="020B0604030504040204" pitchFamily="34" charset="-128"/>
+              </a:rPr>
+              <a:t>set </a:t>
+            </a:r>
+            <a:r>
+              <a:rPr lang="en-US" altLang="zh-CN" sz="2800" dirty="0">
+                <a:latin typeface="Meiryo" panose="020B0604030504040204" pitchFamily="34" charset="-128"/>
+                <a:ea typeface="Meiryo" panose="020B0604030504040204" pitchFamily="34" charset="-128"/>
+                <a:cs typeface="Meiryo" panose="020B0604030504040204" pitchFamily="34" charset="-128"/>
+              </a:rPr>
+              <a:t>{lth, </a:t>
+            </a:r>
+            <a:r>
+              <a:rPr lang="el-GR" altLang="zh-CN" sz="2800" dirty="0">
+                <a:latin typeface="Meiryo" panose="020B0604030504040204" pitchFamily="34" charset="-128"/>
+                <a:ea typeface="Meiryo" panose="020B0604030504040204" pitchFamily="34" charset="-128"/>
+                <a:cs typeface="Meiryo" panose="020B0604030504040204" pitchFamily="34" charset="-128"/>
+              </a:rPr>
+              <a:t>γ </a:t>
+            </a:r>
+            <a:r>
+              <a:rPr lang="en-US" altLang="zh-CN" sz="2800" dirty="0">
+                <a:latin typeface="Meiryo" panose="020B0604030504040204" pitchFamily="34" charset="-128"/>
+                <a:ea typeface="Meiryo" panose="020B0604030504040204" pitchFamily="34" charset="-128"/>
+                <a:cs typeface="Meiryo" panose="020B0604030504040204" pitchFamily="34" charset="-128"/>
+              </a:rPr>
+              <a:t>th, </a:t>
+            </a:r>
+            <a:r>
+              <a:rPr lang="el-GR" altLang="zh-CN" sz="2800" dirty="0">
+                <a:latin typeface="Meiryo" panose="020B0604030504040204" pitchFamily="34" charset="-128"/>
+                <a:ea typeface="Meiryo" panose="020B0604030504040204" pitchFamily="34" charset="-128"/>
+                <a:cs typeface="Meiryo" panose="020B0604030504040204" pitchFamily="34" charset="-128"/>
+              </a:rPr>
+              <a:t>α</a:t>
+            </a:r>
+            <a:r>
+              <a:rPr lang="en-US" altLang="zh-CN" sz="2800" dirty="0">
+                <a:latin typeface="Meiryo" panose="020B0604030504040204" pitchFamily="34" charset="-128"/>
+                <a:ea typeface="Meiryo" panose="020B0604030504040204" pitchFamily="34" charset="-128"/>
+                <a:cs typeface="Meiryo" panose="020B0604030504040204" pitchFamily="34" charset="-128"/>
+              </a:rPr>
+              <a:t>r, </a:t>
+            </a:r>
+            <a:r>
+              <a:rPr lang="el-GR" altLang="zh-CN" sz="2800" dirty="0">
+                <a:latin typeface="Meiryo" panose="020B0604030504040204" pitchFamily="34" charset="-128"/>
+                <a:ea typeface="Meiryo" panose="020B0604030504040204" pitchFamily="34" charset="-128"/>
+                <a:cs typeface="Meiryo" panose="020B0604030504040204" pitchFamily="34" charset="-128"/>
+              </a:rPr>
+              <a:t>α</a:t>
+            </a:r>
+            <a:r>
+              <a:rPr lang="en-US" altLang="zh-CN" sz="2800" dirty="0">
+                <a:latin typeface="Meiryo" panose="020B0604030504040204" pitchFamily="34" charset="-128"/>
+                <a:ea typeface="Meiryo" panose="020B0604030504040204" pitchFamily="34" charset="-128"/>
+                <a:cs typeface="Meiryo" panose="020B0604030504040204" pitchFamily="34" charset="-128"/>
+              </a:rPr>
+              <a:t>c} to {0.5, 0.5, 0.45, 0.001}. </a:t>
+            </a:r>
+          </a:p>
+        </p:txBody>
+      </p:sp>
+      <p:sp>
+        <p:nvSpPr>
+          <p:cNvPr id="11" name="Rectangle 96"/>
+          <p:cNvSpPr/>
+          <p:nvPr/>
+        </p:nvSpPr>
+        <p:spPr>
+          <a:xfrm>
+            <a:off x="662538" y="1102225"/>
+            <a:ext cx="10919862" cy="846386"/>
+          </a:xfrm>
+          <a:prstGeom prst="rect">
+            <a:avLst/>
+          </a:prstGeom>
+        </p:spPr>
+        <p:txBody>
+          <a:bodyPr wrap="square">
+            <a:spAutoFit/>
+          </a:bodyPr>
+          <a:lstStyle/>
+          <a:p>
+            <a:pPr marL="457200" indent="-457200">
+              <a:lnSpc>
+                <a:spcPct val="200000"/>
+              </a:lnSpc>
+              <a:buFont typeface="Arial" panose="020B0604020202020204" pitchFamily="34" charset="0"/>
+              <a:buChar char="•"/>
+            </a:pPr>
+            <a:r>
+              <a:rPr lang="en-US" altLang="zh-CN" sz="2800" b="1" dirty="0" smtClean="0">
+                <a:latin typeface="Meiryo" panose="020B0604030504040204" pitchFamily="34" charset="-128"/>
+                <a:ea typeface="Meiryo" panose="020B0604030504040204" pitchFamily="34" charset="-128"/>
+                <a:cs typeface="Meiryo" panose="020B0604030504040204" pitchFamily="34" charset="-128"/>
+              </a:rPr>
+              <a:t>Face exposure corection:</a:t>
+            </a:r>
+            <a:endParaRPr lang="en-US" altLang="zh-CN" sz="2800" b="1" dirty="0">
+              <a:latin typeface="Meiryo" panose="020B0604030504040204" pitchFamily="34" charset="-128"/>
+              <a:ea typeface="Meiryo" panose="020B0604030504040204" pitchFamily="34" charset="-128"/>
+              <a:cs typeface="Meiryo" panose="020B0604030504040204" pitchFamily="34" charset="-128"/>
+            </a:endParaRPr>
+          </a:p>
+        </p:txBody>
+      </p:sp>
+      <p:pic>
+        <p:nvPicPr>
+          <p:cNvPr id="5122" name="Picture 2"/>
+          <p:cNvPicPr>
+            <a:picLocks noChangeAspect="1" noChangeArrowheads="1"/>
+          </p:cNvPicPr>
+          <p:nvPr/>
+        </p:nvPicPr>
+        <p:blipFill>
+          <a:blip r:embed="rId3">
+            <a:extLst>
+              <a:ext uri="{28A0092B-C50C-407E-A947-70E740481C1C}">
+                <a14:useLocalDpi xmlns:a14="http://schemas.microsoft.com/office/drawing/2010/main" val="0"/>
+              </a:ext>
+            </a:extLst>
+          </a:blip>
+          <a:srcRect/>
+          <a:stretch>
+            <a:fillRect/>
+          </a:stretch>
+        </p:blipFill>
+        <p:spPr bwMode="auto">
+          <a:xfrm>
+            <a:off x="1554132" y="1948611"/>
+            <a:ext cx="9136673" cy="2047875"/>
+          </a:xfrm>
+          <a:prstGeom prst="rect">
+            <a:avLst/>
+          </a:prstGeom>
+          <a:noFill/>
+          <a:ln>
+            <a:noFill/>
+          </a:ln>
+          <a:extLst>
+            <a:ext uri="{909E8E84-426E-40DD-AFC4-6F175D3DCCD1}">
+              <a14:hiddenFill xmlns:a14="http://schemas.microsoft.com/office/drawing/2010/main">
+                <a:solidFill>
+                  <a:schemeClr val="accent1"/>
+                </a:solidFill>
+              </a14:hiddenFill>
+            </a:ext>
+            <a:ext uri="{91240B29-F687-4F45-9708-019B960494DF}">
+              <a14:hiddenLine xmlns:a14="http://schemas.microsoft.com/office/drawing/2010/main" w="9525">
+                <a:solidFill>
+                  <a:schemeClr val="tx1"/>
+                </a:solidFill>
+                <a:miter lim="800000"/>
+                <a:headEnd/>
+                <a:tailEnd/>
+              </a14:hiddenLine>
+            </a:ext>
+          </a:extLst>
+        </p:spPr>
+      </p:pic>
+    </p:spTree>
+    <p:extLst>
+      <p:ext uri="{BB962C8B-B14F-4D97-AF65-F5344CB8AC3E}">
+        <p14:creationId xmlns:p14="http://schemas.microsoft.com/office/powerpoint/2010/main" val="2635243840"/>
+      </p:ext>
+    </p:extLst>
+  </p:cSld>
+  <p:clrMapOvr>
+    <a:masterClrMapping/>
+  </p:clrMapOvr>
+  <p:timing>
+    <p:tnLst>
+      <p:par>
+        <p:cTn id="1" dur="indefinite" restart="never" nodeType="tmRoot"/>
+      </p:par>
+    </p:tnLst>
+  </p:timing>
+</p:sld>
+</file>
+
+<file path=ppt/slides/slide35.xml><?xml version="1.0" encoding="utf-8"?>
+<p:sld xmlns:a="http://schemas.openxmlformats.org/drawingml/2006/main" xmlns:r="http://schemas.openxmlformats.org/officeDocument/2006/relationships" xmlns:p="http://schemas.openxmlformats.org/presentationml/2006/main">
+  <p:cSld>
+    <p:spTree>
+      <p:nvGrpSpPr>
+        <p:cNvPr id="1" name=""/>
+        <p:cNvGrpSpPr/>
+        <p:nvPr/>
+      </p:nvGrpSpPr>
+      <p:grpSpPr>
+        <a:xfrm>
+          <a:off x="0" y="0"/>
+          <a:ext cx="0" cy="0"/>
+          <a:chOff x="0" y="0"/>
+          <a:chExt cx="0" cy="0"/>
+        </a:xfrm>
+      </p:grpSpPr>
+      <p:sp>
+        <p:nvSpPr>
+          <p:cNvPr id="9" name="等腰三角形 8"/>
+          <p:cNvSpPr/>
+          <p:nvPr/>
+        </p:nvSpPr>
+        <p:spPr>
+          <a:xfrm rot="4613108">
+            <a:off x="7331460" y="3148738"/>
+            <a:ext cx="4577580" cy="4214762"/>
+          </a:xfrm>
+          <a:prstGeom prst="triangle">
+            <a:avLst/>
+          </a:prstGeom>
+          <a:solidFill>
+            <a:schemeClr val="bg1">
+              <a:lumMod val="95000"/>
+            </a:schemeClr>
+          </a:solidFill>
+          <a:ln>
+            <a:noFill/>
+          </a:ln>
+        </p:spPr>
+        <p:style>
+          <a:lnRef idx="2">
+            <a:schemeClr val="accent1">
+              <a:shade val="50000"/>
+            </a:schemeClr>
+          </a:lnRef>
+          <a:fillRef idx="1">
+            <a:schemeClr val="accent1"/>
+          </a:fillRef>
+          <a:effectRef idx="0">
+            <a:schemeClr val="accent1"/>
+          </a:effectRef>
+          <a:fontRef idx="minor">
+            <a:schemeClr val="lt1"/>
+          </a:fontRef>
+        </p:style>
+        <p:txBody>
+          <a:bodyPr rtlCol="0" anchor="ctr"/>
+          <a:lstStyle/>
+          <a:p>
+            <a:pPr algn="ctr"/>
+            <a:endParaRPr lang="zh-CN" altLang="en-US"/>
+          </a:p>
+        </p:txBody>
+      </p:sp>
+      <p:sp>
+        <p:nvSpPr>
+          <p:cNvPr id="8" name="矩形 7"/>
+          <p:cNvSpPr/>
+          <p:nvPr/>
+        </p:nvSpPr>
+        <p:spPr>
+          <a:xfrm rot="783766">
+            <a:off x="-2197454" y="-2340269"/>
+            <a:ext cx="6006821" cy="3447534"/>
+          </a:xfrm>
+          <a:prstGeom prst="rect">
+            <a:avLst/>
+          </a:prstGeom>
+          <a:solidFill>
+            <a:schemeClr val="bg1">
+              <a:lumMod val="95000"/>
+            </a:schemeClr>
+          </a:solidFill>
+          <a:ln>
+            <a:noFill/>
+          </a:ln>
+        </p:spPr>
+        <p:style>
+          <a:lnRef idx="2">
+            <a:schemeClr val="accent1">
+              <a:shade val="50000"/>
+            </a:schemeClr>
+          </a:lnRef>
+          <a:fillRef idx="1">
+            <a:schemeClr val="accent1"/>
+          </a:fillRef>
+          <a:effectRef idx="0">
+            <a:schemeClr val="accent1"/>
+          </a:effectRef>
+          <a:fontRef idx="minor">
+            <a:schemeClr val="lt1"/>
+          </a:fontRef>
+        </p:style>
+        <p:txBody>
+          <a:bodyPr rtlCol="0" anchor="ctr"/>
+          <a:lstStyle/>
+          <a:p>
+            <a:pPr algn="ctr"/>
+            <a:endParaRPr lang="zh-CN" altLang="en-US"/>
+          </a:p>
+        </p:txBody>
+      </p:sp>
+      <p:sp>
+        <p:nvSpPr>
+          <p:cNvPr id="30" name="文本框 29"/>
+          <p:cNvSpPr txBox="1"/>
+          <p:nvPr/>
+        </p:nvSpPr>
+        <p:spPr>
+          <a:xfrm>
+            <a:off x="662538" y="294935"/>
+            <a:ext cx="9834012" cy="769441"/>
+          </a:xfrm>
+          <a:prstGeom prst="rect">
+            <a:avLst/>
+          </a:prstGeom>
+          <a:noFill/>
+        </p:spPr>
+        <p:txBody>
+          <a:bodyPr wrap="square" rtlCol="0">
+            <a:spAutoFit/>
+          </a:bodyPr>
+          <a:lstStyle/>
+          <a:p>
+            <a:r>
+              <a:rPr lang="en-US" altLang="zh-CN" sz="4400" b="1" dirty="0" smtClean="0">
+                <a:solidFill>
+                  <a:srgbClr val="00ABB4"/>
+                </a:solidFill>
+                <a:latin typeface="微软雅黑" panose="020B0503020204020204" pitchFamily="34" charset="-122"/>
+                <a:ea typeface="微软雅黑" panose="020B0503020204020204" pitchFamily="34" charset="-122"/>
+              </a:rPr>
+              <a:t>2.1 Semantic clustering </a:t>
+            </a:r>
+            <a:r>
+              <a:rPr lang="en-US" altLang="zh-CN" sz="4400" dirty="0" smtClean="0">
+                <a:solidFill>
+                  <a:srgbClr val="00ABB4"/>
+                </a:solidFill>
+                <a:latin typeface="微软雅黑" panose="020B0503020204020204" pitchFamily="34" charset="-122"/>
+                <a:ea typeface="微软雅黑" panose="020B0503020204020204" pitchFamily="34" charset="-122"/>
+              </a:rPr>
+              <a:t>(do with P)</a:t>
+            </a:r>
+            <a:endParaRPr lang="en-US" altLang="zh-CN" sz="4400" dirty="0">
+              <a:solidFill>
+                <a:srgbClr val="00ABB4"/>
+              </a:solidFill>
+              <a:latin typeface="微软雅黑" panose="020B0503020204020204" pitchFamily="34" charset="-122"/>
+              <a:ea typeface="微软雅黑" panose="020B0503020204020204" pitchFamily="34" charset="-122"/>
+            </a:endParaRPr>
+          </a:p>
+        </p:txBody>
+      </p:sp>
+      <p:sp>
+        <p:nvSpPr>
+          <p:cNvPr id="31" name="Rectangle 96"/>
+          <p:cNvSpPr/>
+          <p:nvPr/>
+        </p:nvSpPr>
+        <p:spPr>
+          <a:xfrm>
+            <a:off x="1176340" y="1302416"/>
+            <a:ext cx="10825160" cy="5262979"/>
+          </a:xfrm>
+          <a:prstGeom prst="rect">
+            <a:avLst/>
+          </a:prstGeom>
+        </p:spPr>
+        <p:txBody>
+          <a:bodyPr wrap="square">
+            <a:spAutoFit/>
+          </a:bodyPr>
+          <a:lstStyle/>
+          <a:p>
+            <a:pPr marL="457200" indent="-457200">
+              <a:lnSpc>
+                <a:spcPct val="200000"/>
+              </a:lnSpc>
+              <a:buFont typeface="Arial" panose="020B0604020202020204" pitchFamily="34" charset="0"/>
+              <a:buChar char="•"/>
+            </a:pPr>
+            <a:r>
+              <a:rPr lang="en-US" altLang="zh-CN" sz="2800" dirty="0" smtClean="0">
+                <a:latin typeface="Meiryo" panose="020B0604030504040204" pitchFamily="34" charset="-128"/>
+                <a:ea typeface="Meiryo" panose="020B0604030504040204" pitchFamily="34" charset="-128"/>
+                <a:cs typeface="Meiryo" panose="020B0604030504040204" pitchFamily="34" charset="-128"/>
+              </a:rPr>
+              <a:t>Do to : P (a large photo collection)</a:t>
+            </a:r>
+          </a:p>
+          <a:p>
+            <a:pPr marL="457200" indent="-457200">
+              <a:lnSpc>
+                <a:spcPct val="200000"/>
+              </a:lnSpc>
+              <a:buFont typeface="Arial" panose="020B0604020202020204" pitchFamily="34" charset="0"/>
+              <a:buChar char="•"/>
+            </a:pPr>
+            <a:r>
+              <a:rPr lang="en-US" altLang="zh-CN" sz="2800" dirty="0" smtClean="0">
+                <a:latin typeface="Meiryo" panose="020B0604030504040204" pitchFamily="34" charset="-128"/>
+                <a:ea typeface="Meiryo" panose="020B0604030504040204" pitchFamily="34" charset="-128"/>
+                <a:cs typeface="Meiryo" panose="020B0604030504040204" pitchFamily="34" charset="-128"/>
+              </a:rPr>
+              <a:t>Using : semantic features</a:t>
+            </a:r>
+          </a:p>
+          <a:p>
+            <a:pPr marL="914400" lvl="1" indent="-457200">
+              <a:lnSpc>
+                <a:spcPct val="200000"/>
+              </a:lnSpc>
+              <a:buFont typeface="Arial" panose="020B0604020202020204" pitchFamily="34" charset="0"/>
+              <a:buChar char="•"/>
+            </a:pPr>
+            <a:r>
+              <a:rPr lang="en-US" altLang="zh-CN" sz="2800" dirty="0" smtClean="0">
+                <a:latin typeface="Meiryo" panose="020B0604030504040204" pitchFamily="34" charset="-128"/>
+                <a:ea typeface="Meiryo" panose="020B0604030504040204" pitchFamily="34" charset="-128"/>
+                <a:cs typeface="Meiryo" panose="020B0604030504040204" pitchFamily="34" charset="-128"/>
+              </a:rPr>
+              <a:t>Generate from :CNN </a:t>
+            </a:r>
+          </a:p>
+          <a:p>
+            <a:pPr marL="914400" lvl="1" indent="-457200">
+              <a:lnSpc>
+                <a:spcPct val="200000"/>
+              </a:lnSpc>
+              <a:buFont typeface="Arial" panose="020B0604020202020204" pitchFamily="34" charset="0"/>
+              <a:buChar char="•"/>
+            </a:pPr>
+            <a:r>
+              <a:rPr lang="en-US" altLang="zh-CN" sz="2800" dirty="0" smtClean="0">
+                <a:latin typeface="Meiryo" panose="020B0604030504040204" pitchFamily="34" charset="-128"/>
+                <a:ea typeface="Meiryo" panose="020B0604030504040204" pitchFamily="34" charset="-128"/>
+                <a:cs typeface="Meiryo" panose="020B0604030504040204" pitchFamily="34" charset="-128"/>
+              </a:rPr>
+              <a:t>Tool : Modified </a:t>
+            </a:r>
+            <a:r>
+              <a:rPr lang="en-US" altLang="zh-CN" sz="2800" dirty="0">
+                <a:latin typeface="Meiryo" panose="020B0604030504040204" pitchFamily="34" charset="-128"/>
+                <a:ea typeface="Meiryo" panose="020B0604030504040204" pitchFamily="34" charset="-128"/>
+                <a:cs typeface="Meiryo" panose="020B0604030504040204" pitchFamily="34" charset="-128"/>
+              </a:rPr>
+              <a:t>CaffeNet(</a:t>
+            </a:r>
+            <a:r>
+              <a:rPr lang="en-US" altLang="zh-CN" sz="2800" dirty="0">
+                <a:latin typeface="Meiryo" panose="020B0604030504040204" pitchFamily="34" charset="-128"/>
+                <a:ea typeface="Meiryo" panose="020B0604030504040204" pitchFamily="34" charset="-128"/>
+                <a:cs typeface="Meiryo" panose="020B0604030504040204" pitchFamily="34" charset="-128"/>
+              </a:rPr>
+              <a:t>have fewer nodes in </a:t>
+            </a:r>
+            <a:r>
+              <a:rPr lang="en-US" altLang="zh-CN" sz="2800" dirty="0" smtClean="0">
+                <a:latin typeface="Meiryo" panose="020B0604030504040204" pitchFamily="34" charset="-128"/>
+                <a:ea typeface="Meiryo" panose="020B0604030504040204" pitchFamily="34" charset="-128"/>
+                <a:cs typeface="Meiryo" panose="020B0604030504040204" pitchFamily="34" charset="-128"/>
+              </a:rPr>
+              <a:t>the fully-	connected  layers )</a:t>
+            </a:r>
+          </a:p>
+          <a:p>
+            <a:pPr marL="914400" lvl="1" indent="-457200">
+              <a:lnSpc>
+                <a:spcPct val="200000"/>
+              </a:lnSpc>
+              <a:buFont typeface="Arial" panose="020B0604020202020204" pitchFamily="34" charset="0"/>
+              <a:buChar char="•"/>
+            </a:pPr>
+            <a:r>
+              <a:rPr lang="en-US" altLang="zh-CN" sz="2800" dirty="0" smtClean="0">
+                <a:latin typeface="Meiryo" panose="020B0604030504040204" pitchFamily="34" charset="-128"/>
+                <a:ea typeface="Meiryo" panose="020B0604030504040204" pitchFamily="34" charset="-128"/>
+                <a:cs typeface="Meiryo" panose="020B0604030504040204" pitchFamily="34" charset="-128"/>
+              </a:rPr>
+              <a:t>Formation : 512-demensional featire vector</a:t>
+            </a:r>
+            <a:endParaRPr lang="en-US" altLang="zh-CN" sz="2800" dirty="0">
+              <a:latin typeface="Meiryo" panose="020B0604030504040204" pitchFamily="34" charset="-128"/>
+              <a:ea typeface="Meiryo" panose="020B0604030504040204" pitchFamily="34" charset="-128"/>
+              <a:cs typeface="Meiryo" panose="020B0604030504040204" pitchFamily="34" charset="-128"/>
+            </a:endParaRPr>
+          </a:p>
+        </p:txBody>
+      </p:sp>
+    </p:spTree>
+    <p:extLst>
+      <p:ext uri="{BB962C8B-B14F-4D97-AF65-F5344CB8AC3E}">
+        <p14:creationId xmlns:p14="http://schemas.microsoft.com/office/powerpoint/2010/main" val="1273991850"/>
+      </p:ext>
+    </p:extLst>
+  </p:cSld>
+  <p:clrMapOvr>
+    <a:masterClrMapping/>
+  </p:clrMapOvr>
+  <p:timing>
+    <p:tnLst>
+      <p:par>
+        <p:cTn id="1" dur="indefinite" restart="never" nodeType="tmRoot"/>
+      </p:par>
+    </p:tnLst>
+  </p:timing>
+</p:sld>
+</file>
+
+<file path=ppt/slides/slide36.xml><?xml version="1.0" encoding="utf-8"?>
+<p:sld xmlns:a="http://schemas.openxmlformats.org/drawingml/2006/main" xmlns:r="http://schemas.openxmlformats.org/officeDocument/2006/relationships" xmlns:p="http://schemas.openxmlformats.org/presentationml/2006/main">
+  <p:cSld>
+    <p:spTree>
+      <p:nvGrpSpPr>
+        <p:cNvPr id="1" name=""/>
+        <p:cNvGrpSpPr/>
+        <p:nvPr/>
+      </p:nvGrpSpPr>
+      <p:grpSpPr>
+        <a:xfrm>
+          <a:off x="0" y="0"/>
+          <a:ext cx="0" cy="0"/>
+          <a:chOff x="0" y="0"/>
+          <a:chExt cx="0" cy="0"/>
+        </a:xfrm>
+      </p:grpSpPr>
+      <p:sp>
+        <p:nvSpPr>
+          <p:cNvPr id="9" name="等腰三角形 8"/>
+          <p:cNvSpPr/>
+          <p:nvPr/>
+        </p:nvSpPr>
+        <p:spPr>
+          <a:xfrm rot="4613108">
+            <a:off x="7331460" y="3148738"/>
+            <a:ext cx="4577580" cy="4214762"/>
+          </a:xfrm>
+          <a:prstGeom prst="triangle">
+            <a:avLst/>
+          </a:prstGeom>
+          <a:solidFill>
+            <a:schemeClr val="bg1">
+              <a:lumMod val="95000"/>
+            </a:schemeClr>
+          </a:solidFill>
+          <a:ln>
+            <a:noFill/>
+          </a:ln>
+        </p:spPr>
+        <p:style>
+          <a:lnRef idx="2">
+            <a:schemeClr val="accent1">
+              <a:shade val="50000"/>
+            </a:schemeClr>
+          </a:lnRef>
+          <a:fillRef idx="1">
+            <a:schemeClr val="accent1"/>
+          </a:fillRef>
+          <a:effectRef idx="0">
+            <a:schemeClr val="accent1"/>
+          </a:effectRef>
+          <a:fontRef idx="minor">
+            <a:schemeClr val="lt1"/>
+          </a:fontRef>
+        </p:style>
+        <p:txBody>
+          <a:bodyPr rtlCol="0" anchor="ctr"/>
+          <a:lstStyle/>
+          <a:p>
+            <a:pPr algn="ctr"/>
+            <a:endParaRPr lang="zh-CN" altLang="en-US"/>
+          </a:p>
+        </p:txBody>
+      </p:sp>
+      <p:sp>
+        <p:nvSpPr>
+          <p:cNvPr id="8" name="矩形 7"/>
+          <p:cNvSpPr/>
+          <p:nvPr/>
+        </p:nvSpPr>
+        <p:spPr>
+          <a:xfrm rot="783766">
+            <a:off x="-2197454" y="-2340269"/>
+            <a:ext cx="6006821" cy="3447534"/>
+          </a:xfrm>
+          <a:prstGeom prst="rect">
+            <a:avLst/>
+          </a:prstGeom>
+          <a:solidFill>
+            <a:schemeClr val="bg1">
+              <a:lumMod val="95000"/>
+            </a:schemeClr>
+          </a:solidFill>
+          <a:ln>
+            <a:noFill/>
+          </a:ln>
+        </p:spPr>
+        <p:style>
+          <a:lnRef idx="2">
+            <a:schemeClr val="accent1">
+              <a:shade val="50000"/>
+            </a:schemeClr>
+          </a:lnRef>
+          <a:fillRef idx="1">
+            <a:schemeClr val="accent1"/>
+          </a:fillRef>
+          <a:effectRef idx="0">
+            <a:schemeClr val="accent1"/>
+          </a:effectRef>
+          <a:fontRef idx="minor">
+            <a:schemeClr val="lt1"/>
+          </a:fontRef>
+        </p:style>
+        <p:txBody>
+          <a:bodyPr rtlCol="0" anchor="ctr"/>
+          <a:lstStyle/>
+          <a:p>
+            <a:pPr algn="ctr"/>
+            <a:endParaRPr lang="zh-CN" altLang="en-US"/>
+          </a:p>
+        </p:txBody>
+      </p:sp>
+      <p:sp>
+        <p:nvSpPr>
+          <p:cNvPr id="30" name="文本框 29"/>
+          <p:cNvSpPr txBox="1"/>
+          <p:nvPr/>
+        </p:nvSpPr>
+        <p:spPr>
+          <a:xfrm>
+            <a:off x="662538" y="294935"/>
+            <a:ext cx="9834012" cy="769441"/>
+          </a:xfrm>
+          <a:prstGeom prst="rect">
+            <a:avLst/>
+          </a:prstGeom>
+          <a:noFill/>
+        </p:spPr>
+        <p:txBody>
+          <a:bodyPr wrap="square" rtlCol="0">
+            <a:spAutoFit/>
+          </a:bodyPr>
+          <a:lstStyle/>
+          <a:p>
+            <a:r>
+              <a:rPr lang="en-US" altLang="zh-CN" sz="4400" b="1" dirty="0" smtClean="0">
+                <a:solidFill>
+                  <a:srgbClr val="00ABB4"/>
+                </a:solidFill>
+                <a:latin typeface="微软雅黑" panose="020B0503020204020204" pitchFamily="34" charset="-122"/>
+                <a:ea typeface="微软雅黑" panose="020B0503020204020204" pitchFamily="34" charset="-122"/>
+              </a:rPr>
+              <a:t>2.1 Semantic clustering </a:t>
+            </a:r>
+            <a:r>
+              <a:rPr lang="en-US" altLang="zh-CN" sz="4400" dirty="0" smtClean="0">
+                <a:solidFill>
+                  <a:srgbClr val="00ABB4"/>
+                </a:solidFill>
+                <a:latin typeface="微软雅黑" panose="020B0503020204020204" pitchFamily="34" charset="-122"/>
+                <a:ea typeface="微软雅黑" panose="020B0503020204020204" pitchFamily="34" charset="-122"/>
+              </a:rPr>
+              <a:t>(do with P)</a:t>
+            </a:r>
+            <a:endParaRPr lang="en-US" altLang="zh-CN" sz="4400" dirty="0">
+              <a:solidFill>
+                <a:srgbClr val="00ABB4"/>
+              </a:solidFill>
+              <a:latin typeface="微软雅黑" panose="020B0503020204020204" pitchFamily="34" charset="-122"/>
+              <a:ea typeface="微软雅黑" panose="020B0503020204020204" pitchFamily="34" charset="-122"/>
+            </a:endParaRPr>
+          </a:p>
+        </p:txBody>
+      </p:sp>
+      <p:sp>
+        <p:nvSpPr>
+          <p:cNvPr id="31" name="Rectangle 96"/>
+          <p:cNvSpPr/>
+          <p:nvPr/>
+        </p:nvSpPr>
+        <p:spPr>
+          <a:xfrm>
+            <a:off x="738738" y="1071392"/>
+            <a:ext cx="11529462" cy="5262979"/>
+          </a:xfrm>
+          <a:prstGeom prst="rect">
+            <a:avLst/>
+          </a:prstGeom>
+        </p:spPr>
+        <p:txBody>
+          <a:bodyPr wrap="square">
+            <a:spAutoFit/>
+          </a:bodyPr>
+          <a:lstStyle/>
+          <a:p>
+            <a:pPr marL="457200" indent="-457200">
+              <a:lnSpc>
+                <a:spcPct val="200000"/>
+              </a:lnSpc>
+              <a:buFont typeface="Arial" panose="020B0604020202020204" pitchFamily="34" charset="0"/>
+              <a:buChar char="•"/>
+            </a:pPr>
+            <a:r>
+              <a:rPr lang="en-US" altLang="zh-CN" sz="2800" dirty="0" smtClean="0">
+                <a:latin typeface="Meiryo" panose="020B0604030504040204" pitchFamily="34" charset="-128"/>
+                <a:ea typeface="Meiryo" panose="020B0604030504040204" pitchFamily="34" charset="-128"/>
+                <a:cs typeface="Meiryo" panose="020B0604030504040204" pitchFamily="34" charset="-128"/>
+              </a:rPr>
+              <a:t>Way of clustering: k-means clustering</a:t>
+            </a:r>
+          </a:p>
+          <a:p>
+            <a:pPr marL="457200" indent="-457200">
+              <a:lnSpc>
+                <a:spcPct val="200000"/>
+              </a:lnSpc>
+              <a:buFont typeface="Arial" panose="020B0604020202020204" pitchFamily="34" charset="0"/>
+              <a:buChar char="•"/>
+            </a:pPr>
+            <a:r>
+              <a:rPr lang="en-US" altLang="zh-CN" sz="2800" dirty="0" smtClean="0">
+                <a:latin typeface="Meiryo" panose="020B0604030504040204" pitchFamily="34" charset="-128"/>
+                <a:ea typeface="Meiryo" panose="020B0604030504040204" pitchFamily="34" charset="-128"/>
+                <a:cs typeface="Meiryo" panose="020B0604030504040204" pitchFamily="34" charset="-128"/>
+              </a:rPr>
+              <a:t>1000 clusters (balance the numbers and content classes)</a:t>
+            </a:r>
+          </a:p>
+          <a:p>
+            <a:pPr marL="914400" lvl="1" indent="-457200">
+              <a:lnSpc>
+                <a:spcPct val="200000"/>
+              </a:lnSpc>
+              <a:buFont typeface="Arial" panose="020B0604020202020204" pitchFamily="34" charset="0"/>
+              <a:buChar char="•"/>
+            </a:pPr>
+            <a:r>
+              <a:rPr lang="en-US" altLang="zh-CN" sz="2800" dirty="0" smtClean="0">
+                <a:latin typeface="Meiryo" panose="020B0604030504040204" pitchFamily="34" charset="-128"/>
+                <a:ea typeface="Meiryo" panose="020B0604030504040204" pitchFamily="34" charset="-128"/>
+                <a:cs typeface="Meiryo" panose="020B0604030504040204" pitchFamily="34" charset="-128"/>
+              </a:rPr>
+              <a:t>small </a:t>
+            </a:r>
+            <a:r>
+              <a:rPr lang="en-US" altLang="zh-CN" sz="2800" dirty="0">
+                <a:latin typeface="Meiryo" panose="020B0604030504040204" pitchFamily="34" charset="-128"/>
+                <a:ea typeface="Meiryo" panose="020B0604030504040204" pitchFamily="34" charset="-128"/>
+                <a:cs typeface="Meiryo" panose="020B0604030504040204" pitchFamily="34" charset="-128"/>
+              </a:rPr>
+              <a:t>number of </a:t>
+            </a:r>
+            <a:r>
+              <a:rPr lang="en-US" altLang="zh-CN" sz="2800" dirty="0">
+                <a:latin typeface="Meiryo" panose="020B0604030504040204" pitchFamily="34" charset="-128"/>
+                <a:ea typeface="Meiryo" panose="020B0604030504040204" pitchFamily="34" charset="-128"/>
+                <a:cs typeface="Meiryo" panose="020B0604030504040204" pitchFamily="34" charset="-128"/>
+              </a:rPr>
+              <a:t>clusters </a:t>
+            </a:r>
+            <a:r>
+              <a:rPr lang="en-US" altLang="zh-CN" sz="2800" dirty="0" smtClean="0">
+                <a:latin typeface="Meiryo" panose="020B0604030504040204" pitchFamily="34" charset="-128"/>
+                <a:ea typeface="Meiryo" panose="020B0604030504040204" pitchFamily="34" charset="-128"/>
+                <a:cs typeface="Meiryo" panose="020B0604030504040204" pitchFamily="34" charset="-128"/>
+                <a:sym typeface="Wingdings" panose="05000000000000000000" pitchFamily="2" charset="2"/>
+              </a:rPr>
+              <a:t> </a:t>
+            </a:r>
+            <a:r>
+              <a:rPr lang="en-US" altLang="zh-CN" sz="2800" dirty="0" smtClean="0">
+                <a:latin typeface="Meiryo" panose="020B0604030504040204" pitchFamily="34" charset="-128"/>
+                <a:ea typeface="Meiryo" panose="020B0604030504040204" pitchFamily="34" charset="-128"/>
+                <a:cs typeface="Meiryo" panose="020B0604030504040204" pitchFamily="34" charset="-128"/>
+              </a:rPr>
+              <a:t>different </a:t>
+            </a:r>
+            <a:r>
+              <a:rPr lang="en-US" altLang="zh-CN" sz="2800" dirty="0">
+                <a:latin typeface="Meiryo" panose="020B0604030504040204" pitchFamily="34" charset="-128"/>
+                <a:ea typeface="Meiryo" panose="020B0604030504040204" pitchFamily="34" charset="-128"/>
+                <a:cs typeface="Meiryo" panose="020B0604030504040204" pitchFamily="34" charset="-128"/>
+              </a:rPr>
+              <a:t>content classes being grouped in the </a:t>
+            </a:r>
+            <a:r>
+              <a:rPr lang="en-US" altLang="zh-CN" sz="2800" dirty="0">
+                <a:latin typeface="Meiryo" panose="020B0604030504040204" pitchFamily="34" charset="-128"/>
+                <a:ea typeface="Meiryo" panose="020B0604030504040204" pitchFamily="34" charset="-128"/>
+                <a:cs typeface="Meiryo" panose="020B0604030504040204" pitchFamily="34" charset="-128"/>
+              </a:rPr>
+              <a:t>same cluster </a:t>
+            </a:r>
+          </a:p>
+          <a:p>
+            <a:pPr marL="914400" lvl="1" indent="-457200">
+              <a:lnSpc>
+                <a:spcPct val="200000"/>
+              </a:lnSpc>
+              <a:buFont typeface="Arial" panose="020B0604020202020204" pitchFamily="34" charset="0"/>
+              <a:buChar char="•"/>
+            </a:pPr>
+            <a:r>
+              <a:rPr lang="en-US" altLang="zh-CN" sz="2800" dirty="0" smtClean="0">
+                <a:latin typeface="Meiryo" panose="020B0604030504040204" pitchFamily="34" charset="-128"/>
+                <a:ea typeface="Meiryo" panose="020B0604030504040204" pitchFamily="34" charset="-128"/>
+                <a:cs typeface="Meiryo" panose="020B0604030504040204" pitchFamily="34" charset="-128"/>
+              </a:rPr>
+              <a:t>large </a:t>
+            </a:r>
+            <a:r>
+              <a:rPr lang="en-US" altLang="zh-CN" sz="2800" dirty="0">
+                <a:latin typeface="Meiryo" panose="020B0604030504040204" pitchFamily="34" charset="-128"/>
+                <a:ea typeface="Meiryo" panose="020B0604030504040204" pitchFamily="34" charset="-128"/>
+                <a:cs typeface="Meiryo" panose="020B0604030504040204" pitchFamily="34" charset="-128"/>
+              </a:rPr>
+              <a:t>number of clusters </a:t>
+            </a:r>
+            <a:r>
+              <a:rPr lang="en-US" altLang="zh-CN" sz="2800" dirty="0" smtClean="0">
+                <a:latin typeface="Meiryo" panose="020B0604030504040204" pitchFamily="34" charset="-128"/>
+                <a:ea typeface="Meiryo" panose="020B0604030504040204" pitchFamily="34" charset="-128"/>
+                <a:cs typeface="Meiryo" panose="020B0604030504040204" pitchFamily="34" charset="-128"/>
+                <a:sym typeface="Wingdings" panose="05000000000000000000" pitchFamily="2" charset="2"/>
+              </a:rPr>
+              <a:t></a:t>
+            </a:r>
+            <a:r>
+              <a:rPr lang="en-US" altLang="zh-CN" sz="2800" dirty="0" smtClean="0">
+                <a:latin typeface="Meiryo" panose="020B0604030504040204" pitchFamily="34" charset="-128"/>
+                <a:ea typeface="Meiryo" panose="020B0604030504040204" pitchFamily="34" charset="-128"/>
+                <a:cs typeface="Meiryo" panose="020B0604030504040204" pitchFamily="34" charset="-128"/>
+              </a:rPr>
+              <a:t>the </a:t>
+            </a:r>
+            <a:r>
+              <a:rPr lang="en-US" altLang="zh-CN" sz="2800" dirty="0">
+                <a:latin typeface="Meiryo" panose="020B0604030504040204" pitchFamily="34" charset="-128"/>
+                <a:ea typeface="Meiryo" panose="020B0604030504040204" pitchFamily="34" charset="-128"/>
+                <a:cs typeface="Meiryo" panose="020B0604030504040204" pitchFamily="34" charset="-128"/>
+              </a:rPr>
+              <a:t>style variations </a:t>
+            </a:r>
+            <a:r>
+              <a:rPr lang="en-US" altLang="zh-CN" sz="2800" dirty="0">
+                <a:latin typeface="Meiryo" panose="020B0604030504040204" pitchFamily="34" charset="-128"/>
+                <a:ea typeface="Meiryo" panose="020B0604030504040204" pitchFamily="34" charset="-128"/>
+                <a:cs typeface="Meiryo" panose="020B0604030504040204" pitchFamily="34" charset="-128"/>
+              </a:rPr>
+              <a:t>of the same content class of images being </a:t>
+            </a:r>
+            <a:r>
+              <a:rPr lang="en-US" altLang="zh-CN" sz="2800" dirty="0">
+                <a:latin typeface="Meiryo" panose="020B0604030504040204" pitchFamily="34" charset="-128"/>
+                <a:ea typeface="Meiryo" panose="020B0604030504040204" pitchFamily="34" charset="-128"/>
+                <a:cs typeface="Meiryo" panose="020B0604030504040204" pitchFamily="34" charset="-128"/>
+              </a:rPr>
+              <a:t>split into </a:t>
+            </a:r>
+            <a:r>
+              <a:rPr lang="en-US" altLang="zh-CN" sz="2800" dirty="0">
+                <a:latin typeface="Meiryo" panose="020B0604030504040204" pitchFamily="34" charset="-128"/>
+                <a:ea typeface="Meiryo" panose="020B0604030504040204" pitchFamily="34" charset="-128"/>
+                <a:cs typeface="Meiryo" panose="020B0604030504040204" pitchFamily="34" charset="-128"/>
+              </a:rPr>
+              <a:t>different </a:t>
+            </a:r>
+            <a:r>
+              <a:rPr lang="en-US" altLang="zh-CN" sz="2800" dirty="0">
+                <a:latin typeface="Meiryo" panose="020B0604030504040204" pitchFamily="34" charset="-128"/>
+                <a:ea typeface="Meiryo" panose="020B0604030504040204" pitchFamily="34" charset="-128"/>
+                <a:cs typeface="Meiryo" panose="020B0604030504040204" pitchFamily="34" charset="-128"/>
+              </a:rPr>
+              <a:t>clusters</a:t>
+            </a:r>
+            <a:endParaRPr lang="en-US" altLang="zh-CN" sz="2800" dirty="0">
+              <a:latin typeface="Meiryo" panose="020B0604030504040204" pitchFamily="34" charset="-128"/>
+              <a:ea typeface="Meiryo" panose="020B0604030504040204" pitchFamily="34" charset="-128"/>
+              <a:cs typeface="Meiryo" panose="020B0604030504040204" pitchFamily="34" charset="-128"/>
+            </a:endParaRPr>
+          </a:p>
+        </p:txBody>
+      </p:sp>
+    </p:spTree>
+    <p:extLst>
+      <p:ext uri="{BB962C8B-B14F-4D97-AF65-F5344CB8AC3E}">
+        <p14:creationId xmlns:p14="http://schemas.microsoft.com/office/powerpoint/2010/main" val="3978961637"/>
+      </p:ext>
+    </p:extLst>
+  </p:cSld>
+  <p:clrMapOvr>
+    <a:masterClrMapping/>
+  </p:clrMapOvr>
+  <p:timing>
+    <p:tnLst>
+      <p:par>
+        <p:cTn id="1" dur="indefinite" restart="never" nodeType="tmRoot"/>
+      </p:par>
+    </p:tnLst>
+  </p:timing>
+</p:sld>
+</file>
+
+<file path=ppt/slides/slide37.xml><?xml version="1.0" encoding="utf-8"?>
+<p:sld xmlns:a="http://schemas.openxmlformats.org/drawingml/2006/main" xmlns:r="http://schemas.openxmlformats.org/officeDocument/2006/relationships" xmlns:p="http://schemas.openxmlformats.org/presentationml/2006/main">
+  <p:cSld>
+    <p:spTree>
+      <p:nvGrpSpPr>
+        <p:cNvPr id="1" name=""/>
+        <p:cNvGrpSpPr/>
+        <p:nvPr/>
+      </p:nvGrpSpPr>
+      <p:grpSpPr>
+        <a:xfrm>
+          <a:off x="0" y="0"/>
+          <a:ext cx="0" cy="0"/>
+          <a:chOff x="0" y="0"/>
+          <a:chExt cx="0" cy="0"/>
+        </a:xfrm>
+      </p:grpSpPr>
+      <p:sp>
+        <p:nvSpPr>
+          <p:cNvPr id="3" name="文本框 2"/>
+          <p:cNvSpPr txBox="1"/>
+          <p:nvPr/>
+        </p:nvSpPr>
+        <p:spPr>
+          <a:xfrm>
+            <a:off x="2618510" y="2333008"/>
+            <a:ext cx="6964407" cy="1261884"/>
+          </a:xfrm>
+          <a:prstGeom prst="rect">
+            <a:avLst/>
+          </a:prstGeom>
+          <a:noFill/>
+        </p:spPr>
+        <p:txBody>
+          <a:bodyPr wrap="none" rtlCol="0">
+            <a:spAutoFit/>
+          </a:bodyPr>
+          <a:lstStyle/>
+          <a:p>
+            <a:pPr algn="ctr"/>
+            <a:r>
+              <a:rPr lang="en-US" altLang="zh-CN" sz="3800" b="1" dirty="0" smtClean="0">
+                <a:solidFill>
+                  <a:srgbClr val="00ABB4"/>
+                </a:solidFill>
+                <a:effectLst>
+                  <a:outerShdw blurRad="38100" dist="38100" dir="2700000" algn="tl">
+                    <a:srgbClr val="000000">
+                      <a:alpha val="43137"/>
+                    </a:srgbClr>
+                  </a:outerShdw>
+                </a:effectLst>
+                <a:latin typeface="微软雅黑" panose="020B0503020204020204" pitchFamily="34" charset="-122"/>
+                <a:ea typeface="微软雅黑" panose="020B0503020204020204" pitchFamily="34" charset="-122"/>
+              </a:rPr>
+              <a:t>Thank you all for listening~</a:t>
+            </a:r>
+            <a:r>
+              <a:rPr lang="en-US" altLang="zh-CN" sz="3800" b="1" dirty="0">
+                <a:solidFill>
+                  <a:srgbClr val="00ABB4"/>
+                </a:solidFill>
+                <a:effectLst>
+                  <a:outerShdw blurRad="38100" dist="38100" dir="2700000" algn="tl">
+                    <a:srgbClr val="000000">
+                      <a:alpha val="43137"/>
+                    </a:srgbClr>
+                  </a:outerShdw>
+                </a:effectLst>
+                <a:latin typeface="微软雅黑" panose="020B0503020204020204" pitchFamily="34" charset="-122"/>
+                <a:ea typeface="微软雅黑" panose="020B0503020204020204" pitchFamily="34" charset="-122"/>
+              </a:rPr>
+              <a:t/>
+            </a:r>
+            <a:br>
+              <a:rPr lang="en-US" altLang="zh-CN" sz="3800" b="1" dirty="0">
+                <a:solidFill>
+                  <a:srgbClr val="00ABB4"/>
+                </a:solidFill>
+                <a:effectLst>
+                  <a:outerShdw blurRad="38100" dist="38100" dir="2700000" algn="tl">
+                    <a:srgbClr val="000000">
+                      <a:alpha val="43137"/>
+                    </a:srgbClr>
+                  </a:outerShdw>
+                </a:effectLst>
+                <a:latin typeface="微软雅黑" panose="020B0503020204020204" pitchFamily="34" charset="-122"/>
+                <a:ea typeface="微软雅黑" panose="020B0503020204020204" pitchFamily="34" charset="-122"/>
+              </a:rPr>
+            </a:br>
+            <a:endParaRPr lang="en-US" altLang="zh-CN" sz="3800" b="1" dirty="0">
+              <a:solidFill>
+                <a:srgbClr val="00ABB4"/>
+              </a:solidFill>
+              <a:effectLst>
+                <a:outerShdw blurRad="38100" dist="38100" dir="2700000" algn="tl">
+                  <a:srgbClr val="000000">
+                    <a:alpha val="43137"/>
+                  </a:srgbClr>
+                </a:outerShdw>
+              </a:effectLst>
+              <a:latin typeface="微软雅黑" panose="020B0503020204020204" pitchFamily="34" charset="-122"/>
+              <a:ea typeface="微软雅黑" panose="020B0503020204020204" pitchFamily="34" charset="-122"/>
+            </a:endParaRPr>
+          </a:p>
+        </p:txBody>
+      </p:sp>
+    </p:spTree>
+    <p:extLst>
+      <p:ext uri="{BB962C8B-B14F-4D97-AF65-F5344CB8AC3E}">
+        <p14:creationId xmlns:p14="http://schemas.microsoft.com/office/powerpoint/2010/main" val="3711594375"/>
       </p:ext>
     </p:extLst>
   </p:cSld>

--- a/ComputerVision.pptx
+++ b/ComputerVision.pptx
@@ -5,7 +5,7 @@
     <p:sldMasterId id="2147483648" r:id="rId1"/>
   </p:sldMasterIdLst>
   <p:notesMasterIdLst>
-    <p:notesMasterId r:id="rId39"/>
+    <p:notesMasterId r:id="rId47"/>
   </p:notesMasterIdLst>
   <p:sldIdLst>
     <p:sldId id="442" r:id="rId2"/>
@@ -44,7 +44,15 @@
     <p:sldId id="509" r:id="rId35"/>
     <p:sldId id="510" r:id="rId36"/>
     <p:sldId id="511" r:id="rId37"/>
-    <p:sldId id="303" r:id="rId38"/>
+    <p:sldId id="512" r:id="rId38"/>
+    <p:sldId id="513" r:id="rId39"/>
+    <p:sldId id="514" r:id="rId40"/>
+    <p:sldId id="515" r:id="rId41"/>
+    <p:sldId id="517" r:id="rId42"/>
+    <p:sldId id="516" r:id="rId43"/>
+    <p:sldId id="518" r:id="rId44"/>
+    <p:sldId id="519" r:id="rId45"/>
+    <p:sldId id="303" r:id="rId46"/>
   </p:sldIdLst>
   <p:sldSz cx="12192000" cy="6858000"/>
   <p:notesSz cx="6858000" cy="9144000"/>
@@ -3047,6 +3055,258 @@
 </p:notes>
 </file>
 
+<file path=ppt/notesSlides/notesSlide37.xml><?xml version="1.0" encoding="utf-8"?>
+<p:notes xmlns:a="http://schemas.openxmlformats.org/drawingml/2006/main" xmlns:r="http://schemas.openxmlformats.org/officeDocument/2006/relationships" xmlns:p="http://schemas.openxmlformats.org/presentationml/2006/main">
+  <p:cSld>
+    <p:spTree>
+      <p:nvGrpSpPr>
+        <p:cNvPr id="1" name=""/>
+        <p:cNvGrpSpPr/>
+        <p:nvPr/>
+      </p:nvGrpSpPr>
+      <p:grpSpPr>
+        <a:xfrm>
+          <a:off x="0" y="0"/>
+          <a:ext cx="0" cy="0"/>
+          <a:chOff x="0" y="0"/>
+          <a:chExt cx="0" cy="0"/>
+        </a:xfrm>
+      </p:grpSpPr>
+      <p:sp>
+        <p:nvSpPr>
+          <p:cNvPr id="2" name="幻灯片图像占位符 1"/>
+          <p:cNvSpPr>
+            <a:spLocks noGrp="1" noRot="1" noChangeAspect="1"/>
+          </p:cNvSpPr>
+          <p:nvPr>
+            <p:ph type="sldImg"/>
+          </p:nvPr>
+        </p:nvSpPr>
+        <p:spPr/>
+      </p:sp>
+      <p:sp>
+        <p:nvSpPr>
+          <p:cNvPr id="3" name="备注占位符 2"/>
+          <p:cNvSpPr>
+            <a:spLocks noGrp="1"/>
+          </p:cNvSpPr>
+          <p:nvPr>
+            <p:ph type="body" idx="1"/>
+          </p:nvPr>
+        </p:nvSpPr>
+        <p:spPr/>
+        <p:txBody>
+          <a:bodyPr/>
+          <a:lstStyle/>
+          <a:p>
+            <a:endParaRPr lang="zh-CN" altLang="en-US" dirty="0"/>
+          </a:p>
+        </p:txBody>
+      </p:sp>
+      <p:sp>
+        <p:nvSpPr>
+          <p:cNvPr id="4" name="灯片编号占位符 3"/>
+          <p:cNvSpPr>
+            <a:spLocks noGrp="1"/>
+          </p:cNvSpPr>
+          <p:nvPr>
+            <p:ph type="sldNum" sz="quarter" idx="10"/>
+          </p:nvPr>
+        </p:nvSpPr>
+        <p:spPr/>
+        <p:txBody>
+          <a:bodyPr/>
+          <a:lstStyle/>
+          <a:p>
+            <a:fld id="{DD202784-B46A-4EF4-B218-4316F9133D14}" type="slidenum">
+              <a:rPr lang="zh-CN" altLang="en-US" smtClean="0"/>
+              <a:t>37</a:t>
+            </a:fld>
+            <a:endParaRPr lang="zh-CN" altLang="en-US"/>
+          </a:p>
+        </p:txBody>
+      </p:sp>
+    </p:spTree>
+    <p:extLst>
+      <p:ext uri="{BB962C8B-B14F-4D97-AF65-F5344CB8AC3E}">
+        <p14:creationId xmlns:p14="http://schemas.microsoft.com/office/powerpoint/2010/main" val="3776015239"/>
+      </p:ext>
+    </p:extLst>
+  </p:cSld>
+  <p:clrMapOvr>
+    <a:masterClrMapping/>
+  </p:clrMapOvr>
+</p:notes>
+</file>
+
+<file path=ppt/notesSlides/notesSlide38.xml><?xml version="1.0" encoding="utf-8"?>
+<p:notes xmlns:a="http://schemas.openxmlformats.org/drawingml/2006/main" xmlns:r="http://schemas.openxmlformats.org/officeDocument/2006/relationships" xmlns:p="http://schemas.openxmlformats.org/presentationml/2006/main">
+  <p:cSld>
+    <p:spTree>
+      <p:nvGrpSpPr>
+        <p:cNvPr id="1" name=""/>
+        <p:cNvGrpSpPr/>
+        <p:nvPr/>
+      </p:nvGrpSpPr>
+      <p:grpSpPr>
+        <a:xfrm>
+          <a:off x="0" y="0"/>
+          <a:ext cx="0" cy="0"/>
+          <a:chOff x="0" y="0"/>
+          <a:chExt cx="0" cy="0"/>
+        </a:xfrm>
+      </p:grpSpPr>
+      <p:sp>
+        <p:nvSpPr>
+          <p:cNvPr id="2" name="幻灯片图像占位符 1"/>
+          <p:cNvSpPr>
+            <a:spLocks noGrp="1" noRot="1" noChangeAspect="1"/>
+          </p:cNvSpPr>
+          <p:nvPr>
+            <p:ph type="sldImg"/>
+          </p:nvPr>
+        </p:nvSpPr>
+        <p:spPr/>
+      </p:sp>
+      <p:sp>
+        <p:nvSpPr>
+          <p:cNvPr id="3" name="备注占位符 2"/>
+          <p:cNvSpPr>
+            <a:spLocks noGrp="1"/>
+          </p:cNvSpPr>
+          <p:nvPr>
+            <p:ph type="body" idx="1"/>
+          </p:nvPr>
+        </p:nvSpPr>
+        <p:spPr/>
+        <p:txBody>
+          <a:bodyPr/>
+          <a:lstStyle/>
+          <a:p>
+            <a:endParaRPr lang="zh-CN" altLang="en-US" dirty="0"/>
+          </a:p>
+        </p:txBody>
+      </p:sp>
+      <p:sp>
+        <p:nvSpPr>
+          <p:cNvPr id="4" name="灯片编号占位符 3"/>
+          <p:cNvSpPr>
+            <a:spLocks noGrp="1"/>
+          </p:cNvSpPr>
+          <p:nvPr>
+            <p:ph type="sldNum" sz="quarter" idx="10"/>
+          </p:nvPr>
+        </p:nvSpPr>
+        <p:spPr/>
+        <p:txBody>
+          <a:bodyPr/>
+          <a:lstStyle/>
+          <a:p>
+            <a:fld id="{DD202784-B46A-4EF4-B218-4316F9133D14}" type="slidenum">
+              <a:rPr lang="zh-CN" altLang="en-US" smtClean="0"/>
+              <a:t>38</a:t>
+            </a:fld>
+            <a:endParaRPr lang="zh-CN" altLang="en-US"/>
+          </a:p>
+        </p:txBody>
+      </p:sp>
+    </p:spTree>
+    <p:extLst>
+      <p:ext uri="{BB962C8B-B14F-4D97-AF65-F5344CB8AC3E}">
+        <p14:creationId xmlns:p14="http://schemas.microsoft.com/office/powerpoint/2010/main" val="3776015239"/>
+      </p:ext>
+    </p:extLst>
+  </p:cSld>
+  <p:clrMapOvr>
+    <a:masterClrMapping/>
+  </p:clrMapOvr>
+</p:notes>
+</file>
+
+<file path=ppt/notesSlides/notesSlide39.xml><?xml version="1.0" encoding="utf-8"?>
+<p:notes xmlns:a="http://schemas.openxmlformats.org/drawingml/2006/main" xmlns:r="http://schemas.openxmlformats.org/officeDocument/2006/relationships" xmlns:p="http://schemas.openxmlformats.org/presentationml/2006/main">
+  <p:cSld>
+    <p:spTree>
+      <p:nvGrpSpPr>
+        <p:cNvPr id="1" name=""/>
+        <p:cNvGrpSpPr/>
+        <p:nvPr/>
+      </p:nvGrpSpPr>
+      <p:grpSpPr>
+        <a:xfrm>
+          <a:off x="0" y="0"/>
+          <a:ext cx="0" cy="0"/>
+          <a:chOff x="0" y="0"/>
+          <a:chExt cx="0" cy="0"/>
+        </a:xfrm>
+      </p:grpSpPr>
+      <p:sp>
+        <p:nvSpPr>
+          <p:cNvPr id="2" name="幻灯片图像占位符 1"/>
+          <p:cNvSpPr>
+            <a:spLocks noGrp="1" noRot="1" noChangeAspect="1"/>
+          </p:cNvSpPr>
+          <p:nvPr>
+            <p:ph type="sldImg"/>
+          </p:nvPr>
+        </p:nvSpPr>
+        <p:spPr/>
+      </p:sp>
+      <p:sp>
+        <p:nvSpPr>
+          <p:cNvPr id="3" name="备注占位符 2"/>
+          <p:cNvSpPr>
+            <a:spLocks noGrp="1"/>
+          </p:cNvSpPr>
+          <p:nvPr>
+            <p:ph type="body" idx="1"/>
+          </p:nvPr>
+        </p:nvSpPr>
+        <p:spPr/>
+        <p:txBody>
+          <a:bodyPr/>
+          <a:lstStyle/>
+          <a:p>
+            <a:endParaRPr lang="zh-CN" altLang="en-US" dirty="0"/>
+          </a:p>
+        </p:txBody>
+      </p:sp>
+      <p:sp>
+        <p:nvSpPr>
+          <p:cNvPr id="4" name="灯片编号占位符 3"/>
+          <p:cNvSpPr>
+            <a:spLocks noGrp="1"/>
+          </p:cNvSpPr>
+          <p:nvPr>
+            <p:ph type="sldNum" sz="quarter" idx="10"/>
+          </p:nvPr>
+        </p:nvSpPr>
+        <p:spPr/>
+        <p:txBody>
+          <a:bodyPr/>
+          <a:lstStyle/>
+          <a:p>
+            <a:fld id="{DD202784-B46A-4EF4-B218-4316F9133D14}" type="slidenum">
+              <a:rPr lang="zh-CN" altLang="en-US" smtClean="0"/>
+              <a:t>39</a:t>
+            </a:fld>
+            <a:endParaRPr lang="zh-CN" altLang="en-US"/>
+          </a:p>
+        </p:txBody>
+      </p:sp>
+    </p:spTree>
+    <p:extLst>
+      <p:ext uri="{BB962C8B-B14F-4D97-AF65-F5344CB8AC3E}">
+        <p14:creationId xmlns:p14="http://schemas.microsoft.com/office/powerpoint/2010/main" val="3776015239"/>
+      </p:ext>
+    </p:extLst>
+  </p:cSld>
+  <p:clrMapOvr>
+    <a:masterClrMapping/>
+  </p:clrMapOvr>
+</p:notes>
+</file>
+
 <file path=ppt/notesSlides/notesSlide4.xml><?xml version="1.0" encoding="utf-8"?>
 <p:notes xmlns:a="http://schemas.openxmlformats.org/drawingml/2006/main" xmlns:r="http://schemas.openxmlformats.org/officeDocument/2006/relationships" xmlns:p="http://schemas.openxmlformats.org/presentationml/2006/main">
   <p:cSld>
@@ -3113,6 +3373,466 @@
             <a:fld id="{DD202784-B46A-4EF4-B218-4316F9133D14}" type="slidenum">
               <a:rPr lang="zh-CN" altLang="en-US" smtClean="0"/>
               <a:t>4</a:t>
+            </a:fld>
+            <a:endParaRPr lang="zh-CN" altLang="en-US"/>
+          </a:p>
+        </p:txBody>
+      </p:sp>
+    </p:spTree>
+    <p:extLst>
+      <p:ext uri="{BB962C8B-B14F-4D97-AF65-F5344CB8AC3E}">
+        <p14:creationId xmlns:p14="http://schemas.microsoft.com/office/powerpoint/2010/main" val="3776015239"/>
+      </p:ext>
+    </p:extLst>
+  </p:cSld>
+  <p:clrMapOvr>
+    <a:masterClrMapping/>
+  </p:clrMapOvr>
+</p:notes>
+</file>
+
+<file path=ppt/notesSlides/notesSlide40.xml><?xml version="1.0" encoding="utf-8"?>
+<p:notes xmlns:a="http://schemas.openxmlformats.org/drawingml/2006/main" xmlns:r="http://schemas.openxmlformats.org/officeDocument/2006/relationships" xmlns:p="http://schemas.openxmlformats.org/presentationml/2006/main">
+  <p:cSld>
+    <p:spTree>
+      <p:nvGrpSpPr>
+        <p:cNvPr id="1" name=""/>
+        <p:cNvGrpSpPr/>
+        <p:nvPr/>
+      </p:nvGrpSpPr>
+      <p:grpSpPr>
+        <a:xfrm>
+          <a:off x="0" y="0"/>
+          <a:ext cx="0" cy="0"/>
+          <a:chOff x="0" y="0"/>
+          <a:chExt cx="0" cy="0"/>
+        </a:xfrm>
+      </p:grpSpPr>
+      <p:sp>
+        <p:nvSpPr>
+          <p:cNvPr id="2" name="幻灯片图像占位符 1"/>
+          <p:cNvSpPr>
+            <a:spLocks noGrp="1" noRot="1" noChangeAspect="1"/>
+          </p:cNvSpPr>
+          <p:nvPr>
+            <p:ph type="sldImg"/>
+          </p:nvPr>
+        </p:nvSpPr>
+        <p:spPr/>
+      </p:sp>
+      <p:sp>
+        <p:nvSpPr>
+          <p:cNvPr id="3" name="备注占位符 2"/>
+          <p:cNvSpPr>
+            <a:spLocks noGrp="1"/>
+          </p:cNvSpPr>
+          <p:nvPr>
+            <p:ph type="body" idx="1"/>
+          </p:nvPr>
+        </p:nvSpPr>
+        <p:spPr/>
+        <p:txBody>
+          <a:bodyPr/>
+          <a:lstStyle/>
+          <a:p>
+            <a:r>
+              <a:rPr lang="en-US" altLang="zh-CN" dirty="0" smtClean="0"/>
+              <a:t>CK</a:t>
+            </a:r>
+            <a:r>
+              <a:rPr lang="zh-CN" altLang="en-US" dirty="0" smtClean="0"/>
+              <a:t>：</a:t>
+            </a:r>
+            <a:r>
+              <a:rPr lang="en-US" altLang="zh-CN" dirty="0" smtClean="0"/>
+              <a:t>each semantic cluster in the large photo collection</a:t>
+            </a:r>
+          </a:p>
+          <a:p>
+            <a:r>
+              <a:rPr lang="en-US" altLang="zh-CN" dirty="0" smtClean="0"/>
+              <a:t>P</a:t>
+            </a:r>
+            <a:r>
+              <a:rPr lang="en-US" altLang="zh-CN" baseline="0" dirty="0" smtClean="0"/>
+              <a:t> : each image in cluster CK</a:t>
+            </a:r>
+          </a:p>
+          <a:p>
+            <a:r>
+              <a:rPr lang="en-US" altLang="zh-CN" baseline="0" dirty="0" smtClean="0"/>
+              <a:t>S : a exemplar in S(style database)</a:t>
+            </a:r>
+          </a:p>
+          <a:p>
+            <a:r>
+              <a:rPr lang="en-US" altLang="zh-CN" baseline="0" dirty="0" smtClean="0"/>
+              <a:t>RK(S) : for each S each CK, there is one this figure</a:t>
+            </a:r>
+          </a:p>
+          <a:p>
+            <a:r>
+              <a:rPr lang="en-US" altLang="zh-CN" baseline="0" dirty="0" smtClean="0"/>
+              <a:t>Get all R about CK ,then rank them </a:t>
+            </a:r>
+            <a:endParaRPr lang="zh-CN" altLang="en-US" dirty="0"/>
+          </a:p>
+        </p:txBody>
+      </p:sp>
+      <p:sp>
+        <p:nvSpPr>
+          <p:cNvPr id="4" name="灯片编号占位符 3"/>
+          <p:cNvSpPr>
+            <a:spLocks noGrp="1"/>
+          </p:cNvSpPr>
+          <p:nvPr>
+            <p:ph type="sldNum" sz="quarter" idx="10"/>
+          </p:nvPr>
+        </p:nvSpPr>
+        <p:spPr/>
+        <p:txBody>
+          <a:bodyPr/>
+          <a:lstStyle/>
+          <a:p>
+            <a:fld id="{DD202784-B46A-4EF4-B218-4316F9133D14}" type="slidenum">
+              <a:rPr lang="zh-CN" altLang="en-US" smtClean="0"/>
+              <a:t>40</a:t>
+            </a:fld>
+            <a:endParaRPr lang="zh-CN" altLang="en-US"/>
+          </a:p>
+        </p:txBody>
+      </p:sp>
+    </p:spTree>
+    <p:extLst>
+      <p:ext uri="{BB962C8B-B14F-4D97-AF65-F5344CB8AC3E}">
+        <p14:creationId xmlns:p14="http://schemas.microsoft.com/office/powerpoint/2010/main" val="3776015239"/>
+      </p:ext>
+    </p:extLst>
+  </p:cSld>
+  <p:clrMapOvr>
+    <a:masterClrMapping/>
+  </p:clrMapOvr>
+</p:notes>
+</file>
+
+<file path=ppt/notesSlides/notesSlide41.xml><?xml version="1.0" encoding="utf-8"?>
+<p:notes xmlns:a="http://schemas.openxmlformats.org/drawingml/2006/main" xmlns:r="http://schemas.openxmlformats.org/officeDocument/2006/relationships" xmlns:p="http://schemas.openxmlformats.org/presentationml/2006/main">
+  <p:cSld>
+    <p:spTree>
+      <p:nvGrpSpPr>
+        <p:cNvPr id="1" name=""/>
+        <p:cNvGrpSpPr/>
+        <p:nvPr/>
+      </p:nvGrpSpPr>
+      <p:grpSpPr>
+        <a:xfrm>
+          <a:off x="0" y="0"/>
+          <a:ext cx="0" cy="0"/>
+          <a:chOff x="0" y="0"/>
+          <a:chExt cx="0" cy="0"/>
+        </a:xfrm>
+      </p:grpSpPr>
+      <p:sp>
+        <p:nvSpPr>
+          <p:cNvPr id="2" name="幻灯片图像占位符 1"/>
+          <p:cNvSpPr>
+            <a:spLocks noGrp="1" noRot="1" noChangeAspect="1"/>
+          </p:cNvSpPr>
+          <p:nvPr>
+            <p:ph type="sldImg"/>
+          </p:nvPr>
+        </p:nvSpPr>
+        <p:spPr/>
+      </p:sp>
+      <p:sp>
+        <p:nvSpPr>
+          <p:cNvPr id="3" name="备注占位符 2"/>
+          <p:cNvSpPr>
+            <a:spLocks noGrp="1"/>
+          </p:cNvSpPr>
+          <p:nvPr>
+            <p:ph type="body" idx="1"/>
+          </p:nvPr>
+        </p:nvSpPr>
+        <p:spPr/>
+        <p:txBody>
+          <a:bodyPr/>
+          <a:lstStyle/>
+          <a:p>
+            <a:endParaRPr lang="zh-CN" altLang="en-US" dirty="0"/>
+          </a:p>
+        </p:txBody>
+      </p:sp>
+      <p:sp>
+        <p:nvSpPr>
+          <p:cNvPr id="4" name="灯片编号占位符 3"/>
+          <p:cNvSpPr>
+            <a:spLocks noGrp="1"/>
+          </p:cNvSpPr>
+          <p:nvPr>
+            <p:ph type="sldNum" sz="quarter" idx="10"/>
+          </p:nvPr>
+        </p:nvSpPr>
+        <p:spPr/>
+        <p:txBody>
+          <a:bodyPr/>
+          <a:lstStyle/>
+          <a:p>
+            <a:fld id="{DD202784-B46A-4EF4-B218-4316F9133D14}" type="slidenum">
+              <a:rPr lang="zh-CN" altLang="en-US" smtClean="0"/>
+              <a:t>41</a:t>
+            </a:fld>
+            <a:endParaRPr lang="zh-CN" altLang="en-US"/>
+          </a:p>
+        </p:txBody>
+      </p:sp>
+    </p:spTree>
+    <p:extLst>
+      <p:ext uri="{BB962C8B-B14F-4D97-AF65-F5344CB8AC3E}">
+        <p14:creationId xmlns:p14="http://schemas.microsoft.com/office/powerpoint/2010/main" val="3776015239"/>
+      </p:ext>
+    </p:extLst>
+  </p:cSld>
+  <p:clrMapOvr>
+    <a:masterClrMapping/>
+  </p:clrMapOvr>
+</p:notes>
+</file>
+
+<file path=ppt/notesSlides/notesSlide42.xml><?xml version="1.0" encoding="utf-8"?>
+<p:notes xmlns:a="http://schemas.openxmlformats.org/drawingml/2006/main" xmlns:r="http://schemas.openxmlformats.org/officeDocument/2006/relationships" xmlns:p="http://schemas.openxmlformats.org/presentationml/2006/main">
+  <p:cSld>
+    <p:spTree>
+      <p:nvGrpSpPr>
+        <p:cNvPr id="1" name=""/>
+        <p:cNvGrpSpPr/>
+        <p:nvPr/>
+      </p:nvGrpSpPr>
+      <p:grpSpPr>
+        <a:xfrm>
+          <a:off x="0" y="0"/>
+          <a:ext cx="0" cy="0"/>
+          <a:chOff x="0" y="0"/>
+          <a:chExt cx="0" cy="0"/>
+        </a:xfrm>
+      </p:grpSpPr>
+      <p:sp>
+        <p:nvSpPr>
+          <p:cNvPr id="2" name="幻灯片图像占位符 1"/>
+          <p:cNvSpPr>
+            <a:spLocks noGrp="1" noRot="1" noChangeAspect="1"/>
+          </p:cNvSpPr>
+          <p:nvPr>
+            <p:ph type="sldImg"/>
+          </p:nvPr>
+        </p:nvSpPr>
+        <p:spPr/>
+      </p:sp>
+      <p:sp>
+        <p:nvSpPr>
+          <p:cNvPr id="3" name="备注占位符 2"/>
+          <p:cNvSpPr>
+            <a:spLocks noGrp="1"/>
+          </p:cNvSpPr>
+          <p:nvPr>
+            <p:ph type="body" idx="1"/>
+          </p:nvPr>
+        </p:nvSpPr>
+        <p:spPr/>
+        <p:txBody>
+          <a:bodyPr/>
+          <a:lstStyle/>
+          <a:p>
+            <a:endParaRPr lang="zh-CN" altLang="en-US" dirty="0"/>
+          </a:p>
+        </p:txBody>
+      </p:sp>
+      <p:sp>
+        <p:nvSpPr>
+          <p:cNvPr id="4" name="灯片编号占位符 3"/>
+          <p:cNvSpPr>
+            <a:spLocks noGrp="1"/>
+          </p:cNvSpPr>
+          <p:nvPr>
+            <p:ph type="sldNum" sz="quarter" idx="10"/>
+          </p:nvPr>
+        </p:nvSpPr>
+        <p:spPr/>
+        <p:txBody>
+          <a:bodyPr/>
+          <a:lstStyle/>
+          <a:p>
+            <a:fld id="{DD202784-B46A-4EF4-B218-4316F9133D14}" type="slidenum">
+              <a:rPr lang="zh-CN" altLang="en-US" smtClean="0"/>
+              <a:t>42</a:t>
+            </a:fld>
+            <a:endParaRPr lang="zh-CN" altLang="en-US"/>
+          </a:p>
+        </p:txBody>
+      </p:sp>
+    </p:spTree>
+    <p:extLst>
+      <p:ext uri="{BB962C8B-B14F-4D97-AF65-F5344CB8AC3E}">
+        <p14:creationId xmlns:p14="http://schemas.microsoft.com/office/powerpoint/2010/main" val="3776015239"/>
+      </p:ext>
+    </p:extLst>
+  </p:cSld>
+  <p:clrMapOvr>
+    <a:masterClrMapping/>
+  </p:clrMapOvr>
+</p:notes>
+</file>
+
+<file path=ppt/notesSlides/notesSlide43.xml><?xml version="1.0" encoding="utf-8"?>
+<p:notes xmlns:a="http://schemas.openxmlformats.org/drawingml/2006/main" xmlns:r="http://schemas.openxmlformats.org/officeDocument/2006/relationships" xmlns:p="http://schemas.openxmlformats.org/presentationml/2006/main">
+  <p:cSld>
+    <p:spTree>
+      <p:nvGrpSpPr>
+        <p:cNvPr id="1" name=""/>
+        <p:cNvGrpSpPr/>
+        <p:nvPr/>
+      </p:nvGrpSpPr>
+      <p:grpSpPr>
+        <a:xfrm>
+          <a:off x="0" y="0"/>
+          <a:ext cx="0" cy="0"/>
+          <a:chOff x="0" y="0"/>
+          <a:chExt cx="0" cy="0"/>
+        </a:xfrm>
+      </p:grpSpPr>
+      <p:sp>
+        <p:nvSpPr>
+          <p:cNvPr id="2" name="幻灯片图像占位符 1"/>
+          <p:cNvSpPr>
+            <a:spLocks noGrp="1" noRot="1" noChangeAspect="1"/>
+          </p:cNvSpPr>
+          <p:nvPr>
+            <p:ph type="sldImg"/>
+          </p:nvPr>
+        </p:nvSpPr>
+        <p:spPr/>
+      </p:sp>
+      <p:sp>
+        <p:nvSpPr>
+          <p:cNvPr id="3" name="备注占位符 2"/>
+          <p:cNvSpPr>
+            <a:spLocks noGrp="1"/>
+          </p:cNvSpPr>
+          <p:nvPr>
+            <p:ph type="body" idx="1"/>
+          </p:nvPr>
+        </p:nvSpPr>
+        <p:spPr/>
+        <p:txBody>
+          <a:bodyPr/>
+          <a:lstStyle/>
+          <a:p>
+            <a:endParaRPr lang="zh-CN" altLang="en-US" dirty="0"/>
+          </a:p>
+        </p:txBody>
+      </p:sp>
+      <p:sp>
+        <p:nvSpPr>
+          <p:cNvPr id="4" name="灯片编号占位符 3"/>
+          <p:cNvSpPr>
+            <a:spLocks noGrp="1"/>
+          </p:cNvSpPr>
+          <p:nvPr>
+            <p:ph type="sldNum" sz="quarter" idx="10"/>
+          </p:nvPr>
+        </p:nvSpPr>
+        <p:spPr/>
+        <p:txBody>
+          <a:bodyPr/>
+          <a:lstStyle/>
+          <a:p>
+            <a:fld id="{DD202784-B46A-4EF4-B218-4316F9133D14}" type="slidenum">
+              <a:rPr lang="zh-CN" altLang="en-US" smtClean="0"/>
+              <a:t>43</a:t>
+            </a:fld>
+            <a:endParaRPr lang="zh-CN" altLang="en-US"/>
+          </a:p>
+        </p:txBody>
+      </p:sp>
+    </p:spTree>
+    <p:extLst>
+      <p:ext uri="{BB962C8B-B14F-4D97-AF65-F5344CB8AC3E}">
+        <p14:creationId xmlns:p14="http://schemas.microsoft.com/office/powerpoint/2010/main" val="2904033859"/>
+      </p:ext>
+    </p:extLst>
+  </p:cSld>
+  <p:clrMapOvr>
+    <a:masterClrMapping/>
+  </p:clrMapOvr>
+</p:notes>
+</file>
+
+<file path=ppt/notesSlides/notesSlide44.xml><?xml version="1.0" encoding="utf-8"?>
+<p:notes xmlns:a="http://schemas.openxmlformats.org/drawingml/2006/main" xmlns:r="http://schemas.openxmlformats.org/officeDocument/2006/relationships" xmlns:p="http://schemas.openxmlformats.org/presentationml/2006/main">
+  <p:cSld>
+    <p:spTree>
+      <p:nvGrpSpPr>
+        <p:cNvPr id="1" name=""/>
+        <p:cNvGrpSpPr/>
+        <p:nvPr/>
+      </p:nvGrpSpPr>
+      <p:grpSpPr>
+        <a:xfrm>
+          <a:off x="0" y="0"/>
+          <a:ext cx="0" cy="0"/>
+          <a:chOff x="0" y="0"/>
+          <a:chExt cx="0" cy="0"/>
+        </a:xfrm>
+      </p:grpSpPr>
+      <p:sp>
+        <p:nvSpPr>
+          <p:cNvPr id="2" name="幻灯片图像占位符 1"/>
+          <p:cNvSpPr>
+            <a:spLocks noGrp="1" noRot="1" noChangeAspect="1"/>
+          </p:cNvSpPr>
+          <p:nvPr>
+            <p:ph type="sldImg"/>
+          </p:nvPr>
+        </p:nvSpPr>
+        <p:spPr/>
+      </p:sp>
+      <p:sp>
+        <p:nvSpPr>
+          <p:cNvPr id="3" name="备注占位符 2"/>
+          <p:cNvSpPr>
+            <a:spLocks noGrp="1"/>
+          </p:cNvSpPr>
+          <p:nvPr>
+            <p:ph type="body" idx="1"/>
+          </p:nvPr>
+        </p:nvSpPr>
+        <p:spPr/>
+        <p:txBody>
+          <a:bodyPr/>
+          <a:lstStyle/>
+          <a:p>
+            <a:endParaRPr lang="zh-CN" altLang="en-US" dirty="0"/>
+          </a:p>
+        </p:txBody>
+      </p:sp>
+      <p:sp>
+        <p:nvSpPr>
+          <p:cNvPr id="4" name="灯片编号占位符 3"/>
+          <p:cNvSpPr>
+            <a:spLocks noGrp="1"/>
+          </p:cNvSpPr>
+          <p:nvPr>
+            <p:ph type="sldNum" sz="quarter" idx="10"/>
+          </p:nvPr>
+        </p:nvSpPr>
+        <p:spPr/>
+        <p:txBody>
+          <a:bodyPr/>
+          <a:lstStyle/>
+          <a:p>
+            <a:fld id="{DD202784-B46A-4EF4-B218-4316F9133D14}" type="slidenum">
+              <a:rPr lang="zh-CN" altLang="en-US" smtClean="0"/>
+              <a:t>44</a:t>
             </a:fld>
             <a:endParaRPr lang="zh-CN" altLang="en-US"/>
           </a:p>
@@ -7156,7 +7876,7 @@
                 <a:ea typeface="Meiryo" panose="020B0604030504040204" pitchFamily="34" charset="-128"/>
                 <a:cs typeface="Meiryo" panose="020B0604030504040204" pitchFamily="34" charset="-128"/>
               </a:rPr>
-              <a:t>Nearest cluster to it</a:t>
+              <a:t>Nearest cluster to it(by semantic features)</a:t>
             </a:r>
           </a:p>
           <a:p>
@@ -16317,12 +17037,20 @@
               <a:buChar char="•"/>
             </a:pPr>
             <a:r>
+              <a:rPr lang="en-US" altLang="zh-CN" sz="2800" u="sng" dirty="0" smtClean="0">
+                <a:latin typeface="Meiryo" panose="020B0604030504040204" pitchFamily="34" charset="-128"/>
+                <a:ea typeface="Meiryo" panose="020B0604030504040204" pitchFamily="34" charset="-128"/>
+                <a:cs typeface="Meiryo" panose="020B0604030504040204" pitchFamily="34" charset="-128"/>
+              </a:rPr>
+              <a:t>small</a:t>
+            </a:r>
+            <a:r>
               <a:rPr lang="en-US" altLang="zh-CN" sz="2800" dirty="0" smtClean="0">
                 <a:latin typeface="Meiryo" panose="020B0604030504040204" pitchFamily="34" charset="-128"/>
                 <a:ea typeface="Meiryo" panose="020B0604030504040204" pitchFamily="34" charset="-128"/>
                 <a:cs typeface="Meiryo" panose="020B0604030504040204" pitchFamily="34" charset="-128"/>
               </a:rPr>
-              <a:t>small </a:t>
+              <a:t> </a:t>
             </a:r>
             <a:r>
               <a:rPr lang="en-US" altLang="zh-CN" sz="2800" dirty="0">
@@ -16350,12 +17078,20 @@
               <a:t> </a:t>
             </a:r>
             <a:r>
+              <a:rPr lang="en-US" altLang="zh-CN" sz="2800" u="sng" dirty="0" smtClean="0">
+                <a:latin typeface="Meiryo" panose="020B0604030504040204" pitchFamily="34" charset="-128"/>
+                <a:ea typeface="Meiryo" panose="020B0604030504040204" pitchFamily="34" charset="-128"/>
+                <a:cs typeface="Meiryo" panose="020B0604030504040204" pitchFamily="34" charset="-128"/>
+              </a:rPr>
+              <a:t>different</a:t>
+            </a:r>
+            <a:r>
               <a:rPr lang="en-US" altLang="zh-CN" sz="2800" dirty="0" smtClean="0">
                 <a:latin typeface="Meiryo" panose="020B0604030504040204" pitchFamily="34" charset="-128"/>
                 <a:ea typeface="Meiryo" panose="020B0604030504040204" pitchFamily="34" charset="-128"/>
                 <a:cs typeface="Meiryo" panose="020B0604030504040204" pitchFamily="34" charset="-128"/>
               </a:rPr>
-              <a:t>different </a:t>
+              <a:t> </a:t>
             </a:r>
             <a:r>
               <a:rPr lang="en-US" altLang="zh-CN" sz="2800" dirty="0">
@@ -16366,12 +17102,20 @@
               <a:t>content classes being grouped in the </a:t>
             </a:r>
             <a:r>
+              <a:rPr lang="en-US" altLang="zh-CN" sz="2800" u="sng" dirty="0">
+                <a:latin typeface="Meiryo" panose="020B0604030504040204" pitchFamily="34" charset="-128"/>
+                <a:ea typeface="Meiryo" panose="020B0604030504040204" pitchFamily="34" charset="-128"/>
+                <a:cs typeface="Meiryo" panose="020B0604030504040204" pitchFamily="34" charset="-128"/>
+              </a:rPr>
+              <a:t>same</a:t>
+            </a:r>
+            <a:r>
               <a:rPr lang="en-US" altLang="zh-CN" sz="2800" dirty="0">
                 <a:latin typeface="Meiryo" panose="020B0604030504040204" pitchFamily="34" charset="-128"/>
                 <a:ea typeface="Meiryo" panose="020B0604030504040204" pitchFamily="34" charset="-128"/>
                 <a:cs typeface="Meiryo" panose="020B0604030504040204" pitchFamily="34" charset="-128"/>
               </a:rPr>
-              <a:t>same cluster </a:t>
+              <a:t> cluster </a:t>
             </a:r>
           </a:p>
           <a:p>
@@ -16383,12 +17127,20 @@
               <a:buChar char="•"/>
             </a:pPr>
             <a:r>
+              <a:rPr lang="en-US" altLang="zh-CN" sz="2800" u="sng" dirty="0" smtClean="0">
+                <a:latin typeface="Meiryo" panose="020B0604030504040204" pitchFamily="34" charset="-128"/>
+                <a:ea typeface="Meiryo" panose="020B0604030504040204" pitchFamily="34" charset="-128"/>
+                <a:cs typeface="Meiryo" panose="020B0604030504040204" pitchFamily="34" charset="-128"/>
+              </a:rPr>
+              <a:t>large</a:t>
+            </a:r>
+            <a:r>
               <a:rPr lang="en-US" altLang="zh-CN" sz="2800" dirty="0" smtClean="0">
                 <a:latin typeface="Meiryo" panose="020B0604030504040204" pitchFamily="34" charset="-128"/>
                 <a:ea typeface="Meiryo" panose="020B0604030504040204" pitchFamily="34" charset="-128"/>
                 <a:cs typeface="Meiryo" panose="020B0604030504040204" pitchFamily="34" charset="-128"/>
               </a:rPr>
-              <a:t>large </a:t>
+              <a:t> </a:t>
             </a:r>
             <a:r>
               <a:rPr lang="en-US" altLang="zh-CN" sz="2800" dirty="0">
@@ -16429,7 +17181,15 @@
                 <a:ea typeface="Meiryo" panose="020B0604030504040204" pitchFamily="34" charset="-128"/>
                 <a:cs typeface="Meiryo" panose="020B0604030504040204" pitchFamily="34" charset="-128"/>
               </a:rPr>
-              <a:t>of the same content class of images being </a:t>
+              <a:t>of the </a:t>
+            </a:r>
+            <a:r>
+              <a:rPr lang="en-US" altLang="zh-CN" sz="2800" u="sng" dirty="0">
+                <a:latin typeface="Meiryo" panose="020B0604030504040204" pitchFamily="34" charset="-128"/>
+                <a:ea typeface="Meiryo" panose="020B0604030504040204" pitchFamily="34" charset="-128"/>
+                <a:cs typeface="Meiryo" panose="020B0604030504040204" pitchFamily="34" charset="-128"/>
+              </a:rPr>
+              <a:t>same</a:t>
             </a:r>
             <a:r>
               <a:rPr lang="en-US" altLang="zh-CN" sz="2800" dirty="0">
@@ -16437,15 +17197,31 @@
                 <a:ea typeface="Meiryo" panose="020B0604030504040204" pitchFamily="34" charset="-128"/>
                 <a:cs typeface="Meiryo" panose="020B0604030504040204" pitchFamily="34" charset="-128"/>
               </a:rPr>
+              <a:t> content class of images being </a:t>
+            </a:r>
+            <a:r>
+              <a:rPr lang="en-US" altLang="zh-CN" sz="2800" dirty="0">
+                <a:latin typeface="Meiryo" panose="020B0604030504040204" pitchFamily="34" charset="-128"/>
+                <a:ea typeface="Meiryo" panose="020B0604030504040204" pitchFamily="34" charset="-128"/>
+                <a:cs typeface="Meiryo" panose="020B0604030504040204" pitchFamily="34" charset="-128"/>
+              </a:rPr>
               <a:t>split into </a:t>
             </a:r>
             <a:r>
+              <a:rPr lang="en-US" altLang="zh-CN" sz="2800" u="sng" dirty="0">
+                <a:latin typeface="Meiryo" panose="020B0604030504040204" pitchFamily="34" charset="-128"/>
+                <a:ea typeface="Meiryo" panose="020B0604030504040204" pitchFamily="34" charset="-128"/>
+                <a:cs typeface="Meiryo" panose="020B0604030504040204" pitchFamily="34" charset="-128"/>
+              </a:rPr>
+              <a:t>different</a:t>
+            </a:r>
+            <a:r>
               <a:rPr lang="en-US" altLang="zh-CN" sz="2800" dirty="0">
                 <a:latin typeface="Meiryo" panose="020B0604030504040204" pitchFamily="34" charset="-128"/>
                 <a:ea typeface="Meiryo" panose="020B0604030504040204" pitchFamily="34" charset="-128"/>
                 <a:cs typeface="Meiryo" panose="020B0604030504040204" pitchFamily="34" charset="-128"/>
               </a:rPr>
-              <a:t>different </a:t>
+              <a:t> </a:t>
             </a:r>
             <a:r>
               <a:rPr lang="en-US" altLang="zh-CN" sz="2800" dirty="0">
@@ -16502,14 +17278,110 @@
       </p:grpSpPr>
       <p:sp>
         <p:nvSpPr>
-          <p:cNvPr id="3" name="文本框 2"/>
+          <p:cNvPr id="9" name="等腰三角形 8"/>
+          <p:cNvSpPr/>
+          <p:nvPr/>
+        </p:nvSpPr>
+        <p:spPr>
+          <a:xfrm rot="4613108">
+            <a:off x="7331460" y="3148738"/>
+            <a:ext cx="4577580" cy="4214762"/>
+          </a:xfrm>
+          <a:prstGeom prst="triangle">
+            <a:avLst/>
+          </a:prstGeom>
+          <a:solidFill>
+            <a:schemeClr val="bg1">
+              <a:lumMod val="95000"/>
+            </a:schemeClr>
+          </a:solidFill>
+          <a:ln>
+            <a:noFill/>
+          </a:ln>
+        </p:spPr>
+        <p:style>
+          <a:lnRef idx="2">
+            <a:schemeClr val="accent1">
+              <a:shade val="50000"/>
+            </a:schemeClr>
+          </a:lnRef>
+          <a:fillRef idx="1">
+            <a:schemeClr val="accent1"/>
+          </a:fillRef>
+          <a:effectRef idx="0">
+            <a:schemeClr val="accent1"/>
+          </a:effectRef>
+          <a:fontRef idx="minor">
+            <a:schemeClr val="lt1"/>
+          </a:fontRef>
+        </p:style>
+        <p:txBody>
+          <a:bodyPr rtlCol="0" anchor="ctr"/>
+          <a:lstStyle/>
+          <a:p>
+            <a:pPr algn="ctr"/>
+            <a:endParaRPr lang="zh-CN" altLang="en-US"/>
+          </a:p>
+        </p:txBody>
+      </p:sp>
+      <p:sp>
+        <p:nvSpPr>
+          <p:cNvPr id="8" name="矩形 7"/>
+          <p:cNvSpPr/>
+          <p:nvPr/>
+        </p:nvSpPr>
+        <p:spPr>
+          <a:xfrm rot="783766">
+            <a:off x="-2197454" y="-2340269"/>
+            <a:ext cx="6006821" cy="3447534"/>
+          </a:xfrm>
+          <a:prstGeom prst="rect">
+            <a:avLst/>
+          </a:prstGeom>
+          <a:solidFill>
+            <a:schemeClr val="bg1">
+              <a:lumMod val="95000"/>
+            </a:schemeClr>
+          </a:solidFill>
+          <a:ln>
+            <a:noFill/>
+          </a:ln>
+        </p:spPr>
+        <p:style>
+          <a:lnRef idx="2">
+            <a:schemeClr val="accent1">
+              <a:shade val="50000"/>
+            </a:schemeClr>
+          </a:lnRef>
+          <a:fillRef idx="1">
+            <a:schemeClr val="accent1"/>
+          </a:fillRef>
+          <a:effectRef idx="0">
+            <a:schemeClr val="accent1"/>
+          </a:effectRef>
+          <a:fontRef idx="minor">
+            <a:schemeClr val="lt1"/>
+          </a:fontRef>
+        </p:style>
+        <p:txBody>
+          <a:bodyPr rtlCol="0" anchor="ctr"/>
+          <a:lstStyle/>
+          <a:p>
+            <a:pPr algn="ctr"/>
+            <a:endParaRPr lang="zh-CN" altLang="en-US"/>
+          </a:p>
+        </p:txBody>
+      </p:sp>
+      <p:sp>
+        <p:nvSpPr>
+          <p:cNvPr id="30" name="文本框 29"/>
           <p:cNvSpPr txBox="1"/>
           <p:nvPr/>
         </p:nvSpPr>
         <p:spPr>
           <a:xfrm>
-            <a:off x="2618510" y="2333008"/>
-            <a:ext cx="6964407" cy="1261884"/>
+            <a:off x="662538" y="294935"/>
+            <a:ext cx="9834012" cy="769441"/>
           </a:xfrm>
           <a:prstGeom prst="rect">
             <a:avLst/>
@@ -16517,83 +17389,1125 @@
           <a:noFill/>
         </p:spPr>
         <p:txBody>
-          <a:bodyPr wrap="none" rtlCol="0">
+          <a:bodyPr wrap="square" rtlCol="0">
             <a:spAutoFit/>
           </a:bodyPr>
           <a:lstStyle/>
           <a:p>
-            <a:pPr algn="ctr"/>
-            <a:r>
-              <a:rPr lang="en-US" altLang="zh-CN" sz="3800" b="1" dirty="0" smtClean="0">
+            <a:r>
+              <a:rPr lang="en-US" altLang="zh-CN" sz="4400" b="1" dirty="0" smtClean="0">
                 <a:solidFill>
                   <a:srgbClr val="00ABB4"/>
                 </a:solidFill>
-                <a:effectLst>
-                  <a:outerShdw blurRad="38100" dist="38100" dir="2700000" algn="tl">
-                    <a:srgbClr val="000000">
-                      <a:alpha val="43137"/>
-                    </a:srgbClr>
-                  </a:outerShdw>
-                </a:effectLst>
                 <a:latin typeface="微软雅黑" panose="020B0503020204020204" pitchFamily="34" charset="-122"/>
                 <a:ea typeface="微软雅黑" panose="020B0503020204020204" pitchFamily="34" charset="-122"/>
               </a:rPr>
-              <a:t>Thank you all for listening~</a:t>
-            </a:r>
-            <a:r>
-              <a:rPr lang="en-US" altLang="zh-CN" sz="3800" b="1" dirty="0">
+              <a:t>2.2 Style ranking</a:t>
+            </a:r>
+            <a:r>
+              <a:rPr lang="en-US" altLang="zh-CN" sz="4400" dirty="0" smtClean="0">
                 <a:solidFill>
                   <a:srgbClr val="00ABB4"/>
                 </a:solidFill>
-                <a:effectLst>
-                  <a:outerShdw blurRad="38100" dist="38100" dir="2700000" algn="tl">
-                    <a:srgbClr val="000000">
-                      <a:alpha val="43137"/>
-                    </a:srgbClr>
-                  </a:outerShdw>
-                </a:effectLst>
                 <a:latin typeface="微软雅黑" panose="020B0503020204020204" pitchFamily="34" charset="-122"/>
                 <a:ea typeface="微软雅黑" panose="020B0503020204020204" pitchFamily="34" charset="-122"/>
               </a:rPr>
-              <a:t/>
-            </a:r>
-            <a:br>
-              <a:rPr lang="en-US" altLang="zh-CN" sz="3800" b="1" dirty="0">
+              <a:t>(do with P and S)</a:t>
+            </a:r>
+            <a:endParaRPr lang="en-US" altLang="zh-CN" sz="4400" dirty="0">
+              <a:solidFill>
+                <a:srgbClr val="00ABB4"/>
+              </a:solidFill>
+              <a:latin typeface="微软雅黑" panose="020B0503020204020204" pitchFamily="34" charset="-122"/>
+              <a:ea typeface="微软雅黑" panose="020B0503020204020204" pitchFamily="34" charset="-122"/>
+            </a:endParaRPr>
+          </a:p>
+        </p:txBody>
+      </p:sp>
+      <p:sp>
+        <p:nvSpPr>
+          <p:cNvPr id="31" name="Rectangle 96"/>
+          <p:cNvSpPr/>
+          <p:nvPr/>
+        </p:nvSpPr>
+        <p:spPr>
+          <a:xfrm>
+            <a:off x="952500" y="1109492"/>
+            <a:ext cx="11049000" cy="3539430"/>
+          </a:xfrm>
+          <a:prstGeom prst="rect">
+            <a:avLst/>
+          </a:prstGeom>
+        </p:spPr>
+        <p:txBody>
+          <a:bodyPr wrap="square">
+            <a:spAutoFit/>
+          </a:bodyPr>
+          <a:lstStyle/>
+          <a:p>
+            <a:pPr marL="457200" indent="-457200">
+              <a:lnSpc>
+                <a:spcPct val="200000"/>
+              </a:lnSpc>
+              <a:buFont typeface="Arial" panose="020B0604020202020204" pitchFamily="34" charset="0"/>
+              <a:buChar char="•"/>
+            </a:pPr>
+            <a:r>
+              <a:rPr lang="en-US" altLang="zh-CN" sz="2800" dirty="0" smtClean="0">
+                <a:latin typeface="Meiryo" panose="020B0604030504040204" pitchFamily="34" charset="-128"/>
+                <a:ea typeface="Meiryo" panose="020B0604030504040204" pitchFamily="34" charset="-128"/>
+                <a:cs typeface="Meiryo" panose="020B0604030504040204" pitchFamily="34" charset="-128"/>
+              </a:rPr>
+              <a:t>Statistics : style similarity </a:t>
+            </a:r>
+          </a:p>
+          <a:p>
+            <a:pPr marL="914400" lvl="1" indent="-457200">
+              <a:lnSpc>
+                <a:spcPct val="200000"/>
+              </a:lnSpc>
+              <a:buFont typeface="Arial" panose="020B0604020202020204" pitchFamily="34" charset="0"/>
+              <a:buChar char="•"/>
+            </a:pPr>
+            <a:r>
+              <a:rPr lang="en-US" altLang="zh-CN" sz="2800" dirty="0" smtClean="0">
+                <a:latin typeface="Meiryo" panose="020B0604030504040204" pitchFamily="34" charset="-128"/>
+                <a:ea typeface="Meiryo" panose="020B0604030504040204" pitchFamily="34" charset="-128"/>
+                <a:cs typeface="Meiryo" panose="020B0604030504040204" pitchFamily="34" charset="-128"/>
+              </a:rPr>
+              <a:t>Calculate between each style and the images in a cluster</a:t>
+            </a:r>
+          </a:p>
+          <a:p>
+            <a:pPr marL="914400" lvl="1" indent="-457200">
+              <a:lnSpc>
+                <a:spcPct val="200000"/>
+              </a:lnSpc>
+              <a:buFont typeface="Arial" panose="020B0604020202020204" pitchFamily="34" charset="0"/>
+              <a:buChar char="•"/>
+            </a:pPr>
+            <a:r>
+              <a:rPr lang="en-US" altLang="zh-CN" sz="2800" dirty="0" smtClean="0">
+                <a:latin typeface="Meiryo" panose="020B0604030504040204" pitchFamily="34" charset="-128"/>
+                <a:ea typeface="Meiryo" panose="020B0604030504040204" pitchFamily="34" charset="-128"/>
+                <a:cs typeface="Meiryo" panose="020B0604030504040204" pitchFamily="34" charset="-128"/>
+              </a:rPr>
+              <a:t>Rank the styles for that clusters</a:t>
+            </a:r>
+          </a:p>
+          <a:p>
+            <a:pPr marL="914400" lvl="1" indent="-457200">
+              <a:lnSpc>
+                <a:spcPct val="200000"/>
+              </a:lnSpc>
+              <a:buFont typeface="Arial" panose="020B0604020202020204" pitchFamily="34" charset="0"/>
+              <a:buChar char="•"/>
+            </a:pPr>
+            <a:r>
+              <a:rPr lang="en-US" altLang="zh-CN" sz="2800" dirty="0" smtClean="0">
+                <a:latin typeface="Meiryo" panose="020B0604030504040204" pitchFamily="34" charset="-128"/>
+                <a:ea typeface="Meiryo" panose="020B0604030504040204" pitchFamily="34" charset="-128"/>
+                <a:cs typeface="Meiryo" panose="020B0604030504040204" pitchFamily="34" charset="-128"/>
+              </a:rPr>
+              <a:t>Generate as below:</a:t>
+            </a:r>
+            <a:endParaRPr lang="en-US" altLang="zh-CN" sz="2800" dirty="0">
+              <a:latin typeface="Meiryo" panose="020B0604030504040204" pitchFamily="34" charset="-128"/>
+              <a:ea typeface="Meiryo" panose="020B0604030504040204" pitchFamily="34" charset="-128"/>
+              <a:cs typeface="Meiryo" panose="020B0604030504040204" pitchFamily="34" charset="-128"/>
+            </a:endParaRPr>
+          </a:p>
+        </p:txBody>
+      </p:sp>
+      <p:pic>
+        <p:nvPicPr>
+          <p:cNvPr id="7170" name="Picture 2"/>
+          <p:cNvPicPr>
+            <a:picLocks noChangeAspect="1" noChangeArrowheads="1"/>
+          </p:cNvPicPr>
+          <p:nvPr/>
+        </p:nvPicPr>
+        <p:blipFill>
+          <a:blip r:embed="rId3">
+            <a:extLst>
+              <a:ext uri="{28A0092B-C50C-407E-A947-70E740481C1C}">
+                <a14:useLocalDpi xmlns:a14="http://schemas.microsoft.com/office/drawing/2010/main" val="0"/>
+              </a:ext>
+            </a:extLst>
+          </a:blip>
+          <a:srcRect/>
+          <a:stretch>
+            <a:fillRect/>
+          </a:stretch>
+        </p:blipFill>
+        <p:spPr bwMode="auto">
+          <a:xfrm>
+            <a:off x="2160914" y="4783791"/>
+            <a:ext cx="9394167" cy="887506"/>
+          </a:xfrm>
+          <a:prstGeom prst="rect">
+            <a:avLst/>
+          </a:prstGeom>
+          <a:noFill/>
+          <a:ln>
+            <a:noFill/>
+          </a:ln>
+          <a:extLst>
+            <a:ext uri="{909E8E84-426E-40DD-AFC4-6F175D3DCCD1}">
+              <a14:hiddenFill xmlns:a14="http://schemas.microsoft.com/office/drawing/2010/main">
+                <a:solidFill>
+                  <a:schemeClr val="accent1"/>
+                </a:solidFill>
+              </a14:hiddenFill>
+            </a:ext>
+            <a:ext uri="{91240B29-F687-4F45-9708-019B960494DF}">
+              <a14:hiddenLine xmlns:a14="http://schemas.microsoft.com/office/drawing/2010/main" w="9525">
+                <a:solidFill>
+                  <a:schemeClr val="tx1"/>
+                </a:solidFill>
+                <a:miter lim="800000"/>
+                <a:headEnd/>
+                <a:tailEnd/>
+              </a14:hiddenLine>
+            </a:ext>
+          </a:extLst>
+        </p:spPr>
+      </p:pic>
+    </p:spTree>
+    <p:extLst>
+      <p:ext uri="{BB962C8B-B14F-4D97-AF65-F5344CB8AC3E}">
+        <p14:creationId xmlns:p14="http://schemas.microsoft.com/office/powerpoint/2010/main" val="3559643324"/>
+      </p:ext>
+    </p:extLst>
+  </p:cSld>
+  <p:clrMapOvr>
+    <a:masterClrMapping/>
+  </p:clrMapOvr>
+  <p:timing>
+    <p:tnLst>
+      <p:par>
+        <p:cTn id="1" dur="indefinite" restart="never" nodeType="tmRoot"/>
+      </p:par>
+    </p:tnLst>
+  </p:timing>
+</p:sld>
+</file>
+
+<file path=ppt/slides/slide38.xml><?xml version="1.0" encoding="utf-8"?>
+<p:sld xmlns:a="http://schemas.openxmlformats.org/drawingml/2006/main" xmlns:r="http://schemas.openxmlformats.org/officeDocument/2006/relationships" xmlns:p="http://schemas.openxmlformats.org/presentationml/2006/main">
+  <p:cSld>
+    <p:spTree>
+      <p:nvGrpSpPr>
+        <p:cNvPr id="1" name=""/>
+        <p:cNvGrpSpPr/>
+        <p:nvPr/>
+      </p:nvGrpSpPr>
+      <p:grpSpPr>
+        <a:xfrm>
+          <a:off x="0" y="0"/>
+          <a:ext cx="0" cy="0"/>
+          <a:chOff x="0" y="0"/>
+          <a:chExt cx="0" cy="0"/>
+        </a:xfrm>
+      </p:grpSpPr>
+      <p:sp>
+        <p:nvSpPr>
+          <p:cNvPr id="9" name="等腰三角形 8"/>
+          <p:cNvSpPr/>
+          <p:nvPr/>
+        </p:nvSpPr>
+        <p:spPr>
+          <a:xfrm rot="4613108">
+            <a:off x="7331460" y="3148738"/>
+            <a:ext cx="4577580" cy="4214762"/>
+          </a:xfrm>
+          <a:prstGeom prst="triangle">
+            <a:avLst/>
+          </a:prstGeom>
+          <a:solidFill>
+            <a:schemeClr val="bg1">
+              <a:lumMod val="95000"/>
+            </a:schemeClr>
+          </a:solidFill>
+          <a:ln>
+            <a:noFill/>
+          </a:ln>
+        </p:spPr>
+        <p:style>
+          <a:lnRef idx="2">
+            <a:schemeClr val="accent1">
+              <a:shade val="50000"/>
+            </a:schemeClr>
+          </a:lnRef>
+          <a:fillRef idx="1">
+            <a:schemeClr val="accent1"/>
+          </a:fillRef>
+          <a:effectRef idx="0">
+            <a:schemeClr val="accent1"/>
+          </a:effectRef>
+          <a:fontRef idx="minor">
+            <a:schemeClr val="lt1"/>
+          </a:fontRef>
+        </p:style>
+        <p:txBody>
+          <a:bodyPr rtlCol="0" anchor="ctr"/>
+          <a:lstStyle/>
+          <a:p>
+            <a:pPr algn="ctr"/>
+            <a:endParaRPr lang="zh-CN" altLang="en-US"/>
+          </a:p>
+        </p:txBody>
+      </p:sp>
+      <p:sp>
+        <p:nvSpPr>
+          <p:cNvPr id="8" name="矩形 7"/>
+          <p:cNvSpPr/>
+          <p:nvPr/>
+        </p:nvSpPr>
+        <p:spPr>
+          <a:xfrm rot="783766">
+            <a:off x="-2197454" y="-2340269"/>
+            <a:ext cx="6006821" cy="3447534"/>
+          </a:xfrm>
+          <a:prstGeom prst="rect">
+            <a:avLst/>
+          </a:prstGeom>
+          <a:solidFill>
+            <a:schemeClr val="bg1">
+              <a:lumMod val="95000"/>
+            </a:schemeClr>
+          </a:solidFill>
+          <a:ln>
+            <a:noFill/>
+          </a:ln>
+        </p:spPr>
+        <p:style>
+          <a:lnRef idx="2">
+            <a:schemeClr val="accent1">
+              <a:shade val="50000"/>
+            </a:schemeClr>
+          </a:lnRef>
+          <a:fillRef idx="1">
+            <a:schemeClr val="accent1"/>
+          </a:fillRef>
+          <a:effectRef idx="0">
+            <a:schemeClr val="accent1"/>
+          </a:effectRef>
+          <a:fontRef idx="minor">
+            <a:schemeClr val="lt1"/>
+          </a:fontRef>
+        </p:style>
+        <p:txBody>
+          <a:bodyPr rtlCol="0" anchor="ctr"/>
+          <a:lstStyle/>
+          <a:p>
+            <a:pPr algn="ctr"/>
+            <a:endParaRPr lang="zh-CN" altLang="en-US" dirty="0"/>
+          </a:p>
+        </p:txBody>
+      </p:sp>
+      <p:sp>
+        <p:nvSpPr>
+          <p:cNvPr id="30" name="文本框 29"/>
+          <p:cNvSpPr txBox="1"/>
+          <p:nvPr/>
+        </p:nvSpPr>
+        <p:spPr>
+          <a:xfrm>
+            <a:off x="662538" y="294935"/>
+            <a:ext cx="9834012" cy="769441"/>
+          </a:xfrm>
+          <a:prstGeom prst="rect">
+            <a:avLst/>
+          </a:prstGeom>
+          <a:noFill/>
+        </p:spPr>
+        <p:txBody>
+          <a:bodyPr wrap="square" rtlCol="0">
+            <a:spAutoFit/>
+          </a:bodyPr>
+          <a:lstStyle/>
+          <a:p>
+            <a:r>
+              <a:rPr lang="en-US" altLang="zh-CN" sz="4400" b="1" dirty="0" smtClean="0">
                 <a:solidFill>
                   <a:srgbClr val="00ABB4"/>
                 </a:solidFill>
-                <a:effectLst>
-                  <a:outerShdw blurRad="38100" dist="38100" dir="2700000" algn="tl">
-                    <a:srgbClr val="000000">
-                      <a:alpha val="43137"/>
-                    </a:srgbClr>
-                  </a:outerShdw>
-                </a:effectLst>
                 <a:latin typeface="微软雅黑" panose="020B0503020204020204" pitchFamily="34" charset="-122"/>
                 <a:ea typeface="微软雅黑" panose="020B0503020204020204" pitchFamily="34" charset="-122"/>
               </a:rPr>
-            </a:br>
-            <a:endParaRPr lang="en-US" altLang="zh-CN" sz="3800" b="1" dirty="0">
+              <a:t>2.2 Style ranking</a:t>
+            </a:r>
+            <a:r>
+              <a:rPr lang="en-US" altLang="zh-CN" sz="4400" dirty="0" smtClean="0">
+                <a:solidFill>
+                  <a:srgbClr val="00ABB4"/>
+                </a:solidFill>
+                <a:latin typeface="微软雅黑" panose="020B0503020204020204" pitchFamily="34" charset="-122"/>
+                <a:ea typeface="微软雅黑" panose="020B0503020204020204" pitchFamily="34" charset="-122"/>
+              </a:rPr>
+              <a:t>(do with P and S)</a:t>
+            </a:r>
+            <a:endParaRPr lang="en-US" altLang="zh-CN" sz="4400" dirty="0">
               <a:solidFill>
                 <a:srgbClr val="00ABB4"/>
               </a:solidFill>
-              <a:effectLst>
-                <a:outerShdw blurRad="38100" dist="38100" dir="2700000" algn="tl">
-                  <a:srgbClr val="000000">
-                    <a:alpha val="43137"/>
-                  </a:srgbClr>
-                </a:outerShdw>
-              </a:effectLst>
               <a:latin typeface="微软雅黑" panose="020B0503020204020204" pitchFamily="34" charset="-122"/>
               <a:ea typeface="微软雅黑" panose="020B0503020204020204" pitchFamily="34" charset="-122"/>
             </a:endParaRPr>
           </a:p>
         </p:txBody>
       </p:sp>
+      <p:sp>
+        <p:nvSpPr>
+          <p:cNvPr id="31" name="Rectangle 96"/>
+          <p:cNvSpPr/>
+          <p:nvPr/>
+        </p:nvSpPr>
+        <p:spPr>
+          <a:xfrm>
+            <a:off x="1143000" y="2318588"/>
+            <a:ext cx="11049000" cy="4401205"/>
+          </a:xfrm>
+          <a:prstGeom prst="rect">
+            <a:avLst/>
+          </a:prstGeom>
+        </p:spPr>
+        <p:txBody>
+          <a:bodyPr wrap="square">
+            <a:spAutoFit/>
+          </a:bodyPr>
+          <a:lstStyle/>
+          <a:p>
+            <a:pPr marL="457200" indent="-457200">
+              <a:lnSpc>
+                <a:spcPct val="200000"/>
+              </a:lnSpc>
+              <a:buFont typeface="Arial" panose="020B0604020202020204" pitchFamily="34" charset="0"/>
+              <a:buChar char="•"/>
+            </a:pPr>
+            <a:r>
+              <a:rPr lang="en-US" altLang="zh-CN" sz="2800" dirty="0" smtClean="0">
+                <a:latin typeface="Meiryo" panose="020B0604030504040204" pitchFamily="34" charset="-128"/>
+                <a:ea typeface="Meiryo" panose="020B0604030504040204" pitchFamily="34" charset="-128"/>
+                <a:cs typeface="Meiryo" panose="020B0604030504040204" pitchFamily="34" charset="-128"/>
+              </a:rPr>
+              <a:t>P: cluster photo in the large photo colleciton</a:t>
+            </a:r>
+          </a:p>
+          <a:p>
+            <a:pPr marL="457200" indent="-457200">
+              <a:lnSpc>
+                <a:spcPct val="200000"/>
+              </a:lnSpc>
+              <a:buFont typeface="Arial" panose="020B0604020202020204" pitchFamily="34" charset="0"/>
+              <a:buChar char="•"/>
+            </a:pPr>
+            <a:r>
+              <a:rPr lang="en-US" altLang="zh-CN" sz="2800" dirty="0" smtClean="0">
+                <a:latin typeface="Meiryo" panose="020B0604030504040204" pitchFamily="34" charset="-128"/>
+                <a:ea typeface="Meiryo" panose="020B0604030504040204" pitchFamily="34" charset="-128"/>
+                <a:cs typeface="Meiryo" panose="020B0604030504040204" pitchFamily="34" charset="-128"/>
+              </a:rPr>
+              <a:t>S: style exemplar</a:t>
+            </a:r>
+          </a:p>
+          <a:p>
+            <a:pPr marL="457200" indent="-457200">
+              <a:lnSpc>
+                <a:spcPct val="200000"/>
+              </a:lnSpc>
+              <a:buFont typeface="Arial" panose="020B0604020202020204" pitchFamily="34" charset="0"/>
+              <a:buChar char="•"/>
+            </a:pPr>
+            <a:r>
+              <a:rPr lang="en-US" altLang="zh-CN" sz="2800" dirty="0">
+                <a:latin typeface="Meiryo" panose="020B0604030504040204" pitchFamily="34" charset="-128"/>
+                <a:ea typeface="Meiryo" panose="020B0604030504040204" pitchFamily="34" charset="-128"/>
+                <a:cs typeface="Meiryo" panose="020B0604030504040204" pitchFamily="34" charset="-128"/>
+              </a:rPr>
+              <a:t>D</a:t>
+            </a:r>
+            <a:r>
+              <a:rPr lang="en-US" altLang="zh-CN" sz="2800" baseline="-25000" dirty="0">
+                <a:latin typeface="Meiryo" panose="020B0604030504040204" pitchFamily="34" charset="-128"/>
+                <a:ea typeface="Meiryo" panose="020B0604030504040204" pitchFamily="34" charset="-128"/>
+                <a:cs typeface="Meiryo" panose="020B0604030504040204" pitchFamily="34" charset="-128"/>
+              </a:rPr>
+              <a:t>e</a:t>
+            </a:r>
+            <a:r>
+              <a:rPr lang="en-US" altLang="zh-CN" sz="2800" dirty="0">
+                <a:latin typeface="Meiryo" panose="020B0604030504040204" pitchFamily="34" charset="-128"/>
+                <a:ea typeface="Meiryo" panose="020B0604030504040204" pitchFamily="34" charset="-128"/>
+                <a:cs typeface="Meiryo" panose="020B0604030504040204" pitchFamily="34" charset="-128"/>
+              </a:rPr>
+              <a:t> </a:t>
+            </a:r>
+            <a:r>
+              <a:rPr lang="en-US" altLang="zh-CN" sz="2800" dirty="0">
+                <a:latin typeface="Meiryo" panose="020B0604030504040204" pitchFamily="34" charset="-128"/>
+                <a:ea typeface="Meiryo" panose="020B0604030504040204" pitchFamily="34" charset="-128"/>
+                <a:cs typeface="Meiryo" panose="020B0604030504040204" pitchFamily="34" charset="-128"/>
+              </a:rPr>
+              <a:t>: </a:t>
+            </a:r>
+            <a:r>
+              <a:rPr lang="en-US" altLang="zh-CN" sz="2800" dirty="0" smtClean="0">
+                <a:latin typeface="Meiryo" panose="020B0604030504040204" pitchFamily="34" charset="-128"/>
+                <a:ea typeface="Meiryo" panose="020B0604030504040204" pitchFamily="34" charset="-128"/>
+                <a:cs typeface="Meiryo" panose="020B0604030504040204" pitchFamily="34" charset="-128"/>
+              </a:rPr>
+              <a:t>Euclidean </a:t>
+            </a:r>
+            <a:r>
+              <a:rPr lang="en-US" altLang="zh-CN" sz="2800" dirty="0">
+                <a:latin typeface="Meiryo" panose="020B0604030504040204" pitchFamily="34" charset="-128"/>
+                <a:ea typeface="Meiryo" panose="020B0604030504040204" pitchFamily="34" charset="-128"/>
+                <a:cs typeface="Meiryo" panose="020B0604030504040204" pitchFamily="34" charset="-128"/>
+              </a:rPr>
+              <a:t>distance </a:t>
+            </a:r>
+            <a:r>
+              <a:rPr lang="en-US" altLang="zh-CN" sz="2800" dirty="0" smtClean="0">
+                <a:latin typeface="Meiryo" panose="020B0604030504040204" pitchFamily="34" charset="-128"/>
+                <a:ea typeface="Meiryo" panose="020B0604030504040204" pitchFamily="34" charset="-128"/>
+                <a:cs typeface="Meiryo" panose="020B0604030504040204" pitchFamily="34" charset="-128"/>
+              </a:rPr>
+              <a:t> </a:t>
+            </a:r>
+            <a:r>
+              <a:rPr lang="en-US" altLang="zh-CN" sz="2800" dirty="0" smtClean="0">
+                <a:latin typeface="Meiryo" panose="020B0604030504040204" pitchFamily="34" charset="-128"/>
+                <a:ea typeface="Meiryo" panose="020B0604030504040204" pitchFamily="34" charset="-128"/>
+                <a:cs typeface="Meiryo" panose="020B0604030504040204" pitchFamily="34" charset="-128"/>
+                <a:sym typeface="Wingdings" panose="05000000000000000000" pitchFamily="2" charset="2"/>
+              </a:rPr>
+              <a:t> difference</a:t>
+            </a:r>
+            <a:endParaRPr lang="en-US" altLang="zh-CN" sz="2800" dirty="0" smtClean="0"/>
+          </a:p>
+          <a:p>
+            <a:pPr marL="457200" indent="-457200">
+              <a:lnSpc>
+                <a:spcPct val="200000"/>
+              </a:lnSpc>
+              <a:buFont typeface="Arial" panose="020B0604020202020204" pitchFamily="34" charset="0"/>
+              <a:buChar char="•"/>
+            </a:pPr>
+            <a:r>
+              <a:rPr lang="en-US" altLang="zh-CN" sz="2800" dirty="0">
+                <a:latin typeface="Meiryo" panose="020B0604030504040204" pitchFamily="34" charset="-128"/>
+                <a:ea typeface="Meiryo" panose="020B0604030504040204" pitchFamily="34" charset="-128"/>
+                <a:cs typeface="Meiryo" panose="020B0604030504040204" pitchFamily="34" charset="-128"/>
+              </a:rPr>
+              <a:t>D</a:t>
+            </a:r>
+            <a:r>
+              <a:rPr lang="en-US" altLang="zh-CN" sz="2800" baseline="-25000" dirty="0">
+                <a:latin typeface="Meiryo" panose="020B0604030504040204" pitchFamily="34" charset="-128"/>
+                <a:ea typeface="Meiryo" panose="020B0604030504040204" pitchFamily="34" charset="-128"/>
+                <a:cs typeface="Meiryo" panose="020B0604030504040204" pitchFamily="34" charset="-128"/>
+              </a:rPr>
+              <a:t>h</a:t>
+            </a:r>
+            <a:r>
+              <a:rPr lang="en-US" altLang="zh-CN" sz="2800" dirty="0">
+                <a:latin typeface="Meiryo" panose="020B0604030504040204" pitchFamily="34" charset="-128"/>
+                <a:ea typeface="Meiryo" panose="020B0604030504040204" pitchFamily="34" charset="-128"/>
+                <a:cs typeface="Meiryo" panose="020B0604030504040204" pitchFamily="34" charset="-128"/>
+              </a:rPr>
+              <a:t> </a:t>
+            </a:r>
+            <a:r>
+              <a:rPr lang="en-US" altLang="zh-CN" sz="2800" dirty="0">
+                <a:latin typeface="Meiryo" panose="020B0604030504040204" pitchFamily="34" charset="-128"/>
+                <a:ea typeface="Meiryo" panose="020B0604030504040204" pitchFamily="34" charset="-128"/>
+                <a:cs typeface="Meiryo" panose="020B0604030504040204" pitchFamily="34" charset="-128"/>
+              </a:rPr>
+              <a:t>: Hellinger </a:t>
+            </a:r>
+            <a:r>
+              <a:rPr lang="en-US" altLang="zh-CN" sz="2800" dirty="0" smtClean="0">
+                <a:latin typeface="Meiryo" panose="020B0604030504040204" pitchFamily="34" charset="-128"/>
+                <a:ea typeface="Meiryo" panose="020B0604030504040204" pitchFamily="34" charset="-128"/>
+                <a:cs typeface="Meiryo" panose="020B0604030504040204" pitchFamily="34" charset="-128"/>
+              </a:rPr>
+              <a:t>distance  </a:t>
+            </a:r>
+            <a:r>
+              <a:rPr lang="en-US" altLang="zh-CN" sz="2800" dirty="0" smtClean="0">
+                <a:latin typeface="Meiryo" panose="020B0604030504040204" pitchFamily="34" charset="-128"/>
+                <a:ea typeface="Meiryo" panose="020B0604030504040204" pitchFamily="34" charset="-128"/>
+                <a:cs typeface="Meiryo" panose="020B0604030504040204" pitchFamily="34" charset="-128"/>
+                <a:sym typeface="Wingdings" panose="05000000000000000000" pitchFamily="2" charset="2"/>
+              </a:rPr>
+              <a:t> overlap</a:t>
+            </a:r>
+            <a:endParaRPr lang="en-US" altLang="zh-CN" sz="2800" dirty="0" smtClean="0">
+              <a:latin typeface="Meiryo" panose="020B0604030504040204" pitchFamily="34" charset="-128"/>
+              <a:ea typeface="Meiryo" panose="020B0604030504040204" pitchFamily="34" charset="-128"/>
+              <a:cs typeface="Meiryo" panose="020B0604030504040204" pitchFamily="34" charset="-128"/>
+            </a:endParaRPr>
+          </a:p>
+          <a:p>
+            <a:pPr marL="457200" indent="-457200">
+              <a:lnSpc>
+                <a:spcPct val="200000"/>
+              </a:lnSpc>
+              <a:buFont typeface="Arial" panose="020B0604020202020204" pitchFamily="34" charset="0"/>
+              <a:buChar char="•"/>
+            </a:pPr>
+            <a:r>
+              <a:rPr lang="en-US" altLang="zh-CN" sz="2800" dirty="0">
+                <a:latin typeface="Meiryo" panose="020B0604030504040204" pitchFamily="34" charset="-128"/>
+                <a:ea typeface="Meiryo" panose="020B0604030504040204" pitchFamily="34" charset="-128"/>
+                <a:cs typeface="Meiryo" panose="020B0604030504040204" pitchFamily="34" charset="-128"/>
+              </a:rPr>
+              <a:t>set </a:t>
+            </a:r>
+            <a:r>
+              <a:rPr lang="el-GR" altLang="zh-CN" sz="2800" dirty="0">
+                <a:latin typeface="Meiryo" panose="020B0604030504040204" pitchFamily="34" charset="-128"/>
+                <a:ea typeface="Meiryo" panose="020B0604030504040204" pitchFamily="34" charset="-128"/>
+                <a:cs typeface="Meiryo" panose="020B0604030504040204" pitchFamily="34" charset="-128"/>
+              </a:rPr>
+              <a:t>λ</a:t>
+            </a:r>
+            <a:r>
+              <a:rPr lang="en-US" altLang="zh-CN" sz="2800" baseline="-25000" dirty="0">
+                <a:latin typeface="Meiryo" panose="020B0604030504040204" pitchFamily="34" charset="-128"/>
+                <a:ea typeface="Meiryo" panose="020B0604030504040204" pitchFamily="34" charset="-128"/>
+                <a:cs typeface="Meiryo" panose="020B0604030504040204" pitchFamily="34" charset="-128"/>
+              </a:rPr>
+              <a:t>l </a:t>
+            </a:r>
+            <a:r>
+              <a:rPr lang="en-US" altLang="zh-CN" sz="2800" dirty="0">
+                <a:latin typeface="Meiryo" panose="020B0604030504040204" pitchFamily="34" charset="-128"/>
+                <a:ea typeface="Meiryo" panose="020B0604030504040204" pitchFamily="34" charset="-128"/>
+                <a:cs typeface="Meiryo" panose="020B0604030504040204" pitchFamily="34" charset="-128"/>
+              </a:rPr>
+              <a:t>= 0.005 and </a:t>
+            </a:r>
+            <a:r>
+              <a:rPr lang="el-GR" altLang="zh-CN" sz="2800" dirty="0">
+                <a:latin typeface="Meiryo" panose="020B0604030504040204" pitchFamily="34" charset="-128"/>
+                <a:ea typeface="Meiryo" panose="020B0604030504040204" pitchFamily="34" charset="-128"/>
+                <a:cs typeface="Meiryo" panose="020B0604030504040204" pitchFamily="34" charset="-128"/>
+              </a:rPr>
+              <a:t>λ</a:t>
+            </a:r>
+            <a:r>
+              <a:rPr lang="en-US" altLang="zh-CN" sz="2800" baseline="-25000" dirty="0">
+                <a:latin typeface="Meiryo" panose="020B0604030504040204" pitchFamily="34" charset="-128"/>
+                <a:ea typeface="Meiryo" panose="020B0604030504040204" pitchFamily="34" charset="-128"/>
+                <a:cs typeface="Meiryo" panose="020B0604030504040204" pitchFamily="34" charset="-128"/>
+              </a:rPr>
+              <a:t>c</a:t>
+            </a:r>
+            <a:r>
+              <a:rPr lang="en-US" altLang="zh-CN" sz="2800" dirty="0">
+                <a:latin typeface="Meiryo" panose="020B0604030504040204" pitchFamily="34" charset="-128"/>
+                <a:ea typeface="Meiryo" panose="020B0604030504040204" pitchFamily="34" charset="-128"/>
+                <a:cs typeface="Meiryo" panose="020B0604030504040204" pitchFamily="34" charset="-128"/>
+              </a:rPr>
+              <a:t> = 0.05 </a:t>
+            </a:r>
+            <a:r>
+              <a:rPr lang="en-US" altLang="zh-CN" sz="2800" dirty="0">
+                <a:latin typeface="Meiryo" panose="020B0604030504040204" pitchFamily="34" charset="-128"/>
+                <a:ea typeface="Meiryo" panose="020B0604030504040204" pitchFamily="34" charset="-128"/>
+                <a:cs typeface="Meiryo" panose="020B0604030504040204" pitchFamily="34" charset="-128"/>
+              </a:rPr>
+              <a:t> </a:t>
+            </a:r>
+            <a:endParaRPr lang="en-US" altLang="zh-CN" sz="2800" dirty="0">
+              <a:latin typeface="Meiryo" panose="020B0604030504040204" pitchFamily="34" charset="-128"/>
+              <a:ea typeface="Meiryo" panose="020B0604030504040204" pitchFamily="34" charset="-128"/>
+              <a:cs typeface="Meiryo" panose="020B0604030504040204" pitchFamily="34" charset="-128"/>
+            </a:endParaRPr>
+          </a:p>
+        </p:txBody>
+      </p:sp>
+      <p:pic>
+        <p:nvPicPr>
+          <p:cNvPr id="7170" name="Picture 2"/>
+          <p:cNvPicPr>
+            <a:picLocks noChangeAspect="1" noChangeArrowheads="1"/>
+          </p:cNvPicPr>
+          <p:nvPr/>
+        </p:nvPicPr>
+        <p:blipFill>
+          <a:blip r:embed="rId3">
+            <a:extLst>
+              <a:ext uri="{28A0092B-C50C-407E-A947-70E740481C1C}">
+                <a14:useLocalDpi xmlns:a14="http://schemas.microsoft.com/office/drawing/2010/main" val="0"/>
+              </a:ext>
+            </a:extLst>
+          </a:blip>
+          <a:srcRect/>
+          <a:stretch>
+            <a:fillRect/>
+          </a:stretch>
+        </p:blipFill>
+        <p:spPr bwMode="auto">
+          <a:xfrm>
+            <a:off x="1570366" y="1431082"/>
+            <a:ext cx="9394167" cy="887506"/>
+          </a:xfrm>
+          <a:prstGeom prst="rect">
+            <a:avLst/>
+          </a:prstGeom>
+          <a:noFill/>
+          <a:ln>
+            <a:noFill/>
+          </a:ln>
+          <a:extLst>
+            <a:ext uri="{909E8E84-426E-40DD-AFC4-6F175D3DCCD1}">
+              <a14:hiddenFill xmlns:a14="http://schemas.microsoft.com/office/drawing/2010/main">
+                <a:solidFill>
+                  <a:schemeClr val="accent1"/>
+                </a:solidFill>
+              </a14:hiddenFill>
+            </a:ext>
+            <a:ext uri="{91240B29-F687-4F45-9708-019B960494DF}">
+              <a14:hiddenLine xmlns:a14="http://schemas.microsoft.com/office/drawing/2010/main" w="9525">
+                <a:solidFill>
+                  <a:schemeClr val="tx1"/>
+                </a:solidFill>
+                <a:miter lim="800000"/>
+                <a:headEnd/>
+                <a:tailEnd/>
+              </a14:hiddenLine>
+            </a:ext>
+          </a:extLst>
+        </p:spPr>
+      </p:pic>
     </p:spTree>
     <p:extLst>
       <p:ext uri="{BB962C8B-B14F-4D97-AF65-F5344CB8AC3E}">
-        <p14:creationId xmlns:p14="http://schemas.microsoft.com/office/powerpoint/2010/main" val="3711594375"/>
+        <p14:creationId xmlns:p14="http://schemas.microsoft.com/office/powerpoint/2010/main" val="113214671"/>
+      </p:ext>
+    </p:extLst>
+  </p:cSld>
+  <p:clrMapOvr>
+    <a:masterClrMapping/>
+  </p:clrMapOvr>
+  <p:timing>
+    <p:tnLst>
+      <p:par>
+        <p:cTn id="1" dur="indefinite" restart="never" nodeType="tmRoot"/>
+      </p:par>
+    </p:tnLst>
+  </p:timing>
+</p:sld>
+</file>
+
+<file path=ppt/slides/slide39.xml><?xml version="1.0" encoding="utf-8"?>
+<p:sld xmlns:a="http://schemas.openxmlformats.org/drawingml/2006/main" xmlns:r="http://schemas.openxmlformats.org/officeDocument/2006/relationships" xmlns:p="http://schemas.openxmlformats.org/presentationml/2006/main">
+  <p:cSld>
+    <p:spTree>
+      <p:nvGrpSpPr>
+        <p:cNvPr id="1" name=""/>
+        <p:cNvGrpSpPr/>
+        <p:nvPr/>
+      </p:nvGrpSpPr>
+      <p:grpSpPr>
+        <a:xfrm>
+          <a:off x="0" y="0"/>
+          <a:ext cx="0" cy="0"/>
+          <a:chOff x="0" y="0"/>
+          <a:chExt cx="0" cy="0"/>
+        </a:xfrm>
+      </p:grpSpPr>
+      <p:sp>
+        <p:nvSpPr>
+          <p:cNvPr id="9" name="等腰三角形 8"/>
+          <p:cNvSpPr/>
+          <p:nvPr/>
+        </p:nvSpPr>
+        <p:spPr>
+          <a:xfrm rot="4613108">
+            <a:off x="7331460" y="3148738"/>
+            <a:ext cx="4577580" cy="4214762"/>
+          </a:xfrm>
+          <a:prstGeom prst="triangle">
+            <a:avLst/>
+          </a:prstGeom>
+          <a:solidFill>
+            <a:schemeClr val="bg1">
+              <a:lumMod val="95000"/>
+            </a:schemeClr>
+          </a:solidFill>
+          <a:ln>
+            <a:noFill/>
+          </a:ln>
+        </p:spPr>
+        <p:style>
+          <a:lnRef idx="2">
+            <a:schemeClr val="accent1">
+              <a:shade val="50000"/>
+            </a:schemeClr>
+          </a:lnRef>
+          <a:fillRef idx="1">
+            <a:schemeClr val="accent1"/>
+          </a:fillRef>
+          <a:effectRef idx="0">
+            <a:schemeClr val="accent1"/>
+          </a:effectRef>
+          <a:fontRef idx="minor">
+            <a:schemeClr val="lt1"/>
+          </a:fontRef>
+        </p:style>
+        <p:txBody>
+          <a:bodyPr rtlCol="0" anchor="ctr"/>
+          <a:lstStyle/>
+          <a:p>
+            <a:pPr algn="ctr"/>
+            <a:endParaRPr lang="zh-CN" altLang="en-US"/>
+          </a:p>
+        </p:txBody>
+      </p:sp>
+      <p:sp>
+        <p:nvSpPr>
+          <p:cNvPr id="8" name="矩形 7"/>
+          <p:cNvSpPr/>
+          <p:nvPr/>
+        </p:nvSpPr>
+        <p:spPr>
+          <a:xfrm rot="783766">
+            <a:off x="-2197454" y="-2340269"/>
+            <a:ext cx="6006821" cy="3447534"/>
+          </a:xfrm>
+          <a:prstGeom prst="rect">
+            <a:avLst/>
+          </a:prstGeom>
+          <a:solidFill>
+            <a:schemeClr val="bg1">
+              <a:lumMod val="95000"/>
+            </a:schemeClr>
+          </a:solidFill>
+          <a:ln>
+            <a:noFill/>
+          </a:ln>
+        </p:spPr>
+        <p:style>
+          <a:lnRef idx="2">
+            <a:schemeClr val="accent1">
+              <a:shade val="50000"/>
+            </a:schemeClr>
+          </a:lnRef>
+          <a:fillRef idx="1">
+            <a:schemeClr val="accent1"/>
+          </a:fillRef>
+          <a:effectRef idx="0">
+            <a:schemeClr val="accent1"/>
+          </a:effectRef>
+          <a:fontRef idx="minor">
+            <a:schemeClr val="lt1"/>
+          </a:fontRef>
+        </p:style>
+        <p:txBody>
+          <a:bodyPr rtlCol="0" anchor="ctr"/>
+          <a:lstStyle/>
+          <a:p>
+            <a:pPr algn="ctr"/>
+            <a:endParaRPr lang="zh-CN" altLang="en-US" dirty="0"/>
+          </a:p>
+        </p:txBody>
+      </p:sp>
+      <p:sp>
+        <p:nvSpPr>
+          <p:cNvPr id="30" name="文本框 29"/>
+          <p:cNvSpPr txBox="1"/>
+          <p:nvPr/>
+        </p:nvSpPr>
+        <p:spPr>
+          <a:xfrm>
+            <a:off x="662538" y="294935"/>
+            <a:ext cx="9834012" cy="769441"/>
+          </a:xfrm>
+          <a:prstGeom prst="rect">
+            <a:avLst/>
+          </a:prstGeom>
+          <a:noFill/>
+        </p:spPr>
+        <p:txBody>
+          <a:bodyPr wrap="square" rtlCol="0">
+            <a:spAutoFit/>
+          </a:bodyPr>
+          <a:lstStyle/>
+          <a:p>
+            <a:r>
+              <a:rPr lang="en-US" altLang="zh-CN" sz="4400" b="1" dirty="0" smtClean="0">
+                <a:solidFill>
+                  <a:srgbClr val="00ABB4"/>
+                </a:solidFill>
+                <a:latin typeface="微软雅黑" panose="020B0503020204020204" pitchFamily="34" charset="-122"/>
+                <a:ea typeface="微软雅黑" panose="020B0503020204020204" pitchFamily="34" charset="-122"/>
+              </a:rPr>
+              <a:t>2.2 Style ranking</a:t>
+            </a:r>
+            <a:r>
+              <a:rPr lang="en-US" altLang="zh-CN" sz="4400" dirty="0" smtClean="0">
+                <a:solidFill>
+                  <a:srgbClr val="00ABB4"/>
+                </a:solidFill>
+                <a:latin typeface="微软雅黑" panose="020B0503020204020204" pitchFamily="34" charset="-122"/>
+                <a:ea typeface="微软雅黑" panose="020B0503020204020204" pitchFamily="34" charset="-122"/>
+              </a:rPr>
+              <a:t>(do with P and S)</a:t>
+            </a:r>
+            <a:endParaRPr lang="en-US" altLang="zh-CN" sz="4400" dirty="0">
+              <a:solidFill>
+                <a:srgbClr val="00ABB4"/>
+              </a:solidFill>
+              <a:latin typeface="微软雅黑" panose="020B0503020204020204" pitchFamily="34" charset="-122"/>
+              <a:ea typeface="微软雅黑" panose="020B0503020204020204" pitchFamily="34" charset="-122"/>
+            </a:endParaRPr>
+          </a:p>
+        </p:txBody>
+      </p:sp>
+      <p:sp>
+        <p:nvSpPr>
+          <p:cNvPr id="31" name="Rectangle 96"/>
+          <p:cNvSpPr/>
+          <p:nvPr/>
+        </p:nvSpPr>
+        <p:spPr>
+          <a:xfrm>
+            <a:off x="1143000" y="1264431"/>
+            <a:ext cx="11049000" cy="5262979"/>
+          </a:xfrm>
+          <a:prstGeom prst="rect">
+            <a:avLst/>
+          </a:prstGeom>
+        </p:spPr>
+        <p:txBody>
+          <a:bodyPr wrap="square">
+            <a:spAutoFit/>
+          </a:bodyPr>
+          <a:lstStyle/>
+          <a:p>
+            <a:pPr marL="457200" indent="-457200">
+              <a:lnSpc>
+                <a:spcPct val="200000"/>
+              </a:lnSpc>
+              <a:buFont typeface="Arial" panose="020B0604020202020204" pitchFamily="34" charset="0"/>
+              <a:buChar char="•"/>
+            </a:pPr>
+            <a:r>
+              <a:rPr lang="en-US" altLang="zh-CN" sz="2800" dirty="0" smtClean="0">
+                <a:latin typeface="Meiryo" panose="020B0604030504040204" pitchFamily="34" charset="-128"/>
+                <a:ea typeface="Meiryo" panose="020B0604030504040204" pitchFamily="34" charset="-128"/>
+                <a:cs typeface="Meiryo" panose="020B0604030504040204" pitchFamily="34" charset="-128"/>
+              </a:rPr>
+              <a:t>D</a:t>
+            </a:r>
+            <a:r>
+              <a:rPr lang="en-US" altLang="zh-CN" sz="2800" baseline="-25000" dirty="0" smtClean="0">
+                <a:latin typeface="Meiryo" panose="020B0604030504040204" pitchFamily="34" charset="-128"/>
+                <a:ea typeface="Meiryo" panose="020B0604030504040204" pitchFamily="34" charset="-128"/>
+                <a:cs typeface="Meiryo" panose="020B0604030504040204" pitchFamily="34" charset="-128"/>
+              </a:rPr>
+              <a:t>h</a:t>
+            </a:r>
+            <a:r>
+              <a:rPr lang="en-US" altLang="zh-CN" sz="2800" dirty="0" smtClean="0">
+                <a:latin typeface="Meiryo" panose="020B0604030504040204" pitchFamily="34" charset="-128"/>
+                <a:ea typeface="Meiryo" panose="020B0604030504040204" pitchFamily="34" charset="-128"/>
+                <a:cs typeface="Meiryo" panose="020B0604030504040204" pitchFamily="34" charset="-128"/>
+              </a:rPr>
+              <a:t> </a:t>
+            </a:r>
+            <a:r>
+              <a:rPr lang="en-US" altLang="zh-CN" sz="2800" dirty="0">
+                <a:latin typeface="Meiryo" panose="020B0604030504040204" pitchFamily="34" charset="-128"/>
+                <a:ea typeface="Meiryo" panose="020B0604030504040204" pitchFamily="34" charset="-128"/>
+                <a:cs typeface="Meiryo" panose="020B0604030504040204" pitchFamily="34" charset="-128"/>
+              </a:rPr>
+              <a:t>: Hellinger </a:t>
+            </a:r>
+            <a:r>
+              <a:rPr lang="en-US" altLang="zh-CN" sz="2800" dirty="0" smtClean="0">
+                <a:latin typeface="Meiryo" panose="020B0604030504040204" pitchFamily="34" charset="-128"/>
+                <a:ea typeface="Meiryo" panose="020B0604030504040204" pitchFamily="34" charset="-128"/>
+                <a:cs typeface="Meiryo" panose="020B0604030504040204" pitchFamily="34" charset="-128"/>
+              </a:rPr>
+              <a:t>distance:</a:t>
+            </a:r>
+          </a:p>
+          <a:p>
+            <a:pPr marL="457200" indent="-457200">
+              <a:lnSpc>
+                <a:spcPct val="200000"/>
+              </a:lnSpc>
+              <a:buFont typeface="Arial" panose="020B0604020202020204" pitchFamily="34" charset="0"/>
+              <a:buChar char="•"/>
+            </a:pPr>
+            <a:endParaRPr lang="en-US" altLang="zh-CN" sz="2800" dirty="0">
+              <a:latin typeface="Meiryo" panose="020B0604030504040204" pitchFamily="34" charset="-128"/>
+              <a:ea typeface="Meiryo" panose="020B0604030504040204" pitchFamily="34" charset="-128"/>
+              <a:cs typeface="Meiryo" panose="020B0604030504040204" pitchFamily="34" charset="-128"/>
+            </a:endParaRPr>
+          </a:p>
+          <a:p>
+            <a:pPr marL="457200" indent="-457200">
+              <a:lnSpc>
+                <a:spcPct val="200000"/>
+              </a:lnSpc>
+              <a:buFont typeface="Arial" panose="020B0604020202020204" pitchFamily="34" charset="0"/>
+              <a:buChar char="•"/>
+            </a:pPr>
+            <a:endParaRPr lang="en-US" altLang="zh-CN" sz="2800" dirty="0" smtClean="0">
+              <a:latin typeface="Meiryo" panose="020B0604030504040204" pitchFamily="34" charset="-128"/>
+              <a:ea typeface="Meiryo" panose="020B0604030504040204" pitchFamily="34" charset="-128"/>
+              <a:cs typeface="Meiryo" panose="020B0604030504040204" pitchFamily="34" charset="-128"/>
+            </a:endParaRPr>
+          </a:p>
+          <a:p>
+            <a:pPr marL="914400" lvl="1" indent="-457200">
+              <a:lnSpc>
+                <a:spcPct val="200000"/>
+              </a:lnSpc>
+              <a:buFont typeface="Arial" panose="020B0604020202020204" pitchFamily="34" charset="0"/>
+              <a:buChar char="•"/>
+            </a:pPr>
+            <a:r>
+              <a:rPr lang="en-US" altLang="zh-CN" sz="2800" dirty="0">
+                <a:latin typeface="Meiryo" panose="020B0604030504040204" pitchFamily="34" charset="-128"/>
+                <a:ea typeface="Meiryo" panose="020B0604030504040204" pitchFamily="34" charset="-128"/>
+                <a:cs typeface="Meiryo" panose="020B0604030504040204" pitchFamily="34" charset="-128"/>
+              </a:rPr>
+              <a:t>NP = (µP , </a:t>
+            </a:r>
+            <a:r>
+              <a:rPr lang="el-GR" altLang="zh-CN" sz="2800" dirty="0">
+                <a:latin typeface="Meiryo" panose="020B0604030504040204" pitchFamily="34" charset="-128"/>
+                <a:ea typeface="Meiryo" panose="020B0604030504040204" pitchFamily="34" charset="-128"/>
+                <a:cs typeface="Meiryo" panose="020B0604030504040204" pitchFamily="34" charset="-128"/>
+              </a:rPr>
+              <a:t>Σ</a:t>
+            </a:r>
+            <a:r>
+              <a:rPr lang="en-US" altLang="zh-CN" sz="2800" dirty="0">
+                <a:latin typeface="Meiryo" panose="020B0604030504040204" pitchFamily="34" charset="-128"/>
+                <a:ea typeface="Meiryo" panose="020B0604030504040204" pitchFamily="34" charset="-128"/>
+                <a:cs typeface="Meiryo" panose="020B0604030504040204" pitchFamily="34" charset="-128"/>
+              </a:rPr>
+              <a:t>P ) </a:t>
+            </a:r>
+            <a:r>
+              <a:rPr lang="en-US" altLang="zh-CN" sz="2800" dirty="0">
+                <a:latin typeface="Meiryo" panose="020B0604030504040204" pitchFamily="34" charset="-128"/>
+                <a:ea typeface="Meiryo" panose="020B0604030504040204" pitchFamily="34" charset="-128"/>
+                <a:cs typeface="Meiryo" panose="020B0604030504040204" pitchFamily="34" charset="-128"/>
+              </a:rPr>
+              <a:t>: multivariate </a:t>
+            </a:r>
+            <a:r>
+              <a:rPr lang="en-US" altLang="zh-CN" sz="2800" dirty="0" smtClean="0">
+                <a:latin typeface="Meiryo" panose="020B0604030504040204" pitchFamily="34" charset="-128"/>
+                <a:ea typeface="Meiryo" panose="020B0604030504040204" pitchFamily="34" charset="-128"/>
+                <a:cs typeface="Meiryo" panose="020B0604030504040204" pitchFamily="34" charset="-128"/>
+              </a:rPr>
+              <a:t>Gaussian statistics </a:t>
+            </a:r>
+            <a:r>
+              <a:rPr lang="en-US" altLang="zh-CN" sz="2800" dirty="0">
+                <a:latin typeface="Meiryo" panose="020B0604030504040204" pitchFamily="34" charset="-128"/>
+                <a:ea typeface="Meiryo" panose="020B0604030504040204" pitchFamily="34" charset="-128"/>
+                <a:cs typeface="Meiryo" panose="020B0604030504040204" pitchFamily="34" charset="-128"/>
+              </a:rPr>
+              <a:t>of chrominance channel for an </a:t>
+            </a:r>
+            <a:r>
+              <a:rPr lang="en-US" altLang="zh-CN" sz="2800" dirty="0" smtClean="0">
+                <a:latin typeface="Meiryo" panose="020B0604030504040204" pitchFamily="34" charset="-128"/>
+                <a:ea typeface="Meiryo" panose="020B0604030504040204" pitchFamily="34" charset="-128"/>
+                <a:cs typeface="Meiryo" panose="020B0604030504040204" pitchFamily="34" charset="-128"/>
+              </a:rPr>
+              <a:t>image</a:t>
+            </a:r>
+          </a:p>
+          <a:p>
+            <a:pPr marL="914400" lvl="1" indent="-457200">
+              <a:lnSpc>
+                <a:spcPct val="200000"/>
+              </a:lnSpc>
+              <a:buFont typeface="Arial" panose="020B0604020202020204" pitchFamily="34" charset="0"/>
+              <a:buChar char="•"/>
+            </a:pPr>
+            <a:r>
+              <a:rPr lang="en-US" altLang="zh-CN" sz="2800" dirty="0">
+                <a:latin typeface="Meiryo" panose="020B0604030504040204" pitchFamily="34" charset="-128"/>
+                <a:ea typeface="Meiryo" panose="020B0604030504040204" pitchFamily="34" charset="-128"/>
+                <a:cs typeface="Meiryo" panose="020B0604030504040204" pitchFamily="34" charset="-128"/>
+              </a:rPr>
+              <a:t>ǫ = 1 </a:t>
+            </a:r>
+          </a:p>
+        </p:txBody>
+      </p:sp>
+      <p:pic>
+        <p:nvPicPr>
+          <p:cNvPr id="8194" name="Picture 2"/>
+          <p:cNvPicPr>
+            <a:picLocks noChangeAspect="1" noChangeArrowheads="1"/>
+          </p:cNvPicPr>
+          <p:nvPr/>
+        </p:nvPicPr>
+        <p:blipFill>
+          <a:blip r:embed="rId3">
+            <a:extLst>
+              <a:ext uri="{28A0092B-C50C-407E-A947-70E740481C1C}">
+                <a14:useLocalDpi xmlns:a14="http://schemas.microsoft.com/office/drawing/2010/main" val="0"/>
+              </a:ext>
+            </a:extLst>
+          </a:blip>
+          <a:srcRect/>
+          <a:stretch>
+            <a:fillRect/>
+          </a:stretch>
+        </p:blipFill>
+        <p:spPr bwMode="auto">
+          <a:xfrm>
+            <a:off x="2076815" y="2218537"/>
+            <a:ext cx="8457469" cy="1494307"/>
+          </a:xfrm>
+          <a:prstGeom prst="rect">
+            <a:avLst/>
+          </a:prstGeom>
+          <a:noFill/>
+          <a:ln>
+            <a:noFill/>
+          </a:ln>
+          <a:extLst>
+            <a:ext uri="{909E8E84-426E-40DD-AFC4-6F175D3DCCD1}">
+              <a14:hiddenFill xmlns:a14="http://schemas.microsoft.com/office/drawing/2010/main">
+                <a:solidFill>
+                  <a:schemeClr val="accent1"/>
+                </a:solidFill>
+              </a14:hiddenFill>
+            </a:ext>
+            <a:ext uri="{91240B29-F687-4F45-9708-019B960494DF}">
+              <a14:hiddenLine xmlns:a14="http://schemas.microsoft.com/office/drawing/2010/main" w="9525">
+                <a:solidFill>
+                  <a:schemeClr val="tx1"/>
+                </a:solidFill>
+                <a:miter lim="800000"/>
+                <a:headEnd/>
+                <a:tailEnd/>
+              </a14:hiddenLine>
+            </a:ext>
+          </a:extLst>
+        </p:spPr>
+      </p:pic>
+    </p:spTree>
+    <p:extLst>
+      <p:ext uri="{BB962C8B-B14F-4D97-AF65-F5344CB8AC3E}">
+        <p14:creationId xmlns:p14="http://schemas.microsoft.com/office/powerpoint/2010/main" val="3160233372"/>
       </p:ext>
     </p:extLst>
   </p:cSld>
@@ -16866,6 +18780,1822 @@
     <p:extLst>
       <p:ext uri="{BB962C8B-B14F-4D97-AF65-F5344CB8AC3E}">
         <p14:creationId xmlns:p14="http://schemas.microsoft.com/office/powerpoint/2010/main" val="2822846098"/>
+      </p:ext>
+    </p:extLst>
+  </p:cSld>
+  <p:clrMapOvr>
+    <a:masterClrMapping/>
+  </p:clrMapOvr>
+  <p:timing>
+    <p:tnLst>
+      <p:par>
+        <p:cTn id="1" dur="indefinite" restart="never" nodeType="tmRoot"/>
+      </p:par>
+    </p:tnLst>
+  </p:timing>
+</p:sld>
+</file>
+
+<file path=ppt/slides/slide40.xml><?xml version="1.0" encoding="utf-8"?>
+<p:sld xmlns:a="http://schemas.openxmlformats.org/drawingml/2006/main" xmlns:r="http://schemas.openxmlformats.org/officeDocument/2006/relationships" xmlns:p="http://schemas.openxmlformats.org/presentationml/2006/main">
+  <p:cSld>
+    <p:spTree>
+      <p:nvGrpSpPr>
+        <p:cNvPr id="1" name=""/>
+        <p:cNvGrpSpPr/>
+        <p:nvPr/>
+      </p:nvGrpSpPr>
+      <p:grpSpPr>
+        <a:xfrm>
+          <a:off x="0" y="0"/>
+          <a:ext cx="0" cy="0"/>
+          <a:chOff x="0" y="0"/>
+          <a:chExt cx="0" cy="0"/>
+        </a:xfrm>
+      </p:grpSpPr>
+      <p:sp>
+        <p:nvSpPr>
+          <p:cNvPr id="9" name="等腰三角形 8"/>
+          <p:cNvSpPr/>
+          <p:nvPr/>
+        </p:nvSpPr>
+        <p:spPr>
+          <a:xfrm rot="4613108">
+            <a:off x="7331460" y="3148738"/>
+            <a:ext cx="4577580" cy="4214762"/>
+          </a:xfrm>
+          <a:prstGeom prst="triangle">
+            <a:avLst/>
+          </a:prstGeom>
+          <a:solidFill>
+            <a:schemeClr val="bg1">
+              <a:lumMod val="95000"/>
+            </a:schemeClr>
+          </a:solidFill>
+          <a:ln>
+            <a:noFill/>
+          </a:ln>
+        </p:spPr>
+        <p:style>
+          <a:lnRef idx="2">
+            <a:schemeClr val="accent1">
+              <a:shade val="50000"/>
+            </a:schemeClr>
+          </a:lnRef>
+          <a:fillRef idx="1">
+            <a:schemeClr val="accent1"/>
+          </a:fillRef>
+          <a:effectRef idx="0">
+            <a:schemeClr val="accent1"/>
+          </a:effectRef>
+          <a:fontRef idx="minor">
+            <a:schemeClr val="lt1"/>
+          </a:fontRef>
+        </p:style>
+        <p:txBody>
+          <a:bodyPr rtlCol="0" anchor="ctr"/>
+          <a:lstStyle/>
+          <a:p>
+            <a:pPr algn="ctr"/>
+            <a:endParaRPr lang="zh-CN" altLang="en-US"/>
+          </a:p>
+        </p:txBody>
+      </p:sp>
+      <p:sp>
+        <p:nvSpPr>
+          <p:cNvPr id="8" name="矩形 7"/>
+          <p:cNvSpPr/>
+          <p:nvPr/>
+        </p:nvSpPr>
+        <p:spPr>
+          <a:xfrm rot="783766">
+            <a:off x="-2197454" y="-2340269"/>
+            <a:ext cx="6006821" cy="3447534"/>
+          </a:xfrm>
+          <a:prstGeom prst="rect">
+            <a:avLst/>
+          </a:prstGeom>
+          <a:solidFill>
+            <a:schemeClr val="bg1">
+              <a:lumMod val="95000"/>
+            </a:schemeClr>
+          </a:solidFill>
+          <a:ln>
+            <a:noFill/>
+          </a:ln>
+        </p:spPr>
+        <p:style>
+          <a:lnRef idx="2">
+            <a:schemeClr val="accent1">
+              <a:shade val="50000"/>
+            </a:schemeClr>
+          </a:lnRef>
+          <a:fillRef idx="1">
+            <a:schemeClr val="accent1"/>
+          </a:fillRef>
+          <a:effectRef idx="0">
+            <a:schemeClr val="accent1"/>
+          </a:effectRef>
+          <a:fontRef idx="minor">
+            <a:schemeClr val="lt1"/>
+          </a:fontRef>
+        </p:style>
+        <p:txBody>
+          <a:bodyPr rtlCol="0" anchor="ctr"/>
+          <a:lstStyle/>
+          <a:p>
+            <a:pPr algn="ctr"/>
+            <a:endParaRPr lang="zh-CN" altLang="en-US" dirty="0"/>
+          </a:p>
+        </p:txBody>
+      </p:sp>
+      <p:sp>
+        <p:nvSpPr>
+          <p:cNvPr id="30" name="文本框 29"/>
+          <p:cNvSpPr txBox="1"/>
+          <p:nvPr/>
+        </p:nvSpPr>
+        <p:spPr>
+          <a:xfrm>
+            <a:off x="662538" y="294935"/>
+            <a:ext cx="9834012" cy="769441"/>
+          </a:xfrm>
+          <a:prstGeom prst="rect">
+            <a:avLst/>
+          </a:prstGeom>
+          <a:noFill/>
+        </p:spPr>
+        <p:txBody>
+          <a:bodyPr wrap="square" rtlCol="0">
+            <a:spAutoFit/>
+          </a:bodyPr>
+          <a:lstStyle/>
+          <a:p>
+            <a:r>
+              <a:rPr lang="en-US" altLang="zh-CN" sz="4400" b="1" dirty="0" smtClean="0">
+                <a:solidFill>
+                  <a:srgbClr val="00ABB4"/>
+                </a:solidFill>
+                <a:latin typeface="微软雅黑" panose="020B0503020204020204" pitchFamily="34" charset="-122"/>
+                <a:ea typeface="微软雅黑" panose="020B0503020204020204" pitchFamily="34" charset="-122"/>
+              </a:rPr>
+              <a:t>2.2 Style ranking</a:t>
+            </a:r>
+            <a:r>
+              <a:rPr lang="en-US" altLang="zh-CN" sz="4400" dirty="0" smtClean="0">
+                <a:solidFill>
+                  <a:srgbClr val="00ABB4"/>
+                </a:solidFill>
+                <a:latin typeface="微软雅黑" panose="020B0503020204020204" pitchFamily="34" charset="-122"/>
+                <a:ea typeface="微软雅黑" panose="020B0503020204020204" pitchFamily="34" charset="-122"/>
+              </a:rPr>
+              <a:t>(do with P and S)</a:t>
+            </a:r>
+            <a:endParaRPr lang="en-US" altLang="zh-CN" sz="4400" dirty="0">
+              <a:solidFill>
+                <a:srgbClr val="00ABB4"/>
+              </a:solidFill>
+              <a:latin typeface="微软雅黑" panose="020B0503020204020204" pitchFamily="34" charset="-122"/>
+              <a:ea typeface="微软雅黑" panose="020B0503020204020204" pitchFamily="34" charset="-122"/>
+            </a:endParaRPr>
+          </a:p>
+        </p:txBody>
+      </p:sp>
+      <p:sp>
+        <p:nvSpPr>
+          <p:cNvPr id="31" name="Rectangle 96"/>
+          <p:cNvSpPr/>
+          <p:nvPr/>
+        </p:nvSpPr>
+        <p:spPr>
+          <a:xfrm>
+            <a:off x="1143000" y="1264431"/>
+            <a:ext cx="11049000" cy="5262979"/>
+          </a:xfrm>
+          <a:prstGeom prst="rect">
+            <a:avLst/>
+          </a:prstGeom>
+        </p:spPr>
+        <p:txBody>
+          <a:bodyPr wrap="square">
+            <a:spAutoFit/>
+          </a:bodyPr>
+          <a:lstStyle/>
+          <a:p>
+            <a:pPr marL="457200" indent="-457200">
+              <a:lnSpc>
+                <a:spcPct val="200000"/>
+              </a:lnSpc>
+              <a:buFont typeface="Arial" panose="020B0604020202020204" pitchFamily="34" charset="0"/>
+              <a:buChar char="•"/>
+            </a:pPr>
+            <a:r>
+              <a:rPr lang="en-US" altLang="zh-CN" sz="2800" dirty="0">
+                <a:latin typeface="Meiryo" panose="020B0604030504040204" pitchFamily="34" charset="-128"/>
+                <a:ea typeface="Meiryo" panose="020B0604030504040204" pitchFamily="34" charset="-128"/>
+                <a:cs typeface="Meiryo" panose="020B0604030504040204" pitchFamily="34" charset="-128"/>
+              </a:rPr>
+              <a:t>C</a:t>
+            </a:r>
+            <a:r>
+              <a:rPr lang="en-US" altLang="zh-CN" sz="2800" baseline="-25000" dirty="0">
+                <a:latin typeface="Meiryo" panose="020B0604030504040204" pitchFamily="34" charset="-128"/>
+                <a:ea typeface="Meiryo" panose="020B0604030504040204" pitchFamily="34" charset="-128"/>
+                <a:cs typeface="Meiryo" panose="020B0604030504040204" pitchFamily="34" charset="-128"/>
+              </a:rPr>
+              <a:t>K</a:t>
+            </a:r>
+            <a:r>
+              <a:rPr lang="en-US" altLang="zh-CN" sz="2800" dirty="0">
+                <a:latin typeface="Meiryo" panose="020B0604030504040204" pitchFamily="34" charset="-128"/>
+                <a:ea typeface="Meiryo" panose="020B0604030504040204" pitchFamily="34" charset="-128"/>
+                <a:cs typeface="Meiryo" panose="020B0604030504040204" pitchFamily="34" charset="-128"/>
+              </a:rPr>
+              <a:t> </a:t>
+            </a:r>
+            <a:r>
+              <a:rPr lang="en-US" altLang="zh-CN" sz="2800" dirty="0" smtClean="0">
+                <a:latin typeface="Meiryo" panose="020B0604030504040204" pitchFamily="34" charset="-128"/>
+                <a:ea typeface="Meiryo" panose="020B0604030504040204" pitchFamily="34" charset="-128"/>
+                <a:cs typeface="Meiryo" panose="020B0604030504040204" pitchFamily="34" charset="-128"/>
+              </a:rPr>
+              <a:t> : compatibility </a:t>
+            </a:r>
+            <a:r>
+              <a:rPr lang="en-US" altLang="zh-CN" sz="2800" dirty="0">
+                <a:latin typeface="Meiryo" panose="020B0604030504040204" pitchFamily="34" charset="-128"/>
+                <a:ea typeface="Meiryo" panose="020B0604030504040204" pitchFamily="34" charset="-128"/>
+                <a:cs typeface="Meiryo" panose="020B0604030504040204" pitchFamily="34" charset="-128"/>
+              </a:rPr>
+              <a:t>of a stylized </a:t>
+            </a:r>
+            <a:r>
+              <a:rPr lang="en-US" altLang="zh-CN" sz="2800" dirty="0" smtClean="0">
+                <a:latin typeface="Meiryo" panose="020B0604030504040204" pitchFamily="34" charset="-128"/>
+                <a:ea typeface="Meiryo" panose="020B0604030504040204" pitchFamily="34" charset="-128"/>
+                <a:cs typeface="Meiryo" panose="020B0604030504040204" pitchFamily="34" charset="-128"/>
+              </a:rPr>
+              <a:t>exemplar S</a:t>
+            </a:r>
+            <a:r>
+              <a:rPr lang="en-US" altLang="zh-CN" sz="2800" dirty="0">
+                <a:latin typeface="Meiryo" panose="020B0604030504040204" pitchFamily="34" charset="-128"/>
+                <a:ea typeface="Meiryo" panose="020B0604030504040204" pitchFamily="34" charset="-128"/>
+                <a:cs typeface="Meiryo" panose="020B0604030504040204" pitchFamily="34" charset="-128"/>
+              </a:rPr>
+              <a:t>, with a </a:t>
+            </a:r>
+            <a:r>
+              <a:rPr lang="en-US" altLang="zh-CN" sz="2800" dirty="0" smtClean="0">
+                <a:latin typeface="Meiryo" panose="020B0604030504040204" pitchFamily="34" charset="-128"/>
+                <a:ea typeface="Meiryo" panose="020B0604030504040204" pitchFamily="34" charset="-128"/>
+                <a:cs typeface="Meiryo" panose="020B0604030504040204" pitchFamily="34" charset="-128"/>
+              </a:rPr>
+              <a:t>		    semantic cluster</a:t>
+            </a:r>
+            <a:r>
+              <a:rPr lang="en-US" altLang="zh-CN" sz="2800" dirty="0"/>
+              <a:t/>
+            </a:r>
+            <a:br>
+              <a:rPr lang="en-US" altLang="zh-CN" sz="2800" dirty="0"/>
+            </a:br>
+            <a:endParaRPr lang="en-US" altLang="zh-CN" sz="2800" dirty="0">
+              <a:latin typeface="Meiryo" panose="020B0604030504040204" pitchFamily="34" charset="-128"/>
+              <a:ea typeface="Meiryo" panose="020B0604030504040204" pitchFamily="34" charset="-128"/>
+              <a:cs typeface="Meiryo" panose="020B0604030504040204" pitchFamily="34" charset="-128"/>
+            </a:endParaRPr>
+          </a:p>
+          <a:p>
+            <a:pPr marL="914400" lvl="1" indent="-457200">
+              <a:lnSpc>
+                <a:spcPct val="200000"/>
+              </a:lnSpc>
+              <a:buFont typeface="Arial" panose="020B0604020202020204" pitchFamily="34" charset="0"/>
+              <a:buChar char="•"/>
+            </a:pPr>
+            <a:r>
+              <a:rPr lang="en-US" altLang="zh-CN" sz="2800" u="sng" dirty="0" smtClean="0">
+                <a:latin typeface="Meiryo" panose="020B0604030504040204" pitchFamily="34" charset="-128"/>
+                <a:ea typeface="Meiryo" panose="020B0604030504040204" pitchFamily="34" charset="-128"/>
+                <a:cs typeface="Meiryo" panose="020B0604030504040204" pitchFamily="34" charset="-128"/>
+              </a:rPr>
+              <a:t>For </a:t>
+            </a:r>
+            <a:r>
+              <a:rPr lang="en-US" altLang="zh-CN" sz="2800" u="sng" dirty="0">
+                <a:latin typeface="Meiryo" panose="020B0604030504040204" pitchFamily="34" charset="-128"/>
+                <a:ea typeface="Meiryo" panose="020B0604030504040204" pitchFamily="34" charset="-128"/>
+                <a:cs typeface="Meiryo" panose="020B0604030504040204" pitchFamily="34" charset="-128"/>
+              </a:rPr>
+              <a:t>each semantic cluster</a:t>
+            </a:r>
+            <a:r>
+              <a:rPr lang="en-US" altLang="zh-CN" sz="2800" dirty="0">
+                <a:latin typeface="Meiryo" panose="020B0604030504040204" pitchFamily="34" charset="-128"/>
+                <a:ea typeface="Meiryo" panose="020B0604030504040204" pitchFamily="34" charset="-128"/>
+                <a:cs typeface="Meiryo" panose="020B0604030504040204" pitchFamily="34" charset="-128"/>
+              </a:rPr>
+              <a:t>, we compute </a:t>
+            </a:r>
+            <a:r>
+              <a:rPr lang="en-US" altLang="zh-CN" sz="2800" dirty="0">
+                <a:latin typeface="Meiryo" panose="020B0604030504040204" pitchFamily="34" charset="-128"/>
+                <a:ea typeface="Meiryo" panose="020B0604030504040204" pitchFamily="34" charset="-128"/>
+                <a:cs typeface="Meiryo" panose="020B0604030504040204" pitchFamily="34" charset="-128"/>
+              </a:rPr>
+              <a:t> </a:t>
+            </a:r>
+            <a:r>
+              <a:rPr lang="en-US" altLang="zh-CN" sz="2800" dirty="0" smtClean="0">
+                <a:latin typeface="Meiryo" panose="020B0604030504040204" pitchFamily="34" charset="-128"/>
+                <a:ea typeface="Meiryo" panose="020B0604030504040204" pitchFamily="34" charset="-128"/>
+                <a:cs typeface="Meiryo" panose="020B0604030504040204" pitchFamily="34" charset="-128"/>
+              </a:rPr>
+              <a:t>    </a:t>
+            </a:r>
+            <a:r>
+              <a:rPr lang="en-US" altLang="zh-CN" sz="2800" u="sng" dirty="0">
+                <a:latin typeface="Meiryo" panose="020B0604030504040204" pitchFamily="34" charset="-128"/>
+                <a:ea typeface="Meiryo" panose="020B0604030504040204" pitchFamily="34" charset="-128"/>
+                <a:cs typeface="Meiryo" panose="020B0604030504040204" pitchFamily="34" charset="-128"/>
+              </a:rPr>
+              <a:t>for all the </a:t>
+            </a:r>
+            <a:r>
+              <a:rPr lang="en-US" altLang="zh-CN" sz="2800" u="sng" dirty="0" smtClean="0">
+                <a:latin typeface="Meiryo" panose="020B0604030504040204" pitchFamily="34" charset="-128"/>
+                <a:ea typeface="Meiryo" panose="020B0604030504040204" pitchFamily="34" charset="-128"/>
+                <a:cs typeface="Meiryo" panose="020B0604030504040204" pitchFamily="34" charset="-128"/>
+              </a:rPr>
+              <a:t>style exemplars </a:t>
+            </a:r>
+            <a:r>
+              <a:rPr lang="en-US" altLang="zh-CN" sz="2800" dirty="0">
+                <a:latin typeface="Meiryo" panose="020B0604030504040204" pitchFamily="34" charset="-128"/>
+                <a:ea typeface="Meiryo" panose="020B0604030504040204" pitchFamily="34" charset="-128"/>
+                <a:cs typeface="Meiryo" panose="020B0604030504040204" pitchFamily="34" charset="-128"/>
+              </a:rPr>
+              <a:t>and determine the style example ranking </a:t>
+            </a:r>
+            <a:r>
+              <a:rPr lang="en-US" altLang="zh-CN" sz="2800" dirty="0" smtClean="0">
+                <a:latin typeface="Meiryo" panose="020B0604030504040204" pitchFamily="34" charset="-128"/>
+                <a:ea typeface="Meiryo" panose="020B0604030504040204" pitchFamily="34" charset="-128"/>
+                <a:cs typeface="Meiryo" panose="020B0604030504040204" pitchFamily="34" charset="-128"/>
+              </a:rPr>
+              <a:t>by sorting      in </a:t>
+            </a:r>
+            <a:r>
+              <a:rPr lang="en-US" altLang="zh-CN" sz="2800" u="sng" dirty="0">
+                <a:latin typeface="Meiryo" panose="020B0604030504040204" pitchFamily="34" charset="-128"/>
+                <a:ea typeface="Meiryo" panose="020B0604030504040204" pitchFamily="34" charset="-128"/>
+                <a:cs typeface="Meiryo" panose="020B0604030504040204" pitchFamily="34" charset="-128"/>
+              </a:rPr>
+              <a:t>decreasing </a:t>
+            </a:r>
+            <a:r>
+              <a:rPr lang="en-US" altLang="zh-CN" sz="2800" dirty="0">
+                <a:latin typeface="Meiryo" panose="020B0604030504040204" pitchFamily="34" charset="-128"/>
+                <a:ea typeface="Meiryo" panose="020B0604030504040204" pitchFamily="34" charset="-128"/>
+                <a:cs typeface="Meiryo" panose="020B0604030504040204" pitchFamily="34" charset="-128"/>
+              </a:rPr>
+              <a:t>order</a:t>
+            </a:r>
+            <a:r>
+              <a:rPr lang="en-US" altLang="zh-CN" sz="2800" dirty="0" smtClean="0">
+                <a:latin typeface="Meiryo" panose="020B0604030504040204" pitchFamily="34" charset="-128"/>
+                <a:ea typeface="Meiryo" panose="020B0604030504040204" pitchFamily="34" charset="-128"/>
+                <a:cs typeface="Meiryo" panose="020B0604030504040204" pitchFamily="34" charset="-128"/>
+              </a:rPr>
+              <a:t>.</a:t>
+            </a:r>
+            <a:endParaRPr lang="en-US" altLang="zh-CN" sz="2800" dirty="0">
+              <a:latin typeface="Meiryo" panose="020B0604030504040204" pitchFamily="34" charset="-128"/>
+              <a:ea typeface="Meiryo" panose="020B0604030504040204" pitchFamily="34" charset="-128"/>
+              <a:cs typeface="Meiryo" panose="020B0604030504040204" pitchFamily="34" charset="-128"/>
+            </a:endParaRPr>
+          </a:p>
+        </p:txBody>
+      </p:sp>
+      <p:pic>
+        <p:nvPicPr>
+          <p:cNvPr id="9218" name="Picture 2"/>
+          <p:cNvPicPr>
+            <a:picLocks noChangeAspect="1" noChangeArrowheads="1"/>
+          </p:cNvPicPr>
+          <p:nvPr/>
+        </p:nvPicPr>
+        <p:blipFill>
+          <a:blip r:embed="rId3">
+            <a:extLst>
+              <a:ext uri="{28A0092B-C50C-407E-A947-70E740481C1C}">
+                <a14:useLocalDpi xmlns:a14="http://schemas.microsoft.com/office/drawing/2010/main" val="0"/>
+              </a:ext>
+            </a:extLst>
+          </a:blip>
+          <a:srcRect/>
+          <a:stretch>
+            <a:fillRect/>
+          </a:stretch>
+        </p:blipFill>
+        <p:spPr bwMode="auto">
+          <a:xfrm>
+            <a:off x="3252788" y="3105150"/>
+            <a:ext cx="5351318" cy="762000"/>
+          </a:xfrm>
+          <a:prstGeom prst="rect">
+            <a:avLst/>
+          </a:prstGeom>
+          <a:noFill/>
+          <a:ln>
+            <a:noFill/>
+          </a:ln>
+          <a:extLst>
+            <a:ext uri="{909E8E84-426E-40DD-AFC4-6F175D3DCCD1}">
+              <a14:hiddenFill xmlns:a14="http://schemas.microsoft.com/office/drawing/2010/main">
+                <a:solidFill>
+                  <a:schemeClr val="accent1"/>
+                </a:solidFill>
+              </a14:hiddenFill>
+            </a:ext>
+            <a:ext uri="{91240B29-F687-4F45-9708-019B960494DF}">
+              <a14:hiddenLine xmlns:a14="http://schemas.microsoft.com/office/drawing/2010/main" w="9525">
+                <a:solidFill>
+                  <a:schemeClr val="tx1"/>
+                </a:solidFill>
+                <a:miter lim="800000"/>
+                <a:headEnd/>
+                <a:tailEnd/>
+              </a14:hiddenLine>
+            </a:ext>
+          </a:extLst>
+        </p:spPr>
+      </p:pic>
+      <p:pic>
+        <p:nvPicPr>
+          <p:cNvPr id="9219" name="Picture 3"/>
+          <p:cNvPicPr>
+            <a:picLocks noChangeAspect="1" noChangeArrowheads="1"/>
+          </p:cNvPicPr>
+          <p:nvPr/>
+        </p:nvPicPr>
+        <p:blipFill>
+          <a:blip r:embed="rId4">
+            <a:extLst>
+              <a:ext uri="{28A0092B-C50C-407E-A947-70E740481C1C}">
+                <a14:useLocalDpi xmlns:a14="http://schemas.microsoft.com/office/drawing/2010/main" val="0"/>
+              </a:ext>
+            </a:extLst>
+          </a:blip>
+          <a:srcRect/>
+          <a:stretch>
+            <a:fillRect/>
+          </a:stretch>
+        </p:blipFill>
+        <p:spPr bwMode="auto">
+          <a:xfrm>
+            <a:off x="8998744" y="3991170"/>
+            <a:ext cx="566737" cy="603301"/>
+          </a:xfrm>
+          <a:prstGeom prst="rect">
+            <a:avLst/>
+          </a:prstGeom>
+          <a:noFill/>
+          <a:ln>
+            <a:noFill/>
+          </a:ln>
+          <a:extLst>
+            <a:ext uri="{909E8E84-426E-40DD-AFC4-6F175D3DCCD1}">
+              <a14:hiddenFill xmlns:a14="http://schemas.microsoft.com/office/drawing/2010/main">
+                <a:solidFill>
+                  <a:schemeClr val="accent1"/>
+                </a:solidFill>
+              </a14:hiddenFill>
+            </a:ext>
+            <a:ext uri="{91240B29-F687-4F45-9708-019B960494DF}">
+              <a14:hiddenLine xmlns:a14="http://schemas.microsoft.com/office/drawing/2010/main" w="9525">
+                <a:solidFill>
+                  <a:schemeClr val="tx1"/>
+                </a:solidFill>
+                <a:miter lim="800000"/>
+                <a:headEnd/>
+                <a:tailEnd/>
+              </a14:hiddenLine>
+            </a:ext>
+          </a:extLst>
+        </p:spPr>
+      </p:pic>
+      <p:pic>
+        <p:nvPicPr>
+          <p:cNvPr id="10" name="Picture 3"/>
+          <p:cNvPicPr>
+            <a:picLocks noChangeAspect="1" noChangeArrowheads="1"/>
+          </p:cNvPicPr>
+          <p:nvPr/>
+        </p:nvPicPr>
+        <p:blipFill>
+          <a:blip r:embed="rId4">
+            <a:extLst>
+              <a:ext uri="{28A0092B-C50C-407E-A947-70E740481C1C}">
+                <a14:useLocalDpi xmlns:a14="http://schemas.microsoft.com/office/drawing/2010/main" val="0"/>
+              </a:ext>
+            </a:extLst>
+          </a:blip>
+          <a:srcRect/>
+          <a:stretch>
+            <a:fillRect/>
+          </a:stretch>
+        </p:blipFill>
+        <p:spPr bwMode="auto">
+          <a:xfrm>
+            <a:off x="5380760" y="5686620"/>
+            <a:ext cx="566737" cy="603301"/>
+          </a:xfrm>
+          <a:prstGeom prst="rect">
+            <a:avLst/>
+          </a:prstGeom>
+          <a:noFill/>
+          <a:ln>
+            <a:noFill/>
+          </a:ln>
+          <a:extLst>
+            <a:ext uri="{909E8E84-426E-40DD-AFC4-6F175D3DCCD1}">
+              <a14:hiddenFill xmlns:a14="http://schemas.microsoft.com/office/drawing/2010/main">
+                <a:solidFill>
+                  <a:schemeClr val="accent1"/>
+                </a:solidFill>
+              </a14:hiddenFill>
+            </a:ext>
+            <a:ext uri="{91240B29-F687-4F45-9708-019B960494DF}">
+              <a14:hiddenLine xmlns:a14="http://schemas.microsoft.com/office/drawing/2010/main" w="9525">
+                <a:solidFill>
+                  <a:schemeClr val="tx1"/>
+                </a:solidFill>
+                <a:miter lim="800000"/>
+                <a:headEnd/>
+                <a:tailEnd/>
+              </a14:hiddenLine>
+            </a:ext>
+          </a:extLst>
+        </p:spPr>
+      </p:pic>
+    </p:spTree>
+    <p:extLst>
+      <p:ext uri="{BB962C8B-B14F-4D97-AF65-F5344CB8AC3E}">
+        <p14:creationId xmlns:p14="http://schemas.microsoft.com/office/powerpoint/2010/main" val="1350304284"/>
+      </p:ext>
+    </p:extLst>
+  </p:cSld>
+  <p:clrMapOvr>
+    <a:masterClrMapping/>
+  </p:clrMapOvr>
+  <p:timing>
+    <p:tnLst>
+      <p:par>
+        <p:cTn id="1" dur="indefinite" restart="never" nodeType="tmRoot"/>
+      </p:par>
+    </p:tnLst>
+  </p:timing>
+</p:sld>
+</file>
+
+<file path=ppt/slides/slide41.xml><?xml version="1.0" encoding="utf-8"?>
+<p:sld xmlns:a="http://schemas.openxmlformats.org/drawingml/2006/main" xmlns:r="http://schemas.openxmlformats.org/officeDocument/2006/relationships" xmlns:p="http://schemas.openxmlformats.org/presentationml/2006/main">
+  <p:cSld>
+    <p:spTree>
+      <p:nvGrpSpPr>
+        <p:cNvPr id="1" name=""/>
+        <p:cNvGrpSpPr/>
+        <p:nvPr/>
+      </p:nvGrpSpPr>
+      <p:grpSpPr>
+        <a:xfrm>
+          <a:off x="0" y="0"/>
+          <a:ext cx="0" cy="0"/>
+          <a:chOff x="0" y="0"/>
+          <a:chExt cx="0" cy="0"/>
+        </a:xfrm>
+      </p:grpSpPr>
+      <p:sp>
+        <p:nvSpPr>
+          <p:cNvPr id="9" name="等腰三角形 8"/>
+          <p:cNvSpPr/>
+          <p:nvPr/>
+        </p:nvSpPr>
+        <p:spPr>
+          <a:xfrm rot="4613108">
+            <a:off x="7331460" y="3148738"/>
+            <a:ext cx="4577580" cy="4214762"/>
+          </a:xfrm>
+          <a:prstGeom prst="triangle">
+            <a:avLst/>
+          </a:prstGeom>
+          <a:solidFill>
+            <a:schemeClr val="bg1">
+              <a:lumMod val="95000"/>
+            </a:schemeClr>
+          </a:solidFill>
+          <a:ln>
+            <a:noFill/>
+          </a:ln>
+        </p:spPr>
+        <p:style>
+          <a:lnRef idx="2">
+            <a:schemeClr val="accent1">
+              <a:shade val="50000"/>
+            </a:schemeClr>
+          </a:lnRef>
+          <a:fillRef idx="1">
+            <a:schemeClr val="accent1"/>
+          </a:fillRef>
+          <a:effectRef idx="0">
+            <a:schemeClr val="accent1"/>
+          </a:effectRef>
+          <a:fontRef idx="minor">
+            <a:schemeClr val="lt1"/>
+          </a:fontRef>
+        </p:style>
+        <p:txBody>
+          <a:bodyPr rtlCol="0" anchor="ctr"/>
+          <a:lstStyle/>
+          <a:p>
+            <a:pPr algn="ctr"/>
+            <a:endParaRPr lang="zh-CN" altLang="en-US"/>
+          </a:p>
+        </p:txBody>
+      </p:sp>
+      <p:sp>
+        <p:nvSpPr>
+          <p:cNvPr id="8" name="矩形 7"/>
+          <p:cNvSpPr/>
+          <p:nvPr/>
+        </p:nvSpPr>
+        <p:spPr>
+          <a:xfrm rot="783766">
+            <a:off x="-2197454" y="-2340269"/>
+            <a:ext cx="6006821" cy="3447534"/>
+          </a:xfrm>
+          <a:prstGeom prst="rect">
+            <a:avLst/>
+          </a:prstGeom>
+          <a:solidFill>
+            <a:schemeClr val="bg1">
+              <a:lumMod val="95000"/>
+            </a:schemeClr>
+          </a:solidFill>
+          <a:ln>
+            <a:noFill/>
+          </a:ln>
+        </p:spPr>
+        <p:style>
+          <a:lnRef idx="2">
+            <a:schemeClr val="accent1">
+              <a:shade val="50000"/>
+            </a:schemeClr>
+          </a:lnRef>
+          <a:fillRef idx="1">
+            <a:schemeClr val="accent1"/>
+          </a:fillRef>
+          <a:effectRef idx="0">
+            <a:schemeClr val="accent1"/>
+          </a:effectRef>
+          <a:fontRef idx="minor">
+            <a:schemeClr val="lt1"/>
+          </a:fontRef>
+        </p:style>
+        <p:txBody>
+          <a:bodyPr rtlCol="0" anchor="ctr"/>
+          <a:lstStyle/>
+          <a:p>
+            <a:pPr algn="ctr"/>
+            <a:endParaRPr lang="zh-CN" altLang="en-US" dirty="0"/>
+          </a:p>
+        </p:txBody>
+      </p:sp>
+      <p:sp>
+        <p:nvSpPr>
+          <p:cNvPr id="30" name="文本框 29"/>
+          <p:cNvSpPr txBox="1"/>
+          <p:nvPr/>
+        </p:nvSpPr>
+        <p:spPr>
+          <a:xfrm>
+            <a:off x="662538" y="294935"/>
+            <a:ext cx="9834012" cy="769441"/>
+          </a:xfrm>
+          <a:prstGeom prst="rect">
+            <a:avLst/>
+          </a:prstGeom>
+          <a:noFill/>
+        </p:spPr>
+        <p:txBody>
+          <a:bodyPr wrap="square" rtlCol="0">
+            <a:spAutoFit/>
+          </a:bodyPr>
+          <a:lstStyle/>
+          <a:p>
+            <a:r>
+              <a:rPr lang="en-US" altLang="zh-CN" sz="4400" b="1" dirty="0" smtClean="0">
+                <a:solidFill>
+                  <a:srgbClr val="00ABB4"/>
+                </a:solidFill>
+                <a:latin typeface="微软雅黑" panose="020B0503020204020204" pitchFamily="34" charset="-122"/>
+                <a:ea typeface="微软雅黑" panose="020B0503020204020204" pitchFamily="34" charset="-122"/>
+              </a:rPr>
+              <a:t>2.3 Style sampling</a:t>
+            </a:r>
+            <a:r>
+              <a:rPr lang="en-US" altLang="zh-CN" sz="4400" dirty="0" smtClean="0">
+                <a:solidFill>
+                  <a:srgbClr val="00ABB4"/>
+                </a:solidFill>
+                <a:latin typeface="微软雅黑" panose="020B0503020204020204" pitchFamily="34" charset="-122"/>
+                <a:ea typeface="微软雅黑" panose="020B0503020204020204" pitchFamily="34" charset="-122"/>
+              </a:rPr>
+              <a:t>(do with S)</a:t>
+            </a:r>
+            <a:endParaRPr lang="en-US" altLang="zh-CN" sz="4400" dirty="0">
+              <a:solidFill>
+                <a:srgbClr val="00ABB4"/>
+              </a:solidFill>
+              <a:latin typeface="微软雅黑" panose="020B0503020204020204" pitchFamily="34" charset="-122"/>
+              <a:ea typeface="微软雅黑" panose="020B0503020204020204" pitchFamily="34" charset="-122"/>
+            </a:endParaRPr>
+          </a:p>
+        </p:txBody>
+      </p:sp>
+      <p:sp>
+        <p:nvSpPr>
+          <p:cNvPr id="31" name="Rectangle 96"/>
+          <p:cNvSpPr/>
+          <p:nvPr/>
+        </p:nvSpPr>
+        <p:spPr>
+          <a:xfrm>
+            <a:off x="805956" y="1210026"/>
+            <a:ext cx="11633694" cy="5262979"/>
+          </a:xfrm>
+          <a:prstGeom prst="rect">
+            <a:avLst/>
+          </a:prstGeom>
+        </p:spPr>
+        <p:txBody>
+          <a:bodyPr wrap="square">
+            <a:spAutoFit/>
+          </a:bodyPr>
+          <a:lstStyle/>
+          <a:p>
+            <a:pPr marL="457200" indent="-457200">
+              <a:lnSpc>
+                <a:spcPct val="200000"/>
+              </a:lnSpc>
+              <a:buFont typeface="Arial" panose="020B0604020202020204" pitchFamily="34" charset="0"/>
+              <a:buChar char="•"/>
+            </a:pPr>
+            <a:r>
+              <a:rPr lang="en-US" altLang="zh-CN" sz="2800" dirty="0" smtClean="0">
+                <a:latin typeface="Meiryo" panose="020B0604030504040204" pitchFamily="34" charset="-128"/>
+                <a:ea typeface="Meiryo" panose="020B0604030504040204" pitchFamily="34" charset="-128"/>
+                <a:cs typeface="Meiryo" panose="020B0604030504040204" pitchFamily="34" charset="-128"/>
+              </a:rPr>
+              <a:t>I </a:t>
+            </a:r>
+            <a:r>
+              <a:rPr lang="en-US" altLang="zh-CN" sz="2800" dirty="0" smtClean="0">
+                <a:latin typeface="Meiryo" panose="020B0604030504040204" pitchFamily="34" charset="-128"/>
+                <a:ea typeface="Meiryo" panose="020B0604030504040204" pitchFamily="34" charset="-128"/>
+                <a:cs typeface="Meiryo" panose="020B0604030504040204" pitchFamily="34" charset="-128"/>
+                <a:sym typeface="Wingdings" panose="05000000000000000000" pitchFamily="2" charset="2"/>
+              </a:rPr>
+              <a:t> </a:t>
+            </a:r>
+            <a:r>
+              <a:rPr lang="en-US" altLang="zh-CN" sz="2800" u="sng" dirty="0" smtClean="0">
+                <a:latin typeface="Meiryo" panose="020B0604030504040204" pitchFamily="34" charset="-128"/>
+                <a:ea typeface="Meiryo" panose="020B0604030504040204" pitchFamily="34" charset="-128"/>
+                <a:cs typeface="Meiryo" panose="020B0604030504040204" pitchFamily="34" charset="-128"/>
+                <a:sym typeface="Wingdings" panose="05000000000000000000" pitchFamily="2" charset="2"/>
+              </a:rPr>
+              <a:t>nearest</a:t>
+            </a:r>
+            <a:r>
+              <a:rPr lang="en-US" altLang="zh-CN" sz="2800" dirty="0" smtClean="0">
+                <a:latin typeface="Meiryo" panose="020B0604030504040204" pitchFamily="34" charset="-128"/>
+                <a:ea typeface="Meiryo" panose="020B0604030504040204" pitchFamily="34" charset="-128"/>
+                <a:cs typeface="Meiryo" panose="020B0604030504040204" pitchFamily="34" charset="-128"/>
+                <a:sym typeface="Wingdings" panose="05000000000000000000" pitchFamily="2" charset="2"/>
+              </a:rPr>
+              <a:t> semantic cluster (P,senmantic features)</a:t>
+            </a:r>
+          </a:p>
+          <a:p>
+            <a:pPr marL="457200" indent="-457200">
+              <a:lnSpc>
+                <a:spcPct val="200000"/>
+              </a:lnSpc>
+              <a:buFont typeface="Arial" panose="020B0604020202020204" pitchFamily="34" charset="0"/>
+              <a:buChar char="•"/>
+            </a:pPr>
+            <a:r>
+              <a:rPr lang="en-US" altLang="zh-CN" sz="2800" dirty="0">
+                <a:latin typeface="Meiryo" panose="020B0604030504040204" pitchFamily="34" charset="-128"/>
+                <a:ea typeface="Meiryo" panose="020B0604030504040204" pitchFamily="34" charset="-128"/>
+                <a:cs typeface="Meiryo" panose="020B0604030504040204" pitchFamily="34" charset="-128"/>
+                <a:sym typeface="Wingdings" panose="05000000000000000000" pitchFamily="2" charset="2"/>
+              </a:rPr>
+              <a:t>P</a:t>
+            </a:r>
+            <a:r>
+              <a:rPr lang="en-US" altLang="zh-CN" sz="2800" dirty="0" smtClean="0">
+                <a:latin typeface="Meiryo" panose="020B0604030504040204" pitchFamily="34" charset="-128"/>
+                <a:ea typeface="Meiryo" panose="020B0604030504040204" pitchFamily="34" charset="-128"/>
+                <a:cs typeface="Meiryo" panose="020B0604030504040204" pitchFamily="34" charset="-128"/>
+                <a:sym typeface="Wingdings" panose="05000000000000000000" pitchFamily="2" charset="2"/>
+              </a:rPr>
+              <a:t>re-computed style exemplar ranking for each cluster(S,P)</a:t>
+            </a:r>
+          </a:p>
+          <a:p>
+            <a:pPr marL="457200" indent="-457200">
+              <a:lnSpc>
+                <a:spcPct val="200000"/>
+              </a:lnSpc>
+              <a:buFont typeface="Arial" panose="020B0604020202020204" pitchFamily="34" charset="0"/>
+              <a:buChar char="•"/>
+            </a:pPr>
+            <a:r>
+              <a:rPr lang="en-US" altLang="zh-CN" sz="2800" dirty="0" smtClean="0">
+                <a:latin typeface="Meiryo" panose="020B0604030504040204" pitchFamily="34" charset="-128"/>
+                <a:ea typeface="Meiryo" panose="020B0604030504040204" pitchFamily="34" charset="-128"/>
+                <a:cs typeface="Meiryo" panose="020B0604030504040204" pitchFamily="34" charset="-128"/>
+                <a:sym typeface="Wingdings" panose="05000000000000000000" pitchFamily="2" charset="2"/>
+              </a:rPr>
+              <a:t>Top k style images  I  O</a:t>
+            </a:r>
+            <a:r>
+              <a:rPr lang="en-US" altLang="zh-CN" sz="2800" baseline="-25000" dirty="0" smtClean="0">
+                <a:latin typeface="Meiryo" panose="020B0604030504040204" pitchFamily="34" charset="-128"/>
+                <a:ea typeface="Meiryo" panose="020B0604030504040204" pitchFamily="34" charset="-128"/>
+                <a:cs typeface="Meiryo" panose="020B0604030504040204" pitchFamily="34" charset="-128"/>
+                <a:sym typeface="Wingdings" panose="05000000000000000000" pitchFamily="2" charset="2"/>
+              </a:rPr>
+              <a:t>1</a:t>
+            </a:r>
+            <a:r>
+              <a:rPr lang="en-US" altLang="zh-CN" sz="2800" dirty="0" smtClean="0">
+                <a:latin typeface="Meiryo" panose="020B0604030504040204" pitchFamily="34" charset="-128"/>
+                <a:ea typeface="Meiryo" panose="020B0604030504040204" pitchFamily="34" charset="-128"/>
+                <a:cs typeface="Meiryo" panose="020B0604030504040204" pitchFamily="34" charset="-128"/>
+                <a:sym typeface="Wingdings" panose="05000000000000000000" pitchFamily="2" charset="2"/>
+              </a:rPr>
+              <a:t>,..O</a:t>
+            </a:r>
+            <a:r>
+              <a:rPr lang="en-US" altLang="zh-CN" sz="2800" baseline="-25000" dirty="0" smtClean="0">
+                <a:latin typeface="Meiryo" panose="020B0604030504040204" pitchFamily="34" charset="-128"/>
+                <a:ea typeface="Meiryo" panose="020B0604030504040204" pitchFamily="34" charset="-128"/>
+                <a:cs typeface="Meiryo" panose="020B0604030504040204" pitchFamily="34" charset="-128"/>
+                <a:sym typeface="Wingdings" panose="05000000000000000000" pitchFamily="2" charset="2"/>
+              </a:rPr>
+              <a:t>k</a:t>
+            </a:r>
+            <a:r>
+              <a:rPr lang="en-US" altLang="zh-CN" sz="2800" dirty="0" smtClean="0">
+                <a:latin typeface="Meiryo" panose="020B0604030504040204" pitchFamily="34" charset="-128"/>
+                <a:ea typeface="Meiryo" panose="020B0604030504040204" pitchFamily="34" charset="-128"/>
+                <a:cs typeface="Meiryo" panose="020B0604030504040204" pitchFamily="34" charset="-128"/>
+                <a:sym typeface="Wingdings" panose="05000000000000000000" pitchFamily="2" charset="2"/>
+              </a:rPr>
+              <a:t>   (S+I,O)</a:t>
+            </a:r>
+            <a:endParaRPr lang="en-US" altLang="zh-CN" sz="2800" baseline="-25000" dirty="0">
+              <a:latin typeface="Meiryo" panose="020B0604030504040204" pitchFamily="34" charset="-128"/>
+              <a:ea typeface="Meiryo" panose="020B0604030504040204" pitchFamily="34" charset="-128"/>
+              <a:cs typeface="Meiryo" panose="020B0604030504040204" pitchFamily="34" charset="-128"/>
+              <a:sym typeface="Wingdings" panose="05000000000000000000" pitchFamily="2" charset="2"/>
+            </a:endParaRPr>
+          </a:p>
+          <a:p>
+            <a:pPr marL="457200" indent="-457200">
+              <a:lnSpc>
+                <a:spcPct val="200000"/>
+              </a:lnSpc>
+              <a:buFont typeface="Arial" panose="020B0604020202020204" pitchFamily="34" charset="0"/>
+              <a:buChar char="•"/>
+            </a:pPr>
+            <a:r>
+              <a:rPr lang="en-US" altLang="zh-CN" sz="2800" dirty="0">
+                <a:latin typeface="Meiryo" panose="020B0604030504040204" pitchFamily="34" charset="-128"/>
+                <a:ea typeface="Meiryo" panose="020B0604030504040204" pitchFamily="34" charset="-128"/>
+                <a:cs typeface="Meiryo" panose="020B0604030504040204" pitchFamily="34" charset="-128"/>
+                <a:sym typeface="Wingdings" panose="05000000000000000000" pitchFamily="2" charset="2"/>
+              </a:rPr>
+              <a:t>N</a:t>
+            </a:r>
+            <a:r>
+              <a:rPr lang="en-US" altLang="zh-CN" sz="2800" dirty="0" smtClean="0">
+                <a:latin typeface="Meiryo" panose="020B0604030504040204" pitchFamily="34" charset="-128"/>
+                <a:ea typeface="Meiryo" panose="020B0604030504040204" pitchFamily="34" charset="-128"/>
+                <a:cs typeface="Meiryo" panose="020B0604030504040204" pitchFamily="34" charset="-128"/>
+                <a:sym typeface="Wingdings" panose="05000000000000000000" pitchFamily="2" charset="2"/>
+              </a:rPr>
+              <a:t>ew similarity measure for sampling:</a:t>
+            </a:r>
+          </a:p>
+          <a:p>
+            <a:pPr marL="914400" lvl="1" indent="-457200">
+              <a:lnSpc>
+                <a:spcPct val="200000"/>
+              </a:lnSpc>
+              <a:buFont typeface="Arial" panose="020B0604020202020204" pitchFamily="34" charset="0"/>
+              <a:buChar char="•"/>
+            </a:pPr>
+            <a:r>
+              <a:rPr lang="en-US" altLang="zh-CN" sz="2800" dirty="0">
+                <a:latin typeface="Meiryo" panose="020B0604030504040204" pitchFamily="34" charset="-128"/>
+                <a:ea typeface="Meiryo" panose="020B0604030504040204" pitchFamily="34" charset="-128"/>
+                <a:cs typeface="Meiryo" panose="020B0604030504040204" pitchFamily="34" charset="-128"/>
+              </a:rPr>
+              <a:t>S</a:t>
+            </a:r>
+            <a:r>
+              <a:rPr lang="en-US" altLang="zh-CN" sz="2800" dirty="0" smtClean="0">
+                <a:latin typeface="Meiryo" panose="020B0604030504040204" pitchFamily="34" charset="-128"/>
+                <a:ea typeface="Meiryo" panose="020B0604030504040204" pitchFamily="34" charset="-128"/>
+                <a:cs typeface="Meiryo" panose="020B0604030504040204" pitchFamily="34" charset="-128"/>
+              </a:rPr>
+              <a:t>quared </a:t>
+            </a:r>
+            <a:r>
+              <a:rPr lang="en-US" altLang="zh-CN" sz="2800" dirty="0">
+                <a:latin typeface="Meiryo" panose="020B0604030504040204" pitchFamily="34" charset="-128"/>
+                <a:ea typeface="Meiryo" panose="020B0604030504040204" pitchFamily="34" charset="-128"/>
+                <a:cs typeface="Meiryo" panose="020B0604030504040204" pitchFamily="34" charset="-128"/>
+              </a:rPr>
+              <a:t>Frechet distance </a:t>
+            </a:r>
+            <a:endParaRPr lang="en-US" altLang="zh-CN" sz="2800" dirty="0" smtClean="0">
+              <a:latin typeface="Meiryo" panose="020B0604030504040204" pitchFamily="34" charset="-128"/>
+              <a:ea typeface="Meiryo" panose="020B0604030504040204" pitchFamily="34" charset="-128"/>
+              <a:cs typeface="Meiryo" panose="020B0604030504040204" pitchFamily="34" charset="-128"/>
+            </a:endParaRPr>
+          </a:p>
+          <a:p>
+            <a:pPr marL="914400" lvl="1" indent="-457200">
+              <a:lnSpc>
+                <a:spcPct val="200000"/>
+              </a:lnSpc>
+              <a:buFont typeface="Arial" panose="020B0604020202020204" pitchFamily="34" charset="0"/>
+              <a:buChar char="•"/>
+            </a:pPr>
+            <a:r>
+              <a:rPr lang="en-US" altLang="zh-CN" sz="2800" dirty="0" smtClean="0">
+                <a:latin typeface="Meiryo" panose="020B0604030504040204" pitchFamily="34" charset="-128"/>
+                <a:ea typeface="Meiryo" panose="020B0604030504040204" pitchFamily="34" charset="-128"/>
+                <a:cs typeface="Meiryo" panose="020B0604030504040204" pitchFamily="34" charset="-128"/>
+                <a:sym typeface="Wingdings" panose="05000000000000000000" pitchFamily="2" charset="2"/>
+              </a:rPr>
+              <a:t>To find similar semantic clusters</a:t>
+            </a:r>
+          </a:p>
+        </p:txBody>
+      </p:sp>
+    </p:spTree>
+    <p:extLst>
+      <p:ext uri="{BB962C8B-B14F-4D97-AF65-F5344CB8AC3E}">
+        <p14:creationId xmlns:p14="http://schemas.microsoft.com/office/powerpoint/2010/main" val="574184535"/>
+      </p:ext>
+    </p:extLst>
+  </p:cSld>
+  <p:clrMapOvr>
+    <a:masterClrMapping/>
+  </p:clrMapOvr>
+  <p:timing>
+    <p:tnLst>
+      <p:par>
+        <p:cTn id="1" dur="indefinite" restart="never" nodeType="tmRoot"/>
+      </p:par>
+    </p:tnLst>
+  </p:timing>
+</p:sld>
+</file>
+
+<file path=ppt/slides/slide42.xml><?xml version="1.0" encoding="utf-8"?>
+<p:sld xmlns:a="http://schemas.openxmlformats.org/drawingml/2006/main" xmlns:r="http://schemas.openxmlformats.org/officeDocument/2006/relationships" xmlns:p="http://schemas.openxmlformats.org/presentationml/2006/main">
+  <p:cSld>
+    <p:spTree>
+      <p:nvGrpSpPr>
+        <p:cNvPr id="1" name=""/>
+        <p:cNvGrpSpPr/>
+        <p:nvPr/>
+      </p:nvGrpSpPr>
+      <p:grpSpPr>
+        <a:xfrm>
+          <a:off x="0" y="0"/>
+          <a:ext cx="0" cy="0"/>
+          <a:chOff x="0" y="0"/>
+          <a:chExt cx="0" cy="0"/>
+        </a:xfrm>
+      </p:grpSpPr>
+      <p:sp>
+        <p:nvSpPr>
+          <p:cNvPr id="9" name="等腰三角形 8"/>
+          <p:cNvSpPr/>
+          <p:nvPr/>
+        </p:nvSpPr>
+        <p:spPr>
+          <a:xfrm rot="4613108">
+            <a:off x="7331460" y="3148738"/>
+            <a:ext cx="4577580" cy="4214762"/>
+          </a:xfrm>
+          <a:prstGeom prst="triangle">
+            <a:avLst/>
+          </a:prstGeom>
+          <a:solidFill>
+            <a:schemeClr val="bg1">
+              <a:lumMod val="95000"/>
+            </a:schemeClr>
+          </a:solidFill>
+          <a:ln>
+            <a:noFill/>
+          </a:ln>
+        </p:spPr>
+        <p:style>
+          <a:lnRef idx="2">
+            <a:schemeClr val="accent1">
+              <a:shade val="50000"/>
+            </a:schemeClr>
+          </a:lnRef>
+          <a:fillRef idx="1">
+            <a:schemeClr val="accent1"/>
+          </a:fillRef>
+          <a:effectRef idx="0">
+            <a:schemeClr val="accent1"/>
+          </a:effectRef>
+          <a:fontRef idx="minor">
+            <a:schemeClr val="lt1"/>
+          </a:fontRef>
+        </p:style>
+        <p:txBody>
+          <a:bodyPr rtlCol="0" anchor="ctr"/>
+          <a:lstStyle/>
+          <a:p>
+            <a:pPr algn="ctr"/>
+            <a:endParaRPr lang="zh-CN" altLang="en-US"/>
+          </a:p>
+        </p:txBody>
+      </p:sp>
+      <p:sp>
+        <p:nvSpPr>
+          <p:cNvPr id="8" name="矩形 7"/>
+          <p:cNvSpPr/>
+          <p:nvPr/>
+        </p:nvSpPr>
+        <p:spPr>
+          <a:xfrm rot="783766">
+            <a:off x="-2197454" y="-2340269"/>
+            <a:ext cx="6006821" cy="3447534"/>
+          </a:xfrm>
+          <a:prstGeom prst="rect">
+            <a:avLst/>
+          </a:prstGeom>
+          <a:solidFill>
+            <a:schemeClr val="bg1">
+              <a:lumMod val="95000"/>
+            </a:schemeClr>
+          </a:solidFill>
+          <a:ln>
+            <a:noFill/>
+          </a:ln>
+        </p:spPr>
+        <p:style>
+          <a:lnRef idx="2">
+            <a:schemeClr val="accent1">
+              <a:shade val="50000"/>
+            </a:schemeClr>
+          </a:lnRef>
+          <a:fillRef idx="1">
+            <a:schemeClr val="accent1"/>
+          </a:fillRef>
+          <a:effectRef idx="0">
+            <a:schemeClr val="accent1"/>
+          </a:effectRef>
+          <a:fontRef idx="minor">
+            <a:schemeClr val="lt1"/>
+          </a:fontRef>
+        </p:style>
+        <p:txBody>
+          <a:bodyPr rtlCol="0" anchor="ctr"/>
+          <a:lstStyle/>
+          <a:p>
+            <a:pPr algn="ctr"/>
+            <a:endParaRPr lang="zh-CN" altLang="en-US" dirty="0"/>
+          </a:p>
+        </p:txBody>
+      </p:sp>
+      <p:sp>
+        <p:nvSpPr>
+          <p:cNvPr id="30" name="文本框 29"/>
+          <p:cNvSpPr txBox="1"/>
+          <p:nvPr/>
+        </p:nvSpPr>
+        <p:spPr>
+          <a:xfrm>
+            <a:off x="662538" y="294935"/>
+            <a:ext cx="9834012" cy="769441"/>
+          </a:xfrm>
+          <a:prstGeom prst="rect">
+            <a:avLst/>
+          </a:prstGeom>
+          <a:noFill/>
+        </p:spPr>
+        <p:txBody>
+          <a:bodyPr wrap="square" rtlCol="0">
+            <a:spAutoFit/>
+          </a:bodyPr>
+          <a:lstStyle/>
+          <a:p>
+            <a:r>
+              <a:rPr lang="en-US" altLang="zh-CN" sz="4400" b="1" dirty="0" smtClean="0">
+                <a:solidFill>
+                  <a:srgbClr val="00ABB4"/>
+                </a:solidFill>
+                <a:latin typeface="微软雅黑" panose="020B0503020204020204" pitchFamily="34" charset="-122"/>
+                <a:ea typeface="微软雅黑" panose="020B0503020204020204" pitchFamily="34" charset="-122"/>
+              </a:rPr>
+              <a:t>2.3 Style sampling</a:t>
+            </a:r>
+            <a:r>
+              <a:rPr lang="en-US" altLang="zh-CN" sz="4400" dirty="0" smtClean="0">
+                <a:solidFill>
+                  <a:srgbClr val="00ABB4"/>
+                </a:solidFill>
+                <a:latin typeface="微软雅黑" panose="020B0503020204020204" pitchFamily="34" charset="-122"/>
+                <a:ea typeface="微软雅黑" panose="020B0503020204020204" pitchFamily="34" charset="-122"/>
+              </a:rPr>
+              <a:t>(do with S)</a:t>
+            </a:r>
+            <a:endParaRPr lang="en-US" altLang="zh-CN" sz="4400" dirty="0">
+              <a:solidFill>
+                <a:srgbClr val="00ABB4"/>
+              </a:solidFill>
+              <a:latin typeface="微软雅黑" panose="020B0503020204020204" pitchFamily="34" charset="-122"/>
+              <a:ea typeface="微软雅黑" panose="020B0503020204020204" pitchFamily="34" charset="-122"/>
+            </a:endParaRPr>
+          </a:p>
+        </p:txBody>
+      </p:sp>
+      <p:sp>
+        <p:nvSpPr>
+          <p:cNvPr id="31" name="Rectangle 96"/>
+          <p:cNvSpPr/>
+          <p:nvPr/>
+        </p:nvSpPr>
+        <p:spPr>
+          <a:xfrm>
+            <a:off x="662538" y="2320019"/>
+            <a:ext cx="11195544" cy="4293483"/>
+          </a:xfrm>
+          <a:prstGeom prst="rect">
+            <a:avLst/>
+          </a:prstGeom>
+        </p:spPr>
+        <p:txBody>
+          <a:bodyPr wrap="square">
+            <a:spAutoFit/>
+          </a:bodyPr>
+          <a:lstStyle/>
+          <a:p>
+            <a:pPr marL="457200" indent="-457200">
+              <a:lnSpc>
+                <a:spcPct val="200000"/>
+              </a:lnSpc>
+              <a:buFont typeface="Arial" panose="020B0604020202020204" pitchFamily="34" charset="0"/>
+              <a:buChar char="•"/>
+            </a:pPr>
+            <a:r>
+              <a:rPr lang="en-US" altLang="zh-CN" sz="2800" dirty="0" smtClean="0">
+                <a:latin typeface="Meiryo" panose="020B0604030504040204" pitchFamily="34" charset="-128"/>
+                <a:ea typeface="Meiryo" panose="020B0604030504040204" pitchFamily="34" charset="-128"/>
+                <a:cs typeface="Meiryo" panose="020B0604030504040204" pitchFamily="34" charset="-128"/>
+              </a:rPr>
+              <a:t>Use 3 semantic clusters and set threshold to 7.5</a:t>
+            </a:r>
+          </a:p>
+          <a:p>
+            <a:pPr marL="457200" indent="-457200">
+              <a:lnSpc>
+                <a:spcPct val="200000"/>
+              </a:lnSpc>
+              <a:buFont typeface="Arial" panose="020B0604020202020204" pitchFamily="34" charset="0"/>
+              <a:buChar char="•"/>
+            </a:pPr>
+            <a:r>
+              <a:rPr lang="en-US" altLang="zh-CN" sz="2800" dirty="0" smtClean="0">
+                <a:latin typeface="Meiryo" panose="020B0604030504040204" pitchFamily="34" charset="-128"/>
+                <a:ea typeface="Meiryo" panose="020B0604030504040204" pitchFamily="34" charset="-128"/>
+                <a:cs typeface="Meiryo" panose="020B0604030504040204" pitchFamily="34" charset="-128"/>
+              </a:rPr>
+              <a:t>How to get these k style images:</a:t>
+            </a:r>
+          </a:p>
+          <a:p>
+            <a:pPr marL="914400" lvl="1" indent="-457200">
+              <a:lnSpc>
+                <a:spcPct val="200000"/>
+              </a:lnSpc>
+              <a:buFont typeface="Arial" panose="020B0604020202020204" pitchFamily="34" charset="0"/>
+              <a:buChar char="•"/>
+            </a:pPr>
+            <a:r>
+              <a:rPr lang="en-US" altLang="zh-CN" sz="2800" dirty="0" smtClean="0">
+                <a:latin typeface="Meiryo" panose="020B0604030504040204" pitchFamily="34" charset="-128"/>
+                <a:ea typeface="Meiryo" panose="020B0604030504040204" pitchFamily="34" charset="-128"/>
+                <a:cs typeface="Meiryo" panose="020B0604030504040204" pitchFamily="34" charset="-128"/>
+              </a:rPr>
+              <a:t>Merge style lists for multiple nearest semantic clusters</a:t>
+            </a:r>
+          </a:p>
+          <a:p>
+            <a:pPr marL="914400" lvl="1" indent="-457200">
+              <a:lnSpc>
+                <a:spcPct val="200000"/>
+              </a:lnSpc>
+              <a:buFont typeface="Arial" panose="020B0604020202020204" pitchFamily="34" charset="0"/>
+              <a:buChar char="•"/>
+            </a:pPr>
+            <a:r>
+              <a:rPr lang="en-US" altLang="zh-CN" sz="2800" dirty="0" smtClean="0">
+                <a:latin typeface="Meiryo" panose="020B0604030504040204" pitchFamily="34" charset="-128"/>
+                <a:ea typeface="Meiryo" panose="020B0604030504040204" pitchFamily="34" charset="-128"/>
+                <a:cs typeface="Meiryo" panose="020B0604030504040204" pitchFamily="34" charset="-128"/>
+              </a:rPr>
+              <a:t>Order them by      mentioned in last slice and no repeated ones</a:t>
+            </a:r>
+            <a:endParaRPr lang="en-US" altLang="zh-CN" sz="2800" dirty="0">
+              <a:latin typeface="Meiryo" panose="020B0604030504040204" pitchFamily="34" charset="-128"/>
+              <a:ea typeface="Meiryo" panose="020B0604030504040204" pitchFamily="34" charset="-128"/>
+              <a:cs typeface="Meiryo" panose="020B0604030504040204" pitchFamily="34" charset="-128"/>
+            </a:endParaRPr>
+          </a:p>
+        </p:txBody>
+      </p:sp>
+      <p:pic>
+        <p:nvPicPr>
+          <p:cNvPr id="11" name="Picture 3"/>
+          <p:cNvPicPr>
+            <a:picLocks noChangeAspect="1" noChangeArrowheads="1"/>
+          </p:cNvPicPr>
+          <p:nvPr/>
+        </p:nvPicPr>
+        <p:blipFill>
+          <a:blip r:embed="rId3">
+            <a:extLst>
+              <a:ext uri="{28A0092B-C50C-407E-A947-70E740481C1C}">
+                <a14:useLocalDpi xmlns:a14="http://schemas.microsoft.com/office/drawing/2010/main" val="0"/>
+              </a:ext>
+            </a:extLst>
+          </a:blip>
+          <a:srcRect/>
+          <a:stretch>
+            <a:fillRect/>
+          </a:stretch>
+        </p:blipFill>
+        <p:spPr bwMode="auto">
+          <a:xfrm>
+            <a:off x="4337556" y="4989419"/>
+            <a:ext cx="566737" cy="603301"/>
+          </a:xfrm>
+          <a:prstGeom prst="rect">
+            <a:avLst/>
+          </a:prstGeom>
+          <a:noFill/>
+          <a:ln>
+            <a:noFill/>
+          </a:ln>
+          <a:extLst>
+            <a:ext uri="{909E8E84-426E-40DD-AFC4-6F175D3DCCD1}">
+              <a14:hiddenFill xmlns:a14="http://schemas.microsoft.com/office/drawing/2010/main">
+                <a:solidFill>
+                  <a:schemeClr val="accent1"/>
+                </a:solidFill>
+              </a14:hiddenFill>
+            </a:ext>
+            <a:ext uri="{91240B29-F687-4F45-9708-019B960494DF}">
+              <a14:hiddenLine xmlns:a14="http://schemas.microsoft.com/office/drawing/2010/main" w="9525">
+                <a:solidFill>
+                  <a:schemeClr val="tx1"/>
+                </a:solidFill>
+                <a:miter lim="800000"/>
+                <a:headEnd/>
+                <a:tailEnd/>
+              </a14:hiddenLine>
+            </a:ext>
+          </a:extLst>
+        </p:spPr>
+      </p:pic>
+      <p:pic>
+        <p:nvPicPr>
+          <p:cNvPr id="10243" name="Picture 3"/>
+          <p:cNvPicPr>
+            <a:picLocks noChangeAspect="1" noChangeArrowheads="1"/>
+          </p:cNvPicPr>
+          <p:nvPr/>
+        </p:nvPicPr>
+        <p:blipFill>
+          <a:blip r:embed="rId4">
+            <a:extLst>
+              <a:ext uri="{28A0092B-C50C-407E-A947-70E740481C1C}">
+                <a14:useLocalDpi xmlns:a14="http://schemas.microsoft.com/office/drawing/2010/main" val="0"/>
+              </a:ext>
+            </a:extLst>
+          </a:blip>
+          <a:srcRect/>
+          <a:stretch>
+            <a:fillRect/>
+          </a:stretch>
+        </p:blipFill>
+        <p:spPr bwMode="auto">
+          <a:xfrm>
+            <a:off x="855144" y="1575882"/>
+            <a:ext cx="10734132" cy="686985"/>
+          </a:xfrm>
+          <a:prstGeom prst="rect">
+            <a:avLst/>
+          </a:prstGeom>
+          <a:noFill/>
+          <a:ln>
+            <a:noFill/>
+          </a:ln>
+          <a:extLst>
+            <a:ext uri="{909E8E84-426E-40DD-AFC4-6F175D3DCCD1}">
+              <a14:hiddenFill xmlns:a14="http://schemas.microsoft.com/office/drawing/2010/main">
+                <a:solidFill>
+                  <a:schemeClr val="accent1"/>
+                </a:solidFill>
+              </a14:hiddenFill>
+            </a:ext>
+            <a:ext uri="{91240B29-F687-4F45-9708-019B960494DF}">
+              <a14:hiddenLine xmlns:a14="http://schemas.microsoft.com/office/drawing/2010/main" w="9525">
+                <a:solidFill>
+                  <a:schemeClr val="tx1"/>
+                </a:solidFill>
+                <a:miter lim="800000"/>
+                <a:headEnd/>
+                <a:tailEnd/>
+              </a14:hiddenLine>
+            </a:ext>
+          </a:extLst>
+        </p:spPr>
+      </p:pic>
+    </p:spTree>
+    <p:extLst>
+      <p:ext uri="{BB962C8B-B14F-4D97-AF65-F5344CB8AC3E}">
+        <p14:creationId xmlns:p14="http://schemas.microsoft.com/office/powerpoint/2010/main" val="3275397676"/>
+      </p:ext>
+    </p:extLst>
+  </p:cSld>
+  <p:clrMapOvr>
+    <a:masterClrMapping/>
+  </p:clrMapOvr>
+  <p:timing>
+    <p:tnLst>
+      <p:par>
+        <p:cTn id="1" dur="indefinite" restart="never" nodeType="tmRoot"/>
+      </p:par>
+    </p:tnLst>
+  </p:timing>
+</p:sld>
+</file>
+
+<file path=ppt/slides/slide43.xml><?xml version="1.0" encoding="utf-8"?>
+<p:sld xmlns:a="http://schemas.openxmlformats.org/drawingml/2006/main" xmlns:r="http://schemas.openxmlformats.org/officeDocument/2006/relationships" xmlns:p="http://schemas.openxmlformats.org/presentationml/2006/main">
+  <p:cSld>
+    <p:spTree>
+      <p:nvGrpSpPr>
+        <p:cNvPr id="1" name=""/>
+        <p:cNvGrpSpPr/>
+        <p:nvPr/>
+      </p:nvGrpSpPr>
+      <p:grpSpPr>
+        <a:xfrm>
+          <a:off x="0" y="0"/>
+          <a:ext cx="0" cy="0"/>
+          <a:chOff x="0" y="0"/>
+          <a:chExt cx="0" cy="0"/>
+        </a:xfrm>
+      </p:grpSpPr>
+      <p:sp>
+        <p:nvSpPr>
+          <p:cNvPr id="7" name="椭圆 6"/>
+          <p:cNvSpPr/>
+          <p:nvPr/>
+        </p:nvSpPr>
+        <p:spPr>
+          <a:xfrm>
+            <a:off x="1123950" y="534753"/>
+            <a:ext cx="9963150" cy="3390900"/>
+          </a:xfrm>
+          <a:prstGeom prst="ellipse">
+            <a:avLst/>
+          </a:prstGeom>
+          <a:solidFill>
+            <a:schemeClr val="bg1">
+              <a:lumMod val="95000"/>
+            </a:schemeClr>
+          </a:solidFill>
+          <a:ln>
+            <a:noFill/>
+          </a:ln>
+        </p:spPr>
+        <p:style>
+          <a:lnRef idx="2">
+            <a:schemeClr val="accent1">
+              <a:shade val="50000"/>
+            </a:schemeClr>
+          </a:lnRef>
+          <a:fillRef idx="1">
+            <a:schemeClr val="accent1"/>
+          </a:fillRef>
+          <a:effectRef idx="0">
+            <a:schemeClr val="accent1"/>
+          </a:effectRef>
+          <a:fontRef idx="minor">
+            <a:schemeClr val="lt1"/>
+          </a:fontRef>
+        </p:style>
+        <p:txBody>
+          <a:bodyPr rtlCol="0" anchor="ctr"/>
+          <a:lstStyle/>
+          <a:p>
+            <a:pPr algn="ctr"/>
+            <a:endParaRPr lang="zh-CN" altLang="en-US"/>
+          </a:p>
+        </p:txBody>
+      </p:sp>
+      <p:sp>
+        <p:nvSpPr>
+          <p:cNvPr id="3" name="文本框 2"/>
+          <p:cNvSpPr txBox="1"/>
+          <p:nvPr/>
+        </p:nvSpPr>
+        <p:spPr>
+          <a:xfrm>
+            <a:off x="2781300" y="1353040"/>
+            <a:ext cx="6648450" cy="1754326"/>
+          </a:xfrm>
+          <a:prstGeom prst="rect">
+            <a:avLst/>
+          </a:prstGeom>
+          <a:noFill/>
+        </p:spPr>
+        <p:txBody>
+          <a:bodyPr wrap="square" rtlCol="0">
+            <a:spAutoFit/>
+          </a:bodyPr>
+          <a:lstStyle/>
+          <a:p>
+            <a:r>
+              <a:rPr lang="en-US" altLang="zh-CN" sz="5400" b="1" dirty="0" smtClean="0">
+                <a:solidFill>
+                  <a:schemeClr val="accent2"/>
+                </a:solidFill>
+                <a:effectLst>
+                  <a:outerShdw blurRad="38100" dist="38100" dir="2700000" algn="tl">
+                    <a:srgbClr val="000000">
+                      <a:alpha val="43137"/>
+                    </a:srgbClr>
+                  </a:outerShdw>
+                </a:effectLst>
+                <a:latin typeface="微软雅黑" panose="020B0503020204020204" pitchFamily="34" charset="-122"/>
+                <a:ea typeface="微软雅黑" panose="020B0503020204020204" pitchFamily="34" charset="-122"/>
+              </a:rPr>
+              <a:t>PART 5:</a:t>
+            </a:r>
+          </a:p>
+          <a:p>
+            <a:pPr algn="r"/>
+            <a:r>
+              <a:rPr lang="en-US" altLang="zh-CN" sz="5400" b="1" dirty="0" smtClean="0">
+                <a:solidFill>
+                  <a:schemeClr val="accent2"/>
+                </a:solidFill>
+                <a:effectLst>
+                  <a:outerShdw blurRad="38100" dist="38100" dir="2700000" algn="tl">
+                    <a:srgbClr val="000000">
+                      <a:alpha val="43137"/>
+                    </a:srgbClr>
+                  </a:outerShdw>
+                </a:effectLst>
+                <a:latin typeface="微软雅黑" panose="020B0503020204020204" pitchFamily="34" charset="-122"/>
+                <a:ea typeface="微软雅黑" panose="020B0503020204020204" pitchFamily="34" charset="-122"/>
+              </a:rPr>
+              <a:t>Discussion</a:t>
+            </a:r>
+            <a:endParaRPr lang="en-US" altLang="zh-CN" sz="5400" b="1" dirty="0" smtClean="0">
+              <a:solidFill>
+                <a:schemeClr val="accent2"/>
+              </a:solidFill>
+              <a:effectLst>
+                <a:outerShdw blurRad="38100" dist="38100" dir="2700000" algn="tl">
+                  <a:srgbClr val="000000">
+                    <a:alpha val="43137"/>
+                  </a:srgbClr>
+                </a:outerShdw>
+              </a:effectLst>
+              <a:latin typeface="微软雅黑" panose="020B0503020204020204" pitchFamily="34" charset="-122"/>
+              <a:ea typeface="微软雅黑" panose="020B0503020204020204" pitchFamily="34" charset="-122"/>
+            </a:endParaRPr>
+          </a:p>
+        </p:txBody>
+      </p:sp>
+    </p:spTree>
+    <p:extLst>
+      <p:ext uri="{BB962C8B-B14F-4D97-AF65-F5344CB8AC3E}">
+        <p14:creationId xmlns:p14="http://schemas.microsoft.com/office/powerpoint/2010/main" val="1903386637"/>
+      </p:ext>
+    </p:extLst>
+  </p:cSld>
+  <p:clrMapOvr>
+    <a:masterClrMapping/>
+  </p:clrMapOvr>
+  <p:timing>
+    <p:tnLst>
+      <p:par>
+        <p:cTn id="1" dur="indefinite" restart="never" nodeType="tmRoot"/>
+      </p:par>
+    </p:tnLst>
+  </p:timing>
+</p:sld>
+</file>
+
+<file path=ppt/slides/slide44.xml><?xml version="1.0" encoding="utf-8"?>
+<p:sld xmlns:a="http://schemas.openxmlformats.org/drawingml/2006/main" xmlns:r="http://schemas.openxmlformats.org/officeDocument/2006/relationships" xmlns:p="http://schemas.openxmlformats.org/presentationml/2006/main">
+  <p:cSld>
+    <p:spTree>
+      <p:nvGrpSpPr>
+        <p:cNvPr id="1" name=""/>
+        <p:cNvGrpSpPr/>
+        <p:nvPr/>
+      </p:nvGrpSpPr>
+      <p:grpSpPr>
+        <a:xfrm>
+          <a:off x="0" y="0"/>
+          <a:ext cx="0" cy="0"/>
+          <a:chOff x="0" y="0"/>
+          <a:chExt cx="0" cy="0"/>
+        </a:xfrm>
+      </p:grpSpPr>
+      <p:sp>
+        <p:nvSpPr>
+          <p:cNvPr id="6" name="矩形 5"/>
+          <p:cNvSpPr/>
+          <p:nvPr/>
+        </p:nvSpPr>
+        <p:spPr>
+          <a:xfrm rot="877900">
+            <a:off x="2686836" y="-155824"/>
+            <a:ext cx="6186601" cy="6857999"/>
+          </a:xfrm>
+          <a:prstGeom prst="rect">
+            <a:avLst/>
+          </a:prstGeom>
+          <a:solidFill>
+            <a:schemeClr val="bg1">
+              <a:lumMod val="95000"/>
+            </a:schemeClr>
+          </a:solidFill>
+          <a:ln>
+            <a:noFill/>
+          </a:ln>
+        </p:spPr>
+        <p:style>
+          <a:lnRef idx="2">
+            <a:schemeClr val="accent1">
+              <a:shade val="50000"/>
+            </a:schemeClr>
+          </a:lnRef>
+          <a:fillRef idx="1">
+            <a:schemeClr val="accent1"/>
+          </a:fillRef>
+          <a:effectRef idx="0">
+            <a:schemeClr val="accent1"/>
+          </a:effectRef>
+          <a:fontRef idx="minor">
+            <a:schemeClr val="lt1"/>
+          </a:fontRef>
+        </p:style>
+        <p:txBody>
+          <a:bodyPr rtlCol="0" anchor="ctr"/>
+          <a:lstStyle/>
+          <a:p>
+            <a:pPr algn="ctr"/>
+            <a:endParaRPr lang="zh-CN" altLang="en-US"/>
+          </a:p>
+        </p:txBody>
+      </p:sp>
+      <p:sp>
+        <p:nvSpPr>
+          <p:cNvPr id="30" name="文本框 29"/>
+          <p:cNvSpPr txBox="1"/>
+          <p:nvPr/>
+        </p:nvSpPr>
+        <p:spPr>
+          <a:xfrm>
+            <a:off x="662538" y="294935"/>
+            <a:ext cx="9205361" cy="769441"/>
+          </a:xfrm>
+          <a:prstGeom prst="rect">
+            <a:avLst/>
+          </a:prstGeom>
+          <a:noFill/>
+        </p:spPr>
+        <p:txBody>
+          <a:bodyPr wrap="square" rtlCol="0">
+            <a:spAutoFit/>
+          </a:bodyPr>
+          <a:lstStyle/>
+          <a:p>
+            <a:r>
+              <a:rPr lang="en-US" altLang="zh-CN" sz="4400" b="1" dirty="0" smtClean="0">
+                <a:solidFill>
+                  <a:srgbClr val="00ABB4"/>
+                </a:solidFill>
+                <a:latin typeface="微软雅黑" panose="020B0503020204020204" pitchFamily="34" charset="-122"/>
+                <a:ea typeface="微软雅黑" panose="020B0503020204020204" pitchFamily="34" charset="-122"/>
+              </a:rPr>
+              <a:t>Results and Discussion</a:t>
+            </a:r>
+            <a:endParaRPr lang="en-US" altLang="zh-CN" sz="4400" b="1" dirty="0">
+              <a:solidFill>
+                <a:srgbClr val="00ABB4"/>
+              </a:solidFill>
+              <a:latin typeface="微软雅黑" panose="020B0503020204020204" pitchFamily="34" charset="-122"/>
+              <a:ea typeface="微软雅黑" panose="020B0503020204020204" pitchFamily="34" charset="-122"/>
+            </a:endParaRPr>
+          </a:p>
+        </p:txBody>
+      </p:sp>
+      <p:sp>
+        <p:nvSpPr>
+          <p:cNvPr id="31" name="Rectangle 96"/>
+          <p:cNvSpPr/>
+          <p:nvPr/>
+        </p:nvSpPr>
+        <p:spPr>
+          <a:xfrm>
+            <a:off x="882750" y="1050913"/>
+            <a:ext cx="10245297" cy="846386"/>
+          </a:xfrm>
+          <a:prstGeom prst="rect">
+            <a:avLst/>
+          </a:prstGeom>
+        </p:spPr>
+        <p:txBody>
+          <a:bodyPr wrap="square">
+            <a:spAutoFit/>
+          </a:bodyPr>
+          <a:lstStyle/>
+          <a:p>
+            <a:pPr marL="342900" indent="-342900">
+              <a:lnSpc>
+                <a:spcPct val="200000"/>
+              </a:lnSpc>
+              <a:buFont typeface="Arial" panose="020B0604020202020204" pitchFamily="34" charset="0"/>
+              <a:buChar char="•"/>
+            </a:pPr>
+            <a:r>
+              <a:rPr lang="en-US" altLang="zh-CN" sz="2800" smtClean="0">
+                <a:latin typeface="Meiryo" panose="020B0604030504040204" pitchFamily="34" charset="-128"/>
+                <a:ea typeface="Meiryo" panose="020B0604030504040204" pitchFamily="34" charset="-128"/>
+                <a:cs typeface="Meiryo" panose="020B0604030504040204" pitchFamily="34" charset="-128"/>
+              </a:rPr>
+              <a:t>Quality</a:t>
+            </a:r>
+            <a:endParaRPr lang="en-US" altLang="zh-CN" sz="2800" dirty="0" smtClean="0">
+              <a:latin typeface="Meiryo" panose="020B0604030504040204" pitchFamily="34" charset="-128"/>
+              <a:ea typeface="Meiryo" panose="020B0604030504040204" pitchFamily="34" charset="-128"/>
+              <a:cs typeface="Meiryo" panose="020B0604030504040204" pitchFamily="34" charset="-128"/>
+            </a:endParaRPr>
+          </a:p>
+        </p:txBody>
+      </p:sp>
+    </p:spTree>
+    <p:extLst>
+      <p:ext uri="{BB962C8B-B14F-4D97-AF65-F5344CB8AC3E}">
+        <p14:creationId xmlns:p14="http://schemas.microsoft.com/office/powerpoint/2010/main" val="3480431461"/>
+      </p:ext>
+    </p:extLst>
+  </p:cSld>
+  <p:clrMapOvr>
+    <a:masterClrMapping/>
+  </p:clrMapOvr>
+  <p:timing>
+    <p:tnLst>
+      <p:par>
+        <p:cTn id="1" dur="indefinite" restart="never" nodeType="tmRoot"/>
+      </p:par>
+    </p:tnLst>
+  </p:timing>
+</p:sld>
+</file>
+
+<file path=ppt/slides/slide45.xml><?xml version="1.0" encoding="utf-8"?>
+<p:sld xmlns:a="http://schemas.openxmlformats.org/drawingml/2006/main" xmlns:r="http://schemas.openxmlformats.org/officeDocument/2006/relationships" xmlns:p="http://schemas.openxmlformats.org/presentationml/2006/main">
+  <p:cSld>
+    <p:spTree>
+      <p:nvGrpSpPr>
+        <p:cNvPr id="1" name=""/>
+        <p:cNvGrpSpPr/>
+        <p:nvPr/>
+      </p:nvGrpSpPr>
+      <p:grpSpPr>
+        <a:xfrm>
+          <a:off x="0" y="0"/>
+          <a:ext cx="0" cy="0"/>
+          <a:chOff x="0" y="0"/>
+          <a:chExt cx="0" cy="0"/>
+        </a:xfrm>
+      </p:grpSpPr>
+      <p:sp>
+        <p:nvSpPr>
+          <p:cNvPr id="3" name="文本框 2"/>
+          <p:cNvSpPr txBox="1"/>
+          <p:nvPr/>
+        </p:nvSpPr>
+        <p:spPr>
+          <a:xfrm>
+            <a:off x="3578357" y="2333008"/>
+            <a:ext cx="5044714" cy="1015663"/>
+          </a:xfrm>
+          <a:prstGeom prst="rect">
+            <a:avLst/>
+          </a:prstGeom>
+          <a:noFill/>
+        </p:spPr>
+        <p:txBody>
+          <a:bodyPr wrap="none" rtlCol="0">
+            <a:spAutoFit/>
+          </a:bodyPr>
+          <a:lstStyle/>
+          <a:p>
+            <a:pPr algn="ctr"/>
+            <a:r>
+              <a:rPr lang="en-US" altLang="zh-CN" sz="6000" b="1" dirty="0" smtClean="0">
+                <a:solidFill>
+                  <a:schemeClr val="accent2"/>
+                </a:solidFill>
+                <a:effectLst>
+                  <a:outerShdw blurRad="38100" dist="38100" dir="2700000" algn="tl">
+                    <a:srgbClr val="000000">
+                      <a:alpha val="43137"/>
+                    </a:srgbClr>
+                  </a:outerShdw>
+                </a:effectLst>
+                <a:latin typeface="微软雅黑" panose="020B0503020204020204" pitchFamily="34" charset="-122"/>
+                <a:ea typeface="微软雅黑" panose="020B0503020204020204" pitchFamily="34" charset="-122"/>
+              </a:rPr>
+              <a:t>Thank you </a:t>
+            </a:r>
+            <a:r>
+              <a:rPr lang="en-US" altLang="zh-CN" sz="6000" b="1" dirty="0" smtClean="0">
+                <a:solidFill>
+                  <a:schemeClr val="accent2"/>
+                </a:solidFill>
+                <a:effectLst>
+                  <a:outerShdw blurRad="38100" dist="38100" dir="2700000" algn="tl">
+                    <a:srgbClr val="000000">
+                      <a:alpha val="43137"/>
+                    </a:srgbClr>
+                  </a:outerShdw>
+                </a:effectLst>
+                <a:latin typeface="微软雅黑" panose="020B0503020204020204" pitchFamily="34" charset="-122"/>
+                <a:ea typeface="微软雅黑" panose="020B0503020204020204" pitchFamily="34" charset="-122"/>
+              </a:rPr>
+              <a:t>~</a:t>
+            </a:r>
+            <a:endParaRPr lang="en-US" altLang="zh-CN" sz="6000" b="1" dirty="0">
+              <a:solidFill>
+                <a:schemeClr val="accent2"/>
+              </a:solidFill>
+              <a:effectLst>
+                <a:outerShdw blurRad="38100" dist="38100" dir="2700000" algn="tl">
+                  <a:srgbClr val="000000">
+                    <a:alpha val="43137"/>
+                  </a:srgbClr>
+                </a:outerShdw>
+              </a:effectLst>
+              <a:latin typeface="微软雅黑" panose="020B0503020204020204" pitchFamily="34" charset="-122"/>
+              <a:ea typeface="微软雅黑" panose="020B0503020204020204" pitchFamily="34" charset="-122"/>
+            </a:endParaRPr>
+          </a:p>
+        </p:txBody>
+      </p:sp>
+    </p:spTree>
+    <p:extLst>
+      <p:ext uri="{BB962C8B-B14F-4D97-AF65-F5344CB8AC3E}">
+        <p14:creationId xmlns:p14="http://schemas.microsoft.com/office/powerpoint/2010/main" val="3711594375"/>
       </p:ext>
     </p:extLst>
   </p:cSld>

--- a/ComputerVision.pptx
+++ b/ComputerVision.pptx
@@ -5,7 +5,7 @@
     <p:sldMasterId id="2147483648" r:id="rId1"/>
   </p:sldMasterIdLst>
   <p:notesMasterIdLst>
-    <p:notesMasterId r:id="rId47"/>
+    <p:notesMasterId r:id="rId54"/>
   </p:notesMasterIdLst>
   <p:sldIdLst>
     <p:sldId id="442" r:id="rId2"/>
@@ -42,17 +42,24 @@
     <p:sldId id="507" r:id="rId33"/>
     <p:sldId id="508" r:id="rId34"/>
     <p:sldId id="509" r:id="rId35"/>
-    <p:sldId id="510" r:id="rId36"/>
-    <p:sldId id="511" r:id="rId37"/>
-    <p:sldId id="512" r:id="rId38"/>
-    <p:sldId id="513" r:id="rId39"/>
-    <p:sldId id="514" r:id="rId40"/>
-    <p:sldId id="515" r:id="rId41"/>
-    <p:sldId id="517" r:id="rId42"/>
-    <p:sldId id="516" r:id="rId43"/>
-    <p:sldId id="518" r:id="rId44"/>
-    <p:sldId id="519" r:id="rId45"/>
-    <p:sldId id="303" r:id="rId46"/>
+    <p:sldId id="521" r:id="rId36"/>
+    <p:sldId id="510" r:id="rId37"/>
+    <p:sldId id="511" r:id="rId38"/>
+    <p:sldId id="522" r:id="rId39"/>
+    <p:sldId id="512" r:id="rId40"/>
+    <p:sldId id="513" r:id="rId41"/>
+    <p:sldId id="514" r:id="rId42"/>
+    <p:sldId id="515" r:id="rId43"/>
+    <p:sldId id="517" r:id="rId44"/>
+    <p:sldId id="516" r:id="rId45"/>
+    <p:sldId id="520" r:id="rId46"/>
+    <p:sldId id="518" r:id="rId47"/>
+    <p:sldId id="519" r:id="rId48"/>
+    <p:sldId id="525" r:id="rId49"/>
+    <p:sldId id="526" r:id="rId50"/>
+    <p:sldId id="523" r:id="rId51"/>
+    <p:sldId id="524" r:id="rId52"/>
+    <p:sldId id="303" r:id="rId53"/>
   </p:sldIdLst>
   <p:sldSz cx="12192000" cy="6858000"/>
   <p:notesSz cx="6858000" cy="9144000"/>
@@ -3435,46 +3442,6 @@
           <a:bodyPr/>
           <a:lstStyle/>
           <a:p>
-            <a:r>
-              <a:rPr lang="en-US" altLang="zh-CN" dirty="0" smtClean="0"/>
-              <a:t>CK</a:t>
-            </a:r>
-            <a:r>
-              <a:rPr lang="zh-CN" altLang="en-US" dirty="0" smtClean="0"/>
-              <a:t>：</a:t>
-            </a:r>
-            <a:r>
-              <a:rPr lang="en-US" altLang="zh-CN" dirty="0" smtClean="0"/>
-              <a:t>each semantic cluster in the large photo collection</a:t>
-            </a:r>
-          </a:p>
-          <a:p>
-            <a:r>
-              <a:rPr lang="en-US" altLang="zh-CN" dirty="0" smtClean="0"/>
-              <a:t>P</a:t>
-            </a:r>
-            <a:r>
-              <a:rPr lang="en-US" altLang="zh-CN" baseline="0" dirty="0" smtClean="0"/>
-              <a:t> : each image in cluster CK</a:t>
-            </a:r>
-          </a:p>
-          <a:p>
-            <a:r>
-              <a:rPr lang="en-US" altLang="zh-CN" baseline="0" dirty="0" smtClean="0"/>
-              <a:t>S : a exemplar in S(style database)</a:t>
-            </a:r>
-          </a:p>
-          <a:p>
-            <a:r>
-              <a:rPr lang="en-US" altLang="zh-CN" baseline="0" dirty="0" smtClean="0"/>
-              <a:t>RK(S) : for each S each CK, there is one this figure</a:t>
-            </a:r>
-          </a:p>
-          <a:p>
-            <a:r>
-              <a:rPr lang="en-US" altLang="zh-CN" baseline="0" dirty="0" smtClean="0"/>
-              <a:t>Get all R about CK ,then rank them </a:t>
-            </a:r>
             <a:endParaRPr lang="zh-CN" altLang="en-US" dirty="0"/>
           </a:p>
         </p:txBody>
@@ -3643,6 +3610,46 @@
           <a:bodyPr/>
           <a:lstStyle/>
           <a:p>
+            <a:r>
+              <a:rPr lang="en-US" altLang="zh-CN" dirty="0" smtClean="0"/>
+              <a:t>CK</a:t>
+            </a:r>
+            <a:r>
+              <a:rPr lang="zh-CN" altLang="en-US" dirty="0" smtClean="0"/>
+              <a:t>：</a:t>
+            </a:r>
+            <a:r>
+              <a:rPr lang="en-US" altLang="zh-CN" dirty="0" smtClean="0"/>
+              <a:t>each semantic cluster in the large photo collection</a:t>
+            </a:r>
+          </a:p>
+          <a:p>
+            <a:r>
+              <a:rPr lang="en-US" altLang="zh-CN" dirty="0" smtClean="0"/>
+              <a:t>P</a:t>
+            </a:r>
+            <a:r>
+              <a:rPr lang="en-US" altLang="zh-CN" baseline="0" dirty="0" smtClean="0"/>
+              <a:t> : each image in cluster CK</a:t>
+            </a:r>
+          </a:p>
+          <a:p>
+            <a:r>
+              <a:rPr lang="en-US" altLang="zh-CN" baseline="0" dirty="0" smtClean="0"/>
+              <a:t>S : a exemplar in S(style database)</a:t>
+            </a:r>
+          </a:p>
+          <a:p>
+            <a:r>
+              <a:rPr lang="en-US" altLang="zh-CN" baseline="0" dirty="0" smtClean="0"/>
+              <a:t>RK(S) : for each S each CK, there is one this figure</a:t>
+            </a:r>
+          </a:p>
+          <a:p>
+            <a:r>
+              <a:rPr lang="en-US" altLang="zh-CN" baseline="0" dirty="0" smtClean="0"/>
+              <a:t>Get all R about CK ,then rank them </a:t>
+            </a:r>
             <a:endParaRPr lang="zh-CN" altLang="en-US" dirty="0"/>
           </a:p>
         </p:txBody>
@@ -3757,7 +3764,7 @@
     </p:spTree>
     <p:extLst>
       <p:ext uri="{BB962C8B-B14F-4D97-AF65-F5344CB8AC3E}">
-        <p14:creationId xmlns:p14="http://schemas.microsoft.com/office/powerpoint/2010/main" val="2904033859"/>
+        <p14:creationId xmlns:p14="http://schemas.microsoft.com/office/powerpoint/2010/main" val="3776015239"/>
       </p:ext>
     </p:extLst>
   </p:cSld>
@@ -3833,6 +3840,426 @@
             <a:fld id="{DD202784-B46A-4EF4-B218-4316F9133D14}" type="slidenum">
               <a:rPr lang="zh-CN" altLang="en-US" smtClean="0"/>
               <a:t>44</a:t>
+            </a:fld>
+            <a:endParaRPr lang="zh-CN" altLang="en-US"/>
+          </a:p>
+        </p:txBody>
+      </p:sp>
+    </p:spTree>
+    <p:extLst>
+      <p:ext uri="{BB962C8B-B14F-4D97-AF65-F5344CB8AC3E}">
+        <p14:creationId xmlns:p14="http://schemas.microsoft.com/office/powerpoint/2010/main" val="3776015239"/>
+      </p:ext>
+    </p:extLst>
+  </p:cSld>
+  <p:clrMapOvr>
+    <a:masterClrMapping/>
+  </p:clrMapOvr>
+</p:notes>
+</file>
+
+<file path=ppt/notesSlides/notesSlide45.xml><?xml version="1.0" encoding="utf-8"?>
+<p:notes xmlns:a="http://schemas.openxmlformats.org/drawingml/2006/main" xmlns:r="http://schemas.openxmlformats.org/officeDocument/2006/relationships" xmlns:p="http://schemas.openxmlformats.org/presentationml/2006/main">
+  <p:cSld>
+    <p:spTree>
+      <p:nvGrpSpPr>
+        <p:cNvPr id="1" name=""/>
+        <p:cNvGrpSpPr/>
+        <p:nvPr/>
+      </p:nvGrpSpPr>
+      <p:grpSpPr>
+        <a:xfrm>
+          <a:off x="0" y="0"/>
+          <a:ext cx="0" cy="0"/>
+          <a:chOff x="0" y="0"/>
+          <a:chExt cx="0" cy="0"/>
+        </a:xfrm>
+      </p:grpSpPr>
+      <p:sp>
+        <p:nvSpPr>
+          <p:cNvPr id="2" name="幻灯片图像占位符 1"/>
+          <p:cNvSpPr>
+            <a:spLocks noGrp="1" noRot="1" noChangeAspect="1"/>
+          </p:cNvSpPr>
+          <p:nvPr>
+            <p:ph type="sldImg"/>
+          </p:nvPr>
+        </p:nvSpPr>
+        <p:spPr/>
+      </p:sp>
+      <p:sp>
+        <p:nvSpPr>
+          <p:cNvPr id="3" name="备注占位符 2"/>
+          <p:cNvSpPr>
+            <a:spLocks noGrp="1"/>
+          </p:cNvSpPr>
+          <p:nvPr>
+            <p:ph type="body" idx="1"/>
+          </p:nvPr>
+        </p:nvSpPr>
+        <p:spPr/>
+        <p:txBody>
+          <a:bodyPr/>
+          <a:lstStyle/>
+          <a:p>
+            <a:endParaRPr lang="zh-CN" altLang="en-US" dirty="0"/>
+          </a:p>
+        </p:txBody>
+      </p:sp>
+      <p:sp>
+        <p:nvSpPr>
+          <p:cNvPr id="4" name="灯片编号占位符 3"/>
+          <p:cNvSpPr>
+            <a:spLocks noGrp="1"/>
+          </p:cNvSpPr>
+          <p:nvPr>
+            <p:ph type="sldNum" sz="quarter" idx="10"/>
+          </p:nvPr>
+        </p:nvSpPr>
+        <p:spPr/>
+        <p:txBody>
+          <a:bodyPr/>
+          <a:lstStyle/>
+          <a:p>
+            <a:fld id="{DD202784-B46A-4EF4-B218-4316F9133D14}" type="slidenum">
+              <a:rPr lang="zh-CN" altLang="en-US" smtClean="0"/>
+              <a:t>45</a:t>
+            </a:fld>
+            <a:endParaRPr lang="zh-CN" altLang="en-US"/>
+          </a:p>
+        </p:txBody>
+      </p:sp>
+    </p:spTree>
+    <p:extLst>
+      <p:ext uri="{BB962C8B-B14F-4D97-AF65-F5344CB8AC3E}">
+        <p14:creationId xmlns:p14="http://schemas.microsoft.com/office/powerpoint/2010/main" val="3776015239"/>
+      </p:ext>
+    </p:extLst>
+  </p:cSld>
+  <p:clrMapOvr>
+    <a:masterClrMapping/>
+  </p:clrMapOvr>
+</p:notes>
+</file>
+
+<file path=ppt/notesSlides/notesSlide46.xml><?xml version="1.0" encoding="utf-8"?>
+<p:notes xmlns:a="http://schemas.openxmlformats.org/drawingml/2006/main" xmlns:r="http://schemas.openxmlformats.org/officeDocument/2006/relationships" xmlns:p="http://schemas.openxmlformats.org/presentationml/2006/main">
+  <p:cSld>
+    <p:spTree>
+      <p:nvGrpSpPr>
+        <p:cNvPr id="1" name=""/>
+        <p:cNvGrpSpPr/>
+        <p:nvPr/>
+      </p:nvGrpSpPr>
+      <p:grpSpPr>
+        <a:xfrm>
+          <a:off x="0" y="0"/>
+          <a:ext cx="0" cy="0"/>
+          <a:chOff x="0" y="0"/>
+          <a:chExt cx="0" cy="0"/>
+        </a:xfrm>
+      </p:grpSpPr>
+      <p:sp>
+        <p:nvSpPr>
+          <p:cNvPr id="2" name="幻灯片图像占位符 1"/>
+          <p:cNvSpPr>
+            <a:spLocks noGrp="1" noRot="1" noChangeAspect="1"/>
+          </p:cNvSpPr>
+          <p:nvPr>
+            <p:ph type="sldImg"/>
+          </p:nvPr>
+        </p:nvSpPr>
+        <p:spPr/>
+      </p:sp>
+      <p:sp>
+        <p:nvSpPr>
+          <p:cNvPr id="3" name="备注占位符 2"/>
+          <p:cNvSpPr>
+            <a:spLocks noGrp="1"/>
+          </p:cNvSpPr>
+          <p:nvPr>
+            <p:ph type="body" idx="1"/>
+          </p:nvPr>
+        </p:nvSpPr>
+        <p:spPr/>
+        <p:txBody>
+          <a:bodyPr/>
+          <a:lstStyle/>
+          <a:p>
+            <a:endParaRPr lang="zh-CN" altLang="en-US" dirty="0"/>
+          </a:p>
+        </p:txBody>
+      </p:sp>
+      <p:sp>
+        <p:nvSpPr>
+          <p:cNvPr id="4" name="灯片编号占位符 3"/>
+          <p:cNvSpPr>
+            <a:spLocks noGrp="1"/>
+          </p:cNvSpPr>
+          <p:nvPr>
+            <p:ph type="sldNum" sz="quarter" idx="10"/>
+          </p:nvPr>
+        </p:nvSpPr>
+        <p:spPr/>
+        <p:txBody>
+          <a:bodyPr/>
+          <a:lstStyle/>
+          <a:p>
+            <a:fld id="{DD202784-B46A-4EF4-B218-4316F9133D14}" type="slidenum">
+              <a:rPr lang="zh-CN" altLang="en-US" smtClean="0"/>
+              <a:t>46</a:t>
+            </a:fld>
+            <a:endParaRPr lang="zh-CN" altLang="en-US"/>
+          </a:p>
+        </p:txBody>
+      </p:sp>
+    </p:spTree>
+    <p:extLst>
+      <p:ext uri="{BB962C8B-B14F-4D97-AF65-F5344CB8AC3E}">
+        <p14:creationId xmlns:p14="http://schemas.microsoft.com/office/powerpoint/2010/main" val="2904033859"/>
+      </p:ext>
+    </p:extLst>
+  </p:cSld>
+  <p:clrMapOvr>
+    <a:masterClrMapping/>
+  </p:clrMapOvr>
+</p:notes>
+</file>
+
+<file path=ppt/notesSlides/notesSlide47.xml><?xml version="1.0" encoding="utf-8"?>
+<p:notes xmlns:a="http://schemas.openxmlformats.org/drawingml/2006/main" xmlns:r="http://schemas.openxmlformats.org/officeDocument/2006/relationships" xmlns:p="http://schemas.openxmlformats.org/presentationml/2006/main">
+  <p:cSld>
+    <p:spTree>
+      <p:nvGrpSpPr>
+        <p:cNvPr id="1" name=""/>
+        <p:cNvGrpSpPr/>
+        <p:nvPr/>
+      </p:nvGrpSpPr>
+      <p:grpSpPr>
+        <a:xfrm>
+          <a:off x="0" y="0"/>
+          <a:ext cx="0" cy="0"/>
+          <a:chOff x="0" y="0"/>
+          <a:chExt cx="0" cy="0"/>
+        </a:xfrm>
+      </p:grpSpPr>
+      <p:sp>
+        <p:nvSpPr>
+          <p:cNvPr id="2" name="幻灯片图像占位符 1"/>
+          <p:cNvSpPr>
+            <a:spLocks noGrp="1" noRot="1" noChangeAspect="1"/>
+          </p:cNvSpPr>
+          <p:nvPr>
+            <p:ph type="sldImg"/>
+          </p:nvPr>
+        </p:nvSpPr>
+        <p:spPr/>
+      </p:sp>
+      <p:sp>
+        <p:nvSpPr>
+          <p:cNvPr id="3" name="备注占位符 2"/>
+          <p:cNvSpPr>
+            <a:spLocks noGrp="1"/>
+          </p:cNvSpPr>
+          <p:nvPr>
+            <p:ph type="body" idx="1"/>
+          </p:nvPr>
+        </p:nvSpPr>
+        <p:spPr/>
+        <p:txBody>
+          <a:bodyPr/>
+          <a:lstStyle/>
+          <a:p>
+            <a:endParaRPr lang="zh-CN" altLang="en-US" dirty="0"/>
+          </a:p>
+        </p:txBody>
+      </p:sp>
+      <p:sp>
+        <p:nvSpPr>
+          <p:cNvPr id="4" name="灯片编号占位符 3"/>
+          <p:cNvSpPr>
+            <a:spLocks noGrp="1"/>
+          </p:cNvSpPr>
+          <p:nvPr>
+            <p:ph type="sldNum" sz="quarter" idx="10"/>
+          </p:nvPr>
+        </p:nvSpPr>
+        <p:spPr/>
+        <p:txBody>
+          <a:bodyPr/>
+          <a:lstStyle/>
+          <a:p>
+            <a:fld id="{DD202784-B46A-4EF4-B218-4316F9133D14}" type="slidenum">
+              <a:rPr lang="zh-CN" altLang="en-US" smtClean="0"/>
+              <a:t>47</a:t>
+            </a:fld>
+            <a:endParaRPr lang="zh-CN" altLang="en-US"/>
+          </a:p>
+        </p:txBody>
+      </p:sp>
+    </p:spTree>
+    <p:extLst>
+      <p:ext uri="{BB962C8B-B14F-4D97-AF65-F5344CB8AC3E}">
+        <p14:creationId xmlns:p14="http://schemas.microsoft.com/office/powerpoint/2010/main" val="3776015239"/>
+      </p:ext>
+    </p:extLst>
+  </p:cSld>
+  <p:clrMapOvr>
+    <a:masterClrMapping/>
+  </p:clrMapOvr>
+</p:notes>
+</file>
+
+<file path=ppt/notesSlides/notesSlide48.xml><?xml version="1.0" encoding="utf-8"?>
+<p:notes xmlns:a="http://schemas.openxmlformats.org/drawingml/2006/main" xmlns:r="http://schemas.openxmlformats.org/officeDocument/2006/relationships" xmlns:p="http://schemas.openxmlformats.org/presentationml/2006/main">
+  <p:cSld>
+    <p:spTree>
+      <p:nvGrpSpPr>
+        <p:cNvPr id="1" name=""/>
+        <p:cNvGrpSpPr/>
+        <p:nvPr/>
+      </p:nvGrpSpPr>
+      <p:grpSpPr>
+        <a:xfrm>
+          <a:off x="0" y="0"/>
+          <a:ext cx="0" cy="0"/>
+          <a:chOff x="0" y="0"/>
+          <a:chExt cx="0" cy="0"/>
+        </a:xfrm>
+      </p:grpSpPr>
+      <p:sp>
+        <p:nvSpPr>
+          <p:cNvPr id="2" name="幻灯片图像占位符 1"/>
+          <p:cNvSpPr>
+            <a:spLocks noGrp="1" noRot="1" noChangeAspect="1"/>
+          </p:cNvSpPr>
+          <p:nvPr>
+            <p:ph type="sldImg"/>
+          </p:nvPr>
+        </p:nvSpPr>
+        <p:spPr/>
+      </p:sp>
+      <p:sp>
+        <p:nvSpPr>
+          <p:cNvPr id="3" name="备注占位符 2"/>
+          <p:cNvSpPr>
+            <a:spLocks noGrp="1"/>
+          </p:cNvSpPr>
+          <p:nvPr>
+            <p:ph type="body" idx="1"/>
+          </p:nvPr>
+        </p:nvSpPr>
+        <p:spPr/>
+        <p:txBody>
+          <a:bodyPr/>
+          <a:lstStyle/>
+          <a:p>
+            <a:endParaRPr lang="zh-CN" altLang="en-US" dirty="0"/>
+          </a:p>
+        </p:txBody>
+      </p:sp>
+      <p:sp>
+        <p:nvSpPr>
+          <p:cNvPr id="4" name="灯片编号占位符 3"/>
+          <p:cNvSpPr>
+            <a:spLocks noGrp="1"/>
+          </p:cNvSpPr>
+          <p:nvPr>
+            <p:ph type="sldNum" sz="quarter" idx="10"/>
+          </p:nvPr>
+        </p:nvSpPr>
+        <p:spPr/>
+        <p:txBody>
+          <a:bodyPr/>
+          <a:lstStyle/>
+          <a:p>
+            <a:fld id="{DD202784-B46A-4EF4-B218-4316F9133D14}" type="slidenum">
+              <a:rPr lang="zh-CN" altLang="en-US" smtClean="0"/>
+              <a:t>48</a:t>
+            </a:fld>
+            <a:endParaRPr lang="zh-CN" altLang="en-US"/>
+          </a:p>
+        </p:txBody>
+      </p:sp>
+    </p:spTree>
+    <p:extLst>
+      <p:ext uri="{BB962C8B-B14F-4D97-AF65-F5344CB8AC3E}">
+        <p14:creationId xmlns:p14="http://schemas.microsoft.com/office/powerpoint/2010/main" val="3776015239"/>
+      </p:ext>
+    </p:extLst>
+  </p:cSld>
+  <p:clrMapOvr>
+    <a:masterClrMapping/>
+  </p:clrMapOvr>
+</p:notes>
+</file>
+
+<file path=ppt/notesSlides/notesSlide49.xml><?xml version="1.0" encoding="utf-8"?>
+<p:notes xmlns:a="http://schemas.openxmlformats.org/drawingml/2006/main" xmlns:r="http://schemas.openxmlformats.org/officeDocument/2006/relationships" xmlns:p="http://schemas.openxmlformats.org/presentationml/2006/main">
+  <p:cSld>
+    <p:spTree>
+      <p:nvGrpSpPr>
+        <p:cNvPr id="1" name=""/>
+        <p:cNvGrpSpPr/>
+        <p:nvPr/>
+      </p:nvGrpSpPr>
+      <p:grpSpPr>
+        <a:xfrm>
+          <a:off x="0" y="0"/>
+          <a:ext cx="0" cy="0"/>
+          <a:chOff x="0" y="0"/>
+          <a:chExt cx="0" cy="0"/>
+        </a:xfrm>
+      </p:grpSpPr>
+      <p:sp>
+        <p:nvSpPr>
+          <p:cNvPr id="2" name="幻灯片图像占位符 1"/>
+          <p:cNvSpPr>
+            <a:spLocks noGrp="1" noRot="1" noChangeAspect="1"/>
+          </p:cNvSpPr>
+          <p:nvPr>
+            <p:ph type="sldImg"/>
+          </p:nvPr>
+        </p:nvSpPr>
+        <p:spPr/>
+      </p:sp>
+      <p:sp>
+        <p:nvSpPr>
+          <p:cNvPr id="3" name="备注占位符 2"/>
+          <p:cNvSpPr>
+            <a:spLocks noGrp="1"/>
+          </p:cNvSpPr>
+          <p:nvPr>
+            <p:ph type="body" idx="1"/>
+          </p:nvPr>
+        </p:nvSpPr>
+        <p:spPr/>
+        <p:txBody>
+          <a:bodyPr/>
+          <a:lstStyle/>
+          <a:p>
+            <a:endParaRPr lang="zh-CN" altLang="en-US" dirty="0"/>
+          </a:p>
+        </p:txBody>
+      </p:sp>
+      <p:sp>
+        <p:nvSpPr>
+          <p:cNvPr id="4" name="灯片编号占位符 3"/>
+          <p:cNvSpPr>
+            <a:spLocks noGrp="1"/>
+          </p:cNvSpPr>
+          <p:nvPr>
+            <p:ph type="sldNum" sz="quarter" idx="10"/>
+          </p:nvPr>
+        </p:nvSpPr>
+        <p:spPr/>
+        <p:txBody>
+          <a:bodyPr/>
+          <a:lstStyle/>
+          <a:p>
+            <a:fld id="{DD202784-B46A-4EF4-B218-4316F9133D14}" type="slidenum">
+              <a:rPr lang="zh-CN" altLang="en-US" smtClean="0"/>
+              <a:t>49</a:t>
             </a:fld>
             <a:endParaRPr lang="zh-CN" altLang="en-US"/>
           </a:p>
@@ -3926,6 +4353,174 @@
     <p:extLst>
       <p:ext uri="{BB962C8B-B14F-4D97-AF65-F5344CB8AC3E}">
         <p14:creationId xmlns:p14="http://schemas.microsoft.com/office/powerpoint/2010/main" val="2904033859"/>
+      </p:ext>
+    </p:extLst>
+  </p:cSld>
+  <p:clrMapOvr>
+    <a:masterClrMapping/>
+  </p:clrMapOvr>
+</p:notes>
+</file>
+
+<file path=ppt/notesSlides/notesSlide50.xml><?xml version="1.0" encoding="utf-8"?>
+<p:notes xmlns:a="http://schemas.openxmlformats.org/drawingml/2006/main" xmlns:r="http://schemas.openxmlformats.org/officeDocument/2006/relationships" xmlns:p="http://schemas.openxmlformats.org/presentationml/2006/main">
+  <p:cSld>
+    <p:spTree>
+      <p:nvGrpSpPr>
+        <p:cNvPr id="1" name=""/>
+        <p:cNvGrpSpPr/>
+        <p:nvPr/>
+      </p:nvGrpSpPr>
+      <p:grpSpPr>
+        <a:xfrm>
+          <a:off x="0" y="0"/>
+          <a:ext cx="0" cy="0"/>
+          <a:chOff x="0" y="0"/>
+          <a:chExt cx="0" cy="0"/>
+        </a:xfrm>
+      </p:grpSpPr>
+      <p:sp>
+        <p:nvSpPr>
+          <p:cNvPr id="2" name="幻灯片图像占位符 1"/>
+          <p:cNvSpPr>
+            <a:spLocks noGrp="1" noRot="1" noChangeAspect="1"/>
+          </p:cNvSpPr>
+          <p:nvPr>
+            <p:ph type="sldImg"/>
+          </p:nvPr>
+        </p:nvSpPr>
+        <p:spPr/>
+      </p:sp>
+      <p:sp>
+        <p:nvSpPr>
+          <p:cNvPr id="3" name="备注占位符 2"/>
+          <p:cNvSpPr>
+            <a:spLocks noGrp="1"/>
+          </p:cNvSpPr>
+          <p:nvPr>
+            <p:ph type="body" idx="1"/>
+          </p:nvPr>
+        </p:nvSpPr>
+        <p:spPr/>
+        <p:txBody>
+          <a:bodyPr/>
+          <a:lstStyle/>
+          <a:p>
+            <a:endParaRPr lang="zh-CN" altLang="en-US" dirty="0"/>
+          </a:p>
+        </p:txBody>
+      </p:sp>
+      <p:sp>
+        <p:nvSpPr>
+          <p:cNvPr id="4" name="灯片编号占位符 3"/>
+          <p:cNvSpPr>
+            <a:spLocks noGrp="1"/>
+          </p:cNvSpPr>
+          <p:nvPr>
+            <p:ph type="sldNum" sz="quarter" idx="10"/>
+          </p:nvPr>
+        </p:nvSpPr>
+        <p:spPr/>
+        <p:txBody>
+          <a:bodyPr/>
+          <a:lstStyle/>
+          <a:p>
+            <a:fld id="{DD202784-B46A-4EF4-B218-4316F9133D14}" type="slidenum">
+              <a:rPr lang="zh-CN" altLang="en-US" smtClean="0"/>
+              <a:t>50</a:t>
+            </a:fld>
+            <a:endParaRPr lang="zh-CN" altLang="en-US"/>
+          </a:p>
+        </p:txBody>
+      </p:sp>
+    </p:spTree>
+    <p:extLst>
+      <p:ext uri="{BB962C8B-B14F-4D97-AF65-F5344CB8AC3E}">
+        <p14:creationId xmlns:p14="http://schemas.microsoft.com/office/powerpoint/2010/main" val="3776015239"/>
+      </p:ext>
+    </p:extLst>
+  </p:cSld>
+  <p:clrMapOvr>
+    <a:masterClrMapping/>
+  </p:clrMapOvr>
+</p:notes>
+</file>
+
+<file path=ppt/notesSlides/notesSlide51.xml><?xml version="1.0" encoding="utf-8"?>
+<p:notes xmlns:a="http://schemas.openxmlformats.org/drawingml/2006/main" xmlns:r="http://schemas.openxmlformats.org/officeDocument/2006/relationships" xmlns:p="http://schemas.openxmlformats.org/presentationml/2006/main">
+  <p:cSld>
+    <p:spTree>
+      <p:nvGrpSpPr>
+        <p:cNvPr id="1" name=""/>
+        <p:cNvGrpSpPr/>
+        <p:nvPr/>
+      </p:nvGrpSpPr>
+      <p:grpSpPr>
+        <a:xfrm>
+          <a:off x="0" y="0"/>
+          <a:ext cx="0" cy="0"/>
+          <a:chOff x="0" y="0"/>
+          <a:chExt cx="0" cy="0"/>
+        </a:xfrm>
+      </p:grpSpPr>
+      <p:sp>
+        <p:nvSpPr>
+          <p:cNvPr id="2" name="幻灯片图像占位符 1"/>
+          <p:cNvSpPr>
+            <a:spLocks noGrp="1" noRot="1" noChangeAspect="1"/>
+          </p:cNvSpPr>
+          <p:nvPr>
+            <p:ph type="sldImg"/>
+          </p:nvPr>
+        </p:nvSpPr>
+        <p:spPr/>
+      </p:sp>
+      <p:sp>
+        <p:nvSpPr>
+          <p:cNvPr id="3" name="备注占位符 2"/>
+          <p:cNvSpPr>
+            <a:spLocks noGrp="1"/>
+          </p:cNvSpPr>
+          <p:nvPr>
+            <p:ph type="body" idx="1"/>
+          </p:nvPr>
+        </p:nvSpPr>
+        <p:spPr/>
+        <p:txBody>
+          <a:bodyPr/>
+          <a:lstStyle/>
+          <a:p>
+            <a:endParaRPr lang="zh-CN" altLang="en-US" dirty="0"/>
+          </a:p>
+        </p:txBody>
+      </p:sp>
+      <p:sp>
+        <p:nvSpPr>
+          <p:cNvPr id="4" name="灯片编号占位符 3"/>
+          <p:cNvSpPr>
+            <a:spLocks noGrp="1"/>
+          </p:cNvSpPr>
+          <p:nvPr>
+            <p:ph type="sldNum" sz="quarter" idx="10"/>
+          </p:nvPr>
+        </p:nvSpPr>
+        <p:spPr/>
+        <p:txBody>
+          <a:bodyPr/>
+          <a:lstStyle/>
+          <a:p>
+            <a:fld id="{DD202784-B46A-4EF4-B218-4316F9133D14}" type="slidenum">
+              <a:rPr lang="zh-CN" altLang="en-US" smtClean="0"/>
+              <a:t>51</a:t>
+            </a:fld>
+            <a:endParaRPr lang="zh-CN" altLang="en-US"/>
+          </a:p>
+        </p:txBody>
+      </p:sp>
+    </p:spTree>
+    <p:extLst>
+      <p:ext uri="{BB962C8B-B14F-4D97-AF65-F5344CB8AC3E}">
+        <p14:creationId xmlns:p14="http://schemas.microsoft.com/office/powerpoint/2010/main" val="3776015239"/>
       </p:ext>
     </p:extLst>
   </p:cSld>
@@ -16610,7 +17205,7 @@
         <p:spPr>
           <a:xfrm>
             <a:off x="662538" y="294935"/>
-            <a:ext cx="9834012" cy="769441"/>
+            <a:ext cx="9072012" cy="769441"/>
           </a:xfrm>
           <a:prstGeom prst="rect">
             <a:avLst/>
@@ -16631,19 +17226,29 @@
                 <a:latin typeface="微软雅黑" panose="020B0503020204020204" pitchFamily="34" charset="-122"/>
                 <a:ea typeface="微软雅黑" panose="020B0503020204020204" pitchFamily="34" charset="-122"/>
               </a:rPr>
-              <a:t>2.1 Semantic clustering </a:t>
-            </a:r>
-            <a:r>
-              <a:rPr lang="en-US" altLang="zh-CN" sz="4400" dirty="0" smtClean="0">
+              <a:t>1 Example-based </a:t>
+            </a:r>
+            <a:r>
+              <a:rPr lang="en-US" altLang="zh-CN" sz="4400" b="1" dirty="0">
                 <a:solidFill>
                   <a:srgbClr val="00ABB4"/>
                 </a:solidFill>
                 <a:latin typeface="微软雅黑" panose="020B0503020204020204" pitchFamily="34" charset="-122"/>
                 <a:ea typeface="微软雅黑" panose="020B0503020204020204" pitchFamily="34" charset="-122"/>
               </a:rPr>
-              <a:t>(do with P)</a:t>
-            </a:r>
-            <a:endParaRPr lang="en-US" altLang="zh-CN" sz="4400" dirty="0">
+              <a:t>Style </a:t>
+            </a:r>
+            <a:r>
+              <a:rPr lang="en-US" altLang="zh-CN" sz="4400" b="1" dirty="0" smtClean="0">
+                <a:solidFill>
+                  <a:srgbClr val="00ABB4"/>
+                </a:solidFill>
+                <a:latin typeface="微软雅黑" panose="020B0503020204020204" pitchFamily="34" charset="-122"/>
+                <a:ea typeface="微软雅黑" panose="020B0503020204020204" pitchFamily="34" charset="-122"/>
+              </a:rPr>
+              <a:t>Transfer</a:t>
+            </a:r>
+            <a:endParaRPr lang="en-US" altLang="zh-CN" sz="4400" b="1" dirty="0">
               <a:solidFill>
                 <a:srgbClr val="00ABB4"/>
               </a:solidFill>
@@ -16655,14 +17260,14 @@
       </p:sp>
       <p:sp>
         <p:nvSpPr>
-          <p:cNvPr id="31" name="Rectangle 96"/>
+          <p:cNvPr id="11" name="Rectangle 96"/>
           <p:cNvSpPr/>
           <p:nvPr/>
         </p:nvSpPr>
         <p:spPr>
           <a:xfrm>
-            <a:off x="1176340" y="1302416"/>
-            <a:ext cx="10825160" cy="5262979"/>
+            <a:off x="662538" y="1102225"/>
+            <a:ext cx="10919862" cy="846386"/>
           </a:xfrm>
           <a:prstGeom prst="rect">
             <a:avLst/>
@@ -16682,106 +17287,14 @@
               <a:buChar char="•"/>
             </a:pPr>
             <a:r>
-              <a:rPr lang="en-US" altLang="zh-CN" sz="2800" dirty="0" smtClean="0">
-                <a:latin typeface="Meiryo" panose="020B0604030504040204" pitchFamily="34" charset="-128"/>
-                <a:ea typeface="Meiryo" panose="020B0604030504040204" pitchFamily="34" charset="-128"/>
-                <a:cs typeface="Meiryo" panose="020B0604030504040204" pitchFamily="34" charset="-128"/>
-              </a:rPr>
-              <a:t>Do to : P (a large photo collection)</a:t>
-            </a:r>
-          </a:p>
-          <a:p>
-            <a:pPr marL="457200" indent="-457200">
-              <a:lnSpc>
-                <a:spcPct val="200000"/>
-              </a:lnSpc>
-              <a:buFont typeface="Arial" panose="020B0604020202020204" pitchFamily="34" charset="0"/>
-              <a:buChar char="•"/>
-            </a:pPr>
-            <a:r>
-              <a:rPr lang="en-US" altLang="zh-CN" sz="2800" dirty="0" smtClean="0">
-                <a:latin typeface="Meiryo" panose="020B0604030504040204" pitchFamily="34" charset="-128"/>
-                <a:ea typeface="Meiryo" panose="020B0604030504040204" pitchFamily="34" charset="-128"/>
-                <a:cs typeface="Meiryo" panose="020B0604030504040204" pitchFamily="34" charset="-128"/>
-              </a:rPr>
-              <a:t>Using : semantic features</a:t>
-            </a:r>
-          </a:p>
-          <a:p>
-            <a:pPr marL="914400" lvl="1" indent="-457200">
-              <a:lnSpc>
-                <a:spcPct val="200000"/>
-              </a:lnSpc>
-              <a:buFont typeface="Arial" panose="020B0604020202020204" pitchFamily="34" charset="0"/>
-              <a:buChar char="•"/>
-            </a:pPr>
-            <a:r>
-              <a:rPr lang="en-US" altLang="zh-CN" sz="2800" dirty="0" smtClean="0">
-                <a:latin typeface="Meiryo" panose="020B0604030504040204" pitchFamily="34" charset="-128"/>
-                <a:ea typeface="Meiryo" panose="020B0604030504040204" pitchFamily="34" charset="-128"/>
-                <a:cs typeface="Meiryo" panose="020B0604030504040204" pitchFamily="34" charset="-128"/>
-              </a:rPr>
-              <a:t>Generate from :CNN </a:t>
-            </a:r>
-          </a:p>
-          <a:p>
-            <a:pPr marL="914400" lvl="1" indent="-457200">
-              <a:lnSpc>
-                <a:spcPct val="200000"/>
-              </a:lnSpc>
-              <a:buFont typeface="Arial" panose="020B0604020202020204" pitchFamily="34" charset="0"/>
-              <a:buChar char="•"/>
-            </a:pPr>
-            <a:r>
-              <a:rPr lang="en-US" altLang="zh-CN" sz="2800" dirty="0" smtClean="0">
-                <a:latin typeface="Meiryo" panose="020B0604030504040204" pitchFamily="34" charset="-128"/>
-                <a:ea typeface="Meiryo" panose="020B0604030504040204" pitchFamily="34" charset="-128"/>
-                <a:cs typeface="Meiryo" panose="020B0604030504040204" pitchFamily="34" charset="-128"/>
-              </a:rPr>
-              <a:t>Tool : Modified </a:t>
-            </a:r>
-            <a:r>
-              <a:rPr lang="en-US" altLang="zh-CN" sz="2800" dirty="0">
-                <a:latin typeface="Meiryo" panose="020B0604030504040204" pitchFamily="34" charset="-128"/>
-                <a:ea typeface="Meiryo" panose="020B0604030504040204" pitchFamily="34" charset="-128"/>
-                <a:cs typeface="Meiryo" panose="020B0604030504040204" pitchFamily="34" charset="-128"/>
-              </a:rPr>
-              <a:t>CaffeNet(</a:t>
-            </a:r>
-            <a:r>
-              <a:rPr lang="en-US" altLang="zh-CN" sz="2800" dirty="0">
-                <a:latin typeface="Meiryo" panose="020B0604030504040204" pitchFamily="34" charset="-128"/>
-                <a:ea typeface="Meiryo" panose="020B0604030504040204" pitchFamily="34" charset="-128"/>
-                <a:cs typeface="Meiryo" panose="020B0604030504040204" pitchFamily="34" charset="-128"/>
-              </a:rPr>
-              <a:t>have fewer nodes in </a:t>
-            </a:r>
-            <a:r>
-              <a:rPr lang="en-US" altLang="zh-CN" sz="2800" dirty="0" smtClean="0">
-                <a:latin typeface="Meiryo" panose="020B0604030504040204" pitchFamily="34" charset="-128"/>
-                <a:ea typeface="Meiryo" panose="020B0604030504040204" pitchFamily="34" charset="-128"/>
-                <a:cs typeface="Meiryo" panose="020B0604030504040204" pitchFamily="34" charset="-128"/>
-              </a:rPr>
-              <a:t>the fully-	connected  layers )</a:t>
-            </a:r>
-          </a:p>
-          <a:p>
-            <a:pPr marL="914400" lvl="1" indent="-457200">
-              <a:lnSpc>
-                <a:spcPct val="200000"/>
-              </a:lnSpc>
-              <a:buFont typeface="Arial" panose="020B0604020202020204" pitchFamily="34" charset="0"/>
-              <a:buChar char="•"/>
-            </a:pPr>
-            <a:r>
-              <a:rPr lang="en-US" altLang="zh-CN" sz="2800" dirty="0" smtClean="0">
-                <a:latin typeface="Meiryo" panose="020B0604030504040204" pitchFamily="34" charset="-128"/>
-                <a:ea typeface="Meiryo" panose="020B0604030504040204" pitchFamily="34" charset="-128"/>
-                <a:cs typeface="Meiryo" panose="020B0604030504040204" pitchFamily="34" charset="-128"/>
-              </a:rPr>
-              <a:t>Formation : 512-demensional featire vector</a:t>
-            </a:r>
-            <a:endParaRPr lang="en-US" altLang="zh-CN" sz="2800" dirty="0">
+              <a:rPr lang="en-US" altLang="zh-CN" sz="2800" b="1" dirty="0" smtClean="0">
+                <a:latin typeface="Meiryo" panose="020B0604030504040204" pitchFamily="34" charset="-128"/>
+                <a:ea typeface="Meiryo" panose="020B0604030504040204" pitchFamily="34" charset="-128"/>
+                <a:cs typeface="Meiryo" panose="020B0604030504040204" pitchFamily="34" charset="-128"/>
+              </a:rPr>
+              <a:t>Face exposure corection:</a:t>
+            </a:r>
+            <a:endParaRPr lang="en-US" altLang="zh-CN" sz="2800" b="1" dirty="0">
               <a:latin typeface="Meiryo" panose="020B0604030504040204" pitchFamily="34" charset="-128"/>
               <a:ea typeface="Meiryo" panose="020B0604030504040204" pitchFamily="34" charset="-128"/>
               <a:cs typeface="Meiryo" panose="020B0604030504040204" pitchFamily="34" charset="-128"/>
@@ -16789,10 +17302,64 @@
           </a:p>
         </p:txBody>
       </p:sp>
+      <p:pic>
+        <p:nvPicPr>
+          <p:cNvPr id="12290" name="Picture 2"/>
+          <p:cNvPicPr>
+            <a:picLocks noChangeAspect="1" noChangeArrowheads="1"/>
+          </p:cNvPicPr>
+          <p:nvPr/>
+        </p:nvPicPr>
+        <p:blipFill>
+          <a:blip r:embed="rId3">
+            <a:extLst>
+              <a:ext uri="{28A0092B-C50C-407E-A947-70E740481C1C}">
+                <a14:useLocalDpi xmlns:a14="http://schemas.microsoft.com/office/drawing/2010/main" val="0"/>
+              </a:ext>
+            </a:extLst>
+          </a:blip>
+          <a:srcRect/>
+          <a:stretch>
+            <a:fillRect/>
+          </a:stretch>
+        </p:blipFill>
+        <p:spPr bwMode="auto">
+          <a:xfrm>
+            <a:off x="1940994" y="2158161"/>
+            <a:ext cx="8301519" cy="3845806"/>
+          </a:xfrm>
+          <a:prstGeom prst="rect">
+            <a:avLst/>
+          </a:prstGeom>
+          <a:noFill/>
+          <a:ln>
+            <a:noFill/>
+          </a:ln>
+          <a:extLst>
+            <a:ext uri="{909E8E84-426E-40DD-AFC4-6F175D3DCCD1}">
+              <a14:hiddenFill xmlns:a14="http://schemas.microsoft.com/office/drawing/2010/main">
+                <a:solidFill>
+                  <a:schemeClr val="accent1"/>
+                </a:solidFill>
+              </a14:hiddenFill>
+            </a:ext>
+            <a:ext uri="{91240B29-F687-4F45-9708-019B960494DF}">
+              <a14:hiddenLine xmlns:a14="http://schemas.microsoft.com/office/drawing/2010/main" w="9525">
+                <a:solidFill>
+                  <a:schemeClr val="tx1"/>
+                </a:solidFill>
+                <a:miter lim="800000"/>
+                <a:headEnd/>
+                <a:tailEnd/>
+              </a14:hiddenLine>
+            </a:ext>
+          </a:extLst>
+        </p:spPr>
+      </p:pic>
     </p:spTree>
     <p:extLst>
       <p:ext uri="{BB962C8B-B14F-4D97-AF65-F5344CB8AC3E}">
-        <p14:creationId xmlns:p14="http://schemas.microsoft.com/office/powerpoint/2010/main" val="1273991850"/>
+        <p14:creationId xmlns:p14="http://schemas.microsoft.com/office/powerpoint/2010/main" val="870279651"/>
       </p:ext>
     </p:extLst>
   </p:cSld>
@@ -16982,7 +17549,328 @@
         </p:nvSpPr>
         <p:spPr>
           <a:xfrm>
-            <a:off x="738738" y="1071392"/>
+            <a:off x="1176340" y="1302416"/>
+            <a:ext cx="10825160" cy="5262979"/>
+          </a:xfrm>
+          <a:prstGeom prst="rect">
+            <a:avLst/>
+          </a:prstGeom>
+        </p:spPr>
+        <p:txBody>
+          <a:bodyPr wrap="square">
+            <a:spAutoFit/>
+          </a:bodyPr>
+          <a:lstStyle/>
+          <a:p>
+            <a:pPr marL="457200" indent="-457200">
+              <a:lnSpc>
+                <a:spcPct val="200000"/>
+              </a:lnSpc>
+              <a:buFont typeface="Arial" panose="020B0604020202020204" pitchFamily="34" charset="0"/>
+              <a:buChar char="•"/>
+            </a:pPr>
+            <a:r>
+              <a:rPr lang="en-US" altLang="zh-CN" sz="2800" dirty="0" smtClean="0">
+                <a:latin typeface="Meiryo" panose="020B0604030504040204" pitchFamily="34" charset="-128"/>
+                <a:ea typeface="Meiryo" panose="020B0604030504040204" pitchFamily="34" charset="-128"/>
+                <a:cs typeface="Meiryo" panose="020B0604030504040204" pitchFamily="34" charset="-128"/>
+              </a:rPr>
+              <a:t>Do to : P (a large photo collection)</a:t>
+            </a:r>
+          </a:p>
+          <a:p>
+            <a:pPr marL="457200" indent="-457200">
+              <a:lnSpc>
+                <a:spcPct val="200000"/>
+              </a:lnSpc>
+              <a:buFont typeface="Arial" panose="020B0604020202020204" pitchFamily="34" charset="0"/>
+              <a:buChar char="•"/>
+            </a:pPr>
+            <a:r>
+              <a:rPr lang="en-US" altLang="zh-CN" sz="2800" dirty="0" smtClean="0">
+                <a:latin typeface="Meiryo" panose="020B0604030504040204" pitchFamily="34" charset="-128"/>
+                <a:ea typeface="Meiryo" panose="020B0604030504040204" pitchFamily="34" charset="-128"/>
+                <a:cs typeface="Meiryo" panose="020B0604030504040204" pitchFamily="34" charset="-128"/>
+              </a:rPr>
+              <a:t>Using : semantic features</a:t>
+            </a:r>
+          </a:p>
+          <a:p>
+            <a:pPr marL="914400" lvl="1" indent="-457200">
+              <a:lnSpc>
+                <a:spcPct val="200000"/>
+              </a:lnSpc>
+              <a:buFont typeface="Arial" panose="020B0604020202020204" pitchFamily="34" charset="0"/>
+              <a:buChar char="•"/>
+            </a:pPr>
+            <a:r>
+              <a:rPr lang="en-US" altLang="zh-CN" sz="2800" dirty="0" smtClean="0">
+                <a:latin typeface="Meiryo" panose="020B0604030504040204" pitchFamily="34" charset="-128"/>
+                <a:ea typeface="Meiryo" panose="020B0604030504040204" pitchFamily="34" charset="-128"/>
+                <a:cs typeface="Meiryo" panose="020B0604030504040204" pitchFamily="34" charset="-128"/>
+              </a:rPr>
+              <a:t>Generate from :CNN </a:t>
+            </a:r>
+          </a:p>
+          <a:p>
+            <a:pPr marL="914400" lvl="1" indent="-457200">
+              <a:lnSpc>
+                <a:spcPct val="200000"/>
+              </a:lnSpc>
+              <a:buFont typeface="Arial" panose="020B0604020202020204" pitchFamily="34" charset="0"/>
+              <a:buChar char="•"/>
+            </a:pPr>
+            <a:r>
+              <a:rPr lang="en-US" altLang="zh-CN" sz="2800" dirty="0" smtClean="0">
+                <a:latin typeface="Meiryo" panose="020B0604030504040204" pitchFamily="34" charset="-128"/>
+                <a:ea typeface="Meiryo" panose="020B0604030504040204" pitchFamily="34" charset="-128"/>
+                <a:cs typeface="Meiryo" panose="020B0604030504040204" pitchFamily="34" charset="-128"/>
+              </a:rPr>
+              <a:t>Tool : Modified </a:t>
+            </a:r>
+            <a:r>
+              <a:rPr lang="en-US" altLang="zh-CN" sz="2800" dirty="0">
+                <a:latin typeface="Meiryo" panose="020B0604030504040204" pitchFamily="34" charset="-128"/>
+                <a:ea typeface="Meiryo" panose="020B0604030504040204" pitchFamily="34" charset="-128"/>
+                <a:cs typeface="Meiryo" panose="020B0604030504040204" pitchFamily="34" charset="-128"/>
+              </a:rPr>
+              <a:t>CaffeNet(</a:t>
+            </a:r>
+            <a:r>
+              <a:rPr lang="en-US" altLang="zh-CN" sz="2800" dirty="0">
+                <a:latin typeface="Meiryo" panose="020B0604030504040204" pitchFamily="34" charset="-128"/>
+                <a:ea typeface="Meiryo" panose="020B0604030504040204" pitchFamily="34" charset="-128"/>
+                <a:cs typeface="Meiryo" panose="020B0604030504040204" pitchFamily="34" charset="-128"/>
+              </a:rPr>
+              <a:t>have fewer nodes in </a:t>
+            </a:r>
+            <a:r>
+              <a:rPr lang="en-US" altLang="zh-CN" sz="2800" dirty="0" smtClean="0">
+                <a:latin typeface="Meiryo" panose="020B0604030504040204" pitchFamily="34" charset="-128"/>
+                <a:ea typeface="Meiryo" panose="020B0604030504040204" pitchFamily="34" charset="-128"/>
+                <a:cs typeface="Meiryo" panose="020B0604030504040204" pitchFamily="34" charset="-128"/>
+              </a:rPr>
+              <a:t>the fully-	connected  layers )</a:t>
+            </a:r>
+          </a:p>
+          <a:p>
+            <a:pPr marL="914400" lvl="1" indent="-457200">
+              <a:lnSpc>
+                <a:spcPct val="200000"/>
+              </a:lnSpc>
+              <a:buFont typeface="Arial" panose="020B0604020202020204" pitchFamily="34" charset="0"/>
+              <a:buChar char="•"/>
+            </a:pPr>
+            <a:r>
+              <a:rPr lang="en-US" altLang="zh-CN" sz="2800" dirty="0" smtClean="0">
+                <a:latin typeface="Meiryo" panose="020B0604030504040204" pitchFamily="34" charset="-128"/>
+                <a:ea typeface="Meiryo" panose="020B0604030504040204" pitchFamily="34" charset="-128"/>
+                <a:cs typeface="Meiryo" panose="020B0604030504040204" pitchFamily="34" charset="-128"/>
+              </a:rPr>
+              <a:t>Formation : 512-demensional featire vector</a:t>
+            </a:r>
+            <a:endParaRPr lang="en-US" altLang="zh-CN" sz="2800" dirty="0">
+              <a:latin typeface="Meiryo" panose="020B0604030504040204" pitchFamily="34" charset="-128"/>
+              <a:ea typeface="Meiryo" panose="020B0604030504040204" pitchFamily="34" charset="-128"/>
+              <a:cs typeface="Meiryo" panose="020B0604030504040204" pitchFamily="34" charset="-128"/>
+            </a:endParaRPr>
+          </a:p>
+        </p:txBody>
+      </p:sp>
+    </p:spTree>
+    <p:extLst>
+      <p:ext uri="{BB962C8B-B14F-4D97-AF65-F5344CB8AC3E}">
+        <p14:creationId xmlns:p14="http://schemas.microsoft.com/office/powerpoint/2010/main" val="1273991850"/>
+      </p:ext>
+    </p:extLst>
+  </p:cSld>
+  <p:clrMapOvr>
+    <a:masterClrMapping/>
+  </p:clrMapOvr>
+  <p:timing>
+    <p:tnLst>
+      <p:par>
+        <p:cTn id="1" dur="indefinite" restart="never" nodeType="tmRoot"/>
+      </p:par>
+    </p:tnLst>
+  </p:timing>
+</p:sld>
+</file>
+
+<file path=ppt/slides/slide37.xml><?xml version="1.0" encoding="utf-8"?>
+<p:sld xmlns:a="http://schemas.openxmlformats.org/drawingml/2006/main" xmlns:r="http://schemas.openxmlformats.org/officeDocument/2006/relationships" xmlns:p="http://schemas.openxmlformats.org/presentationml/2006/main">
+  <p:cSld>
+    <p:spTree>
+      <p:nvGrpSpPr>
+        <p:cNvPr id="1" name=""/>
+        <p:cNvGrpSpPr/>
+        <p:nvPr/>
+      </p:nvGrpSpPr>
+      <p:grpSpPr>
+        <a:xfrm>
+          <a:off x="0" y="0"/>
+          <a:ext cx="0" cy="0"/>
+          <a:chOff x="0" y="0"/>
+          <a:chExt cx="0" cy="0"/>
+        </a:xfrm>
+      </p:grpSpPr>
+      <p:sp>
+        <p:nvSpPr>
+          <p:cNvPr id="9" name="等腰三角形 8"/>
+          <p:cNvSpPr/>
+          <p:nvPr/>
+        </p:nvSpPr>
+        <p:spPr>
+          <a:xfrm rot="4613108">
+            <a:off x="7331460" y="3148738"/>
+            <a:ext cx="4577580" cy="4214762"/>
+          </a:xfrm>
+          <a:prstGeom prst="triangle">
+            <a:avLst/>
+          </a:prstGeom>
+          <a:solidFill>
+            <a:schemeClr val="bg1">
+              <a:lumMod val="95000"/>
+            </a:schemeClr>
+          </a:solidFill>
+          <a:ln>
+            <a:noFill/>
+          </a:ln>
+        </p:spPr>
+        <p:style>
+          <a:lnRef idx="2">
+            <a:schemeClr val="accent1">
+              <a:shade val="50000"/>
+            </a:schemeClr>
+          </a:lnRef>
+          <a:fillRef idx="1">
+            <a:schemeClr val="accent1"/>
+          </a:fillRef>
+          <a:effectRef idx="0">
+            <a:schemeClr val="accent1"/>
+          </a:effectRef>
+          <a:fontRef idx="minor">
+            <a:schemeClr val="lt1"/>
+          </a:fontRef>
+        </p:style>
+        <p:txBody>
+          <a:bodyPr rtlCol="0" anchor="ctr"/>
+          <a:lstStyle/>
+          <a:p>
+            <a:pPr algn="ctr"/>
+            <a:endParaRPr lang="zh-CN" altLang="en-US"/>
+          </a:p>
+        </p:txBody>
+      </p:sp>
+      <p:sp>
+        <p:nvSpPr>
+          <p:cNvPr id="8" name="矩形 7"/>
+          <p:cNvSpPr/>
+          <p:nvPr/>
+        </p:nvSpPr>
+        <p:spPr>
+          <a:xfrm rot="783766">
+            <a:off x="-2197454" y="-2340269"/>
+            <a:ext cx="6006821" cy="3447534"/>
+          </a:xfrm>
+          <a:prstGeom prst="rect">
+            <a:avLst/>
+          </a:prstGeom>
+          <a:solidFill>
+            <a:schemeClr val="bg1">
+              <a:lumMod val="95000"/>
+            </a:schemeClr>
+          </a:solidFill>
+          <a:ln>
+            <a:noFill/>
+          </a:ln>
+        </p:spPr>
+        <p:style>
+          <a:lnRef idx="2">
+            <a:schemeClr val="accent1">
+              <a:shade val="50000"/>
+            </a:schemeClr>
+          </a:lnRef>
+          <a:fillRef idx="1">
+            <a:schemeClr val="accent1"/>
+          </a:fillRef>
+          <a:effectRef idx="0">
+            <a:schemeClr val="accent1"/>
+          </a:effectRef>
+          <a:fontRef idx="minor">
+            <a:schemeClr val="lt1"/>
+          </a:fontRef>
+        </p:style>
+        <p:txBody>
+          <a:bodyPr rtlCol="0" anchor="ctr"/>
+          <a:lstStyle/>
+          <a:p>
+            <a:pPr algn="ctr"/>
+            <a:endParaRPr lang="zh-CN" altLang="en-US"/>
+          </a:p>
+        </p:txBody>
+      </p:sp>
+      <p:sp>
+        <p:nvSpPr>
+          <p:cNvPr id="30" name="文本框 29"/>
+          <p:cNvSpPr txBox="1"/>
+          <p:nvPr/>
+        </p:nvSpPr>
+        <p:spPr>
+          <a:xfrm>
+            <a:off x="662538" y="294935"/>
+            <a:ext cx="9834012" cy="769441"/>
+          </a:xfrm>
+          <a:prstGeom prst="rect">
+            <a:avLst/>
+          </a:prstGeom>
+          <a:noFill/>
+        </p:spPr>
+        <p:txBody>
+          <a:bodyPr wrap="square" rtlCol="0">
+            <a:spAutoFit/>
+          </a:bodyPr>
+          <a:lstStyle/>
+          <a:p>
+            <a:r>
+              <a:rPr lang="en-US" altLang="zh-CN" sz="4400" b="1" dirty="0" smtClean="0">
+                <a:solidFill>
+                  <a:srgbClr val="00ABB4"/>
+                </a:solidFill>
+                <a:latin typeface="微软雅黑" panose="020B0503020204020204" pitchFamily="34" charset="-122"/>
+                <a:ea typeface="微软雅黑" panose="020B0503020204020204" pitchFamily="34" charset="-122"/>
+              </a:rPr>
+              <a:t>2.1 Semantic clustering </a:t>
+            </a:r>
+            <a:r>
+              <a:rPr lang="en-US" altLang="zh-CN" sz="4400" dirty="0" smtClean="0">
+                <a:solidFill>
+                  <a:srgbClr val="00ABB4"/>
+                </a:solidFill>
+                <a:latin typeface="微软雅黑" panose="020B0503020204020204" pitchFamily="34" charset="-122"/>
+                <a:ea typeface="微软雅黑" panose="020B0503020204020204" pitchFamily="34" charset="-122"/>
+              </a:rPr>
+              <a:t>(do with P)</a:t>
+            </a:r>
+            <a:endParaRPr lang="en-US" altLang="zh-CN" sz="4400" dirty="0">
+              <a:solidFill>
+                <a:srgbClr val="00ABB4"/>
+              </a:solidFill>
+              <a:latin typeface="微软雅黑" panose="020B0503020204020204" pitchFamily="34" charset="-122"/>
+              <a:ea typeface="微软雅黑" panose="020B0503020204020204" pitchFamily="34" charset="-122"/>
+            </a:endParaRPr>
+          </a:p>
+        </p:txBody>
+      </p:sp>
+      <p:sp>
+        <p:nvSpPr>
+          <p:cNvPr id="31" name="Rectangle 96"/>
+          <p:cNvSpPr/>
+          <p:nvPr/>
+        </p:nvSpPr>
+        <p:spPr>
+          <a:xfrm>
+            <a:off x="700638" y="1071392"/>
             <a:ext cx="11529462" cy="5262979"/>
           </a:xfrm>
           <a:prstGeom prst="rect">
@@ -17259,7 +18147,246 @@
 </p:sld>
 </file>
 
-<file path=ppt/slides/slide37.xml><?xml version="1.0" encoding="utf-8"?>
+<file path=ppt/slides/slide38.xml><?xml version="1.0" encoding="utf-8"?>
+<p:sld xmlns:a="http://schemas.openxmlformats.org/drawingml/2006/main" xmlns:r="http://schemas.openxmlformats.org/officeDocument/2006/relationships" xmlns:p="http://schemas.openxmlformats.org/presentationml/2006/main">
+  <p:cSld>
+    <p:spTree>
+      <p:nvGrpSpPr>
+        <p:cNvPr id="1" name=""/>
+        <p:cNvGrpSpPr/>
+        <p:nvPr/>
+      </p:nvGrpSpPr>
+      <p:grpSpPr>
+        <a:xfrm>
+          <a:off x="0" y="0"/>
+          <a:ext cx="0" cy="0"/>
+          <a:chOff x="0" y="0"/>
+          <a:chExt cx="0" cy="0"/>
+        </a:xfrm>
+      </p:grpSpPr>
+      <p:sp>
+        <p:nvSpPr>
+          <p:cNvPr id="9" name="等腰三角形 8"/>
+          <p:cNvSpPr/>
+          <p:nvPr/>
+        </p:nvSpPr>
+        <p:spPr>
+          <a:xfrm rot="4613108">
+            <a:off x="7331460" y="3148738"/>
+            <a:ext cx="4577580" cy="4214762"/>
+          </a:xfrm>
+          <a:prstGeom prst="triangle">
+            <a:avLst/>
+          </a:prstGeom>
+          <a:solidFill>
+            <a:schemeClr val="bg1">
+              <a:lumMod val="95000"/>
+            </a:schemeClr>
+          </a:solidFill>
+          <a:ln>
+            <a:noFill/>
+          </a:ln>
+        </p:spPr>
+        <p:style>
+          <a:lnRef idx="2">
+            <a:schemeClr val="accent1">
+              <a:shade val="50000"/>
+            </a:schemeClr>
+          </a:lnRef>
+          <a:fillRef idx="1">
+            <a:schemeClr val="accent1"/>
+          </a:fillRef>
+          <a:effectRef idx="0">
+            <a:schemeClr val="accent1"/>
+          </a:effectRef>
+          <a:fontRef idx="minor">
+            <a:schemeClr val="lt1"/>
+          </a:fontRef>
+        </p:style>
+        <p:txBody>
+          <a:bodyPr rtlCol="0" anchor="ctr"/>
+          <a:lstStyle/>
+          <a:p>
+            <a:pPr algn="ctr"/>
+            <a:endParaRPr lang="zh-CN" altLang="en-US"/>
+          </a:p>
+        </p:txBody>
+      </p:sp>
+      <p:sp>
+        <p:nvSpPr>
+          <p:cNvPr id="8" name="矩形 7"/>
+          <p:cNvSpPr/>
+          <p:nvPr/>
+        </p:nvSpPr>
+        <p:spPr>
+          <a:xfrm rot="783766">
+            <a:off x="-2197454" y="-2340269"/>
+            <a:ext cx="6006821" cy="3447534"/>
+          </a:xfrm>
+          <a:prstGeom prst="rect">
+            <a:avLst/>
+          </a:prstGeom>
+          <a:solidFill>
+            <a:schemeClr val="bg1">
+              <a:lumMod val="95000"/>
+            </a:schemeClr>
+          </a:solidFill>
+          <a:ln>
+            <a:noFill/>
+          </a:ln>
+        </p:spPr>
+        <p:style>
+          <a:lnRef idx="2">
+            <a:schemeClr val="accent1">
+              <a:shade val="50000"/>
+            </a:schemeClr>
+          </a:lnRef>
+          <a:fillRef idx="1">
+            <a:schemeClr val="accent1"/>
+          </a:fillRef>
+          <a:effectRef idx="0">
+            <a:schemeClr val="accent1"/>
+          </a:effectRef>
+          <a:fontRef idx="minor">
+            <a:schemeClr val="lt1"/>
+          </a:fontRef>
+        </p:style>
+        <p:txBody>
+          <a:bodyPr rtlCol="0" anchor="ctr"/>
+          <a:lstStyle/>
+          <a:p>
+            <a:pPr algn="ctr"/>
+            <a:endParaRPr lang="zh-CN" altLang="en-US"/>
+          </a:p>
+        </p:txBody>
+      </p:sp>
+      <p:sp>
+        <p:nvSpPr>
+          <p:cNvPr id="30" name="文本框 29"/>
+          <p:cNvSpPr txBox="1"/>
+          <p:nvPr/>
+        </p:nvSpPr>
+        <p:spPr>
+          <a:xfrm>
+            <a:off x="662538" y="294935"/>
+            <a:ext cx="9834012" cy="769441"/>
+          </a:xfrm>
+          <a:prstGeom prst="rect">
+            <a:avLst/>
+          </a:prstGeom>
+          <a:noFill/>
+        </p:spPr>
+        <p:txBody>
+          <a:bodyPr wrap="square" rtlCol="0">
+            <a:spAutoFit/>
+          </a:bodyPr>
+          <a:lstStyle/>
+          <a:p>
+            <a:r>
+              <a:rPr lang="en-US" altLang="zh-CN" sz="4400" b="1" dirty="0" smtClean="0">
+                <a:solidFill>
+                  <a:srgbClr val="00ABB4"/>
+                </a:solidFill>
+                <a:latin typeface="微软雅黑" panose="020B0503020204020204" pitchFamily="34" charset="-122"/>
+                <a:ea typeface="微软雅黑" panose="020B0503020204020204" pitchFamily="34" charset="-122"/>
+              </a:rPr>
+              <a:t>2.1 Semantic clustering </a:t>
+            </a:r>
+            <a:r>
+              <a:rPr lang="en-US" altLang="zh-CN" sz="4400" dirty="0" smtClean="0">
+                <a:solidFill>
+                  <a:srgbClr val="00ABB4"/>
+                </a:solidFill>
+                <a:latin typeface="微软雅黑" panose="020B0503020204020204" pitchFamily="34" charset="-122"/>
+                <a:ea typeface="微软雅黑" panose="020B0503020204020204" pitchFamily="34" charset="-122"/>
+              </a:rPr>
+              <a:t>(do with P)</a:t>
+            </a:r>
+            <a:endParaRPr lang="en-US" altLang="zh-CN" sz="4400" dirty="0">
+              <a:solidFill>
+                <a:srgbClr val="00ABB4"/>
+              </a:solidFill>
+              <a:latin typeface="微软雅黑" panose="020B0503020204020204" pitchFamily="34" charset="-122"/>
+              <a:ea typeface="微软雅黑" panose="020B0503020204020204" pitchFamily="34" charset="-122"/>
+            </a:endParaRPr>
+          </a:p>
+        </p:txBody>
+      </p:sp>
+      <p:pic>
+        <p:nvPicPr>
+          <p:cNvPr id="13314" name="Picture 2"/>
+          <p:cNvPicPr>
+            <a:picLocks noChangeAspect="1" noChangeArrowheads="1"/>
+          </p:cNvPicPr>
+          <p:nvPr/>
+        </p:nvPicPr>
+        <p:blipFill>
+          <a:blip r:embed="rId3">
+            <a:extLst>
+              <a:ext uri="{28A0092B-C50C-407E-A947-70E740481C1C}">
+                <a14:useLocalDpi xmlns:a14="http://schemas.microsoft.com/office/drawing/2010/main" val="0"/>
+              </a:ext>
+            </a:extLst>
+          </a:blip>
+          <a:srcRect/>
+          <a:stretch>
+            <a:fillRect/>
+          </a:stretch>
+        </p:blipFill>
+        <p:spPr bwMode="auto">
+          <a:xfrm>
+            <a:off x="804475" y="1760535"/>
+            <a:ext cx="10578838" cy="3287715"/>
+          </a:xfrm>
+          <a:prstGeom prst="rect">
+            <a:avLst/>
+          </a:prstGeom>
+          <a:noFill/>
+          <a:ln>
+            <a:noFill/>
+          </a:ln>
+          <a:extLst>
+            <a:ext uri="{909E8E84-426E-40DD-AFC4-6F175D3DCCD1}">
+              <a14:hiddenFill xmlns:a14="http://schemas.microsoft.com/office/drawing/2010/main">
+                <a:solidFill>
+                  <a:schemeClr val="accent1"/>
+                </a:solidFill>
+              </a14:hiddenFill>
+            </a:ext>
+            <a:ext uri="{91240B29-F687-4F45-9708-019B960494DF}">
+              <a14:hiddenLine xmlns:a14="http://schemas.microsoft.com/office/drawing/2010/main" w="9525">
+                <a:solidFill>
+                  <a:schemeClr val="tx1"/>
+                </a:solidFill>
+                <a:miter lim="800000"/>
+                <a:headEnd/>
+                <a:tailEnd/>
+              </a14:hiddenLine>
+            </a:ext>
+          </a:extLst>
+        </p:spPr>
+      </p:pic>
+    </p:spTree>
+    <p:extLst>
+      <p:ext uri="{BB962C8B-B14F-4D97-AF65-F5344CB8AC3E}">
+        <p14:creationId xmlns:p14="http://schemas.microsoft.com/office/powerpoint/2010/main" val="3288467125"/>
+      </p:ext>
+    </p:extLst>
+  </p:cSld>
+  <p:clrMapOvr>
+    <a:masterClrMapping/>
+  </p:clrMapOvr>
+  <p:timing>
+    <p:tnLst>
+      <p:par>
+        <p:cTn id="1" dur="indefinite" restart="never" nodeType="tmRoot"/>
+      </p:par>
+    </p:tnLst>
+  </p:timing>
+</p:sld>
+</file>
+
+<file path=ppt/slides/slide39.xml><?xml version="1.0" encoding="utf-8"?>
 <p:sld xmlns:a="http://schemas.openxmlformats.org/drawingml/2006/main" xmlns:r="http://schemas.openxmlformats.org/officeDocument/2006/relationships" xmlns:p="http://schemas.openxmlformats.org/presentationml/2006/main">
   <p:cSld>
     <p:spTree>
@@ -17593,7 +18720,279 @@
 </p:sld>
 </file>
 
-<file path=ppt/slides/slide38.xml><?xml version="1.0" encoding="utf-8"?>
+<file path=ppt/slides/slide4.xml><?xml version="1.0" encoding="utf-8"?>
+<p:sld xmlns:a="http://schemas.openxmlformats.org/drawingml/2006/main" xmlns:r="http://schemas.openxmlformats.org/officeDocument/2006/relationships" xmlns:p="http://schemas.openxmlformats.org/presentationml/2006/main">
+  <p:cSld>
+    <p:spTree>
+      <p:nvGrpSpPr>
+        <p:cNvPr id="1" name=""/>
+        <p:cNvGrpSpPr/>
+        <p:nvPr/>
+      </p:nvGrpSpPr>
+      <p:grpSpPr>
+        <a:xfrm>
+          <a:off x="0" y="0"/>
+          <a:ext cx="0" cy="0"/>
+          <a:chOff x="0" y="0"/>
+          <a:chExt cx="0" cy="0"/>
+        </a:xfrm>
+      </p:grpSpPr>
+      <p:sp>
+        <p:nvSpPr>
+          <p:cNvPr id="6" name="矩形 5"/>
+          <p:cNvSpPr/>
+          <p:nvPr/>
+        </p:nvSpPr>
+        <p:spPr>
+          <a:xfrm rot="877900">
+            <a:off x="-2271512" y="-5775958"/>
+            <a:ext cx="6186601" cy="6857999"/>
+          </a:xfrm>
+          <a:prstGeom prst="rect">
+            <a:avLst/>
+          </a:prstGeom>
+          <a:solidFill>
+            <a:schemeClr val="bg1">
+              <a:lumMod val="95000"/>
+            </a:schemeClr>
+          </a:solidFill>
+          <a:ln>
+            <a:noFill/>
+          </a:ln>
+        </p:spPr>
+        <p:style>
+          <a:lnRef idx="2">
+            <a:schemeClr val="accent1">
+              <a:shade val="50000"/>
+            </a:schemeClr>
+          </a:lnRef>
+          <a:fillRef idx="1">
+            <a:schemeClr val="accent1"/>
+          </a:fillRef>
+          <a:effectRef idx="0">
+            <a:schemeClr val="accent1"/>
+          </a:effectRef>
+          <a:fontRef idx="minor">
+            <a:schemeClr val="lt1"/>
+          </a:fontRef>
+        </p:style>
+        <p:txBody>
+          <a:bodyPr rtlCol="0" anchor="ctr"/>
+          <a:lstStyle/>
+          <a:p>
+            <a:pPr algn="ctr"/>
+            <a:endParaRPr lang="zh-CN" altLang="en-US"/>
+          </a:p>
+        </p:txBody>
+      </p:sp>
+      <p:sp>
+        <p:nvSpPr>
+          <p:cNvPr id="30" name="文本框 29"/>
+          <p:cNvSpPr txBox="1"/>
+          <p:nvPr/>
+        </p:nvSpPr>
+        <p:spPr>
+          <a:xfrm>
+            <a:off x="662538" y="294935"/>
+            <a:ext cx="9205361" cy="769441"/>
+          </a:xfrm>
+          <a:prstGeom prst="rect">
+            <a:avLst/>
+          </a:prstGeom>
+          <a:noFill/>
+        </p:spPr>
+        <p:txBody>
+          <a:bodyPr wrap="square" rtlCol="0">
+            <a:spAutoFit/>
+          </a:bodyPr>
+          <a:lstStyle/>
+          <a:p>
+            <a:r>
+              <a:rPr lang="en-US" altLang="zh-CN" sz="4400" b="1" dirty="0" smtClean="0">
+                <a:solidFill>
+                  <a:srgbClr val="00ABB4"/>
+                </a:solidFill>
+                <a:latin typeface="微软雅黑" panose="020B0503020204020204" pitchFamily="34" charset="-122"/>
+                <a:ea typeface="微软雅黑" panose="020B0503020204020204" pitchFamily="34" charset="-122"/>
+              </a:rPr>
+              <a:t>Abstract</a:t>
+            </a:r>
+            <a:endParaRPr lang="en-US" altLang="zh-CN" sz="4400" b="1" dirty="0">
+              <a:solidFill>
+                <a:srgbClr val="00ABB4"/>
+              </a:solidFill>
+              <a:latin typeface="微软雅黑" panose="020B0503020204020204" pitchFamily="34" charset="-122"/>
+              <a:ea typeface="微软雅黑" panose="020B0503020204020204" pitchFamily="34" charset="-122"/>
+            </a:endParaRPr>
+          </a:p>
+        </p:txBody>
+      </p:sp>
+      <p:sp>
+        <p:nvSpPr>
+          <p:cNvPr id="31" name="Rectangle 96"/>
+          <p:cNvSpPr/>
+          <p:nvPr/>
+        </p:nvSpPr>
+        <p:spPr>
+          <a:xfrm>
+            <a:off x="1073250" y="1145772"/>
+            <a:ext cx="10245297" cy="5278368"/>
+          </a:xfrm>
+          <a:prstGeom prst="rect">
+            <a:avLst/>
+          </a:prstGeom>
+        </p:spPr>
+        <p:txBody>
+          <a:bodyPr wrap="square">
+            <a:spAutoFit/>
+          </a:bodyPr>
+          <a:lstStyle/>
+          <a:p>
+            <a:pPr marL="342900" indent="-342900">
+              <a:lnSpc>
+                <a:spcPct val="200000"/>
+              </a:lnSpc>
+              <a:buFont typeface="Arial" panose="020B0604020202020204" pitchFamily="34" charset="0"/>
+              <a:buChar char="•"/>
+            </a:pPr>
+            <a:r>
+              <a:rPr lang="en-US" altLang="zh-CN" sz="3200" b="1" dirty="0" smtClean="0">
+                <a:latin typeface="Meiryo" panose="020B0604030504040204" pitchFamily="34" charset="-128"/>
+                <a:ea typeface="Meiryo" panose="020B0604030504040204" pitchFamily="34" charset="-128"/>
+                <a:cs typeface="Meiryo" panose="020B0604030504040204" pitchFamily="34" charset="-128"/>
+              </a:rPr>
+              <a:t>Key steps</a:t>
+            </a:r>
+            <a:r>
+              <a:rPr lang="en-US" altLang="zh-CN" sz="2800" b="1" dirty="0" smtClean="0">
+                <a:latin typeface="Meiryo" panose="020B0604030504040204" pitchFamily="34" charset="-128"/>
+                <a:ea typeface="Meiryo" panose="020B0604030504040204" pitchFamily="34" charset="-128"/>
+                <a:cs typeface="Meiryo" panose="020B0604030504040204" pitchFamily="34" charset="-128"/>
+              </a:rPr>
+              <a:t>: </a:t>
+            </a:r>
+            <a:endParaRPr lang="en-US" altLang="zh-CN" sz="2800" dirty="0">
+              <a:latin typeface="Meiryo" panose="020B0604030504040204" pitchFamily="34" charset="-128"/>
+              <a:ea typeface="Meiryo" panose="020B0604030504040204" pitchFamily="34" charset="-128"/>
+              <a:cs typeface="Meiryo" panose="020B0604030504040204" pitchFamily="34" charset="-128"/>
+            </a:endParaRPr>
+          </a:p>
+          <a:p>
+            <a:pPr marL="800100" lvl="1" indent="-342900">
+              <a:lnSpc>
+                <a:spcPct val="200000"/>
+              </a:lnSpc>
+              <a:buFont typeface="Arial" panose="020B0604020202020204" pitchFamily="34" charset="0"/>
+              <a:buChar char="•"/>
+            </a:pPr>
+            <a:r>
+              <a:rPr lang="en-US" altLang="zh-CN" sz="2800" b="1" dirty="0" smtClean="0">
+                <a:latin typeface="Meiryo" panose="020B0604030504040204" pitchFamily="34" charset="-128"/>
+                <a:ea typeface="Meiryo" panose="020B0604030504040204" pitchFamily="34" charset="-128"/>
+                <a:cs typeface="Meiryo" panose="020B0604030504040204" pitchFamily="34" charset="-128"/>
+              </a:rPr>
+              <a:t>Style Selection</a:t>
+            </a:r>
+            <a:r>
+              <a:rPr lang="en-US" altLang="zh-CN" sz="2800" dirty="0" smtClean="0">
+                <a:latin typeface="Meiryo" panose="020B0604030504040204" pitchFamily="34" charset="-128"/>
+                <a:ea typeface="Meiryo" panose="020B0604030504040204" pitchFamily="34" charset="-128"/>
+                <a:cs typeface="Meiryo" panose="020B0604030504040204" pitchFamily="34" charset="-128"/>
+              </a:rPr>
+              <a:t>:</a:t>
+            </a:r>
+          </a:p>
+          <a:p>
+            <a:pPr marL="1257300" lvl="2" indent="-342900">
+              <a:lnSpc>
+                <a:spcPct val="200000"/>
+              </a:lnSpc>
+              <a:buFont typeface="Arial" panose="020B0604020202020204" pitchFamily="34" charset="0"/>
+              <a:buChar char="•"/>
+            </a:pPr>
+            <a:r>
+              <a:rPr lang="en-US" altLang="zh-CN" sz="2800" dirty="0" smtClean="0">
+                <a:latin typeface="Meiryo" panose="020B0604030504040204" pitchFamily="34" charset="-128"/>
+                <a:ea typeface="Meiryo" panose="020B0604030504040204" pitchFamily="34" charset="-128"/>
+                <a:cs typeface="Meiryo" panose="020B0604030504040204" pitchFamily="34" charset="-128"/>
+              </a:rPr>
+              <a:t>Semantic clustering</a:t>
+            </a:r>
+          </a:p>
+          <a:p>
+            <a:pPr marL="1257300" lvl="2" indent="-342900">
+              <a:lnSpc>
+                <a:spcPct val="200000"/>
+              </a:lnSpc>
+              <a:buFont typeface="Arial" panose="020B0604020202020204" pitchFamily="34" charset="0"/>
+              <a:buChar char="•"/>
+            </a:pPr>
+            <a:r>
+              <a:rPr lang="en-US" altLang="zh-CN" sz="2800" dirty="0" smtClean="0">
+                <a:latin typeface="Meiryo" panose="020B0604030504040204" pitchFamily="34" charset="-128"/>
+                <a:ea typeface="Meiryo" panose="020B0604030504040204" pitchFamily="34" charset="-128"/>
+                <a:cs typeface="Meiryo" panose="020B0604030504040204" pitchFamily="34" charset="-128"/>
+              </a:rPr>
+              <a:t>Style ranking</a:t>
+            </a:r>
+          </a:p>
+          <a:p>
+            <a:pPr marL="1257300" lvl="2" indent="-342900">
+              <a:lnSpc>
+                <a:spcPct val="200000"/>
+              </a:lnSpc>
+              <a:buFont typeface="Arial" panose="020B0604020202020204" pitchFamily="34" charset="0"/>
+              <a:buChar char="•"/>
+            </a:pPr>
+            <a:r>
+              <a:rPr lang="en-US" altLang="zh-CN" sz="2800" dirty="0" smtClean="0">
+                <a:latin typeface="Meiryo" panose="020B0604030504040204" pitchFamily="34" charset="-128"/>
+                <a:ea typeface="Meiryo" panose="020B0604030504040204" pitchFamily="34" charset="-128"/>
+                <a:cs typeface="Meiryo" panose="020B0604030504040204" pitchFamily="34" charset="-128"/>
+              </a:rPr>
+              <a:t>Style sampling</a:t>
+            </a:r>
+          </a:p>
+          <a:p>
+            <a:pPr marL="800100" lvl="1" indent="-342900">
+              <a:lnSpc>
+                <a:spcPct val="200000"/>
+              </a:lnSpc>
+              <a:buFont typeface="Arial" panose="020B0604020202020204" pitchFamily="34" charset="0"/>
+              <a:buChar char="•"/>
+            </a:pPr>
+            <a:r>
+              <a:rPr lang="en-US" altLang="zh-CN" sz="2800" b="1" dirty="0" smtClean="0">
+                <a:latin typeface="Meiryo" panose="020B0604030504040204" pitchFamily="34" charset="-128"/>
+                <a:ea typeface="Meiryo" panose="020B0604030504040204" pitchFamily="34" charset="-128"/>
+                <a:cs typeface="Meiryo" panose="020B0604030504040204" pitchFamily="34" charset="-128"/>
+              </a:rPr>
+              <a:t>Style Transfer</a:t>
+            </a:r>
+          </a:p>
+        </p:txBody>
+      </p:sp>
+    </p:spTree>
+    <p:extLst>
+      <p:ext uri="{BB962C8B-B14F-4D97-AF65-F5344CB8AC3E}">
+        <p14:creationId xmlns:p14="http://schemas.microsoft.com/office/powerpoint/2010/main" val="2822846098"/>
+      </p:ext>
+    </p:extLst>
+  </p:cSld>
+  <p:clrMapOvr>
+    <a:masterClrMapping/>
+  </p:clrMapOvr>
+  <p:timing>
+    <p:tnLst>
+      <p:par>
+        <p:cTn id="1" dur="indefinite" restart="never" nodeType="tmRoot"/>
+      </p:par>
+    </p:tnLst>
+  </p:timing>
+</p:sld>
+</file>
+
+<file path=ppt/slides/slide40.xml><?xml version="1.0" encoding="utf-8"?>
 <p:sld xmlns:a="http://schemas.openxmlformats.org/drawingml/2006/main" xmlns:r="http://schemas.openxmlformats.org/officeDocument/2006/relationships" xmlns:p="http://schemas.openxmlformats.org/presentationml/2006/main">
   <p:cSld>
     <p:spTree>
@@ -18104,7 +19503,7 @@
 </p:sld>
 </file>
 
-<file path=ppt/slides/slide39.xml><?xml version="1.0" encoding="utf-8"?>
+<file path=ppt/slides/slide41.xml><?xml version="1.0" encoding="utf-8"?>
 <p:sld xmlns:a="http://schemas.openxmlformats.org/drawingml/2006/main" xmlns:r="http://schemas.openxmlformats.org/officeDocument/2006/relationships" xmlns:p="http://schemas.openxmlformats.org/presentationml/2006/main">
   <p:cSld>
     <p:spTree>
@@ -18524,279 +19923,7 @@
 </p:sld>
 </file>
 
-<file path=ppt/slides/slide4.xml><?xml version="1.0" encoding="utf-8"?>
-<p:sld xmlns:a="http://schemas.openxmlformats.org/drawingml/2006/main" xmlns:r="http://schemas.openxmlformats.org/officeDocument/2006/relationships" xmlns:p="http://schemas.openxmlformats.org/presentationml/2006/main">
-  <p:cSld>
-    <p:spTree>
-      <p:nvGrpSpPr>
-        <p:cNvPr id="1" name=""/>
-        <p:cNvGrpSpPr/>
-        <p:nvPr/>
-      </p:nvGrpSpPr>
-      <p:grpSpPr>
-        <a:xfrm>
-          <a:off x="0" y="0"/>
-          <a:ext cx="0" cy="0"/>
-          <a:chOff x="0" y="0"/>
-          <a:chExt cx="0" cy="0"/>
-        </a:xfrm>
-      </p:grpSpPr>
-      <p:sp>
-        <p:nvSpPr>
-          <p:cNvPr id="6" name="矩形 5"/>
-          <p:cNvSpPr/>
-          <p:nvPr/>
-        </p:nvSpPr>
-        <p:spPr>
-          <a:xfrm rot="877900">
-            <a:off x="-2271512" y="-5775958"/>
-            <a:ext cx="6186601" cy="6857999"/>
-          </a:xfrm>
-          <a:prstGeom prst="rect">
-            <a:avLst/>
-          </a:prstGeom>
-          <a:solidFill>
-            <a:schemeClr val="bg1">
-              <a:lumMod val="95000"/>
-            </a:schemeClr>
-          </a:solidFill>
-          <a:ln>
-            <a:noFill/>
-          </a:ln>
-        </p:spPr>
-        <p:style>
-          <a:lnRef idx="2">
-            <a:schemeClr val="accent1">
-              <a:shade val="50000"/>
-            </a:schemeClr>
-          </a:lnRef>
-          <a:fillRef idx="1">
-            <a:schemeClr val="accent1"/>
-          </a:fillRef>
-          <a:effectRef idx="0">
-            <a:schemeClr val="accent1"/>
-          </a:effectRef>
-          <a:fontRef idx="minor">
-            <a:schemeClr val="lt1"/>
-          </a:fontRef>
-        </p:style>
-        <p:txBody>
-          <a:bodyPr rtlCol="0" anchor="ctr"/>
-          <a:lstStyle/>
-          <a:p>
-            <a:pPr algn="ctr"/>
-            <a:endParaRPr lang="zh-CN" altLang="en-US"/>
-          </a:p>
-        </p:txBody>
-      </p:sp>
-      <p:sp>
-        <p:nvSpPr>
-          <p:cNvPr id="30" name="文本框 29"/>
-          <p:cNvSpPr txBox="1"/>
-          <p:nvPr/>
-        </p:nvSpPr>
-        <p:spPr>
-          <a:xfrm>
-            <a:off x="662538" y="294935"/>
-            <a:ext cx="9205361" cy="769441"/>
-          </a:xfrm>
-          <a:prstGeom prst="rect">
-            <a:avLst/>
-          </a:prstGeom>
-          <a:noFill/>
-        </p:spPr>
-        <p:txBody>
-          <a:bodyPr wrap="square" rtlCol="0">
-            <a:spAutoFit/>
-          </a:bodyPr>
-          <a:lstStyle/>
-          <a:p>
-            <a:r>
-              <a:rPr lang="en-US" altLang="zh-CN" sz="4400" b="1" dirty="0" smtClean="0">
-                <a:solidFill>
-                  <a:srgbClr val="00ABB4"/>
-                </a:solidFill>
-                <a:latin typeface="微软雅黑" panose="020B0503020204020204" pitchFamily="34" charset="-122"/>
-                <a:ea typeface="微软雅黑" panose="020B0503020204020204" pitchFamily="34" charset="-122"/>
-              </a:rPr>
-              <a:t>Abstract</a:t>
-            </a:r>
-            <a:endParaRPr lang="en-US" altLang="zh-CN" sz="4400" b="1" dirty="0">
-              <a:solidFill>
-                <a:srgbClr val="00ABB4"/>
-              </a:solidFill>
-              <a:latin typeface="微软雅黑" panose="020B0503020204020204" pitchFamily="34" charset="-122"/>
-              <a:ea typeface="微软雅黑" panose="020B0503020204020204" pitchFamily="34" charset="-122"/>
-            </a:endParaRPr>
-          </a:p>
-        </p:txBody>
-      </p:sp>
-      <p:sp>
-        <p:nvSpPr>
-          <p:cNvPr id="31" name="Rectangle 96"/>
-          <p:cNvSpPr/>
-          <p:nvPr/>
-        </p:nvSpPr>
-        <p:spPr>
-          <a:xfrm>
-            <a:off x="1073250" y="1145772"/>
-            <a:ext cx="10245297" cy="5278368"/>
-          </a:xfrm>
-          <a:prstGeom prst="rect">
-            <a:avLst/>
-          </a:prstGeom>
-        </p:spPr>
-        <p:txBody>
-          <a:bodyPr wrap="square">
-            <a:spAutoFit/>
-          </a:bodyPr>
-          <a:lstStyle/>
-          <a:p>
-            <a:pPr marL="342900" indent="-342900">
-              <a:lnSpc>
-                <a:spcPct val="200000"/>
-              </a:lnSpc>
-              <a:buFont typeface="Arial" panose="020B0604020202020204" pitchFamily="34" charset="0"/>
-              <a:buChar char="•"/>
-            </a:pPr>
-            <a:r>
-              <a:rPr lang="en-US" altLang="zh-CN" sz="3200" b="1" dirty="0" smtClean="0">
-                <a:latin typeface="Meiryo" panose="020B0604030504040204" pitchFamily="34" charset="-128"/>
-                <a:ea typeface="Meiryo" panose="020B0604030504040204" pitchFamily="34" charset="-128"/>
-                <a:cs typeface="Meiryo" panose="020B0604030504040204" pitchFamily="34" charset="-128"/>
-              </a:rPr>
-              <a:t>Key steps</a:t>
-            </a:r>
-            <a:r>
-              <a:rPr lang="en-US" altLang="zh-CN" sz="2800" b="1" dirty="0" smtClean="0">
-                <a:latin typeface="Meiryo" panose="020B0604030504040204" pitchFamily="34" charset="-128"/>
-                <a:ea typeface="Meiryo" panose="020B0604030504040204" pitchFamily="34" charset="-128"/>
-                <a:cs typeface="Meiryo" panose="020B0604030504040204" pitchFamily="34" charset="-128"/>
-              </a:rPr>
-              <a:t>: </a:t>
-            </a:r>
-            <a:endParaRPr lang="en-US" altLang="zh-CN" sz="2800" dirty="0">
-              <a:latin typeface="Meiryo" panose="020B0604030504040204" pitchFamily="34" charset="-128"/>
-              <a:ea typeface="Meiryo" panose="020B0604030504040204" pitchFamily="34" charset="-128"/>
-              <a:cs typeface="Meiryo" panose="020B0604030504040204" pitchFamily="34" charset="-128"/>
-            </a:endParaRPr>
-          </a:p>
-          <a:p>
-            <a:pPr marL="800100" lvl="1" indent="-342900">
-              <a:lnSpc>
-                <a:spcPct val="200000"/>
-              </a:lnSpc>
-              <a:buFont typeface="Arial" panose="020B0604020202020204" pitchFamily="34" charset="0"/>
-              <a:buChar char="•"/>
-            </a:pPr>
-            <a:r>
-              <a:rPr lang="en-US" altLang="zh-CN" sz="2800" b="1" dirty="0" smtClean="0">
-                <a:latin typeface="Meiryo" panose="020B0604030504040204" pitchFamily="34" charset="-128"/>
-                <a:ea typeface="Meiryo" panose="020B0604030504040204" pitchFamily="34" charset="-128"/>
-                <a:cs typeface="Meiryo" panose="020B0604030504040204" pitchFamily="34" charset="-128"/>
-              </a:rPr>
-              <a:t>Style Selection</a:t>
-            </a:r>
-            <a:r>
-              <a:rPr lang="en-US" altLang="zh-CN" sz="2800" dirty="0" smtClean="0">
-                <a:latin typeface="Meiryo" panose="020B0604030504040204" pitchFamily="34" charset="-128"/>
-                <a:ea typeface="Meiryo" panose="020B0604030504040204" pitchFamily="34" charset="-128"/>
-                <a:cs typeface="Meiryo" panose="020B0604030504040204" pitchFamily="34" charset="-128"/>
-              </a:rPr>
-              <a:t>:</a:t>
-            </a:r>
-          </a:p>
-          <a:p>
-            <a:pPr marL="1257300" lvl="2" indent="-342900">
-              <a:lnSpc>
-                <a:spcPct val="200000"/>
-              </a:lnSpc>
-              <a:buFont typeface="Arial" panose="020B0604020202020204" pitchFamily="34" charset="0"/>
-              <a:buChar char="•"/>
-            </a:pPr>
-            <a:r>
-              <a:rPr lang="en-US" altLang="zh-CN" sz="2800" dirty="0" smtClean="0">
-                <a:latin typeface="Meiryo" panose="020B0604030504040204" pitchFamily="34" charset="-128"/>
-                <a:ea typeface="Meiryo" panose="020B0604030504040204" pitchFamily="34" charset="-128"/>
-                <a:cs typeface="Meiryo" panose="020B0604030504040204" pitchFamily="34" charset="-128"/>
-              </a:rPr>
-              <a:t>Semantic clustering</a:t>
-            </a:r>
-          </a:p>
-          <a:p>
-            <a:pPr marL="1257300" lvl="2" indent="-342900">
-              <a:lnSpc>
-                <a:spcPct val="200000"/>
-              </a:lnSpc>
-              <a:buFont typeface="Arial" panose="020B0604020202020204" pitchFamily="34" charset="0"/>
-              <a:buChar char="•"/>
-            </a:pPr>
-            <a:r>
-              <a:rPr lang="en-US" altLang="zh-CN" sz="2800" dirty="0" smtClean="0">
-                <a:latin typeface="Meiryo" panose="020B0604030504040204" pitchFamily="34" charset="-128"/>
-                <a:ea typeface="Meiryo" panose="020B0604030504040204" pitchFamily="34" charset="-128"/>
-                <a:cs typeface="Meiryo" panose="020B0604030504040204" pitchFamily="34" charset="-128"/>
-              </a:rPr>
-              <a:t>Style ranking</a:t>
-            </a:r>
-          </a:p>
-          <a:p>
-            <a:pPr marL="1257300" lvl="2" indent="-342900">
-              <a:lnSpc>
-                <a:spcPct val="200000"/>
-              </a:lnSpc>
-              <a:buFont typeface="Arial" panose="020B0604020202020204" pitchFamily="34" charset="0"/>
-              <a:buChar char="•"/>
-            </a:pPr>
-            <a:r>
-              <a:rPr lang="en-US" altLang="zh-CN" sz="2800" dirty="0" smtClean="0">
-                <a:latin typeface="Meiryo" panose="020B0604030504040204" pitchFamily="34" charset="-128"/>
-                <a:ea typeface="Meiryo" panose="020B0604030504040204" pitchFamily="34" charset="-128"/>
-                <a:cs typeface="Meiryo" panose="020B0604030504040204" pitchFamily="34" charset="-128"/>
-              </a:rPr>
-              <a:t>Style sampling</a:t>
-            </a:r>
-          </a:p>
-          <a:p>
-            <a:pPr marL="800100" lvl="1" indent="-342900">
-              <a:lnSpc>
-                <a:spcPct val="200000"/>
-              </a:lnSpc>
-              <a:buFont typeface="Arial" panose="020B0604020202020204" pitchFamily="34" charset="0"/>
-              <a:buChar char="•"/>
-            </a:pPr>
-            <a:r>
-              <a:rPr lang="en-US" altLang="zh-CN" sz="2800" b="1" dirty="0" smtClean="0">
-                <a:latin typeface="Meiryo" panose="020B0604030504040204" pitchFamily="34" charset="-128"/>
-                <a:ea typeface="Meiryo" panose="020B0604030504040204" pitchFamily="34" charset="-128"/>
-                <a:cs typeface="Meiryo" panose="020B0604030504040204" pitchFamily="34" charset="-128"/>
-              </a:rPr>
-              <a:t>Style Transfer</a:t>
-            </a:r>
-          </a:p>
-        </p:txBody>
-      </p:sp>
-    </p:spTree>
-    <p:extLst>
-      <p:ext uri="{BB962C8B-B14F-4D97-AF65-F5344CB8AC3E}">
-        <p14:creationId xmlns:p14="http://schemas.microsoft.com/office/powerpoint/2010/main" val="2822846098"/>
-      </p:ext>
-    </p:extLst>
-  </p:cSld>
-  <p:clrMapOvr>
-    <a:masterClrMapping/>
-  </p:clrMapOvr>
-  <p:timing>
-    <p:tnLst>
-      <p:par>
-        <p:cTn id="1" dur="indefinite" restart="never" nodeType="tmRoot"/>
-      </p:par>
-    </p:tnLst>
-  </p:timing>
-</p:sld>
-</file>
-
-<file path=ppt/slides/slide40.xml><?xml version="1.0" encoding="utf-8"?>
+<file path=ppt/slides/slide42.xml><?xml version="1.0" encoding="utf-8"?>
 <p:sld xmlns:a="http://schemas.openxmlformats.org/drawingml/2006/main" xmlns:r="http://schemas.openxmlformats.org/officeDocument/2006/relationships" xmlns:p="http://schemas.openxmlformats.org/presentationml/2006/main">
   <p:cSld>
     <p:spTree>
@@ -19360,7 +20487,7 @@
 </p:sld>
 </file>
 
-<file path=ppt/slides/slide41.xml><?xml version="1.0" encoding="utf-8"?>
+<file path=ppt/slides/slide43.xml><?xml version="1.0" encoding="utf-8"?>
 <p:sld xmlns:a="http://schemas.openxmlformats.org/drawingml/2006/main" xmlns:r="http://schemas.openxmlformats.org/officeDocument/2006/relationships" xmlns:p="http://schemas.openxmlformats.org/presentationml/2006/main">
   <p:cSld>
     <p:spTree>
@@ -19781,7 +20908,7 @@
 </p:sld>
 </file>
 
-<file path=ppt/slides/slide42.xml><?xml version="1.0" encoding="utf-8"?>
+<file path=ppt/slides/slide44.xml><?xml version="1.0" encoding="utf-8"?>
 <p:sld xmlns:a="http://schemas.openxmlformats.org/drawingml/2006/main" xmlns:r="http://schemas.openxmlformats.org/officeDocument/2006/relationships" xmlns:p="http://schemas.openxmlformats.org/presentationml/2006/main">
   <p:cSld>
     <p:spTree>
@@ -20169,7 +21296,236 @@
 </p:sld>
 </file>
 
-<file path=ppt/slides/slide43.xml><?xml version="1.0" encoding="utf-8"?>
+<file path=ppt/slides/slide45.xml><?xml version="1.0" encoding="utf-8"?>
+<p:sld xmlns:a="http://schemas.openxmlformats.org/drawingml/2006/main" xmlns:r="http://schemas.openxmlformats.org/officeDocument/2006/relationships" xmlns:p="http://schemas.openxmlformats.org/presentationml/2006/main">
+  <p:cSld>
+    <p:spTree>
+      <p:nvGrpSpPr>
+        <p:cNvPr id="1" name=""/>
+        <p:cNvGrpSpPr/>
+        <p:nvPr/>
+      </p:nvGrpSpPr>
+      <p:grpSpPr>
+        <a:xfrm>
+          <a:off x="0" y="0"/>
+          <a:ext cx="0" cy="0"/>
+          <a:chOff x="0" y="0"/>
+          <a:chExt cx="0" cy="0"/>
+        </a:xfrm>
+      </p:grpSpPr>
+      <p:sp>
+        <p:nvSpPr>
+          <p:cNvPr id="9" name="等腰三角形 8"/>
+          <p:cNvSpPr/>
+          <p:nvPr/>
+        </p:nvSpPr>
+        <p:spPr>
+          <a:xfrm rot="4613108">
+            <a:off x="7331460" y="3148738"/>
+            <a:ext cx="4577580" cy="4214762"/>
+          </a:xfrm>
+          <a:prstGeom prst="triangle">
+            <a:avLst/>
+          </a:prstGeom>
+          <a:solidFill>
+            <a:schemeClr val="bg1">
+              <a:lumMod val="95000"/>
+            </a:schemeClr>
+          </a:solidFill>
+          <a:ln>
+            <a:noFill/>
+          </a:ln>
+        </p:spPr>
+        <p:style>
+          <a:lnRef idx="2">
+            <a:schemeClr val="accent1">
+              <a:shade val="50000"/>
+            </a:schemeClr>
+          </a:lnRef>
+          <a:fillRef idx="1">
+            <a:schemeClr val="accent1"/>
+          </a:fillRef>
+          <a:effectRef idx="0">
+            <a:schemeClr val="accent1"/>
+          </a:effectRef>
+          <a:fontRef idx="minor">
+            <a:schemeClr val="lt1"/>
+          </a:fontRef>
+        </p:style>
+        <p:txBody>
+          <a:bodyPr rtlCol="0" anchor="ctr"/>
+          <a:lstStyle/>
+          <a:p>
+            <a:pPr algn="ctr"/>
+            <a:endParaRPr lang="zh-CN" altLang="en-US"/>
+          </a:p>
+        </p:txBody>
+      </p:sp>
+      <p:sp>
+        <p:nvSpPr>
+          <p:cNvPr id="8" name="矩形 7"/>
+          <p:cNvSpPr/>
+          <p:nvPr/>
+        </p:nvSpPr>
+        <p:spPr>
+          <a:xfrm rot="783766">
+            <a:off x="-2197454" y="-2340269"/>
+            <a:ext cx="6006821" cy="3447534"/>
+          </a:xfrm>
+          <a:prstGeom prst="rect">
+            <a:avLst/>
+          </a:prstGeom>
+          <a:solidFill>
+            <a:schemeClr val="bg1">
+              <a:lumMod val="95000"/>
+            </a:schemeClr>
+          </a:solidFill>
+          <a:ln>
+            <a:noFill/>
+          </a:ln>
+        </p:spPr>
+        <p:style>
+          <a:lnRef idx="2">
+            <a:schemeClr val="accent1">
+              <a:shade val="50000"/>
+            </a:schemeClr>
+          </a:lnRef>
+          <a:fillRef idx="1">
+            <a:schemeClr val="accent1"/>
+          </a:fillRef>
+          <a:effectRef idx="0">
+            <a:schemeClr val="accent1"/>
+          </a:effectRef>
+          <a:fontRef idx="minor">
+            <a:schemeClr val="lt1"/>
+          </a:fontRef>
+        </p:style>
+        <p:txBody>
+          <a:bodyPr rtlCol="0" anchor="ctr"/>
+          <a:lstStyle/>
+          <a:p>
+            <a:pPr algn="ctr"/>
+            <a:endParaRPr lang="zh-CN" altLang="en-US" dirty="0"/>
+          </a:p>
+        </p:txBody>
+      </p:sp>
+      <p:sp>
+        <p:nvSpPr>
+          <p:cNvPr id="30" name="文本框 29"/>
+          <p:cNvSpPr txBox="1"/>
+          <p:nvPr/>
+        </p:nvSpPr>
+        <p:spPr>
+          <a:xfrm>
+            <a:off x="662538" y="294935"/>
+            <a:ext cx="9834012" cy="769441"/>
+          </a:xfrm>
+          <a:prstGeom prst="rect">
+            <a:avLst/>
+          </a:prstGeom>
+          <a:noFill/>
+        </p:spPr>
+        <p:txBody>
+          <a:bodyPr wrap="square" rtlCol="0">
+            <a:spAutoFit/>
+          </a:bodyPr>
+          <a:lstStyle/>
+          <a:p>
+            <a:r>
+              <a:rPr lang="en-US" altLang="zh-CN" sz="4400" b="1" dirty="0" smtClean="0">
+                <a:solidFill>
+                  <a:srgbClr val="00ABB4"/>
+                </a:solidFill>
+                <a:latin typeface="微软雅黑" panose="020B0503020204020204" pitchFamily="34" charset="-122"/>
+                <a:ea typeface="微软雅黑" panose="020B0503020204020204" pitchFamily="34" charset="-122"/>
+              </a:rPr>
+              <a:t>3 Example</a:t>
+            </a:r>
+            <a:endParaRPr lang="en-US" altLang="zh-CN" sz="4400" dirty="0">
+              <a:solidFill>
+                <a:srgbClr val="00ABB4"/>
+              </a:solidFill>
+              <a:latin typeface="微软雅黑" panose="020B0503020204020204" pitchFamily="34" charset="-122"/>
+              <a:ea typeface="微软雅黑" panose="020B0503020204020204" pitchFamily="34" charset="-122"/>
+            </a:endParaRPr>
+          </a:p>
+        </p:txBody>
+      </p:sp>
+      <p:pic>
+        <p:nvPicPr>
+          <p:cNvPr id="10" name="Picture 2"/>
+          <p:cNvPicPr>
+            <a:picLocks noChangeAspect="1" noChangeArrowheads="1"/>
+          </p:cNvPicPr>
+          <p:nvPr/>
+        </p:nvPicPr>
+        <p:blipFill>
+          <a:blip r:embed="rId3">
+            <a:extLst>
+              <a:ext uri="{28A0092B-C50C-407E-A947-70E740481C1C}">
+                <a14:useLocalDpi xmlns:a14="http://schemas.microsoft.com/office/drawing/2010/main" val="0"/>
+              </a:ext>
+            </a:extLst>
+          </a:blip>
+          <a:srcRect/>
+          <a:stretch>
+            <a:fillRect/>
+          </a:stretch>
+        </p:blipFill>
+        <p:spPr bwMode="auto">
+          <a:xfrm>
+            <a:off x="805956" y="1343023"/>
+            <a:ext cx="10710341" cy="4695825"/>
+          </a:xfrm>
+          <a:prstGeom prst="rect">
+            <a:avLst/>
+          </a:prstGeom>
+          <a:noFill/>
+          <a:ln>
+            <a:noFill/>
+          </a:ln>
+          <a:extLst>
+            <a:ext uri="{909E8E84-426E-40DD-AFC4-6F175D3DCCD1}">
+              <a14:hiddenFill xmlns:a14="http://schemas.microsoft.com/office/drawing/2010/main">
+                <a:solidFill>
+                  <a:schemeClr val="accent1"/>
+                </a:solidFill>
+              </a14:hiddenFill>
+            </a:ext>
+            <a:ext uri="{91240B29-F687-4F45-9708-019B960494DF}">
+              <a14:hiddenLine xmlns:a14="http://schemas.microsoft.com/office/drawing/2010/main" w="9525">
+                <a:solidFill>
+                  <a:schemeClr val="tx1"/>
+                </a:solidFill>
+                <a:miter lim="800000"/>
+                <a:headEnd/>
+                <a:tailEnd/>
+              </a14:hiddenLine>
+            </a:ext>
+          </a:extLst>
+        </p:spPr>
+      </p:pic>
+    </p:spTree>
+    <p:extLst>
+      <p:ext uri="{BB962C8B-B14F-4D97-AF65-F5344CB8AC3E}">
+        <p14:creationId xmlns:p14="http://schemas.microsoft.com/office/powerpoint/2010/main" val="1783231134"/>
+      </p:ext>
+    </p:extLst>
+  </p:cSld>
+  <p:clrMapOvr>
+    <a:masterClrMapping/>
+  </p:clrMapOvr>
+  <p:timing>
+    <p:tnLst>
+      <p:par>
+        <p:cTn id="1" dur="indefinite" restart="never" nodeType="tmRoot"/>
+      </p:par>
+    </p:tnLst>
+  </p:timing>
+</p:sld>
+</file>
+
+<file path=ppt/slides/slide46.xml><?xml version="1.0" encoding="utf-8"?>
 <p:sld xmlns:a="http://schemas.openxmlformats.org/drawingml/2006/main" xmlns:r="http://schemas.openxmlformats.org/officeDocument/2006/relationships" xmlns:p="http://schemas.openxmlformats.org/presentationml/2006/main">
   <p:cSld>
     <p:spTree>
@@ -20330,7 +21686,7 @@
 </p:sld>
 </file>
 
-<file path=ppt/slides/slide44.xml><?xml version="1.0" encoding="utf-8"?>
+<file path=ppt/slides/slide47.xml><?xml version="1.0" encoding="utf-8"?>
 <p:sld xmlns:a="http://schemas.openxmlformats.org/drawingml/2006/main" xmlns:r="http://schemas.openxmlformats.org/officeDocument/2006/relationships" xmlns:p="http://schemas.openxmlformats.org/presentationml/2006/main">
   <p:cSld>
     <p:spTree>
@@ -20466,7 +21822,7 @@
               <a:buChar char="•"/>
             </a:pPr>
             <a:r>
-              <a:rPr lang="en-US" altLang="zh-CN" sz="2800" smtClean="0">
+              <a:rPr lang="en-US" altLang="zh-CN" sz="2800" dirty="0" smtClean="0">
                 <a:latin typeface="Meiryo" panose="020B0604030504040204" pitchFamily="34" charset="-128"/>
                 <a:ea typeface="Meiryo" panose="020B0604030504040204" pitchFamily="34" charset="-128"/>
                 <a:cs typeface="Meiryo" panose="020B0604030504040204" pitchFamily="34" charset="-128"/>
@@ -20501,7 +21857,7 @@
 </p:sld>
 </file>
 
-<file path=ppt/slides/slide45.xml><?xml version="1.0" encoding="utf-8"?>
+<file path=ppt/slides/slide48.xml><?xml version="1.0" encoding="utf-8"?>
 <p:sld xmlns:a="http://schemas.openxmlformats.org/drawingml/2006/main" xmlns:r="http://schemas.openxmlformats.org/officeDocument/2006/relationships" xmlns:p="http://schemas.openxmlformats.org/presentationml/2006/main">
   <p:cSld>
     <p:spTree>
@@ -20520,14 +21876,62 @@
       </p:grpSpPr>
       <p:sp>
         <p:nvSpPr>
-          <p:cNvPr id="3" name="文本框 2"/>
+          <p:cNvPr id="6" name="矩形 5"/>
+          <p:cNvSpPr/>
+          <p:nvPr/>
+        </p:nvSpPr>
+        <p:spPr>
+          <a:xfrm rot="877900">
+            <a:off x="2686836" y="-155824"/>
+            <a:ext cx="6186601" cy="6857999"/>
+          </a:xfrm>
+          <a:prstGeom prst="rect">
+            <a:avLst/>
+          </a:prstGeom>
+          <a:solidFill>
+            <a:schemeClr val="bg1">
+              <a:lumMod val="95000"/>
+            </a:schemeClr>
+          </a:solidFill>
+          <a:ln>
+            <a:noFill/>
+          </a:ln>
+        </p:spPr>
+        <p:style>
+          <a:lnRef idx="2">
+            <a:schemeClr val="accent1">
+              <a:shade val="50000"/>
+            </a:schemeClr>
+          </a:lnRef>
+          <a:fillRef idx="1">
+            <a:schemeClr val="accent1"/>
+          </a:fillRef>
+          <a:effectRef idx="0">
+            <a:schemeClr val="accent1"/>
+          </a:effectRef>
+          <a:fontRef idx="minor">
+            <a:schemeClr val="lt1"/>
+          </a:fontRef>
+        </p:style>
+        <p:txBody>
+          <a:bodyPr rtlCol="0" anchor="ctr"/>
+          <a:lstStyle/>
+          <a:p>
+            <a:pPr algn="ctr"/>
+            <a:endParaRPr lang="zh-CN" altLang="en-US"/>
+          </a:p>
+        </p:txBody>
+      </p:sp>
+      <p:sp>
+        <p:nvSpPr>
+          <p:cNvPr id="30" name="文本框 29"/>
           <p:cNvSpPr txBox="1"/>
           <p:nvPr/>
         </p:nvSpPr>
         <p:spPr>
           <a:xfrm>
-            <a:off x="3578357" y="2333008"/>
-            <a:ext cx="5044714" cy="1015663"/>
+            <a:off x="662538" y="294935"/>
+            <a:ext cx="9205361" cy="769441"/>
           </a:xfrm>
           <a:prstGeom prst="rect">
             <a:avLst/>
@@ -20535,67 +21939,250 @@
           <a:noFill/>
         </p:spPr>
         <p:txBody>
-          <a:bodyPr wrap="none" rtlCol="0">
+          <a:bodyPr wrap="square" rtlCol="0">
             <a:spAutoFit/>
           </a:bodyPr>
           <a:lstStyle/>
           <a:p>
-            <a:pPr algn="ctr"/>
-            <a:r>
-              <a:rPr lang="en-US" altLang="zh-CN" sz="6000" b="1" dirty="0" smtClean="0">
+            <a:r>
+              <a:rPr lang="en-US" altLang="zh-CN" sz="4400" b="1" dirty="0" smtClean="0">
                 <a:solidFill>
-                  <a:schemeClr val="accent2"/>
+                  <a:srgbClr val="00ABB4"/>
                 </a:solidFill>
-                <a:effectLst>
-                  <a:outerShdw blurRad="38100" dist="38100" dir="2700000" algn="tl">
-                    <a:srgbClr val="000000">
-                      <a:alpha val="43137"/>
-                    </a:srgbClr>
-                  </a:outerShdw>
-                </a:effectLst>
                 <a:latin typeface="微软雅黑" panose="020B0503020204020204" pitchFamily="34" charset="-122"/>
                 <a:ea typeface="微软雅黑" panose="020B0503020204020204" pitchFamily="34" charset="-122"/>
               </a:rPr>
-              <a:t>Thank you </a:t>
-            </a:r>
-            <a:r>
-              <a:rPr lang="en-US" altLang="zh-CN" sz="6000" b="1" dirty="0" smtClean="0">
-                <a:solidFill>
-                  <a:schemeClr val="accent2"/>
-                </a:solidFill>
-                <a:effectLst>
-                  <a:outerShdw blurRad="38100" dist="38100" dir="2700000" algn="tl">
-                    <a:srgbClr val="000000">
-                      <a:alpha val="43137"/>
-                    </a:srgbClr>
-                  </a:outerShdw>
-                </a:effectLst>
-                <a:latin typeface="微软雅黑" panose="020B0503020204020204" pitchFamily="34" charset="-122"/>
-                <a:ea typeface="微软雅黑" panose="020B0503020204020204" pitchFamily="34" charset="-122"/>
-              </a:rPr>
-              <a:t>~</a:t>
-            </a:r>
-            <a:endParaRPr lang="en-US" altLang="zh-CN" sz="6000" b="1" dirty="0">
+              <a:t>Results and Discussion</a:t>
+            </a:r>
+            <a:endParaRPr lang="en-US" altLang="zh-CN" sz="4400" b="1" dirty="0">
               <a:solidFill>
-                <a:schemeClr val="accent2"/>
+                <a:srgbClr val="00ABB4"/>
               </a:solidFill>
-              <a:effectLst>
-                <a:outerShdw blurRad="38100" dist="38100" dir="2700000" algn="tl">
-                  <a:srgbClr val="000000">
-                    <a:alpha val="43137"/>
-                  </a:srgbClr>
-                </a:outerShdw>
-              </a:effectLst>
               <a:latin typeface="微软雅黑" panose="020B0503020204020204" pitchFamily="34" charset="-122"/>
               <a:ea typeface="微软雅黑" panose="020B0503020204020204" pitchFamily="34" charset="-122"/>
             </a:endParaRPr>
           </a:p>
         </p:txBody>
       </p:sp>
+      <p:sp>
+        <p:nvSpPr>
+          <p:cNvPr id="31" name="Rectangle 96"/>
+          <p:cNvSpPr/>
+          <p:nvPr/>
+        </p:nvSpPr>
+        <p:spPr>
+          <a:xfrm>
+            <a:off x="882750" y="1050913"/>
+            <a:ext cx="10245297" cy="846386"/>
+          </a:xfrm>
+          <a:prstGeom prst="rect">
+            <a:avLst/>
+          </a:prstGeom>
+        </p:spPr>
+        <p:txBody>
+          <a:bodyPr wrap="square">
+            <a:spAutoFit/>
+          </a:bodyPr>
+          <a:lstStyle/>
+          <a:p>
+            <a:pPr marL="342900" indent="-342900">
+              <a:lnSpc>
+                <a:spcPct val="200000"/>
+              </a:lnSpc>
+              <a:buFont typeface="Arial" panose="020B0604020202020204" pitchFamily="34" charset="0"/>
+              <a:buChar char="•"/>
+            </a:pPr>
+            <a:r>
+              <a:rPr lang="en-US" altLang="zh-CN" sz="2800" dirty="0" smtClean="0">
+                <a:latin typeface="Meiryo" panose="020B0604030504040204" pitchFamily="34" charset="-128"/>
+                <a:ea typeface="Meiryo" panose="020B0604030504040204" pitchFamily="34" charset="-128"/>
+                <a:cs typeface="Meiryo" panose="020B0604030504040204" pitchFamily="34" charset="-128"/>
+              </a:rPr>
+              <a:t>Quality</a:t>
+            </a:r>
+            <a:endParaRPr lang="en-US" altLang="zh-CN" sz="2800" dirty="0" smtClean="0">
+              <a:latin typeface="Meiryo" panose="020B0604030504040204" pitchFamily="34" charset="-128"/>
+              <a:ea typeface="Meiryo" panose="020B0604030504040204" pitchFamily="34" charset="-128"/>
+              <a:cs typeface="Meiryo" panose="020B0604030504040204" pitchFamily="34" charset="-128"/>
+            </a:endParaRPr>
+          </a:p>
+        </p:txBody>
+      </p:sp>
     </p:spTree>
     <p:extLst>
       <p:ext uri="{BB962C8B-B14F-4D97-AF65-F5344CB8AC3E}">
-        <p14:creationId xmlns:p14="http://schemas.microsoft.com/office/powerpoint/2010/main" val="3711594375"/>
+        <p14:creationId xmlns:p14="http://schemas.microsoft.com/office/powerpoint/2010/main" val="2151438303"/>
+      </p:ext>
+    </p:extLst>
+  </p:cSld>
+  <p:clrMapOvr>
+    <a:masterClrMapping/>
+  </p:clrMapOvr>
+  <p:timing>
+    <p:tnLst>
+      <p:par>
+        <p:cTn id="1" dur="indefinite" restart="never" nodeType="tmRoot"/>
+      </p:par>
+    </p:tnLst>
+  </p:timing>
+</p:sld>
+</file>
+
+<file path=ppt/slides/slide49.xml><?xml version="1.0" encoding="utf-8"?>
+<p:sld xmlns:a="http://schemas.openxmlformats.org/drawingml/2006/main" xmlns:r="http://schemas.openxmlformats.org/officeDocument/2006/relationships" xmlns:p="http://schemas.openxmlformats.org/presentationml/2006/main">
+  <p:cSld>
+    <p:spTree>
+      <p:nvGrpSpPr>
+        <p:cNvPr id="1" name=""/>
+        <p:cNvGrpSpPr/>
+        <p:nvPr/>
+      </p:nvGrpSpPr>
+      <p:grpSpPr>
+        <a:xfrm>
+          <a:off x="0" y="0"/>
+          <a:ext cx="0" cy="0"/>
+          <a:chOff x="0" y="0"/>
+          <a:chExt cx="0" cy="0"/>
+        </a:xfrm>
+      </p:grpSpPr>
+      <p:sp>
+        <p:nvSpPr>
+          <p:cNvPr id="6" name="矩形 5"/>
+          <p:cNvSpPr/>
+          <p:nvPr/>
+        </p:nvSpPr>
+        <p:spPr>
+          <a:xfrm rot="877900">
+            <a:off x="2686836" y="-155824"/>
+            <a:ext cx="6186601" cy="6857999"/>
+          </a:xfrm>
+          <a:prstGeom prst="rect">
+            <a:avLst/>
+          </a:prstGeom>
+          <a:solidFill>
+            <a:schemeClr val="bg1">
+              <a:lumMod val="95000"/>
+            </a:schemeClr>
+          </a:solidFill>
+          <a:ln>
+            <a:noFill/>
+          </a:ln>
+        </p:spPr>
+        <p:style>
+          <a:lnRef idx="2">
+            <a:schemeClr val="accent1">
+              <a:shade val="50000"/>
+            </a:schemeClr>
+          </a:lnRef>
+          <a:fillRef idx="1">
+            <a:schemeClr val="accent1"/>
+          </a:fillRef>
+          <a:effectRef idx="0">
+            <a:schemeClr val="accent1"/>
+          </a:effectRef>
+          <a:fontRef idx="minor">
+            <a:schemeClr val="lt1"/>
+          </a:fontRef>
+        </p:style>
+        <p:txBody>
+          <a:bodyPr rtlCol="0" anchor="ctr"/>
+          <a:lstStyle/>
+          <a:p>
+            <a:pPr algn="ctr"/>
+            <a:endParaRPr lang="zh-CN" altLang="en-US"/>
+          </a:p>
+        </p:txBody>
+      </p:sp>
+      <p:sp>
+        <p:nvSpPr>
+          <p:cNvPr id="30" name="文本框 29"/>
+          <p:cNvSpPr txBox="1"/>
+          <p:nvPr/>
+        </p:nvSpPr>
+        <p:spPr>
+          <a:xfrm>
+            <a:off x="662538" y="294935"/>
+            <a:ext cx="9205361" cy="769441"/>
+          </a:xfrm>
+          <a:prstGeom prst="rect">
+            <a:avLst/>
+          </a:prstGeom>
+          <a:noFill/>
+        </p:spPr>
+        <p:txBody>
+          <a:bodyPr wrap="square" rtlCol="0">
+            <a:spAutoFit/>
+          </a:bodyPr>
+          <a:lstStyle/>
+          <a:p>
+            <a:r>
+              <a:rPr lang="en-US" altLang="zh-CN" sz="4400" b="1" dirty="0" smtClean="0">
+                <a:solidFill>
+                  <a:srgbClr val="00ABB4"/>
+                </a:solidFill>
+                <a:latin typeface="微软雅黑" panose="020B0503020204020204" pitchFamily="34" charset="-122"/>
+                <a:ea typeface="微软雅黑" panose="020B0503020204020204" pitchFamily="34" charset="-122"/>
+              </a:rPr>
+              <a:t>Results and Discussion</a:t>
+            </a:r>
+            <a:endParaRPr lang="en-US" altLang="zh-CN" sz="4400" b="1" dirty="0">
+              <a:solidFill>
+                <a:srgbClr val="00ABB4"/>
+              </a:solidFill>
+              <a:latin typeface="微软雅黑" panose="020B0503020204020204" pitchFamily="34" charset="-122"/>
+              <a:ea typeface="微软雅黑" panose="020B0503020204020204" pitchFamily="34" charset="-122"/>
+            </a:endParaRPr>
+          </a:p>
+        </p:txBody>
+      </p:sp>
+      <p:sp>
+        <p:nvSpPr>
+          <p:cNvPr id="31" name="Rectangle 96"/>
+          <p:cNvSpPr/>
+          <p:nvPr/>
+        </p:nvSpPr>
+        <p:spPr>
+          <a:xfrm>
+            <a:off x="882750" y="1050913"/>
+            <a:ext cx="10245297" cy="846386"/>
+          </a:xfrm>
+          <a:prstGeom prst="rect">
+            <a:avLst/>
+          </a:prstGeom>
+        </p:spPr>
+        <p:txBody>
+          <a:bodyPr wrap="square">
+            <a:spAutoFit/>
+          </a:bodyPr>
+          <a:lstStyle/>
+          <a:p>
+            <a:pPr marL="342900" indent="-342900">
+              <a:lnSpc>
+                <a:spcPct val="200000"/>
+              </a:lnSpc>
+              <a:buFont typeface="Arial" panose="020B0604020202020204" pitchFamily="34" charset="0"/>
+              <a:buChar char="•"/>
+            </a:pPr>
+            <a:r>
+              <a:rPr lang="en-US" altLang="zh-CN" sz="2800" dirty="0" smtClean="0">
+                <a:latin typeface="Meiryo" panose="020B0604030504040204" pitchFamily="34" charset="-128"/>
+                <a:ea typeface="Meiryo" panose="020B0604030504040204" pitchFamily="34" charset="-128"/>
+                <a:cs typeface="Meiryo" panose="020B0604030504040204" pitchFamily="34" charset="-128"/>
+              </a:rPr>
+              <a:t>Quality</a:t>
+            </a:r>
+            <a:endParaRPr lang="en-US" altLang="zh-CN" sz="2800" dirty="0" smtClean="0">
+              <a:latin typeface="Meiryo" panose="020B0604030504040204" pitchFamily="34" charset="-128"/>
+              <a:ea typeface="Meiryo" panose="020B0604030504040204" pitchFamily="34" charset="-128"/>
+              <a:cs typeface="Meiryo" panose="020B0604030504040204" pitchFamily="34" charset="-128"/>
+            </a:endParaRPr>
+          </a:p>
+        </p:txBody>
+      </p:sp>
+    </p:spTree>
+    <p:extLst>
+      <p:ext uri="{BB962C8B-B14F-4D97-AF65-F5344CB8AC3E}">
+        <p14:creationId xmlns:p14="http://schemas.microsoft.com/office/powerpoint/2010/main" val="2151438303"/>
       </p:ext>
     </p:extLst>
   </p:cSld>
@@ -20757,6 +22344,479 @@
     <p:extLst>
       <p:ext uri="{BB962C8B-B14F-4D97-AF65-F5344CB8AC3E}">
         <p14:creationId xmlns:p14="http://schemas.microsoft.com/office/powerpoint/2010/main" val="2518753872"/>
+      </p:ext>
+    </p:extLst>
+  </p:cSld>
+  <p:clrMapOvr>
+    <a:masterClrMapping/>
+  </p:clrMapOvr>
+  <p:timing>
+    <p:tnLst>
+      <p:par>
+        <p:cTn id="1" dur="indefinite" restart="never" nodeType="tmRoot"/>
+      </p:par>
+    </p:tnLst>
+  </p:timing>
+</p:sld>
+</file>
+
+<file path=ppt/slides/slide50.xml><?xml version="1.0" encoding="utf-8"?>
+<p:sld xmlns:a="http://schemas.openxmlformats.org/drawingml/2006/main" xmlns:r="http://schemas.openxmlformats.org/officeDocument/2006/relationships" xmlns:p="http://schemas.openxmlformats.org/presentationml/2006/main">
+  <p:cSld>
+    <p:spTree>
+      <p:nvGrpSpPr>
+        <p:cNvPr id="1" name=""/>
+        <p:cNvGrpSpPr/>
+        <p:nvPr/>
+      </p:nvGrpSpPr>
+      <p:grpSpPr>
+        <a:xfrm>
+          <a:off x="0" y="0"/>
+          <a:ext cx="0" cy="0"/>
+          <a:chOff x="0" y="0"/>
+          <a:chExt cx="0" cy="0"/>
+        </a:xfrm>
+      </p:grpSpPr>
+      <p:sp>
+        <p:nvSpPr>
+          <p:cNvPr id="6" name="矩形 5"/>
+          <p:cNvSpPr/>
+          <p:nvPr/>
+        </p:nvSpPr>
+        <p:spPr>
+          <a:xfrm rot="877900">
+            <a:off x="2686836" y="-155824"/>
+            <a:ext cx="6186601" cy="6857999"/>
+          </a:xfrm>
+          <a:prstGeom prst="rect">
+            <a:avLst/>
+          </a:prstGeom>
+          <a:solidFill>
+            <a:schemeClr val="bg1">
+              <a:lumMod val="95000"/>
+            </a:schemeClr>
+          </a:solidFill>
+          <a:ln>
+            <a:noFill/>
+          </a:ln>
+        </p:spPr>
+        <p:style>
+          <a:lnRef idx="2">
+            <a:schemeClr val="accent1">
+              <a:shade val="50000"/>
+            </a:schemeClr>
+          </a:lnRef>
+          <a:fillRef idx="1">
+            <a:schemeClr val="accent1"/>
+          </a:fillRef>
+          <a:effectRef idx="0">
+            <a:schemeClr val="accent1"/>
+          </a:effectRef>
+          <a:fontRef idx="minor">
+            <a:schemeClr val="lt1"/>
+          </a:fontRef>
+        </p:style>
+        <p:txBody>
+          <a:bodyPr rtlCol="0" anchor="ctr"/>
+          <a:lstStyle/>
+          <a:p>
+            <a:pPr algn="ctr"/>
+            <a:endParaRPr lang="zh-CN" altLang="en-US"/>
+          </a:p>
+        </p:txBody>
+      </p:sp>
+      <p:sp>
+        <p:nvSpPr>
+          <p:cNvPr id="30" name="文本框 29"/>
+          <p:cNvSpPr txBox="1"/>
+          <p:nvPr/>
+        </p:nvSpPr>
+        <p:spPr>
+          <a:xfrm>
+            <a:off x="662538" y="294935"/>
+            <a:ext cx="9205361" cy="769441"/>
+          </a:xfrm>
+          <a:prstGeom prst="rect">
+            <a:avLst/>
+          </a:prstGeom>
+          <a:noFill/>
+        </p:spPr>
+        <p:txBody>
+          <a:bodyPr wrap="square" rtlCol="0">
+            <a:spAutoFit/>
+          </a:bodyPr>
+          <a:lstStyle/>
+          <a:p>
+            <a:r>
+              <a:rPr lang="en-US" altLang="zh-CN" sz="4400" b="1" dirty="0" smtClean="0">
+                <a:solidFill>
+                  <a:srgbClr val="00ABB4"/>
+                </a:solidFill>
+                <a:latin typeface="微软雅黑" panose="020B0503020204020204" pitchFamily="34" charset="-122"/>
+                <a:ea typeface="微软雅黑" panose="020B0503020204020204" pitchFamily="34" charset="-122"/>
+              </a:rPr>
+              <a:t>Results and Discussion</a:t>
+            </a:r>
+            <a:endParaRPr lang="en-US" altLang="zh-CN" sz="4400" b="1" dirty="0">
+              <a:solidFill>
+                <a:srgbClr val="00ABB4"/>
+              </a:solidFill>
+              <a:latin typeface="微软雅黑" panose="020B0503020204020204" pitchFamily="34" charset="-122"/>
+              <a:ea typeface="微软雅黑" panose="020B0503020204020204" pitchFamily="34" charset="-122"/>
+            </a:endParaRPr>
+          </a:p>
+        </p:txBody>
+      </p:sp>
+      <p:pic>
+        <p:nvPicPr>
+          <p:cNvPr id="11267" name="Picture 3"/>
+          <p:cNvPicPr>
+            <a:picLocks noChangeAspect="1" noChangeArrowheads="1"/>
+          </p:cNvPicPr>
+          <p:nvPr/>
+        </p:nvPicPr>
+        <p:blipFill>
+          <a:blip r:embed="rId3">
+            <a:extLst>
+              <a:ext uri="{28A0092B-C50C-407E-A947-70E740481C1C}">
+                <a14:useLocalDpi xmlns:a14="http://schemas.microsoft.com/office/drawing/2010/main" val="0"/>
+              </a:ext>
+            </a:extLst>
+          </a:blip>
+          <a:srcRect/>
+          <a:stretch>
+            <a:fillRect/>
+          </a:stretch>
+        </p:blipFill>
+        <p:spPr bwMode="auto">
+          <a:xfrm>
+            <a:off x="488235" y="1581150"/>
+            <a:ext cx="11458897" cy="4095750"/>
+          </a:xfrm>
+          <a:prstGeom prst="rect">
+            <a:avLst/>
+          </a:prstGeom>
+          <a:noFill/>
+          <a:ln>
+            <a:noFill/>
+          </a:ln>
+          <a:extLst>
+            <a:ext uri="{909E8E84-426E-40DD-AFC4-6F175D3DCCD1}">
+              <a14:hiddenFill xmlns:a14="http://schemas.microsoft.com/office/drawing/2010/main">
+                <a:solidFill>
+                  <a:schemeClr val="accent1"/>
+                </a:solidFill>
+              </a14:hiddenFill>
+            </a:ext>
+            <a:ext uri="{91240B29-F687-4F45-9708-019B960494DF}">
+              <a14:hiddenLine xmlns:a14="http://schemas.microsoft.com/office/drawing/2010/main" w="9525">
+                <a:solidFill>
+                  <a:schemeClr val="tx1"/>
+                </a:solidFill>
+                <a:miter lim="800000"/>
+                <a:headEnd/>
+                <a:tailEnd/>
+              </a14:hiddenLine>
+            </a:ext>
+          </a:extLst>
+        </p:spPr>
+      </p:pic>
+    </p:spTree>
+    <p:extLst>
+      <p:ext uri="{BB962C8B-B14F-4D97-AF65-F5344CB8AC3E}">
+        <p14:creationId xmlns:p14="http://schemas.microsoft.com/office/powerpoint/2010/main" val="2892802111"/>
+      </p:ext>
+    </p:extLst>
+  </p:cSld>
+  <p:clrMapOvr>
+    <a:masterClrMapping/>
+  </p:clrMapOvr>
+  <p:timing>
+    <p:tnLst>
+      <p:par>
+        <p:cTn id="1" dur="indefinite" restart="never" nodeType="tmRoot"/>
+      </p:par>
+    </p:tnLst>
+  </p:timing>
+</p:sld>
+</file>
+
+<file path=ppt/slides/slide51.xml><?xml version="1.0" encoding="utf-8"?>
+<p:sld xmlns:a="http://schemas.openxmlformats.org/drawingml/2006/main" xmlns:r="http://schemas.openxmlformats.org/officeDocument/2006/relationships" xmlns:p="http://schemas.openxmlformats.org/presentationml/2006/main">
+  <p:cSld>
+    <p:spTree>
+      <p:nvGrpSpPr>
+        <p:cNvPr id="1" name=""/>
+        <p:cNvGrpSpPr/>
+        <p:nvPr/>
+      </p:nvGrpSpPr>
+      <p:grpSpPr>
+        <a:xfrm>
+          <a:off x="0" y="0"/>
+          <a:ext cx="0" cy="0"/>
+          <a:chOff x="0" y="0"/>
+          <a:chExt cx="0" cy="0"/>
+        </a:xfrm>
+      </p:grpSpPr>
+      <p:sp>
+        <p:nvSpPr>
+          <p:cNvPr id="6" name="矩形 5"/>
+          <p:cNvSpPr/>
+          <p:nvPr/>
+        </p:nvSpPr>
+        <p:spPr>
+          <a:xfrm rot="877900">
+            <a:off x="2686836" y="-155824"/>
+            <a:ext cx="6186601" cy="6857999"/>
+          </a:xfrm>
+          <a:prstGeom prst="rect">
+            <a:avLst/>
+          </a:prstGeom>
+          <a:solidFill>
+            <a:schemeClr val="bg1">
+              <a:lumMod val="95000"/>
+            </a:schemeClr>
+          </a:solidFill>
+          <a:ln>
+            <a:noFill/>
+          </a:ln>
+        </p:spPr>
+        <p:style>
+          <a:lnRef idx="2">
+            <a:schemeClr val="accent1">
+              <a:shade val="50000"/>
+            </a:schemeClr>
+          </a:lnRef>
+          <a:fillRef idx="1">
+            <a:schemeClr val="accent1"/>
+          </a:fillRef>
+          <a:effectRef idx="0">
+            <a:schemeClr val="accent1"/>
+          </a:effectRef>
+          <a:fontRef idx="minor">
+            <a:schemeClr val="lt1"/>
+          </a:fontRef>
+        </p:style>
+        <p:txBody>
+          <a:bodyPr rtlCol="0" anchor="ctr"/>
+          <a:lstStyle/>
+          <a:p>
+            <a:pPr algn="ctr"/>
+            <a:endParaRPr lang="zh-CN" altLang="en-US"/>
+          </a:p>
+        </p:txBody>
+      </p:sp>
+      <p:sp>
+        <p:nvSpPr>
+          <p:cNvPr id="30" name="文本框 29"/>
+          <p:cNvSpPr txBox="1"/>
+          <p:nvPr/>
+        </p:nvSpPr>
+        <p:spPr>
+          <a:xfrm>
+            <a:off x="662538" y="294935"/>
+            <a:ext cx="9205361" cy="769441"/>
+          </a:xfrm>
+          <a:prstGeom prst="rect">
+            <a:avLst/>
+          </a:prstGeom>
+          <a:noFill/>
+        </p:spPr>
+        <p:txBody>
+          <a:bodyPr wrap="square" rtlCol="0">
+            <a:spAutoFit/>
+          </a:bodyPr>
+          <a:lstStyle/>
+          <a:p>
+            <a:r>
+              <a:rPr lang="en-US" altLang="zh-CN" sz="4400" b="1" dirty="0" smtClean="0">
+                <a:solidFill>
+                  <a:srgbClr val="00ABB4"/>
+                </a:solidFill>
+                <a:latin typeface="微软雅黑" panose="020B0503020204020204" pitchFamily="34" charset="-122"/>
+                <a:ea typeface="微软雅黑" panose="020B0503020204020204" pitchFamily="34" charset="-122"/>
+              </a:rPr>
+              <a:t>Results and Discussion</a:t>
+            </a:r>
+            <a:endParaRPr lang="en-US" altLang="zh-CN" sz="4400" b="1" dirty="0">
+              <a:solidFill>
+                <a:srgbClr val="00ABB4"/>
+              </a:solidFill>
+              <a:latin typeface="微软雅黑" panose="020B0503020204020204" pitchFamily="34" charset="-122"/>
+              <a:ea typeface="微软雅黑" panose="020B0503020204020204" pitchFamily="34" charset="-122"/>
+            </a:endParaRPr>
+          </a:p>
+        </p:txBody>
+      </p:sp>
+      <p:pic>
+        <p:nvPicPr>
+          <p:cNvPr id="14338" name="Picture 2"/>
+          <p:cNvPicPr>
+            <a:picLocks noChangeAspect="1" noChangeArrowheads="1"/>
+          </p:cNvPicPr>
+          <p:nvPr/>
+        </p:nvPicPr>
+        <p:blipFill>
+          <a:blip r:embed="rId3">
+            <a:extLst>
+              <a:ext uri="{28A0092B-C50C-407E-A947-70E740481C1C}">
+                <a14:useLocalDpi xmlns:a14="http://schemas.microsoft.com/office/drawing/2010/main" val="0"/>
+              </a:ext>
+            </a:extLst>
+          </a:blip>
+          <a:srcRect/>
+          <a:stretch>
+            <a:fillRect/>
+          </a:stretch>
+        </p:blipFill>
+        <p:spPr bwMode="auto">
+          <a:xfrm>
+            <a:off x="313754" y="2090738"/>
+            <a:ext cx="11706796" cy="2824162"/>
+          </a:xfrm>
+          <a:prstGeom prst="rect">
+            <a:avLst/>
+          </a:prstGeom>
+          <a:noFill/>
+          <a:ln>
+            <a:noFill/>
+          </a:ln>
+          <a:extLst>
+            <a:ext uri="{909E8E84-426E-40DD-AFC4-6F175D3DCCD1}">
+              <a14:hiddenFill xmlns:a14="http://schemas.microsoft.com/office/drawing/2010/main">
+                <a:solidFill>
+                  <a:schemeClr val="accent1"/>
+                </a:solidFill>
+              </a14:hiddenFill>
+            </a:ext>
+            <a:ext uri="{91240B29-F687-4F45-9708-019B960494DF}">
+              <a14:hiddenLine xmlns:a14="http://schemas.microsoft.com/office/drawing/2010/main" w="9525">
+                <a:solidFill>
+                  <a:schemeClr val="tx1"/>
+                </a:solidFill>
+                <a:miter lim="800000"/>
+                <a:headEnd/>
+                <a:tailEnd/>
+              </a14:hiddenLine>
+            </a:ext>
+          </a:extLst>
+        </p:spPr>
+      </p:pic>
+    </p:spTree>
+    <p:extLst>
+      <p:ext uri="{BB962C8B-B14F-4D97-AF65-F5344CB8AC3E}">
+        <p14:creationId xmlns:p14="http://schemas.microsoft.com/office/powerpoint/2010/main" val="1999904682"/>
+      </p:ext>
+    </p:extLst>
+  </p:cSld>
+  <p:clrMapOvr>
+    <a:masterClrMapping/>
+  </p:clrMapOvr>
+  <p:timing>
+    <p:tnLst>
+      <p:par>
+        <p:cTn id="1" dur="indefinite" restart="never" nodeType="tmRoot"/>
+      </p:par>
+    </p:tnLst>
+  </p:timing>
+</p:sld>
+</file>
+
+<file path=ppt/slides/slide52.xml><?xml version="1.0" encoding="utf-8"?>
+<p:sld xmlns:a="http://schemas.openxmlformats.org/drawingml/2006/main" xmlns:r="http://schemas.openxmlformats.org/officeDocument/2006/relationships" xmlns:p="http://schemas.openxmlformats.org/presentationml/2006/main">
+  <p:cSld>
+    <p:spTree>
+      <p:nvGrpSpPr>
+        <p:cNvPr id="1" name=""/>
+        <p:cNvGrpSpPr/>
+        <p:nvPr/>
+      </p:nvGrpSpPr>
+      <p:grpSpPr>
+        <a:xfrm>
+          <a:off x="0" y="0"/>
+          <a:ext cx="0" cy="0"/>
+          <a:chOff x="0" y="0"/>
+          <a:chExt cx="0" cy="0"/>
+        </a:xfrm>
+      </p:grpSpPr>
+      <p:sp>
+        <p:nvSpPr>
+          <p:cNvPr id="3" name="文本框 2"/>
+          <p:cNvSpPr txBox="1"/>
+          <p:nvPr/>
+        </p:nvSpPr>
+        <p:spPr>
+          <a:xfrm>
+            <a:off x="3578357" y="2333008"/>
+            <a:ext cx="5044714" cy="1015663"/>
+          </a:xfrm>
+          <a:prstGeom prst="rect">
+            <a:avLst/>
+          </a:prstGeom>
+          <a:noFill/>
+        </p:spPr>
+        <p:txBody>
+          <a:bodyPr wrap="none" rtlCol="0">
+            <a:spAutoFit/>
+          </a:bodyPr>
+          <a:lstStyle/>
+          <a:p>
+            <a:pPr algn="ctr"/>
+            <a:r>
+              <a:rPr lang="en-US" altLang="zh-CN" sz="6000" b="1" dirty="0" smtClean="0">
+                <a:solidFill>
+                  <a:schemeClr val="accent2"/>
+                </a:solidFill>
+                <a:effectLst>
+                  <a:outerShdw blurRad="38100" dist="38100" dir="2700000" algn="tl">
+                    <a:srgbClr val="000000">
+                      <a:alpha val="43137"/>
+                    </a:srgbClr>
+                  </a:outerShdw>
+                </a:effectLst>
+                <a:latin typeface="微软雅黑" panose="020B0503020204020204" pitchFamily="34" charset="-122"/>
+                <a:ea typeface="微软雅黑" panose="020B0503020204020204" pitchFamily="34" charset="-122"/>
+              </a:rPr>
+              <a:t>Thank you </a:t>
+            </a:r>
+            <a:r>
+              <a:rPr lang="en-US" altLang="zh-CN" sz="6000" b="1" dirty="0" smtClean="0">
+                <a:solidFill>
+                  <a:schemeClr val="accent2"/>
+                </a:solidFill>
+                <a:effectLst>
+                  <a:outerShdw blurRad="38100" dist="38100" dir="2700000" algn="tl">
+                    <a:srgbClr val="000000">
+                      <a:alpha val="43137"/>
+                    </a:srgbClr>
+                  </a:outerShdw>
+                </a:effectLst>
+                <a:latin typeface="微软雅黑" panose="020B0503020204020204" pitchFamily="34" charset="-122"/>
+                <a:ea typeface="微软雅黑" panose="020B0503020204020204" pitchFamily="34" charset="-122"/>
+              </a:rPr>
+              <a:t>~</a:t>
+            </a:r>
+            <a:endParaRPr lang="en-US" altLang="zh-CN" sz="6000" b="1" dirty="0">
+              <a:solidFill>
+                <a:schemeClr val="accent2"/>
+              </a:solidFill>
+              <a:effectLst>
+                <a:outerShdw blurRad="38100" dist="38100" dir="2700000" algn="tl">
+                  <a:srgbClr val="000000">
+                    <a:alpha val="43137"/>
+                  </a:srgbClr>
+                </a:outerShdw>
+              </a:effectLst>
+              <a:latin typeface="微软雅黑" panose="020B0503020204020204" pitchFamily="34" charset="-122"/>
+              <a:ea typeface="微软雅黑" panose="020B0503020204020204" pitchFamily="34" charset="-122"/>
+            </a:endParaRPr>
+          </a:p>
+        </p:txBody>
+      </p:sp>
+    </p:spTree>
+    <p:extLst>
+      <p:ext uri="{BB962C8B-B14F-4D97-AF65-F5344CB8AC3E}">
+        <p14:creationId xmlns:p14="http://schemas.microsoft.com/office/powerpoint/2010/main" val="3711594375"/>
       </p:ext>
     </p:extLst>
   </p:cSld>

--- a/ComputerVision.pptx
+++ b/ComputerVision.pptx
@@ -5,7 +5,7 @@
     <p:sldMasterId id="2147483648" r:id="rId1"/>
   </p:sldMasterIdLst>
   <p:notesMasterIdLst>
-    <p:notesMasterId r:id="rId54"/>
+    <p:notesMasterId r:id="rId64"/>
   </p:notesMasterIdLst>
   <p:sldIdLst>
     <p:sldId id="442" r:id="rId2"/>
@@ -53,13 +53,23 @@
     <p:sldId id="517" r:id="rId44"/>
     <p:sldId id="516" r:id="rId45"/>
     <p:sldId id="520" r:id="rId46"/>
-    <p:sldId id="518" r:id="rId47"/>
-    <p:sldId id="519" r:id="rId48"/>
-    <p:sldId id="525" r:id="rId49"/>
-    <p:sldId id="526" r:id="rId50"/>
-    <p:sldId id="523" r:id="rId51"/>
-    <p:sldId id="524" r:id="rId52"/>
-    <p:sldId id="303" r:id="rId53"/>
+    <p:sldId id="523" r:id="rId47"/>
+    <p:sldId id="518" r:id="rId48"/>
+    <p:sldId id="519" r:id="rId49"/>
+    <p:sldId id="525" r:id="rId50"/>
+    <p:sldId id="526" r:id="rId51"/>
+    <p:sldId id="528" r:id="rId52"/>
+    <p:sldId id="524" r:id="rId53"/>
+    <p:sldId id="529" r:id="rId54"/>
+    <p:sldId id="530" r:id="rId55"/>
+    <p:sldId id="531" r:id="rId56"/>
+    <p:sldId id="533" r:id="rId57"/>
+    <p:sldId id="534" r:id="rId58"/>
+    <p:sldId id="536" r:id="rId59"/>
+    <p:sldId id="535" r:id="rId60"/>
+    <p:sldId id="537" r:id="rId61"/>
+    <p:sldId id="527" r:id="rId62"/>
+    <p:sldId id="303" r:id="rId63"/>
   </p:sldIdLst>
   <p:sldSz cx="12192000" cy="6858000"/>
   <p:notesSz cx="6858000" cy="9144000"/>
@@ -4016,7 +4026,7 @@
     </p:spTree>
     <p:extLst>
       <p:ext uri="{BB962C8B-B14F-4D97-AF65-F5344CB8AC3E}">
-        <p14:creationId xmlns:p14="http://schemas.microsoft.com/office/powerpoint/2010/main" val="2904033859"/>
+        <p14:creationId xmlns:p14="http://schemas.microsoft.com/office/powerpoint/2010/main" val="3776015239"/>
       </p:ext>
     </p:extLst>
   </p:cSld>
@@ -4100,7 +4110,7 @@
     </p:spTree>
     <p:extLst>
       <p:ext uri="{BB962C8B-B14F-4D97-AF65-F5344CB8AC3E}">
-        <p14:creationId xmlns:p14="http://schemas.microsoft.com/office/powerpoint/2010/main" val="3776015239"/>
+        <p14:creationId xmlns:p14="http://schemas.microsoft.com/office/powerpoint/2010/main" val="2904033859"/>
       </p:ext>
     </p:extLst>
   </p:cSld>
@@ -4530,6 +4540,678 @@
 </p:notes>
 </file>
 
+<file path=ppt/notesSlides/notesSlide52.xml><?xml version="1.0" encoding="utf-8"?>
+<p:notes xmlns:a="http://schemas.openxmlformats.org/drawingml/2006/main" xmlns:r="http://schemas.openxmlformats.org/officeDocument/2006/relationships" xmlns:p="http://schemas.openxmlformats.org/presentationml/2006/main">
+  <p:cSld>
+    <p:spTree>
+      <p:nvGrpSpPr>
+        <p:cNvPr id="1" name=""/>
+        <p:cNvGrpSpPr/>
+        <p:nvPr/>
+      </p:nvGrpSpPr>
+      <p:grpSpPr>
+        <a:xfrm>
+          <a:off x="0" y="0"/>
+          <a:ext cx="0" cy="0"/>
+          <a:chOff x="0" y="0"/>
+          <a:chExt cx="0" cy="0"/>
+        </a:xfrm>
+      </p:grpSpPr>
+      <p:sp>
+        <p:nvSpPr>
+          <p:cNvPr id="2" name="幻灯片图像占位符 1"/>
+          <p:cNvSpPr>
+            <a:spLocks noGrp="1" noRot="1" noChangeAspect="1"/>
+          </p:cNvSpPr>
+          <p:nvPr>
+            <p:ph type="sldImg"/>
+          </p:nvPr>
+        </p:nvSpPr>
+        <p:spPr/>
+      </p:sp>
+      <p:sp>
+        <p:nvSpPr>
+          <p:cNvPr id="3" name="备注占位符 2"/>
+          <p:cNvSpPr>
+            <a:spLocks noGrp="1"/>
+          </p:cNvSpPr>
+          <p:nvPr>
+            <p:ph type="body" idx="1"/>
+          </p:nvPr>
+        </p:nvSpPr>
+        <p:spPr/>
+        <p:txBody>
+          <a:bodyPr/>
+          <a:lstStyle/>
+          <a:p>
+            <a:endParaRPr lang="zh-CN" altLang="en-US" dirty="0"/>
+          </a:p>
+        </p:txBody>
+      </p:sp>
+      <p:sp>
+        <p:nvSpPr>
+          <p:cNvPr id="4" name="灯片编号占位符 3"/>
+          <p:cNvSpPr>
+            <a:spLocks noGrp="1"/>
+          </p:cNvSpPr>
+          <p:nvPr>
+            <p:ph type="sldNum" sz="quarter" idx="10"/>
+          </p:nvPr>
+        </p:nvSpPr>
+        <p:spPr/>
+        <p:txBody>
+          <a:bodyPr/>
+          <a:lstStyle/>
+          <a:p>
+            <a:fld id="{DD202784-B46A-4EF4-B218-4316F9133D14}" type="slidenum">
+              <a:rPr lang="zh-CN" altLang="en-US" smtClean="0"/>
+              <a:t>52</a:t>
+            </a:fld>
+            <a:endParaRPr lang="zh-CN" altLang="en-US"/>
+          </a:p>
+        </p:txBody>
+      </p:sp>
+    </p:spTree>
+    <p:extLst>
+      <p:ext uri="{BB962C8B-B14F-4D97-AF65-F5344CB8AC3E}">
+        <p14:creationId xmlns:p14="http://schemas.microsoft.com/office/powerpoint/2010/main" val="3776015239"/>
+      </p:ext>
+    </p:extLst>
+  </p:cSld>
+  <p:clrMapOvr>
+    <a:masterClrMapping/>
+  </p:clrMapOvr>
+</p:notes>
+</file>
+
+<file path=ppt/notesSlides/notesSlide53.xml><?xml version="1.0" encoding="utf-8"?>
+<p:notes xmlns:a="http://schemas.openxmlformats.org/drawingml/2006/main" xmlns:r="http://schemas.openxmlformats.org/officeDocument/2006/relationships" xmlns:p="http://schemas.openxmlformats.org/presentationml/2006/main">
+  <p:cSld>
+    <p:spTree>
+      <p:nvGrpSpPr>
+        <p:cNvPr id="1" name=""/>
+        <p:cNvGrpSpPr/>
+        <p:nvPr/>
+      </p:nvGrpSpPr>
+      <p:grpSpPr>
+        <a:xfrm>
+          <a:off x="0" y="0"/>
+          <a:ext cx="0" cy="0"/>
+          <a:chOff x="0" y="0"/>
+          <a:chExt cx="0" cy="0"/>
+        </a:xfrm>
+      </p:grpSpPr>
+      <p:sp>
+        <p:nvSpPr>
+          <p:cNvPr id="2" name="幻灯片图像占位符 1"/>
+          <p:cNvSpPr>
+            <a:spLocks noGrp="1" noRot="1" noChangeAspect="1"/>
+          </p:cNvSpPr>
+          <p:nvPr>
+            <p:ph type="sldImg"/>
+          </p:nvPr>
+        </p:nvSpPr>
+        <p:spPr/>
+      </p:sp>
+      <p:sp>
+        <p:nvSpPr>
+          <p:cNvPr id="3" name="备注占位符 2"/>
+          <p:cNvSpPr>
+            <a:spLocks noGrp="1"/>
+          </p:cNvSpPr>
+          <p:nvPr>
+            <p:ph type="body" idx="1"/>
+          </p:nvPr>
+        </p:nvSpPr>
+        <p:spPr/>
+        <p:txBody>
+          <a:bodyPr/>
+          <a:lstStyle/>
+          <a:p>
+            <a:endParaRPr lang="zh-CN" altLang="en-US" dirty="0"/>
+          </a:p>
+        </p:txBody>
+      </p:sp>
+      <p:sp>
+        <p:nvSpPr>
+          <p:cNvPr id="4" name="灯片编号占位符 3"/>
+          <p:cNvSpPr>
+            <a:spLocks noGrp="1"/>
+          </p:cNvSpPr>
+          <p:nvPr>
+            <p:ph type="sldNum" sz="quarter" idx="10"/>
+          </p:nvPr>
+        </p:nvSpPr>
+        <p:spPr/>
+        <p:txBody>
+          <a:bodyPr/>
+          <a:lstStyle/>
+          <a:p>
+            <a:fld id="{DD202784-B46A-4EF4-B218-4316F9133D14}" type="slidenum">
+              <a:rPr lang="zh-CN" altLang="en-US" smtClean="0"/>
+              <a:t>53</a:t>
+            </a:fld>
+            <a:endParaRPr lang="zh-CN" altLang="en-US"/>
+          </a:p>
+        </p:txBody>
+      </p:sp>
+    </p:spTree>
+    <p:extLst>
+      <p:ext uri="{BB962C8B-B14F-4D97-AF65-F5344CB8AC3E}">
+        <p14:creationId xmlns:p14="http://schemas.microsoft.com/office/powerpoint/2010/main" val="3776015239"/>
+      </p:ext>
+    </p:extLst>
+  </p:cSld>
+  <p:clrMapOvr>
+    <a:masterClrMapping/>
+  </p:clrMapOvr>
+</p:notes>
+</file>
+
+<file path=ppt/notesSlides/notesSlide54.xml><?xml version="1.0" encoding="utf-8"?>
+<p:notes xmlns:a="http://schemas.openxmlformats.org/drawingml/2006/main" xmlns:r="http://schemas.openxmlformats.org/officeDocument/2006/relationships" xmlns:p="http://schemas.openxmlformats.org/presentationml/2006/main">
+  <p:cSld>
+    <p:spTree>
+      <p:nvGrpSpPr>
+        <p:cNvPr id="1" name=""/>
+        <p:cNvGrpSpPr/>
+        <p:nvPr/>
+      </p:nvGrpSpPr>
+      <p:grpSpPr>
+        <a:xfrm>
+          <a:off x="0" y="0"/>
+          <a:ext cx="0" cy="0"/>
+          <a:chOff x="0" y="0"/>
+          <a:chExt cx="0" cy="0"/>
+        </a:xfrm>
+      </p:grpSpPr>
+      <p:sp>
+        <p:nvSpPr>
+          <p:cNvPr id="2" name="幻灯片图像占位符 1"/>
+          <p:cNvSpPr>
+            <a:spLocks noGrp="1" noRot="1" noChangeAspect="1"/>
+          </p:cNvSpPr>
+          <p:nvPr>
+            <p:ph type="sldImg"/>
+          </p:nvPr>
+        </p:nvSpPr>
+        <p:spPr/>
+      </p:sp>
+      <p:sp>
+        <p:nvSpPr>
+          <p:cNvPr id="3" name="备注占位符 2"/>
+          <p:cNvSpPr>
+            <a:spLocks noGrp="1"/>
+          </p:cNvSpPr>
+          <p:nvPr>
+            <p:ph type="body" idx="1"/>
+          </p:nvPr>
+        </p:nvSpPr>
+        <p:spPr/>
+        <p:txBody>
+          <a:bodyPr/>
+          <a:lstStyle/>
+          <a:p>
+            <a:endParaRPr lang="zh-CN" altLang="en-US" dirty="0"/>
+          </a:p>
+        </p:txBody>
+      </p:sp>
+      <p:sp>
+        <p:nvSpPr>
+          <p:cNvPr id="4" name="灯片编号占位符 3"/>
+          <p:cNvSpPr>
+            <a:spLocks noGrp="1"/>
+          </p:cNvSpPr>
+          <p:nvPr>
+            <p:ph type="sldNum" sz="quarter" idx="10"/>
+          </p:nvPr>
+        </p:nvSpPr>
+        <p:spPr/>
+        <p:txBody>
+          <a:bodyPr/>
+          <a:lstStyle/>
+          <a:p>
+            <a:fld id="{DD202784-B46A-4EF4-B218-4316F9133D14}" type="slidenum">
+              <a:rPr lang="zh-CN" altLang="en-US" smtClean="0"/>
+              <a:t>54</a:t>
+            </a:fld>
+            <a:endParaRPr lang="zh-CN" altLang="en-US"/>
+          </a:p>
+        </p:txBody>
+      </p:sp>
+    </p:spTree>
+    <p:extLst>
+      <p:ext uri="{BB962C8B-B14F-4D97-AF65-F5344CB8AC3E}">
+        <p14:creationId xmlns:p14="http://schemas.microsoft.com/office/powerpoint/2010/main" val="3776015239"/>
+      </p:ext>
+    </p:extLst>
+  </p:cSld>
+  <p:clrMapOvr>
+    <a:masterClrMapping/>
+  </p:clrMapOvr>
+</p:notes>
+</file>
+
+<file path=ppt/notesSlides/notesSlide55.xml><?xml version="1.0" encoding="utf-8"?>
+<p:notes xmlns:a="http://schemas.openxmlformats.org/drawingml/2006/main" xmlns:r="http://schemas.openxmlformats.org/officeDocument/2006/relationships" xmlns:p="http://schemas.openxmlformats.org/presentationml/2006/main">
+  <p:cSld>
+    <p:spTree>
+      <p:nvGrpSpPr>
+        <p:cNvPr id="1" name=""/>
+        <p:cNvGrpSpPr/>
+        <p:nvPr/>
+      </p:nvGrpSpPr>
+      <p:grpSpPr>
+        <a:xfrm>
+          <a:off x="0" y="0"/>
+          <a:ext cx="0" cy="0"/>
+          <a:chOff x="0" y="0"/>
+          <a:chExt cx="0" cy="0"/>
+        </a:xfrm>
+      </p:grpSpPr>
+      <p:sp>
+        <p:nvSpPr>
+          <p:cNvPr id="2" name="幻灯片图像占位符 1"/>
+          <p:cNvSpPr>
+            <a:spLocks noGrp="1" noRot="1" noChangeAspect="1"/>
+          </p:cNvSpPr>
+          <p:nvPr>
+            <p:ph type="sldImg"/>
+          </p:nvPr>
+        </p:nvSpPr>
+        <p:spPr/>
+      </p:sp>
+      <p:sp>
+        <p:nvSpPr>
+          <p:cNvPr id="3" name="备注占位符 2"/>
+          <p:cNvSpPr>
+            <a:spLocks noGrp="1"/>
+          </p:cNvSpPr>
+          <p:nvPr>
+            <p:ph type="body" idx="1"/>
+          </p:nvPr>
+        </p:nvSpPr>
+        <p:spPr/>
+        <p:txBody>
+          <a:bodyPr/>
+          <a:lstStyle/>
+          <a:p>
+            <a:endParaRPr lang="zh-CN" altLang="en-US" dirty="0"/>
+          </a:p>
+        </p:txBody>
+      </p:sp>
+      <p:sp>
+        <p:nvSpPr>
+          <p:cNvPr id="4" name="灯片编号占位符 3"/>
+          <p:cNvSpPr>
+            <a:spLocks noGrp="1"/>
+          </p:cNvSpPr>
+          <p:nvPr>
+            <p:ph type="sldNum" sz="quarter" idx="10"/>
+          </p:nvPr>
+        </p:nvSpPr>
+        <p:spPr/>
+        <p:txBody>
+          <a:bodyPr/>
+          <a:lstStyle/>
+          <a:p>
+            <a:fld id="{DD202784-B46A-4EF4-B218-4316F9133D14}" type="slidenum">
+              <a:rPr lang="zh-CN" altLang="en-US" smtClean="0"/>
+              <a:t>55</a:t>
+            </a:fld>
+            <a:endParaRPr lang="zh-CN" altLang="en-US"/>
+          </a:p>
+        </p:txBody>
+      </p:sp>
+    </p:spTree>
+    <p:extLst>
+      <p:ext uri="{BB962C8B-B14F-4D97-AF65-F5344CB8AC3E}">
+        <p14:creationId xmlns:p14="http://schemas.microsoft.com/office/powerpoint/2010/main" val="3776015239"/>
+      </p:ext>
+    </p:extLst>
+  </p:cSld>
+  <p:clrMapOvr>
+    <a:masterClrMapping/>
+  </p:clrMapOvr>
+</p:notes>
+</file>
+
+<file path=ppt/notesSlides/notesSlide56.xml><?xml version="1.0" encoding="utf-8"?>
+<p:notes xmlns:a="http://schemas.openxmlformats.org/drawingml/2006/main" xmlns:r="http://schemas.openxmlformats.org/officeDocument/2006/relationships" xmlns:p="http://schemas.openxmlformats.org/presentationml/2006/main">
+  <p:cSld>
+    <p:spTree>
+      <p:nvGrpSpPr>
+        <p:cNvPr id="1" name=""/>
+        <p:cNvGrpSpPr/>
+        <p:nvPr/>
+      </p:nvGrpSpPr>
+      <p:grpSpPr>
+        <a:xfrm>
+          <a:off x="0" y="0"/>
+          <a:ext cx="0" cy="0"/>
+          <a:chOff x="0" y="0"/>
+          <a:chExt cx="0" cy="0"/>
+        </a:xfrm>
+      </p:grpSpPr>
+      <p:sp>
+        <p:nvSpPr>
+          <p:cNvPr id="2" name="幻灯片图像占位符 1"/>
+          <p:cNvSpPr>
+            <a:spLocks noGrp="1" noRot="1" noChangeAspect="1"/>
+          </p:cNvSpPr>
+          <p:nvPr>
+            <p:ph type="sldImg"/>
+          </p:nvPr>
+        </p:nvSpPr>
+        <p:spPr/>
+      </p:sp>
+      <p:sp>
+        <p:nvSpPr>
+          <p:cNvPr id="3" name="备注占位符 2"/>
+          <p:cNvSpPr>
+            <a:spLocks noGrp="1"/>
+          </p:cNvSpPr>
+          <p:nvPr>
+            <p:ph type="body" idx="1"/>
+          </p:nvPr>
+        </p:nvSpPr>
+        <p:spPr/>
+        <p:txBody>
+          <a:bodyPr/>
+          <a:lstStyle/>
+          <a:p>
+            <a:endParaRPr lang="zh-CN" altLang="en-US" dirty="0"/>
+          </a:p>
+        </p:txBody>
+      </p:sp>
+      <p:sp>
+        <p:nvSpPr>
+          <p:cNvPr id="4" name="灯片编号占位符 3"/>
+          <p:cNvSpPr>
+            <a:spLocks noGrp="1"/>
+          </p:cNvSpPr>
+          <p:nvPr>
+            <p:ph type="sldNum" sz="quarter" idx="10"/>
+          </p:nvPr>
+        </p:nvSpPr>
+        <p:spPr/>
+        <p:txBody>
+          <a:bodyPr/>
+          <a:lstStyle/>
+          <a:p>
+            <a:fld id="{DD202784-B46A-4EF4-B218-4316F9133D14}" type="slidenum">
+              <a:rPr lang="zh-CN" altLang="en-US" smtClean="0"/>
+              <a:t>56</a:t>
+            </a:fld>
+            <a:endParaRPr lang="zh-CN" altLang="en-US"/>
+          </a:p>
+        </p:txBody>
+      </p:sp>
+    </p:spTree>
+    <p:extLst>
+      <p:ext uri="{BB962C8B-B14F-4D97-AF65-F5344CB8AC3E}">
+        <p14:creationId xmlns:p14="http://schemas.microsoft.com/office/powerpoint/2010/main" val="3776015239"/>
+      </p:ext>
+    </p:extLst>
+  </p:cSld>
+  <p:clrMapOvr>
+    <a:masterClrMapping/>
+  </p:clrMapOvr>
+</p:notes>
+</file>
+
+<file path=ppt/notesSlides/notesSlide57.xml><?xml version="1.0" encoding="utf-8"?>
+<p:notes xmlns:a="http://schemas.openxmlformats.org/drawingml/2006/main" xmlns:r="http://schemas.openxmlformats.org/officeDocument/2006/relationships" xmlns:p="http://schemas.openxmlformats.org/presentationml/2006/main">
+  <p:cSld>
+    <p:spTree>
+      <p:nvGrpSpPr>
+        <p:cNvPr id="1" name=""/>
+        <p:cNvGrpSpPr/>
+        <p:nvPr/>
+      </p:nvGrpSpPr>
+      <p:grpSpPr>
+        <a:xfrm>
+          <a:off x="0" y="0"/>
+          <a:ext cx="0" cy="0"/>
+          <a:chOff x="0" y="0"/>
+          <a:chExt cx="0" cy="0"/>
+        </a:xfrm>
+      </p:grpSpPr>
+      <p:sp>
+        <p:nvSpPr>
+          <p:cNvPr id="2" name="幻灯片图像占位符 1"/>
+          <p:cNvSpPr>
+            <a:spLocks noGrp="1" noRot="1" noChangeAspect="1"/>
+          </p:cNvSpPr>
+          <p:nvPr>
+            <p:ph type="sldImg"/>
+          </p:nvPr>
+        </p:nvSpPr>
+        <p:spPr/>
+      </p:sp>
+      <p:sp>
+        <p:nvSpPr>
+          <p:cNvPr id="3" name="备注占位符 2"/>
+          <p:cNvSpPr>
+            <a:spLocks noGrp="1"/>
+          </p:cNvSpPr>
+          <p:nvPr>
+            <p:ph type="body" idx="1"/>
+          </p:nvPr>
+        </p:nvSpPr>
+        <p:spPr/>
+        <p:txBody>
+          <a:bodyPr/>
+          <a:lstStyle/>
+          <a:p>
+            <a:endParaRPr lang="zh-CN" altLang="en-US" dirty="0"/>
+          </a:p>
+        </p:txBody>
+      </p:sp>
+      <p:sp>
+        <p:nvSpPr>
+          <p:cNvPr id="4" name="灯片编号占位符 3"/>
+          <p:cNvSpPr>
+            <a:spLocks noGrp="1"/>
+          </p:cNvSpPr>
+          <p:nvPr>
+            <p:ph type="sldNum" sz="quarter" idx="10"/>
+          </p:nvPr>
+        </p:nvSpPr>
+        <p:spPr/>
+        <p:txBody>
+          <a:bodyPr/>
+          <a:lstStyle/>
+          <a:p>
+            <a:fld id="{DD202784-B46A-4EF4-B218-4316F9133D14}" type="slidenum">
+              <a:rPr lang="zh-CN" altLang="en-US" smtClean="0"/>
+              <a:t>57</a:t>
+            </a:fld>
+            <a:endParaRPr lang="zh-CN" altLang="en-US"/>
+          </a:p>
+        </p:txBody>
+      </p:sp>
+    </p:spTree>
+    <p:extLst>
+      <p:ext uri="{BB962C8B-B14F-4D97-AF65-F5344CB8AC3E}">
+        <p14:creationId xmlns:p14="http://schemas.microsoft.com/office/powerpoint/2010/main" val="3776015239"/>
+      </p:ext>
+    </p:extLst>
+  </p:cSld>
+  <p:clrMapOvr>
+    <a:masterClrMapping/>
+  </p:clrMapOvr>
+</p:notes>
+</file>
+
+<file path=ppt/notesSlides/notesSlide58.xml><?xml version="1.0" encoding="utf-8"?>
+<p:notes xmlns:a="http://schemas.openxmlformats.org/drawingml/2006/main" xmlns:r="http://schemas.openxmlformats.org/officeDocument/2006/relationships" xmlns:p="http://schemas.openxmlformats.org/presentationml/2006/main">
+  <p:cSld>
+    <p:spTree>
+      <p:nvGrpSpPr>
+        <p:cNvPr id="1" name=""/>
+        <p:cNvGrpSpPr/>
+        <p:nvPr/>
+      </p:nvGrpSpPr>
+      <p:grpSpPr>
+        <a:xfrm>
+          <a:off x="0" y="0"/>
+          <a:ext cx="0" cy="0"/>
+          <a:chOff x="0" y="0"/>
+          <a:chExt cx="0" cy="0"/>
+        </a:xfrm>
+      </p:grpSpPr>
+      <p:sp>
+        <p:nvSpPr>
+          <p:cNvPr id="2" name="幻灯片图像占位符 1"/>
+          <p:cNvSpPr>
+            <a:spLocks noGrp="1" noRot="1" noChangeAspect="1"/>
+          </p:cNvSpPr>
+          <p:nvPr>
+            <p:ph type="sldImg"/>
+          </p:nvPr>
+        </p:nvSpPr>
+        <p:spPr/>
+      </p:sp>
+      <p:sp>
+        <p:nvSpPr>
+          <p:cNvPr id="3" name="备注占位符 2"/>
+          <p:cNvSpPr>
+            <a:spLocks noGrp="1"/>
+          </p:cNvSpPr>
+          <p:nvPr>
+            <p:ph type="body" idx="1"/>
+          </p:nvPr>
+        </p:nvSpPr>
+        <p:spPr/>
+        <p:txBody>
+          <a:bodyPr/>
+          <a:lstStyle/>
+          <a:p>
+            <a:endParaRPr lang="zh-CN" altLang="en-US" dirty="0"/>
+          </a:p>
+        </p:txBody>
+      </p:sp>
+      <p:sp>
+        <p:nvSpPr>
+          <p:cNvPr id="4" name="灯片编号占位符 3"/>
+          <p:cNvSpPr>
+            <a:spLocks noGrp="1"/>
+          </p:cNvSpPr>
+          <p:nvPr>
+            <p:ph type="sldNum" sz="quarter" idx="10"/>
+          </p:nvPr>
+        </p:nvSpPr>
+        <p:spPr/>
+        <p:txBody>
+          <a:bodyPr/>
+          <a:lstStyle/>
+          <a:p>
+            <a:fld id="{DD202784-B46A-4EF4-B218-4316F9133D14}" type="slidenum">
+              <a:rPr lang="zh-CN" altLang="en-US" smtClean="0"/>
+              <a:t>58</a:t>
+            </a:fld>
+            <a:endParaRPr lang="zh-CN" altLang="en-US"/>
+          </a:p>
+        </p:txBody>
+      </p:sp>
+    </p:spTree>
+    <p:extLst>
+      <p:ext uri="{BB962C8B-B14F-4D97-AF65-F5344CB8AC3E}">
+        <p14:creationId xmlns:p14="http://schemas.microsoft.com/office/powerpoint/2010/main" val="3776015239"/>
+      </p:ext>
+    </p:extLst>
+  </p:cSld>
+  <p:clrMapOvr>
+    <a:masterClrMapping/>
+  </p:clrMapOvr>
+</p:notes>
+</file>
+
+<file path=ppt/notesSlides/notesSlide59.xml><?xml version="1.0" encoding="utf-8"?>
+<p:notes xmlns:a="http://schemas.openxmlformats.org/drawingml/2006/main" xmlns:r="http://schemas.openxmlformats.org/officeDocument/2006/relationships" xmlns:p="http://schemas.openxmlformats.org/presentationml/2006/main">
+  <p:cSld>
+    <p:spTree>
+      <p:nvGrpSpPr>
+        <p:cNvPr id="1" name=""/>
+        <p:cNvGrpSpPr/>
+        <p:nvPr/>
+      </p:nvGrpSpPr>
+      <p:grpSpPr>
+        <a:xfrm>
+          <a:off x="0" y="0"/>
+          <a:ext cx="0" cy="0"/>
+          <a:chOff x="0" y="0"/>
+          <a:chExt cx="0" cy="0"/>
+        </a:xfrm>
+      </p:grpSpPr>
+      <p:sp>
+        <p:nvSpPr>
+          <p:cNvPr id="2" name="幻灯片图像占位符 1"/>
+          <p:cNvSpPr>
+            <a:spLocks noGrp="1" noRot="1" noChangeAspect="1"/>
+          </p:cNvSpPr>
+          <p:nvPr>
+            <p:ph type="sldImg"/>
+          </p:nvPr>
+        </p:nvSpPr>
+        <p:spPr/>
+      </p:sp>
+      <p:sp>
+        <p:nvSpPr>
+          <p:cNvPr id="3" name="备注占位符 2"/>
+          <p:cNvSpPr>
+            <a:spLocks noGrp="1"/>
+          </p:cNvSpPr>
+          <p:nvPr>
+            <p:ph type="body" idx="1"/>
+          </p:nvPr>
+        </p:nvSpPr>
+        <p:spPr/>
+        <p:txBody>
+          <a:bodyPr/>
+          <a:lstStyle/>
+          <a:p>
+            <a:endParaRPr lang="zh-CN" altLang="en-US" dirty="0"/>
+          </a:p>
+        </p:txBody>
+      </p:sp>
+      <p:sp>
+        <p:nvSpPr>
+          <p:cNvPr id="4" name="灯片编号占位符 3"/>
+          <p:cNvSpPr>
+            <a:spLocks noGrp="1"/>
+          </p:cNvSpPr>
+          <p:nvPr>
+            <p:ph type="sldNum" sz="quarter" idx="10"/>
+          </p:nvPr>
+        </p:nvSpPr>
+        <p:spPr/>
+        <p:txBody>
+          <a:bodyPr/>
+          <a:lstStyle/>
+          <a:p>
+            <a:fld id="{DD202784-B46A-4EF4-B218-4316F9133D14}" type="slidenum">
+              <a:rPr lang="zh-CN" altLang="en-US" smtClean="0"/>
+              <a:t>59</a:t>
+            </a:fld>
+            <a:endParaRPr lang="zh-CN" altLang="en-US"/>
+          </a:p>
+        </p:txBody>
+      </p:sp>
+    </p:spTree>
+    <p:extLst>
+      <p:ext uri="{BB962C8B-B14F-4D97-AF65-F5344CB8AC3E}">
+        <p14:creationId xmlns:p14="http://schemas.microsoft.com/office/powerpoint/2010/main" val="3776015239"/>
+      </p:ext>
+    </p:extLst>
+  </p:cSld>
+  <p:clrMapOvr>
+    <a:masterClrMapping/>
+  </p:clrMapOvr>
+</p:notes>
+</file>
+
 <file path=ppt/notesSlides/notesSlide6.xml><?xml version="1.0" encoding="utf-8"?>
 <p:notes xmlns:a="http://schemas.openxmlformats.org/drawingml/2006/main" xmlns:r="http://schemas.openxmlformats.org/officeDocument/2006/relationships" xmlns:p="http://schemas.openxmlformats.org/presentationml/2006/main">
   <p:cSld>
@@ -4596,6 +5278,250 @@
             <a:fld id="{DD202784-B46A-4EF4-B218-4316F9133D14}" type="slidenum">
               <a:rPr lang="zh-CN" altLang="en-US" smtClean="0"/>
               <a:t>6</a:t>
+            </a:fld>
+            <a:endParaRPr lang="zh-CN" altLang="en-US"/>
+          </a:p>
+        </p:txBody>
+      </p:sp>
+    </p:spTree>
+    <p:extLst>
+      <p:ext uri="{BB962C8B-B14F-4D97-AF65-F5344CB8AC3E}">
+        <p14:creationId xmlns:p14="http://schemas.microsoft.com/office/powerpoint/2010/main" val="3776015239"/>
+      </p:ext>
+    </p:extLst>
+  </p:cSld>
+  <p:clrMapOvr>
+    <a:masterClrMapping/>
+  </p:clrMapOvr>
+</p:notes>
+</file>
+
+<file path=ppt/notesSlides/notesSlide60.xml><?xml version="1.0" encoding="utf-8"?>
+<p:notes xmlns:a="http://schemas.openxmlformats.org/drawingml/2006/main" xmlns:r="http://schemas.openxmlformats.org/officeDocument/2006/relationships" xmlns:p="http://schemas.openxmlformats.org/presentationml/2006/main">
+  <p:cSld>
+    <p:spTree>
+      <p:nvGrpSpPr>
+        <p:cNvPr id="1" name=""/>
+        <p:cNvGrpSpPr/>
+        <p:nvPr/>
+      </p:nvGrpSpPr>
+      <p:grpSpPr>
+        <a:xfrm>
+          <a:off x="0" y="0"/>
+          <a:ext cx="0" cy="0"/>
+          <a:chOff x="0" y="0"/>
+          <a:chExt cx="0" cy="0"/>
+        </a:xfrm>
+      </p:grpSpPr>
+      <p:sp>
+        <p:nvSpPr>
+          <p:cNvPr id="2" name="幻灯片图像占位符 1"/>
+          <p:cNvSpPr>
+            <a:spLocks noGrp="1" noRot="1" noChangeAspect="1"/>
+          </p:cNvSpPr>
+          <p:nvPr>
+            <p:ph type="sldImg"/>
+          </p:nvPr>
+        </p:nvSpPr>
+        <p:spPr/>
+      </p:sp>
+      <p:sp>
+        <p:nvSpPr>
+          <p:cNvPr id="3" name="备注占位符 2"/>
+          <p:cNvSpPr>
+            <a:spLocks noGrp="1"/>
+          </p:cNvSpPr>
+          <p:nvPr>
+            <p:ph type="body" idx="1"/>
+          </p:nvPr>
+        </p:nvSpPr>
+        <p:spPr/>
+        <p:txBody>
+          <a:bodyPr/>
+          <a:lstStyle/>
+          <a:p>
+            <a:r>
+              <a:rPr lang="en-US" altLang="zh-CN" sz="1200" b="0" i="0" kern="1200" smtClean="0">
+                <a:solidFill>
+                  <a:schemeClr val="tx1"/>
+                </a:solidFill>
+                <a:effectLst/>
+                <a:latin typeface="+mn-lt"/>
+                <a:ea typeface="+mn-ea"/>
+                <a:cs typeface="+mn-cs"/>
+              </a:rPr>
+              <a:t>MK, which computes an affine transform in CIELab</a:t>
+            </a:r>
+            <a:r>
+              <a:rPr lang="en-US" altLang="zh-CN" smtClean="0"/>
+              <a:t> </a:t>
+            </a:r>
+            <a:br>
+              <a:rPr lang="en-US" altLang="zh-CN" smtClean="0"/>
+            </a:br>
+            <a:r>
+              <a:rPr lang="en-US" altLang="zh-CN" sz="1200" b="0" i="0" kern="1200" smtClean="0">
+                <a:solidFill>
+                  <a:schemeClr val="tx1"/>
+                </a:solidFill>
+                <a:effectLst/>
+                <a:latin typeface="+mn-lt"/>
+                <a:ea typeface="+mn-ea"/>
+                <a:cs typeface="+mn-cs"/>
+              </a:rPr>
+              <a:t>SMH, which combines three different affine transforms in different luminance bands with a non-linear tone curve</a:t>
+            </a:r>
+            <a:r>
+              <a:rPr lang="en-US" altLang="zh-CN" smtClean="0"/>
+              <a:t> </a:t>
+            </a:r>
+            <a:br>
+              <a:rPr lang="en-US" altLang="zh-CN" smtClean="0"/>
+            </a:br>
+            <a:r>
+              <a:rPr lang="en-US" altLang="zh-CN" sz="1200" b="0" i="0" kern="1200" smtClean="0">
+                <a:solidFill>
+                  <a:schemeClr val="tx1"/>
+                </a:solidFill>
+                <a:effectLst/>
+                <a:latin typeface="+mn-lt"/>
+                <a:ea typeface="+mn-ea"/>
+                <a:cs typeface="+mn-cs"/>
+              </a:rPr>
+              <a:t>PDF, which use 3-d histogram matching in CIELab </a:t>
+            </a:r>
+            <a:r>
+              <a:rPr lang="en-US" altLang="zh-CN" smtClean="0"/>
+              <a:t/>
+            </a:r>
+            <a:br>
+              <a:rPr lang="en-US" altLang="zh-CN" smtClean="0"/>
+            </a:br>
+            <a:r>
+              <a:rPr lang="en-US" altLang="zh-CN" sz="1200" b="0" i="0" kern="1200" smtClean="0">
+                <a:solidFill>
+                  <a:schemeClr val="tx1"/>
+                </a:solidFill>
+                <a:effectLst/>
+                <a:latin typeface="+mn-lt"/>
+                <a:ea typeface="+mn-ea"/>
+                <a:cs typeface="+mn-cs"/>
+              </a:rPr>
+              <a:t>PHR, which progressively reshapes the histograms to make them match</a:t>
+            </a:r>
+            <a:r>
+              <a:rPr lang="en-US" altLang="zh-CN" smtClean="0"/>
+              <a:t> </a:t>
+            </a:r>
+            <a:br>
+              <a:rPr lang="en-US" altLang="zh-CN" smtClean="0"/>
+            </a:br>
+            <a:endParaRPr lang="zh-CN" altLang="en-US" dirty="0"/>
+          </a:p>
+        </p:txBody>
+      </p:sp>
+      <p:sp>
+        <p:nvSpPr>
+          <p:cNvPr id="4" name="灯片编号占位符 3"/>
+          <p:cNvSpPr>
+            <a:spLocks noGrp="1"/>
+          </p:cNvSpPr>
+          <p:nvPr>
+            <p:ph type="sldNum" sz="quarter" idx="10"/>
+          </p:nvPr>
+        </p:nvSpPr>
+        <p:spPr/>
+        <p:txBody>
+          <a:bodyPr/>
+          <a:lstStyle/>
+          <a:p>
+            <a:fld id="{DD202784-B46A-4EF4-B218-4316F9133D14}" type="slidenum">
+              <a:rPr lang="zh-CN" altLang="en-US" smtClean="0"/>
+              <a:t>60</a:t>
+            </a:fld>
+            <a:endParaRPr lang="zh-CN" altLang="en-US"/>
+          </a:p>
+        </p:txBody>
+      </p:sp>
+    </p:spTree>
+    <p:extLst>
+      <p:ext uri="{BB962C8B-B14F-4D97-AF65-F5344CB8AC3E}">
+        <p14:creationId xmlns:p14="http://schemas.microsoft.com/office/powerpoint/2010/main" val="3776015239"/>
+      </p:ext>
+    </p:extLst>
+  </p:cSld>
+  <p:clrMapOvr>
+    <a:masterClrMapping/>
+  </p:clrMapOvr>
+</p:notes>
+</file>
+
+<file path=ppt/notesSlides/notesSlide61.xml><?xml version="1.0" encoding="utf-8"?>
+<p:notes xmlns:a="http://schemas.openxmlformats.org/drawingml/2006/main" xmlns:r="http://schemas.openxmlformats.org/officeDocument/2006/relationships" xmlns:p="http://schemas.openxmlformats.org/presentationml/2006/main">
+  <p:cSld>
+    <p:spTree>
+      <p:nvGrpSpPr>
+        <p:cNvPr id="1" name=""/>
+        <p:cNvGrpSpPr/>
+        <p:nvPr/>
+      </p:nvGrpSpPr>
+      <p:grpSpPr>
+        <a:xfrm>
+          <a:off x="0" y="0"/>
+          <a:ext cx="0" cy="0"/>
+          <a:chOff x="0" y="0"/>
+          <a:chExt cx="0" cy="0"/>
+        </a:xfrm>
+      </p:grpSpPr>
+      <p:sp>
+        <p:nvSpPr>
+          <p:cNvPr id="2" name="幻灯片图像占位符 1"/>
+          <p:cNvSpPr>
+            <a:spLocks noGrp="1" noRot="1" noChangeAspect="1"/>
+          </p:cNvSpPr>
+          <p:nvPr>
+            <p:ph type="sldImg"/>
+          </p:nvPr>
+        </p:nvSpPr>
+        <p:spPr/>
+      </p:sp>
+      <p:sp>
+        <p:nvSpPr>
+          <p:cNvPr id="3" name="备注占位符 2"/>
+          <p:cNvSpPr>
+            <a:spLocks noGrp="1"/>
+          </p:cNvSpPr>
+          <p:nvPr>
+            <p:ph type="body" idx="1"/>
+          </p:nvPr>
+        </p:nvSpPr>
+        <p:spPr/>
+        <p:txBody>
+          <a:bodyPr/>
+          <a:lstStyle/>
+          <a:p>
+            <a:endParaRPr lang="zh-CN" altLang="en-US" dirty="0"/>
+          </a:p>
+        </p:txBody>
+      </p:sp>
+      <p:sp>
+        <p:nvSpPr>
+          <p:cNvPr id="4" name="灯片编号占位符 3"/>
+          <p:cNvSpPr>
+            <a:spLocks noGrp="1"/>
+          </p:cNvSpPr>
+          <p:nvPr>
+            <p:ph type="sldNum" sz="quarter" idx="10"/>
+          </p:nvPr>
+        </p:nvSpPr>
+        <p:spPr/>
+        <p:txBody>
+          <a:bodyPr/>
+          <a:lstStyle/>
+          <a:p>
+            <a:fld id="{DD202784-B46A-4EF4-B218-4316F9133D14}" type="slidenum">
+              <a:rPr lang="zh-CN" altLang="en-US" smtClean="0"/>
+              <a:t>61</a:t>
             </a:fld>
             <a:endParaRPr lang="zh-CN" altLang="en-US"/>
           </a:p>
@@ -21439,7 +22365,7 @@
                 <a:latin typeface="微软雅黑" panose="020B0503020204020204" pitchFamily="34" charset="-122"/>
                 <a:ea typeface="微软雅黑" panose="020B0503020204020204" pitchFamily="34" charset="-122"/>
               </a:rPr>
-              <a:t>3 Example</a:t>
+              <a:t>3 Subset of results</a:t>
             </a:r>
             <a:endParaRPr lang="en-US" altLang="zh-CN" sz="4400" dirty="0">
               <a:solidFill>
@@ -21544,167 +22470,6 @@
       </p:grpSpPr>
       <p:sp>
         <p:nvSpPr>
-          <p:cNvPr id="7" name="椭圆 6"/>
-          <p:cNvSpPr/>
-          <p:nvPr/>
-        </p:nvSpPr>
-        <p:spPr>
-          <a:xfrm>
-            <a:off x="1123950" y="534753"/>
-            <a:ext cx="9963150" cy="3390900"/>
-          </a:xfrm>
-          <a:prstGeom prst="ellipse">
-            <a:avLst/>
-          </a:prstGeom>
-          <a:solidFill>
-            <a:schemeClr val="bg1">
-              <a:lumMod val="95000"/>
-            </a:schemeClr>
-          </a:solidFill>
-          <a:ln>
-            <a:noFill/>
-          </a:ln>
-        </p:spPr>
-        <p:style>
-          <a:lnRef idx="2">
-            <a:schemeClr val="accent1">
-              <a:shade val="50000"/>
-            </a:schemeClr>
-          </a:lnRef>
-          <a:fillRef idx="1">
-            <a:schemeClr val="accent1"/>
-          </a:fillRef>
-          <a:effectRef idx="0">
-            <a:schemeClr val="accent1"/>
-          </a:effectRef>
-          <a:fontRef idx="minor">
-            <a:schemeClr val="lt1"/>
-          </a:fontRef>
-        </p:style>
-        <p:txBody>
-          <a:bodyPr rtlCol="0" anchor="ctr"/>
-          <a:lstStyle/>
-          <a:p>
-            <a:pPr algn="ctr"/>
-            <a:endParaRPr lang="zh-CN" altLang="en-US"/>
-          </a:p>
-        </p:txBody>
-      </p:sp>
-      <p:sp>
-        <p:nvSpPr>
-          <p:cNvPr id="3" name="文本框 2"/>
-          <p:cNvSpPr txBox="1"/>
-          <p:nvPr/>
-        </p:nvSpPr>
-        <p:spPr>
-          <a:xfrm>
-            <a:off x="2781300" y="1353040"/>
-            <a:ext cx="6648450" cy="1754326"/>
-          </a:xfrm>
-          <a:prstGeom prst="rect">
-            <a:avLst/>
-          </a:prstGeom>
-          <a:noFill/>
-        </p:spPr>
-        <p:txBody>
-          <a:bodyPr wrap="square" rtlCol="0">
-            <a:spAutoFit/>
-          </a:bodyPr>
-          <a:lstStyle/>
-          <a:p>
-            <a:r>
-              <a:rPr lang="en-US" altLang="zh-CN" sz="5400" b="1" dirty="0" smtClean="0">
-                <a:solidFill>
-                  <a:schemeClr val="accent2"/>
-                </a:solidFill>
-                <a:effectLst>
-                  <a:outerShdw blurRad="38100" dist="38100" dir="2700000" algn="tl">
-                    <a:srgbClr val="000000">
-                      <a:alpha val="43137"/>
-                    </a:srgbClr>
-                  </a:outerShdw>
-                </a:effectLst>
-                <a:latin typeface="微软雅黑" panose="020B0503020204020204" pitchFamily="34" charset="-122"/>
-                <a:ea typeface="微软雅黑" panose="020B0503020204020204" pitchFamily="34" charset="-122"/>
-              </a:rPr>
-              <a:t>PART 5:</a:t>
-            </a:r>
-          </a:p>
-          <a:p>
-            <a:pPr algn="r"/>
-            <a:r>
-              <a:rPr lang="en-US" altLang="zh-CN" sz="5400" b="1" dirty="0" smtClean="0">
-                <a:solidFill>
-                  <a:schemeClr val="accent2"/>
-                </a:solidFill>
-                <a:effectLst>
-                  <a:outerShdw blurRad="38100" dist="38100" dir="2700000" algn="tl">
-                    <a:srgbClr val="000000">
-                      <a:alpha val="43137"/>
-                    </a:srgbClr>
-                  </a:outerShdw>
-                </a:effectLst>
-                <a:latin typeface="微软雅黑" panose="020B0503020204020204" pitchFamily="34" charset="-122"/>
-                <a:ea typeface="微软雅黑" panose="020B0503020204020204" pitchFamily="34" charset="-122"/>
-              </a:rPr>
-              <a:t>Discussion</a:t>
-            </a:r>
-            <a:endParaRPr lang="en-US" altLang="zh-CN" sz="5400" b="1" dirty="0" smtClean="0">
-              <a:solidFill>
-                <a:schemeClr val="accent2"/>
-              </a:solidFill>
-              <a:effectLst>
-                <a:outerShdw blurRad="38100" dist="38100" dir="2700000" algn="tl">
-                  <a:srgbClr val="000000">
-                    <a:alpha val="43137"/>
-                  </a:srgbClr>
-                </a:outerShdw>
-              </a:effectLst>
-              <a:latin typeface="微软雅黑" panose="020B0503020204020204" pitchFamily="34" charset="-122"/>
-              <a:ea typeface="微软雅黑" panose="020B0503020204020204" pitchFamily="34" charset="-122"/>
-            </a:endParaRPr>
-          </a:p>
-        </p:txBody>
-      </p:sp>
-    </p:spTree>
-    <p:extLst>
-      <p:ext uri="{BB962C8B-B14F-4D97-AF65-F5344CB8AC3E}">
-        <p14:creationId xmlns:p14="http://schemas.microsoft.com/office/powerpoint/2010/main" val="1903386637"/>
-      </p:ext>
-    </p:extLst>
-  </p:cSld>
-  <p:clrMapOvr>
-    <a:masterClrMapping/>
-  </p:clrMapOvr>
-  <p:timing>
-    <p:tnLst>
-      <p:par>
-        <p:cTn id="1" dur="indefinite" restart="never" nodeType="tmRoot"/>
-      </p:par>
-    </p:tnLst>
-  </p:timing>
-</p:sld>
-</file>
-
-<file path=ppt/slides/slide47.xml><?xml version="1.0" encoding="utf-8"?>
-<p:sld xmlns:a="http://schemas.openxmlformats.org/drawingml/2006/main" xmlns:r="http://schemas.openxmlformats.org/officeDocument/2006/relationships" xmlns:p="http://schemas.openxmlformats.org/presentationml/2006/main">
-  <p:cSld>
-    <p:spTree>
-      <p:nvGrpSpPr>
-        <p:cNvPr id="1" name=""/>
-        <p:cNvGrpSpPr/>
-        <p:nvPr/>
-      </p:nvGrpSpPr>
-      <p:grpSpPr>
-        <a:xfrm>
-          <a:off x="0" y="0"/>
-          <a:ext cx="0" cy="0"/>
-          <a:chOff x="0" y="0"/>
-          <a:chExt cx="0" cy="0"/>
-        </a:xfrm>
-      </p:grpSpPr>
-      <p:sp>
-        <p:nvSpPr>
           <p:cNvPr id="6" name="矩形 5"/>
           <p:cNvSpPr/>
           <p:nvPr/>
@@ -21748,722 +22513,6 @@
           <a:p>
             <a:pPr algn="ctr"/>
             <a:endParaRPr lang="zh-CN" altLang="en-US"/>
-          </a:p>
-        </p:txBody>
-      </p:sp>
-      <p:sp>
-        <p:nvSpPr>
-          <p:cNvPr id="30" name="文本框 29"/>
-          <p:cNvSpPr txBox="1"/>
-          <p:nvPr/>
-        </p:nvSpPr>
-        <p:spPr>
-          <a:xfrm>
-            <a:off x="662538" y="294935"/>
-            <a:ext cx="9205361" cy="769441"/>
-          </a:xfrm>
-          <a:prstGeom prst="rect">
-            <a:avLst/>
-          </a:prstGeom>
-          <a:noFill/>
-        </p:spPr>
-        <p:txBody>
-          <a:bodyPr wrap="square" rtlCol="0">
-            <a:spAutoFit/>
-          </a:bodyPr>
-          <a:lstStyle/>
-          <a:p>
-            <a:r>
-              <a:rPr lang="en-US" altLang="zh-CN" sz="4400" b="1" dirty="0" smtClean="0">
-                <a:solidFill>
-                  <a:srgbClr val="00ABB4"/>
-                </a:solidFill>
-                <a:latin typeface="微软雅黑" panose="020B0503020204020204" pitchFamily="34" charset="-122"/>
-                <a:ea typeface="微软雅黑" panose="020B0503020204020204" pitchFamily="34" charset="-122"/>
-              </a:rPr>
-              <a:t>Results and Discussion</a:t>
-            </a:r>
-            <a:endParaRPr lang="en-US" altLang="zh-CN" sz="4400" b="1" dirty="0">
-              <a:solidFill>
-                <a:srgbClr val="00ABB4"/>
-              </a:solidFill>
-              <a:latin typeface="微软雅黑" panose="020B0503020204020204" pitchFamily="34" charset="-122"/>
-              <a:ea typeface="微软雅黑" panose="020B0503020204020204" pitchFamily="34" charset="-122"/>
-            </a:endParaRPr>
-          </a:p>
-        </p:txBody>
-      </p:sp>
-      <p:sp>
-        <p:nvSpPr>
-          <p:cNvPr id="31" name="Rectangle 96"/>
-          <p:cNvSpPr/>
-          <p:nvPr/>
-        </p:nvSpPr>
-        <p:spPr>
-          <a:xfrm>
-            <a:off x="882750" y="1050913"/>
-            <a:ext cx="10245297" cy="846386"/>
-          </a:xfrm>
-          <a:prstGeom prst="rect">
-            <a:avLst/>
-          </a:prstGeom>
-        </p:spPr>
-        <p:txBody>
-          <a:bodyPr wrap="square">
-            <a:spAutoFit/>
-          </a:bodyPr>
-          <a:lstStyle/>
-          <a:p>
-            <a:pPr marL="342900" indent="-342900">
-              <a:lnSpc>
-                <a:spcPct val="200000"/>
-              </a:lnSpc>
-              <a:buFont typeface="Arial" panose="020B0604020202020204" pitchFamily="34" charset="0"/>
-              <a:buChar char="•"/>
-            </a:pPr>
-            <a:r>
-              <a:rPr lang="en-US" altLang="zh-CN" sz="2800" dirty="0" smtClean="0">
-                <a:latin typeface="Meiryo" panose="020B0604030504040204" pitchFamily="34" charset="-128"/>
-                <a:ea typeface="Meiryo" panose="020B0604030504040204" pitchFamily="34" charset="-128"/>
-                <a:cs typeface="Meiryo" panose="020B0604030504040204" pitchFamily="34" charset="-128"/>
-              </a:rPr>
-              <a:t>Quality</a:t>
-            </a:r>
-            <a:endParaRPr lang="en-US" altLang="zh-CN" sz="2800" dirty="0" smtClean="0">
-              <a:latin typeface="Meiryo" panose="020B0604030504040204" pitchFamily="34" charset="-128"/>
-              <a:ea typeface="Meiryo" panose="020B0604030504040204" pitchFamily="34" charset="-128"/>
-              <a:cs typeface="Meiryo" panose="020B0604030504040204" pitchFamily="34" charset="-128"/>
-            </a:endParaRPr>
-          </a:p>
-        </p:txBody>
-      </p:sp>
-    </p:spTree>
-    <p:extLst>
-      <p:ext uri="{BB962C8B-B14F-4D97-AF65-F5344CB8AC3E}">
-        <p14:creationId xmlns:p14="http://schemas.microsoft.com/office/powerpoint/2010/main" val="3480431461"/>
-      </p:ext>
-    </p:extLst>
-  </p:cSld>
-  <p:clrMapOvr>
-    <a:masterClrMapping/>
-  </p:clrMapOvr>
-  <p:timing>
-    <p:tnLst>
-      <p:par>
-        <p:cTn id="1" dur="indefinite" restart="never" nodeType="tmRoot"/>
-      </p:par>
-    </p:tnLst>
-  </p:timing>
-</p:sld>
-</file>
-
-<file path=ppt/slides/slide48.xml><?xml version="1.0" encoding="utf-8"?>
-<p:sld xmlns:a="http://schemas.openxmlformats.org/drawingml/2006/main" xmlns:r="http://schemas.openxmlformats.org/officeDocument/2006/relationships" xmlns:p="http://schemas.openxmlformats.org/presentationml/2006/main">
-  <p:cSld>
-    <p:spTree>
-      <p:nvGrpSpPr>
-        <p:cNvPr id="1" name=""/>
-        <p:cNvGrpSpPr/>
-        <p:nvPr/>
-      </p:nvGrpSpPr>
-      <p:grpSpPr>
-        <a:xfrm>
-          <a:off x="0" y="0"/>
-          <a:ext cx="0" cy="0"/>
-          <a:chOff x="0" y="0"/>
-          <a:chExt cx="0" cy="0"/>
-        </a:xfrm>
-      </p:grpSpPr>
-      <p:sp>
-        <p:nvSpPr>
-          <p:cNvPr id="6" name="矩形 5"/>
-          <p:cNvSpPr/>
-          <p:nvPr/>
-        </p:nvSpPr>
-        <p:spPr>
-          <a:xfrm rot="877900">
-            <a:off x="2686836" y="-155824"/>
-            <a:ext cx="6186601" cy="6857999"/>
-          </a:xfrm>
-          <a:prstGeom prst="rect">
-            <a:avLst/>
-          </a:prstGeom>
-          <a:solidFill>
-            <a:schemeClr val="bg1">
-              <a:lumMod val="95000"/>
-            </a:schemeClr>
-          </a:solidFill>
-          <a:ln>
-            <a:noFill/>
-          </a:ln>
-        </p:spPr>
-        <p:style>
-          <a:lnRef idx="2">
-            <a:schemeClr val="accent1">
-              <a:shade val="50000"/>
-            </a:schemeClr>
-          </a:lnRef>
-          <a:fillRef idx="1">
-            <a:schemeClr val="accent1"/>
-          </a:fillRef>
-          <a:effectRef idx="0">
-            <a:schemeClr val="accent1"/>
-          </a:effectRef>
-          <a:fontRef idx="minor">
-            <a:schemeClr val="lt1"/>
-          </a:fontRef>
-        </p:style>
-        <p:txBody>
-          <a:bodyPr rtlCol="0" anchor="ctr"/>
-          <a:lstStyle/>
-          <a:p>
-            <a:pPr algn="ctr"/>
-            <a:endParaRPr lang="zh-CN" altLang="en-US"/>
-          </a:p>
-        </p:txBody>
-      </p:sp>
-      <p:sp>
-        <p:nvSpPr>
-          <p:cNvPr id="30" name="文本框 29"/>
-          <p:cNvSpPr txBox="1"/>
-          <p:nvPr/>
-        </p:nvSpPr>
-        <p:spPr>
-          <a:xfrm>
-            <a:off x="662538" y="294935"/>
-            <a:ext cx="9205361" cy="769441"/>
-          </a:xfrm>
-          <a:prstGeom prst="rect">
-            <a:avLst/>
-          </a:prstGeom>
-          <a:noFill/>
-        </p:spPr>
-        <p:txBody>
-          <a:bodyPr wrap="square" rtlCol="0">
-            <a:spAutoFit/>
-          </a:bodyPr>
-          <a:lstStyle/>
-          <a:p>
-            <a:r>
-              <a:rPr lang="en-US" altLang="zh-CN" sz="4400" b="1" dirty="0" smtClean="0">
-                <a:solidFill>
-                  <a:srgbClr val="00ABB4"/>
-                </a:solidFill>
-                <a:latin typeface="微软雅黑" panose="020B0503020204020204" pitchFamily="34" charset="-122"/>
-                <a:ea typeface="微软雅黑" panose="020B0503020204020204" pitchFamily="34" charset="-122"/>
-              </a:rPr>
-              <a:t>Results and Discussion</a:t>
-            </a:r>
-            <a:endParaRPr lang="en-US" altLang="zh-CN" sz="4400" b="1" dirty="0">
-              <a:solidFill>
-                <a:srgbClr val="00ABB4"/>
-              </a:solidFill>
-              <a:latin typeface="微软雅黑" panose="020B0503020204020204" pitchFamily="34" charset="-122"/>
-              <a:ea typeface="微软雅黑" panose="020B0503020204020204" pitchFamily="34" charset="-122"/>
-            </a:endParaRPr>
-          </a:p>
-        </p:txBody>
-      </p:sp>
-      <p:sp>
-        <p:nvSpPr>
-          <p:cNvPr id="31" name="Rectangle 96"/>
-          <p:cNvSpPr/>
-          <p:nvPr/>
-        </p:nvSpPr>
-        <p:spPr>
-          <a:xfrm>
-            <a:off x="882750" y="1050913"/>
-            <a:ext cx="10245297" cy="846386"/>
-          </a:xfrm>
-          <a:prstGeom prst="rect">
-            <a:avLst/>
-          </a:prstGeom>
-        </p:spPr>
-        <p:txBody>
-          <a:bodyPr wrap="square">
-            <a:spAutoFit/>
-          </a:bodyPr>
-          <a:lstStyle/>
-          <a:p>
-            <a:pPr marL="342900" indent="-342900">
-              <a:lnSpc>
-                <a:spcPct val="200000"/>
-              </a:lnSpc>
-              <a:buFont typeface="Arial" panose="020B0604020202020204" pitchFamily="34" charset="0"/>
-              <a:buChar char="•"/>
-            </a:pPr>
-            <a:r>
-              <a:rPr lang="en-US" altLang="zh-CN" sz="2800" dirty="0" smtClean="0">
-                <a:latin typeface="Meiryo" panose="020B0604030504040204" pitchFamily="34" charset="-128"/>
-                <a:ea typeface="Meiryo" panose="020B0604030504040204" pitchFamily="34" charset="-128"/>
-                <a:cs typeface="Meiryo" panose="020B0604030504040204" pitchFamily="34" charset="-128"/>
-              </a:rPr>
-              <a:t>Quality</a:t>
-            </a:r>
-            <a:endParaRPr lang="en-US" altLang="zh-CN" sz="2800" dirty="0" smtClean="0">
-              <a:latin typeface="Meiryo" panose="020B0604030504040204" pitchFamily="34" charset="-128"/>
-              <a:ea typeface="Meiryo" panose="020B0604030504040204" pitchFamily="34" charset="-128"/>
-              <a:cs typeface="Meiryo" panose="020B0604030504040204" pitchFamily="34" charset="-128"/>
-            </a:endParaRPr>
-          </a:p>
-        </p:txBody>
-      </p:sp>
-    </p:spTree>
-    <p:extLst>
-      <p:ext uri="{BB962C8B-B14F-4D97-AF65-F5344CB8AC3E}">
-        <p14:creationId xmlns:p14="http://schemas.microsoft.com/office/powerpoint/2010/main" val="2151438303"/>
-      </p:ext>
-    </p:extLst>
-  </p:cSld>
-  <p:clrMapOvr>
-    <a:masterClrMapping/>
-  </p:clrMapOvr>
-  <p:timing>
-    <p:tnLst>
-      <p:par>
-        <p:cTn id="1" dur="indefinite" restart="never" nodeType="tmRoot"/>
-      </p:par>
-    </p:tnLst>
-  </p:timing>
-</p:sld>
-</file>
-
-<file path=ppt/slides/slide49.xml><?xml version="1.0" encoding="utf-8"?>
-<p:sld xmlns:a="http://schemas.openxmlformats.org/drawingml/2006/main" xmlns:r="http://schemas.openxmlformats.org/officeDocument/2006/relationships" xmlns:p="http://schemas.openxmlformats.org/presentationml/2006/main">
-  <p:cSld>
-    <p:spTree>
-      <p:nvGrpSpPr>
-        <p:cNvPr id="1" name=""/>
-        <p:cNvGrpSpPr/>
-        <p:nvPr/>
-      </p:nvGrpSpPr>
-      <p:grpSpPr>
-        <a:xfrm>
-          <a:off x="0" y="0"/>
-          <a:ext cx="0" cy="0"/>
-          <a:chOff x="0" y="0"/>
-          <a:chExt cx="0" cy="0"/>
-        </a:xfrm>
-      </p:grpSpPr>
-      <p:sp>
-        <p:nvSpPr>
-          <p:cNvPr id="6" name="矩形 5"/>
-          <p:cNvSpPr/>
-          <p:nvPr/>
-        </p:nvSpPr>
-        <p:spPr>
-          <a:xfrm rot="877900">
-            <a:off x="2686836" y="-155824"/>
-            <a:ext cx="6186601" cy="6857999"/>
-          </a:xfrm>
-          <a:prstGeom prst="rect">
-            <a:avLst/>
-          </a:prstGeom>
-          <a:solidFill>
-            <a:schemeClr val="bg1">
-              <a:lumMod val="95000"/>
-            </a:schemeClr>
-          </a:solidFill>
-          <a:ln>
-            <a:noFill/>
-          </a:ln>
-        </p:spPr>
-        <p:style>
-          <a:lnRef idx="2">
-            <a:schemeClr val="accent1">
-              <a:shade val="50000"/>
-            </a:schemeClr>
-          </a:lnRef>
-          <a:fillRef idx="1">
-            <a:schemeClr val="accent1"/>
-          </a:fillRef>
-          <a:effectRef idx="0">
-            <a:schemeClr val="accent1"/>
-          </a:effectRef>
-          <a:fontRef idx="minor">
-            <a:schemeClr val="lt1"/>
-          </a:fontRef>
-        </p:style>
-        <p:txBody>
-          <a:bodyPr rtlCol="0" anchor="ctr"/>
-          <a:lstStyle/>
-          <a:p>
-            <a:pPr algn="ctr"/>
-            <a:endParaRPr lang="zh-CN" altLang="en-US"/>
-          </a:p>
-        </p:txBody>
-      </p:sp>
-      <p:sp>
-        <p:nvSpPr>
-          <p:cNvPr id="30" name="文本框 29"/>
-          <p:cNvSpPr txBox="1"/>
-          <p:nvPr/>
-        </p:nvSpPr>
-        <p:spPr>
-          <a:xfrm>
-            <a:off x="662538" y="294935"/>
-            <a:ext cx="9205361" cy="769441"/>
-          </a:xfrm>
-          <a:prstGeom prst="rect">
-            <a:avLst/>
-          </a:prstGeom>
-          <a:noFill/>
-        </p:spPr>
-        <p:txBody>
-          <a:bodyPr wrap="square" rtlCol="0">
-            <a:spAutoFit/>
-          </a:bodyPr>
-          <a:lstStyle/>
-          <a:p>
-            <a:r>
-              <a:rPr lang="en-US" altLang="zh-CN" sz="4400" b="1" dirty="0" smtClean="0">
-                <a:solidFill>
-                  <a:srgbClr val="00ABB4"/>
-                </a:solidFill>
-                <a:latin typeface="微软雅黑" panose="020B0503020204020204" pitchFamily="34" charset="-122"/>
-                <a:ea typeface="微软雅黑" panose="020B0503020204020204" pitchFamily="34" charset="-122"/>
-              </a:rPr>
-              <a:t>Results and Discussion</a:t>
-            </a:r>
-            <a:endParaRPr lang="en-US" altLang="zh-CN" sz="4400" b="1" dirty="0">
-              <a:solidFill>
-                <a:srgbClr val="00ABB4"/>
-              </a:solidFill>
-              <a:latin typeface="微软雅黑" panose="020B0503020204020204" pitchFamily="34" charset="-122"/>
-              <a:ea typeface="微软雅黑" panose="020B0503020204020204" pitchFamily="34" charset="-122"/>
-            </a:endParaRPr>
-          </a:p>
-        </p:txBody>
-      </p:sp>
-      <p:sp>
-        <p:nvSpPr>
-          <p:cNvPr id="31" name="Rectangle 96"/>
-          <p:cNvSpPr/>
-          <p:nvPr/>
-        </p:nvSpPr>
-        <p:spPr>
-          <a:xfrm>
-            <a:off x="882750" y="1050913"/>
-            <a:ext cx="10245297" cy="846386"/>
-          </a:xfrm>
-          <a:prstGeom prst="rect">
-            <a:avLst/>
-          </a:prstGeom>
-        </p:spPr>
-        <p:txBody>
-          <a:bodyPr wrap="square">
-            <a:spAutoFit/>
-          </a:bodyPr>
-          <a:lstStyle/>
-          <a:p>
-            <a:pPr marL="342900" indent="-342900">
-              <a:lnSpc>
-                <a:spcPct val="200000"/>
-              </a:lnSpc>
-              <a:buFont typeface="Arial" panose="020B0604020202020204" pitchFamily="34" charset="0"/>
-              <a:buChar char="•"/>
-            </a:pPr>
-            <a:r>
-              <a:rPr lang="en-US" altLang="zh-CN" sz="2800" dirty="0" smtClean="0">
-                <a:latin typeface="Meiryo" panose="020B0604030504040204" pitchFamily="34" charset="-128"/>
-                <a:ea typeface="Meiryo" panose="020B0604030504040204" pitchFamily="34" charset="-128"/>
-                <a:cs typeface="Meiryo" panose="020B0604030504040204" pitchFamily="34" charset="-128"/>
-              </a:rPr>
-              <a:t>Quality</a:t>
-            </a:r>
-            <a:endParaRPr lang="en-US" altLang="zh-CN" sz="2800" dirty="0" smtClean="0">
-              <a:latin typeface="Meiryo" panose="020B0604030504040204" pitchFamily="34" charset="-128"/>
-              <a:ea typeface="Meiryo" panose="020B0604030504040204" pitchFamily="34" charset="-128"/>
-              <a:cs typeface="Meiryo" panose="020B0604030504040204" pitchFamily="34" charset="-128"/>
-            </a:endParaRPr>
-          </a:p>
-        </p:txBody>
-      </p:sp>
-    </p:spTree>
-    <p:extLst>
-      <p:ext uri="{BB962C8B-B14F-4D97-AF65-F5344CB8AC3E}">
-        <p14:creationId xmlns:p14="http://schemas.microsoft.com/office/powerpoint/2010/main" val="2151438303"/>
-      </p:ext>
-    </p:extLst>
-  </p:cSld>
-  <p:clrMapOvr>
-    <a:masterClrMapping/>
-  </p:clrMapOvr>
-  <p:timing>
-    <p:tnLst>
-      <p:par>
-        <p:cTn id="1" dur="indefinite" restart="never" nodeType="tmRoot"/>
-      </p:par>
-    </p:tnLst>
-  </p:timing>
-</p:sld>
-</file>
-
-<file path=ppt/slides/slide5.xml><?xml version="1.0" encoding="utf-8"?>
-<p:sld xmlns:a="http://schemas.openxmlformats.org/drawingml/2006/main" xmlns:r="http://schemas.openxmlformats.org/officeDocument/2006/relationships" xmlns:p="http://schemas.openxmlformats.org/presentationml/2006/main">
-  <p:cSld>
-    <p:spTree>
-      <p:nvGrpSpPr>
-        <p:cNvPr id="1" name=""/>
-        <p:cNvGrpSpPr/>
-        <p:nvPr/>
-      </p:nvGrpSpPr>
-      <p:grpSpPr>
-        <a:xfrm>
-          <a:off x="0" y="0"/>
-          <a:ext cx="0" cy="0"/>
-          <a:chOff x="0" y="0"/>
-          <a:chExt cx="0" cy="0"/>
-        </a:xfrm>
-      </p:grpSpPr>
-      <p:sp>
-        <p:nvSpPr>
-          <p:cNvPr id="7" name="椭圆 6"/>
-          <p:cNvSpPr/>
-          <p:nvPr/>
-        </p:nvSpPr>
-        <p:spPr>
-          <a:xfrm>
-            <a:off x="1123950" y="534753"/>
-            <a:ext cx="9963150" cy="3390900"/>
-          </a:xfrm>
-          <a:prstGeom prst="ellipse">
-            <a:avLst/>
-          </a:prstGeom>
-          <a:solidFill>
-            <a:schemeClr val="bg1">
-              <a:lumMod val="95000"/>
-            </a:schemeClr>
-          </a:solidFill>
-          <a:ln>
-            <a:noFill/>
-          </a:ln>
-        </p:spPr>
-        <p:style>
-          <a:lnRef idx="2">
-            <a:schemeClr val="accent1">
-              <a:shade val="50000"/>
-            </a:schemeClr>
-          </a:lnRef>
-          <a:fillRef idx="1">
-            <a:schemeClr val="accent1"/>
-          </a:fillRef>
-          <a:effectRef idx="0">
-            <a:schemeClr val="accent1"/>
-          </a:effectRef>
-          <a:fontRef idx="minor">
-            <a:schemeClr val="lt1"/>
-          </a:fontRef>
-        </p:style>
-        <p:txBody>
-          <a:bodyPr rtlCol="0" anchor="ctr"/>
-          <a:lstStyle/>
-          <a:p>
-            <a:pPr algn="ctr"/>
-            <a:endParaRPr lang="zh-CN" altLang="en-US"/>
-          </a:p>
-        </p:txBody>
-      </p:sp>
-      <p:sp>
-        <p:nvSpPr>
-          <p:cNvPr id="3" name="文本框 2"/>
-          <p:cNvSpPr txBox="1"/>
-          <p:nvPr/>
-        </p:nvSpPr>
-        <p:spPr>
-          <a:xfrm>
-            <a:off x="2606040" y="1353040"/>
-            <a:ext cx="6042660" cy="1754326"/>
-          </a:xfrm>
-          <a:prstGeom prst="rect">
-            <a:avLst/>
-          </a:prstGeom>
-          <a:noFill/>
-        </p:spPr>
-        <p:txBody>
-          <a:bodyPr wrap="square" rtlCol="0">
-            <a:spAutoFit/>
-          </a:bodyPr>
-          <a:lstStyle/>
-          <a:p>
-            <a:r>
-              <a:rPr lang="en-US" altLang="zh-CN" sz="5400" b="1" dirty="0" smtClean="0">
-                <a:solidFill>
-                  <a:schemeClr val="accent2"/>
-                </a:solidFill>
-                <a:effectLst>
-                  <a:outerShdw blurRad="38100" dist="38100" dir="2700000" algn="tl">
-                    <a:srgbClr val="000000">
-                      <a:alpha val="43137"/>
-                    </a:srgbClr>
-                  </a:outerShdw>
-                </a:effectLst>
-                <a:latin typeface="微软雅黑" panose="020B0503020204020204" pitchFamily="34" charset="-122"/>
-                <a:ea typeface="微软雅黑" panose="020B0503020204020204" pitchFamily="34" charset="-122"/>
-              </a:rPr>
-              <a:t>PART 2:</a:t>
-            </a:r>
-          </a:p>
-          <a:p>
-            <a:pPr algn="r"/>
-            <a:r>
-              <a:rPr lang="en-US" altLang="zh-CN" sz="5400" b="1" dirty="0" smtClean="0">
-                <a:solidFill>
-                  <a:schemeClr val="accent2"/>
-                </a:solidFill>
-                <a:effectLst>
-                  <a:outerShdw blurRad="38100" dist="38100" dir="2700000" algn="tl">
-                    <a:srgbClr val="000000">
-                      <a:alpha val="43137"/>
-                    </a:srgbClr>
-                  </a:outerShdw>
-                </a:effectLst>
-                <a:latin typeface="微软雅黑" panose="020B0503020204020204" pitchFamily="34" charset="-122"/>
-                <a:ea typeface="微软雅黑" panose="020B0503020204020204" pitchFamily="34" charset="-122"/>
-              </a:rPr>
-              <a:t>Introduction</a:t>
-            </a:r>
-            <a:endParaRPr lang="en-US" altLang="zh-CN" sz="5400" b="1" dirty="0" smtClean="0">
-              <a:solidFill>
-                <a:schemeClr val="accent2"/>
-              </a:solidFill>
-              <a:effectLst>
-                <a:outerShdw blurRad="38100" dist="38100" dir="2700000" algn="tl">
-                  <a:srgbClr val="000000">
-                    <a:alpha val="43137"/>
-                  </a:srgbClr>
-                </a:outerShdw>
-              </a:effectLst>
-              <a:latin typeface="微软雅黑" panose="020B0503020204020204" pitchFamily="34" charset="-122"/>
-              <a:ea typeface="微软雅黑" panose="020B0503020204020204" pitchFamily="34" charset="-122"/>
-            </a:endParaRPr>
-          </a:p>
-        </p:txBody>
-      </p:sp>
-    </p:spTree>
-    <p:extLst>
-      <p:ext uri="{BB962C8B-B14F-4D97-AF65-F5344CB8AC3E}">
-        <p14:creationId xmlns:p14="http://schemas.microsoft.com/office/powerpoint/2010/main" val="2518753872"/>
-      </p:ext>
-    </p:extLst>
-  </p:cSld>
-  <p:clrMapOvr>
-    <a:masterClrMapping/>
-  </p:clrMapOvr>
-  <p:timing>
-    <p:tnLst>
-      <p:par>
-        <p:cTn id="1" dur="indefinite" restart="never" nodeType="tmRoot"/>
-      </p:par>
-    </p:tnLst>
-  </p:timing>
-</p:sld>
-</file>
-
-<file path=ppt/slides/slide50.xml><?xml version="1.0" encoding="utf-8"?>
-<p:sld xmlns:a="http://schemas.openxmlformats.org/drawingml/2006/main" xmlns:r="http://schemas.openxmlformats.org/officeDocument/2006/relationships" xmlns:p="http://schemas.openxmlformats.org/presentationml/2006/main">
-  <p:cSld>
-    <p:spTree>
-      <p:nvGrpSpPr>
-        <p:cNvPr id="1" name=""/>
-        <p:cNvGrpSpPr/>
-        <p:nvPr/>
-      </p:nvGrpSpPr>
-      <p:grpSpPr>
-        <a:xfrm>
-          <a:off x="0" y="0"/>
-          <a:ext cx="0" cy="0"/>
-          <a:chOff x="0" y="0"/>
-          <a:chExt cx="0" cy="0"/>
-        </a:xfrm>
-      </p:grpSpPr>
-      <p:sp>
-        <p:nvSpPr>
-          <p:cNvPr id="6" name="矩形 5"/>
-          <p:cNvSpPr/>
-          <p:nvPr/>
-        </p:nvSpPr>
-        <p:spPr>
-          <a:xfrm rot="877900">
-            <a:off x="2686836" y="-155824"/>
-            <a:ext cx="6186601" cy="6857999"/>
-          </a:xfrm>
-          <a:prstGeom prst="rect">
-            <a:avLst/>
-          </a:prstGeom>
-          <a:solidFill>
-            <a:schemeClr val="bg1">
-              <a:lumMod val="95000"/>
-            </a:schemeClr>
-          </a:solidFill>
-          <a:ln>
-            <a:noFill/>
-          </a:ln>
-        </p:spPr>
-        <p:style>
-          <a:lnRef idx="2">
-            <a:schemeClr val="accent1">
-              <a:shade val="50000"/>
-            </a:schemeClr>
-          </a:lnRef>
-          <a:fillRef idx="1">
-            <a:schemeClr val="accent1"/>
-          </a:fillRef>
-          <a:effectRef idx="0">
-            <a:schemeClr val="accent1"/>
-          </a:effectRef>
-          <a:fontRef idx="minor">
-            <a:schemeClr val="lt1"/>
-          </a:fontRef>
-        </p:style>
-        <p:txBody>
-          <a:bodyPr rtlCol="0" anchor="ctr"/>
-          <a:lstStyle/>
-          <a:p>
-            <a:pPr algn="ctr"/>
-            <a:endParaRPr lang="zh-CN" altLang="en-US"/>
-          </a:p>
-        </p:txBody>
-      </p:sp>
-      <p:sp>
-        <p:nvSpPr>
-          <p:cNvPr id="30" name="文本框 29"/>
-          <p:cNvSpPr txBox="1"/>
-          <p:nvPr/>
-        </p:nvSpPr>
-        <p:spPr>
-          <a:xfrm>
-            <a:off x="662538" y="294935"/>
-            <a:ext cx="9205361" cy="769441"/>
-          </a:xfrm>
-          <a:prstGeom prst="rect">
-            <a:avLst/>
-          </a:prstGeom>
-          <a:noFill/>
-        </p:spPr>
-        <p:txBody>
-          <a:bodyPr wrap="square" rtlCol="0">
-            <a:spAutoFit/>
-          </a:bodyPr>
-          <a:lstStyle/>
-          <a:p>
-            <a:r>
-              <a:rPr lang="en-US" altLang="zh-CN" sz="4400" b="1" dirty="0" smtClean="0">
-                <a:solidFill>
-                  <a:srgbClr val="00ABB4"/>
-                </a:solidFill>
-                <a:latin typeface="微软雅黑" panose="020B0503020204020204" pitchFamily="34" charset="-122"/>
-                <a:ea typeface="微软雅黑" panose="020B0503020204020204" pitchFamily="34" charset="-122"/>
-              </a:rPr>
-              <a:t>Results and Discussion</a:t>
-            </a:r>
-            <a:endParaRPr lang="en-US" altLang="zh-CN" sz="4400" b="1" dirty="0">
-              <a:solidFill>
-                <a:srgbClr val="00ABB4"/>
-              </a:solidFill>
-              <a:latin typeface="微软雅黑" panose="020B0503020204020204" pitchFamily="34" charset="-122"/>
-              <a:ea typeface="微软雅黑" panose="020B0503020204020204" pitchFamily="34" charset="-122"/>
-            </a:endParaRPr>
           </a:p>
         </p:txBody>
       </p:sp>
@@ -22521,10 +22570,1388 @@
           </a:extLst>
         </p:spPr>
       </p:pic>
+      <p:sp>
+        <p:nvSpPr>
+          <p:cNvPr id="7" name="文本框 29"/>
+          <p:cNvSpPr txBox="1"/>
+          <p:nvPr/>
+        </p:nvSpPr>
+        <p:spPr>
+          <a:xfrm>
+            <a:off x="662538" y="294935"/>
+            <a:ext cx="9834012" cy="769441"/>
+          </a:xfrm>
+          <a:prstGeom prst="rect">
+            <a:avLst/>
+          </a:prstGeom>
+          <a:noFill/>
+        </p:spPr>
+        <p:txBody>
+          <a:bodyPr wrap="square" rtlCol="0">
+            <a:spAutoFit/>
+          </a:bodyPr>
+          <a:lstStyle/>
+          <a:p>
+            <a:r>
+              <a:rPr lang="en-US" altLang="zh-CN" sz="4400" b="1" dirty="0" smtClean="0">
+                <a:solidFill>
+                  <a:srgbClr val="00ABB4"/>
+                </a:solidFill>
+                <a:latin typeface="微软雅黑" panose="020B0503020204020204" pitchFamily="34" charset="-122"/>
+                <a:ea typeface="微软雅黑" panose="020B0503020204020204" pitchFamily="34" charset="-122"/>
+              </a:rPr>
+              <a:t>3 Subset of results</a:t>
+            </a:r>
+            <a:endParaRPr lang="en-US" altLang="zh-CN" sz="4400" dirty="0">
+              <a:solidFill>
+                <a:srgbClr val="00ABB4"/>
+              </a:solidFill>
+              <a:latin typeface="微软雅黑" panose="020B0503020204020204" pitchFamily="34" charset="-122"/>
+              <a:ea typeface="微软雅黑" panose="020B0503020204020204" pitchFamily="34" charset="-122"/>
+            </a:endParaRPr>
+          </a:p>
+        </p:txBody>
+      </p:sp>
     </p:spTree>
     <p:extLst>
       <p:ext uri="{BB962C8B-B14F-4D97-AF65-F5344CB8AC3E}">
         <p14:creationId xmlns:p14="http://schemas.microsoft.com/office/powerpoint/2010/main" val="2892802111"/>
+      </p:ext>
+    </p:extLst>
+  </p:cSld>
+  <p:clrMapOvr>
+    <a:masterClrMapping/>
+  </p:clrMapOvr>
+  <p:timing>
+    <p:tnLst>
+      <p:par>
+        <p:cTn id="1" dur="indefinite" restart="never" nodeType="tmRoot"/>
+      </p:par>
+    </p:tnLst>
+  </p:timing>
+</p:sld>
+</file>
+
+<file path=ppt/slides/slide47.xml><?xml version="1.0" encoding="utf-8"?>
+<p:sld xmlns:a="http://schemas.openxmlformats.org/drawingml/2006/main" xmlns:r="http://schemas.openxmlformats.org/officeDocument/2006/relationships" xmlns:p="http://schemas.openxmlformats.org/presentationml/2006/main">
+  <p:cSld>
+    <p:spTree>
+      <p:nvGrpSpPr>
+        <p:cNvPr id="1" name=""/>
+        <p:cNvGrpSpPr/>
+        <p:nvPr/>
+      </p:nvGrpSpPr>
+      <p:grpSpPr>
+        <a:xfrm>
+          <a:off x="0" y="0"/>
+          <a:ext cx="0" cy="0"/>
+          <a:chOff x="0" y="0"/>
+          <a:chExt cx="0" cy="0"/>
+        </a:xfrm>
+      </p:grpSpPr>
+      <p:sp>
+        <p:nvSpPr>
+          <p:cNvPr id="7" name="椭圆 6"/>
+          <p:cNvSpPr/>
+          <p:nvPr/>
+        </p:nvSpPr>
+        <p:spPr>
+          <a:xfrm>
+            <a:off x="1123950" y="534753"/>
+            <a:ext cx="9963150" cy="3390900"/>
+          </a:xfrm>
+          <a:prstGeom prst="ellipse">
+            <a:avLst/>
+          </a:prstGeom>
+          <a:solidFill>
+            <a:schemeClr val="bg1">
+              <a:lumMod val="95000"/>
+            </a:schemeClr>
+          </a:solidFill>
+          <a:ln>
+            <a:noFill/>
+          </a:ln>
+        </p:spPr>
+        <p:style>
+          <a:lnRef idx="2">
+            <a:schemeClr val="accent1">
+              <a:shade val="50000"/>
+            </a:schemeClr>
+          </a:lnRef>
+          <a:fillRef idx="1">
+            <a:schemeClr val="accent1"/>
+          </a:fillRef>
+          <a:effectRef idx="0">
+            <a:schemeClr val="accent1"/>
+          </a:effectRef>
+          <a:fontRef idx="minor">
+            <a:schemeClr val="lt1"/>
+          </a:fontRef>
+        </p:style>
+        <p:txBody>
+          <a:bodyPr rtlCol="0" anchor="ctr"/>
+          <a:lstStyle/>
+          <a:p>
+            <a:pPr algn="ctr"/>
+            <a:endParaRPr lang="zh-CN" altLang="en-US"/>
+          </a:p>
+        </p:txBody>
+      </p:sp>
+      <p:sp>
+        <p:nvSpPr>
+          <p:cNvPr id="3" name="文本框 2"/>
+          <p:cNvSpPr txBox="1"/>
+          <p:nvPr/>
+        </p:nvSpPr>
+        <p:spPr>
+          <a:xfrm>
+            <a:off x="2781300" y="1353040"/>
+            <a:ext cx="6648450" cy="1754326"/>
+          </a:xfrm>
+          <a:prstGeom prst="rect">
+            <a:avLst/>
+          </a:prstGeom>
+          <a:noFill/>
+        </p:spPr>
+        <p:txBody>
+          <a:bodyPr wrap="square" rtlCol="0">
+            <a:spAutoFit/>
+          </a:bodyPr>
+          <a:lstStyle/>
+          <a:p>
+            <a:r>
+              <a:rPr lang="en-US" altLang="zh-CN" sz="5400" b="1" dirty="0" smtClean="0">
+                <a:solidFill>
+                  <a:schemeClr val="accent2"/>
+                </a:solidFill>
+                <a:effectLst>
+                  <a:outerShdw blurRad="38100" dist="38100" dir="2700000" algn="tl">
+                    <a:srgbClr val="000000">
+                      <a:alpha val="43137"/>
+                    </a:srgbClr>
+                  </a:outerShdw>
+                </a:effectLst>
+                <a:latin typeface="微软雅黑" panose="020B0503020204020204" pitchFamily="34" charset="-122"/>
+                <a:ea typeface="微软雅黑" panose="020B0503020204020204" pitchFamily="34" charset="-122"/>
+              </a:rPr>
+              <a:t>PART 5:</a:t>
+            </a:r>
+          </a:p>
+          <a:p>
+            <a:pPr algn="r"/>
+            <a:r>
+              <a:rPr lang="en-US" altLang="zh-CN" sz="5400" b="1" dirty="0" smtClean="0">
+                <a:solidFill>
+                  <a:schemeClr val="accent2"/>
+                </a:solidFill>
+                <a:effectLst>
+                  <a:outerShdw blurRad="38100" dist="38100" dir="2700000" algn="tl">
+                    <a:srgbClr val="000000">
+                      <a:alpha val="43137"/>
+                    </a:srgbClr>
+                  </a:outerShdw>
+                </a:effectLst>
+                <a:latin typeface="微软雅黑" panose="020B0503020204020204" pitchFamily="34" charset="-122"/>
+                <a:ea typeface="微软雅黑" panose="020B0503020204020204" pitchFamily="34" charset="-122"/>
+              </a:rPr>
+              <a:t>Discussion</a:t>
+            </a:r>
+            <a:endParaRPr lang="en-US" altLang="zh-CN" sz="5400" b="1" dirty="0" smtClean="0">
+              <a:solidFill>
+                <a:schemeClr val="accent2"/>
+              </a:solidFill>
+              <a:effectLst>
+                <a:outerShdw blurRad="38100" dist="38100" dir="2700000" algn="tl">
+                  <a:srgbClr val="000000">
+                    <a:alpha val="43137"/>
+                  </a:srgbClr>
+                </a:outerShdw>
+              </a:effectLst>
+              <a:latin typeface="微软雅黑" panose="020B0503020204020204" pitchFamily="34" charset="-122"/>
+              <a:ea typeface="微软雅黑" panose="020B0503020204020204" pitchFamily="34" charset="-122"/>
+            </a:endParaRPr>
+          </a:p>
+        </p:txBody>
+      </p:sp>
+    </p:spTree>
+    <p:extLst>
+      <p:ext uri="{BB962C8B-B14F-4D97-AF65-F5344CB8AC3E}">
+        <p14:creationId xmlns:p14="http://schemas.microsoft.com/office/powerpoint/2010/main" val="1903386637"/>
+      </p:ext>
+    </p:extLst>
+  </p:cSld>
+  <p:clrMapOvr>
+    <a:masterClrMapping/>
+  </p:clrMapOvr>
+  <p:timing>
+    <p:tnLst>
+      <p:par>
+        <p:cTn id="1" dur="indefinite" restart="never" nodeType="tmRoot"/>
+      </p:par>
+    </p:tnLst>
+  </p:timing>
+</p:sld>
+</file>
+
+<file path=ppt/slides/slide48.xml><?xml version="1.0" encoding="utf-8"?>
+<p:sld xmlns:a="http://schemas.openxmlformats.org/drawingml/2006/main" xmlns:r="http://schemas.openxmlformats.org/officeDocument/2006/relationships" xmlns:p="http://schemas.openxmlformats.org/presentationml/2006/main">
+  <p:cSld>
+    <p:spTree>
+      <p:nvGrpSpPr>
+        <p:cNvPr id="1" name=""/>
+        <p:cNvGrpSpPr/>
+        <p:nvPr/>
+      </p:nvGrpSpPr>
+      <p:grpSpPr>
+        <a:xfrm>
+          <a:off x="0" y="0"/>
+          <a:ext cx="0" cy="0"/>
+          <a:chOff x="0" y="0"/>
+          <a:chExt cx="0" cy="0"/>
+        </a:xfrm>
+      </p:grpSpPr>
+      <p:sp>
+        <p:nvSpPr>
+          <p:cNvPr id="6" name="矩形 5"/>
+          <p:cNvSpPr/>
+          <p:nvPr/>
+        </p:nvSpPr>
+        <p:spPr>
+          <a:xfrm rot="877900">
+            <a:off x="2686836" y="-155824"/>
+            <a:ext cx="6186601" cy="6857999"/>
+          </a:xfrm>
+          <a:prstGeom prst="rect">
+            <a:avLst/>
+          </a:prstGeom>
+          <a:solidFill>
+            <a:schemeClr val="bg1">
+              <a:lumMod val="95000"/>
+            </a:schemeClr>
+          </a:solidFill>
+          <a:ln>
+            <a:noFill/>
+          </a:ln>
+        </p:spPr>
+        <p:style>
+          <a:lnRef idx="2">
+            <a:schemeClr val="accent1">
+              <a:shade val="50000"/>
+            </a:schemeClr>
+          </a:lnRef>
+          <a:fillRef idx="1">
+            <a:schemeClr val="accent1"/>
+          </a:fillRef>
+          <a:effectRef idx="0">
+            <a:schemeClr val="accent1"/>
+          </a:effectRef>
+          <a:fontRef idx="minor">
+            <a:schemeClr val="lt1"/>
+          </a:fontRef>
+        </p:style>
+        <p:txBody>
+          <a:bodyPr rtlCol="0" anchor="ctr"/>
+          <a:lstStyle/>
+          <a:p>
+            <a:pPr algn="ctr"/>
+            <a:endParaRPr lang="zh-CN" altLang="en-US"/>
+          </a:p>
+        </p:txBody>
+      </p:sp>
+      <p:sp>
+        <p:nvSpPr>
+          <p:cNvPr id="30" name="文本框 29"/>
+          <p:cNvSpPr txBox="1"/>
+          <p:nvPr/>
+        </p:nvSpPr>
+        <p:spPr>
+          <a:xfrm>
+            <a:off x="662538" y="294935"/>
+            <a:ext cx="9205361" cy="769441"/>
+          </a:xfrm>
+          <a:prstGeom prst="rect">
+            <a:avLst/>
+          </a:prstGeom>
+          <a:noFill/>
+        </p:spPr>
+        <p:txBody>
+          <a:bodyPr wrap="square" rtlCol="0">
+            <a:spAutoFit/>
+          </a:bodyPr>
+          <a:lstStyle/>
+          <a:p>
+            <a:r>
+              <a:rPr lang="en-US" altLang="zh-CN" sz="4400" b="1" dirty="0" smtClean="0">
+                <a:solidFill>
+                  <a:srgbClr val="00ABB4"/>
+                </a:solidFill>
+                <a:latin typeface="微软雅黑" panose="020B0503020204020204" pitchFamily="34" charset="-122"/>
+                <a:ea typeface="微软雅黑" panose="020B0503020204020204" pitchFamily="34" charset="-122"/>
+              </a:rPr>
+              <a:t>User study</a:t>
+            </a:r>
+            <a:endParaRPr lang="en-US" altLang="zh-CN" sz="4400" b="1" dirty="0">
+              <a:solidFill>
+                <a:srgbClr val="00ABB4"/>
+              </a:solidFill>
+              <a:latin typeface="微软雅黑" panose="020B0503020204020204" pitchFamily="34" charset="-122"/>
+              <a:ea typeface="微软雅黑" panose="020B0503020204020204" pitchFamily="34" charset="-122"/>
+            </a:endParaRPr>
+          </a:p>
+        </p:txBody>
+      </p:sp>
+      <p:sp>
+        <p:nvSpPr>
+          <p:cNvPr id="31" name="Rectangle 96"/>
+          <p:cNvSpPr/>
+          <p:nvPr/>
+        </p:nvSpPr>
+        <p:spPr>
+          <a:xfrm>
+            <a:off x="882748" y="859093"/>
+            <a:ext cx="11499752" cy="5262979"/>
+          </a:xfrm>
+          <a:prstGeom prst="rect">
+            <a:avLst/>
+          </a:prstGeom>
+        </p:spPr>
+        <p:txBody>
+          <a:bodyPr wrap="square">
+            <a:spAutoFit/>
+          </a:bodyPr>
+          <a:lstStyle/>
+          <a:p>
+            <a:pPr marL="342900" indent="-342900">
+              <a:lnSpc>
+                <a:spcPct val="200000"/>
+              </a:lnSpc>
+              <a:buFont typeface="Arial" panose="020B0604020202020204" pitchFamily="34" charset="0"/>
+              <a:buChar char="•"/>
+            </a:pPr>
+            <a:r>
+              <a:rPr lang="en-US" altLang="zh-CN" sz="2800" dirty="0" smtClean="0">
+                <a:latin typeface="Meiryo" panose="020B0604030504040204" pitchFamily="34" charset="-128"/>
+                <a:ea typeface="Meiryo" panose="020B0604030504040204" pitchFamily="34" charset="-128"/>
+                <a:cs typeface="Meiryo" panose="020B0604030504040204" pitchFamily="34" charset="-128"/>
+              </a:rPr>
+              <a:t>Pre-work:</a:t>
+            </a:r>
+          </a:p>
+          <a:p>
+            <a:pPr marL="800100" lvl="1" indent="-342900">
+              <a:lnSpc>
+                <a:spcPct val="200000"/>
+              </a:lnSpc>
+              <a:buFont typeface="Arial" panose="020B0604020202020204" pitchFamily="34" charset="0"/>
+              <a:buChar char="•"/>
+            </a:pPr>
+            <a:r>
+              <a:rPr lang="en-US" altLang="zh-CN" sz="2800" dirty="0">
+                <a:latin typeface="Meiryo" panose="020B0604030504040204" pitchFamily="34" charset="-128"/>
+                <a:ea typeface="Meiryo" panose="020B0604030504040204" pitchFamily="34" charset="-128"/>
+                <a:cs typeface="Meiryo" panose="020B0604030504040204" pitchFamily="34" charset="-128"/>
+              </a:rPr>
+              <a:t>A</a:t>
+            </a:r>
+            <a:r>
+              <a:rPr lang="en-US" altLang="zh-CN" sz="2800" dirty="0" smtClean="0">
+                <a:latin typeface="Meiryo" panose="020B0604030504040204" pitchFamily="34" charset="-128"/>
+                <a:ea typeface="Meiryo" panose="020B0604030504040204" pitchFamily="34" charset="-128"/>
+                <a:cs typeface="Meiryo" panose="020B0604030504040204" pitchFamily="34" charset="-128"/>
+              </a:rPr>
+              <a:t> </a:t>
+            </a:r>
+            <a:r>
+              <a:rPr lang="en-US" altLang="zh-CN" sz="2800" dirty="0">
+                <a:latin typeface="Meiryo" panose="020B0604030504040204" pitchFamily="34" charset="-128"/>
+                <a:ea typeface="Meiryo" panose="020B0604030504040204" pitchFamily="34" charset="-128"/>
+                <a:cs typeface="Meiryo" panose="020B0604030504040204" pitchFamily="34" charset="-128"/>
+              </a:rPr>
+              <a:t>benchmark </a:t>
+            </a:r>
+            <a:r>
+              <a:rPr lang="en-US" altLang="zh-CN" sz="2800" dirty="0" smtClean="0">
+                <a:latin typeface="Meiryo" panose="020B0604030504040204" pitchFamily="34" charset="-128"/>
+                <a:ea typeface="Meiryo" panose="020B0604030504040204" pitchFamily="34" charset="-128"/>
+                <a:cs typeface="Meiryo" panose="020B0604030504040204" pitchFamily="34" charset="-128"/>
+              </a:rPr>
+              <a:t>dataset of </a:t>
+            </a:r>
+            <a:r>
+              <a:rPr lang="en-US" altLang="zh-CN" sz="2800" dirty="0">
+                <a:latin typeface="Meiryo" panose="020B0604030504040204" pitchFamily="34" charset="-128"/>
+                <a:ea typeface="Meiryo" panose="020B0604030504040204" pitchFamily="34" charset="-128"/>
+                <a:cs typeface="Meiryo" panose="020B0604030504040204" pitchFamily="34" charset="-128"/>
+              </a:rPr>
+              <a:t>55 images </a:t>
+            </a:r>
+            <a:r>
+              <a:rPr lang="en-US" altLang="zh-CN" sz="2800" dirty="0" smtClean="0">
+                <a:latin typeface="Meiryo" panose="020B0604030504040204" pitchFamily="34" charset="-128"/>
+                <a:ea typeface="Meiryo" panose="020B0604030504040204" pitchFamily="34" charset="-128"/>
+                <a:cs typeface="Meiryo" panose="020B0604030504040204" pitchFamily="34" charset="-128"/>
+              </a:rPr>
+              <a:t>:</a:t>
+            </a:r>
+          </a:p>
+          <a:p>
+            <a:pPr marL="1257300" lvl="2" indent="-342900">
+              <a:lnSpc>
+                <a:spcPct val="200000"/>
+              </a:lnSpc>
+              <a:buFont typeface="Arial" panose="020B0604020202020204" pitchFamily="34" charset="0"/>
+              <a:buChar char="•"/>
+            </a:pPr>
+            <a:r>
+              <a:rPr lang="en-US" altLang="zh-CN" sz="2800" dirty="0" smtClean="0">
+                <a:latin typeface="Meiryo" panose="020B0604030504040204" pitchFamily="34" charset="-128"/>
+                <a:ea typeface="Meiryo" panose="020B0604030504040204" pitchFamily="34" charset="-128"/>
+                <a:cs typeface="Meiryo" panose="020B0604030504040204" pitchFamily="34" charset="-128"/>
+              </a:rPr>
+              <a:t>50 </a:t>
+            </a:r>
+            <a:r>
+              <a:rPr lang="en-US" altLang="zh-CN" sz="2800" dirty="0">
+                <a:latin typeface="Meiryo" panose="020B0604030504040204" pitchFamily="34" charset="-128"/>
+                <a:ea typeface="Meiryo" panose="020B0604030504040204" pitchFamily="34" charset="-128"/>
+                <a:cs typeface="Meiryo" panose="020B0604030504040204" pitchFamily="34" charset="-128"/>
+              </a:rPr>
+              <a:t>images </a:t>
+            </a:r>
+            <a:r>
+              <a:rPr lang="en-US" altLang="zh-CN" sz="2800" dirty="0" smtClean="0">
+                <a:latin typeface="Meiryo" panose="020B0604030504040204" pitchFamily="34" charset="-128"/>
+                <a:ea typeface="Meiryo" panose="020B0604030504040204" pitchFamily="34" charset="-128"/>
+                <a:cs typeface="Meiryo" panose="020B0604030504040204" pitchFamily="34" charset="-128"/>
+              </a:rPr>
+              <a:t>:randomly </a:t>
+            </a:r>
+            <a:r>
+              <a:rPr lang="en-US" altLang="zh-CN" sz="2800" dirty="0">
+                <a:latin typeface="Meiryo" panose="020B0604030504040204" pitchFamily="34" charset="-128"/>
+                <a:ea typeface="Meiryo" panose="020B0604030504040204" pitchFamily="34" charset="-128"/>
+                <a:cs typeface="Meiryo" panose="020B0604030504040204" pitchFamily="34" charset="-128"/>
+              </a:rPr>
+              <a:t>chosen from </a:t>
+            </a:r>
+            <a:r>
+              <a:rPr lang="en-US" altLang="zh-CN" sz="2800" dirty="0" smtClean="0">
+                <a:latin typeface="Meiryo" panose="020B0604030504040204" pitchFamily="34" charset="-128"/>
+                <a:ea typeface="Meiryo" panose="020B0604030504040204" pitchFamily="34" charset="-128"/>
+                <a:cs typeface="Meiryo" panose="020B0604030504040204" pitchFamily="34" charset="-128"/>
+              </a:rPr>
+              <a:t>the FiveK </a:t>
+            </a:r>
+            <a:r>
+              <a:rPr lang="en-US" altLang="zh-CN" sz="2800" dirty="0">
+                <a:latin typeface="Meiryo" panose="020B0604030504040204" pitchFamily="34" charset="-128"/>
+                <a:ea typeface="Meiryo" panose="020B0604030504040204" pitchFamily="34" charset="-128"/>
+                <a:cs typeface="Meiryo" panose="020B0604030504040204" pitchFamily="34" charset="-128"/>
+              </a:rPr>
+              <a:t>dataset </a:t>
+            </a:r>
+            <a:endParaRPr lang="en-US" altLang="zh-CN" sz="2800" dirty="0" smtClean="0">
+              <a:latin typeface="Meiryo" panose="020B0604030504040204" pitchFamily="34" charset="-128"/>
+              <a:ea typeface="Meiryo" panose="020B0604030504040204" pitchFamily="34" charset="-128"/>
+              <a:cs typeface="Meiryo" panose="020B0604030504040204" pitchFamily="34" charset="-128"/>
+            </a:endParaRPr>
+          </a:p>
+          <a:p>
+            <a:pPr marL="1257300" lvl="2" indent="-342900">
+              <a:lnSpc>
+                <a:spcPct val="200000"/>
+              </a:lnSpc>
+              <a:buFont typeface="Arial" panose="020B0604020202020204" pitchFamily="34" charset="0"/>
+              <a:buChar char="•"/>
+            </a:pPr>
+            <a:r>
+              <a:rPr lang="en-US" altLang="zh-CN" sz="2800" dirty="0" smtClean="0">
+                <a:latin typeface="Meiryo" panose="020B0604030504040204" pitchFamily="34" charset="-128"/>
+                <a:ea typeface="Meiryo" panose="020B0604030504040204" pitchFamily="34" charset="-128"/>
+                <a:cs typeface="Meiryo" panose="020B0604030504040204" pitchFamily="34" charset="-128"/>
+              </a:rPr>
+              <a:t> </a:t>
+            </a:r>
+            <a:r>
+              <a:rPr lang="en-US" altLang="zh-CN" sz="2800" dirty="0">
+                <a:latin typeface="Meiryo" panose="020B0604030504040204" pitchFamily="34" charset="-128"/>
+                <a:ea typeface="Meiryo" panose="020B0604030504040204" pitchFamily="34" charset="-128"/>
+                <a:cs typeface="Meiryo" panose="020B0604030504040204" pitchFamily="34" charset="-128"/>
+              </a:rPr>
+              <a:t>the rest </a:t>
+            </a:r>
+            <a:r>
+              <a:rPr lang="en-US" altLang="zh-CN" sz="2800" dirty="0" smtClean="0">
+                <a:latin typeface="Meiryo" panose="020B0604030504040204" pitchFamily="34" charset="-128"/>
+                <a:ea typeface="Meiryo" panose="020B0604030504040204" pitchFamily="34" charset="-128"/>
+                <a:cs typeface="Meiryo" panose="020B0604030504040204" pitchFamily="34" charset="-128"/>
+              </a:rPr>
+              <a:t>: </a:t>
+            </a:r>
+            <a:r>
+              <a:rPr lang="en-US" altLang="zh-CN" sz="2800" dirty="0">
+                <a:latin typeface="Meiryo" panose="020B0604030504040204" pitchFamily="34" charset="-128"/>
+                <a:ea typeface="Meiryo" panose="020B0604030504040204" pitchFamily="34" charset="-128"/>
+                <a:cs typeface="Meiryo" panose="020B0604030504040204" pitchFamily="34" charset="-128"/>
+              </a:rPr>
+              <a:t>downloaded from </a:t>
+            </a:r>
+            <a:r>
+              <a:rPr lang="en-US" altLang="zh-CN" sz="2800" dirty="0" smtClean="0">
+                <a:latin typeface="Meiryo" panose="020B0604030504040204" pitchFamily="34" charset="-128"/>
+                <a:ea typeface="Meiryo" panose="020B0604030504040204" pitchFamily="34" charset="-128"/>
+                <a:cs typeface="Meiryo" panose="020B0604030504040204" pitchFamily="34" charset="-128"/>
+              </a:rPr>
+              <a:t>Flickr</a:t>
+            </a:r>
+          </a:p>
+          <a:p>
+            <a:pPr marL="800100" lvl="1" indent="-342900">
+              <a:lnSpc>
+                <a:spcPct val="200000"/>
+              </a:lnSpc>
+              <a:buFont typeface="Arial" panose="020B0604020202020204" pitchFamily="34" charset="0"/>
+              <a:buChar char="•"/>
+            </a:pPr>
+            <a:r>
+              <a:rPr lang="en-US" altLang="zh-CN" sz="2800" dirty="0" smtClean="0">
+                <a:latin typeface="Meiryo" panose="020B0604030504040204" pitchFamily="34" charset="-128"/>
+                <a:ea typeface="Meiryo" panose="020B0604030504040204" pitchFamily="34" charset="-128"/>
+                <a:cs typeface="Meiryo" panose="020B0604030504040204" pitchFamily="34" charset="-128"/>
+              </a:rPr>
+              <a:t>Resize : 500-pixels wide </a:t>
+            </a:r>
+          </a:p>
+          <a:p>
+            <a:pPr marL="800100" lvl="1" indent="-342900">
+              <a:lnSpc>
+                <a:spcPct val="200000"/>
+              </a:lnSpc>
+              <a:buFont typeface="Arial" panose="020B0604020202020204" pitchFamily="34" charset="0"/>
+              <a:buChar char="•"/>
+            </a:pPr>
+            <a:r>
+              <a:rPr lang="en-US" altLang="zh-CN" sz="2800" dirty="0" smtClean="0">
+                <a:latin typeface="Meiryo" panose="020B0604030504040204" pitchFamily="34" charset="-128"/>
+                <a:ea typeface="Meiryo" panose="020B0604030504040204" pitchFamily="34" charset="-128"/>
+                <a:cs typeface="Meiryo" panose="020B0604030504040204" pitchFamily="34" charset="-128"/>
+              </a:rPr>
+              <a:t>Store : </a:t>
+            </a:r>
+            <a:r>
+              <a:rPr lang="en-US" altLang="zh-CN" sz="2800" dirty="0">
+                <a:latin typeface="Meiryo" panose="020B0604030504040204" pitchFamily="34" charset="-128"/>
+                <a:ea typeface="Meiryo" panose="020B0604030504040204" pitchFamily="34" charset="-128"/>
+                <a:cs typeface="Meiryo" panose="020B0604030504040204" pitchFamily="34" charset="-128"/>
+              </a:rPr>
+              <a:t>8-bit sRGB JPEG </a:t>
+            </a:r>
+          </a:p>
+        </p:txBody>
+      </p:sp>
+    </p:spTree>
+    <p:extLst>
+      <p:ext uri="{BB962C8B-B14F-4D97-AF65-F5344CB8AC3E}">
+        <p14:creationId xmlns:p14="http://schemas.microsoft.com/office/powerpoint/2010/main" val="3480431461"/>
+      </p:ext>
+    </p:extLst>
+  </p:cSld>
+  <p:clrMapOvr>
+    <a:masterClrMapping/>
+  </p:clrMapOvr>
+  <p:timing>
+    <p:tnLst>
+      <p:par>
+        <p:cTn id="1" dur="indefinite" restart="never" nodeType="tmRoot"/>
+      </p:par>
+    </p:tnLst>
+  </p:timing>
+</p:sld>
+</file>
+
+<file path=ppt/slides/slide49.xml><?xml version="1.0" encoding="utf-8"?>
+<p:sld xmlns:a="http://schemas.openxmlformats.org/drawingml/2006/main" xmlns:r="http://schemas.openxmlformats.org/officeDocument/2006/relationships" xmlns:p="http://schemas.openxmlformats.org/presentationml/2006/main">
+  <p:cSld>
+    <p:spTree>
+      <p:nvGrpSpPr>
+        <p:cNvPr id="1" name=""/>
+        <p:cNvGrpSpPr/>
+        <p:nvPr/>
+      </p:nvGrpSpPr>
+      <p:grpSpPr>
+        <a:xfrm>
+          <a:off x="0" y="0"/>
+          <a:ext cx="0" cy="0"/>
+          <a:chOff x="0" y="0"/>
+          <a:chExt cx="0" cy="0"/>
+        </a:xfrm>
+      </p:grpSpPr>
+      <p:sp>
+        <p:nvSpPr>
+          <p:cNvPr id="6" name="矩形 5"/>
+          <p:cNvSpPr/>
+          <p:nvPr/>
+        </p:nvSpPr>
+        <p:spPr>
+          <a:xfrm rot="877900">
+            <a:off x="2686836" y="-155824"/>
+            <a:ext cx="6186601" cy="6857999"/>
+          </a:xfrm>
+          <a:prstGeom prst="rect">
+            <a:avLst/>
+          </a:prstGeom>
+          <a:solidFill>
+            <a:schemeClr val="bg1">
+              <a:lumMod val="95000"/>
+            </a:schemeClr>
+          </a:solidFill>
+          <a:ln>
+            <a:noFill/>
+          </a:ln>
+        </p:spPr>
+        <p:style>
+          <a:lnRef idx="2">
+            <a:schemeClr val="accent1">
+              <a:shade val="50000"/>
+            </a:schemeClr>
+          </a:lnRef>
+          <a:fillRef idx="1">
+            <a:schemeClr val="accent1"/>
+          </a:fillRef>
+          <a:effectRef idx="0">
+            <a:schemeClr val="accent1"/>
+          </a:effectRef>
+          <a:fontRef idx="minor">
+            <a:schemeClr val="lt1"/>
+          </a:fontRef>
+        </p:style>
+        <p:txBody>
+          <a:bodyPr rtlCol="0" anchor="ctr"/>
+          <a:lstStyle/>
+          <a:p>
+            <a:pPr algn="ctr"/>
+            <a:endParaRPr lang="zh-CN" altLang="en-US"/>
+          </a:p>
+        </p:txBody>
+      </p:sp>
+      <p:sp>
+        <p:nvSpPr>
+          <p:cNvPr id="30" name="文本框 29"/>
+          <p:cNvSpPr txBox="1"/>
+          <p:nvPr/>
+        </p:nvSpPr>
+        <p:spPr>
+          <a:xfrm>
+            <a:off x="662538" y="294935"/>
+            <a:ext cx="9205361" cy="769441"/>
+          </a:xfrm>
+          <a:prstGeom prst="rect">
+            <a:avLst/>
+          </a:prstGeom>
+          <a:noFill/>
+        </p:spPr>
+        <p:txBody>
+          <a:bodyPr wrap="square" rtlCol="0">
+            <a:spAutoFit/>
+          </a:bodyPr>
+          <a:lstStyle/>
+          <a:p>
+            <a:r>
+              <a:rPr lang="en-US" altLang="zh-CN" sz="4400" b="1" dirty="0" smtClean="0">
+                <a:solidFill>
+                  <a:srgbClr val="00ABB4"/>
+                </a:solidFill>
+                <a:latin typeface="微软雅黑" panose="020B0503020204020204" pitchFamily="34" charset="-122"/>
+                <a:ea typeface="微软雅黑" panose="020B0503020204020204" pitchFamily="34" charset="-122"/>
+              </a:rPr>
+              <a:t>User study</a:t>
+            </a:r>
+            <a:endParaRPr lang="en-US" altLang="zh-CN" sz="4400" b="1" dirty="0">
+              <a:solidFill>
+                <a:srgbClr val="00ABB4"/>
+              </a:solidFill>
+              <a:latin typeface="微软雅黑" panose="020B0503020204020204" pitchFamily="34" charset="-122"/>
+              <a:ea typeface="微软雅黑" panose="020B0503020204020204" pitchFamily="34" charset="-122"/>
+            </a:endParaRPr>
+          </a:p>
+        </p:txBody>
+      </p:sp>
+      <p:sp>
+        <p:nvSpPr>
+          <p:cNvPr id="31" name="Rectangle 96"/>
+          <p:cNvSpPr/>
+          <p:nvPr/>
+        </p:nvSpPr>
+        <p:spPr>
+          <a:xfrm>
+            <a:off x="882748" y="1224972"/>
+            <a:ext cx="11499752" cy="4401205"/>
+          </a:xfrm>
+          <a:prstGeom prst="rect">
+            <a:avLst/>
+          </a:prstGeom>
+        </p:spPr>
+        <p:txBody>
+          <a:bodyPr wrap="square">
+            <a:spAutoFit/>
+          </a:bodyPr>
+          <a:lstStyle/>
+          <a:p>
+            <a:pPr marL="342900" indent="-342900">
+              <a:lnSpc>
+                <a:spcPct val="200000"/>
+              </a:lnSpc>
+              <a:buFont typeface="Arial" panose="020B0604020202020204" pitchFamily="34" charset="0"/>
+              <a:buChar char="•"/>
+            </a:pPr>
+            <a:r>
+              <a:rPr lang="en-US" altLang="zh-CN" sz="2800" dirty="0" smtClean="0">
+                <a:latin typeface="Meiryo" panose="020B0604030504040204" pitchFamily="34" charset="-128"/>
+                <a:ea typeface="Meiryo" panose="020B0604030504040204" pitchFamily="34" charset="-128"/>
+                <a:cs typeface="Meiryo" panose="020B0604030504040204" pitchFamily="34" charset="-128"/>
+              </a:rPr>
+              <a:t>Baseline(Pro) :</a:t>
+            </a:r>
+          </a:p>
+          <a:p>
+            <a:pPr marL="800100" lvl="1" indent="-342900">
+              <a:lnSpc>
+                <a:spcPct val="200000"/>
+              </a:lnSpc>
+              <a:buFont typeface="Arial" panose="020B0604020202020204" pitchFamily="34" charset="0"/>
+              <a:buChar char="•"/>
+            </a:pPr>
+            <a:r>
+              <a:rPr lang="en-US" altLang="zh-CN" sz="2800" dirty="0">
+                <a:latin typeface="Meiryo" panose="020B0604030504040204" pitchFamily="34" charset="-128"/>
+                <a:ea typeface="Meiryo" panose="020B0604030504040204" pitchFamily="34" charset="-128"/>
+                <a:cs typeface="Meiryo" panose="020B0604030504040204" pitchFamily="34" charset="-128"/>
+              </a:rPr>
+              <a:t>5 diverse stylizations </a:t>
+            </a:r>
+            <a:r>
+              <a:rPr lang="en-US" altLang="zh-CN" sz="2800" dirty="0" smtClean="0">
+                <a:latin typeface="Meiryo" panose="020B0604030504040204" pitchFamily="34" charset="-128"/>
+                <a:ea typeface="Meiryo" panose="020B0604030504040204" pitchFamily="34" charset="-128"/>
+                <a:cs typeface="Meiryo" panose="020B0604030504040204" pitchFamily="34" charset="-128"/>
+              </a:rPr>
+              <a:t>created by a professional </a:t>
+            </a:r>
+            <a:r>
+              <a:rPr lang="en-US" altLang="zh-CN" sz="2800" dirty="0">
+                <a:latin typeface="Meiryo" panose="020B0604030504040204" pitchFamily="34" charset="-128"/>
+                <a:ea typeface="Meiryo" panose="020B0604030504040204" pitchFamily="34" charset="-128"/>
+                <a:cs typeface="Meiryo" panose="020B0604030504040204" pitchFamily="34" charset="-128"/>
+              </a:rPr>
+              <a:t>artist </a:t>
+            </a:r>
+            <a:endParaRPr lang="en-US" altLang="zh-CN" sz="2800" dirty="0" smtClean="0">
+              <a:latin typeface="Meiryo" panose="020B0604030504040204" pitchFamily="34" charset="-128"/>
+              <a:ea typeface="Meiryo" panose="020B0604030504040204" pitchFamily="34" charset="-128"/>
+              <a:cs typeface="Meiryo" panose="020B0604030504040204" pitchFamily="34" charset="-128"/>
+            </a:endParaRPr>
+          </a:p>
+          <a:p>
+            <a:pPr marL="800100" lvl="1" indent="-342900">
+              <a:lnSpc>
+                <a:spcPct val="200000"/>
+              </a:lnSpc>
+              <a:buFont typeface="Arial" panose="020B0604020202020204" pitchFamily="34" charset="0"/>
+              <a:buChar char="•"/>
+            </a:pPr>
+            <a:r>
+              <a:rPr lang="en-US" altLang="zh-CN" sz="2800" dirty="0" smtClean="0">
+                <a:latin typeface="Meiryo" panose="020B0604030504040204" pitchFamily="34" charset="-128"/>
+                <a:ea typeface="Meiryo" panose="020B0604030504040204" pitchFamily="34" charset="-128"/>
+                <a:cs typeface="Meiryo" panose="020B0604030504040204" pitchFamily="34" charset="-128"/>
+              </a:rPr>
+              <a:t>Globally </a:t>
+            </a:r>
+            <a:r>
+              <a:rPr lang="en-US" altLang="zh-CN" sz="2800" dirty="0">
+                <a:latin typeface="Meiryo" panose="020B0604030504040204" pitchFamily="34" charset="-128"/>
+                <a:ea typeface="Meiryo" panose="020B0604030504040204" pitchFamily="34" charset="-128"/>
+                <a:cs typeface="Meiryo" panose="020B0604030504040204" pitchFamily="34" charset="-128"/>
+              </a:rPr>
+              <a:t>edit the color and tone </a:t>
+            </a:r>
+            <a:endParaRPr lang="en-US" altLang="zh-CN" sz="2800" dirty="0">
+              <a:latin typeface="Meiryo" panose="020B0604030504040204" pitchFamily="34" charset="-128"/>
+              <a:ea typeface="Meiryo" panose="020B0604030504040204" pitchFamily="34" charset="-128"/>
+              <a:cs typeface="Meiryo" panose="020B0604030504040204" pitchFamily="34" charset="-128"/>
+            </a:endParaRPr>
+          </a:p>
+          <a:p>
+            <a:pPr marL="800100" lvl="1" indent="-342900">
+              <a:lnSpc>
+                <a:spcPct val="200000"/>
+              </a:lnSpc>
+              <a:buFont typeface="Arial" panose="020B0604020202020204" pitchFamily="34" charset="0"/>
+              <a:buChar char="•"/>
+            </a:pPr>
+            <a:r>
+              <a:rPr lang="en-US" altLang="zh-CN" sz="2800" dirty="0">
+                <a:latin typeface="Meiryo" panose="020B0604030504040204" pitchFamily="34" charset="-128"/>
+                <a:ea typeface="Meiryo" panose="020B0604030504040204" pitchFamily="34" charset="-128"/>
+                <a:cs typeface="Meiryo" panose="020B0604030504040204" pitchFamily="34" charset="-128"/>
+              </a:rPr>
+              <a:t>Using tools in </a:t>
+            </a:r>
+            <a:r>
+              <a:rPr lang="en-US" altLang="zh-CN" sz="2800" dirty="0">
+                <a:latin typeface="Meiryo" panose="020B0604030504040204" pitchFamily="34" charset="-128"/>
+                <a:ea typeface="Meiryo" panose="020B0604030504040204" pitchFamily="34" charset="-128"/>
+                <a:cs typeface="Meiryo" panose="020B0604030504040204" pitchFamily="34" charset="-128"/>
+              </a:rPr>
+              <a:t>Adobe Photoshop </a:t>
+            </a:r>
+            <a:endParaRPr lang="en-US" altLang="zh-CN" sz="2800" dirty="0" smtClean="0">
+              <a:latin typeface="Meiryo" panose="020B0604030504040204" pitchFamily="34" charset="-128"/>
+              <a:ea typeface="Meiryo" panose="020B0604030504040204" pitchFamily="34" charset="-128"/>
+              <a:cs typeface="Meiryo" panose="020B0604030504040204" pitchFamily="34" charset="-128"/>
+            </a:endParaRPr>
+          </a:p>
+          <a:p>
+            <a:pPr marL="342900" indent="-342900">
+              <a:lnSpc>
+                <a:spcPct val="200000"/>
+              </a:lnSpc>
+              <a:buFont typeface="Arial" panose="020B0604020202020204" pitchFamily="34" charset="0"/>
+              <a:buChar char="•"/>
+            </a:pPr>
+            <a:r>
+              <a:rPr lang="en-US" altLang="zh-CN" sz="2800" dirty="0" smtClean="0">
+                <a:latin typeface="Meiryo" panose="020B0604030504040204" pitchFamily="34" charset="-128"/>
+                <a:ea typeface="Meiryo" panose="020B0604030504040204" pitchFamily="34" charset="-128"/>
+                <a:cs typeface="Meiryo" panose="020B0604030504040204" pitchFamily="34" charset="-128"/>
+              </a:rPr>
+              <a:t>Two studys</a:t>
+            </a:r>
+            <a:endParaRPr lang="en-US" altLang="zh-CN" sz="2800" dirty="0">
+              <a:latin typeface="Meiryo" panose="020B0604030504040204" pitchFamily="34" charset="-128"/>
+              <a:ea typeface="Meiryo" panose="020B0604030504040204" pitchFamily="34" charset="-128"/>
+              <a:cs typeface="Meiryo" panose="020B0604030504040204" pitchFamily="34" charset="-128"/>
+            </a:endParaRPr>
+          </a:p>
+        </p:txBody>
+      </p:sp>
+    </p:spTree>
+    <p:extLst>
+      <p:ext uri="{BB962C8B-B14F-4D97-AF65-F5344CB8AC3E}">
+        <p14:creationId xmlns:p14="http://schemas.microsoft.com/office/powerpoint/2010/main" val="2813725128"/>
+      </p:ext>
+    </p:extLst>
+  </p:cSld>
+  <p:clrMapOvr>
+    <a:masterClrMapping/>
+  </p:clrMapOvr>
+  <p:timing>
+    <p:tnLst>
+      <p:par>
+        <p:cTn id="1" dur="indefinite" restart="never" nodeType="tmRoot"/>
+      </p:par>
+    </p:tnLst>
+  </p:timing>
+</p:sld>
+</file>
+
+<file path=ppt/slides/slide5.xml><?xml version="1.0" encoding="utf-8"?>
+<p:sld xmlns:a="http://schemas.openxmlformats.org/drawingml/2006/main" xmlns:r="http://schemas.openxmlformats.org/officeDocument/2006/relationships" xmlns:p="http://schemas.openxmlformats.org/presentationml/2006/main">
+  <p:cSld>
+    <p:spTree>
+      <p:nvGrpSpPr>
+        <p:cNvPr id="1" name=""/>
+        <p:cNvGrpSpPr/>
+        <p:nvPr/>
+      </p:nvGrpSpPr>
+      <p:grpSpPr>
+        <a:xfrm>
+          <a:off x="0" y="0"/>
+          <a:ext cx="0" cy="0"/>
+          <a:chOff x="0" y="0"/>
+          <a:chExt cx="0" cy="0"/>
+        </a:xfrm>
+      </p:grpSpPr>
+      <p:sp>
+        <p:nvSpPr>
+          <p:cNvPr id="7" name="椭圆 6"/>
+          <p:cNvSpPr/>
+          <p:nvPr/>
+        </p:nvSpPr>
+        <p:spPr>
+          <a:xfrm>
+            <a:off x="1123950" y="534753"/>
+            <a:ext cx="9963150" cy="3390900"/>
+          </a:xfrm>
+          <a:prstGeom prst="ellipse">
+            <a:avLst/>
+          </a:prstGeom>
+          <a:solidFill>
+            <a:schemeClr val="bg1">
+              <a:lumMod val="95000"/>
+            </a:schemeClr>
+          </a:solidFill>
+          <a:ln>
+            <a:noFill/>
+          </a:ln>
+        </p:spPr>
+        <p:style>
+          <a:lnRef idx="2">
+            <a:schemeClr val="accent1">
+              <a:shade val="50000"/>
+            </a:schemeClr>
+          </a:lnRef>
+          <a:fillRef idx="1">
+            <a:schemeClr val="accent1"/>
+          </a:fillRef>
+          <a:effectRef idx="0">
+            <a:schemeClr val="accent1"/>
+          </a:effectRef>
+          <a:fontRef idx="minor">
+            <a:schemeClr val="lt1"/>
+          </a:fontRef>
+        </p:style>
+        <p:txBody>
+          <a:bodyPr rtlCol="0" anchor="ctr"/>
+          <a:lstStyle/>
+          <a:p>
+            <a:pPr algn="ctr"/>
+            <a:endParaRPr lang="zh-CN" altLang="en-US"/>
+          </a:p>
+        </p:txBody>
+      </p:sp>
+      <p:sp>
+        <p:nvSpPr>
+          <p:cNvPr id="3" name="文本框 2"/>
+          <p:cNvSpPr txBox="1"/>
+          <p:nvPr/>
+        </p:nvSpPr>
+        <p:spPr>
+          <a:xfrm>
+            <a:off x="2606040" y="1353040"/>
+            <a:ext cx="6042660" cy="1754326"/>
+          </a:xfrm>
+          <a:prstGeom prst="rect">
+            <a:avLst/>
+          </a:prstGeom>
+          <a:noFill/>
+        </p:spPr>
+        <p:txBody>
+          <a:bodyPr wrap="square" rtlCol="0">
+            <a:spAutoFit/>
+          </a:bodyPr>
+          <a:lstStyle/>
+          <a:p>
+            <a:r>
+              <a:rPr lang="en-US" altLang="zh-CN" sz="5400" b="1" dirty="0" smtClean="0">
+                <a:solidFill>
+                  <a:schemeClr val="accent2"/>
+                </a:solidFill>
+                <a:effectLst>
+                  <a:outerShdw blurRad="38100" dist="38100" dir="2700000" algn="tl">
+                    <a:srgbClr val="000000">
+                      <a:alpha val="43137"/>
+                    </a:srgbClr>
+                  </a:outerShdw>
+                </a:effectLst>
+                <a:latin typeface="微软雅黑" panose="020B0503020204020204" pitchFamily="34" charset="-122"/>
+                <a:ea typeface="微软雅黑" panose="020B0503020204020204" pitchFamily="34" charset="-122"/>
+              </a:rPr>
+              <a:t>PART 2:</a:t>
+            </a:r>
+          </a:p>
+          <a:p>
+            <a:pPr algn="r"/>
+            <a:r>
+              <a:rPr lang="en-US" altLang="zh-CN" sz="5400" b="1" dirty="0" smtClean="0">
+                <a:solidFill>
+                  <a:schemeClr val="accent2"/>
+                </a:solidFill>
+                <a:effectLst>
+                  <a:outerShdw blurRad="38100" dist="38100" dir="2700000" algn="tl">
+                    <a:srgbClr val="000000">
+                      <a:alpha val="43137"/>
+                    </a:srgbClr>
+                  </a:outerShdw>
+                </a:effectLst>
+                <a:latin typeface="微软雅黑" panose="020B0503020204020204" pitchFamily="34" charset="-122"/>
+                <a:ea typeface="微软雅黑" panose="020B0503020204020204" pitchFamily="34" charset="-122"/>
+              </a:rPr>
+              <a:t>Introduction</a:t>
+            </a:r>
+            <a:endParaRPr lang="en-US" altLang="zh-CN" sz="5400" b="1" dirty="0" smtClean="0">
+              <a:solidFill>
+                <a:schemeClr val="accent2"/>
+              </a:solidFill>
+              <a:effectLst>
+                <a:outerShdw blurRad="38100" dist="38100" dir="2700000" algn="tl">
+                  <a:srgbClr val="000000">
+                    <a:alpha val="43137"/>
+                  </a:srgbClr>
+                </a:outerShdw>
+              </a:effectLst>
+              <a:latin typeface="微软雅黑" panose="020B0503020204020204" pitchFamily="34" charset="-122"/>
+              <a:ea typeface="微软雅黑" panose="020B0503020204020204" pitchFamily="34" charset="-122"/>
+            </a:endParaRPr>
+          </a:p>
+        </p:txBody>
+      </p:sp>
+    </p:spTree>
+    <p:extLst>
+      <p:ext uri="{BB962C8B-B14F-4D97-AF65-F5344CB8AC3E}">
+        <p14:creationId xmlns:p14="http://schemas.microsoft.com/office/powerpoint/2010/main" val="2518753872"/>
+      </p:ext>
+    </p:extLst>
+  </p:cSld>
+  <p:clrMapOvr>
+    <a:masterClrMapping/>
+  </p:clrMapOvr>
+  <p:timing>
+    <p:tnLst>
+      <p:par>
+        <p:cTn id="1" dur="indefinite" restart="never" nodeType="tmRoot"/>
+      </p:par>
+    </p:tnLst>
+  </p:timing>
+</p:sld>
+</file>
+
+<file path=ppt/slides/slide50.xml><?xml version="1.0" encoding="utf-8"?>
+<p:sld xmlns:a="http://schemas.openxmlformats.org/drawingml/2006/main" xmlns:r="http://schemas.openxmlformats.org/officeDocument/2006/relationships" xmlns:p="http://schemas.openxmlformats.org/presentationml/2006/main">
+  <p:cSld>
+    <p:spTree>
+      <p:nvGrpSpPr>
+        <p:cNvPr id="1" name=""/>
+        <p:cNvGrpSpPr/>
+        <p:nvPr/>
+      </p:nvGrpSpPr>
+      <p:grpSpPr>
+        <a:xfrm>
+          <a:off x="0" y="0"/>
+          <a:ext cx="0" cy="0"/>
+          <a:chOff x="0" y="0"/>
+          <a:chExt cx="0" cy="0"/>
+        </a:xfrm>
+      </p:grpSpPr>
+      <p:sp>
+        <p:nvSpPr>
+          <p:cNvPr id="6" name="矩形 5"/>
+          <p:cNvSpPr/>
+          <p:nvPr/>
+        </p:nvSpPr>
+        <p:spPr>
+          <a:xfrm rot="877900">
+            <a:off x="2686836" y="-155824"/>
+            <a:ext cx="6186601" cy="6857999"/>
+          </a:xfrm>
+          <a:prstGeom prst="rect">
+            <a:avLst/>
+          </a:prstGeom>
+          <a:solidFill>
+            <a:schemeClr val="bg1">
+              <a:lumMod val="95000"/>
+            </a:schemeClr>
+          </a:solidFill>
+          <a:ln>
+            <a:noFill/>
+          </a:ln>
+        </p:spPr>
+        <p:style>
+          <a:lnRef idx="2">
+            <a:schemeClr val="accent1">
+              <a:shade val="50000"/>
+            </a:schemeClr>
+          </a:lnRef>
+          <a:fillRef idx="1">
+            <a:schemeClr val="accent1"/>
+          </a:fillRef>
+          <a:effectRef idx="0">
+            <a:schemeClr val="accent1"/>
+          </a:effectRef>
+          <a:fontRef idx="minor">
+            <a:schemeClr val="lt1"/>
+          </a:fontRef>
+        </p:style>
+        <p:txBody>
+          <a:bodyPr rtlCol="0" anchor="ctr"/>
+          <a:lstStyle/>
+          <a:p>
+            <a:pPr algn="ctr"/>
+            <a:endParaRPr lang="zh-CN" altLang="en-US"/>
+          </a:p>
+        </p:txBody>
+      </p:sp>
+      <p:sp>
+        <p:nvSpPr>
+          <p:cNvPr id="30" name="文本框 29"/>
+          <p:cNvSpPr txBox="1"/>
+          <p:nvPr/>
+        </p:nvSpPr>
+        <p:spPr>
+          <a:xfrm>
+            <a:off x="662538" y="294935"/>
+            <a:ext cx="9205361" cy="769441"/>
+          </a:xfrm>
+          <a:prstGeom prst="rect">
+            <a:avLst/>
+          </a:prstGeom>
+          <a:noFill/>
+        </p:spPr>
+        <p:txBody>
+          <a:bodyPr wrap="square" rtlCol="0">
+            <a:spAutoFit/>
+          </a:bodyPr>
+          <a:lstStyle/>
+          <a:p>
+            <a:r>
+              <a:rPr lang="en-US" altLang="zh-CN" sz="4400" b="1" dirty="0" smtClean="0">
+                <a:solidFill>
+                  <a:srgbClr val="00ABB4"/>
+                </a:solidFill>
+                <a:latin typeface="微软雅黑" panose="020B0503020204020204" pitchFamily="34" charset="-122"/>
+                <a:ea typeface="微软雅黑" panose="020B0503020204020204" pitchFamily="34" charset="-122"/>
+              </a:rPr>
+              <a:t>Study 1</a:t>
+            </a:r>
+            <a:endParaRPr lang="en-US" altLang="zh-CN" sz="4400" b="1" dirty="0">
+              <a:solidFill>
+                <a:srgbClr val="00ABB4"/>
+              </a:solidFill>
+              <a:latin typeface="微软雅黑" panose="020B0503020204020204" pitchFamily="34" charset="-122"/>
+              <a:ea typeface="微软雅黑" panose="020B0503020204020204" pitchFamily="34" charset="-122"/>
+            </a:endParaRPr>
+          </a:p>
+        </p:txBody>
+      </p:sp>
+      <p:sp>
+        <p:nvSpPr>
+          <p:cNvPr id="31" name="Rectangle 96"/>
+          <p:cNvSpPr/>
+          <p:nvPr/>
+        </p:nvSpPr>
+        <p:spPr>
+          <a:xfrm>
+            <a:off x="882748" y="1377372"/>
+            <a:ext cx="10394852" cy="4401205"/>
+          </a:xfrm>
+          <a:prstGeom prst="rect">
+            <a:avLst/>
+          </a:prstGeom>
+        </p:spPr>
+        <p:txBody>
+          <a:bodyPr wrap="square">
+            <a:spAutoFit/>
+          </a:bodyPr>
+          <a:lstStyle/>
+          <a:p>
+            <a:pPr marL="800100" lvl="1" indent="-342900">
+              <a:lnSpc>
+                <a:spcPct val="200000"/>
+              </a:lnSpc>
+              <a:buFont typeface="Arial" panose="020B0604020202020204" pitchFamily="34" charset="0"/>
+              <a:buChar char="•"/>
+            </a:pPr>
+            <a:r>
+              <a:rPr lang="en-US" altLang="zh-CN" sz="2800" dirty="0" smtClean="0">
+                <a:latin typeface="Meiryo" panose="020B0604030504040204" pitchFamily="34" charset="-128"/>
+                <a:ea typeface="Meiryo" panose="020B0604030504040204" pitchFamily="34" charset="-128"/>
+                <a:cs typeface="Meiryo" panose="020B0604030504040204" pitchFamily="34" charset="-128"/>
+              </a:rPr>
+              <a:t>Evaluated </a:t>
+            </a:r>
+            <a:r>
+              <a:rPr lang="en-US" altLang="zh-CN" sz="2800" dirty="0">
+                <a:latin typeface="Meiryo" panose="020B0604030504040204" pitchFamily="34" charset="-128"/>
+                <a:ea typeface="Meiryo" panose="020B0604030504040204" pitchFamily="34" charset="-128"/>
+                <a:cs typeface="Meiryo" panose="020B0604030504040204" pitchFamily="34" charset="-128"/>
+              </a:rPr>
+              <a:t>two </a:t>
+            </a:r>
+            <a:r>
+              <a:rPr lang="en-US" altLang="zh-CN" sz="2800" dirty="0">
+                <a:latin typeface="Meiryo" panose="020B0604030504040204" pitchFamily="34" charset="-128"/>
+                <a:ea typeface="Meiryo" panose="020B0604030504040204" pitchFamily="34" charset="-128"/>
+                <a:cs typeface="Meiryo" panose="020B0604030504040204" pitchFamily="34" charset="-128"/>
+              </a:rPr>
+              <a:t>style selection </a:t>
+            </a:r>
+            <a:r>
+              <a:rPr lang="en-US" altLang="zh-CN" sz="2800" dirty="0">
+                <a:latin typeface="Meiryo" panose="020B0604030504040204" pitchFamily="34" charset="-128"/>
+                <a:ea typeface="Meiryo" panose="020B0604030504040204" pitchFamily="34" charset="-128"/>
+                <a:cs typeface="Meiryo" panose="020B0604030504040204" pitchFamily="34" charset="-128"/>
+              </a:rPr>
+              <a:t>methods:</a:t>
+            </a:r>
+          </a:p>
+          <a:p>
+            <a:pPr marL="1257300" lvl="2" indent="-342900">
+              <a:lnSpc>
+                <a:spcPct val="200000"/>
+              </a:lnSpc>
+              <a:buFont typeface="Arial" panose="020B0604020202020204" pitchFamily="34" charset="0"/>
+              <a:buChar char="•"/>
+            </a:pPr>
+            <a:r>
+              <a:rPr lang="en-US" altLang="zh-CN" sz="2800" dirty="0">
+                <a:latin typeface="Meiryo" panose="020B0604030504040204" pitchFamily="34" charset="-128"/>
+                <a:ea typeface="Meiryo" panose="020B0604030504040204" pitchFamily="34" charset="-128"/>
+                <a:cs typeface="Meiryo" panose="020B0604030504040204" pitchFamily="34" charset="-128"/>
+              </a:rPr>
+              <a:t>O</a:t>
+            </a:r>
+            <a:r>
+              <a:rPr lang="en-US" altLang="zh-CN" sz="2800" dirty="0" smtClean="0">
+                <a:latin typeface="Meiryo" panose="020B0604030504040204" pitchFamily="34" charset="-128"/>
+                <a:ea typeface="Meiryo" panose="020B0604030504040204" pitchFamily="34" charset="-128"/>
+                <a:cs typeface="Meiryo" panose="020B0604030504040204" pitchFamily="34" charset="-128"/>
+              </a:rPr>
+              <a:t>ur </a:t>
+            </a:r>
+            <a:r>
+              <a:rPr lang="en-US" altLang="zh-CN" sz="2800" dirty="0">
+                <a:latin typeface="Meiryo" panose="020B0604030504040204" pitchFamily="34" charset="-128"/>
+                <a:ea typeface="Meiryo" panose="020B0604030504040204" pitchFamily="34" charset="-128"/>
+                <a:cs typeface="Meiryo" panose="020B0604030504040204" pitchFamily="34" charset="-128"/>
+              </a:rPr>
+              <a:t>style </a:t>
+            </a:r>
+            <a:r>
+              <a:rPr lang="en-US" altLang="zh-CN" sz="2800" dirty="0" smtClean="0">
+                <a:latin typeface="Meiryo" panose="020B0604030504040204" pitchFamily="34" charset="-128"/>
+                <a:ea typeface="Meiryo" panose="020B0604030504040204" pitchFamily="34" charset="-128"/>
+                <a:cs typeface="Meiryo" panose="020B0604030504040204" pitchFamily="34" charset="-128"/>
+              </a:rPr>
+              <a:t>selection(P</a:t>
+            </a:r>
+            <a:r>
+              <a:rPr lang="en-US" altLang="zh-CN" sz="2800" dirty="0" smtClean="0">
+                <a:latin typeface="Meiryo" panose="020B0604030504040204" pitchFamily="34" charset="-128"/>
+                <a:ea typeface="Meiryo" panose="020B0604030504040204" pitchFamily="34" charset="-128"/>
+                <a:cs typeface="Meiryo" panose="020B0604030504040204" pitchFamily="34" charset="-128"/>
+                <a:sym typeface="Wingdings" panose="05000000000000000000" pitchFamily="2" charset="2"/>
+              </a:rPr>
+              <a:t>S,IP)</a:t>
+            </a:r>
+            <a:endParaRPr lang="en-US" altLang="zh-CN" sz="2800" dirty="0">
+              <a:latin typeface="Meiryo" panose="020B0604030504040204" pitchFamily="34" charset="-128"/>
+              <a:ea typeface="Meiryo" panose="020B0604030504040204" pitchFamily="34" charset="-128"/>
+              <a:cs typeface="Meiryo" panose="020B0604030504040204" pitchFamily="34" charset="-128"/>
+            </a:endParaRPr>
+          </a:p>
+          <a:p>
+            <a:pPr marL="1257300" lvl="2" indent="-342900">
+              <a:lnSpc>
+                <a:spcPct val="200000"/>
+              </a:lnSpc>
+              <a:buFont typeface="Arial" panose="020B0604020202020204" pitchFamily="34" charset="0"/>
+              <a:buChar char="•"/>
+            </a:pPr>
+            <a:r>
+              <a:rPr lang="en-US" altLang="zh-CN" sz="2800" dirty="0">
+                <a:latin typeface="Meiryo" panose="020B0604030504040204" pitchFamily="34" charset="-128"/>
+                <a:ea typeface="Meiryo" panose="020B0604030504040204" pitchFamily="34" charset="-128"/>
+                <a:cs typeface="Meiryo" panose="020B0604030504040204" pitchFamily="34" charset="-128"/>
+              </a:rPr>
+              <a:t>Direct semantic </a:t>
+            </a:r>
+            <a:r>
+              <a:rPr lang="en-US" altLang="zh-CN" sz="2800" dirty="0">
+                <a:latin typeface="Meiryo" panose="020B0604030504040204" pitchFamily="34" charset="-128"/>
+                <a:ea typeface="Meiryo" panose="020B0604030504040204" pitchFamily="34" charset="-128"/>
+                <a:cs typeface="Meiryo" panose="020B0604030504040204" pitchFamily="34" charset="-128"/>
+              </a:rPr>
+              <a:t>search </a:t>
+            </a:r>
+            <a:r>
+              <a:rPr lang="en-US" altLang="zh-CN" sz="2800" dirty="0">
+                <a:latin typeface="Meiryo" panose="020B0604030504040204" pitchFamily="34" charset="-128"/>
+                <a:ea typeface="Meiryo" panose="020B0604030504040204" pitchFamily="34" charset="-128"/>
+                <a:cs typeface="Meiryo" panose="020B0604030504040204" pitchFamily="34" charset="-128"/>
+              </a:rPr>
+              <a:t>: I</a:t>
+            </a:r>
+            <a:r>
+              <a:rPr lang="en-US" altLang="zh-CN" sz="2800" dirty="0">
+                <a:latin typeface="Meiryo" panose="020B0604030504040204" pitchFamily="34" charset="-128"/>
+                <a:ea typeface="Meiryo" panose="020B0604030504040204" pitchFamily="34" charset="-128"/>
+                <a:cs typeface="Meiryo" panose="020B0604030504040204" pitchFamily="34" charset="-128"/>
+                <a:sym typeface="Wingdings" panose="05000000000000000000" pitchFamily="2" charset="2"/>
+              </a:rPr>
+              <a:t>S(</a:t>
+            </a:r>
+            <a:r>
+              <a:rPr lang="en-US" altLang="zh-CN" sz="2800" dirty="0">
+                <a:latin typeface="Meiryo" panose="020B0604030504040204" pitchFamily="34" charset="-128"/>
+                <a:ea typeface="Meiryo" panose="020B0604030504040204" pitchFamily="34" charset="-128"/>
+                <a:cs typeface="Meiryo" panose="020B0604030504040204" pitchFamily="34" charset="-128"/>
+              </a:rPr>
+              <a:t>directly </a:t>
+            </a:r>
+            <a:r>
+              <a:rPr lang="en-US" altLang="zh-CN" sz="2800" dirty="0">
+                <a:latin typeface="Meiryo" panose="020B0604030504040204" pitchFamily="34" charset="-128"/>
+                <a:ea typeface="Meiryo" panose="020B0604030504040204" pitchFamily="34" charset="-128"/>
+                <a:cs typeface="Meiryo" panose="020B0604030504040204" pitchFamily="34" charset="-128"/>
+              </a:rPr>
+              <a:t>searches for </a:t>
+            </a:r>
+            <a:r>
+              <a:rPr lang="en-US" altLang="zh-CN" sz="2800" dirty="0" smtClean="0">
+                <a:latin typeface="Meiryo" panose="020B0604030504040204" pitchFamily="34" charset="-128"/>
+                <a:ea typeface="Meiryo" panose="020B0604030504040204" pitchFamily="34" charset="-128"/>
+                <a:cs typeface="Meiryo" panose="020B0604030504040204" pitchFamily="34" charset="-128"/>
+              </a:rPr>
+              <a:t>semantically similar </a:t>
+            </a:r>
+            <a:r>
+              <a:rPr lang="en-US" altLang="zh-CN" sz="2800" dirty="0">
+                <a:latin typeface="Meiryo" panose="020B0604030504040204" pitchFamily="34" charset="-128"/>
+                <a:ea typeface="Meiryo" panose="020B0604030504040204" pitchFamily="34" charset="-128"/>
+                <a:cs typeface="Meiryo" panose="020B0604030504040204" pitchFamily="34" charset="-128"/>
+              </a:rPr>
+              <a:t>images in the style </a:t>
+            </a:r>
+            <a:r>
+              <a:rPr lang="en-US" altLang="zh-CN" sz="2800" dirty="0">
+                <a:latin typeface="Meiryo" panose="020B0604030504040204" pitchFamily="34" charset="-128"/>
+                <a:ea typeface="Meiryo" panose="020B0604030504040204" pitchFamily="34" charset="-128"/>
+                <a:cs typeface="Meiryo" panose="020B0604030504040204" pitchFamily="34" charset="-128"/>
+              </a:rPr>
+              <a:t>database</a:t>
+            </a:r>
+            <a:r>
+              <a:rPr lang="en-US" altLang="zh-CN" sz="2800" dirty="0" smtClean="0">
+                <a:latin typeface="Meiryo" panose="020B0604030504040204" pitchFamily="34" charset="-128"/>
+                <a:ea typeface="Meiryo" panose="020B0604030504040204" pitchFamily="34" charset="-128"/>
+                <a:cs typeface="Meiryo" panose="020B0604030504040204" pitchFamily="34" charset="-128"/>
+              </a:rPr>
+              <a:t>)</a:t>
+            </a:r>
+          </a:p>
+          <a:p>
+            <a:pPr marL="800100" lvl="1" indent="-342900">
+              <a:lnSpc>
+                <a:spcPct val="200000"/>
+              </a:lnSpc>
+              <a:buFont typeface="Arial" panose="020B0604020202020204" pitchFamily="34" charset="0"/>
+              <a:buChar char="•"/>
+            </a:pPr>
+            <a:r>
+              <a:rPr lang="en-US" altLang="zh-CN" sz="2800" dirty="0" smtClean="0">
+                <a:latin typeface="Meiryo" panose="020B0604030504040204" pitchFamily="34" charset="-128"/>
+                <a:ea typeface="Meiryo" panose="020B0604030504040204" pitchFamily="34" charset="-128"/>
+                <a:cs typeface="Meiryo" panose="020B0604030504040204" pitchFamily="34" charset="-128"/>
+              </a:rPr>
+              <a:t>In different sizes of style exemplars: 1500 and 50</a:t>
+            </a:r>
+          </a:p>
+        </p:txBody>
+      </p:sp>
+    </p:spTree>
+    <p:extLst>
+      <p:ext uri="{BB962C8B-B14F-4D97-AF65-F5344CB8AC3E}">
+        <p14:creationId xmlns:p14="http://schemas.microsoft.com/office/powerpoint/2010/main" val="1577116231"/>
       </p:ext>
     </p:extLst>
   </p:cSld>
@@ -22636,7 +24063,7 @@
                 <a:latin typeface="微软雅黑" panose="020B0503020204020204" pitchFamily="34" charset="-122"/>
                 <a:ea typeface="微软雅黑" panose="020B0503020204020204" pitchFamily="34" charset="-122"/>
               </a:rPr>
-              <a:t>Results and Discussion</a:t>
+              <a:t>Study 1</a:t>
             </a:r>
             <a:endParaRPr lang="en-US" altLang="zh-CN" sz="4400" b="1" dirty="0">
               <a:solidFill>
@@ -22648,9 +24075,248 @@
           </a:p>
         </p:txBody>
       </p:sp>
+      <p:sp>
+        <p:nvSpPr>
+          <p:cNvPr id="31" name="Rectangle 96"/>
+          <p:cNvSpPr/>
+          <p:nvPr/>
+        </p:nvSpPr>
+        <p:spPr>
+          <a:xfrm>
+            <a:off x="882748" y="1396422"/>
+            <a:ext cx="10394852" cy="3539430"/>
+          </a:xfrm>
+          <a:prstGeom prst="rect">
+            <a:avLst/>
+          </a:prstGeom>
+        </p:spPr>
+        <p:txBody>
+          <a:bodyPr wrap="square">
+            <a:spAutoFit/>
+          </a:bodyPr>
+          <a:lstStyle/>
+          <a:p>
+            <a:pPr marL="800100" lvl="1" indent="-342900">
+              <a:lnSpc>
+                <a:spcPct val="200000"/>
+              </a:lnSpc>
+              <a:buFont typeface="Arial" panose="020B0604020202020204" pitchFamily="34" charset="0"/>
+              <a:buChar char="•"/>
+            </a:pPr>
+            <a:r>
+              <a:rPr lang="en-US" altLang="zh-CN" sz="2800" dirty="0">
+                <a:latin typeface="Meiryo" panose="020B0604030504040204" pitchFamily="34" charset="-128"/>
+                <a:ea typeface="Meiryo" panose="020B0604030504040204" pitchFamily="34" charset="-128"/>
+                <a:cs typeface="Meiryo" panose="020B0604030504040204" pitchFamily="34" charset="-128"/>
+              </a:rPr>
+              <a:t>Both apply the same sytle sampling and transfer tech</a:t>
+            </a:r>
+          </a:p>
+          <a:p>
+            <a:pPr marL="800100" lvl="1" indent="-342900">
+              <a:lnSpc>
+                <a:spcPct val="200000"/>
+              </a:lnSpc>
+              <a:buFont typeface="Arial" panose="020B0604020202020204" pitchFamily="34" charset="0"/>
+              <a:buChar char="•"/>
+            </a:pPr>
+            <a:r>
+              <a:rPr lang="en-US" altLang="zh-CN" sz="2800" dirty="0" smtClean="0">
+                <a:latin typeface="Meiryo" panose="020B0604030504040204" pitchFamily="34" charset="-128"/>
+                <a:ea typeface="Meiryo" panose="020B0604030504040204" pitchFamily="34" charset="-128"/>
+                <a:cs typeface="Meiryo" panose="020B0604030504040204" pitchFamily="34" charset="-128"/>
+              </a:rPr>
+              <a:t>37 </a:t>
+            </a:r>
+            <a:r>
+              <a:rPr lang="en-US" altLang="zh-CN" sz="2800" dirty="0">
+                <a:latin typeface="Meiryo" panose="020B0604030504040204" pitchFamily="34" charset="-128"/>
+                <a:ea typeface="Meiryo" panose="020B0604030504040204" pitchFamily="34" charset="-128"/>
+                <a:cs typeface="Meiryo" panose="020B0604030504040204" pitchFamily="34" charset="-128"/>
+              </a:rPr>
+              <a:t>users participated </a:t>
+            </a:r>
+            <a:r>
+              <a:rPr lang="en-US" altLang="zh-CN" sz="2800" dirty="0">
+                <a:latin typeface="Meiryo" panose="020B0604030504040204" pitchFamily="34" charset="-128"/>
+                <a:ea typeface="Meiryo" panose="020B0604030504040204" pitchFamily="34" charset="-128"/>
+                <a:cs typeface="Meiryo" panose="020B0604030504040204" pitchFamily="34" charset="-128"/>
+              </a:rPr>
+              <a:t>:rate </a:t>
+            </a:r>
+            <a:r>
+              <a:rPr lang="en-US" altLang="zh-CN" sz="2800" dirty="0">
+                <a:latin typeface="Meiryo" panose="020B0604030504040204" pitchFamily="34" charset="-128"/>
+                <a:ea typeface="Meiryo" panose="020B0604030504040204" pitchFamily="34" charset="-128"/>
+                <a:cs typeface="Meiryo" panose="020B0604030504040204" pitchFamily="34" charset="-128"/>
+              </a:rPr>
+              <a:t>the stylization quality </a:t>
+            </a:r>
+            <a:r>
+              <a:rPr lang="en-US" altLang="zh-CN" sz="2800" dirty="0">
+                <a:latin typeface="Meiryo" panose="020B0604030504040204" pitchFamily="34" charset="-128"/>
+                <a:ea typeface="Meiryo" panose="020B0604030504040204" pitchFamily="34" charset="-128"/>
+                <a:cs typeface="Meiryo" panose="020B0604030504040204" pitchFamily="34" charset="-128"/>
+              </a:rPr>
+              <a:t>of each </a:t>
+            </a:r>
+            <a:r>
+              <a:rPr lang="en-US" altLang="zh-CN" sz="2800" dirty="0">
+                <a:latin typeface="Meiryo" panose="020B0604030504040204" pitchFamily="34" charset="-128"/>
+                <a:ea typeface="Meiryo" panose="020B0604030504040204" pitchFamily="34" charset="-128"/>
+                <a:cs typeface="Meiryo" panose="020B0604030504040204" pitchFamily="34" charset="-128"/>
+              </a:rPr>
+              <a:t>group of results on a five-point Likert scale </a:t>
+            </a:r>
+            <a:r>
+              <a:rPr lang="en-US" altLang="zh-CN" sz="2800" dirty="0" smtClean="0">
+                <a:latin typeface="Meiryo" panose="020B0604030504040204" pitchFamily="34" charset="-128"/>
+                <a:ea typeface="Meiryo" panose="020B0604030504040204" pitchFamily="34" charset="-128"/>
+                <a:cs typeface="Meiryo" panose="020B0604030504040204" pitchFamily="34" charset="-128"/>
+              </a:rPr>
+              <a:t>ranging from </a:t>
+            </a:r>
+            <a:r>
+              <a:rPr lang="en-US" altLang="zh-CN" sz="2800" dirty="0">
+                <a:latin typeface="Meiryo" panose="020B0604030504040204" pitchFamily="34" charset="-128"/>
+                <a:ea typeface="Meiryo" panose="020B0604030504040204" pitchFamily="34" charset="-128"/>
+                <a:cs typeface="Meiryo" panose="020B0604030504040204" pitchFamily="34" charset="-128"/>
+              </a:rPr>
+              <a:t>1 (worst) to 5 (best) </a:t>
+            </a:r>
+          </a:p>
+        </p:txBody>
+      </p:sp>
+    </p:spTree>
+    <p:extLst>
+      <p:ext uri="{BB962C8B-B14F-4D97-AF65-F5344CB8AC3E}">
+        <p14:creationId xmlns:p14="http://schemas.microsoft.com/office/powerpoint/2010/main" val="3410036945"/>
+      </p:ext>
+    </p:extLst>
+  </p:cSld>
+  <p:clrMapOvr>
+    <a:masterClrMapping/>
+  </p:clrMapOvr>
+  <p:timing>
+    <p:tnLst>
+      <p:par>
+        <p:cTn id="1" dur="indefinite" restart="never" nodeType="tmRoot"/>
+      </p:par>
+    </p:tnLst>
+  </p:timing>
+</p:sld>
+</file>
+
+<file path=ppt/slides/slide52.xml><?xml version="1.0" encoding="utf-8"?>
+<p:sld xmlns:a="http://schemas.openxmlformats.org/drawingml/2006/main" xmlns:r="http://schemas.openxmlformats.org/officeDocument/2006/relationships" xmlns:p="http://schemas.openxmlformats.org/presentationml/2006/main">
+  <p:cSld>
+    <p:spTree>
+      <p:nvGrpSpPr>
+        <p:cNvPr id="1" name=""/>
+        <p:cNvGrpSpPr/>
+        <p:nvPr/>
+      </p:nvGrpSpPr>
+      <p:grpSpPr>
+        <a:xfrm>
+          <a:off x="0" y="0"/>
+          <a:ext cx="0" cy="0"/>
+          <a:chOff x="0" y="0"/>
+          <a:chExt cx="0" cy="0"/>
+        </a:xfrm>
+      </p:grpSpPr>
+      <p:sp>
+        <p:nvSpPr>
+          <p:cNvPr id="6" name="矩形 5"/>
+          <p:cNvSpPr/>
+          <p:nvPr/>
+        </p:nvSpPr>
+        <p:spPr>
+          <a:xfrm rot="877900">
+            <a:off x="2686836" y="-155824"/>
+            <a:ext cx="6186601" cy="6857999"/>
+          </a:xfrm>
+          <a:prstGeom prst="rect">
+            <a:avLst/>
+          </a:prstGeom>
+          <a:solidFill>
+            <a:schemeClr val="bg1">
+              <a:lumMod val="95000"/>
+            </a:schemeClr>
+          </a:solidFill>
+          <a:ln>
+            <a:noFill/>
+          </a:ln>
+        </p:spPr>
+        <p:style>
+          <a:lnRef idx="2">
+            <a:schemeClr val="accent1">
+              <a:shade val="50000"/>
+            </a:schemeClr>
+          </a:lnRef>
+          <a:fillRef idx="1">
+            <a:schemeClr val="accent1"/>
+          </a:fillRef>
+          <a:effectRef idx="0">
+            <a:schemeClr val="accent1"/>
+          </a:effectRef>
+          <a:fontRef idx="minor">
+            <a:schemeClr val="lt1"/>
+          </a:fontRef>
+        </p:style>
+        <p:txBody>
+          <a:bodyPr rtlCol="0" anchor="ctr"/>
+          <a:lstStyle/>
+          <a:p>
+            <a:pPr algn="ctr"/>
+            <a:endParaRPr lang="zh-CN" altLang="en-US"/>
+          </a:p>
+        </p:txBody>
+      </p:sp>
+      <p:sp>
+        <p:nvSpPr>
+          <p:cNvPr id="30" name="文本框 29"/>
+          <p:cNvSpPr txBox="1"/>
+          <p:nvPr/>
+        </p:nvSpPr>
+        <p:spPr>
+          <a:xfrm>
+            <a:off x="662538" y="294935"/>
+            <a:ext cx="9205361" cy="769441"/>
+          </a:xfrm>
+          <a:prstGeom prst="rect">
+            <a:avLst/>
+          </a:prstGeom>
+          <a:noFill/>
+        </p:spPr>
+        <p:txBody>
+          <a:bodyPr wrap="square" rtlCol="0">
+            <a:spAutoFit/>
+          </a:bodyPr>
+          <a:lstStyle/>
+          <a:p>
+            <a:r>
+              <a:rPr lang="en-US" altLang="zh-CN" sz="4400" b="1" dirty="0" smtClean="0">
+                <a:solidFill>
+                  <a:srgbClr val="00ABB4"/>
+                </a:solidFill>
+                <a:latin typeface="微软雅黑" panose="020B0503020204020204" pitchFamily="34" charset="-122"/>
+                <a:ea typeface="微软雅黑" panose="020B0503020204020204" pitchFamily="34" charset="-122"/>
+              </a:rPr>
+              <a:t>Results and Discussion</a:t>
+            </a:r>
+            <a:endParaRPr lang="en-US" altLang="zh-CN" sz="4400" b="1" dirty="0">
+              <a:solidFill>
+                <a:srgbClr val="00ABB4"/>
+              </a:solidFill>
+              <a:latin typeface="微软雅黑" panose="020B0503020204020204" pitchFamily="34" charset="-122"/>
+              <a:ea typeface="微软雅黑" panose="020B0503020204020204" pitchFamily="34" charset="-122"/>
+            </a:endParaRPr>
+          </a:p>
+        </p:txBody>
+      </p:sp>
       <p:pic>
         <p:nvPicPr>
-          <p:cNvPr id="14338" name="Picture 2"/>
+          <p:cNvPr id="14340" name="Picture 4"/>
           <p:cNvPicPr>
             <a:picLocks noChangeAspect="1" noChangeArrowheads="1"/>
           </p:cNvPicPr>
@@ -22671,8 +24337,8 @@
         </p:blipFill>
         <p:spPr bwMode="auto">
           <a:xfrm>
-            <a:off x="313754" y="2090738"/>
-            <a:ext cx="11706796" cy="2824162"/>
+            <a:off x="828674" y="1490663"/>
+            <a:ext cx="10330271" cy="4281487"/>
           </a:xfrm>
           <a:prstGeom prst="rect">
             <a:avLst/>
@@ -22722,7 +24388,7 @@
 </p:sld>
 </file>
 
-<file path=ppt/slides/slide52.xml><?xml version="1.0" encoding="utf-8"?>
+<file path=ppt/slides/slide53.xml><?xml version="1.0" encoding="utf-8"?>
 <p:sld xmlns:a="http://schemas.openxmlformats.org/drawingml/2006/main" xmlns:r="http://schemas.openxmlformats.org/officeDocument/2006/relationships" xmlns:p="http://schemas.openxmlformats.org/presentationml/2006/main">
   <p:cSld>
     <p:spTree>
@@ -22741,14 +24407,62 @@
       </p:grpSpPr>
       <p:sp>
         <p:nvSpPr>
-          <p:cNvPr id="3" name="文本框 2"/>
+          <p:cNvPr id="6" name="矩形 5"/>
+          <p:cNvSpPr/>
+          <p:nvPr/>
+        </p:nvSpPr>
+        <p:spPr>
+          <a:xfrm rot="877900">
+            <a:off x="2686836" y="-155824"/>
+            <a:ext cx="6186601" cy="6857999"/>
+          </a:xfrm>
+          <a:prstGeom prst="rect">
+            <a:avLst/>
+          </a:prstGeom>
+          <a:solidFill>
+            <a:schemeClr val="bg1">
+              <a:lumMod val="95000"/>
+            </a:schemeClr>
+          </a:solidFill>
+          <a:ln>
+            <a:noFill/>
+          </a:ln>
+        </p:spPr>
+        <p:style>
+          <a:lnRef idx="2">
+            <a:schemeClr val="accent1">
+              <a:shade val="50000"/>
+            </a:schemeClr>
+          </a:lnRef>
+          <a:fillRef idx="1">
+            <a:schemeClr val="accent1"/>
+          </a:fillRef>
+          <a:effectRef idx="0">
+            <a:schemeClr val="accent1"/>
+          </a:effectRef>
+          <a:fontRef idx="minor">
+            <a:schemeClr val="lt1"/>
+          </a:fontRef>
+        </p:style>
+        <p:txBody>
+          <a:bodyPr rtlCol="0" anchor="ctr"/>
+          <a:lstStyle/>
+          <a:p>
+            <a:pPr algn="ctr"/>
+            <a:endParaRPr lang="zh-CN" altLang="en-US"/>
+          </a:p>
+        </p:txBody>
+      </p:sp>
+      <p:sp>
+        <p:nvSpPr>
+          <p:cNvPr id="30" name="文本框 29"/>
           <p:cNvSpPr txBox="1"/>
           <p:nvPr/>
         </p:nvSpPr>
         <p:spPr>
           <a:xfrm>
-            <a:off x="3578357" y="2333008"/>
-            <a:ext cx="5044714" cy="1015663"/>
+            <a:off x="662538" y="294935"/>
+            <a:ext cx="9205361" cy="769441"/>
           </a:xfrm>
           <a:prstGeom prst="rect">
             <a:avLst/>
@@ -22756,67 +24470,1744 @@
           <a:noFill/>
         </p:spPr>
         <p:txBody>
-          <a:bodyPr wrap="none" rtlCol="0">
+          <a:bodyPr wrap="square" rtlCol="0">
             <a:spAutoFit/>
           </a:bodyPr>
           <a:lstStyle/>
           <a:p>
-            <a:pPr algn="ctr"/>
-            <a:r>
-              <a:rPr lang="en-US" altLang="zh-CN" sz="6000" b="1" dirty="0" smtClean="0">
+            <a:r>
+              <a:rPr lang="en-US" altLang="zh-CN" sz="4400" b="1" dirty="0" smtClean="0">
                 <a:solidFill>
-                  <a:schemeClr val="accent2"/>
+                  <a:srgbClr val="00ABB4"/>
                 </a:solidFill>
-                <a:effectLst>
-                  <a:outerShdw blurRad="38100" dist="38100" dir="2700000" algn="tl">
-                    <a:srgbClr val="000000">
-                      <a:alpha val="43137"/>
-                    </a:srgbClr>
-                  </a:outerShdw>
-                </a:effectLst>
                 <a:latin typeface="微软雅黑" panose="020B0503020204020204" pitchFamily="34" charset="-122"/>
                 <a:ea typeface="微软雅黑" panose="020B0503020204020204" pitchFamily="34" charset="-122"/>
               </a:rPr>
-              <a:t>Thank you </a:t>
-            </a:r>
-            <a:r>
-              <a:rPr lang="en-US" altLang="zh-CN" sz="6000" b="1" dirty="0" smtClean="0">
-                <a:solidFill>
-                  <a:schemeClr val="accent2"/>
-                </a:solidFill>
-                <a:effectLst>
-                  <a:outerShdw blurRad="38100" dist="38100" dir="2700000" algn="tl">
-                    <a:srgbClr val="000000">
-                      <a:alpha val="43137"/>
-                    </a:srgbClr>
-                  </a:outerShdw>
-                </a:effectLst>
-                <a:latin typeface="微软雅黑" panose="020B0503020204020204" pitchFamily="34" charset="-122"/>
-                <a:ea typeface="微软雅黑" panose="020B0503020204020204" pitchFamily="34" charset="-122"/>
-              </a:rPr>
-              <a:t>~</a:t>
-            </a:r>
-            <a:endParaRPr lang="en-US" altLang="zh-CN" sz="6000" b="1" dirty="0">
+              <a:t>Results and Discussion</a:t>
+            </a:r>
+            <a:endParaRPr lang="en-US" altLang="zh-CN" sz="4400" b="1" dirty="0">
               <a:solidFill>
-                <a:schemeClr val="accent2"/>
+                <a:srgbClr val="00ABB4"/>
               </a:solidFill>
-              <a:effectLst>
-                <a:outerShdw blurRad="38100" dist="38100" dir="2700000" algn="tl">
-                  <a:srgbClr val="000000">
-                    <a:alpha val="43137"/>
-                  </a:srgbClr>
-                </a:outerShdw>
-              </a:effectLst>
               <a:latin typeface="微软雅黑" panose="020B0503020204020204" pitchFamily="34" charset="-122"/>
               <a:ea typeface="微软雅黑" panose="020B0503020204020204" pitchFamily="34" charset="-122"/>
             </a:endParaRPr>
           </a:p>
         </p:txBody>
       </p:sp>
+      <p:sp>
+        <p:nvSpPr>
+          <p:cNvPr id="5" name="Rectangle 96"/>
+          <p:cNvSpPr/>
+          <p:nvPr/>
+        </p:nvSpPr>
+        <p:spPr>
+          <a:xfrm>
+            <a:off x="792811" y="1788276"/>
+            <a:ext cx="10394852" cy="3539430"/>
+          </a:xfrm>
+          <a:prstGeom prst="rect">
+            <a:avLst/>
+          </a:prstGeom>
+        </p:spPr>
+        <p:txBody>
+          <a:bodyPr wrap="square">
+            <a:spAutoFit/>
+          </a:bodyPr>
+          <a:lstStyle/>
+          <a:p>
+            <a:pPr marL="971550" lvl="1" indent="-514350">
+              <a:lnSpc>
+                <a:spcPct val="200000"/>
+              </a:lnSpc>
+              <a:buFont typeface="+mj-lt"/>
+              <a:buAutoNum type="arabicPeriod"/>
+            </a:pPr>
+            <a:r>
+              <a:rPr lang="en-US" altLang="zh-CN" sz="2800" dirty="0" smtClean="0">
+                <a:latin typeface="Meiryo" panose="020B0604030504040204" pitchFamily="34" charset="-128"/>
+                <a:ea typeface="Meiryo" panose="020B0604030504040204" pitchFamily="34" charset="-128"/>
+                <a:cs typeface="Meiryo" panose="020B0604030504040204" pitchFamily="34" charset="-128"/>
+              </a:rPr>
+              <a:t>OURS </a:t>
+            </a:r>
+            <a:r>
+              <a:rPr lang="en-US" altLang="zh-CN" sz="2800" dirty="0">
+                <a:latin typeface="Meiryo" panose="020B0604030504040204" pitchFamily="34" charset="-128"/>
+                <a:ea typeface="Meiryo" panose="020B0604030504040204" pitchFamily="34" charset="-128"/>
+                <a:cs typeface="Meiryo" panose="020B0604030504040204" pitchFamily="34" charset="-128"/>
+              </a:rPr>
+              <a:t>1500 (3.820 ± 0.403) outperforms all the </a:t>
+            </a:r>
+            <a:r>
+              <a:rPr lang="en-US" altLang="zh-CN" sz="2800" dirty="0" smtClean="0">
+                <a:latin typeface="Meiryo" panose="020B0604030504040204" pitchFamily="34" charset="-128"/>
+                <a:ea typeface="Meiryo" panose="020B0604030504040204" pitchFamily="34" charset="-128"/>
+                <a:cs typeface="Meiryo" panose="020B0604030504040204" pitchFamily="34" charset="-128"/>
+              </a:rPr>
+              <a:t>other techniques </a:t>
+            </a:r>
+            <a:endParaRPr lang="en-US" altLang="zh-CN" sz="2800" dirty="0">
+              <a:latin typeface="Meiryo" panose="020B0604030504040204" pitchFamily="34" charset="-128"/>
+              <a:ea typeface="Meiryo" panose="020B0604030504040204" pitchFamily="34" charset="-128"/>
+              <a:cs typeface="Meiryo" panose="020B0604030504040204" pitchFamily="34" charset="-128"/>
+            </a:endParaRPr>
+          </a:p>
+          <a:p>
+            <a:pPr marL="971550" lvl="1" indent="-514350">
+              <a:lnSpc>
+                <a:spcPct val="200000"/>
+              </a:lnSpc>
+              <a:buFont typeface="+mj-lt"/>
+              <a:buAutoNum type="arabicPeriod"/>
+            </a:pPr>
+            <a:r>
+              <a:rPr lang="en-US" altLang="zh-CN" sz="2800" dirty="0">
+                <a:latin typeface="Meiryo" panose="020B0604030504040204" pitchFamily="34" charset="-128"/>
+                <a:ea typeface="Meiryo" panose="020B0604030504040204" pitchFamily="34" charset="-128"/>
+                <a:cs typeface="Meiryo" panose="020B0604030504040204" pitchFamily="34" charset="-128"/>
+              </a:rPr>
+              <a:t>DIRECT </a:t>
+            </a:r>
+            <a:r>
+              <a:rPr lang="en-US" altLang="zh-CN" sz="2800" dirty="0">
+                <a:latin typeface="Meiryo" panose="020B0604030504040204" pitchFamily="34" charset="-128"/>
+                <a:ea typeface="Meiryo" panose="020B0604030504040204" pitchFamily="34" charset="-128"/>
+                <a:cs typeface="Meiryo" panose="020B0604030504040204" pitchFamily="34" charset="-128"/>
+              </a:rPr>
+              <a:t>1500 (3.169 ± 0.444</a:t>
+            </a:r>
+            <a:r>
+              <a:rPr lang="en-US" altLang="zh-CN" sz="2800" dirty="0" smtClean="0">
+                <a:latin typeface="Meiryo" panose="020B0604030504040204" pitchFamily="34" charset="-128"/>
+                <a:ea typeface="Meiryo" panose="020B0604030504040204" pitchFamily="34" charset="-128"/>
+                <a:cs typeface="Meiryo" panose="020B0604030504040204" pitchFamily="34" charset="-128"/>
+              </a:rPr>
+              <a:t>) is </a:t>
+            </a:r>
+            <a:r>
+              <a:rPr lang="en-US" altLang="zh-CN" sz="2800" dirty="0">
+                <a:latin typeface="Meiryo" panose="020B0604030504040204" pitchFamily="34" charset="-128"/>
+                <a:ea typeface="Meiryo" panose="020B0604030504040204" pitchFamily="34" charset="-128"/>
+                <a:cs typeface="Meiryo" panose="020B0604030504040204" pitchFamily="34" charset="-128"/>
+              </a:rPr>
+              <a:t>substantially worse than OURS 1500 </a:t>
+            </a:r>
+            <a:endParaRPr lang="en-US" altLang="zh-CN" sz="2800" dirty="0">
+              <a:latin typeface="Meiryo" panose="020B0604030504040204" pitchFamily="34" charset="-128"/>
+              <a:ea typeface="Meiryo" panose="020B0604030504040204" pitchFamily="34" charset="-128"/>
+              <a:cs typeface="Meiryo" panose="020B0604030504040204" pitchFamily="34" charset="-128"/>
+            </a:endParaRPr>
+          </a:p>
+        </p:txBody>
+      </p:sp>
     </p:spTree>
     <p:extLst>
       <p:ext uri="{BB962C8B-B14F-4D97-AF65-F5344CB8AC3E}">
-        <p14:creationId xmlns:p14="http://schemas.microsoft.com/office/powerpoint/2010/main" val="3711594375"/>
+        <p14:creationId xmlns:p14="http://schemas.microsoft.com/office/powerpoint/2010/main" val="3000091310"/>
+      </p:ext>
+    </p:extLst>
+  </p:cSld>
+  <p:clrMapOvr>
+    <a:masterClrMapping/>
+  </p:clrMapOvr>
+  <p:timing>
+    <p:tnLst>
+      <p:par>
+        <p:cTn id="1" dur="indefinite" restart="never" nodeType="tmRoot"/>
+      </p:par>
+    </p:tnLst>
+  </p:timing>
+</p:sld>
+</file>
+
+<file path=ppt/slides/slide54.xml><?xml version="1.0" encoding="utf-8"?>
+<p:sld xmlns:a="http://schemas.openxmlformats.org/drawingml/2006/main" xmlns:r="http://schemas.openxmlformats.org/officeDocument/2006/relationships" xmlns:p="http://schemas.openxmlformats.org/presentationml/2006/main">
+  <p:cSld>
+    <p:spTree>
+      <p:nvGrpSpPr>
+        <p:cNvPr id="1" name=""/>
+        <p:cNvGrpSpPr/>
+        <p:nvPr/>
+      </p:nvGrpSpPr>
+      <p:grpSpPr>
+        <a:xfrm>
+          <a:off x="0" y="0"/>
+          <a:ext cx="0" cy="0"/>
+          <a:chOff x="0" y="0"/>
+          <a:chExt cx="0" cy="0"/>
+        </a:xfrm>
+      </p:grpSpPr>
+      <p:sp>
+        <p:nvSpPr>
+          <p:cNvPr id="6" name="矩形 5"/>
+          <p:cNvSpPr/>
+          <p:nvPr/>
+        </p:nvSpPr>
+        <p:spPr>
+          <a:xfrm rot="877900">
+            <a:off x="2686836" y="-155824"/>
+            <a:ext cx="6186601" cy="6857999"/>
+          </a:xfrm>
+          <a:prstGeom prst="rect">
+            <a:avLst/>
+          </a:prstGeom>
+          <a:solidFill>
+            <a:schemeClr val="bg1">
+              <a:lumMod val="95000"/>
+            </a:schemeClr>
+          </a:solidFill>
+          <a:ln>
+            <a:noFill/>
+          </a:ln>
+        </p:spPr>
+        <p:style>
+          <a:lnRef idx="2">
+            <a:schemeClr val="accent1">
+              <a:shade val="50000"/>
+            </a:schemeClr>
+          </a:lnRef>
+          <a:fillRef idx="1">
+            <a:schemeClr val="accent1"/>
+          </a:fillRef>
+          <a:effectRef idx="0">
+            <a:schemeClr val="accent1"/>
+          </a:effectRef>
+          <a:fontRef idx="minor">
+            <a:schemeClr val="lt1"/>
+          </a:fontRef>
+        </p:style>
+        <p:txBody>
+          <a:bodyPr rtlCol="0" anchor="ctr"/>
+          <a:lstStyle/>
+          <a:p>
+            <a:pPr algn="ctr"/>
+            <a:endParaRPr lang="zh-CN" altLang="en-US"/>
+          </a:p>
+        </p:txBody>
+      </p:sp>
+      <p:sp>
+        <p:nvSpPr>
+          <p:cNvPr id="30" name="文本框 29"/>
+          <p:cNvSpPr txBox="1"/>
+          <p:nvPr/>
+        </p:nvSpPr>
+        <p:spPr>
+          <a:xfrm>
+            <a:off x="662538" y="294935"/>
+            <a:ext cx="9205361" cy="769441"/>
+          </a:xfrm>
+          <a:prstGeom prst="rect">
+            <a:avLst/>
+          </a:prstGeom>
+          <a:noFill/>
+        </p:spPr>
+        <p:txBody>
+          <a:bodyPr wrap="square" rtlCol="0">
+            <a:spAutoFit/>
+          </a:bodyPr>
+          <a:lstStyle/>
+          <a:p>
+            <a:r>
+              <a:rPr lang="en-US" altLang="zh-CN" sz="4400" b="1" dirty="0" smtClean="0">
+                <a:solidFill>
+                  <a:srgbClr val="00ABB4"/>
+                </a:solidFill>
+                <a:latin typeface="微软雅黑" panose="020B0503020204020204" pitchFamily="34" charset="-122"/>
+                <a:ea typeface="微软雅黑" panose="020B0503020204020204" pitchFamily="34" charset="-122"/>
+              </a:rPr>
+              <a:t>Results and Discussion</a:t>
+            </a:r>
+            <a:endParaRPr lang="en-US" altLang="zh-CN" sz="4400" b="1" dirty="0">
+              <a:solidFill>
+                <a:srgbClr val="00ABB4"/>
+              </a:solidFill>
+              <a:latin typeface="微软雅黑" panose="020B0503020204020204" pitchFamily="34" charset="-122"/>
+              <a:ea typeface="微软雅黑" panose="020B0503020204020204" pitchFamily="34" charset="-122"/>
+            </a:endParaRPr>
+          </a:p>
+        </p:txBody>
+      </p:sp>
+      <p:sp>
+        <p:nvSpPr>
+          <p:cNvPr id="5" name="Rectangle 96"/>
+          <p:cNvSpPr/>
+          <p:nvPr/>
+        </p:nvSpPr>
+        <p:spPr>
+          <a:xfrm>
+            <a:off x="792811" y="1483476"/>
+            <a:ext cx="10394852" cy="4401205"/>
+          </a:xfrm>
+          <a:prstGeom prst="rect">
+            <a:avLst/>
+          </a:prstGeom>
+        </p:spPr>
+        <p:txBody>
+          <a:bodyPr wrap="square">
+            <a:spAutoFit/>
+          </a:bodyPr>
+          <a:lstStyle/>
+          <a:p>
+            <a:pPr marL="971550" lvl="1" indent="-514350">
+              <a:lnSpc>
+                <a:spcPct val="200000"/>
+              </a:lnSpc>
+              <a:buFont typeface="+mj-lt"/>
+              <a:buAutoNum type="arabicPeriod" startAt="3"/>
+            </a:pPr>
+            <a:r>
+              <a:rPr lang="en-US" altLang="zh-CN" sz="2800" dirty="0" smtClean="0">
+                <a:latin typeface="Meiryo" panose="020B0604030504040204" pitchFamily="34" charset="-128"/>
+                <a:ea typeface="Meiryo" panose="020B0604030504040204" pitchFamily="34" charset="-128"/>
+                <a:cs typeface="Meiryo" panose="020B0604030504040204" pitchFamily="34" charset="-128"/>
+              </a:rPr>
+              <a:t>When </a:t>
+            </a:r>
+            <a:r>
+              <a:rPr lang="en-US" altLang="zh-CN" sz="2800" dirty="0">
+                <a:latin typeface="Meiryo" panose="020B0604030504040204" pitchFamily="34" charset="-128"/>
+                <a:ea typeface="Meiryo" panose="020B0604030504040204" pitchFamily="34" charset="-128"/>
+                <a:cs typeface="Meiryo" panose="020B0604030504040204" pitchFamily="34" charset="-128"/>
+              </a:rPr>
+              <a:t>the </a:t>
+            </a:r>
+            <a:r>
+              <a:rPr lang="en-US" altLang="zh-CN" sz="2800" dirty="0" smtClean="0">
+                <a:latin typeface="Meiryo" panose="020B0604030504040204" pitchFamily="34" charset="-128"/>
+                <a:ea typeface="Meiryo" panose="020B0604030504040204" pitchFamily="34" charset="-128"/>
+                <a:cs typeface="Meiryo" panose="020B0604030504040204" pitchFamily="34" charset="-128"/>
+              </a:rPr>
+              <a:t>style database </a:t>
+            </a:r>
+            <a:r>
+              <a:rPr lang="en-US" altLang="zh-CN" sz="2800" dirty="0">
+                <a:latin typeface="Meiryo" panose="020B0604030504040204" pitchFamily="34" charset="-128"/>
+                <a:ea typeface="Meiryo" panose="020B0604030504040204" pitchFamily="34" charset="-128"/>
+                <a:cs typeface="Meiryo" panose="020B0604030504040204" pitchFamily="34" charset="-128"/>
+              </a:rPr>
+              <a:t>becomes </a:t>
+            </a:r>
+            <a:r>
+              <a:rPr lang="en-US" altLang="zh-CN" sz="2800" dirty="0" smtClean="0">
+                <a:latin typeface="Meiryo" panose="020B0604030504040204" pitchFamily="34" charset="-128"/>
+                <a:ea typeface="Meiryo" panose="020B0604030504040204" pitchFamily="34" charset="-128"/>
+                <a:cs typeface="Meiryo" panose="020B0604030504040204" pitchFamily="34" charset="-128"/>
+              </a:rPr>
+              <a:t>smaller:</a:t>
+            </a:r>
+          </a:p>
+          <a:p>
+            <a:pPr marL="1257300" lvl="2" indent="-342900">
+              <a:lnSpc>
+                <a:spcPct val="200000"/>
+              </a:lnSpc>
+              <a:buFont typeface="Arial" panose="020B0604020202020204" pitchFamily="34" charset="0"/>
+              <a:buChar char="•"/>
+            </a:pPr>
+            <a:r>
+              <a:rPr lang="en-US" altLang="zh-CN" sz="2800" dirty="0" smtClean="0">
+                <a:latin typeface="Meiryo" panose="020B0604030504040204" pitchFamily="34" charset="-128"/>
+                <a:ea typeface="Meiryo" panose="020B0604030504040204" pitchFamily="34" charset="-128"/>
+                <a:cs typeface="Meiryo" panose="020B0604030504040204" pitchFamily="34" charset="-128"/>
+              </a:rPr>
+              <a:t> </a:t>
+            </a:r>
+            <a:r>
+              <a:rPr lang="en-US" altLang="zh-CN" sz="2800" dirty="0">
+                <a:latin typeface="Meiryo" panose="020B0604030504040204" pitchFamily="34" charset="-128"/>
+                <a:ea typeface="Meiryo" panose="020B0604030504040204" pitchFamily="34" charset="-128"/>
+                <a:cs typeface="Meiryo" panose="020B0604030504040204" pitchFamily="34" charset="-128"/>
+              </a:rPr>
+              <a:t>the performance of direct </a:t>
+            </a:r>
+            <a:r>
+              <a:rPr lang="en-US" altLang="zh-CN" sz="2800" dirty="0" smtClean="0">
+                <a:latin typeface="Meiryo" panose="020B0604030504040204" pitchFamily="34" charset="-128"/>
+                <a:ea typeface="Meiryo" panose="020B0604030504040204" pitchFamily="34" charset="-128"/>
+                <a:cs typeface="Meiryo" panose="020B0604030504040204" pitchFamily="34" charset="-128"/>
+              </a:rPr>
+              <a:t>search drops </a:t>
+            </a:r>
+            <a:r>
+              <a:rPr lang="en-US" altLang="zh-CN" sz="2800" dirty="0">
+                <a:latin typeface="Meiryo" panose="020B0604030504040204" pitchFamily="34" charset="-128"/>
+                <a:ea typeface="Meiryo" panose="020B0604030504040204" pitchFamily="34" charset="-128"/>
+                <a:cs typeface="Meiryo" panose="020B0604030504040204" pitchFamily="34" charset="-128"/>
+              </a:rPr>
+              <a:t>dramatically (2.421 ± 0.436 for DIRECT 50) </a:t>
+            </a:r>
+            <a:endParaRPr lang="en-US" altLang="zh-CN" sz="2800" dirty="0" smtClean="0">
+              <a:latin typeface="Meiryo" panose="020B0604030504040204" pitchFamily="34" charset="-128"/>
+              <a:ea typeface="Meiryo" panose="020B0604030504040204" pitchFamily="34" charset="-128"/>
+              <a:cs typeface="Meiryo" panose="020B0604030504040204" pitchFamily="34" charset="-128"/>
+            </a:endParaRPr>
+          </a:p>
+          <a:p>
+            <a:pPr marL="1257300" lvl="2" indent="-342900">
+              <a:lnSpc>
+                <a:spcPct val="200000"/>
+              </a:lnSpc>
+              <a:buFont typeface="Arial" panose="020B0604020202020204" pitchFamily="34" charset="0"/>
+              <a:buChar char="•"/>
+            </a:pPr>
+            <a:r>
+              <a:rPr lang="en-US" altLang="zh-CN" sz="2800" dirty="0" smtClean="0">
+                <a:latin typeface="Meiryo" panose="020B0604030504040204" pitchFamily="34" charset="-128"/>
+                <a:ea typeface="Meiryo" panose="020B0604030504040204" pitchFamily="34" charset="-128"/>
+                <a:cs typeface="Meiryo" panose="020B0604030504040204" pitchFamily="34" charset="-128"/>
+              </a:rPr>
+              <a:t>our </a:t>
+            </a:r>
+            <a:r>
+              <a:rPr lang="en-US" altLang="zh-CN" sz="2800" dirty="0">
+                <a:latin typeface="Meiryo" panose="020B0604030504040204" pitchFamily="34" charset="-128"/>
+                <a:ea typeface="Meiryo" panose="020B0604030504040204" pitchFamily="34" charset="-128"/>
+                <a:cs typeface="Meiryo" panose="020B0604030504040204" pitchFamily="34" charset="-128"/>
+              </a:rPr>
+              <a:t>style selection stays stable (3.620 ± 0.413 for </a:t>
+            </a:r>
+            <a:r>
+              <a:rPr lang="en-US" altLang="zh-CN" sz="2800" dirty="0" smtClean="0">
+                <a:latin typeface="Meiryo" panose="020B0604030504040204" pitchFamily="34" charset="-128"/>
+                <a:ea typeface="Meiryo" panose="020B0604030504040204" pitchFamily="34" charset="-128"/>
+                <a:cs typeface="Meiryo" panose="020B0604030504040204" pitchFamily="34" charset="-128"/>
+              </a:rPr>
+              <a:t>OURS 50)</a:t>
+            </a:r>
+            <a:endParaRPr lang="en-US" altLang="zh-CN" sz="2800" dirty="0">
+              <a:latin typeface="Meiryo" panose="020B0604030504040204" pitchFamily="34" charset="-128"/>
+              <a:ea typeface="Meiryo" panose="020B0604030504040204" pitchFamily="34" charset="-128"/>
+              <a:cs typeface="Meiryo" panose="020B0604030504040204" pitchFamily="34" charset="-128"/>
+            </a:endParaRPr>
+          </a:p>
+        </p:txBody>
+      </p:sp>
+    </p:spTree>
+    <p:extLst>
+      <p:ext uri="{BB962C8B-B14F-4D97-AF65-F5344CB8AC3E}">
+        <p14:creationId xmlns:p14="http://schemas.microsoft.com/office/powerpoint/2010/main" val="523834223"/>
+      </p:ext>
+    </p:extLst>
+  </p:cSld>
+  <p:clrMapOvr>
+    <a:masterClrMapping/>
+  </p:clrMapOvr>
+  <p:timing>
+    <p:tnLst>
+      <p:par>
+        <p:cTn id="1" dur="indefinite" restart="never" nodeType="tmRoot"/>
+      </p:par>
+    </p:tnLst>
+  </p:timing>
+</p:sld>
+</file>
+
+<file path=ppt/slides/slide55.xml><?xml version="1.0" encoding="utf-8"?>
+<p:sld xmlns:a="http://schemas.openxmlformats.org/drawingml/2006/main" xmlns:r="http://schemas.openxmlformats.org/officeDocument/2006/relationships" xmlns:p="http://schemas.openxmlformats.org/presentationml/2006/main">
+  <p:cSld>
+    <p:spTree>
+      <p:nvGrpSpPr>
+        <p:cNvPr id="1" name=""/>
+        <p:cNvGrpSpPr/>
+        <p:nvPr/>
+      </p:nvGrpSpPr>
+      <p:grpSpPr>
+        <a:xfrm>
+          <a:off x="0" y="0"/>
+          <a:ext cx="0" cy="0"/>
+          <a:chOff x="0" y="0"/>
+          <a:chExt cx="0" cy="0"/>
+        </a:xfrm>
+      </p:grpSpPr>
+      <p:sp>
+        <p:nvSpPr>
+          <p:cNvPr id="6" name="矩形 5"/>
+          <p:cNvSpPr/>
+          <p:nvPr/>
+        </p:nvSpPr>
+        <p:spPr>
+          <a:xfrm rot="877900">
+            <a:off x="2686836" y="-155824"/>
+            <a:ext cx="6186601" cy="6857999"/>
+          </a:xfrm>
+          <a:prstGeom prst="rect">
+            <a:avLst/>
+          </a:prstGeom>
+          <a:solidFill>
+            <a:schemeClr val="bg1">
+              <a:lumMod val="95000"/>
+            </a:schemeClr>
+          </a:solidFill>
+          <a:ln>
+            <a:noFill/>
+          </a:ln>
+        </p:spPr>
+        <p:style>
+          <a:lnRef idx="2">
+            <a:schemeClr val="accent1">
+              <a:shade val="50000"/>
+            </a:schemeClr>
+          </a:lnRef>
+          <a:fillRef idx="1">
+            <a:schemeClr val="accent1"/>
+          </a:fillRef>
+          <a:effectRef idx="0">
+            <a:schemeClr val="accent1"/>
+          </a:effectRef>
+          <a:fontRef idx="minor">
+            <a:schemeClr val="lt1"/>
+          </a:fontRef>
+        </p:style>
+        <p:txBody>
+          <a:bodyPr rtlCol="0" anchor="ctr"/>
+          <a:lstStyle/>
+          <a:p>
+            <a:pPr algn="ctr"/>
+            <a:endParaRPr lang="zh-CN" altLang="en-US"/>
+          </a:p>
+        </p:txBody>
+      </p:sp>
+      <p:sp>
+        <p:nvSpPr>
+          <p:cNvPr id="30" name="文本框 29"/>
+          <p:cNvSpPr txBox="1"/>
+          <p:nvPr/>
+        </p:nvSpPr>
+        <p:spPr>
+          <a:xfrm>
+            <a:off x="662538" y="294935"/>
+            <a:ext cx="9205361" cy="769441"/>
+          </a:xfrm>
+          <a:prstGeom prst="rect">
+            <a:avLst/>
+          </a:prstGeom>
+          <a:noFill/>
+        </p:spPr>
+        <p:txBody>
+          <a:bodyPr wrap="square" rtlCol="0">
+            <a:spAutoFit/>
+          </a:bodyPr>
+          <a:lstStyle/>
+          <a:p>
+            <a:r>
+              <a:rPr lang="en-US" altLang="zh-CN" sz="4400" b="1" dirty="0" smtClean="0">
+                <a:solidFill>
+                  <a:srgbClr val="00ABB4"/>
+                </a:solidFill>
+                <a:latin typeface="微软雅黑" panose="020B0503020204020204" pitchFamily="34" charset="-122"/>
+                <a:ea typeface="微软雅黑" panose="020B0503020204020204" pitchFamily="34" charset="-122"/>
+              </a:rPr>
+              <a:t>Results and Discussion</a:t>
+            </a:r>
+            <a:endParaRPr lang="en-US" altLang="zh-CN" sz="4400" b="1" dirty="0">
+              <a:solidFill>
+                <a:srgbClr val="00ABB4"/>
+              </a:solidFill>
+              <a:latin typeface="微软雅黑" panose="020B0503020204020204" pitchFamily="34" charset="-122"/>
+              <a:ea typeface="微软雅黑" panose="020B0503020204020204" pitchFamily="34" charset="-122"/>
+            </a:endParaRPr>
+          </a:p>
+        </p:txBody>
+      </p:sp>
+      <p:sp>
+        <p:nvSpPr>
+          <p:cNvPr id="5" name="Rectangle 96"/>
+          <p:cNvSpPr/>
+          <p:nvPr/>
+        </p:nvSpPr>
+        <p:spPr>
+          <a:xfrm>
+            <a:off x="876300" y="1934347"/>
+            <a:ext cx="10306050" cy="2677656"/>
+          </a:xfrm>
+          <a:prstGeom prst="rect">
+            <a:avLst/>
+          </a:prstGeom>
+        </p:spPr>
+        <p:txBody>
+          <a:bodyPr wrap="square">
+            <a:spAutoFit/>
+          </a:bodyPr>
+          <a:lstStyle/>
+          <a:p>
+            <a:pPr lvl="1">
+              <a:lnSpc>
+                <a:spcPct val="200000"/>
+              </a:lnSpc>
+            </a:pPr>
+            <a:r>
+              <a:rPr lang="en-US" altLang="zh-CN" sz="2800" dirty="0" smtClean="0">
+                <a:latin typeface="Meiryo" panose="020B0604030504040204" pitchFamily="34" charset="-128"/>
+                <a:ea typeface="Meiryo" panose="020B0604030504040204" pitchFamily="34" charset="-128"/>
+                <a:cs typeface="Meiryo" panose="020B0604030504040204" pitchFamily="34" charset="-128"/>
+              </a:rPr>
+              <a:t>Explaination : </a:t>
+            </a:r>
+            <a:r>
+              <a:rPr lang="en-US" altLang="zh-CN" sz="2800" dirty="0">
+                <a:latin typeface="Meiryo" panose="020B0604030504040204" pitchFamily="34" charset="-128"/>
+                <a:ea typeface="Meiryo" panose="020B0604030504040204" pitchFamily="34" charset="-128"/>
+                <a:cs typeface="Meiryo" panose="020B0604030504040204" pitchFamily="34" charset="-128"/>
+              </a:rPr>
+              <a:t>the </a:t>
+            </a:r>
+            <a:r>
+              <a:rPr lang="en-US" altLang="zh-CN" sz="2800" dirty="0">
+                <a:latin typeface="Meiryo" panose="020B0604030504040204" pitchFamily="34" charset="-128"/>
+                <a:ea typeface="Meiryo" panose="020B0604030504040204" pitchFamily="34" charset="-128"/>
+                <a:cs typeface="Meiryo" panose="020B0604030504040204" pitchFamily="34" charset="-128"/>
+              </a:rPr>
+              <a:t>novel </a:t>
+            </a:r>
+            <a:r>
+              <a:rPr lang="en-US" altLang="zh-CN" sz="2800" dirty="0">
+                <a:latin typeface="Meiryo" panose="020B0604030504040204" pitchFamily="34" charset="-128"/>
+                <a:ea typeface="Meiryo" panose="020B0604030504040204" pitchFamily="34" charset="-128"/>
+                <a:cs typeface="Meiryo" panose="020B0604030504040204" pitchFamily="34" charset="-128"/>
+              </a:rPr>
+              <a:t>two-step style </a:t>
+            </a:r>
+            <a:r>
+              <a:rPr lang="en-US" altLang="zh-CN" sz="2800" dirty="0">
+                <a:latin typeface="Meiryo" panose="020B0604030504040204" pitchFamily="34" charset="-128"/>
+                <a:ea typeface="Meiryo" panose="020B0604030504040204" pitchFamily="34" charset="-128"/>
+                <a:cs typeface="Meiryo" panose="020B0604030504040204" pitchFamily="34" charset="-128"/>
+              </a:rPr>
+              <a:t>ranking algorithm </a:t>
+            </a:r>
+            <a:r>
+              <a:rPr lang="en-US" altLang="zh-CN" sz="2800" dirty="0" smtClean="0">
+                <a:latin typeface="Meiryo" panose="020B0604030504040204" pitchFamily="34" charset="-128"/>
+                <a:ea typeface="Meiryo" panose="020B0604030504040204" pitchFamily="34" charset="-128"/>
+                <a:cs typeface="Meiryo" panose="020B0604030504040204" pitchFamily="34" charset="-128"/>
+              </a:rPr>
+              <a:t>can learn </a:t>
+            </a:r>
+            <a:r>
+              <a:rPr lang="en-US" altLang="zh-CN" sz="2800" dirty="0">
+                <a:latin typeface="Meiryo" panose="020B0604030504040204" pitchFamily="34" charset="-128"/>
+                <a:ea typeface="Meiryo" panose="020B0604030504040204" pitchFamily="34" charset="-128"/>
+                <a:cs typeface="Meiryo" panose="020B0604030504040204" pitchFamily="34" charset="-128"/>
+              </a:rPr>
+              <a:t>the </a:t>
+            </a:r>
+            <a:r>
+              <a:rPr lang="en-US" altLang="zh-CN" sz="2800" dirty="0">
+                <a:latin typeface="Meiryo" panose="020B0604030504040204" pitchFamily="34" charset="-128"/>
+                <a:ea typeface="Meiryo" panose="020B0604030504040204" pitchFamily="34" charset="-128"/>
+                <a:cs typeface="Meiryo" panose="020B0604030504040204" pitchFamily="34" charset="-128"/>
+              </a:rPr>
+              <a:t>mapping between </a:t>
+            </a:r>
+            <a:r>
+              <a:rPr lang="en-US" altLang="zh-CN" sz="2800" dirty="0">
+                <a:latin typeface="Meiryo" panose="020B0604030504040204" pitchFamily="34" charset="-128"/>
+                <a:ea typeface="Meiryo" panose="020B0604030504040204" pitchFamily="34" charset="-128"/>
+                <a:cs typeface="Meiryo" panose="020B0604030504040204" pitchFamily="34" charset="-128"/>
+              </a:rPr>
+              <a:t>semantic content and style even with very few </a:t>
+            </a:r>
+            <a:r>
+              <a:rPr lang="en-US" altLang="zh-CN" sz="2800" dirty="0">
+                <a:latin typeface="Meiryo" panose="020B0604030504040204" pitchFamily="34" charset="-128"/>
+                <a:ea typeface="Meiryo" panose="020B0604030504040204" pitchFamily="34" charset="-128"/>
+                <a:cs typeface="Meiryo" panose="020B0604030504040204" pitchFamily="34" charset="-128"/>
+              </a:rPr>
+              <a:t>style examples </a:t>
+            </a:r>
+          </a:p>
+        </p:txBody>
+      </p:sp>
+    </p:spTree>
+    <p:extLst>
+      <p:ext uri="{BB962C8B-B14F-4D97-AF65-F5344CB8AC3E}">
+        <p14:creationId xmlns:p14="http://schemas.microsoft.com/office/powerpoint/2010/main" val="1661214243"/>
+      </p:ext>
+    </p:extLst>
+  </p:cSld>
+  <p:clrMapOvr>
+    <a:masterClrMapping/>
+  </p:clrMapOvr>
+  <p:timing>
+    <p:tnLst>
+      <p:par>
+        <p:cTn id="1" dur="indefinite" restart="never" nodeType="tmRoot"/>
+      </p:par>
+    </p:tnLst>
+  </p:timing>
+</p:sld>
+</file>
+
+<file path=ppt/slides/slide56.xml><?xml version="1.0" encoding="utf-8"?>
+<p:sld xmlns:a="http://schemas.openxmlformats.org/drawingml/2006/main" xmlns:r="http://schemas.openxmlformats.org/officeDocument/2006/relationships" xmlns:p="http://schemas.openxmlformats.org/presentationml/2006/main">
+  <p:cSld>
+    <p:spTree>
+      <p:nvGrpSpPr>
+        <p:cNvPr id="1" name=""/>
+        <p:cNvGrpSpPr/>
+        <p:nvPr/>
+      </p:nvGrpSpPr>
+      <p:grpSpPr>
+        <a:xfrm>
+          <a:off x="0" y="0"/>
+          <a:ext cx="0" cy="0"/>
+          <a:chOff x="0" y="0"/>
+          <a:chExt cx="0" cy="0"/>
+        </a:xfrm>
+      </p:grpSpPr>
+      <p:sp>
+        <p:nvSpPr>
+          <p:cNvPr id="6" name="矩形 5"/>
+          <p:cNvSpPr/>
+          <p:nvPr/>
+        </p:nvSpPr>
+        <p:spPr>
+          <a:xfrm rot="877900">
+            <a:off x="2686836" y="-155824"/>
+            <a:ext cx="6186601" cy="6857999"/>
+          </a:xfrm>
+          <a:prstGeom prst="rect">
+            <a:avLst/>
+          </a:prstGeom>
+          <a:solidFill>
+            <a:schemeClr val="bg1">
+              <a:lumMod val="95000"/>
+            </a:schemeClr>
+          </a:solidFill>
+          <a:ln>
+            <a:noFill/>
+          </a:ln>
+        </p:spPr>
+        <p:style>
+          <a:lnRef idx="2">
+            <a:schemeClr val="accent1">
+              <a:shade val="50000"/>
+            </a:schemeClr>
+          </a:lnRef>
+          <a:fillRef idx="1">
+            <a:schemeClr val="accent1"/>
+          </a:fillRef>
+          <a:effectRef idx="0">
+            <a:schemeClr val="accent1"/>
+          </a:effectRef>
+          <a:fontRef idx="minor">
+            <a:schemeClr val="lt1"/>
+          </a:fontRef>
+        </p:style>
+        <p:txBody>
+          <a:bodyPr rtlCol="0" anchor="ctr"/>
+          <a:lstStyle/>
+          <a:p>
+            <a:pPr algn="ctr"/>
+            <a:endParaRPr lang="zh-CN" altLang="en-US"/>
+          </a:p>
+        </p:txBody>
+      </p:sp>
+      <p:sp>
+        <p:nvSpPr>
+          <p:cNvPr id="30" name="文本框 29"/>
+          <p:cNvSpPr txBox="1"/>
+          <p:nvPr/>
+        </p:nvSpPr>
+        <p:spPr>
+          <a:xfrm>
+            <a:off x="662538" y="294935"/>
+            <a:ext cx="9205361" cy="769441"/>
+          </a:xfrm>
+          <a:prstGeom prst="rect">
+            <a:avLst/>
+          </a:prstGeom>
+          <a:noFill/>
+        </p:spPr>
+        <p:txBody>
+          <a:bodyPr wrap="square" rtlCol="0">
+            <a:spAutoFit/>
+          </a:bodyPr>
+          <a:lstStyle/>
+          <a:p>
+            <a:r>
+              <a:rPr lang="en-US" altLang="zh-CN" sz="4400" b="1" dirty="0" smtClean="0">
+                <a:solidFill>
+                  <a:srgbClr val="00ABB4"/>
+                </a:solidFill>
+                <a:latin typeface="微软雅黑" panose="020B0503020204020204" pitchFamily="34" charset="-122"/>
+                <a:ea typeface="微软雅黑" panose="020B0503020204020204" pitchFamily="34" charset="-122"/>
+              </a:rPr>
+              <a:t>Results and Discussion</a:t>
+            </a:r>
+            <a:endParaRPr lang="en-US" altLang="zh-CN" sz="4400" b="1" dirty="0">
+              <a:solidFill>
+                <a:srgbClr val="00ABB4"/>
+              </a:solidFill>
+              <a:latin typeface="微软雅黑" panose="020B0503020204020204" pitchFamily="34" charset="-122"/>
+              <a:ea typeface="微软雅黑" panose="020B0503020204020204" pitchFamily="34" charset="-122"/>
+            </a:endParaRPr>
+          </a:p>
+        </p:txBody>
+      </p:sp>
+      <p:sp>
+        <p:nvSpPr>
+          <p:cNvPr id="5" name="Rectangle 96"/>
+          <p:cNvSpPr/>
+          <p:nvPr/>
+        </p:nvSpPr>
+        <p:spPr>
+          <a:xfrm>
+            <a:off x="792810" y="1216776"/>
+            <a:ext cx="10808639" cy="2677656"/>
+          </a:xfrm>
+          <a:prstGeom prst="rect">
+            <a:avLst/>
+          </a:prstGeom>
+        </p:spPr>
+        <p:txBody>
+          <a:bodyPr wrap="square">
+            <a:spAutoFit/>
+          </a:bodyPr>
+          <a:lstStyle/>
+          <a:p>
+            <a:pPr marL="800100" lvl="1" indent="-342900">
+              <a:lnSpc>
+                <a:spcPct val="200000"/>
+              </a:lnSpc>
+              <a:buFont typeface="Arial" panose="020B0604020202020204" pitchFamily="34" charset="0"/>
+              <a:buChar char="•"/>
+            </a:pPr>
+            <a:r>
+              <a:rPr lang="en-US" altLang="zh-CN" sz="2800" dirty="0" smtClean="0">
+                <a:latin typeface="Meiryo" panose="020B0604030504040204" pitchFamily="34" charset="-128"/>
+                <a:ea typeface="Meiryo" panose="020B0604030504040204" pitchFamily="34" charset="-128"/>
+                <a:cs typeface="Meiryo" panose="020B0604030504040204" pitchFamily="34" charset="-128"/>
+              </a:rPr>
+              <a:t>Found </a:t>
+            </a:r>
+            <a:r>
+              <a:rPr lang="en-US" altLang="zh-CN" sz="2800" dirty="0">
+                <a:latin typeface="Meiryo" panose="020B0604030504040204" pitchFamily="34" charset="-128"/>
+                <a:ea typeface="Meiryo" panose="020B0604030504040204" pitchFamily="34" charset="-128"/>
+                <a:cs typeface="Meiryo" panose="020B0604030504040204" pitchFamily="34" charset="-128"/>
+              </a:rPr>
+              <a:t>that </a:t>
+            </a:r>
+            <a:r>
+              <a:rPr lang="en-US" altLang="zh-CN" sz="2800" dirty="0" smtClean="0">
+                <a:latin typeface="Meiryo" panose="020B0604030504040204" pitchFamily="34" charset="-128"/>
+                <a:ea typeface="Meiryo" panose="020B0604030504040204" pitchFamily="34" charset="-128"/>
+                <a:cs typeface="Meiryo" panose="020B0604030504040204" pitchFamily="34" charset="-128"/>
+              </a:rPr>
+              <a:t>:</a:t>
+            </a:r>
+          </a:p>
+          <a:p>
+            <a:pPr lvl="1">
+              <a:lnSpc>
+                <a:spcPct val="200000"/>
+              </a:lnSpc>
+            </a:pPr>
+            <a:r>
+              <a:rPr lang="en-US" altLang="zh-CN" sz="2800" dirty="0">
+                <a:latin typeface="Meiryo" panose="020B0604030504040204" pitchFamily="34" charset="-128"/>
+                <a:ea typeface="Meiryo" panose="020B0604030504040204" pitchFamily="34" charset="-128"/>
+                <a:cs typeface="Meiryo" panose="020B0604030504040204" pitchFamily="34" charset="-128"/>
+              </a:rPr>
+              <a:t>	</a:t>
+            </a:r>
+            <a:r>
+              <a:rPr lang="en-US" altLang="zh-CN" sz="2800" dirty="0" smtClean="0">
+                <a:latin typeface="Meiryo" panose="020B0604030504040204" pitchFamily="34" charset="-128"/>
+                <a:ea typeface="Meiryo" panose="020B0604030504040204" pitchFamily="34" charset="-128"/>
+                <a:cs typeface="Meiryo" panose="020B0604030504040204" pitchFamily="34" charset="-128"/>
+              </a:rPr>
+              <a:t>direct </a:t>
+            </a:r>
+            <a:r>
+              <a:rPr lang="en-US" altLang="zh-CN" sz="2800" dirty="0">
+                <a:latin typeface="Meiryo" panose="020B0604030504040204" pitchFamily="34" charset="-128"/>
+                <a:ea typeface="Meiryo" panose="020B0604030504040204" pitchFamily="34" charset="-128"/>
+                <a:cs typeface="Meiryo" panose="020B0604030504040204" pitchFamily="34" charset="-128"/>
+              </a:rPr>
+              <a:t>search finds a semantically meaningful </a:t>
+            </a:r>
+            <a:r>
+              <a:rPr lang="en-US" altLang="zh-CN" sz="2800" dirty="0" smtClean="0">
+                <a:latin typeface="Meiryo" panose="020B0604030504040204" pitchFamily="34" charset="-128"/>
+                <a:ea typeface="Meiryo" panose="020B0604030504040204" pitchFamily="34" charset="-128"/>
+                <a:cs typeface="Meiryo" panose="020B0604030504040204" pitchFamily="34" charset="-128"/>
+              </a:rPr>
+              <a:t>match a 			good </a:t>
+            </a:r>
+            <a:r>
+              <a:rPr lang="en-US" altLang="zh-CN" sz="2800" dirty="0">
+                <a:latin typeface="Meiryo" panose="020B0604030504040204" pitchFamily="34" charset="-128"/>
+                <a:ea typeface="Meiryo" panose="020B0604030504040204" pitchFamily="34" charset="-128"/>
+                <a:cs typeface="Meiryo" panose="020B0604030504040204" pitchFamily="34" charset="-128"/>
+              </a:rPr>
+              <a:t>style transfer </a:t>
+            </a:r>
+            <a:r>
+              <a:rPr lang="en-US" altLang="zh-CN" sz="2800" dirty="0" smtClean="0">
+                <a:latin typeface="Meiryo" panose="020B0604030504040204" pitchFamily="34" charset="-128"/>
+                <a:ea typeface="Meiryo" panose="020B0604030504040204" pitchFamily="34" charset="-128"/>
+                <a:cs typeface="Meiryo" panose="020B0604030504040204" pitchFamily="34" charset="-128"/>
+              </a:rPr>
+              <a:t>result</a:t>
+            </a:r>
+            <a:endParaRPr lang="en-US" altLang="zh-CN" sz="2800" dirty="0">
+              <a:latin typeface="Meiryo" panose="020B0604030504040204" pitchFamily="34" charset="-128"/>
+              <a:ea typeface="Meiryo" panose="020B0604030504040204" pitchFamily="34" charset="-128"/>
+              <a:cs typeface="Meiryo" panose="020B0604030504040204" pitchFamily="34" charset="-128"/>
+            </a:endParaRPr>
+          </a:p>
+        </p:txBody>
+      </p:sp>
+      <p:sp>
+        <p:nvSpPr>
+          <p:cNvPr id="2" name="不等于号 1"/>
+          <p:cNvSpPr/>
+          <p:nvPr/>
+        </p:nvSpPr>
+        <p:spPr>
+          <a:xfrm>
+            <a:off x="5526954" y="2806450"/>
+            <a:ext cx="506364" cy="466725"/>
+          </a:xfrm>
+          <a:prstGeom prst="mathNotEqual">
+            <a:avLst/>
+          </a:prstGeom>
+          <a:solidFill>
+            <a:schemeClr val="tx1"/>
+          </a:solidFill>
+          <a:ln w="63500">
+            <a:noFill/>
+          </a:ln>
+        </p:spPr>
+        <p:style>
+          <a:lnRef idx="2">
+            <a:schemeClr val="accent1">
+              <a:shade val="50000"/>
+            </a:schemeClr>
+          </a:lnRef>
+          <a:fillRef idx="1">
+            <a:schemeClr val="accent1"/>
+          </a:fillRef>
+          <a:effectRef idx="0">
+            <a:schemeClr val="accent1"/>
+          </a:effectRef>
+          <a:fontRef idx="minor">
+            <a:schemeClr val="lt1"/>
+          </a:fontRef>
+        </p:style>
+        <p:txBody>
+          <a:bodyPr rtlCol="0" anchor="ctr"/>
+          <a:lstStyle/>
+          <a:p>
+            <a:pPr algn="ctr"/>
+            <a:endParaRPr lang="zh-CN" altLang="en-US">
+              <a:solidFill>
+                <a:schemeClr val="tx1"/>
+              </a:solidFill>
+            </a:endParaRPr>
+          </a:p>
+        </p:txBody>
+      </p:sp>
+      <p:pic>
+        <p:nvPicPr>
+          <p:cNvPr id="16386" name="Picture 2"/>
+          <p:cNvPicPr>
+            <a:picLocks noChangeAspect="1" noChangeArrowheads="1"/>
+          </p:cNvPicPr>
+          <p:nvPr/>
+        </p:nvPicPr>
+        <p:blipFill>
+          <a:blip r:embed="rId3">
+            <a:extLst>
+              <a:ext uri="{28A0092B-C50C-407E-A947-70E740481C1C}">
+                <a14:useLocalDpi xmlns:a14="http://schemas.microsoft.com/office/drawing/2010/main" val="0"/>
+              </a:ext>
+            </a:extLst>
+          </a:blip>
+          <a:srcRect/>
+          <a:stretch>
+            <a:fillRect/>
+          </a:stretch>
+        </p:blipFill>
+        <p:spPr bwMode="auto">
+          <a:xfrm>
+            <a:off x="2465129" y="3894432"/>
+            <a:ext cx="6630014" cy="2334918"/>
+          </a:xfrm>
+          <a:prstGeom prst="rect">
+            <a:avLst/>
+          </a:prstGeom>
+          <a:noFill/>
+          <a:ln>
+            <a:noFill/>
+          </a:ln>
+          <a:extLst>
+            <a:ext uri="{909E8E84-426E-40DD-AFC4-6F175D3DCCD1}">
+              <a14:hiddenFill xmlns:a14="http://schemas.microsoft.com/office/drawing/2010/main">
+                <a:solidFill>
+                  <a:schemeClr val="accent1"/>
+                </a:solidFill>
+              </a14:hiddenFill>
+            </a:ext>
+            <a:ext uri="{91240B29-F687-4F45-9708-019B960494DF}">
+              <a14:hiddenLine xmlns:a14="http://schemas.microsoft.com/office/drawing/2010/main" w="9525">
+                <a:solidFill>
+                  <a:schemeClr val="tx1"/>
+                </a:solidFill>
+                <a:miter lim="800000"/>
+                <a:headEnd/>
+                <a:tailEnd/>
+              </a14:hiddenLine>
+            </a:ext>
+          </a:extLst>
+        </p:spPr>
+      </p:pic>
+    </p:spTree>
+    <p:extLst>
+      <p:ext uri="{BB962C8B-B14F-4D97-AF65-F5344CB8AC3E}">
+        <p14:creationId xmlns:p14="http://schemas.microsoft.com/office/powerpoint/2010/main" val="3540965502"/>
+      </p:ext>
+    </p:extLst>
+  </p:cSld>
+  <p:clrMapOvr>
+    <a:masterClrMapping/>
+  </p:clrMapOvr>
+  <p:timing>
+    <p:tnLst>
+      <p:par>
+        <p:cTn id="1" dur="indefinite" restart="never" nodeType="tmRoot"/>
+      </p:par>
+    </p:tnLst>
+  </p:timing>
+</p:sld>
+</file>
+
+<file path=ppt/slides/slide57.xml><?xml version="1.0" encoding="utf-8"?>
+<p:sld xmlns:a="http://schemas.openxmlformats.org/drawingml/2006/main" xmlns:r="http://schemas.openxmlformats.org/officeDocument/2006/relationships" xmlns:p="http://schemas.openxmlformats.org/presentationml/2006/main">
+  <p:cSld>
+    <p:spTree>
+      <p:nvGrpSpPr>
+        <p:cNvPr id="1" name=""/>
+        <p:cNvGrpSpPr/>
+        <p:nvPr/>
+      </p:nvGrpSpPr>
+      <p:grpSpPr>
+        <a:xfrm>
+          <a:off x="0" y="0"/>
+          <a:ext cx="0" cy="0"/>
+          <a:chOff x="0" y="0"/>
+          <a:chExt cx="0" cy="0"/>
+        </a:xfrm>
+      </p:grpSpPr>
+      <p:sp>
+        <p:nvSpPr>
+          <p:cNvPr id="6" name="矩形 5"/>
+          <p:cNvSpPr/>
+          <p:nvPr/>
+        </p:nvSpPr>
+        <p:spPr>
+          <a:xfrm rot="877900">
+            <a:off x="2686836" y="-155824"/>
+            <a:ext cx="6186601" cy="6857999"/>
+          </a:xfrm>
+          <a:prstGeom prst="rect">
+            <a:avLst/>
+          </a:prstGeom>
+          <a:solidFill>
+            <a:schemeClr val="bg1">
+              <a:lumMod val="95000"/>
+            </a:schemeClr>
+          </a:solidFill>
+          <a:ln>
+            <a:noFill/>
+          </a:ln>
+        </p:spPr>
+        <p:style>
+          <a:lnRef idx="2">
+            <a:schemeClr val="accent1">
+              <a:shade val="50000"/>
+            </a:schemeClr>
+          </a:lnRef>
+          <a:fillRef idx="1">
+            <a:schemeClr val="accent1"/>
+          </a:fillRef>
+          <a:effectRef idx="0">
+            <a:schemeClr val="accent1"/>
+          </a:effectRef>
+          <a:fontRef idx="minor">
+            <a:schemeClr val="lt1"/>
+          </a:fontRef>
+        </p:style>
+        <p:txBody>
+          <a:bodyPr rtlCol="0" anchor="ctr"/>
+          <a:lstStyle/>
+          <a:p>
+            <a:pPr algn="ctr"/>
+            <a:endParaRPr lang="zh-CN" altLang="en-US"/>
+          </a:p>
+        </p:txBody>
+      </p:sp>
+      <p:sp>
+        <p:nvSpPr>
+          <p:cNvPr id="30" name="文本框 29"/>
+          <p:cNvSpPr txBox="1"/>
+          <p:nvPr/>
+        </p:nvSpPr>
+        <p:spPr>
+          <a:xfrm>
+            <a:off x="662538" y="294935"/>
+            <a:ext cx="9205361" cy="769441"/>
+          </a:xfrm>
+          <a:prstGeom prst="rect">
+            <a:avLst/>
+          </a:prstGeom>
+          <a:noFill/>
+        </p:spPr>
+        <p:txBody>
+          <a:bodyPr wrap="square" rtlCol="0">
+            <a:spAutoFit/>
+          </a:bodyPr>
+          <a:lstStyle/>
+          <a:p>
+            <a:r>
+              <a:rPr lang="en-US" altLang="zh-CN" sz="4400" b="1" dirty="0" smtClean="0">
+                <a:solidFill>
+                  <a:srgbClr val="00ABB4"/>
+                </a:solidFill>
+                <a:latin typeface="微软雅黑" panose="020B0503020204020204" pitchFamily="34" charset="-122"/>
+                <a:ea typeface="微软雅黑" panose="020B0503020204020204" pitchFamily="34" charset="-122"/>
+              </a:rPr>
+              <a:t>Results and Discussion</a:t>
+            </a:r>
+            <a:endParaRPr lang="en-US" altLang="zh-CN" sz="4400" b="1" dirty="0">
+              <a:solidFill>
+                <a:srgbClr val="00ABB4"/>
+              </a:solidFill>
+              <a:latin typeface="微软雅黑" panose="020B0503020204020204" pitchFamily="34" charset="-122"/>
+              <a:ea typeface="微软雅黑" panose="020B0503020204020204" pitchFamily="34" charset="-122"/>
+            </a:endParaRPr>
+          </a:p>
+        </p:txBody>
+      </p:sp>
+      <p:sp>
+        <p:nvSpPr>
+          <p:cNvPr id="5" name="Rectangle 96"/>
+          <p:cNvSpPr/>
+          <p:nvPr/>
+        </p:nvSpPr>
+        <p:spPr>
+          <a:xfrm>
+            <a:off x="876300" y="1934347"/>
+            <a:ext cx="10820400" cy="2677656"/>
+          </a:xfrm>
+          <a:prstGeom prst="rect">
+            <a:avLst/>
+          </a:prstGeom>
+        </p:spPr>
+        <p:txBody>
+          <a:bodyPr wrap="square">
+            <a:spAutoFit/>
+          </a:bodyPr>
+          <a:lstStyle/>
+          <a:p>
+            <a:pPr marL="971550" lvl="1" indent="-514350">
+              <a:lnSpc>
+                <a:spcPct val="200000"/>
+              </a:lnSpc>
+              <a:buFont typeface="+mj-lt"/>
+              <a:buAutoNum type="arabicPeriod" startAt="4"/>
+            </a:pPr>
+            <a:r>
+              <a:rPr lang="en-US" altLang="zh-CN" sz="2800" dirty="0" smtClean="0">
+                <a:latin typeface="Meiryo" panose="020B0604030504040204" pitchFamily="34" charset="-128"/>
+                <a:ea typeface="Meiryo" panose="020B0604030504040204" pitchFamily="34" charset="-128"/>
+                <a:cs typeface="Meiryo" panose="020B0604030504040204" pitchFamily="34" charset="-128"/>
+              </a:rPr>
+              <a:t>PRO </a:t>
+            </a:r>
+            <a:r>
+              <a:rPr lang="en-US" altLang="zh-CN" sz="2800" dirty="0">
+                <a:latin typeface="Meiryo" panose="020B0604030504040204" pitchFamily="34" charset="-128"/>
+                <a:ea typeface="Meiryo" panose="020B0604030504040204" pitchFamily="34" charset="-128"/>
+                <a:cs typeface="Meiryo" panose="020B0604030504040204" pitchFamily="34" charset="-128"/>
+              </a:rPr>
+              <a:t>(2.881 ± 0.480) got </a:t>
+            </a:r>
+            <a:r>
+              <a:rPr lang="en-US" altLang="zh-CN" sz="2800" dirty="0" smtClean="0">
+                <a:latin typeface="Meiryo" panose="020B0604030504040204" pitchFamily="34" charset="-128"/>
+                <a:ea typeface="Meiryo" panose="020B0604030504040204" pitchFamily="34" charset="-128"/>
+                <a:cs typeface="Meiryo" panose="020B0604030504040204" pitchFamily="34" charset="-128"/>
+              </a:rPr>
+              <a:t>a lower </a:t>
+            </a:r>
+            <a:r>
+              <a:rPr lang="en-US" altLang="zh-CN" sz="2800" dirty="0">
+                <a:latin typeface="Meiryo" panose="020B0604030504040204" pitchFamily="34" charset="-128"/>
+                <a:ea typeface="Meiryo" panose="020B0604030504040204" pitchFamily="34" charset="-128"/>
+                <a:cs typeface="Meiryo" panose="020B0604030504040204" pitchFamily="34" charset="-128"/>
+              </a:rPr>
+              <a:t>mean score than {OURS </a:t>
+            </a:r>
+            <a:r>
+              <a:rPr lang="en-US" altLang="zh-CN" sz="2800" dirty="0">
+                <a:latin typeface="Meiryo" panose="020B0604030504040204" pitchFamily="34" charset="-128"/>
+                <a:ea typeface="Meiryo" panose="020B0604030504040204" pitchFamily="34" charset="-128"/>
+                <a:cs typeface="Meiryo" panose="020B0604030504040204" pitchFamily="34" charset="-128"/>
+              </a:rPr>
+              <a:t>1500</a:t>
+            </a:r>
+            <a:r>
+              <a:rPr lang="en-US" altLang="zh-CN" sz="2800" dirty="0">
+                <a:latin typeface="Meiryo" panose="020B0604030504040204" pitchFamily="34" charset="-128"/>
+                <a:ea typeface="Meiryo" panose="020B0604030504040204" pitchFamily="34" charset="-128"/>
+                <a:cs typeface="Meiryo" panose="020B0604030504040204" pitchFamily="34" charset="-128"/>
+              </a:rPr>
+              <a:t>, OURS 50, </a:t>
+            </a:r>
+            <a:r>
+              <a:rPr lang="en-US" altLang="zh-CN" sz="2800" dirty="0" smtClean="0">
+                <a:latin typeface="Meiryo" panose="020B0604030504040204" pitchFamily="34" charset="-128"/>
+                <a:ea typeface="Meiryo" panose="020B0604030504040204" pitchFamily="34" charset="-128"/>
+                <a:cs typeface="Meiryo" panose="020B0604030504040204" pitchFamily="34" charset="-128"/>
+              </a:rPr>
+              <a:t>DIRECT 1500</a:t>
+            </a:r>
+            <a:r>
+              <a:rPr lang="en-US" altLang="zh-CN" sz="2800" dirty="0">
+                <a:latin typeface="Meiryo" panose="020B0604030504040204" pitchFamily="34" charset="-128"/>
+                <a:ea typeface="Meiryo" panose="020B0604030504040204" pitchFamily="34" charset="-128"/>
+                <a:cs typeface="Meiryo" panose="020B0604030504040204" pitchFamily="34" charset="-128"/>
+              </a:rPr>
+              <a:t>} with the largest standard deviation of scores </a:t>
+            </a:r>
+            <a:endParaRPr lang="en-US" altLang="zh-CN" sz="2800" dirty="0">
+              <a:latin typeface="Meiryo" panose="020B0604030504040204" pitchFamily="34" charset="-128"/>
+              <a:ea typeface="Meiryo" panose="020B0604030504040204" pitchFamily="34" charset="-128"/>
+              <a:cs typeface="Meiryo" panose="020B0604030504040204" pitchFamily="34" charset="-128"/>
+            </a:endParaRPr>
+          </a:p>
+        </p:txBody>
+      </p:sp>
+    </p:spTree>
+    <p:extLst>
+      <p:ext uri="{BB962C8B-B14F-4D97-AF65-F5344CB8AC3E}">
+        <p14:creationId xmlns:p14="http://schemas.microsoft.com/office/powerpoint/2010/main" val="312836722"/>
+      </p:ext>
+    </p:extLst>
+  </p:cSld>
+  <p:clrMapOvr>
+    <a:masterClrMapping/>
+  </p:clrMapOvr>
+  <p:timing>
+    <p:tnLst>
+      <p:par>
+        <p:cTn id="1" dur="indefinite" restart="never" nodeType="tmRoot"/>
+      </p:par>
+    </p:tnLst>
+  </p:timing>
+</p:sld>
+</file>
+
+<file path=ppt/slides/slide58.xml><?xml version="1.0" encoding="utf-8"?>
+<p:sld xmlns:a="http://schemas.openxmlformats.org/drawingml/2006/main" xmlns:r="http://schemas.openxmlformats.org/officeDocument/2006/relationships" xmlns:p="http://schemas.openxmlformats.org/presentationml/2006/main">
+  <p:cSld>
+    <p:spTree>
+      <p:nvGrpSpPr>
+        <p:cNvPr id="1" name=""/>
+        <p:cNvGrpSpPr/>
+        <p:nvPr/>
+      </p:nvGrpSpPr>
+      <p:grpSpPr>
+        <a:xfrm>
+          <a:off x="0" y="0"/>
+          <a:ext cx="0" cy="0"/>
+          <a:chOff x="0" y="0"/>
+          <a:chExt cx="0" cy="0"/>
+        </a:xfrm>
+      </p:grpSpPr>
+      <p:sp>
+        <p:nvSpPr>
+          <p:cNvPr id="6" name="矩形 5"/>
+          <p:cNvSpPr/>
+          <p:nvPr/>
+        </p:nvSpPr>
+        <p:spPr>
+          <a:xfrm rot="877900">
+            <a:off x="2686836" y="-155824"/>
+            <a:ext cx="6186601" cy="6857999"/>
+          </a:xfrm>
+          <a:prstGeom prst="rect">
+            <a:avLst/>
+          </a:prstGeom>
+          <a:solidFill>
+            <a:schemeClr val="bg1">
+              <a:lumMod val="95000"/>
+            </a:schemeClr>
+          </a:solidFill>
+          <a:ln>
+            <a:noFill/>
+          </a:ln>
+        </p:spPr>
+        <p:style>
+          <a:lnRef idx="2">
+            <a:schemeClr val="accent1">
+              <a:shade val="50000"/>
+            </a:schemeClr>
+          </a:lnRef>
+          <a:fillRef idx="1">
+            <a:schemeClr val="accent1"/>
+          </a:fillRef>
+          <a:effectRef idx="0">
+            <a:schemeClr val="accent1"/>
+          </a:effectRef>
+          <a:fontRef idx="minor">
+            <a:schemeClr val="lt1"/>
+          </a:fontRef>
+        </p:style>
+        <p:txBody>
+          <a:bodyPr rtlCol="0" anchor="ctr"/>
+          <a:lstStyle/>
+          <a:p>
+            <a:pPr algn="ctr"/>
+            <a:endParaRPr lang="zh-CN" altLang="en-US"/>
+          </a:p>
+        </p:txBody>
+      </p:sp>
+      <p:sp>
+        <p:nvSpPr>
+          <p:cNvPr id="30" name="文本框 29"/>
+          <p:cNvSpPr txBox="1"/>
+          <p:nvPr/>
+        </p:nvSpPr>
+        <p:spPr>
+          <a:xfrm>
+            <a:off x="662538" y="294935"/>
+            <a:ext cx="9205361" cy="769441"/>
+          </a:xfrm>
+          <a:prstGeom prst="rect">
+            <a:avLst/>
+          </a:prstGeom>
+          <a:noFill/>
+        </p:spPr>
+        <p:txBody>
+          <a:bodyPr wrap="square" rtlCol="0">
+            <a:spAutoFit/>
+          </a:bodyPr>
+          <a:lstStyle/>
+          <a:p>
+            <a:r>
+              <a:rPr lang="en-US" altLang="zh-CN" sz="4400" b="1" dirty="0" smtClean="0">
+                <a:solidFill>
+                  <a:srgbClr val="00ABB4"/>
+                </a:solidFill>
+                <a:latin typeface="微软雅黑" panose="020B0503020204020204" pitchFamily="34" charset="-122"/>
+                <a:ea typeface="微软雅黑" panose="020B0503020204020204" pitchFamily="34" charset="-122"/>
+              </a:rPr>
+              <a:t>Results and Discussion</a:t>
+            </a:r>
+            <a:endParaRPr lang="en-US" altLang="zh-CN" sz="4400" b="1" dirty="0">
+              <a:solidFill>
+                <a:srgbClr val="00ABB4"/>
+              </a:solidFill>
+              <a:latin typeface="微软雅黑" panose="020B0503020204020204" pitchFamily="34" charset="-122"/>
+              <a:ea typeface="微软雅黑" panose="020B0503020204020204" pitchFamily="34" charset="-122"/>
+            </a:endParaRPr>
+          </a:p>
+        </p:txBody>
+      </p:sp>
+      <p:sp>
+        <p:nvSpPr>
+          <p:cNvPr id="5" name="Rectangle 96"/>
+          <p:cNvSpPr/>
+          <p:nvPr/>
+        </p:nvSpPr>
+        <p:spPr>
+          <a:xfrm>
+            <a:off x="876300" y="1457293"/>
+            <a:ext cx="10820400" cy="3539430"/>
+          </a:xfrm>
+          <a:prstGeom prst="rect">
+            <a:avLst/>
+          </a:prstGeom>
+        </p:spPr>
+        <p:txBody>
+          <a:bodyPr wrap="square">
+            <a:spAutoFit/>
+          </a:bodyPr>
+          <a:lstStyle/>
+          <a:p>
+            <a:pPr lvl="1">
+              <a:lnSpc>
+                <a:spcPct val="200000"/>
+              </a:lnSpc>
+            </a:pPr>
+            <a:r>
+              <a:rPr lang="en-US" altLang="zh-CN" sz="2800" dirty="0" smtClean="0">
+                <a:latin typeface="Meiryo" panose="020B0604030504040204" pitchFamily="34" charset="-128"/>
+                <a:ea typeface="Meiryo" panose="020B0604030504040204" pitchFamily="34" charset="-128"/>
+                <a:cs typeface="Meiryo" panose="020B0604030504040204" pitchFamily="34" charset="-128"/>
+              </a:rPr>
+              <a:t>Explaination :</a:t>
+            </a:r>
+          </a:p>
+          <a:p>
+            <a:pPr lvl="2" indent="-457200">
+              <a:lnSpc>
+                <a:spcPct val="200000"/>
+              </a:lnSpc>
+              <a:buFont typeface="Arial" panose="020B0604020202020204" pitchFamily="34" charset="0"/>
+              <a:buChar char="•"/>
+            </a:pPr>
+            <a:r>
+              <a:rPr lang="en-US" altLang="zh-CN" sz="2800" dirty="0" smtClean="0">
+                <a:latin typeface="Meiryo" panose="020B0604030504040204" pitchFamily="34" charset="-128"/>
+                <a:ea typeface="Meiryo" panose="020B0604030504040204" pitchFamily="34" charset="-128"/>
+                <a:cs typeface="Meiryo" panose="020B0604030504040204" pitchFamily="34" charset="-128"/>
+              </a:rPr>
+              <a:t>The </a:t>
+            </a:r>
+            <a:r>
+              <a:rPr lang="en-US" altLang="zh-CN" sz="2800" dirty="0">
+                <a:latin typeface="Meiryo" panose="020B0604030504040204" pitchFamily="34" charset="-128"/>
+                <a:ea typeface="Meiryo" panose="020B0604030504040204" pitchFamily="34" charset="-128"/>
+                <a:cs typeface="Meiryo" panose="020B0604030504040204" pitchFamily="34" charset="-128"/>
+              </a:rPr>
+              <a:t>artist-created </a:t>
+            </a:r>
+            <a:r>
+              <a:rPr lang="en-US" altLang="zh-CN" sz="2800" dirty="0">
+                <a:latin typeface="Meiryo" panose="020B0604030504040204" pitchFamily="34" charset="-128"/>
+                <a:ea typeface="Meiryo" panose="020B0604030504040204" pitchFamily="34" charset="-128"/>
+                <a:cs typeface="Meiryo" panose="020B0604030504040204" pitchFamily="34" charset="-128"/>
+              </a:rPr>
+              <a:t>filters do </a:t>
+            </a:r>
+            <a:r>
+              <a:rPr lang="en-US" altLang="zh-CN" sz="2800" dirty="0">
+                <a:latin typeface="Meiryo" panose="020B0604030504040204" pitchFamily="34" charset="-128"/>
+                <a:ea typeface="Meiryo" panose="020B0604030504040204" pitchFamily="34" charset="-128"/>
+                <a:cs typeface="Meiryo" panose="020B0604030504040204" pitchFamily="34" charset="-128"/>
+              </a:rPr>
+              <a:t>not adapt to the content of the image in the same </a:t>
+            </a:r>
+            <a:r>
+              <a:rPr lang="en-US" altLang="zh-CN" sz="2800" dirty="0">
+                <a:latin typeface="Meiryo" panose="020B0604030504040204" pitchFamily="34" charset="-128"/>
+                <a:ea typeface="Meiryo" panose="020B0604030504040204" pitchFamily="34" charset="-128"/>
+                <a:cs typeface="Meiryo" panose="020B0604030504040204" pitchFamily="34" charset="-128"/>
+              </a:rPr>
+              <a:t>way our </a:t>
+            </a:r>
+            <a:r>
+              <a:rPr lang="en-US" altLang="zh-CN" sz="2800" dirty="0">
+                <a:latin typeface="Meiryo" panose="020B0604030504040204" pitchFamily="34" charset="-128"/>
+                <a:ea typeface="Meiryo" panose="020B0604030504040204" pitchFamily="34" charset="-128"/>
+                <a:cs typeface="Meiryo" panose="020B0604030504040204" pitchFamily="34" charset="-128"/>
+              </a:rPr>
+              <a:t>example-based style transfer technique does. </a:t>
+            </a:r>
+            <a:endParaRPr lang="en-US" altLang="zh-CN" sz="2800" dirty="0">
+              <a:latin typeface="Meiryo" panose="020B0604030504040204" pitchFamily="34" charset="-128"/>
+              <a:ea typeface="Meiryo" panose="020B0604030504040204" pitchFamily="34" charset="-128"/>
+              <a:cs typeface="Meiryo" panose="020B0604030504040204" pitchFamily="34" charset="-128"/>
+            </a:endParaRPr>
+          </a:p>
+        </p:txBody>
+      </p:sp>
+    </p:spTree>
+    <p:extLst>
+      <p:ext uri="{BB962C8B-B14F-4D97-AF65-F5344CB8AC3E}">
+        <p14:creationId xmlns:p14="http://schemas.microsoft.com/office/powerpoint/2010/main" val="450222344"/>
+      </p:ext>
+    </p:extLst>
+  </p:cSld>
+  <p:clrMapOvr>
+    <a:masterClrMapping/>
+  </p:clrMapOvr>
+  <p:timing>
+    <p:tnLst>
+      <p:par>
+        <p:cTn id="1" dur="indefinite" restart="never" nodeType="tmRoot"/>
+      </p:par>
+    </p:tnLst>
+  </p:timing>
+</p:sld>
+</file>
+
+<file path=ppt/slides/slide59.xml><?xml version="1.0" encoding="utf-8"?>
+<p:sld xmlns:a="http://schemas.openxmlformats.org/drawingml/2006/main" xmlns:r="http://schemas.openxmlformats.org/officeDocument/2006/relationships" xmlns:p="http://schemas.openxmlformats.org/presentationml/2006/main">
+  <p:cSld>
+    <p:spTree>
+      <p:nvGrpSpPr>
+        <p:cNvPr id="1" name=""/>
+        <p:cNvGrpSpPr/>
+        <p:nvPr/>
+      </p:nvGrpSpPr>
+      <p:grpSpPr>
+        <a:xfrm>
+          <a:off x="0" y="0"/>
+          <a:ext cx="0" cy="0"/>
+          <a:chOff x="0" y="0"/>
+          <a:chExt cx="0" cy="0"/>
+        </a:xfrm>
+      </p:grpSpPr>
+      <p:sp>
+        <p:nvSpPr>
+          <p:cNvPr id="6" name="矩形 5"/>
+          <p:cNvSpPr/>
+          <p:nvPr/>
+        </p:nvSpPr>
+        <p:spPr>
+          <a:xfrm rot="877900">
+            <a:off x="2686836" y="-155824"/>
+            <a:ext cx="6186601" cy="6857999"/>
+          </a:xfrm>
+          <a:prstGeom prst="rect">
+            <a:avLst/>
+          </a:prstGeom>
+          <a:solidFill>
+            <a:schemeClr val="bg1">
+              <a:lumMod val="95000"/>
+            </a:schemeClr>
+          </a:solidFill>
+          <a:ln>
+            <a:noFill/>
+          </a:ln>
+        </p:spPr>
+        <p:style>
+          <a:lnRef idx="2">
+            <a:schemeClr val="accent1">
+              <a:shade val="50000"/>
+            </a:schemeClr>
+          </a:lnRef>
+          <a:fillRef idx="1">
+            <a:schemeClr val="accent1"/>
+          </a:fillRef>
+          <a:effectRef idx="0">
+            <a:schemeClr val="accent1"/>
+          </a:effectRef>
+          <a:fontRef idx="minor">
+            <a:schemeClr val="lt1"/>
+          </a:fontRef>
+        </p:style>
+        <p:txBody>
+          <a:bodyPr rtlCol="0" anchor="ctr"/>
+          <a:lstStyle/>
+          <a:p>
+            <a:pPr algn="ctr"/>
+            <a:endParaRPr lang="zh-CN" altLang="en-US"/>
+          </a:p>
+        </p:txBody>
+      </p:sp>
+      <p:sp>
+        <p:nvSpPr>
+          <p:cNvPr id="30" name="文本框 29"/>
+          <p:cNvSpPr txBox="1"/>
+          <p:nvPr/>
+        </p:nvSpPr>
+        <p:spPr>
+          <a:xfrm>
+            <a:off x="662538" y="294935"/>
+            <a:ext cx="9205361" cy="769441"/>
+          </a:xfrm>
+          <a:prstGeom prst="rect">
+            <a:avLst/>
+          </a:prstGeom>
+          <a:noFill/>
+        </p:spPr>
+        <p:txBody>
+          <a:bodyPr wrap="square" rtlCol="0">
+            <a:spAutoFit/>
+          </a:bodyPr>
+          <a:lstStyle/>
+          <a:p>
+            <a:r>
+              <a:rPr lang="en-US" altLang="zh-CN" sz="4400" b="1" dirty="0" smtClean="0">
+                <a:solidFill>
+                  <a:srgbClr val="00ABB4"/>
+                </a:solidFill>
+                <a:latin typeface="微软雅黑" panose="020B0503020204020204" pitchFamily="34" charset="-122"/>
+                <a:ea typeface="微软雅黑" panose="020B0503020204020204" pitchFamily="34" charset="-122"/>
+              </a:rPr>
+              <a:t>Results and Discussion</a:t>
+            </a:r>
+            <a:endParaRPr lang="en-US" altLang="zh-CN" sz="4400" b="1" dirty="0">
+              <a:solidFill>
+                <a:srgbClr val="00ABB4"/>
+              </a:solidFill>
+              <a:latin typeface="微软雅黑" panose="020B0503020204020204" pitchFamily="34" charset="-122"/>
+              <a:ea typeface="微软雅黑" panose="020B0503020204020204" pitchFamily="34" charset="-122"/>
+            </a:endParaRPr>
+          </a:p>
+        </p:txBody>
+      </p:sp>
+      <p:sp>
+        <p:nvSpPr>
+          <p:cNvPr id="5" name="Rectangle 96"/>
+          <p:cNvSpPr/>
+          <p:nvPr/>
+        </p:nvSpPr>
+        <p:spPr>
+          <a:xfrm>
+            <a:off x="876300" y="1064376"/>
+            <a:ext cx="10820400" cy="5262979"/>
+          </a:xfrm>
+          <a:prstGeom prst="rect">
+            <a:avLst/>
+          </a:prstGeom>
+        </p:spPr>
+        <p:txBody>
+          <a:bodyPr wrap="square">
+            <a:spAutoFit/>
+          </a:bodyPr>
+          <a:lstStyle/>
+          <a:p>
+            <a:pPr lvl="1">
+              <a:lnSpc>
+                <a:spcPct val="200000"/>
+              </a:lnSpc>
+            </a:pPr>
+            <a:r>
+              <a:rPr lang="en-US" altLang="zh-CN" sz="2800" dirty="0" smtClean="0">
+                <a:latin typeface="Meiryo" panose="020B0604030504040204" pitchFamily="34" charset="-128"/>
+                <a:ea typeface="Meiryo" panose="020B0604030504040204" pitchFamily="34" charset="-128"/>
+                <a:cs typeface="Meiryo" panose="020B0604030504040204" pitchFamily="34" charset="-128"/>
+              </a:rPr>
+              <a:t>Explaination :</a:t>
+            </a:r>
+          </a:p>
+          <a:p>
+            <a:pPr lvl="2" indent="-457200">
+              <a:lnSpc>
+                <a:spcPct val="200000"/>
+              </a:lnSpc>
+              <a:buFont typeface="Arial" panose="020B0604020202020204" pitchFamily="34" charset="0"/>
+              <a:buChar char="•"/>
+            </a:pPr>
+            <a:r>
+              <a:rPr lang="en-US" altLang="zh-CN" sz="2800" dirty="0" smtClean="0">
+                <a:latin typeface="Meiryo" panose="020B0604030504040204" pitchFamily="34" charset="-128"/>
+                <a:ea typeface="Meiryo" panose="020B0604030504040204" pitchFamily="34" charset="-128"/>
+                <a:cs typeface="Meiryo" panose="020B0604030504040204" pitchFamily="34" charset="-128"/>
+              </a:rPr>
+              <a:t>Image </a:t>
+            </a:r>
+            <a:r>
+              <a:rPr lang="en-US" altLang="zh-CN" sz="2800" dirty="0">
+                <a:latin typeface="Meiryo" panose="020B0604030504040204" pitchFamily="34" charset="-128"/>
+                <a:ea typeface="Meiryo" panose="020B0604030504040204" pitchFamily="34" charset="-128"/>
+                <a:cs typeface="Meiryo" panose="020B0604030504040204" pitchFamily="34" charset="-128"/>
+              </a:rPr>
+              <a:t>stylization tends to be subjective in nature; </a:t>
+            </a:r>
+            <a:endParaRPr lang="en-US" altLang="zh-CN" sz="2800" dirty="0" smtClean="0">
+              <a:latin typeface="Meiryo" panose="020B0604030504040204" pitchFamily="34" charset="-128"/>
+              <a:ea typeface="Meiryo" panose="020B0604030504040204" pitchFamily="34" charset="-128"/>
+              <a:cs typeface="Meiryo" panose="020B0604030504040204" pitchFamily="34" charset="-128"/>
+            </a:endParaRPr>
+          </a:p>
+          <a:p>
+            <a:pPr lvl="3" indent="-457200">
+              <a:lnSpc>
+                <a:spcPct val="200000"/>
+              </a:lnSpc>
+              <a:buFont typeface="Arial" panose="020B0604020202020204" pitchFamily="34" charset="0"/>
+              <a:buChar char="•"/>
+            </a:pPr>
+            <a:r>
+              <a:rPr lang="en-US" altLang="zh-CN" sz="2800" dirty="0">
+                <a:latin typeface="Meiryo" panose="020B0604030504040204" pitchFamily="34" charset="-128"/>
+                <a:ea typeface="Meiryo" panose="020B0604030504040204" pitchFamily="34" charset="-128"/>
+                <a:cs typeface="Meiryo" panose="020B0604030504040204" pitchFamily="34" charset="-128"/>
+              </a:rPr>
+              <a:t>S</a:t>
+            </a:r>
+            <a:r>
+              <a:rPr lang="en-US" altLang="zh-CN" sz="2800" dirty="0" smtClean="0">
+                <a:latin typeface="Meiryo" panose="020B0604030504040204" pitchFamily="34" charset="-128"/>
+                <a:ea typeface="Meiryo" panose="020B0604030504040204" pitchFamily="34" charset="-128"/>
+                <a:cs typeface="Meiryo" panose="020B0604030504040204" pitchFamily="34" charset="-128"/>
+              </a:rPr>
+              <a:t>ome of users </a:t>
+            </a:r>
+            <a:r>
+              <a:rPr lang="en-US" altLang="zh-CN" sz="2800" dirty="0">
+                <a:latin typeface="Meiryo" panose="020B0604030504040204" pitchFamily="34" charset="-128"/>
+                <a:ea typeface="Meiryo" panose="020B0604030504040204" pitchFamily="34" charset="-128"/>
+                <a:cs typeface="Meiryo" panose="020B0604030504040204" pitchFamily="34" charset="-128"/>
+              </a:rPr>
+              <a:t>might be uncomfortable with the aggressive stylizations of a professional </a:t>
+            </a:r>
+            <a:endParaRPr lang="en-US" altLang="zh-CN" sz="2800" dirty="0">
+              <a:latin typeface="Meiryo" panose="020B0604030504040204" pitchFamily="34" charset="-128"/>
+              <a:ea typeface="Meiryo" panose="020B0604030504040204" pitchFamily="34" charset="-128"/>
+              <a:cs typeface="Meiryo" panose="020B0604030504040204" pitchFamily="34" charset="-128"/>
+            </a:endParaRPr>
+          </a:p>
+          <a:p>
+            <a:pPr lvl="3" indent="-457200">
+              <a:lnSpc>
+                <a:spcPct val="200000"/>
+              </a:lnSpc>
+              <a:buFont typeface="Arial" panose="020B0604020202020204" pitchFamily="34" charset="0"/>
+              <a:buChar char="•"/>
+            </a:pPr>
+            <a:r>
+              <a:rPr lang="en-US" altLang="zh-CN" sz="2800" dirty="0" smtClean="0">
+                <a:latin typeface="Meiryo" panose="020B0604030504040204" pitchFamily="34" charset="-128"/>
+                <a:ea typeface="Meiryo" panose="020B0604030504040204" pitchFamily="34" charset="-128"/>
+                <a:cs typeface="Meiryo" panose="020B0604030504040204" pitchFamily="34" charset="-128"/>
+              </a:rPr>
+              <a:t>Our </a:t>
+            </a:r>
+            <a:r>
+              <a:rPr lang="en-US" altLang="zh-CN" sz="2800" dirty="0">
+                <a:latin typeface="Meiryo" panose="020B0604030504040204" pitchFamily="34" charset="-128"/>
+                <a:ea typeface="Meiryo" panose="020B0604030504040204" pitchFamily="34" charset="-128"/>
+                <a:cs typeface="Meiryo" panose="020B0604030504040204" pitchFamily="34" charset="-128"/>
+              </a:rPr>
+              <a:t>style selection is learned </a:t>
+            </a:r>
+            <a:r>
+              <a:rPr lang="en-US" altLang="zh-CN" sz="2800" dirty="0" smtClean="0">
+                <a:latin typeface="Meiryo" panose="020B0604030504040204" pitchFamily="34" charset="-128"/>
+                <a:ea typeface="Meiryo" panose="020B0604030504040204" pitchFamily="34" charset="-128"/>
+                <a:cs typeface="Meiryo" panose="020B0604030504040204" pitchFamily="34" charset="-128"/>
+              </a:rPr>
+              <a:t>from </a:t>
+            </a:r>
+            <a:r>
+              <a:rPr lang="en-US" altLang="zh-CN" sz="2800" dirty="0">
+                <a:latin typeface="Meiryo" panose="020B0604030504040204" pitchFamily="34" charset="-128"/>
+                <a:ea typeface="Meiryo" panose="020B0604030504040204" pitchFamily="34" charset="-128"/>
+                <a:cs typeface="Meiryo" panose="020B0604030504040204" pitchFamily="34" charset="-128"/>
+              </a:rPr>
+              <a:t>a more ‘natural’ style </a:t>
+            </a:r>
+            <a:r>
+              <a:rPr lang="en-US" altLang="zh-CN" sz="2800" dirty="0" smtClean="0">
+                <a:latin typeface="Meiryo" panose="020B0604030504040204" pitchFamily="34" charset="-128"/>
+                <a:ea typeface="Meiryo" panose="020B0604030504040204" pitchFamily="34" charset="-128"/>
+                <a:cs typeface="Meiryo" panose="020B0604030504040204" pitchFamily="34" charset="-128"/>
+              </a:rPr>
+              <a:t>database</a:t>
+            </a:r>
+            <a:endParaRPr lang="en-US" altLang="zh-CN" sz="2800" dirty="0">
+              <a:latin typeface="Meiryo" panose="020B0604030504040204" pitchFamily="34" charset="-128"/>
+              <a:ea typeface="Meiryo" panose="020B0604030504040204" pitchFamily="34" charset="-128"/>
+              <a:cs typeface="Meiryo" panose="020B0604030504040204" pitchFamily="34" charset="-128"/>
+            </a:endParaRPr>
+          </a:p>
+        </p:txBody>
+      </p:sp>
+    </p:spTree>
+    <p:extLst>
+      <p:ext uri="{BB962C8B-B14F-4D97-AF65-F5344CB8AC3E}">
+        <p14:creationId xmlns:p14="http://schemas.microsoft.com/office/powerpoint/2010/main" val="3807966997"/>
       </p:ext>
     </p:extLst>
   </p:cSld>
@@ -23091,6 +26482,491 @@
     <p:extLst>
       <p:ext uri="{BB962C8B-B14F-4D97-AF65-F5344CB8AC3E}">
         <p14:creationId xmlns:p14="http://schemas.microsoft.com/office/powerpoint/2010/main" val="2413818164"/>
+      </p:ext>
+    </p:extLst>
+  </p:cSld>
+  <p:clrMapOvr>
+    <a:masterClrMapping/>
+  </p:clrMapOvr>
+  <p:timing>
+    <p:tnLst>
+      <p:par>
+        <p:cTn id="1" dur="indefinite" restart="never" nodeType="tmRoot"/>
+      </p:par>
+    </p:tnLst>
+  </p:timing>
+</p:sld>
+</file>
+
+<file path=ppt/slides/slide60.xml><?xml version="1.0" encoding="utf-8"?>
+<p:sld xmlns:a="http://schemas.openxmlformats.org/drawingml/2006/main" xmlns:r="http://schemas.openxmlformats.org/officeDocument/2006/relationships" xmlns:p="http://schemas.openxmlformats.org/presentationml/2006/main">
+  <p:cSld>
+    <p:spTree>
+      <p:nvGrpSpPr>
+        <p:cNvPr id="1" name=""/>
+        <p:cNvGrpSpPr/>
+        <p:nvPr/>
+      </p:nvGrpSpPr>
+      <p:grpSpPr>
+        <a:xfrm>
+          <a:off x="0" y="0"/>
+          <a:ext cx="0" cy="0"/>
+          <a:chOff x="0" y="0"/>
+          <a:chExt cx="0" cy="0"/>
+        </a:xfrm>
+      </p:grpSpPr>
+      <p:sp>
+        <p:nvSpPr>
+          <p:cNvPr id="6" name="矩形 5"/>
+          <p:cNvSpPr/>
+          <p:nvPr/>
+        </p:nvSpPr>
+        <p:spPr>
+          <a:xfrm rot="877900">
+            <a:off x="2686836" y="-155824"/>
+            <a:ext cx="6186601" cy="6857999"/>
+          </a:xfrm>
+          <a:prstGeom prst="rect">
+            <a:avLst/>
+          </a:prstGeom>
+          <a:solidFill>
+            <a:schemeClr val="bg1">
+              <a:lumMod val="95000"/>
+            </a:schemeClr>
+          </a:solidFill>
+          <a:ln>
+            <a:noFill/>
+          </a:ln>
+        </p:spPr>
+        <p:style>
+          <a:lnRef idx="2">
+            <a:schemeClr val="accent1">
+              <a:shade val="50000"/>
+            </a:schemeClr>
+          </a:lnRef>
+          <a:fillRef idx="1">
+            <a:schemeClr val="accent1"/>
+          </a:fillRef>
+          <a:effectRef idx="0">
+            <a:schemeClr val="accent1"/>
+          </a:effectRef>
+          <a:fontRef idx="minor">
+            <a:schemeClr val="lt1"/>
+          </a:fontRef>
+        </p:style>
+        <p:txBody>
+          <a:bodyPr rtlCol="0" anchor="ctr"/>
+          <a:lstStyle/>
+          <a:p>
+            <a:pPr algn="ctr"/>
+            <a:endParaRPr lang="zh-CN" altLang="en-US"/>
+          </a:p>
+        </p:txBody>
+      </p:sp>
+      <p:sp>
+        <p:nvSpPr>
+          <p:cNvPr id="30" name="文本框 29"/>
+          <p:cNvSpPr txBox="1"/>
+          <p:nvPr/>
+        </p:nvSpPr>
+        <p:spPr>
+          <a:xfrm>
+            <a:off x="662538" y="294935"/>
+            <a:ext cx="9205361" cy="769441"/>
+          </a:xfrm>
+          <a:prstGeom prst="rect">
+            <a:avLst/>
+          </a:prstGeom>
+          <a:noFill/>
+        </p:spPr>
+        <p:txBody>
+          <a:bodyPr wrap="square" rtlCol="0">
+            <a:spAutoFit/>
+          </a:bodyPr>
+          <a:lstStyle/>
+          <a:p>
+            <a:r>
+              <a:rPr lang="en-US" altLang="zh-CN" sz="4400" b="1" dirty="0" smtClean="0">
+                <a:solidFill>
+                  <a:srgbClr val="00ABB4"/>
+                </a:solidFill>
+                <a:latin typeface="微软雅黑" panose="020B0503020204020204" pitchFamily="34" charset="-122"/>
+                <a:ea typeface="微软雅黑" panose="020B0503020204020204" pitchFamily="34" charset="-122"/>
+              </a:rPr>
+              <a:t>Study 2</a:t>
+            </a:r>
+            <a:endParaRPr lang="en-US" altLang="zh-CN" sz="4400" b="1" dirty="0">
+              <a:solidFill>
+                <a:srgbClr val="00ABB4"/>
+              </a:solidFill>
+              <a:latin typeface="微软雅黑" panose="020B0503020204020204" pitchFamily="34" charset="-122"/>
+              <a:ea typeface="微软雅黑" panose="020B0503020204020204" pitchFamily="34" charset="-122"/>
+            </a:endParaRPr>
+          </a:p>
+        </p:txBody>
+      </p:sp>
+      <p:sp>
+        <p:nvSpPr>
+          <p:cNvPr id="31" name="Rectangle 96"/>
+          <p:cNvSpPr/>
+          <p:nvPr/>
+        </p:nvSpPr>
+        <p:spPr>
+          <a:xfrm>
+            <a:off x="882748" y="1377372"/>
+            <a:ext cx="10394852" cy="3539430"/>
+          </a:xfrm>
+          <a:prstGeom prst="rect">
+            <a:avLst/>
+          </a:prstGeom>
+        </p:spPr>
+        <p:txBody>
+          <a:bodyPr wrap="square">
+            <a:spAutoFit/>
+          </a:bodyPr>
+          <a:lstStyle/>
+          <a:p>
+            <a:pPr marL="800100" lvl="1" indent="-342900">
+              <a:lnSpc>
+                <a:spcPct val="200000"/>
+              </a:lnSpc>
+              <a:buFont typeface="Arial" panose="020B0604020202020204" pitchFamily="34" charset="0"/>
+              <a:buChar char="•"/>
+            </a:pPr>
+            <a:r>
+              <a:rPr lang="en-US" altLang="zh-CN" sz="2800" dirty="0" smtClean="0">
+                <a:latin typeface="Meiryo" panose="020B0604030504040204" pitchFamily="34" charset="-128"/>
+                <a:ea typeface="Meiryo" panose="020B0604030504040204" pitchFamily="34" charset="-128"/>
+                <a:cs typeface="Meiryo" panose="020B0604030504040204" pitchFamily="34" charset="-128"/>
+              </a:rPr>
+              <a:t>We compare our style transfer technique</a:t>
+            </a:r>
+            <a:br>
+              <a:rPr lang="en-US" altLang="zh-CN" sz="2800" dirty="0" smtClean="0">
+                <a:latin typeface="Meiryo" panose="020B0604030504040204" pitchFamily="34" charset="-128"/>
+                <a:ea typeface="Meiryo" panose="020B0604030504040204" pitchFamily="34" charset="-128"/>
+                <a:cs typeface="Meiryo" panose="020B0604030504040204" pitchFamily="34" charset="-128"/>
+              </a:rPr>
+            </a:br>
+            <a:r>
+              <a:rPr lang="en-US" altLang="zh-CN" sz="2800" dirty="0" smtClean="0">
+                <a:latin typeface="Meiryo" panose="020B0604030504040204" pitchFamily="34" charset="-128"/>
+                <a:ea typeface="Meiryo" panose="020B0604030504040204" pitchFamily="34" charset="-128"/>
+                <a:cs typeface="Meiryo" panose="020B0604030504040204" pitchFamily="34" charset="-128"/>
+              </a:rPr>
+              <a:t>with four different statistics-based style transfer techniques : MK, SMH, PDF, PHR</a:t>
+            </a:r>
+            <a:br>
+              <a:rPr lang="en-US" altLang="zh-CN" sz="2800" dirty="0" smtClean="0">
+                <a:latin typeface="Meiryo" panose="020B0604030504040204" pitchFamily="34" charset="-128"/>
+                <a:ea typeface="Meiryo" panose="020B0604030504040204" pitchFamily="34" charset="-128"/>
+                <a:cs typeface="Meiryo" panose="020B0604030504040204" pitchFamily="34" charset="-128"/>
+              </a:rPr>
+            </a:br>
+            <a:endParaRPr lang="en-US" altLang="zh-CN" sz="2800" dirty="0">
+              <a:latin typeface="Meiryo" panose="020B0604030504040204" pitchFamily="34" charset="-128"/>
+              <a:ea typeface="Meiryo" panose="020B0604030504040204" pitchFamily="34" charset="-128"/>
+              <a:cs typeface="Meiryo" panose="020B0604030504040204" pitchFamily="34" charset="-128"/>
+            </a:endParaRPr>
+          </a:p>
+        </p:txBody>
+      </p:sp>
+    </p:spTree>
+    <p:extLst>
+      <p:ext uri="{BB962C8B-B14F-4D97-AF65-F5344CB8AC3E}">
+        <p14:creationId xmlns:p14="http://schemas.microsoft.com/office/powerpoint/2010/main" val="2007775295"/>
+      </p:ext>
+    </p:extLst>
+  </p:cSld>
+  <p:clrMapOvr>
+    <a:masterClrMapping/>
+  </p:clrMapOvr>
+  <p:timing>
+    <p:tnLst>
+      <p:par>
+        <p:cTn id="1" dur="indefinite" restart="never" nodeType="tmRoot"/>
+      </p:par>
+    </p:tnLst>
+  </p:timing>
+</p:sld>
+</file>
+
+<file path=ppt/slides/slide61.xml><?xml version="1.0" encoding="utf-8"?>
+<p:sld xmlns:a="http://schemas.openxmlformats.org/drawingml/2006/main" xmlns:r="http://schemas.openxmlformats.org/officeDocument/2006/relationships" xmlns:p="http://schemas.openxmlformats.org/presentationml/2006/main">
+  <p:cSld>
+    <p:spTree>
+      <p:nvGrpSpPr>
+        <p:cNvPr id="1" name=""/>
+        <p:cNvGrpSpPr/>
+        <p:nvPr/>
+      </p:nvGrpSpPr>
+      <p:grpSpPr>
+        <a:xfrm>
+          <a:off x="0" y="0"/>
+          <a:ext cx="0" cy="0"/>
+          <a:chOff x="0" y="0"/>
+          <a:chExt cx="0" cy="0"/>
+        </a:xfrm>
+      </p:grpSpPr>
+      <p:sp>
+        <p:nvSpPr>
+          <p:cNvPr id="6" name="矩形 5"/>
+          <p:cNvSpPr/>
+          <p:nvPr/>
+        </p:nvSpPr>
+        <p:spPr>
+          <a:xfrm rot="877900">
+            <a:off x="2686836" y="-155824"/>
+            <a:ext cx="6186601" cy="6857999"/>
+          </a:xfrm>
+          <a:prstGeom prst="rect">
+            <a:avLst/>
+          </a:prstGeom>
+          <a:solidFill>
+            <a:schemeClr val="bg1">
+              <a:lumMod val="95000"/>
+            </a:schemeClr>
+          </a:solidFill>
+          <a:ln>
+            <a:noFill/>
+          </a:ln>
+        </p:spPr>
+        <p:style>
+          <a:lnRef idx="2">
+            <a:schemeClr val="accent1">
+              <a:shade val="50000"/>
+            </a:schemeClr>
+          </a:lnRef>
+          <a:fillRef idx="1">
+            <a:schemeClr val="accent1"/>
+          </a:fillRef>
+          <a:effectRef idx="0">
+            <a:schemeClr val="accent1"/>
+          </a:effectRef>
+          <a:fontRef idx="minor">
+            <a:schemeClr val="lt1"/>
+          </a:fontRef>
+        </p:style>
+        <p:txBody>
+          <a:bodyPr rtlCol="0" anchor="ctr"/>
+          <a:lstStyle/>
+          <a:p>
+            <a:pPr algn="ctr"/>
+            <a:endParaRPr lang="zh-CN" altLang="en-US"/>
+          </a:p>
+        </p:txBody>
+      </p:sp>
+      <p:sp>
+        <p:nvSpPr>
+          <p:cNvPr id="30" name="文本框 29"/>
+          <p:cNvSpPr txBox="1"/>
+          <p:nvPr/>
+        </p:nvSpPr>
+        <p:spPr>
+          <a:xfrm>
+            <a:off x="662538" y="294935"/>
+            <a:ext cx="9205361" cy="769441"/>
+          </a:xfrm>
+          <a:prstGeom prst="rect">
+            <a:avLst/>
+          </a:prstGeom>
+          <a:noFill/>
+        </p:spPr>
+        <p:txBody>
+          <a:bodyPr wrap="square" rtlCol="0">
+            <a:spAutoFit/>
+          </a:bodyPr>
+          <a:lstStyle/>
+          <a:p>
+            <a:r>
+              <a:rPr lang="en-US" altLang="zh-CN" sz="4400" b="1" dirty="0" smtClean="0">
+                <a:solidFill>
+                  <a:srgbClr val="00ABB4"/>
+                </a:solidFill>
+                <a:latin typeface="微软雅黑" panose="020B0503020204020204" pitchFamily="34" charset="-122"/>
+                <a:ea typeface="微软雅黑" panose="020B0503020204020204" pitchFamily="34" charset="-122"/>
+              </a:rPr>
+              <a:t>Results and Discussion</a:t>
+            </a:r>
+            <a:endParaRPr lang="en-US" altLang="zh-CN" sz="4400" b="1" dirty="0">
+              <a:solidFill>
+                <a:srgbClr val="00ABB4"/>
+              </a:solidFill>
+              <a:latin typeface="微软雅黑" panose="020B0503020204020204" pitchFamily="34" charset="-122"/>
+              <a:ea typeface="微软雅黑" panose="020B0503020204020204" pitchFamily="34" charset="-122"/>
+            </a:endParaRPr>
+          </a:p>
+        </p:txBody>
+      </p:sp>
+      <p:pic>
+        <p:nvPicPr>
+          <p:cNvPr id="15362" name="Picture 2"/>
+          <p:cNvPicPr>
+            <a:picLocks noChangeAspect="1" noChangeArrowheads="1"/>
+          </p:cNvPicPr>
+          <p:nvPr/>
+        </p:nvPicPr>
+        <p:blipFill>
+          <a:blip r:embed="rId3">
+            <a:extLst>
+              <a:ext uri="{28A0092B-C50C-407E-A947-70E740481C1C}">
+                <a14:useLocalDpi xmlns:a14="http://schemas.microsoft.com/office/drawing/2010/main" val="0"/>
+              </a:ext>
+            </a:extLst>
+          </a:blip>
+          <a:srcRect/>
+          <a:stretch>
+            <a:fillRect/>
+          </a:stretch>
+        </p:blipFill>
+        <p:spPr bwMode="auto">
+          <a:xfrm>
+            <a:off x="814388" y="1500188"/>
+            <a:ext cx="10614341" cy="4329112"/>
+          </a:xfrm>
+          <a:prstGeom prst="rect">
+            <a:avLst/>
+          </a:prstGeom>
+          <a:noFill/>
+          <a:ln>
+            <a:noFill/>
+          </a:ln>
+          <a:extLst>
+            <a:ext uri="{909E8E84-426E-40DD-AFC4-6F175D3DCCD1}">
+              <a14:hiddenFill xmlns:a14="http://schemas.microsoft.com/office/drawing/2010/main">
+                <a:solidFill>
+                  <a:schemeClr val="accent1"/>
+                </a:solidFill>
+              </a14:hiddenFill>
+            </a:ext>
+            <a:ext uri="{91240B29-F687-4F45-9708-019B960494DF}">
+              <a14:hiddenLine xmlns:a14="http://schemas.microsoft.com/office/drawing/2010/main" w="9525">
+                <a:solidFill>
+                  <a:schemeClr val="tx1"/>
+                </a:solidFill>
+                <a:miter lim="800000"/>
+                <a:headEnd/>
+                <a:tailEnd/>
+              </a14:hiddenLine>
+            </a:ext>
+          </a:extLst>
+        </p:spPr>
+      </p:pic>
+    </p:spTree>
+    <p:extLst>
+      <p:ext uri="{BB962C8B-B14F-4D97-AF65-F5344CB8AC3E}">
+        <p14:creationId xmlns:p14="http://schemas.microsoft.com/office/powerpoint/2010/main" val="1611114314"/>
+      </p:ext>
+    </p:extLst>
+  </p:cSld>
+  <p:clrMapOvr>
+    <a:masterClrMapping/>
+  </p:clrMapOvr>
+  <p:timing>
+    <p:tnLst>
+      <p:par>
+        <p:cTn id="1" dur="indefinite" restart="never" nodeType="tmRoot"/>
+      </p:par>
+    </p:tnLst>
+  </p:timing>
+</p:sld>
+</file>
+
+<file path=ppt/slides/slide62.xml><?xml version="1.0" encoding="utf-8"?>
+<p:sld xmlns:a="http://schemas.openxmlformats.org/drawingml/2006/main" xmlns:r="http://schemas.openxmlformats.org/officeDocument/2006/relationships" xmlns:p="http://schemas.openxmlformats.org/presentationml/2006/main">
+  <p:cSld>
+    <p:spTree>
+      <p:nvGrpSpPr>
+        <p:cNvPr id="1" name=""/>
+        <p:cNvGrpSpPr/>
+        <p:nvPr/>
+      </p:nvGrpSpPr>
+      <p:grpSpPr>
+        <a:xfrm>
+          <a:off x="0" y="0"/>
+          <a:ext cx="0" cy="0"/>
+          <a:chOff x="0" y="0"/>
+          <a:chExt cx="0" cy="0"/>
+        </a:xfrm>
+      </p:grpSpPr>
+      <p:sp>
+        <p:nvSpPr>
+          <p:cNvPr id="3" name="文本框 2"/>
+          <p:cNvSpPr txBox="1"/>
+          <p:nvPr/>
+        </p:nvSpPr>
+        <p:spPr>
+          <a:xfrm>
+            <a:off x="3578357" y="2333008"/>
+            <a:ext cx="5044714" cy="1015663"/>
+          </a:xfrm>
+          <a:prstGeom prst="rect">
+            <a:avLst/>
+          </a:prstGeom>
+          <a:noFill/>
+        </p:spPr>
+        <p:txBody>
+          <a:bodyPr wrap="none" rtlCol="0">
+            <a:spAutoFit/>
+          </a:bodyPr>
+          <a:lstStyle/>
+          <a:p>
+            <a:pPr algn="ctr"/>
+            <a:r>
+              <a:rPr lang="en-US" altLang="zh-CN" sz="6000" b="1" dirty="0" smtClean="0">
+                <a:solidFill>
+                  <a:schemeClr val="accent2"/>
+                </a:solidFill>
+                <a:effectLst>
+                  <a:outerShdw blurRad="38100" dist="38100" dir="2700000" algn="tl">
+                    <a:srgbClr val="000000">
+                      <a:alpha val="43137"/>
+                    </a:srgbClr>
+                  </a:outerShdw>
+                </a:effectLst>
+                <a:latin typeface="微软雅黑" panose="020B0503020204020204" pitchFamily="34" charset="-122"/>
+                <a:ea typeface="微软雅黑" panose="020B0503020204020204" pitchFamily="34" charset="-122"/>
+              </a:rPr>
+              <a:t>Thank you </a:t>
+            </a:r>
+            <a:r>
+              <a:rPr lang="en-US" altLang="zh-CN" sz="6000" b="1" dirty="0" smtClean="0">
+                <a:solidFill>
+                  <a:schemeClr val="accent2"/>
+                </a:solidFill>
+                <a:effectLst>
+                  <a:outerShdw blurRad="38100" dist="38100" dir="2700000" algn="tl">
+                    <a:srgbClr val="000000">
+                      <a:alpha val="43137"/>
+                    </a:srgbClr>
+                  </a:outerShdw>
+                </a:effectLst>
+                <a:latin typeface="微软雅黑" panose="020B0503020204020204" pitchFamily="34" charset="-122"/>
+                <a:ea typeface="微软雅黑" panose="020B0503020204020204" pitchFamily="34" charset="-122"/>
+              </a:rPr>
+              <a:t>~</a:t>
+            </a:r>
+            <a:endParaRPr lang="en-US" altLang="zh-CN" sz="6000" b="1" dirty="0">
+              <a:solidFill>
+                <a:schemeClr val="accent2"/>
+              </a:solidFill>
+              <a:effectLst>
+                <a:outerShdw blurRad="38100" dist="38100" dir="2700000" algn="tl">
+                  <a:srgbClr val="000000">
+                    <a:alpha val="43137"/>
+                  </a:srgbClr>
+                </a:outerShdw>
+              </a:effectLst>
+              <a:latin typeface="微软雅黑" panose="020B0503020204020204" pitchFamily="34" charset="-122"/>
+              <a:ea typeface="微软雅黑" panose="020B0503020204020204" pitchFamily="34" charset="-122"/>
+            </a:endParaRPr>
+          </a:p>
+        </p:txBody>
+      </p:sp>
+    </p:spTree>
+    <p:extLst>
+      <p:ext uri="{BB962C8B-B14F-4D97-AF65-F5344CB8AC3E}">
+        <p14:creationId xmlns:p14="http://schemas.microsoft.com/office/powerpoint/2010/main" val="3711594375"/>
       </p:ext>
     </p:extLst>
   </p:cSld>

--- a/ComputerVision.pptx
+++ b/ComputerVision.pptx
@@ -5,7 +5,7 @@
     <p:sldMasterId id="2147483648" r:id="rId1"/>
   </p:sldMasterIdLst>
   <p:notesMasterIdLst>
-    <p:notesMasterId r:id="rId64"/>
+    <p:notesMasterId r:id="rId71"/>
   </p:notesMasterIdLst>
   <p:sldIdLst>
     <p:sldId id="442" r:id="rId2"/>
@@ -68,8 +68,15 @@
     <p:sldId id="536" r:id="rId59"/>
     <p:sldId id="535" r:id="rId60"/>
     <p:sldId id="537" r:id="rId61"/>
-    <p:sldId id="527" r:id="rId62"/>
-    <p:sldId id="303" r:id="rId63"/>
+    <p:sldId id="539" r:id="rId62"/>
+    <p:sldId id="538" r:id="rId63"/>
+    <p:sldId id="527" r:id="rId64"/>
+    <p:sldId id="540" r:id="rId65"/>
+    <p:sldId id="541" r:id="rId66"/>
+    <p:sldId id="542" r:id="rId67"/>
+    <p:sldId id="543" r:id="rId68"/>
+    <p:sldId id="544" r:id="rId69"/>
+    <p:sldId id="303" r:id="rId70"/>
   </p:sldIdLst>
   <p:sldSz cx="12192000" cy="6858000"/>
   <p:notesSz cx="6858000" cy="9144000"/>
@@ -5341,7 +5348,7 @@
           <a:lstStyle/>
           <a:p>
             <a:r>
-              <a:rPr lang="en-US" altLang="zh-CN" sz="1200" b="0" i="0" kern="1200" smtClean="0">
+              <a:rPr lang="en-US" altLang="zh-CN" sz="1200" b="0" i="0" kern="1200" dirty="0" smtClean="0">
                 <a:solidFill>
                   <a:schemeClr val="tx1"/>
                 </a:solidFill>
@@ -5353,14 +5360,14 @@
               <a:t>MK, which computes an affine transform in CIELab</a:t>
             </a:r>
             <a:r>
-              <a:rPr lang="en-US" altLang="zh-CN" smtClean="0"/>
+              <a:rPr lang="en-US" altLang="zh-CN" dirty="0" smtClean="0"/>
               <a:t> </a:t>
             </a:r>
             <a:br>
-              <a:rPr lang="en-US" altLang="zh-CN" smtClean="0"/>
+              <a:rPr lang="en-US" altLang="zh-CN" dirty="0" smtClean="0"/>
             </a:br>
             <a:r>
-              <a:rPr lang="en-US" altLang="zh-CN" sz="1200" b="0" i="0" kern="1200" smtClean="0">
+              <a:rPr lang="en-US" altLang="zh-CN" sz="1200" b="0" i="0" kern="1200" dirty="0" smtClean="0">
                 <a:solidFill>
                   <a:schemeClr val="tx1"/>
                 </a:solidFill>
@@ -5372,14 +5379,14 @@
               <a:t>SMH, which combines three different affine transforms in different luminance bands with a non-linear tone curve</a:t>
             </a:r>
             <a:r>
-              <a:rPr lang="en-US" altLang="zh-CN" smtClean="0"/>
+              <a:rPr lang="en-US" altLang="zh-CN" dirty="0" smtClean="0"/>
               <a:t> </a:t>
             </a:r>
             <a:br>
-              <a:rPr lang="en-US" altLang="zh-CN" smtClean="0"/>
+              <a:rPr lang="en-US" altLang="zh-CN" dirty="0" smtClean="0"/>
             </a:br>
             <a:r>
-              <a:rPr lang="en-US" altLang="zh-CN" sz="1200" b="0" i="0" kern="1200" smtClean="0">
+              <a:rPr lang="en-US" altLang="zh-CN" sz="1200" b="0" i="0" kern="1200" dirty="0" smtClean="0">
                 <a:solidFill>
                   <a:schemeClr val="tx1"/>
                 </a:solidFill>
@@ -5391,14 +5398,14 @@
               <a:t>PDF, which use 3-d histogram matching in CIELab </a:t>
             </a:r>
             <a:r>
-              <a:rPr lang="en-US" altLang="zh-CN" smtClean="0"/>
+              <a:rPr lang="en-US" altLang="zh-CN" dirty="0" smtClean="0"/>
               <a:t/>
             </a:r>
             <a:br>
-              <a:rPr lang="en-US" altLang="zh-CN" smtClean="0"/>
+              <a:rPr lang="en-US" altLang="zh-CN" dirty="0" smtClean="0"/>
             </a:br>
             <a:r>
-              <a:rPr lang="en-US" altLang="zh-CN" sz="1200" b="0" i="0" kern="1200" smtClean="0">
+              <a:rPr lang="en-US" altLang="zh-CN" sz="1200" b="0" i="0" kern="1200" dirty="0" smtClean="0">
                 <a:solidFill>
                   <a:schemeClr val="tx1"/>
                 </a:solidFill>
@@ -5410,11 +5417,11 @@
               <a:t>PHR, which progressively reshapes the histograms to make them match</a:t>
             </a:r>
             <a:r>
-              <a:rPr lang="en-US" altLang="zh-CN" smtClean="0"/>
+              <a:rPr lang="en-US" altLang="zh-CN" dirty="0" smtClean="0"/>
               <a:t> </a:t>
             </a:r>
             <a:br>
-              <a:rPr lang="en-US" altLang="zh-CN" smtClean="0"/>
+              <a:rPr lang="en-US" altLang="zh-CN" dirty="0" smtClean="0"/>
             </a:br>
             <a:endParaRPr lang="zh-CN" altLang="en-US" dirty="0"/>
           </a:p>
@@ -5500,6 +5507,82 @@
           <a:bodyPr/>
           <a:lstStyle/>
           <a:p>
+            <a:r>
+              <a:rPr lang="en-US" altLang="zh-CN" sz="1200" b="0" i="0" kern="1200" dirty="0" smtClean="0">
+                <a:solidFill>
+                  <a:schemeClr val="tx1"/>
+                </a:solidFill>
+                <a:effectLst/>
+                <a:latin typeface="+mn-lt"/>
+                <a:ea typeface="+mn-ea"/>
+                <a:cs typeface="+mn-cs"/>
+              </a:rPr>
+              <a:t>MK, which computes an affine transform in CIELab</a:t>
+            </a:r>
+            <a:r>
+              <a:rPr lang="en-US" altLang="zh-CN" dirty="0" smtClean="0"/>
+              <a:t> </a:t>
+            </a:r>
+            <a:br>
+              <a:rPr lang="en-US" altLang="zh-CN" dirty="0" smtClean="0"/>
+            </a:br>
+            <a:r>
+              <a:rPr lang="en-US" altLang="zh-CN" sz="1200" b="0" i="0" kern="1200" dirty="0" smtClean="0">
+                <a:solidFill>
+                  <a:schemeClr val="tx1"/>
+                </a:solidFill>
+                <a:effectLst/>
+                <a:latin typeface="+mn-lt"/>
+                <a:ea typeface="+mn-ea"/>
+                <a:cs typeface="+mn-cs"/>
+              </a:rPr>
+              <a:t>SMH, which combines three different affine transforms in different luminance bands with a non-linear tone curve</a:t>
+            </a:r>
+            <a:r>
+              <a:rPr lang="en-US" altLang="zh-CN" dirty="0" smtClean="0"/>
+              <a:t> </a:t>
+            </a:r>
+            <a:br>
+              <a:rPr lang="en-US" altLang="zh-CN" dirty="0" smtClean="0"/>
+            </a:br>
+            <a:r>
+              <a:rPr lang="en-US" altLang="zh-CN" sz="1200" b="0" i="0" kern="1200" dirty="0" smtClean="0">
+                <a:solidFill>
+                  <a:schemeClr val="tx1"/>
+                </a:solidFill>
+                <a:effectLst/>
+                <a:latin typeface="+mn-lt"/>
+                <a:ea typeface="+mn-ea"/>
+                <a:cs typeface="+mn-cs"/>
+              </a:rPr>
+              <a:t>PDF, which use 3-d histogram matching in CIELab </a:t>
+            </a:r>
+            <a:r>
+              <a:rPr lang="en-US" altLang="zh-CN" dirty="0" smtClean="0"/>
+              <a:t/>
+            </a:r>
+            <a:br>
+              <a:rPr lang="en-US" altLang="zh-CN" dirty="0" smtClean="0"/>
+            </a:br>
+            <a:r>
+              <a:rPr lang="en-US" altLang="zh-CN" sz="1200" b="0" i="0" kern="1200" dirty="0" smtClean="0">
+                <a:solidFill>
+                  <a:schemeClr val="tx1"/>
+                </a:solidFill>
+                <a:effectLst/>
+                <a:latin typeface="+mn-lt"/>
+                <a:ea typeface="+mn-ea"/>
+                <a:cs typeface="+mn-cs"/>
+              </a:rPr>
+              <a:t>PHR, which progressively reshapes the histograms to make them match</a:t>
+            </a:r>
+            <a:r>
+              <a:rPr lang="en-US" altLang="zh-CN" dirty="0" smtClean="0"/>
+              <a:t> </a:t>
+            </a:r>
+            <a:br>
+              <a:rPr lang="en-US" altLang="zh-CN" dirty="0" smtClean="0"/>
+            </a:br>
             <a:endParaRPr lang="zh-CN" altLang="en-US" dirty="0"/>
           </a:p>
         </p:txBody>
@@ -5522,6 +5605,594 @@
             <a:fld id="{DD202784-B46A-4EF4-B218-4316F9133D14}" type="slidenum">
               <a:rPr lang="zh-CN" altLang="en-US" smtClean="0"/>
               <a:t>61</a:t>
+            </a:fld>
+            <a:endParaRPr lang="zh-CN" altLang="en-US"/>
+          </a:p>
+        </p:txBody>
+      </p:sp>
+    </p:spTree>
+    <p:extLst>
+      <p:ext uri="{BB962C8B-B14F-4D97-AF65-F5344CB8AC3E}">
+        <p14:creationId xmlns:p14="http://schemas.microsoft.com/office/powerpoint/2010/main" val="3776015239"/>
+      </p:ext>
+    </p:extLst>
+  </p:cSld>
+  <p:clrMapOvr>
+    <a:masterClrMapping/>
+  </p:clrMapOvr>
+</p:notes>
+</file>
+
+<file path=ppt/notesSlides/notesSlide62.xml><?xml version="1.0" encoding="utf-8"?>
+<p:notes xmlns:a="http://schemas.openxmlformats.org/drawingml/2006/main" xmlns:r="http://schemas.openxmlformats.org/officeDocument/2006/relationships" xmlns:p="http://schemas.openxmlformats.org/presentationml/2006/main">
+  <p:cSld>
+    <p:spTree>
+      <p:nvGrpSpPr>
+        <p:cNvPr id="1" name=""/>
+        <p:cNvGrpSpPr/>
+        <p:nvPr/>
+      </p:nvGrpSpPr>
+      <p:grpSpPr>
+        <a:xfrm>
+          <a:off x="0" y="0"/>
+          <a:ext cx="0" cy="0"/>
+          <a:chOff x="0" y="0"/>
+          <a:chExt cx="0" cy="0"/>
+        </a:xfrm>
+      </p:grpSpPr>
+      <p:sp>
+        <p:nvSpPr>
+          <p:cNvPr id="2" name="幻灯片图像占位符 1"/>
+          <p:cNvSpPr>
+            <a:spLocks noGrp="1" noRot="1" noChangeAspect="1"/>
+          </p:cNvSpPr>
+          <p:nvPr>
+            <p:ph type="sldImg"/>
+          </p:nvPr>
+        </p:nvSpPr>
+        <p:spPr/>
+      </p:sp>
+      <p:sp>
+        <p:nvSpPr>
+          <p:cNvPr id="3" name="备注占位符 2"/>
+          <p:cNvSpPr>
+            <a:spLocks noGrp="1"/>
+          </p:cNvSpPr>
+          <p:nvPr>
+            <p:ph type="body" idx="1"/>
+          </p:nvPr>
+        </p:nvSpPr>
+        <p:spPr/>
+        <p:txBody>
+          <a:bodyPr/>
+          <a:lstStyle/>
+          <a:p>
+            <a:endParaRPr lang="zh-CN" altLang="en-US" dirty="0"/>
+          </a:p>
+        </p:txBody>
+      </p:sp>
+      <p:sp>
+        <p:nvSpPr>
+          <p:cNvPr id="4" name="灯片编号占位符 3"/>
+          <p:cNvSpPr>
+            <a:spLocks noGrp="1"/>
+          </p:cNvSpPr>
+          <p:nvPr>
+            <p:ph type="sldNum" sz="quarter" idx="10"/>
+          </p:nvPr>
+        </p:nvSpPr>
+        <p:spPr/>
+        <p:txBody>
+          <a:bodyPr/>
+          <a:lstStyle/>
+          <a:p>
+            <a:fld id="{DD202784-B46A-4EF4-B218-4316F9133D14}" type="slidenum">
+              <a:rPr lang="zh-CN" altLang="en-US" smtClean="0"/>
+              <a:t>62</a:t>
+            </a:fld>
+            <a:endParaRPr lang="zh-CN" altLang="en-US"/>
+          </a:p>
+        </p:txBody>
+      </p:sp>
+    </p:spTree>
+    <p:extLst>
+      <p:ext uri="{BB962C8B-B14F-4D97-AF65-F5344CB8AC3E}">
+        <p14:creationId xmlns:p14="http://schemas.microsoft.com/office/powerpoint/2010/main" val="3776015239"/>
+      </p:ext>
+    </p:extLst>
+  </p:cSld>
+  <p:clrMapOvr>
+    <a:masterClrMapping/>
+  </p:clrMapOvr>
+</p:notes>
+</file>
+
+<file path=ppt/notesSlides/notesSlide63.xml><?xml version="1.0" encoding="utf-8"?>
+<p:notes xmlns:a="http://schemas.openxmlformats.org/drawingml/2006/main" xmlns:r="http://schemas.openxmlformats.org/officeDocument/2006/relationships" xmlns:p="http://schemas.openxmlformats.org/presentationml/2006/main">
+  <p:cSld>
+    <p:spTree>
+      <p:nvGrpSpPr>
+        <p:cNvPr id="1" name=""/>
+        <p:cNvGrpSpPr/>
+        <p:nvPr/>
+      </p:nvGrpSpPr>
+      <p:grpSpPr>
+        <a:xfrm>
+          <a:off x="0" y="0"/>
+          <a:ext cx="0" cy="0"/>
+          <a:chOff x="0" y="0"/>
+          <a:chExt cx="0" cy="0"/>
+        </a:xfrm>
+      </p:grpSpPr>
+      <p:sp>
+        <p:nvSpPr>
+          <p:cNvPr id="2" name="幻灯片图像占位符 1"/>
+          <p:cNvSpPr>
+            <a:spLocks noGrp="1" noRot="1" noChangeAspect="1"/>
+          </p:cNvSpPr>
+          <p:nvPr>
+            <p:ph type="sldImg"/>
+          </p:nvPr>
+        </p:nvSpPr>
+        <p:spPr/>
+      </p:sp>
+      <p:sp>
+        <p:nvSpPr>
+          <p:cNvPr id="3" name="备注占位符 2"/>
+          <p:cNvSpPr>
+            <a:spLocks noGrp="1"/>
+          </p:cNvSpPr>
+          <p:nvPr>
+            <p:ph type="body" idx="1"/>
+          </p:nvPr>
+        </p:nvSpPr>
+        <p:spPr/>
+        <p:txBody>
+          <a:bodyPr/>
+          <a:lstStyle/>
+          <a:p>
+            <a:endParaRPr lang="zh-CN" altLang="en-US" dirty="0"/>
+          </a:p>
+        </p:txBody>
+      </p:sp>
+      <p:sp>
+        <p:nvSpPr>
+          <p:cNvPr id="4" name="灯片编号占位符 3"/>
+          <p:cNvSpPr>
+            <a:spLocks noGrp="1"/>
+          </p:cNvSpPr>
+          <p:nvPr>
+            <p:ph type="sldNum" sz="quarter" idx="10"/>
+          </p:nvPr>
+        </p:nvSpPr>
+        <p:spPr/>
+        <p:txBody>
+          <a:bodyPr/>
+          <a:lstStyle/>
+          <a:p>
+            <a:fld id="{DD202784-B46A-4EF4-B218-4316F9133D14}" type="slidenum">
+              <a:rPr lang="zh-CN" altLang="en-US" smtClean="0"/>
+              <a:t>63</a:t>
+            </a:fld>
+            <a:endParaRPr lang="zh-CN" altLang="en-US"/>
+          </a:p>
+        </p:txBody>
+      </p:sp>
+    </p:spTree>
+    <p:extLst>
+      <p:ext uri="{BB962C8B-B14F-4D97-AF65-F5344CB8AC3E}">
+        <p14:creationId xmlns:p14="http://schemas.microsoft.com/office/powerpoint/2010/main" val="3776015239"/>
+      </p:ext>
+    </p:extLst>
+  </p:cSld>
+  <p:clrMapOvr>
+    <a:masterClrMapping/>
+  </p:clrMapOvr>
+</p:notes>
+</file>
+
+<file path=ppt/notesSlides/notesSlide64.xml><?xml version="1.0" encoding="utf-8"?>
+<p:notes xmlns:a="http://schemas.openxmlformats.org/drawingml/2006/main" xmlns:r="http://schemas.openxmlformats.org/officeDocument/2006/relationships" xmlns:p="http://schemas.openxmlformats.org/presentationml/2006/main">
+  <p:cSld>
+    <p:spTree>
+      <p:nvGrpSpPr>
+        <p:cNvPr id="1" name=""/>
+        <p:cNvGrpSpPr/>
+        <p:nvPr/>
+      </p:nvGrpSpPr>
+      <p:grpSpPr>
+        <a:xfrm>
+          <a:off x="0" y="0"/>
+          <a:ext cx="0" cy="0"/>
+          <a:chOff x="0" y="0"/>
+          <a:chExt cx="0" cy="0"/>
+        </a:xfrm>
+      </p:grpSpPr>
+      <p:sp>
+        <p:nvSpPr>
+          <p:cNvPr id="2" name="幻灯片图像占位符 1"/>
+          <p:cNvSpPr>
+            <a:spLocks noGrp="1" noRot="1" noChangeAspect="1"/>
+          </p:cNvSpPr>
+          <p:nvPr>
+            <p:ph type="sldImg"/>
+          </p:nvPr>
+        </p:nvSpPr>
+        <p:spPr/>
+      </p:sp>
+      <p:sp>
+        <p:nvSpPr>
+          <p:cNvPr id="3" name="备注占位符 2"/>
+          <p:cNvSpPr>
+            <a:spLocks noGrp="1"/>
+          </p:cNvSpPr>
+          <p:nvPr>
+            <p:ph type="body" idx="1"/>
+          </p:nvPr>
+        </p:nvSpPr>
+        <p:spPr/>
+        <p:txBody>
+          <a:bodyPr/>
+          <a:lstStyle/>
+          <a:p>
+            <a:endParaRPr lang="zh-CN" altLang="en-US" dirty="0"/>
+          </a:p>
+        </p:txBody>
+      </p:sp>
+      <p:sp>
+        <p:nvSpPr>
+          <p:cNvPr id="4" name="灯片编号占位符 3"/>
+          <p:cNvSpPr>
+            <a:spLocks noGrp="1"/>
+          </p:cNvSpPr>
+          <p:nvPr>
+            <p:ph type="sldNum" sz="quarter" idx="10"/>
+          </p:nvPr>
+        </p:nvSpPr>
+        <p:spPr/>
+        <p:txBody>
+          <a:bodyPr/>
+          <a:lstStyle/>
+          <a:p>
+            <a:fld id="{DD202784-B46A-4EF4-B218-4316F9133D14}" type="slidenum">
+              <a:rPr lang="zh-CN" altLang="en-US" smtClean="0"/>
+              <a:t>64</a:t>
+            </a:fld>
+            <a:endParaRPr lang="zh-CN" altLang="en-US"/>
+          </a:p>
+        </p:txBody>
+      </p:sp>
+    </p:spTree>
+    <p:extLst>
+      <p:ext uri="{BB962C8B-B14F-4D97-AF65-F5344CB8AC3E}">
+        <p14:creationId xmlns:p14="http://schemas.microsoft.com/office/powerpoint/2010/main" val="3776015239"/>
+      </p:ext>
+    </p:extLst>
+  </p:cSld>
+  <p:clrMapOvr>
+    <a:masterClrMapping/>
+  </p:clrMapOvr>
+</p:notes>
+</file>
+
+<file path=ppt/notesSlides/notesSlide65.xml><?xml version="1.0" encoding="utf-8"?>
+<p:notes xmlns:a="http://schemas.openxmlformats.org/drawingml/2006/main" xmlns:r="http://schemas.openxmlformats.org/officeDocument/2006/relationships" xmlns:p="http://schemas.openxmlformats.org/presentationml/2006/main">
+  <p:cSld>
+    <p:spTree>
+      <p:nvGrpSpPr>
+        <p:cNvPr id="1" name=""/>
+        <p:cNvGrpSpPr/>
+        <p:nvPr/>
+      </p:nvGrpSpPr>
+      <p:grpSpPr>
+        <a:xfrm>
+          <a:off x="0" y="0"/>
+          <a:ext cx="0" cy="0"/>
+          <a:chOff x="0" y="0"/>
+          <a:chExt cx="0" cy="0"/>
+        </a:xfrm>
+      </p:grpSpPr>
+      <p:sp>
+        <p:nvSpPr>
+          <p:cNvPr id="2" name="幻灯片图像占位符 1"/>
+          <p:cNvSpPr>
+            <a:spLocks noGrp="1" noRot="1" noChangeAspect="1"/>
+          </p:cNvSpPr>
+          <p:nvPr>
+            <p:ph type="sldImg"/>
+          </p:nvPr>
+        </p:nvSpPr>
+        <p:spPr/>
+      </p:sp>
+      <p:sp>
+        <p:nvSpPr>
+          <p:cNvPr id="3" name="备注占位符 2"/>
+          <p:cNvSpPr>
+            <a:spLocks noGrp="1"/>
+          </p:cNvSpPr>
+          <p:nvPr>
+            <p:ph type="body" idx="1"/>
+          </p:nvPr>
+        </p:nvSpPr>
+        <p:spPr/>
+        <p:txBody>
+          <a:bodyPr/>
+          <a:lstStyle/>
+          <a:p>
+            <a:endParaRPr lang="zh-CN" altLang="en-US" dirty="0"/>
+          </a:p>
+        </p:txBody>
+      </p:sp>
+      <p:sp>
+        <p:nvSpPr>
+          <p:cNvPr id="4" name="灯片编号占位符 3"/>
+          <p:cNvSpPr>
+            <a:spLocks noGrp="1"/>
+          </p:cNvSpPr>
+          <p:nvPr>
+            <p:ph type="sldNum" sz="quarter" idx="10"/>
+          </p:nvPr>
+        </p:nvSpPr>
+        <p:spPr/>
+        <p:txBody>
+          <a:bodyPr/>
+          <a:lstStyle/>
+          <a:p>
+            <a:fld id="{DD202784-B46A-4EF4-B218-4316F9133D14}" type="slidenum">
+              <a:rPr lang="zh-CN" altLang="en-US" smtClean="0"/>
+              <a:t>65</a:t>
+            </a:fld>
+            <a:endParaRPr lang="zh-CN" altLang="en-US"/>
+          </a:p>
+        </p:txBody>
+      </p:sp>
+    </p:spTree>
+    <p:extLst>
+      <p:ext uri="{BB962C8B-B14F-4D97-AF65-F5344CB8AC3E}">
+        <p14:creationId xmlns:p14="http://schemas.microsoft.com/office/powerpoint/2010/main" val="3776015239"/>
+      </p:ext>
+    </p:extLst>
+  </p:cSld>
+  <p:clrMapOvr>
+    <a:masterClrMapping/>
+  </p:clrMapOvr>
+</p:notes>
+</file>
+
+<file path=ppt/notesSlides/notesSlide66.xml><?xml version="1.0" encoding="utf-8"?>
+<p:notes xmlns:a="http://schemas.openxmlformats.org/drawingml/2006/main" xmlns:r="http://schemas.openxmlformats.org/officeDocument/2006/relationships" xmlns:p="http://schemas.openxmlformats.org/presentationml/2006/main">
+  <p:cSld>
+    <p:spTree>
+      <p:nvGrpSpPr>
+        <p:cNvPr id="1" name=""/>
+        <p:cNvGrpSpPr/>
+        <p:nvPr/>
+      </p:nvGrpSpPr>
+      <p:grpSpPr>
+        <a:xfrm>
+          <a:off x="0" y="0"/>
+          <a:ext cx="0" cy="0"/>
+          <a:chOff x="0" y="0"/>
+          <a:chExt cx="0" cy="0"/>
+        </a:xfrm>
+      </p:grpSpPr>
+      <p:sp>
+        <p:nvSpPr>
+          <p:cNvPr id="2" name="幻灯片图像占位符 1"/>
+          <p:cNvSpPr>
+            <a:spLocks noGrp="1" noRot="1" noChangeAspect="1"/>
+          </p:cNvSpPr>
+          <p:nvPr>
+            <p:ph type="sldImg"/>
+          </p:nvPr>
+        </p:nvSpPr>
+        <p:spPr/>
+      </p:sp>
+      <p:sp>
+        <p:nvSpPr>
+          <p:cNvPr id="3" name="备注占位符 2"/>
+          <p:cNvSpPr>
+            <a:spLocks noGrp="1"/>
+          </p:cNvSpPr>
+          <p:nvPr>
+            <p:ph type="body" idx="1"/>
+          </p:nvPr>
+        </p:nvSpPr>
+        <p:spPr/>
+        <p:txBody>
+          <a:bodyPr/>
+          <a:lstStyle/>
+          <a:p>
+            <a:endParaRPr lang="zh-CN" altLang="en-US" dirty="0"/>
+          </a:p>
+        </p:txBody>
+      </p:sp>
+      <p:sp>
+        <p:nvSpPr>
+          <p:cNvPr id="4" name="灯片编号占位符 3"/>
+          <p:cNvSpPr>
+            <a:spLocks noGrp="1"/>
+          </p:cNvSpPr>
+          <p:nvPr>
+            <p:ph type="sldNum" sz="quarter" idx="10"/>
+          </p:nvPr>
+        </p:nvSpPr>
+        <p:spPr/>
+        <p:txBody>
+          <a:bodyPr/>
+          <a:lstStyle/>
+          <a:p>
+            <a:fld id="{DD202784-B46A-4EF4-B218-4316F9133D14}" type="slidenum">
+              <a:rPr lang="zh-CN" altLang="en-US" smtClean="0"/>
+              <a:t>66</a:t>
+            </a:fld>
+            <a:endParaRPr lang="zh-CN" altLang="en-US"/>
+          </a:p>
+        </p:txBody>
+      </p:sp>
+    </p:spTree>
+    <p:extLst>
+      <p:ext uri="{BB962C8B-B14F-4D97-AF65-F5344CB8AC3E}">
+        <p14:creationId xmlns:p14="http://schemas.microsoft.com/office/powerpoint/2010/main" val="2904033859"/>
+      </p:ext>
+    </p:extLst>
+  </p:cSld>
+  <p:clrMapOvr>
+    <a:masterClrMapping/>
+  </p:clrMapOvr>
+</p:notes>
+</file>
+
+<file path=ppt/notesSlides/notesSlide67.xml><?xml version="1.0" encoding="utf-8"?>
+<p:notes xmlns:a="http://schemas.openxmlformats.org/drawingml/2006/main" xmlns:r="http://schemas.openxmlformats.org/officeDocument/2006/relationships" xmlns:p="http://schemas.openxmlformats.org/presentationml/2006/main">
+  <p:cSld>
+    <p:spTree>
+      <p:nvGrpSpPr>
+        <p:cNvPr id="1" name=""/>
+        <p:cNvGrpSpPr/>
+        <p:nvPr/>
+      </p:nvGrpSpPr>
+      <p:grpSpPr>
+        <a:xfrm>
+          <a:off x="0" y="0"/>
+          <a:ext cx="0" cy="0"/>
+          <a:chOff x="0" y="0"/>
+          <a:chExt cx="0" cy="0"/>
+        </a:xfrm>
+      </p:grpSpPr>
+      <p:sp>
+        <p:nvSpPr>
+          <p:cNvPr id="2" name="幻灯片图像占位符 1"/>
+          <p:cNvSpPr>
+            <a:spLocks noGrp="1" noRot="1" noChangeAspect="1"/>
+          </p:cNvSpPr>
+          <p:nvPr>
+            <p:ph type="sldImg"/>
+          </p:nvPr>
+        </p:nvSpPr>
+        <p:spPr/>
+      </p:sp>
+      <p:sp>
+        <p:nvSpPr>
+          <p:cNvPr id="3" name="备注占位符 2"/>
+          <p:cNvSpPr>
+            <a:spLocks noGrp="1"/>
+          </p:cNvSpPr>
+          <p:nvPr>
+            <p:ph type="body" idx="1"/>
+          </p:nvPr>
+        </p:nvSpPr>
+        <p:spPr/>
+        <p:txBody>
+          <a:bodyPr/>
+          <a:lstStyle/>
+          <a:p>
+            <a:endParaRPr lang="zh-CN" altLang="en-US" dirty="0"/>
+          </a:p>
+        </p:txBody>
+      </p:sp>
+      <p:sp>
+        <p:nvSpPr>
+          <p:cNvPr id="4" name="灯片编号占位符 3"/>
+          <p:cNvSpPr>
+            <a:spLocks noGrp="1"/>
+          </p:cNvSpPr>
+          <p:nvPr>
+            <p:ph type="sldNum" sz="quarter" idx="10"/>
+          </p:nvPr>
+        </p:nvSpPr>
+        <p:spPr/>
+        <p:txBody>
+          <a:bodyPr/>
+          <a:lstStyle/>
+          <a:p>
+            <a:fld id="{DD202784-B46A-4EF4-B218-4316F9133D14}" type="slidenum">
+              <a:rPr lang="zh-CN" altLang="en-US" smtClean="0"/>
+              <a:t>67</a:t>
+            </a:fld>
+            <a:endParaRPr lang="zh-CN" altLang="en-US"/>
+          </a:p>
+        </p:txBody>
+      </p:sp>
+    </p:spTree>
+    <p:extLst>
+      <p:ext uri="{BB962C8B-B14F-4D97-AF65-F5344CB8AC3E}">
+        <p14:creationId xmlns:p14="http://schemas.microsoft.com/office/powerpoint/2010/main" val="3776015239"/>
+      </p:ext>
+    </p:extLst>
+  </p:cSld>
+  <p:clrMapOvr>
+    <a:masterClrMapping/>
+  </p:clrMapOvr>
+</p:notes>
+</file>
+
+<file path=ppt/notesSlides/notesSlide68.xml><?xml version="1.0" encoding="utf-8"?>
+<p:notes xmlns:a="http://schemas.openxmlformats.org/drawingml/2006/main" xmlns:r="http://schemas.openxmlformats.org/officeDocument/2006/relationships" xmlns:p="http://schemas.openxmlformats.org/presentationml/2006/main">
+  <p:cSld>
+    <p:spTree>
+      <p:nvGrpSpPr>
+        <p:cNvPr id="1" name=""/>
+        <p:cNvGrpSpPr/>
+        <p:nvPr/>
+      </p:nvGrpSpPr>
+      <p:grpSpPr>
+        <a:xfrm>
+          <a:off x="0" y="0"/>
+          <a:ext cx="0" cy="0"/>
+          <a:chOff x="0" y="0"/>
+          <a:chExt cx="0" cy="0"/>
+        </a:xfrm>
+      </p:grpSpPr>
+      <p:sp>
+        <p:nvSpPr>
+          <p:cNvPr id="2" name="幻灯片图像占位符 1"/>
+          <p:cNvSpPr>
+            <a:spLocks noGrp="1" noRot="1" noChangeAspect="1"/>
+          </p:cNvSpPr>
+          <p:nvPr>
+            <p:ph type="sldImg"/>
+          </p:nvPr>
+        </p:nvSpPr>
+        <p:spPr/>
+      </p:sp>
+      <p:sp>
+        <p:nvSpPr>
+          <p:cNvPr id="3" name="备注占位符 2"/>
+          <p:cNvSpPr>
+            <a:spLocks noGrp="1"/>
+          </p:cNvSpPr>
+          <p:nvPr>
+            <p:ph type="body" idx="1"/>
+          </p:nvPr>
+        </p:nvSpPr>
+        <p:spPr/>
+        <p:txBody>
+          <a:bodyPr/>
+          <a:lstStyle/>
+          <a:p>
+            <a:endParaRPr lang="zh-CN" altLang="en-US" dirty="0"/>
+          </a:p>
+        </p:txBody>
+      </p:sp>
+      <p:sp>
+        <p:nvSpPr>
+          <p:cNvPr id="4" name="灯片编号占位符 3"/>
+          <p:cNvSpPr>
+            <a:spLocks noGrp="1"/>
+          </p:cNvSpPr>
+          <p:nvPr>
+            <p:ph type="sldNum" sz="quarter" idx="10"/>
+          </p:nvPr>
+        </p:nvSpPr>
+        <p:spPr/>
+        <p:txBody>
+          <a:bodyPr/>
+          <a:lstStyle/>
+          <a:p>
+            <a:fld id="{DD202784-B46A-4EF4-B218-4316F9133D14}" type="slidenum">
+              <a:rPr lang="zh-CN" altLang="en-US" smtClean="0"/>
+              <a:t>68</a:t>
             </a:fld>
             <a:endParaRPr lang="zh-CN" altLang="en-US"/>
           </a:p>
@@ -22705,8 +23376,8 @@
         </p:nvSpPr>
         <p:spPr>
           <a:xfrm>
-            <a:off x="2781300" y="1353040"/>
-            <a:ext cx="6648450" cy="1754326"/>
+            <a:off x="2076450" y="1353040"/>
+            <a:ext cx="8305800" cy="1754326"/>
           </a:xfrm>
           <a:prstGeom prst="rect">
             <a:avLst/>
@@ -22754,7 +23425,7 @@
                 <a:latin typeface="微软雅黑" panose="020B0503020204020204" pitchFamily="34" charset="-122"/>
                 <a:ea typeface="微软雅黑" panose="020B0503020204020204" pitchFamily="34" charset="-122"/>
               </a:rPr>
-              <a:t>Discussion</a:t>
+              <a:t>Results and Discussion</a:t>
             </a:r>
             <a:endParaRPr lang="en-US" altLang="zh-CN" sz="5400" b="1" dirty="0" smtClean="0">
               <a:solidFill>
@@ -26614,7 +27285,7 @@
         <p:spPr>
           <a:xfrm>
             <a:off x="882748" y="1377372"/>
-            <a:ext cx="10394852" cy="3539430"/>
+            <a:ext cx="10394852" cy="4401205"/>
           </a:xfrm>
           <a:prstGeom prst="rect">
             <a:avLst/>
@@ -26656,18 +27327,39 @@
               </a:rPr>
               <a:t>with four different statistics-based style transfer techniques : MK, SMH, PDF, PHR</a:t>
             </a:r>
-            <a:br>
+          </a:p>
+          <a:p>
+            <a:pPr marL="800100" lvl="1" indent="-342900">
+              <a:lnSpc>
+                <a:spcPct val="200000"/>
+              </a:lnSpc>
+              <a:buFont typeface="Arial" panose="020B0604020202020204" pitchFamily="34" charset="0"/>
+              <a:buChar char="•"/>
+            </a:pPr>
+            <a:r>
+              <a:rPr lang="en-US" altLang="zh-CN" sz="2800" dirty="0">
+                <a:latin typeface="Meiryo" panose="020B0604030504040204" pitchFamily="34" charset="-128"/>
+                <a:ea typeface="Meiryo" panose="020B0604030504040204" pitchFamily="34" charset="-128"/>
+                <a:cs typeface="Meiryo" panose="020B0604030504040204" pitchFamily="34" charset="-128"/>
+              </a:rPr>
+              <a:t>Style exemplars are chosen by our </a:t>
+            </a:r>
+            <a:r>
               <a:rPr lang="en-US" altLang="zh-CN" sz="2800" dirty="0" smtClean="0">
                 <a:latin typeface="Meiryo" panose="020B0604030504040204" pitchFamily="34" charset="-128"/>
                 <a:ea typeface="Meiryo" panose="020B0604030504040204" pitchFamily="34" charset="-128"/>
                 <a:cs typeface="Meiryo" panose="020B0604030504040204" pitchFamily="34" charset="-128"/>
               </a:rPr>
-            </a:br>
-            <a:endParaRPr lang="en-US" altLang="zh-CN" sz="2800" dirty="0">
-              <a:latin typeface="Meiryo" panose="020B0604030504040204" pitchFamily="34" charset="-128"/>
-              <a:ea typeface="Meiryo" panose="020B0604030504040204" pitchFamily="34" charset="-128"/>
-              <a:cs typeface="Meiryo" panose="020B0604030504040204" pitchFamily="34" charset="-128"/>
-            </a:endParaRPr>
+              <a:t>style selection </a:t>
+            </a:r>
+            <a:r>
+              <a:rPr lang="en-US" altLang="zh-CN" sz="2800" dirty="0">
+                <a:latin typeface="Meiryo" panose="020B0604030504040204" pitchFamily="34" charset="-128"/>
+                <a:ea typeface="Meiryo" panose="020B0604030504040204" pitchFamily="34" charset="-128"/>
+                <a:cs typeface="Meiryo" panose="020B0604030504040204" pitchFamily="34" charset="-128"/>
+              </a:rPr>
+              <a:t>and these methods are used only for the transfer. </a:t>
+            </a:r>
           </a:p>
         </p:txBody>
       </p:sp>
@@ -26692,6 +27384,481 @@
 </file>
 
 <file path=ppt/slides/slide61.xml><?xml version="1.0" encoding="utf-8"?>
+<p:sld xmlns:a="http://schemas.openxmlformats.org/drawingml/2006/main" xmlns:r="http://schemas.openxmlformats.org/officeDocument/2006/relationships" xmlns:p="http://schemas.openxmlformats.org/presentationml/2006/main">
+  <p:cSld>
+    <p:spTree>
+      <p:nvGrpSpPr>
+        <p:cNvPr id="1" name=""/>
+        <p:cNvGrpSpPr/>
+        <p:nvPr/>
+      </p:nvGrpSpPr>
+      <p:grpSpPr>
+        <a:xfrm>
+          <a:off x="0" y="0"/>
+          <a:ext cx="0" cy="0"/>
+          <a:chOff x="0" y="0"/>
+          <a:chExt cx="0" cy="0"/>
+        </a:xfrm>
+      </p:grpSpPr>
+      <p:sp>
+        <p:nvSpPr>
+          <p:cNvPr id="6" name="矩形 5"/>
+          <p:cNvSpPr/>
+          <p:nvPr/>
+        </p:nvSpPr>
+        <p:spPr>
+          <a:xfrm rot="877900">
+            <a:off x="2686836" y="-155824"/>
+            <a:ext cx="6186601" cy="6857999"/>
+          </a:xfrm>
+          <a:prstGeom prst="rect">
+            <a:avLst/>
+          </a:prstGeom>
+          <a:solidFill>
+            <a:schemeClr val="bg1">
+              <a:lumMod val="95000"/>
+            </a:schemeClr>
+          </a:solidFill>
+          <a:ln>
+            <a:noFill/>
+          </a:ln>
+        </p:spPr>
+        <p:style>
+          <a:lnRef idx="2">
+            <a:schemeClr val="accent1">
+              <a:shade val="50000"/>
+            </a:schemeClr>
+          </a:lnRef>
+          <a:fillRef idx="1">
+            <a:schemeClr val="accent1"/>
+          </a:fillRef>
+          <a:effectRef idx="0">
+            <a:schemeClr val="accent1"/>
+          </a:effectRef>
+          <a:fontRef idx="minor">
+            <a:schemeClr val="lt1"/>
+          </a:fontRef>
+        </p:style>
+        <p:txBody>
+          <a:bodyPr rtlCol="0" anchor="ctr"/>
+          <a:lstStyle/>
+          <a:p>
+            <a:pPr algn="ctr"/>
+            <a:endParaRPr lang="zh-CN" altLang="en-US"/>
+          </a:p>
+        </p:txBody>
+      </p:sp>
+      <p:sp>
+        <p:nvSpPr>
+          <p:cNvPr id="30" name="文本框 29"/>
+          <p:cNvSpPr txBox="1"/>
+          <p:nvPr/>
+        </p:nvSpPr>
+        <p:spPr>
+          <a:xfrm>
+            <a:off x="662538" y="294935"/>
+            <a:ext cx="9205361" cy="769441"/>
+          </a:xfrm>
+          <a:prstGeom prst="rect">
+            <a:avLst/>
+          </a:prstGeom>
+          <a:noFill/>
+        </p:spPr>
+        <p:txBody>
+          <a:bodyPr wrap="square" rtlCol="0">
+            <a:spAutoFit/>
+          </a:bodyPr>
+          <a:lstStyle/>
+          <a:p>
+            <a:r>
+              <a:rPr lang="en-US" altLang="zh-CN" sz="4400" b="1" dirty="0" smtClean="0">
+                <a:solidFill>
+                  <a:srgbClr val="00ABB4"/>
+                </a:solidFill>
+                <a:latin typeface="微软雅黑" panose="020B0503020204020204" pitchFamily="34" charset="-122"/>
+                <a:ea typeface="微软雅黑" panose="020B0503020204020204" pitchFamily="34" charset="-122"/>
+              </a:rPr>
+              <a:t>Study 2</a:t>
+            </a:r>
+            <a:endParaRPr lang="en-US" altLang="zh-CN" sz="4400" b="1" dirty="0">
+              <a:solidFill>
+                <a:srgbClr val="00ABB4"/>
+              </a:solidFill>
+              <a:latin typeface="微软雅黑" panose="020B0503020204020204" pitchFamily="34" charset="-122"/>
+              <a:ea typeface="微软雅黑" panose="020B0503020204020204" pitchFamily="34" charset="-122"/>
+            </a:endParaRPr>
+          </a:p>
+        </p:txBody>
+      </p:sp>
+      <p:sp>
+        <p:nvSpPr>
+          <p:cNvPr id="31" name="Rectangle 96"/>
+          <p:cNvSpPr/>
+          <p:nvPr/>
+        </p:nvSpPr>
+        <p:spPr>
+          <a:xfrm>
+            <a:off x="882748" y="1377372"/>
+            <a:ext cx="10394852" cy="4401205"/>
+          </a:xfrm>
+          <a:prstGeom prst="rect">
+            <a:avLst/>
+          </a:prstGeom>
+        </p:spPr>
+        <p:txBody>
+          <a:bodyPr wrap="square">
+            <a:spAutoFit/>
+          </a:bodyPr>
+          <a:lstStyle/>
+          <a:p>
+            <a:pPr marL="800100" lvl="1" indent="-342900">
+              <a:lnSpc>
+                <a:spcPct val="200000"/>
+              </a:lnSpc>
+              <a:buFont typeface="Arial" panose="020B0604020202020204" pitchFamily="34" charset="0"/>
+              <a:buChar char="•"/>
+            </a:pPr>
+            <a:r>
+              <a:rPr lang="en-US" altLang="zh-CN" sz="2800" dirty="0" smtClean="0">
+                <a:latin typeface="Meiryo" panose="020B0604030504040204" pitchFamily="34" charset="-128"/>
+                <a:ea typeface="Meiryo" panose="020B0604030504040204" pitchFamily="34" charset="-128"/>
+                <a:cs typeface="Meiryo" panose="020B0604030504040204" pitchFamily="34" charset="-128"/>
+              </a:rPr>
+              <a:t>What we give users(27):</a:t>
+            </a:r>
+          </a:p>
+          <a:p>
+            <a:pPr marL="1257300" lvl="2" indent="-342900">
+              <a:lnSpc>
+                <a:spcPct val="200000"/>
+              </a:lnSpc>
+              <a:buFont typeface="Arial" panose="020B0604020202020204" pitchFamily="34" charset="0"/>
+              <a:buChar char="•"/>
+            </a:pPr>
+            <a:r>
+              <a:rPr lang="en-US" altLang="zh-CN" sz="2800" dirty="0" smtClean="0">
+                <a:latin typeface="Meiryo" panose="020B0604030504040204" pitchFamily="34" charset="-128"/>
+                <a:ea typeface="Meiryo" panose="020B0604030504040204" pitchFamily="34" charset="-128"/>
+                <a:cs typeface="Meiryo" panose="020B0604030504040204" pitchFamily="34" charset="-128"/>
+              </a:rPr>
+              <a:t>An </a:t>
+            </a:r>
+            <a:r>
+              <a:rPr lang="en-US" altLang="zh-CN" sz="2800" dirty="0">
+                <a:latin typeface="Meiryo" panose="020B0604030504040204" pitchFamily="34" charset="-128"/>
+                <a:ea typeface="Meiryo" panose="020B0604030504040204" pitchFamily="34" charset="-128"/>
+                <a:cs typeface="Meiryo" panose="020B0604030504040204" pitchFamily="34" charset="-128"/>
+              </a:rPr>
+              <a:t>input </a:t>
+            </a:r>
+            <a:r>
+              <a:rPr lang="en-US" altLang="zh-CN" sz="2800" dirty="0">
+                <a:latin typeface="Meiryo" panose="020B0604030504040204" pitchFamily="34" charset="-128"/>
+                <a:ea typeface="Meiryo" panose="020B0604030504040204" pitchFamily="34" charset="-128"/>
+                <a:cs typeface="Meiryo" panose="020B0604030504040204" pitchFamily="34" charset="-128"/>
+              </a:rPr>
+              <a:t>photograph</a:t>
+            </a:r>
+          </a:p>
+          <a:p>
+            <a:pPr marL="1257300" lvl="2" indent="-342900">
+              <a:lnSpc>
+                <a:spcPct val="200000"/>
+              </a:lnSpc>
+              <a:buFont typeface="Arial" panose="020B0604020202020204" pitchFamily="34" charset="0"/>
+              <a:buChar char="•"/>
+            </a:pPr>
+            <a:r>
+              <a:rPr lang="en-US" altLang="zh-CN" sz="2800" dirty="0">
+                <a:latin typeface="Meiryo" panose="020B0604030504040204" pitchFamily="34" charset="-128"/>
+                <a:ea typeface="Meiryo" panose="020B0604030504040204" pitchFamily="34" charset="-128"/>
+                <a:cs typeface="Meiryo" panose="020B0604030504040204" pitchFamily="34" charset="-128"/>
+              </a:rPr>
+              <a:t>an exemplar</a:t>
+            </a:r>
+          </a:p>
+          <a:p>
+            <a:pPr marL="1257300" lvl="2" indent="-342900">
+              <a:lnSpc>
+                <a:spcPct val="200000"/>
+              </a:lnSpc>
+              <a:buFont typeface="Arial" panose="020B0604020202020204" pitchFamily="34" charset="0"/>
+              <a:buChar char="•"/>
+            </a:pPr>
+            <a:r>
+              <a:rPr lang="en-US" altLang="zh-CN" sz="2800" dirty="0">
+                <a:latin typeface="Meiryo" panose="020B0604030504040204" pitchFamily="34" charset="-128"/>
+                <a:ea typeface="Meiryo" panose="020B0604030504040204" pitchFamily="34" charset="-128"/>
+                <a:cs typeface="Meiryo" panose="020B0604030504040204" pitchFamily="34" charset="-128"/>
+              </a:rPr>
+              <a:t>A randomly </a:t>
+            </a:r>
+            <a:r>
+              <a:rPr lang="en-US" altLang="zh-CN" sz="2800" dirty="0">
+                <a:latin typeface="Meiryo" panose="020B0604030504040204" pitchFamily="34" charset="-128"/>
+                <a:ea typeface="Meiryo" panose="020B0604030504040204" pitchFamily="34" charset="-128"/>
+                <a:cs typeface="Meiryo" panose="020B0604030504040204" pitchFamily="34" charset="-128"/>
+              </a:rPr>
+              <a:t>arranged set of five stylized images created </a:t>
+            </a:r>
+            <a:r>
+              <a:rPr lang="en-US" altLang="zh-CN" sz="2800" dirty="0">
+                <a:latin typeface="Meiryo" panose="020B0604030504040204" pitchFamily="34" charset="-128"/>
+                <a:ea typeface="Meiryo" panose="020B0604030504040204" pitchFamily="34" charset="-128"/>
+                <a:cs typeface="Meiryo" panose="020B0604030504040204" pitchFamily="34" charset="-128"/>
+              </a:rPr>
+              <a:t>using the </a:t>
+            </a:r>
+            <a:r>
+              <a:rPr lang="en-US" altLang="zh-CN" sz="2800" dirty="0" smtClean="0">
+                <a:latin typeface="Meiryo" panose="020B0604030504040204" pitchFamily="34" charset="-128"/>
+                <a:ea typeface="Meiryo" panose="020B0604030504040204" pitchFamily="34" charset="-128"/>
+                <a:cs typeface="Meiryo" panose="020B0604030504040204" pitchFamily="34" charset="-128"/>
+              </a:rPr>
+              <a:t>techniques</a:t>
+            </a:r>
+          </a:p>
+        </p:txBody>
+      </p:sp>
+    </p:spTree>
+    <p:extLst>
+      <p:ext uri="{BB962C8B-B14F-4D97-AF65-F5344CB8AC3E}">
+        <p14:creationId xmlns:p14="http://schemas.microsoft.com/office/powerpoint/2010/main" val="2950253345"/>
+      </p:ext>
+    </p:extLst>
+  </p:cSld>
+  <p:clrMapOvr>
+    <a:masterClrMapping/>
+  </p:clrMapOvr>
+  <p:timing>
+    <p:tnLst>
+      <p:par>
+        <p:cTn id="1" dur="indefinite" restart="never" nodeType="tmRoot"/>
+      </p:par>
+    </p:tnLst>
+  </p:timing>
+</p:sld>
+</file>
+
+<file path=ppt/slides/slide62.xml><?xml version="1.0" encoding="utf-8"?>
+<p:sld xmlns:a="http://schemas.openxmlformats.org/drawingml/2006/main" xmlns:r="http://schemas.openxmlformats.org/officeDocument/2006/relationships" xmlns:p="http://schemas.openxmlformats.org/presentationml/2006/main">
+  <p:cSld>
+    <p:spTree>
+      <p:nvGrpSpPr>
+        <p:cNvPr id="1" name=""/>
+        <p:cNvGrpSpPr/>
+        <p:nvPr/>
+      </p:nvGrpSpPr>
+      <p:grpSpPr>
+        <a:xfrm>
+          <a:off x="0" y="0"/>
+          <a:ext cx="0" cy="0"/>
+          <a:chOff x="0" y="0"/>
+          <a:chExt cx="0" cy="0"/>
+        </a:xfrm>
+      </p:grpSpPr>
+      <p:sp>
+        <p:nvSpPr>
+          <p:cNvPr id="6" name="矩形 5"/>
+          <p:cNvSpPr/>
+          <p:nvPr/>
+        </p:nvSpPr>
+        <p:spPr>
+          <a:xfrm rot="877900">
+            <a:off x="2686836" y="-155824"/>
+            <a:ext cx="6186601" cy="6857999"/>
+          </a:xfrm>
+          <a:prstGeom prst="rect">
+            <a:avLst/>
+          </a:prstGeom>
+          <a:solidFill>
+            <a:schemeClr val="bg1">
+              <a:lumMod val="95000"/>
+            </a:schemeClr>
+          </a:solidFill>
+          <a:ln>
+            <a:noFill/>
+          </a:ln>
+        </p:spPr>
+        <p:style>
+          <a:lnRef idx="2">
+            <a:schemeClr val="accent1">
+              <a:shade val="50000"/>
+            </a:schemeClr>
+          </a:lnRef>
+          <a:fillRef idx="1">
+            <a:schemeClr val="accent1"/>
+          </a:fillRef>
+          <a:effectRef idx="0">
+            <a:schemeClr val="accent1"/>
+          </a:effectRef>
+          <a:fontRef idx="minor">
+            <a:schemeClr val="lt1"/>
+          </a:fontRef>
+        </p:style>
+        <p:txBody>
+          <a:bodyPr rtlCol="0" anchor="ctr"/>
+          <a:lstStyle/>
+          <a:p>
+            <a:pPr algn="ctr"/>
+            <a:endParaRPr lang="zh-CN" altLang="en-US"/>
+          </a:p>
+        </p:txBody>
+      </p:sp>
+      <p:sp>
+        <p:nvSpPr>
+          <p:cNvPr id="30" name="文本框 29"/>
+          <p:cNvSpPr txBox="1"/>
+          <p:nvPr/>
+        </p:nvSpPr>
+        <p:spPr>
+          <a:xfrm>
+            <a:off x="662538" y="294935"/>
+            <a:ext cx="9205361" cy="769441"/>
+          </a:xfrm>
+          <a:prstGeom prst="rect">
+            <a:avLst/>
+          </a:prstGeom>
+          <a:noFill/>
+        </p:spPr>
+        <p:txBody>
+          <a:bodyPr wrap="square" rtlCol="0">
+            <a:spAutoFit/>
+          </a:bodyPr>
+          <a:lstStyle/>
+          <a:p>
+            <a:r>
+              <a:rPr lang="en-US" altLang="zh-CN" sz="4400" b="1" dirty="0" smtClean="0">
+                <a:solidFill>
+                  <a:srgbClr val="00ABB4"/>
+                </a:solidFill>
+                <a:latin typeface="微软雅黑" panose="020B0503020204020204" pitchFamily="34" charset="-122"/>
+                <a:ea typeface="微软雅黑" panose="020B0503020204020204" pitchFamily="34" charset="-122"/>
+              </a:rPr>
+              <a:t>Study 2</a:t>
+            </a:r>
+            <a:endParaRPr lang="en-US" altLang="zh-CN" sz="4400" b="1" dirty="0">
+              <a:solidFill>
+                <a:srgbClr val="00ABB4"/>
+              </a:solidFill>
+              <a:latin typeface="微软雅黑" panose="020B0503020204020204" pitchFamily="34" charset="-122"/>
+              <a:ea typeface="微软雅黑" panose="020B0503020204020204" pitchFamily="34" charset="-122"/>
+            </a:endParaRPr>
+          </a:p>
+        </p:txBody>
+      </p:sp>
+      <p:sp>
+        <p:nvSpPr>
+          <p:cNvPr id="31" name="Rectangle 96"/>
+          <p:cNvSpPr/>
+          <p:nvPr/>
+        </p:nvSpPr>
+        <p:spPr>
+          <a:xfrm>
+            <a:off x="1009650" y="1891722"/>
+            <a:ext cx="10515600" cy="3539430"/>
+          </a:xfrm>
+          <a:prstGeom prst="rect">
+            <a:avLst/>
+          </a:prstGeom>
+        </p:spPr>
+        <p:txBody>
+          <a:bodyPr wrap="square">
+            <a:spAutoFit/>
+          </a:bodyPr>
+          <a:lstStyle/>
+          <a:p>
+            <a:pPr marL="800100" lvl="1" indent="-342900">
+              <a:lnSpc>
+                <a:spcPct val="200000"/>
+              </a:lnSpc>
+              <a:buFont typeface="Arial" panose="020B0604020202020204" pitchFamily="34" charset="0"/>
+              <a:buChar char="•"/>
+            </a:pPr>
+            <a:r>
+              <a:rPr lang="en-US" altLang="zh-CN" sz="2800" dirty="0" smtClean="0">
+                <a:latin typeface="Meiryo" panose="020B0604030504040204" pitchFamily="34" charset="-128"/>
+                <a:ea typeface="Meiryo" panose="020B0604030504040204" pitchFamily="34" charset="-128"/>
+                <a:cs typeface="Meiryo" panose="020B0604030504040204" pitchFamily="34" charset="-128"/>
+              </a:rPr>
+              <a:t>Ask users to </a:t>
+            </a:r>
+            <a:r>
+              <a:rPr lang="en-US" altLang="zh-CN" sz="2800" dirty="0">
+                <a:latin typeface="Meiryo" panose="020B0604030504040204" pitchFamily="34" charset="-128"/>
+                <a:ea typeface="Meiryo" panose="020B0604030504040204" pitchFamily="34" charset="-128"/>
+                <a:cs typeface="Meiryo" panose="020B0604030504040204" pitchFamily="34" charset="-128"/>
+              </a:rPr>
+              <a:t>rate the results in terms </a:t>
+            </a:r>
+            <a:r>
+              <a:rPr lang="en-US" altLang="zh-CN" sz="2800" dirty="0" smtClean="0">
+                <a:latin typeface="Meiryo" panose="020B0604030504040204" pitchFamily="34" charset="-128"/>
+                <a:ea typeface="Meiryo" panose="020B0604030504040204" pitchFamily="34" charset="-128"/>
+                <a:cs typeface="Meiryo" panose="020B0604030504040204" pitchFamily="34" charset="-128"/>
+              </a:rPr>
+              <a:t>of style </a:t>
+            </a:r>
+            <a:r>
+              <a:rPr lang="en-US" altLang="zh-CN" sz="2800" dirty="0">
+                <a:latin typeface="Meiryo" panose="020B0604030504040204" pitchFamily="34" charset="-128"/>
+                <a:ea typeface="Meiryo" panose="020B0604030504040204" pitchFamily="34" charset="-128"/>
+                <a:cs typeface="Meiryo" panose="020B0604030504040204" pitchFamily="34" charset="-128"/>
+              </a:rPr>
+              <a:t>transfer and visual quality on a five-point Likert </a:t>
+            </a:r>
+            <a:r>
+              <a:rPr lang="en-US" altLang="zh-CN" sz="2800" dirty="0" smtClean="0">
+                <a:latin typeface="Meiryo" panose="020B0604030504040204" pitchFamily="34" charset="-128"/>
+                <a:ea typeface="Meiryo" panose="020B0604030504040204" pitchFamily="34" charset="-128"/>
+                <a:cs typeface="Meiryo" panose="020B0604030504040204" pitchFamily="34" charset="-128"/>
+              </a:rPr>
+              <a:t>scale ranging </a:t>
+            </a:r>
+            <a:r>
+              <a:rPr lang="en-US" altLang="zh-CN" sz="2800" dirty="0">
+                <a:latin typeface="Meiryo" panose="020B0604030504040204" pitchFamily="34" charset="-128"/>
+                <a:ea typeface="Meiryo" panose="020B0604030504040204" pitchFamily="34" charset="-128"/>
+                <a:cs typeface="Meiryo" panose="020B0604030504040204" pitchFamily="34" charset="-128"/>
+              </a:rPr>
+              <a:t>from 1 (worst) to 5 (best) </a:t>
+            </a:r>
+            <a:br>
+              <a:rPr lang="en-US" altLang="zh-CN" sz="2800" dirty="0">
+                <a:latin typeface="Meiryo" panose="020B0604030504040204" pitchFamily="34" charset="-128"/>
+                <a:ea typeface="Meiryo" panose="020B0604030504040204" pitchFamily="34" charset="-128"/>
+                <a:cs typeface="Meiryo" panose="020B0604030504040204" pitchFamily="34" charset="-128"/>
+              </a:rPr>
+            </a:br>
+            <a:endParaRPr lang="en-US" altLang="zh-CN" sz="2800" dirty="0">
+              <a:latin typeface="Meiryo" panose="020B0604030504040204" pitchFamily="34" charset="-128"/>
+              <a:ea typeface="Meiryo" panose="020B0604030504040204" pitchFamily="34" charset="-128"/>
+              <a:cs typeface="Meiryo" panose="020B0604030504040204" pitchFamily="34" charset="-128"/>
+            </a:endParaRPr>
+          </a:p>
+        </p:txBody>
+      </p:sp>
+    </p:spTree>
+    <p:extLst>
+      <p:ext uri="{BB962C8B-B14F-4D97-AF65-F5344CB8AC3E}">
+        <p14:creationId xmlns:p14="http://schemas.microsoft.com/office/powerpoint/2010/main" val="3636981116"/>
+      </p:ext>
+    </p:extLst>
+  </p:cSld>
+  <p:clrMapOvr>
+    <a:masterClrMapping/>
+  </p:clrMapOvr>
+  <p:timing>
+    <p:tnLst>
+      <p:par>
+        <p:cTn id="1" dur="indefinite" restart="never" nodeType="tmRoot"/>
+      </p:par>
+    </p:tnLst>
+  </p:timing>
+</p:sld>
+</file>
+
+<file path=ppt/slides/slide63.xml><?xml version="1.0" encoding="utf-8"?>
 <p:sld xmlns:a="http://schemas.openxmlformats.org/drawingml/2006/main" xmlns:r="http://schemas.openxmlformats.org/officeDocument/2006/relationships" xmlns:p="http://schemas.openxmlformats.org/presentationml/2006/main">
   <p:cSld>
     <p:spTree>
@@ -26872,7 +28039,1235 @@
 </p:sld>
 </file>
 
-<file path=ppt/slides/slide62.xml><?xml version="1.0" encoding="utf-8"?>
+<file path=ppt/slides/slide64.xml><?xml version="1.0" encoding="utf-8"?>
+<p:sld xmlns:a="http://schemas.openxmlformats.org/drawingml/2006/main" xmlns:r="http://schemas.openxmlformats.org/officeDocument/2006/relationships" xmlns:p="http://schemas.openxmlformats.org/presentationml/2006/main">
+  <p:cSld>
+    <p:spTree>
+      <p:nvGrpSpPr>
+        <p:cNvPr id="1" name=""/>
+        <p:cNvGrpSpPr/>
+        <p:nvPr/>
+      </p:nvGrpSpPr>
+      <p:grpSpPr>
+        <a:xfrm>
+          <a:off x="0" y="0"/>
+          <a:ext cx="0" cy="0"/>
+          <a:chOff x="0" y="0"/>
+          <a:chExt cx="0" cy="0"/>
+        </a:xfrm>
+      </p:grpSpPr>
+      <p:sp>
+        <p:nvSpPr>
+          <p:cNvPr id="6" name="矩形 5"/>
+          <p:cNvSpPr/>
+          <p:nvPr/>
+        </p:nvSpPr>
+        <p:spPr>
+          <a:xfrm rot="877900">
+            <a:off x="2686836" y="-155824"/>
+            <a:ext cx="6186601" cy="6857999"/>
+          </a:xfrm>
+          <a:prstGeom prst="rect">
+            <a:avLst/>
+          </a:prstGeom>
+          <a:solidFill>
+            <a:schemeClr val="bg1">
+              <a:lumMod val="95000"/>
+            </a:schemeClr>
+          </a:solidFill>
+          <a:ln>
+            <a:noFill/>
+          </a:ln>
+        </p:spPr>
+        <p:style>
+          <a:lnRef idx="2">
+            <a:schemeClr val="accent1">
+              <a:shade val="50000"/>
+            </a:schemeClr>
+          </a:lnRef>
+          <a:fillRef idx="1">
+            <a:schemeClr val="accent1"/>
+          </a:fillRef>
+          <a:effectRef idx="0">
+            <a:schemeClr val="accent1"/>
+          </a:effectRef>
+          <a:fontRef idx="minor">
+            <a:schemeClr val="lt1"/>
+          </a:fontRef>
+        </p:style>
+        <p:txBody>
+          <a:bodyPr rtlCol="0" anchor="ctr"/>
+          <a:lstStyle/>
+          <a:p>
+            <a:pPr algn="ctr"/>
+            <a:endParaRPr lang="zh-CN" altLang="en-US"/>
+          </a:p>
+        </p:txBody>
+      </p:sp>
+      <p:sp>
+        <p:nvSpPr>
+          <p:cNvPr id="30" name="文本框 29"/>
+          <p:cNvSpPr txBox="1"/>
+          <p:nvPr/>
+        </p:nvSpPr>
+        <p:spPr>
+          <a:xfrm>
+            <a:off x="662538" y="294935"/>
+            <a:ext cx="9205361" cy="769441"/>
+          </a:xfrm>
+          <a:prstGeom prst="rect">
+            <a:avLst/>
+          </a:prstGeom>
+          <a:noFill/>
+        </p:spPr>
+        <p:txBody>
+          <a:bodyPr wrap="square" rtlCol="0">
+            <a:spAutoFit/>
+          </a:bodyPr>
+          <a:lstStyle/>
+          <a:p>
+            <a:r>
+              <a:rPr lang="en-US" altLang="zh-CN" sz="4400" b="1" dirty="0" smtClean="0">
+                <a:solidFill>
+                  <a:srgbClr val="00ABB4"/>
+                </a:solidFill>
+                <a:latin typeface="微软雅黑" panose="020B0503020204020204" pitchFamily="34" charset="-122"/>
+                <a:ea typeface="微软雅黑" panose="020B0503020204020204" pitchFamily="34" charset="-122"/>
+              </a:rPr>
+              <a:t>Results and Discussion</a:t>
+            </a:r>
+            <a:endParaRPr lang="en-US" altLang="zh-CN" sz="4400" b="1" dirty="0">
+              <a:solidFill>
+                <a:srgbClr val="00ABB4"/>
+              </a:solidFill>
+              <a:latin typeface="微软雅黑" panose="020B0503020204020204" pitchFamily="34" charset="-122"/>
+              <a:ea typeface="微软雅黑" panose="020B0503020204020204" pitchFamily="34" charset="-122"/>
+            </a:endParaRPr>
+          </a:p>
+        </p:txBody>
+      </p:sp>
+      <p:sp>
+        <p:nvSpPr>
+          <p:cNvPr id="5" name="Rectangle 96"/>
+          <p:cNvSpPr/>
+          <p:nvPr/>
+        </p:nvSpPr>
+        <p:spPr>
+          <a:xfrm>
+            <a:off x="792811" y="1503460"/>
+            <a:ext cx="10394852" cy="3539430"/>
+          </a:xfrm>
+          <a:prstGeom prst="rect">
+            <a:avLst/>
+          </a:prstGeom>
+        </p:spPr>
+        <p:txBody>
+          <a:bodyPr wrap="square">
+            <a:spAutoFit/>
+          </a:bodyPr>
+          <a:lstStyle/>
+          <a:p>
+            <a:pPr marL="971550" lvl="1" indent="-514350">
+              <a:lnSpc>
+                <a:spcPct val="200000"/>
+              </a:lnSpc>
+              <a:buFont typeface="+mj-lt"/>
+              <a:buAutoNum type="arabicPeriod"/>
+            </a:pPr>
+            <a:r>
+              <a:rPr lang="en-US" altLang="zh-CN" sz="2800" dirty="0" smtClean="0">
+                <a:latin typeface="Meiryo" panose="020B0604030504040204" pitchFamily="34" charset="-128"/>
+                <a:ea typeface="Meiryo" panose="020B0604030504040204" pitchFamily="34" charset="-128"/>
+                <a:cs typeface="Meiryo" panose="020B0604030504040204" pitchFamily="34" charset="-128"/>
+              </a:rPr>
+              <a:t>OURS (</a:t>
+            </a:r>
+            <a:r>
+              <a:rPr lang="en-US" altLang="zh-CN" sz="2800" dirty="0">
+                <a:latin typeface="Meiryo" panose="020B0604030504040204" pitchFamily="34" charset="-128"/>
+                <a:ea typeface="Meiryo" panose="020B0604030504040204" pitchFamily="34" charset="-128"/>
+                <a:cs typeface="Meiryo" panose="020B0604030504040204" pitchFamily="34" charset="-128"/>
+              </a:rPr>
+              <a:t>4.002± 0.336) records the best </a:t>
+            </a:r>
+            <a:r>
+              <a:rPr lang="en-US" altLang="zh-CN" sz="2800" dirty="0" smtClean="0">
+                <a:latin typeface="Meiryo" panose="020B0604030504040204" pitchFamily="34" charset="-128"/>
+                <a:ea typeface="Meiryo" panose="020B0604030504040204" pitchFamily="34" charset="-128"/>
+                <a:cs typeface="Meiryo" panose="020B0604030504040204" pitchFamily="34" charset="-128"/>
+              </a:rPr>
+              <a:t>rating</a:t>
+            </a:r>
+          </a:p>
+          <a:p>
+            <a:pPr marL="971550" lvl="1" indent="-514350">
+              <a:lnSpc>
+                <a:spcPct val="200000"/>
+              </a:lnSpc>
+              <a:buFont typeface="+mj-lt"/>
+              <a:buAutoNum type="arabicPeriod"/>
+            </a:pPr>
+            <a:r>
+              <a:rPr lang="en-US" altLang="zh-CN" sz="2800" dirty="0" smtClean="0">
+                <a:latin typeface="Meiryo" panose="020B0604030504040204" pitchFamily="34" charset="-128"/>
+                <a:ea typeface="Meiryo" panose="020B0604030504040204" pitchFamily="34" charset="-128"/>
+                <a:cs typeface="Meiryo" panose="020B0604030504040204" pitchFamily="34" charset="-128"/>
+              </a:rPr>
+              <a:t>MK </a:t>
+            </a:r>
+            <a:r>
+              <a:rPr lang="en-US" altLang="zh-CN" sz="2800" dirty="0">
+                <a:latin typeface="Meiryo" panose="020B0604030504040204" pitchFamily="34" charset="-128"/>
+                <a:ea typeface="Meiryo" panose="020B0604030504040204" pitchFamily="34" charset="-128"/>
+                <a:cs typeface="Meiryo" panose="020B0604030504040204" pitchFamily="34" charset="-128"/>
+              </a:rPr>
+              <a:t>(</a:t>
+            </a:r>
+            <a:r>
+              <a:rPr lang="en-US" altLang="zh-CN" sz="2800" dirty="0" smtClean="0">
+                <a:latin typeface="Meiryo" panose="020B0604030504040204" pitchFamily="34" charset="-128"/>
+                <a:ea typeface="Meiryo" panose="020B0604030504040204" pitchFamily="34" charset="-128"/>
+                <a:cs typeface="Meiryo" panose="020B0604030504040204" pitchFamily="34" charset="-128"/>
+              </a:rPr>
+              <a:t>3.730±0.440</a:t>
+            </a:r>
+            <a:r>
+              <a:rPr lang="en-US" altLang="zh-CN" sz="2800" dirty="0">
+                <a:latin typeface="Meiryo" panose="020B0604030504040204" pitchFamily="34" charset="-128"/>
+                <a:ea typeface="Meiryo" panose="020B0604030504040204" pitchFamily="34" charset="-128"/>
+                <a:cs typeface="Meiryo" panose="020B0604030504040204" pitchFamily="34" charset="-128"/>
+              </a:rPr>
+              <a:t>) is ranked </a:t>
+            </a:r>
+            <a:r>
+              <a:rPr lang="en-US" altLang="zh-CN" sz="2800" dirty="0" smtClean="0">
+                <a:latin typeface="Meiryo" panose="020B0604030504040204" pitchFamily="34" charset="-128"/>
+                <a:ea typeface="Meiryo" panose="020B0604030504040204" pitchFamily="34" charset="-128"/>
+                <a:cs typeface="Meiryo" panose="020B0604030504040204" pitchFamily="34" charset="-128"/>
+              </a:rPr>
+              <a:t>second</a:t>
+            </a:r>
+          </a:p>
+          <a:p>
+            <a:pPr marL="971550" lvl="1" indent="-514350">
+              <a:lnSpc>
+                <a:spcPct val="200000"/>
+              </a:lnSpc>
+              <a:buFont typeface="+mj-lt"/>
+              <a:buAutoNum type="arabicPeriod"/>
+            </a:pPr>
+            <a:r>
+              <a:rPr lang="en-US" altLang="zh-CN" sz="2800" dirty="0" smtClean="0">
+                <a:latin typeface="Meiryo" panose="020B0604030504040204" pitchFamily="34" charset="-128"/>
+                <a:ea typeface="Meiryo" panose="020B0604030504040204" pitchFamily="34" charset="-128"/>
+                <a:cs typeface="Meiryo" panose="020B0604030504040204" pitchFamily="34" charset="-128"/>
+              </a:rPr>
+              <a:t>SHM </a:t>
+            </a:r>
+            <a:r>
+              <a:rPr lang="en-US" altLang="zh-CN" sz="2800" dirty="0">
+                <a:latin typeface="Meiryo" panose="020B0604030504040204" pitchFamily="34" charset="-128"/>
+                <a:ea typeface="Meiryo" panose="020B0604030504040204" pitchFamily="34" charset="-128"/>
+                <a:cs typeface="Meiryo" panose="020B0604030504040204" pitchFamily="34" charset="-128"/>
+              </a:rPr>
+              <a:t>(2.949 ± 0.545), </a:t>
+            </a:r>
+            <a:r>
+              <a:rPr lang="en-US" altLang="zh-CN" sz="2800" dirty="0" smtClean="0">
+                <a:latin typeface="Meiryo" panose="020B0604030504040204" pitchFamily="34" charset="-128"/>
+                <a:ea typeface="Meiryo" panose="020B0604030504040204" pitchFamily="34" charset="-128"/>
+                <a:cs typeface="Meiryo" panose="020B0604030504040204" pitchFamily="34" charset="-128"/>
+              </a:rPr>
+              <a:t>PDF(2.494 </a:t>
+            </a:r>
+            <a:r>
+              <a:rPr lang="en-US" altLang="zh-CN" sz="2800" dirty="0">
+                <a:latin typeface="Meiryo" panose="020B0604030504040204" pitchFamily="34" charset="-128"/>
+                <a:ea typeface="Meiryo" panose="020B0604030504040204" pitchFamily="34" charset="-128"/>
+                <a:cs typeface="Meiryo" panose="020B0604030504040204" pitchFamily="34" charset="-128"/>
+              </a:rPr>
+              <a:t>± 0.577), and PHR (2.286 ± 0.452) are less </a:t>
+            </a:r>
+            <a:r>
+              <a:rPr lang="en-US" altLang="zh-CN" sz="2800" dirty="0" smtClean="0">
+                <a:latin typeface="Meiryo" panose="020B0604030504040204" pitchFamily="34" charset="-128"/>
+                <a:ea typeface="Meiryo" panose="020B0604030504040204" pitchFamily="34" charset="-128"/>
+                <a:cs typeface="Meiryo" panose="020B0604030504040204" pitchFamily="34" charset="-128"/>
+              </a:rPr>
+              <a:t>favored by users</a:t>
+            </a:r>
+            <a:endParaRPr lang="en-US" altLang="zh-CN" sz="2800" dirty="0">
+              <a:latin typeface="Meiryo" panose="020B0604030504040204" pitchFamily="34" charset="-128"/>
+              <a:ea typeface="Meiryo" panose="020B0604030504040204" pitchFamily="34" charset="-128"/>
+              <a:cs typeface="Meiryo" panose="020B0604030504040204" pitchFamily="34" charset="-128"/>
+            </a:endParaRPr>
+          </a:p>
+        </p:txBody>
+      </p:sp>
+    </p:spTree>
+    <p:extLst>
+      <p:ext uri="{BB962C8B-B14F-4D97-AF65-F5344CB8AC3E}">
+        <p14:creationId xmlns:p14="http://schemas.microsoft.com/office/powerpoint/2010/main" val="90494070"/>
+      </p:ext>
+    </p:extLst>
+  </p:cSld>
+  <p:clrMapOvr>
+    <a:masterClrMapping/>
+  </p:clrMapOvr>
+  <p:timing>
+    <p:tnLst>
+      <p:par>
+        <p:cTn id="1" dur="indefinite" restart="never" nodeType="tmRoot"/>
+      </p:par>
+    </p:tnLst>
+  </p:timing>
+</p:sld>
+</file>
+
+<file path=ppt/slides/slide65.xml><?xml version="1.0" encoding="utf-8"?>
+<p:sld xmlns:a="http://schemas.openxmlformats.org/drawingml/2006/main" xmlns:r="http://schemas.openxmlformats.org/officeDocument/2006/relationships" xmlns:p="http://schemas.openxmlformats.org/presentationml/2006/main">
+  <p:cSld>
+    <p:spTree>
+      <p:nvGrpSpPr>
+        <p:cNvPr id="1" name=""/>
+        <p:cNvGrpSpPr/>
+        <p:nvPr/>
+      </p:nvGrpSpPr>
+      <p:grpSpPr>
+        <a:xfrm>
+          <a:off x="0" y="0"/>
+          <a:ext cx="0" cy="0"/>
+          <a:chOff x="0" y="0"/>
+          <a:chExt cx="0" cy="0"/>
+        </a:xfrm>
+      </p:grpSpPr>
+      <p:sp>
+        <p:nvSpPr>
+          <p:cNvPr id="6" name="矩形 5"/>
+          <p:cNvSpPr/>
+          <p:nvPr/>
+        </p:nvSpPr>
+        <p:spPr>
+          <a:xfrm rot="877900">
+            <a:off x="2686836" y="-155824"/>
+            <a:ext cx="6186601" cy="6857999"/>
+          </a:xfrm>
+          <a:prstGeom prst="rect">
+            <a:avLst/>
+          </a:prstGeom>
+          <a:solidFill>
+            <a:schemeClr val="bg1">
+              <a:lumMod val="95000"/>
+            </a:schemeClr>
+          </a:solidFill>
+          <a:ln>
+            <a:noFill/>
+          </a:ln>
+        </p:spPr>
+        <p:style>
+          <a:lnRef idx="2">
+            <a:schemeClr val="accent1">
+              <a:shade val="50000"/>
+            </a:schemeClr>
+          </a:lnRef>
+          <a:fillRef idx="1">
+            <a:schemeClr val="accent1"/>
+          </a:fillRef>
+          <a:effectRef idx="0">
+            <a:schemeClr val="accent1"/>
+          </a:effectRef>
+          <a:fontRef idx="minor">
+            <a:schemeClr val="lt1"/>
+          </a:fontRef>
+        </p:style>
+        <p:txBody>
+          <a:bodyPr rtlCol="0" anchor="ctr"/>
+          <a:lstStyle/>
+          <a:p>
+            <a:pPr algn="ctr"/>
+            <a:endParaRPr lang="zh-CN" altLang="en-US"/>
+          </a:p>
+        </p:txBody>
+      </p:sp>
+      <p:sp>
+        <p:nvSpPr>
+          <p:cNvPr id="30" name="文本框 29"/>
+          <p:cNvSpPr txBox="1"/>
+          <p:nvPr/>
+        </p:nvSpPr>
+        <p:spPr>
+          <a:xfrm>
+            <a:off x="662538" y="294935"/>
+            <a:ext cx="9205361" cy="769441"/>
+          </a:xfrm>
+          <a:prstGeom prst="rect">
+            <a:avLst/>
+          </a:prstGeom>
+          <a:noFill/>
+        </p:spPr>
+        <p:txBody>
+          <a:bodyPr wrap="square" rtlCol="0">
+            <a:spAutoFit/>
+          </a:bodyPr>
+          <a:lstStyle/>
+          <a:p>
+            <a:r>
+              <a:rPr lang="en-US" altLang="zh-CN" sz="4400" b="1" dirty="0" smtClean="0">
+                <a:solidFill>
+                  <a:srgbClr val="00ABB4"/>
+                </a:solidFill>
+                <a:latin typeface="微软雅黑" panose="020B0503020204020204" pitchFamily="34" charset="-122"/>
+                <a:ea typeface="微软雅黑" panose="020B0503020204020204" pitchFamily="34" charset="-122"/>
+              </a:rPr>
+              <a:t>Results and Discussion</a:t>
+            </a:r>
+            <a:endParaRPr lang="en-US" altLang="zh-CN" sz="4400" b="1" dirty="0">
+              <a:solidFill>
+                <a:srgbClr val="00ABB4"/>
+              </a:solidFill>
+              <a:latin typeface="微软雅黑" panose="020B0503020204020204" pitchFamily="34" charset="-122"/>
+              <a:ea typeface="微软雅黑" panose="020B0503020204020204" pitchFamily="34" charset="-122"/>
+            </a:endParaRPr>
+          </a:p>
+        </p:txBody>
+      </p:sp>
+      <p:sp>
+        <p:nvSpPr>
+          <p:cNvPr id="5" name="Rectangle 96"/>
+          <p:cNvSpPr/>
+          <p:nvPr/>
+        </p:nvSpPr>
+        <p:spPr>
+          <a:xfrm>
+            <a:off x="876300" y="1457293"/>
+            <a:ext cx="10820400" cy="4401205"/>
+          </a:xfrm>
+          <a:prstGeom prst="rect">
+            <a:avLst/>
+          </a:prstGeom>
+        </p:spPr>
+        <p:txBody>
+          <a:bodyPr wrap="square">
+            <a:spAutoFit/>
+          </a:bodyPr>
+          <a:lstStyle/>
+          <a:p>
+            <a:pPr lvl="1">
+              <a:lnSpc>
+                <a:spcPct val="200000"/>
+              </a:lnSpc>
+            </a:pPr>
+            <a:r>
+              <a:rPr lang="en-US" altLang="zh-CN" sz="2800" dirty="0" smtClean="0">
+                <a:latin typeface="Meiryo" panose="020B0604030504040204" pitchFamily="34" charset="-128"/>
+                <a:ea typeface="Meiryo" panose="020B0604030504040204" pitchFamily="34" charset="-128"/>
+                <a:cs typeface="Meiryo" panose="020B0604030504040204" pitchFamily="34" charset="-128"/>
+              </a:rPr>
+              <a:t>Explaination :</a:t>
+            </a:r>
+          </a:p>
+          <a:p>
+            <a:pPr lvl="2" indent="-457200">
+              <a:lnSpc>
+                <a:spcPct val="200000"/>
+              </a:lnSpc>
+              <a:buFont typeface="Arial" panose="020B0604020202020204" pitchFamily="34" charset="0"/>
+              <a:buChar char="•"/>
+            </a:pPr>
+            <a:r>
+              <a:rPr lang="en-US" altLang="zh-CN" sz="2800" dirty="0" smtClean="0">
+                <a:latin typeface="Meiryo" panose="020B0604030504040204" pitchFamily="34" charset="-128"/>
+                <a:ea typeface="Meiryo" panose="020B0604030504040204" pitchFamily="34" charset="-128"/>
+                <a:cs typeface="Meiryo" panose="020B0604030504040204" pitchFamily="34" charset="-128"/>
+              </a:rPr>
+              <a:t>Last </a:t>
+            </a:r>
+            <a:r>
+              <a:rPr lang="en-US" altLang="zh-CN" sz="2800" dirty="0">
+                <a:latin typeface="Meiryo" panose="020B0604030504040204" pitchFamily="34" charset="-128"/>
+                <a:ea typeface="Meiryo" panose="020B0604030504040204" pitchFamily="34" charset="-128"/>
+                <a:cs typeface="Meiryo" panose="020B0604030504040204" pitchFamily="34" charset="-128"/>
+              </a:rPr>
+              <a:t>three techniques have more expressive</a:t>
+            </a:r>
+            <a:br>
+              <a:rPr lang="en-US" altLang="zh-CN" sz="2800" dirty="0">
+                <a:latin typeface="Meiryo" panose="020B0604030504040204" pitchFamily="34" charset="-128"/>
+                <a:ea typeface="Meiryo" panose="020B0604030504040204" pitchFamily="34" charset="-128"/>
+                <a:cs typeface="Meiryo" panose="020B0604030504040204" pitchFamily="34" charset="-128"/>
+              </a:rPr>
+            </a:br>
+            <a:r>
+              <a:rPr lang="en-US" altLang="zh-CN" sz="2800" dirty="0">
+                <a:latin typeface="Meiryo" panose="020B0604030504040204" pitchFamily="34" charset="-128"/>
+                <a:ea typeface="Meiryo" panose="020B0604030504040204" pitchFamily="34" charset="-128"/>
+                <a:cs typeface="Meiryo" panose="020B0604030504040204" pitchFamily="34" charset="-128"/>
+              </a:rPr>
+              <a:t>color transfer models leading to over-fitting and poor results </a:t>
+            </a:r>
+            <a:br>
+              <a:rPr lang="en-US" altLang="zh-CN" sz="2800" dirty="0">
+                <a:latin typeface="Meiryo" panose="020B0604030504040204" pitchFamily="34" charset="-128"/>
+                <a:ea typeface="Meiryo" panose="020B0604030504040204" pitchFamily="34" charset="-128"/>
+                <a:cs typeface="Meiryo" panose="020B0604030504040204" pitchFamily="34" charset="-128"/>
+              </a:rPr>
+            </a:br>
+            <a:endParaRPr lang="en-US" altLang="zh-CN" sz="2800" dirty="0">
+              <a:latin typeface="Meiryo" panose="020B0604030504040204" pitchFamily="34" charset="-128"/>
+              <a:ea typeface="Meiryo" panose="020B0604030504040204" pitchFamily="34" charset="-128"/>
+              <a:cs typeface="Meiryo" panose="020B0604030504040204" pitchFamily="34" charset="-128"/>
+            </a:endParaRPr>
+          </a:p>
+        </p:txBody>
+      </p:sp>
+    </p:spTree>
+    <p:extLst>
+      <p:ext uri="{BB962C8B-B14F-4D97-AF65-F5344CB8AC3E}">
+        <p14:creationId xmlns:p14="http://schemas.microsoft.com/office/powerpoint/2010/main" val="3868531665"/>
+      </p:ext>
+    </p:extLst>
+  </p:cSld>
+  <p:clrMapOvr>
+    <a:masterClrMapping/>
+  </p:clrMapOvr>
+  <p:timing>
+    <p:tnLst>
+      <p:par>
+        <p:cTn id="1" dur="indefinite" restart="never" nodeType="tmRoot"/>
+      </p:par>
+    </p:tnLst>
+  </p:timing>
+</p:sld>
+</file>
+
+<file path=ppt/slides/slide66.xml><?xml version="1.0" encoding="utf-8"?>
+<p:sld xmlns:a="http://schemas.openxmlformats.org/drawingml/2006/main" xmlns:r="http://schemas.openxmlformats.org/officeDocument/2006/relationships" xmlns:p="http://schemas.openxmlformats.org/presentationml/2006/main">
+  <p:cSld>
+    <p:spTree>
+      <p:nvGrpSpPr>
+        <p:cNvPr id="1" name=""/>
+        <p:cNvGrpSpPr/>
+        <p:nvPr/>
+      </p:nvGrpSpPr>
+      <p:grpSpPr>
+        <a:xfrm>
+          <a:off x="0" y="0"/>
+          <a:ext cx="0" cy="0"/>
+          <a:chOff x="0" y="0"/>
+          <a:chExt cx="0" cy="0"/>
+        </a:xfrm>
+      </p:grpSpPr>
+      <p:sp>
+        <p:nvSpPr>
+          <p:cNvPr id="7" name="椭圆 6"/>
+          <p:cNvSpPr/>
+          <p:nvPr/>
+        </p:nvSpPr>
+        <p:spPr>
+          <a:xfrm>
+            <a:off x="1123950" y="534753"/>
+            <a:ext cx="9963150" cy="3390900"/>
+          </a:xfrm>
+          <a:prstGeom prst="ellipse">
+            <a:avLst/>
+          </a:prstGeom>
+          <a:solidFill>
+            <a:schemeClr val="bg1">
+              <a:lumMod val="95000"/>
+            </a:schemeClr>
+          </a:solidFill>
+          <a:ln>
+            <a:noFill/>
+          </a:ln>
+        </p:spPr>
+        <p:style>
+          <a:lnRef idx="2">
+            <a:schemeClr val="accent1">
+              <a:shade val="50000"/>
+            </a:schemeClr>
+          </a:lnRef>
+          <a:fillRef idx="1">
+            <a:schemeClr val="accent1"/>
+          </a:fillRef>
+          <a:effectRef idx="0">
+            <a:schemeClr val="accent1"/>
+          </a:effectRef>
+          <a:fontRef idx="minor">
+            <a:schemeClr val="lt1"/>
+          </a:fontRef>
+        </p:style>
+        <p:txBody>
+          <a:bodyPr rtlCol="0" anchor="ctr"/>
+          <a:lstStyle/>
+          <a:p>
+            <a:pPr algn="ctr"/>
+            <a:endParaRPr lang="zh-CN" altLang="en-US"/>
+          </a:p>
+        </p:txBody>
+      </p:sp>
+      <p:sp>
+        <p:nvSpPr>
+          <p:cNvPr id="3" name="文本框 2"/>
+          <p:cNvSpPr txBox="1"/>
+          <p:nvPr/>
+        </p:nvSpPr>
+        <p:spPr>
+          <a:xfrm>
+            <a:off x="3105150" y="1372580"/>
+            <a:ext cx="6000750" cy="1754326"/>
+          </a:xfrm>
+          <a:prstGeom prst="rect">
+            <a:avLst/>
+          </a:prstGeom>
+          <a:noFill/>
+        </p:spPr>
+        <p:txBody>
+          <a:bodyPr wrap="square" rtlCol="0">
+            <a:spAutoFit/>
+          </a:bodyPr>
+          <a:lstStyle/>
+          <a:p>
+            <a:r>
+              <a:rPr lang="en-US" altLang="zh-CN" sz="5400" b="1" dirty="0" smtClean="0">
+                <a:solidFill>
+                  <a:schemeClr val="accent2"/>
+                </a:solidFill>
+                <a:effectLst>
+                  <a:outerShdw blurRad="38100" dist="38100" dir="2700000" algn="tl">
+                    <a:srgbClr val="000000">
+                      <a:alpha val="43137"/>
+                    </a:srgbClr>
+                  </a:outerShdw>
+                </a:effectLst>
+                <a:latin typeface="微软雅黑" panose="020B0503020204020204" pitchFamily="34" charset="-122"/>
+                <a:ea typeface="微软雅黑" panose="020B0503020204020204" pitchFamily="34" charset="-122"/>
+              </a:rPr>
+              <a:t>PART 5:</a:t>
+            </a:r>
+          </a:p>
+          <a:p>
+            <a:pPr algn="r"/>
+            <a:r>
+              <a:rPr lang="en-US" altLang="zh-CN" sz="5400" b="1" dirty="0" smtClean="0">
+                <a:solidFill>
+                  <a:schemeClr val="accent2"/>
+                </a:solidFill>
+                <a:effectLst>
+                  <a:outerShdw blurRad="38100" dist="38100" dir="2700000" algn="tl">
+                    <a:srgbClr val="000000">
+                      <a:alpha val="43137"/>
+                    </a:srgbClr>
+                  </a:outerShdw>
+                </a:effectLst>
+                <a:latin typeface="微软雅黑" panose="020B0503020204020204" pitchFamily="34" charset="-122"/>
+                <a:ea typeface="微软雅黑" panose="020B0503020204020204" pitchFamily="34" charset="-122"/>
+              </a:rPr>
+              <a:t>Conclusion</a:t>
+            </a:r>
+            <a:endParaRPr lang="en-US" altLang="zh-CN" sz="5400" b="1" dirty="0" smtClean="0">
+              <a:solidFill>
+                <a:schemeClr val="accent2"/>
+              </a:solidFill>
+              <a:effectLst>
+                <a:outerShdw blurRad="38100" dist="38100" dir="2700000" algn="tl">
+                  <a:srgbClr val="000000">
+                    <a:alpha val="43137"/>
+                  </a:srgbClr>
+                </a:outerShdw>
+              </a:effectLst>
+              <a:latin typeface="微软雅黑" panose="020B0503020204020204" pitchFamily="34" charset="-122"/>
+              <a:ea typeface="微软雅黑" panose="020B0503020204020204" pitchFamily="34" charset="-122"/>
+            </a:endParaRPr>
+          </a:p>
+        </p:txBody>
+      </p:sp>
+    </p:spTree>
+    <p:extLst>
+      <p:ext uri="{BB962C8B-B14F-4D97-AF65-F5344CB8AC3E}">
+        <p14:creationId xmlns:p14="http://schemas.microsoft.com/office/powerpoint/2010/main" val="3700762899"/>
+      </p:ext>
+    </p:extLst>
+  </p:cSld>
+  <p:clrMapOvr>
+    <a:masterClrMapping/>
+  </p:clrMapOvr>
+  <p:timing>
+    <p:tnLst>
+      <p:par>
+        <p:cTn id="1" dur="indefinite" restart="never" nodeType="tmRoot"/>
+      </p:par>
+    </p:tnLst>
+  </p:timing>
+</p:sld>
+</file>
+
+<file path=ppt/slides/slide67.xml><?xml version="1.0" encoding="utf-8"?>
+<p:sld xmlns:a="http://schemas.openxmlformats.org/drawingml/2006/main" xmlns:r="http://schemas.openxmlformats.org/officeDocument/2006/relationships" xmlns:p="http://schemas.openxmlformats.org/presentationml/2006/main">
+  <p:cSld>
+    <p:spTree>
+      <p:nvGrpSpPr>
+        <p:cNvPr id="1" name=""/>
+        <p:cNvGrpSpPr/>
+        <p:nvPr/>
+      </p:nvGrpSpPr>
+      <p:grpSpPr>
+        <a:xfrm>
+          <a:off x="0" y="0"/>
+          <a:ext cx="0" cy="0"/>
+          <a:chOff x="0" y="0"/>
+          <a:chExt cx="0" cy="0"/>
+        </a:xfrm>
+      </p:grpSpPr>
+      <p:sp>
+        <p:nvSpPr>
+          <p:cNvPr id="6" name="矩形 5"/>
+          <p:cNvSpPr/>
+          <p:nvPr/>
+        </p:nvSpPr>
+        <p:spPr>
+          <a:xfrm rot="877900">
+            <a:off x="2686836" y="-155824"/>
+            <a:ext cx="6186601" cy="6857999"/>
+          </a:xfrm>
+          <a:prstGeom prst="rect">
+            <a:avLst/>
+          </a:prstGeom>
+          <a:solidFill>
+            <a:schemeClr val="bg1">
+              <a:lumMod val="95000"/>
+            </a:schemeClr>
+          </a:solidFill>
+          <a:ln>
+            <a:noFill/>
+          </a:ln>
+        </p:spPr>
+        <p:style>
+          <a:lnRef idx="2">
+            <a:schemeClr val="accent1">
+              <a:shade val="50000"/>
+            </a:schemeClr>
+          </a:lnRef>
+          <a:fillRef idx="1">
+            <a:schemeClr val="accent1"/>
+          </a:fillRef>
+          <a:effectRef idx="0">
+            <a:schemeClr val="accent1"/>
+          </a:effectRef>
+          <a:fontRef idx="minor">
+            <a:schemeClr val="lt1"/>
+          </a:fontRef>
+        </p:style>
+        <p:txBody>
+          <a:bodyPr rtlCol="0" anchor="ctr"/>
+          <a:lstStyle/>
+          <a:p>
+            <a:pPr algn="ctr"/>
+            <a:endParaRPr lang="zh-CN" altLang="en-US"/>
+          </a:p>
+        </p:txBody>
+      </p:sp>
+      <p:sp>
+        <p:nvSpPr>
+          <p:cNvPr id="30" name="文本框 29"/>
+          <p:cNvSpPr txBox="1"/>
+          <p:nvPr/>
+        </p:nvSpPr>
+        <p:spPr>
+          <a:xfrm>
+            <a:off x="662538" y="294935"/>
+            <a:ext cx="9205361" cy="769441"/>
+          </a:xfrm>
+          <a:prstGeom prst="rect">
+            <a:avLst/>
+          </a:prstGeom>
+          <a:noFill/>
+        </p:spPr>
+        <p:txBody>
+          <a:bodyPr wrap="square" rtlCol="0">
+            <a:spAutoFit/>
+          </a:bodyPr>
+          <a:lstStyle/>
+          <a:p>
+            <a:r>
+              <a:rPr lang="en-US" altLang="zh-CN" sz="4400" b="1" dirty="0" smtClean="0">
+                <a:solidFill>
+                  <a:srgbClr val="00ABB4"/>
+                </a:solidFill>
+                <a:latin typeface="微软雅黑" panose="020B0503020204020204" pitchFamily="34" charset="-122"/>
+                <a:ea typeface="微软雅黑" panose="020B0503020204020204" pitchFamily="34" charset="-122"/>
+              </a:rPr>
+              <a:t>Conclusion</a:t>
+            </a:r>
+            <a:endParaRPr lang="en-US" altLang="zh-CN" sz="4400" b="1" dirty="0">
+              <a:solidFill>
+                <a:srgbClr val="00ABB4"/>
+              </a:solidFill>
+              <a:latin typeface="微软雅黑" panose="020B0503020204020204" pitchFamily="34" charset="-122"/>
+              <a:ea typeface="微软雅黑" panose="020B0503020204020204" pitchFamily="34" charset="-122"/>
+            </a:endParaRPr>
+          </a:p>
+        </p:txBody>
+      </p:sp>
+      <p:sp>
+        <p:nvSpPr>
+          <p:cNvPr id="5" name="Rectangle 96"/>
+          <p:cNvSpPr/>
+          <p:nvPr/>
+        </p:nvSpPr>
+        <p:spPr>
+          <a:xfrm>
+            <a:off x="662538" y="1219134"/>
+            <a:ext cx="11110362" cy="5262979"/>
+          </a:xfrm>
+          <a:prstGeom prst="rect">
+            <a:avLst/>
+          </a:prstGeom>
+        </p:spPr>
+        <p:txBody>
+          <a:bodyPr wrap="square">
+            <a:spAutoFit/>
+          </a:bodyPr>
+          <a:lstStyle/>
+          <a:p>
+            <a:pPr lvl="2" indent="-457200">
+              <a:lnSpc>
+                <a:spcPct val="200000"/>
+              </a:lnSpc>
+              <a:buFont typeface="Arial" panose="020B0604020202020204" pitchFamily="34" charset="0"/>
+              <a:buChar char="•"/>
+            </a:pPr>
+            <a:r>
+              <a:rPr lang="en-US" altLang="zh-CN" sz="2800" dirty="0" smtClean="0">
+                <a:latin typeface="Meiryo" panose="020B0604030504040204" pitchFamily="34" charset="-128"/>
+                <a:ea typeface="Meiryo" panose="020B0604030504040204" pitchFamily="34" charset="-128"/>
+                <a:cs typeface="Meiryo" panose="020B0604030504040204" pitchFamily="34" charset="-128"/>
+              </a:rPr>
+              <a:t>Proposed </a:t>
+            </a:r>
+            <a:r>
+              <a:rPr lang="en-US" altLang="zh-CN" sz="2800" dirty="0">
+                <a:latin typeface="Meiryo" panose="020B0604030504040204" pitchFamily="34" charset="-128"/>
+                <a:ea typeface="Meiryo" panose="020B0604030504040204" pitchFamily="34" charset="-128"/>
+                <a:cs typeface="Meiryo" panose="020B0604030504040204" pitchFamily="34" charset="-128"/>
+              </a:rPr>
+              <a:t>an automatic </a:t>
+            </a:r>
+            <a:r>
+              <a:rPr lang="en-US" altLang="zh-CN" sz="2800" dirty="0" smtClean="0">
+                <a:latin typeface="Meiryo" panose="020B0604030504040204" pitchFamily="34" charset="-128"/>
+                <a:ea typeface="Meiryo" panose="020B0604030504040204" pitchFamily="34" charset="-128"/>
+                <a:cs typeface="Meiryo" panose="020B0604030504040204" pitchFamily="34" charset="-128"/>
+              </a:rPr>
+              <a:t>technique to </a:t>
+            </a:r>
+            <a:r>
+              <a:rPr lang="en-US" altLang="zh-CN" sz="2800" dirty="0">
+                <a:latin typeface="Meiryo" panose="020B0604030504040204" pitchFamily="34" charset="-128"/>
+                <a:ea typeface="Meiryo" panose="020B0604030504040204" pitchFamily="34" charset="-128"/>
+                <a:cs typeface="Meiryo" panose="020B0604030504040204" pitchFamily="34" charset="-128"/>
+              </a:rPr>
+              <a:t>stylize </a:t>
+            </a:r>
+            <a:r>
+              <a:rPr lang="en-US" altLang="zh-CN" sz="2800" dirty="0" smtClean="0">
+                <a:latin typeface="Meiryo" panose="020B0604030504040204" pitchFamily="34" charset="-128"/>
+                <a:ea typeface="Meiryo" panose="020B0604030504040204" pitchFamily="34" charset="-128"/>
+                <a:cs typeface="Meiryo" panose="020B0604030504040204" pitchFamily="34" charset="-128"/>
+              </a:rPr>
+              <a:t>photographs </a:t>
+            </a:r>
+            <a:r>
+              <a:rPr lang="en-US" altLang="zh-CN" sz="2800" dirty="0">
+                <a:latin typeface="Meiryo" panose="020B0604030504040204" pitchFamily="34" charset="-128"/>
+                <a:ea typeface="Meiryo" panose="020B0604030504040204" pitchFamily="34" charset="-128"/>
+                <a:cs typeface="Meiryo" panose="020B0604030504040204" pitchFamily="34" charset="-128"/>
+              </a:rPr>
+              <a:t>based on their content </a:t>
+            </a:r>
+            <a:endParaRPr lang="en-US" altLang="zh-CN" sz="2800" dirty="0" smtClean="0">
+              <a:latin typeface="Meiryo" panose="020B0604030504040204" pitchFamily="34" charset="-128"/>
+              <a:ea typeface="Meiryo" panose="020B0604030504040204" pitchFamily="34" charset="-128"/>
+              <a:cs typeface="Meiryo" panose="020B0604030504040204" pitchFamily="34" charset="-128"/>
+            </a:endParaRPr>
+          </a:p>
+          <a:p>
+            <a:pPr lvl="2" indent="-457200">
+              <a:lnSpc>
+                <a:spcPct val="200000"/>
+              </a:lnSpc>
+              <a:buFont typeface="Arial" panose="020B0604020202020204" pitchFamily="34" charset="0"/>
+              <a:buChar char="•"/>
+            </a:pPr>
+            <a:r>
+              <a:rPr lang="en-US" altLang="zh-CN" sz="2800" dirty="0" smtClean="0">
+                <a:latin typeface="Meiryo" panose="020B0604030504040204" pitchFamily="34" charset="-128"/>
+                <a:ea typeface="Meiryo" panose="020B0604030504040204" pitchFamily="34" charset="-128"/>
+                <a:cs typeface="Meiryo" panose="020B0604030504040204" pitchFamily="34" charset="-128"/>
+              </a:rPr>
+              <a:t>P </a:t>
+            </a:r>
+            <a:r>
+              <a:rPr lang="en-US" altLang="zh-CN" sz="2800" dirty="0" smtClean="0">
+                <a:latin typeface="Meiryo" panose="020B0604030504040204" pitchFamily="34" charset="-128"/>
+                <a:ea typeface="Meiryo" panose="020B0604030504040204" pitchFamily="34" charset="-128"/>
+                <a:cs typeface="Meiryo" panose="020B0604030504040204" pitchFamily="34" charset="-128"/>
+                <a:sym typeface="Wingdings" panose="05000000000000000000" pitchFamily="2" charset="2"/>
+              </a:rPr>
+              <a:t> S :</a:t>
+            </a:r>
+          </a:p>
+          <a:p>
+            <a:pPr lvl="3" indent="-457200">
+              <a:lnSpc>
+                <a:spcPct val="200000"/>
+              </a:lnSpc>
+              <a:buFont typeface="Arial" panose="020B0604020202020204" pitchFamily="34" charset="0"/>
+              <a:buChar char="•"/>
+            </a:pPr>
+            <a:r>
+              <a:rPr lang="en-US" altLang="zh-CN" sz="2800" dirty="0" smtClean="0">
+                <a:latin typeface="Meiryo" panose="020B0604030504040204" pitchFamily="34" charset="-128"/>
+                <a:ea typeface="Meiryo" panose="020B0604030504040204" pitchFamily="34" charset="-128"/>
+                <a:cs typeface="Meiryo" panose="020B0604030504040204" pitchFamily="34" charset="-128"/>
+                <a:sym typeface="Wingdings" panose="05000000000000000000" pitchFamily="2" charset="2"/>
+              </a:rPr>
+              <a:t>semantic features,clusteromg,leverage, style ranking</a:t>
+            </a:r>
+          </a:p>
+          <a:p>
+            <a:pPr lvl="2" indent="-457200">
+              <a:lnSpc>
+                <a:spcPct val="200000"/>
+              </a:lnSpc>
+              <a:buFont typeface="Arial" panose="020B0604020202020204" pitchFamily="34" charset="0"/>
+              <a:buChar char="•"/>
+            </a:pPr>
+            <a:r>
+              <a:rPr lang="en-US" altLang="zh-CN" sz="2800" dirty="0" smtClean="0">
+                <a:latin typeface="Meiryo" panose="020B0604030504040204" pitchFamily="34" charset="-128"/>
+                <a:ea typeface="Meiryo" panose="020B0604030504040204" pitchFamily="34" charset="-128"/>
+                <a:cs typeface="Meiryo" panose="020B0604030504040204" pitchFamily="34" charset="-128"/>
+                <a:sym typeface="Wingdings" panose="05000000000000000000" pitchFamily="2" charset="2"/>
+              </a:rPr>
+              <a:t>I  P:</a:t>
+            </a:r>
+          </a:p>
+          <a:p>
+            <a:pPr lvl="3" indent="-457200">
+              <a:lnSpc>
+                <a:spcPct val="200000"/>
+              </a:lnSpc>
+              <a:buFont typeface="Arial" panose="020B0604020202020204" pitchFamily="34" charset="0"/>
+              <a:buChar char="•"/>
+            </a:pPr>
+            <a:r>
+              <a:rPr lang="en-US" altLang="zh-CN" sz="2800" dirty="0" smtClean="0">
+                <a:latin typeface="Meiryo" panose="020B0604030504040204" pitchFamily="34" charset="-128"/>
+                <a:ea typeface="Meiryo" panose="020B0604030504040204" pitchFamily="34" charset="-128"/>
+                <a:cs typeface="Meiryo" panose="020B0604030504040204" pitchFamily="34" charset="-128"/>
+                <a:sym typeface="Wingdings" panose="05000000000000000000" pitchFamily="2" charset="2"/>
+              </a:rPr>
+              <a:t>Nearest(semantic featiures),merging, sampling</a:t>
+            </a:r>
+            <a:endParaRPr lang="en-US" altLang="zh-CN" sz="2800" dirty="0">
+              <a:latin typeface="Meiryo" panose="020B0604030504040204" pitchFamily="34" charset="-128"/>
+              <a:ea typeface="Meiryo" panose="020B0604030504040204" pitchFamily="34" charset="-128"/>
+              <a:cs typeface="Meiryo" panose="020B0604030504040204" pitchFamily="34" charset="-128"/>
+            </a:endParaRPr>
+          </a:p>
+        </p:txBody>
+      </p:sp>
+    </p:spTree>
+    <p:extLst>
+      <p:ext uri="{BB962C8B-B14F-4D97-AF65-F5344CB8AC3E}">
+        <p14:creationId xmlns:p14="http://schemas.microsoft.com/office/powerpoint/2010/main" val="2059788509"/>
+      </p:ext>
+    </p:extLst>
+  </p:cSld>
+  <p:clrMapOvr>
+    <a:masterClrMapping/>
+  </p:clrMapOvr>
+  <p:timing>
+    <p:tnLst>
+      <p:par>
+        <p:cTn id="1" dur="indefinite" restart="never" nodeType="tmRoot"/>
+      </p:par>
+    </p:tnLst>
+  </p:timing>
+</p:sld>
+</file>
+
+<file path=ppt/slides/slide68.xml><?xml version="1.0" encoding="utf-8"?>
+<p:sld xmlns:a="http://schemas.openxmlformats.org/drawingml/2006/main" xmlns:r="http://schemas.openxmlformats.org/officeDocument/2006/relationships" xmlns:p="http://schemas.openxmlformats.org/presentationml/2006/main">
+  <p:cSld>
+    <p:spTree>
+      <p:nvGrpSpPr>
+        <p:cNvPr id="1" name=""/>
+        <p:cNvGrpSpPr/>
+        <p:nvPr/>
+      </p:nvGrpSpPr>
+      <p:grpSpPr>
+        <a:xfrm>
+          <a:off x="0" y="0"/>
+          <a:ext cx="0" cy="0"/>
+          <a:chOff x="0" y="0"/>
+          <a:chExt cx="0" cy="0"/>
+        </a:xfrm>
+      </p:grpSpPr>
+      <p:sp>
+        <p:nvSpPr>
+          <p:cNvPr id="6" name="矩形 5"/>
+          <p:cNvSpPr/>
+          <p:nvPr/>
+        </p:nvSpPr>
+        <p:spPr>
+          <a:xfrm rot="877900">
+            <a:off x="2686836" y="-155824"/>
+            <a:ext cx="6186601" cy="6857999"/>
+          </a:xfrm>
+          <a:prstGeom prst="rect">
+            <a:avLst/>
+          </a:prstGeom>
+          <a:solidFill>
+            <a:schemeClr val="bg1">
+              <a:lumMod val="95000"/>
+            </a:schemeClr>
+          </a:solidFill>
+          <a:ln>
+            <a:noFill/>
+          </a:ln>
+        </p:spPr>
+        <p:style>
+          <a:lnRef idx="2">
+            <a:schemeClr val="accent1">
+              <a:shade val="50000"/>
+            </a:schemeClr>
+          </a:lnRef>
+          <a:fillRef idx="1">
+            <a:schemeClr val="accent1"/>
+          </a:fillRef>
+          <a:effectRef idx="0">
+            <a:schemeClr val="accent1"/>
+          </a:effectRef>
+          <a:fontRef idx="minor">
+            <a:schemeClr val="lt1"/>
+          </a:fontRef>
+        </p:style>
+        <p:txBody>
+          <a:bodyPr rtlCol="0" anchor="ctr"/>
+          <a:lstStyle/>
+          <a:p>
+            <a:pPr algn="ctr"/>
+            <a:endParaRPr lang="zh-CN" altLang="en-US"/>
+          </a:p>
+        </p:txBody>
+      </p:sp>
+      <p:sp>
+        <p:nvSpPr>
+          <p:cNvPr id="30" name="文本框 29"/>
+          <p:cNvSpPr txBox="1"/>
+          <p:nvPr/>
+        </p:nvSpPr>
+        <p:spPr>
+          <a:xfrm>
+            <a:off x="662538" y="294935"/>
+            <a:ext cx="9205361" cy="769441"/>
+          </a:xfrm>
+          <a:prstGeom prst="rect">
+            <a:avLst/>
+          </a:prstGeom>
+          <a:noFill/>
+        </p:spPr>
+        <p:txBody>
+          <a:bodyPr wrap="square" rtlCol="0">
+            <a:spAutoFit/>
+          </a:bodyPr>
+          <a:lstStyle/>
+          <a:p>
+            <a:r>
+              <a:rPr lang="en-US" altLang="zh-CN" sz="4400" b="1" dirty="0" smtClean="0">
+                <a:solidFill>
+                  <a:srgbClr val="00ABB4"/>
+                </a:solidFill>
+                <a:latin typeface="微软雅黑" panose="020B0503020204020204" pitchFamily="34" charset="-122"/>
+                <a:ea typeface="微软雅黑" panose="020B0503020204020204" pitchFamily="34" charset="-122"/>
+              </a:rPr>
+              <a:t>Conclusion</a:t>
+            </a:r>
+            <a:endParaRPr lang="en-US" altLang="zh-CN" sz="4400" b="1" dirty="0">
+              <a:solidFill>
+                <a:srgbClr val="00ABB4"/>
+              </a:solidFill>
+              <a:latin typeface="微软雅黑" panose="020B0503020204020204" pitchFamily="34" charset="-122"/>
+              <a:ea typeface="微软雅黑" panose="020B0503020204020204" pitchFamily="34" charset="-122"/>
+            </a:endParaRPr>
+          </a:p>
+        </p:txBody>
+      </p:sp>
+      <p:sp>
+        <p:nvSpPr>
+          <p:cNvPr id="5" name="Rectangle 96"/>
+          <p:cNvSpPr/>
+          <p:nvPr/>
+        </p:nvSpPr>
+        <p:spPr>
+          <a:xfrm>
+            <a:off x="662538" y="1219134"/>
+            <a:ext cx="11110362" cy="5262979"/>
+          </a:xfrm>
+          <a:prstGeom prst="rect">
+            <a:avLst/>
+          </a:prstGeom>
+        </p:spPr>
+        <p:txBody>
+          <a:bodyPr wrap="square">
+            <a:spAutoFit/>
+          </a:bodyPr>
+          <a:lstStyle/>
+          <a:p>
+            <a:pPr lvl="2" indent="-457200">
+              <a:lnSpc>
+                <a:spcPct val="200000"/>
+              </a:lnSpc>
+              <a:buFont typeface="Arial" panose="020B0604020202020204" pitchFamily="34" charset="0"/>
+              <a:buChar char="•"/>
+            </a:pPr>
+            <a:r>
+              <a:rPr lang="en-US" altLang="zh-CN" sz="2800" dirty="0" smtClean="0">
+                <a:latin typeface="Meiryo" panose="020B0604030504040204" pitchFamily="34" charset="-128"/>
+                <a:ea typeface="Meiryo" panose="020B0604030504040204" pitchFamily="34" charset="-128"/>
+                <a:cs typeface="Meiryo" panose="020B0604030504040204" pitchFamily="34" charset="-128"/>
+              </a:rPr>
+              <a:t>Our </a:t>
+            </a:r>
+            <a:r>
+              <a:rPr lang="en-US" altLang="zh-CN" sz="2800" dirty="0">
+                <a:latin typeface="Meiryo" panose="020B0604030504040204" pitchFamily="34" charset="-128"/>
+                <a:ea typeface="Meiryo" panose="020B0604030504040204" pitchFamily="34" charset="-128"/>
+                <a:cs typeface="Meiryo" panose="020B0604030504040204" pitchFamily="34" charset="-128"/>
+              </a:rPr>
+              <a:t>technique </a:t>
+            </a:r>
+            <a:r>
+              <a:rPr lang="en-US" altLang="zh-CN" sz="2800" dirty="0" smtClean="0">
+                <a:latin typeface="Meiryo" panose="020B0604030504040204" pitchFamily="34" charset="-128"/>
+                <a:ea typeface="Meiryo" panose="020B0604030504040204" pitchFamily="34" charset="-128"/>
+                <a:cs typeface="Meiryo" panose="020B0604030504040204" pitchFamily="34" charset="-128"/>
+              </a:rPr>
+              <a:t>produces  a </a:t>
+            </a:r>
+            <a:r>
+              <a:rPr lang="en-US" altLang="zh-CN" sz="2800" dirty="0">
+                <a:latin typeface="Meiryo" panose="020B0604030504040204" pitchFamily="34" charset="-128"/>
+                <a:ea typeface="Meiryo" panose="020B0604030504040204" pitchFamily="34" charset="-128"/>
+                <a:cs typeface="Meiryo" panose="020B0604030504040204" pitchFamily="34" charset="-128"/>
+              </a:rPr>
+              <a:t>diverse set of compelling, high-quality stylized results</a:t>
+            </a:r>
+            <a:r>
+              <a:rPr lang="en-US" altLang="zh-CN" sz="2800" dirty="0" smtClean="0">
+                <a:latin typeface="Meiryo" panose="020B0604030504040204" pitchFamily="34" charset="-128"/>
+                <a:ea typeface="Meiryo" panose="020B0604030504040204" pitchFamily="34" charset="-128"/>
+                <a:cs typeface="Meiryo" panose="020B0604030504040204" pitchFamily="34" charset="-128"/>
+              </a:rPr>
+              <a:t>.</a:t>
+            </a:r>
+          </a:p>
+          <a:p>
+            <a:pPr lvl="2" indent="-457200">
+              <a:lnSpc>
+                <a:spcPct val="200000"/>
+              </a:lnSpc>
+              <a:buFont typeface="Arial" panose="020B0604020202020204" pitchFamily="34" charset="0"/>
+              <a:buChar char="•"/>
+            </a:pPr>
+            <a:r>
+              <a:rPr lang="en-US" altLang="zh-CN" sz="2800" dirty="0" smtClean="0">
+                <a:latin typeface="Meiryo" panose="020B0604030504040204" pitchFamily="34" charset="-128"/>
+                <a:ea typeface="Meiryo" panose="020B0604030504040204" pitchFamily="34" charset="-128"/>
+                <a:cs typeface="Meiryo" panose="020B0604030504040204" pitchFamily="34" charset="-128"/>
+              </a:rPr>
+              <a:t>We </a:t>
+            </a:r>
+            <a:r>
+              <a:rPr lang="en-US" altLang="zh-CN" sz="2800" dirty="0">
+                <a:latin typeface="Meiryo" panose="020B0604030504040204" pitchFamily="34" charset="-128"/>
+                <a:ea typeface="Meiryo" panose="020B0604030504040204" pitchFamily="34" charset="-128"/>
+                <a:cs typeface="Meiryo" panose="020B0604030504040204" pitchFamily="34" charset="-128"/>
+              </a:rPr>
+              <a:t>have extensively evaluated both style selection and</a:t>
+            </a:r>
+            <a:br>
+              <a:rPr lang="en-US" altLang="zh-CN" sz="2800" dirty="0">
+                <a:latin typeface="Meiryo" panose="020B0604030504040204" pitchFamily="34" charset="-128"/>
+                <a:ea typeface="Meiryo" panose="020B0604030504040204" pitchFamily="34" charset="-128"/>
+                <a:cs typeface="Meiryo" panose="020B0604030504040204" pitchFamily="34" charset="-128"/>
+              </a:rPr>
+            </a:br>
+            <a:r>
+              <a:rPr lang="en-US" altLang="zh-CN" sz="2800" dirty="0">
+                <a:latin typeface="Meiryo" panose="020B0604030504040204" pitchFamily="34" charset="-128"/>
+                <a:ea typeface="Meiryo" panose="020B0604030504040204" pitchFamily="34" charset="-128"/>
+                <a:cs typeface="Meiryo" panose="020B0604030504040204" pitchFamily="34" charset="-128"/>
+              </a:rPr>
+              <a:t>transfer components of our technique and studies show </a:t>
+            </a:r>
+            <a:r>
+              <a:rPr lang="en-US" altLang="zh-CN" sz="2800" dirty="0" smtClean="0">
+                <a:latin typeface="Meiryo" panose="020B0604030504040204" pitchFamily="34" charset="-128"/>
+                <a:ea typeface="Meiryo" panose="020B0604030504040204" pitchFamily="34" charset="-128"/>
+                <a:cs typeface="Meiryo" panose="020B0604030504040204" pitchFamily="34" charset="-128"/>
+              </a:rPr>
+              <a:t>that users </a:t>
+            </a:r>
+            <a:r>
+              <a:rPr lang="en-US" altLang="zh-CN" sz="2800" dirty="0">
+                <a:latin typeface="Meiryo" panose="020B0604030504040204" pitchFamily="34" charset="-128"/>
+                <a:ea typeface="Meiryo" panose="020B0604030504040204" pitchFamily="34" charset="-128"/>
+                <a:cs typeface="Meiryo" panose="020B0604030504040204" pitchFamily="34" charset="-128"/>
+              </a:rPr>
+              <a:t>clearly prefer our results over other variations of </a:t>
+            </a:r>
+            <a:r>
+              <a:rPr lang="en-US" altLang="zh-CN" sz="2800" dirty="0" smtClean="0">
+                <a:latin typeface="Meiryo" panose="020B0604030504040204" pitchFamily="34" charset="-128"/>
+                <a:ea typeface="Meiryo" panose="020B0604030504040204" pitchFamily="34" charset="-128"/>
+                <a:cs typeface="Meiryo" panose="020B0604030504040204" pitchFamily="34" charset="-128"/>
+              </a:rPr>
+              <a:t>our pipeline</a:t>
+            </a:r>
+            <a:r>
+              <a:rPr lang="en-US" altLang="zh-CN" sz="2800" dirty="0">
+                <a:latin typeface="Meiryo" panose="020B0604030504040204" pitchFamily="34" charset="-128"/>
+                <a:ea typeface="Meiryo" panose="020B0604030504040204" pitchFamily="34" charset="-128"/>
+                <a:cs typeface="Meiryo" panose="020B0604030504040204" pitchFamily="34" charset="-128"/>
+              </a:rPr>
+              <a:t>. </a:t>
+            </a:r>
+          </a:p>
+        </p:txBody>
+      </p:sp>
+    </p:spTree>
+    <p:extLst>
+      <p:ext uri="{BB962C8B-B14F-4D97-AF65-F5344CB8AC3E}">
+        <p14:creationId xmlns:p14="http://schemas.microsoft.com/office/powerpoint/2010/main" val="437925379"/>
+      </p:ext>
+    </p:extLst>
+  </p:cSld>
+  <p:clrMapOvr>
+    <a:masterClrMapping/>
+  </p:clrMapOvr>
+  <p:timing>
+    <p:tnLst>
+      <p:par>
+        <p:cTn id="1" dur="indefinite" restart="never" nodeType="tmRoot"/>
+      </p:par>
+    </p:tnLst>
+  </p:timing>
+</p:sld>
+</file>
+
+<file path=ppt/slides/slide69.xml><?xml version="1.0" encoding="utf-8"?>
 <p:sld xmlns:a="http://schemas.openxmlformats.org/drawingml/2006/main" xmlns:r="http://schemas.openxmlformats.org/officeDocument/2006/relationships" xmlns:p="http://schemas.openxmlformats.org/presentationml/2006/main">
   <p:cSld>
     <p:spTree>

--- a/ComputerVision.pptx
+++ b/ComputerVision.pptx
@@ -177,7 +177,7 @@
   </p:defaultTextStyle>
   <p:extLst>
     <p:ext uri="{EFAFB233-063F-42B5-8137-9DF3F51BA10A}">
-      <p15:sldGuideLst xmlns:p15="http://schemas.microsoft.com/office/powerpoint/2012/main" xmlns="">
+      <p15:sldGuideLst xmlns="" xmlns:p15="http://schemas.microsoft.com/office/powerpoint/2012/main">
         <p15:guide id="1" orient="horz" pos="2160">
           <p15:clr>
             <a:srgbClr val="A4A3A4"/>
@@ -276,7 +276,7 @@
           <a:p>
             <a:fld id="{ED08DCF7-5CAD-4434-B858-7D84B7651FD7}" type="datetimeFigureOut">
               <a:rPr lang="zh-CN" altLang="en-US" smtClean="0"/>
-              <a:t>2018/4/6 Friday</a:t>
+              <a:t>2018/4/9 Monday</a:t>
             </a:fld>
             <a:endParaRPr lang="zh-CN" altLang="en-US"/>
           </a:p>
@@ -6620,7 +6620,7 @@
           <a:p>
             <a:fld id="{D7D8C689-48A4-48E7-8DC1-52CF9C1A4E1F}" type="datetimeFigureOut">
               <a:rPr lang="zh-CN" altLang="en-US" smtClean="0"/>
-              <a:t>2018/4/6 Friday</a:t>
+              <a:t>2018/4/9 Monday</a:t>
             </a:fld>
             <a:endParaRPr lang="zh-CN" altLang="en-US"/>
           </a:p>
@@ -6788,7 +6788,7 @@
           <a:p>
             <a:fld id="{D7D8C689-48A4-48E7-8DC1-52CF9C1A4E1F}" type="datetimeFigureOut">
               <a:rPr lang="zh-CN" altLang="en-US" smtClean="0"/>
-              <a:t>2018/4/6 Friday</a:t>
+              <a:t>2018/4/9 Monday</a:t>
             </a:fld>
             <a:endParaRPr lang="zh-CN" altLang="en-US"/>
           </a:p>
@@ -6966,7 +6966,7 @@
           <a:p>
             <a:fld id="{D7D8C689-48A4-48E7-8DC1-52CF9C1A4E1F}" type="datetimeFigureOut">
               <a:rPr lang="zh-CN" altLang="en-US" smtClean="0"/>
-              <a:t>2018/4/6 Friday</a:t>
+              <a:t>2018/4/9 Monday</a:t>
             </a:fld>
             <a:endParaRPr lang="zh-CN" altLang="en-US"/>
           </a:p>
@@ -7134,7 +7134,7 @@
           <a:p>
             <a:fld id="{D7D8C689-48A4-48E7-8DC1-52CF9C1A4E1F}" type="datetimeFigureOut">
               <a:rPr lang="zh-CN" altLang="en-US" smtClean="0"/>
-              <a:t>2018/4/6 Friday</a:t>
+              <a:t>2018/4/9 Monday</a:t>
             </a:fld>
             <a:endParaRPr lang="zh-CN" altLang="en-US"/>
           </a:p>
@@ -7379,7 +7379,7 @@
           <a:p>
             <a:fld id="{D7D8C689-48A4-48E7-8DC1-52CF9C1A4E1F}" type="datetimeFigureOut">
               <a:rPr lang="zh-CN" altLang="en-US" smtClean="0"/>
-              <a:t>2018/4/6 Friday</a:t>
+              <a:t>2018/4/9 Monday</a:t>
             </a:fld>
             <a:endParaRPr lang="zh-CN" altLang="en-US"/>
           </a:p>
@@ -7608,7 +7608,7 @@
           <a:p>
             <a:fld id="{D7D8C689-48A4-48E7-8DC1-52CF9C1A4E1F}" type="datetimeFigureOut">
               <a:rPr lang="zh-CN" altLang="en-US" smtClean="0"/>
-              <a:t>2018/4/6 Friday</a:t>
+              <a:t>2018/4/9 Monday</a:t>
             </a:fld>
             <a:endParaRPr lang="zh-CN" altLang="en-US"/>
           </a:p>
@@ -7972,7 +7972,7 @@
           <a:p>
             <a:fld id="{D7D8C689-48A4-48E7-8DC1-52CF9C1A4E1F}" type="datetimeFigureOut">
               <a:rPr lang="zh-CN" altLang="en-US" smtClean="0"/>
-              <a:t>2018/4/6 Friday</a:t>
+              <a:t>2018/4/9 Monday</a:t>
             </a:fld>
             <a:endParaRPr lang="zh-CN" altLang="en-US"/>
           </a:p>
@@ -8089,7 +8089,7 @@
           <a:p>
             <a:fld id="{D7D8C689-48A4-48E7-8DC1-52CF9C1A4E1F}" type="datetimeFigureOut">
               <a:rPr lang="zh-CN" altLang="en-US" smtClean="0"/>
-              <a:t>2018/4/6 Friday</a:t>
+              <a:t>2018/4/9 Monday</a:t>
             </a:fld>
             <a:endParaRPr lang="zh-CN" altLang="en-US"/>
           </a:p>
@@ -8184,7 +8184,7 @@
           <a:p>
             <a:fld id="{D7D8C689-48A4-48E7-8DC1-52CF9C1A4E1F}" type="datetimeFigureOut">
               <a:rPr lang="zh-CN" altLang="en-US" smtClean="0"/>
-              <a:t>2018/4/6 Friday</a:t>
+              <a:t>2018/4/9 Monday</a:t>
             </a:fld>
             <a:endParaRPr lang="zh-CN" altLang="en-US"/>
           </a:p>
@@ -8459,7 +8459,7 @@
           <a:p>
             <a:fld id="{D7D8C689-48A4-48E7-8DC1-52CF9C1A4E1F}" type="datetimeFigureOut">
               <a:rPr lang="zh-CN" altLang="en-US" smtClean="0"/>
-              <a:t>2018/4/6 Friday</a:t>
+              <a:t>2018/4/9 Monday</a:t>
             </a:fld>
             <a:endParaRPr lang="zh-CN" altLang="en-US"/>
           </a:p>
@@ -8711,7 +8711,7 @@
           <a:p>
             <a:fld id="{D7D8C689-48A4-48E7-8DC1-52CF9C1A4E1F}" type="datetimeFigureOut">
               <a:rPr lang="zh-CN" altLang="en-US" smtClean="0"/>
-              <a:t>2018/4/6 Friday</a:t>
+              <a:t>2018/4/9 Monday</a:t>
             </a:fld>
             <a:endParaRPr lang="zh-CN" altLang="en-US"/>
           </a:p>
@@ -8922,7 +8922,7 @@
           <a:p>
             <a:fld id="{D7D8C689-48A4-48E7-8DC1-52CF9C1A4E1F}" type="datetimeFigureOut">
               <a:rPr lang="zh-CN" altLang="en-US" smtClean="0"/>
-              <a:t>2018/4/6 Friday</a:t>
+              <a:t>2018/4/9 Monday</a:t>
             </a:fld>
             <a:endParaRPr lang="zh-CN" altLang="en-US"/>
           </a:p>
@@ -9507,41 +9507,7 @@
                 <a:latin typeface="微软雅黑" panose="020B0503020204020204" pitchFamily="34" charset="-122"/>
                 <a:ea typeface="微软雅黑" panose="020B0503020204020204" pitchFamily="34" charset="-122"/>
               </a:rPr>
-              <a:t>Life </a:t>
-            </a:r>
-            <a:r>
-              <a:rPr lang="en-US" altLang="zh-CN" sz="3200" dirty="0" smtClean="0">
-                <a:solidFill>
-                  <a:schemeClr val="accent2"/>
-                </a:solidFill>
-                <a:effectLst>
-                  <a:outerShdw blurRad="38100" dist="38100" dir="2700000" algn="tl">
-                    <a:srgbClr val="000000">
-                      <a:alpha val="43137"/>
-                    </a:srgbClr>
-                  </a:outerShdw>
-                </a:effectLst>
-                <a:latin typeface="微软雅黑" panose="020B0503020204020204" pitchFamily="34" charset="-122"/>
-                <a:ea typeface="微软雅黑" panose="020B0503020204020204" pitchFamily="34" charset="-122"/>
-              </a:rPr>
-              <a:t>Science </a:t>
-            </a:r>
-            <a:r>
-              <a:rPr lang="en-US" altLang="zh-CN" sz="3200" dirty="0" smtClean="0">
-                <a:solidFill>
-                  <a:schemeClr val="accent2"/>
-                </a:solidFill>
-                <a:effectLst>
-                  <a:outerShdw blurRad="38100" dist="38100" dir="2700000" algn="tl">
-                    <a:srgbClr val="000000">
-                      <a:alpha val="43137"/>
-                    </a:srgbClr>
-                  </a:outerShdw>
-                </a:effectLst>
-                <a:latin typeface="微软雅黑" panose="020B0503020204020204" pitchFamily="34" charset="-122"/>
-                <a:ea typeface="微软雅黑" panose="020B0503020204020204" pitchFamily="34" charset="-122"/>
-              </a:rPr>
-              <a:t>and Technology</a:t>
+              <a:t>Life Science and Technology</a:t>
             </a:r>
           </a:p>
           <a:p>
@@ -10554,11 +10520,7 @@
             </a:br>
             <a:r>
               <a:rPr lang="en-US" altLang="zh-CN" sz="2400" dirty="0"/>
-              <a:t>range of looks while avoiding image artifacts</a:t>
-            </a:r>
-            <a:r>
-              <a:rPr lang="en-US" altLang="zh-CN" sz="2400" dirty="0"/>
-              <a:t> </a:t>
+              <a:t>range of looks while avoiding image artifacts </a:t>
             </a:r>
             <a:endParaRPr lang="en-US" altLang="zh-CN" sz="2400" dirty="0" smtClean="0">
               <a:latin typeface="Meiryo" panose="020B0604030504040204" pitchFamily="34" charset="-128"/>
@@ -10983,20 +10945,6 @@
               </a:rPr>
               <a:t>Method Overview</a:t>
             </a:r>
-            <a:endParaRPr lang="en-US" altLang="zh-CN" sz="5400" b="1" dirty="0" smtClean="0">
-              <a:solidFill>
-                <a:schemeClr val="accent2"/>
-              </a:solidFill>
-              <a:effectLst>
-                <a:outerShdw blurRad="38100" dist="38100" dir="2700000" algn="tl">
-                  <a:srgbClr val="000000">
-                    <a:alpha val="43137"/>
-                  </a:srgbClr>
-                </a:outerShdw>
-              </a:effectLst>
-              <a:latin typeface="微软雅黑" panose="020B0503020204020204" pitchFamily="34" charset="-122"/>
-              <a:ea typeface="微软雅黑" panose="020B0503020204020204" pitchFamily="34" charset="-122"/>
-            </a:endParaRPr>
           </a:p>
         </p:txBody>
       </p:sp>
@@ -11237,7 +11185,7 @@
         </p:nvSpPr>
         <p:spPr>
           <a:xfrm>
-            <a:off x="3489356" y="4829013"/>
+            <a:off x="3233320" y="4914995"/>
             <a:ext cx="1775862" cy="954107"/>
           </a:xfrm>
           <a:prstGeom prst="rect">
@@ -11344,7 +11292,7 @@
         </p:nvSpPr>
         <p:spPr>
           <a:xfrm>
-            <a:off x="6232556" y="4775152"/>
+            <a:off x="6153150" y="4905212"/>
             <a:ext cx="1939894" cy="954107"/>
           </a:xfrm>
           <a:prstGeom prst="rect">
@@ -11777,11 +11725,6 @@
               </a:rPr>
               <a:t>the choice of the exemplar S </a:t>
             </a:r>
-            <a:endParaRPr lang="en-US" altLang="zh-CN" sz="2800" dirty="0">
-              <a:latin typeface="Meiryo" panose="020B0604030504040204" pitchFamily="34" charset="-128"/>
-              <a:ea typeface="Meiryo" panose="020B0604030504040204" pitchFamily="34" charset="-128"/>
-              <a:cs typeface="Meiryo" panose="020B0604030504040204" pitchFamily="34" charset="-128"/>
-            </a:endParaRPr>
           </a:p>
         </p:txBody>
       </p:sp>
@@ -12021,31 +11964,7 @@
                 <a:ea typeface="Meiryo" panose="020B0604030504040204" pitchFamily="34" charset="-128"/>
                 <a:cs typeface="Meiryo" panose="020B0604030504040204" pitchFamily="34" charset="-128"/>
               </a:rPr>
-              <a:t>S is </a:t>
-            </a:r>
-            <a:r>
-              <a:rPr lang="en-US" altLang="zh-CN" sz="2800" dirty="0">
-                <a:latin typeface="Meiryo" panose="020B0604030504040204" pitchFamily="34" charset="-128"/>
-                <a:ea typeface="Meiryo" panose="020B0604030504040204" pitchFamily="34" charset="-128"/>
-                <a:cs typeface="Meiryo" panose="020B0604030504040204" pitchFamily="34" charset="-128"/>
-              </a:rPr>
-              <a:t>limited </a:t>
-            </a:r>
-            <a:r>
-              <a:rPr lang="en-US" altLang="zh-CN" sz="2800" dirty="0">
-                <a:latin typeface="Meiryo" panose="020B0604030504040204" pitchFamily="34" charset="-128"/>
-                <a:ea typeface="Meiryo" panose="020B0604030504040204" pitchFamily="34" charset="-128"/>
-                <a:cs typeface="Meiryo" panose="020B0604030504040204" pitchFamily="34" charset="-128"/>
-              </a:rPr>
-              <a:t>and unlikely </a:t>
-            </a:r>
-            <a:r>
-              <a:rPr lang="en-US" altLang="zh-CN" sz="2800" dirty="0">
-                <a:latin typeface="Meiryo" panose="020B0604030504040204" pitchFamily="34" charset="-128"/>
-                <a:ea typeface="Meiryo" panose="020B0604030504040204" pitchFamily="34" charset="-128"/>
-                <a:cs typeface="Meiryo" panose="020B0604030504040204" pitchFamily="34" charset="-128"/>
-              </a:rPr>
-              <a:t>to contain style examples for every content class </a:t>
+              <a:t>S is limited and unlikely to contain style examples for every content class </a:t>
             </a:r>
             <a:r>
               <a:rPr lang="en-US" altLang="zh-CN" sz="2800" dirty="0" smtClean="0">
@@ -12577,20 +12496,6 @@
               </a:rPr>
               <a:t>Abstract</a:t>
             </a:r>
-            <a:endParaRPr lang="en-US" altLang="zh-CN" sz="5400" b="1" dirty="0" smtClean="0">
-              <a:solidFill>
-                <a:schemeClr val="accent2"/>
-              </a:solidFill>
-              <a:effectLst>
-                <a:outerShdw blurRad="38100" dist="38100" dir="2700000" algn="tl">
-                  <a:srgbClr val="000000">
-                    <a:alpha val="43137"/>
-                  </a:srgbClr>
-                </a:outerShdw>
-              </a:effectLst>
-              <a:latin typeface="微软雅黑" panose="020B0503020204020204" pitchFamily="34" charset="-122"/>
-              <a:ea typeface="微软雅黑" panose="020B0503020204020204" pitchFamily="34" charset="-122"/>
-            </a:endParaRPr>
           </a:p>
         </p:txBody>
       </p:sp>
@@ -12738,20 +12643,6 @@
               </a:rPr>
               <a:t>Method Details</a:t>
             </a:r>
-            <a:endParaRPr lang="en-US" altLang="zh-CN" sz="5400" b="1" dirty="0" smtClean="0">
-              <a:solidFill>
-                <a:schemeClr val="accent2"/>
-              </a:solidFill>
-              <a:effectLst>
-                <a:outerShdw blurRad="38100" dist="38100" dir="2700000" algn="tl">
-                  <a:srgbClr val="000000">
-                    <a:alpha val="43137"/>
-                  </a:srgbClr>
-                </a:outerShdw>
-              </a:effectLst>
-              <a:latin typeface="微软雅黑" panose="020B0503020204020204" pitchFamily="34" charset="-122"/>
-              <a:ea typeface="微软雅黑" panose="020B0503020204020204" pitchFamily="34" charset="-122"/>
-            </a:endParaRPr>
           </a:p>
         </p:txBody>
       </p:sp>
@@ -13062,11 +12953,6 @@
               </a:rPr>
               <a:t>mapping </a:t>
             </a:r>
-            <a:endParaRPr lang="en-US" altLang="zh-CN" sz="2800" dirty="0">
-              <a:latin typeface="Meiryo" panose="020B0604030504040204" pitchFamily="34" charset="-128"/>
-              <a:ea typeface="Meiryo" panose="020B0604030504040204" pitchFamily="34" charset="-128"/>
-              <a:cs typeface="Meiryo" panose="020B0604030504040204" pitchFamily="34" charset="-128"/>
-            </a:endParaRPr>
           </a:p>
           <a:p>
             <a:pPr marL="342900" indent="-342900">
@@ -13340,15 +13226,7 @@
                 <a:ea typeface="Meiryo" panose="020B0604030504040204" pitchFamily="34" charset="-128"/>
                 <a:cs typeface="Meiryo" panose="020B0604030504040204" pitchFamily="34" charset="-128"/>
               </a:rPr>
-              <a:t>model </a:t>
-            </a:r>
-            <a:r>
-              <a:rPr lang="en-US" altLang="zh-CN" sz="2800" dirty="0">
-                <a:latin typeface="Meiryo" panose="020B0604030504040204" pitchFamily="34" charset="-128"/>
-                <a:ea typeface="Meiryo" panose="020B0604030504040204" pitchFamily="34" charset="-128"/>
-                <a:cs typeface="Meiryo" panose="020B0604030504040204" pitchFamily="34" charset="-128"/>
-              </a:rPr>
-              <a:t>the chrominance distribution of an image using </a:t>
+              <a:t>model the chrominance distribution of an image using </a:t>
             </a:r>
             <a:r>
               <a:rPr lang="en-US" altLang="zh-CN" sz="2800" dirty="0" smtClean="0">
@@ -14525,23 +14403,7 @@
                 <a:ea typeface="Meiryo" panose="020B0604030504040204" pitchFamily="34" charset="-128"/>
                 <a:cs typeface="Meiryo" panose="020B0604030504040204" pitchFamily="34" charset="-128"/>
               </a:rPr>
-              <a:t>only </a:t>
-            </a:r>
-            <a:r>
-              <a:rPr lang="en-US" altLang="zh-CN" sz="2800" u="sng" dirty="0">
-                <a:latin typeface="Meiryo" panose="020B0604030504040204" pitchFamily="34" charset="-128"/>
-                <a:ea typeface="Meiryo" panose="020B0604030504040204" pitchFamily="34" charset="-128"/>
-                <a:cs typeface="Meiryo" panose="020B0604030504040204" pitchFamily="34" charset="-128"/>
-              </a:rPr>
-              <a:t>regularizes colors </a:t>
-            </a:r>
-            <a:r>
-              <a:rPr lang="en-US" altLang="zh-CN" sz="2800" u="sng" dirty="0">
-                <a:latin typeface="Meiryo" panose="020B0604030504040204" pitchFamily="34" charset="-128"/>
-                <a:ea typeface="Meiryo" panose="020B0604030504040204" pitchFamily="34" charset="-128"/>
-                <a:cs typeface="Meiryo" panose="020B0604030504040204" pitchFamily="34" charset="-128"/>
-              </a:rPr>
-              <a:t>channels with low </a:t>
+              <a:t>only regularizes colors channels with low </a:t>
             </a:r>
             <a:endParaRPr lang="en-US" altLang="zh-CN" sz="2800" u="sng" dirty="0" smtClean="0">
               <a:latin typeface="Meiryo" panose="020B0604030504040204" pitchFamily="34" charset="-128"/>
@@ -14585,15 +14447,7 @@
                 <a:ea typeface="Meiryo" panose="020B0604030504040204" pitchFamily="34" charset="-128"/>
                 <a:cs typeface="Meiryo" panose="020B0604030504040204" pitchFamily="34" charset="-128"/>
               </a:rPr>
-              <a:t>without affecting </a:t>
-            </a:r>
-            <a:r>
-              <a:rPr lang="en-US" altLang="zh-CN" sz="2800" dirty="0">
-                <a:latin typeface="Meiryo" panose="020B0604030504040204" pitchFamily="34" charset="-128"/>
-                <a:ea typeface="Meiryo" panose="020B0604030504040204" pitchFamily="34" charset="-128"/>
-                <a:cs typeface="Meiryo" panose="020B0604030504040204" pitchFamily="34" charset="-128"/>
-              </a:rPr>
-              <a:t>the </a:t>
+              <a:t>without affecting the </a:t>
             </a:r>
             <a:r>
               <a:rPr lang="en-US" altLang="zh-CN" sz="2800" dirty="0" smtClean="0">
@@ -15352,11 +15206,6 @@
               </a:rPr>
               <a:t>function </a:t>
             </a:r>
-            <a:endParaRPr lang="en-US" altLang="zh-CN" sz="2800" dirty="0">
-              <a:latin typeface="Meiryo" panose="020B0604030504040204" pitchFamily="34" charset="-128"/>
-              <a:ea typeface="Meiryo" panose="020B0604030504040204" pitchFamily="34" charset="-128"/>
-              <a:cs typeface="Meiryo" panose="020B0604030504040204" pitchFamily="34" charset="-128"/>
-            </a:endParaRPr>
           </a:p>
           <a:p>
             <a:pPr marL="457200" indent="-457200">
@@ -19231,15 +19080,7 @@
                 <a:ea typeface="Meiryo" panose="020B0604030504040204" pitchFamily="34" charset="-128"/>
                 <a:cs typeface="Meiryo" panose="020B0604030504040204" pitchFamily="34" charset="-128"/>
               </a:rPr>
-              <a:t>CaffeNet(</a:t>
-            </a:r>
-            <a:r>
-              <a:rPr lang="en-US" altLang="zh-CN" sz="2800" dirty="0">
-                <a:latin typeface="Meiryo" panose="020B0604030504040204" pitchFamily="34" charset="-128"/>
-                <a:ea typeface="Meiryo" panose="020B0604030504040204" pitchFamily="34" charset="-128"/>
-                <a:cs typeface="Meiryo" panose="020B0604030504040204" pitchFamily="34" charset="-128"/>
-              </a:rPr>
-              <a:t>have fewer nodes in </a:t>
+              <a:t>CaffeNet(have fewer nodes in </a:t>
             </a:r>
             <a:r>
               <a:rPr lang="en-US" altLang="zh-CN" sz="2800" dirty="0" smtClean="0">
@@ -19543,15 +19384,7 @@
                 <a:ea typeface="Meiryo" panose="020B0604030504040204" pitchFamily="34" charset="-128"/>
                 <a:cs typeface="Meiryo" panose="020B0604030504040204" pitchFamily="34" charset="-128"/>
               </a:rPr>
-              <a:t>number of </a:t>
-            </a:r>
-            <a:r>
-              <a:rPr lang="en-US" altLang="zh-CN" sz="2800" dirty="0">
-                <a:latin typeface="Meiryo" panose="020B0604030504040204" pitchFamily="34" charset="-128"/>
-                <a:ea typeface="Meiryo" panose="020B0604030504040204" pitchFamily="34" charset="-128"/>
-                <a:cs typeface="Meiryo" panose="020B0604030504040204" pitchFamily="34" charset="-128"/>
-              </a:rPr>
-              <a:t>clusters </a:t>
+              <a:t>number of clusters </a:t>
             </a:r>
             <a:r>
               <a:rPr lang="en-US" altLang="zh-CN" sz="2800" dirty="0" smtClean="0">
@@ -19658,7 +19491,15 @@
                 <a:ea typeface="Meiryo" panose="020B0604030504040204" pitchFamily="34" charset="-128"/>
                 <a:cs typeface="Meiryo" panose="020B0604030504040204" pitchFamily="34" charset="-128"/>
               </a:rPr>
-              <a:t>style variations </a:t>
+              <a:t>style variations of the </a:t>
+            </a:r>
+            <a:r>
+              <a:rPr lang="en-US" altLang="zh-CN" sz="2800" u="sng" dirty="0">
+                <a:latin typeface="Meiryo" panose="020B0604030504040204" pitchFamily="34" charset="-128"/>
+                <a:ea typeface="Meiryo" panose="020B0604030504040204" pitchFamily="34" charset="-128"/>
+                <a:cs typeface="Meiryo" panose="020B0604030504040204" pitchFamily="34" charset="-128"/>
+              </a:rPr>
+              <a:t>same</a:t>
             </a:r>
             <a:r>
               <a:rPr lang="en-US" altLang="zh-CN" sz="2800" dirty="0">
@@ -19666,7 +19507,7 @@
                 <a:ea typeface="Meiryo" panose="020B0604030504040204" pitchFamily="34" charset="-128"/>
                 <a:cs typeface="Meiryo" panose="020B0604030504040204" pitchFamily="34" charset="-128"/>
               </a:rPr>
-              <a:t>of the </a:t>
+              <a:t> content class of images being split into </a:t>
             </a:r>
             <a:r>
               <a:rPr lang="en-US" altLang="zh-CN" sz="2800" u="sng" dirty="0">
@@ -19674,7 +19515,7 @@
                 <a:ea typeface="Meiryo" panose="020B0604030504040204" pitchFamily="34" charset="-128"/>
                 <a:cs typeface="Meiryo" panose="020B0604030504040204" pitchFamily="34" charset="-128"/>
               </a:rPr>
-              <a:t>same</a:t>
+              <a:t>different</a:t>
             </a:r>
             <a:r>
               <a:rPr lang="en-US" altLang="zh-CN" sz="2800" dirty="0">
@@ -19682,45 +19523,8 @@
                 <a:ea typeface="Meiryo" panose="020B0604030504040204" pitchFamily="34" charset="-128"/>
                 <a:cs typeface="Meiryo" panose="020B0604030504040204" pitchFamily="34" charset="-128"/>
               </a:rPr>
-              <a:t> content class of images being </a:t>
-            </a:r>
-            <a:r>
-              <a:rPr lang="en-US" altLang="zh-CN" sz="2800" dirty="0">
-                <a:latin typeface="Meiryo" panose="020B0604030504040204" pitchFamily="34" charset="-128"/>
-                <a:ea typeface="Meiryo" panose="020B0604030504040204" pitchFamily="34" charset="-128"/>
-                <a:cs typeface="Meiryo" panose="020B0604030504040204" pitchFamily="34" charset="-128"/>
-              </a:rPr>
-              <a:t>split into </a:t>
-            </a:r>
-            <a:r>
-              <a:rPr lang="en-US" altLang="zh-CN" sz="2800" u="sng" dirty="0">
-                <a:latin typeface="Meiryo" panose="020B0604030504040204" pitchFamily="34" charset="-128"/>
-                <a:ea typeface="Meiryo" panose="020B0604030504040204" pitchFamily="34" charset="-128"/>
-                <a:cs typeface="Meiryo" panose="020B0604030504040204" pitchFamily="34" charset="-128"/>
-              </a:rPr>
-              <a:t>different</a:t>
-            </a:r>
-            <a:r>
-              <a:rPr lang="en-US" altLang="zh-CN" sz="2800" dirty="0">
-                <a:latin typeface="Meiryo" panose="020B0604030504040204" pitchFamily="34" charset="-128"/>
-                <a:ea typeface="Meiryo" panose="020B0604030504040204" pitchFamily="34" charset="-128"/>
-                <a:cs typeface="Meiryo" panose="020B0604030504040204" pitchFamily="34" charset="-128"/>
-              </a:rPr>
-              <a:t> </a:t>
-            </a:r>
-            <a:r>
-              <a:rPr lang="en-US" altLang="zh-CN" sz="2800" dirty="0">
-                <a:latin typeface="Meiryo" panose="020B0604030504040204" pitchFamily="34" charset="-128"/>
-                <a:ea typeface="Meiryo" panose="020B0604030504040204" pitchFamily="34" charset="-128"/>
-                <a:cs typeface="Meiryo" panose="020B0604030504040204" pitchFamily="34" charset="-128"/>
-              </a:rPr>
-              <a:t>clusters</a:t>
-            </a:r>
-            <a:endParaRPr lang="en-US" altLang="zh-CN" sz="2800" dirty="0">
-              <a:latin typeface="Meiryo" panose="020B0604030504040204" pitchFamily="34" charset="-128"/>
-              <a:ea typeface="Meiryo" panose="020B0604030504040204" pitchFamily="34" charset="-128"/>
-              <a:cs typeface="Meiryo" panose="020B0604030504040204" pitchFamily="34" charset="-128"/>
-            </a:endParaRPr>
+              <a:t> clusters</a:t>
+            </a:r>
           </a:p>
         </p:txBody>
       </p:sp>
@@ -20838,15 +20642,7 @@
                 <a:ea typeface="Meiryo" panose="020B0604030504040204" pitchFamily="34" charset="-128"/>
                 <a:cs typeface="Meiryo" panose="020B0604030504040204" pitchFamily="34" charset="-128"/>
               </a:rPr>
-              <a:t> </a:t>
-            </a:r>
-            <a:r>
-              <a:rPr lang="en-US" altLang="zh-CN" sz="2800" dirty="0">
-                <a:latin typeface="Meiryo" panose="020B0604030504040204" pitchFamily="34" charset="-128"/>
-                <a:ea typeface="Meiryo" panose="020B0604030504040204" pitchFamily="34" charset="-128"/>
-                <a:cs typeface="Meiryo" panose="020B0604030504040204" pitchFamily="34" charset="-128"/>
-              </a:rPr>
-              <a:t>: </a:t>
+              <a:t> : </a:t>
             </a:r>
             <a:r>
               <a:rPr lang="en-US" altLang="zh-CN" sz="2800" dirty="0" smtClean="0">
@@ -20913,15 +20709,7 @@
                 <a:ea typeface="Meiryo" panose="020B0604030504040204" pitchFamily="34" charset="-128"/>
                 <a:cs typeface="Meiryo" panose="020B0604030504040204" pitchFamily="34" charset="-128"/>
               </a:rPr>
-              <a:t> </a:t>
-            </a:r>
-            <a:r>
-              <a:rPr lang="en-US" altLang="zh-CN" sz="2800" dirty="0">
-                <a:latin typeface="Meiryo" panose="020B0604030504040204" pitchFamily="34" charset="-128"/>
-                <a:ea typeface="Meiryo" panose="020B0604030504040204" pitchFamily="34" charset="-128"/>
-                <a:cs typeface="Meiryo" panose="020B0604030504040204" pitchFamily="34" charset="-128"/>
-              </a:rPr>
-              <a:t>: Hellinger </a:t>
+              <a:t> : Hellinger </a:t>
             </a:r>
             <a:r>
               <a:rPr lang="en-US" altLang="zh-CN" sz="2800" dirty="0" smtClean="0">
@@ -21008,21 +20796,8 @@
                 <a:ea typeface="Meiryo" panose="020B0604030504040204" pitchFamily="34" charset="-128"/>
                 <a:cs typeface="Meiryo" panose="020B0604030504040204" pitchFamily="34" charset="-128"/>
               </a:rPr>
-              <a:t> = 0.05 </a:t>
-            </a:r>
-            <a:r>
-              <a:rPr lang="en-US" altLang="zh-CN" sz="2800" dirty="0">
-                <a:latin typeface="Meiryo" panose="020B0604030504040204" pitchFamily="34" charset="-128"/>
-                <a:ea typeface="Meiryo" panose="020B0604030504040204" pitchFamily="34" charset="-128"/>
-                <a:cs typeface="Meiryo" panose="020B0604030504040204" pitchFamily="34" charset="-128"/>
-              </a:rPr>
-              <a:t> </a:t>
-            </a:r>
-            <a:endParaRPr lang="en-US" altLang="zh-CN" sz="2800" dirty="0">
-              <a:latin typeface="Meiryo" panose="020B0604030504040204" pitchFamily="34" charset="-128"/>
-              <a:ea typeface="Meiryo" panose="020B0604030504040204" pitchFamily="34" charset="-128"/>
-              <a:cs typeface="Meiryo" panose="020B0604030504040204" pitchFamily="34" charset="-128"/>
-            </a:endParaRPr>
+              <a:t> = 0.05  </a:t>
+            </a:r>
           </a:p>
         </p:txBody>
       </p:sp>
@@ -21392,15 +21167,7 @@
                 <a:ea typeface="Meiryo" panose="020B0604030504040204" pitchFamily="34" charset="-128"/>
                 <a:cs typeface="Meiryo" panose="020B0604030504040204" pitchFamily="34" charset="-128"/>
               </a:rPr>
-              <a:t>P ) </a:t>
-            </a:r>
-            <a:r>
-              <a:rPr lang="en-US" altLang="zh-CN" sz="2800" dirty="0">
-                <a:latin typeface="Meiryo" panose="020B0604030504040204" pitchFamily="34" charset="-128"/>
-                <a:ea typeface="Meiryo" panose="020B0604030504040204" pitchFamily="34" charset="-128"/>
-                <a:cs typeface="Meiryo" panose="020B0604030504040204" pitchFamily="34" charset="-128"/>
-              </a:rPr>
-              <a:t>: multivariate </a:t>
+              <a:t>P ) : multivariate </a:t>
             </a:r>
             <a:r>
               <a:rPr lang="en-US" altLang="zh-CN" sz="2800" dirty="0" smtClean="0">
@@ -21820,15 +21587,7 @@
                 <a:ea typeface="Meiryo" panose="020B0604030504040204" pitchFamily="34" charset="-128"/>
                 <a:cs typeface="Meiryo" panose="020B0604030504040204" pitchFamily="34" charset="-128"/>
               </a:rPr>
-              <a:t>, we compute </a:t>
-            </a:r>
-            <a:r>
-              <a:rPr lang="en-US" altLang="zh-CN" sz="2800" dirty="0">
-                <a:latin typeface="Meiryo" panose="020B0604030504040204" pitchFamily="34" charset="-128"/>
-                <a:ea typeface="Meiryo" panose="020B0604030504040204" pitchFamily="34" charset="-128"/>
-                <a:cs typeface="Meiryo" panose="020B0604030504040204" pitchFamily="34" charset="-128"/>
-              </a:rPr>
-              <a:t> </a:t>
+              <a:t>, we compute  </a:t>
             </a:r>
             <a:r>
               <a:rPr lang="en-US" altLang="zh-CN" sz="2800" dirty="0" smtClean="0">
@@ -23427,20 +23186,6 @@
               </a:rPr>
               <a:t>Results and Discussion</a:t>
             </a:r>
-            <a:endParaRPr lang="en-US" altLang="zh-CN" sz="5400" b="1" dirty="0" smtClean="0">
-              <a:solidFill>
-                <a:schemeClr val="accent2"/>
-              </a:solidFill>
-              <a:effectLst>
-                <a:outerShdw blurRad="38100" dist="38100" dir="2700000" algn="tl">
-                  <a:srgbClr val="000000">
-                    <a:alpha val="43137"/>
-                  </a:srgbClr>
-                </a:outerShdw>
-              </a:effectLst>
-              <a:latin typeface="微软雅黑" panose="020B0503020204020204" pitchFamily="34" charset="-122"/>
-              <a:ea typeface="微软雅黑" panose="020B0503020204020204" pitchFamily="34" charset="-122"/>
-            </a:endParaRPr>
           </a:p>
         </p:txBody>
       </p:sp>
@@ -24046,11 +23791,6 @@
               </a:rPr>
               <a:t>edit the color and tone </a:t>
             </a:r>
-            <a:endParaRPr lang="en-US" altLang="zh-CN" sz="2800" dirty="0">
-              <a:latin typeface="Meiryo" panose="020B0604030504040204" pitchFamily="34" charset="-128"/>
-              <a:ea typeface="Meiryo" panose="020B0604030504040204" pitchFamily="34" charset="-128"/>
-              <a:cs typeface="Meiryo" panose="020B0604030504040204" pitchFamily="34" charset="-128"/>
-            </a:endParaRPr>
           </a:p>
           <a:p>
             <a:pPr marL="800100" lvl="1" indent="-342900">
@@ -24066,15 +23806,7 @@
                 <a:ea typeface="Meiryo" panose="020B0604030504040204" pitchFamily="34" charset="-128"/>
                 <a:cs typeface="Meiryo" panose="020B0604030504040204" pitchFamily="34" charset="-128"/>
               </a:rPr>
-              <a:t>Using tools in </a:t>
-            </a:r>
-            <a:r>
-              <a:rPr lang="en-US" altLang="zh-CN" sz="2800" dirty="0">
-                <a:latin typeface="Meiryo" panose="020B0604030504040204" pitchFamily="34" charset="-128"/>
-                <a:ea typeface="Meiryo" panose="020B0604030504040204" pitchFamily="34" charset="-128"/>
-                <a:cs typeface="Meiryo" panose="020B0604030504040204" pitchFamily="34" charset="-128"/>
-              </a:rPr>
-              <a:t>Adobe Photoshop </a:t>
+              <a:t>Using tools in Adobe Photoshop </a:t>
             </a:r>
             <a:endParaRPr lang="en-US" altLang="zh-CN" sz="2800" dirty="0" smtClean="0">
               <a:latin typeface="Meiryo" panose="020B0604030504040204" pitchFamily="34" charset="-128"/>
@@ -24250,20 +23982,6 @@
               </a:rPr>
               <a:t>Introduction</a:t>
             </a:r>
-            <a:endParaRPr lang="en-US" altLang="zh-CN" sz="5400" b="1" dirty="0" smtClean="0">
-              <a:solidFill>
-                <a:schemeClr val="accent2"/>
-              </a:solidFill>
-              <a:effectLst>
-                <a:outerShdw blurRad="38100" dist="38100" dir="2700000" algn="tl">
-                  <a:srgbClr val="000000">
-                    <a:alpha val="43137"/>
-                  </a:srgbClr>
-                </a:outerShdw>
-              </a:effectLst>
-              <a:latin typeface="微软雅黑" panose="020B0503020204020204" pitchFamily="34" charset="-122"/>
-              <a:ea typeface="微软雅黑" panose="020B0503020204020204" pitchFamily="34" charset="-122"/>
-            </a:endParaRPr>
           </a:p>
         </p:txBody>
       </p:sp>
@@ -24436,23 +24154,7 @@
                 <a:ea typeface="Meiryo" panose="020B0604030504040204" pitchFamily="34" charset="-128"/>
                 <a:cs typeface="Meiryo" panose="020B0604030504040204" pitchFamily="34" charset="-128"/>
               </a:rPr>
-              <a:t>two </a:t>
-            </a:r>
-            <a:r>
-              <a:rPr lang="en-US" altLang="zh-CN" sz="2800" dirty="0">
-                <a:latin typeface="Meiryo" panose="020B0604030504040204" pitchFamily="34" charset="-128"/>
-                <a:ea typeface="Meiryo" panose="020B0604030504040204" pitchFamily="34" charset="-128"/>
-                <a:cs typeface="Meiryo" panose="020B0604030504040204" pitchFamily="34" charset="-128"/>
-              </a:rPr>
-              <a:t>style selection </a:t>
-            </a:r>
-            <a:r>
-              <a:rPr lang="en-US" altLang="zh-CN" sz="2800" dirty="0">
-                <a:latin typeface="Meiryo" panose="020B0604030504040204" pitchFamily="34" charset="-128"/>
-                <a:ea typeface="Meiryo" panose="020B0604030504040204" pitchFamily="34" charset="-128"/>
-                <a:cs typeface="Meiryo" panose="020B0604030504040204" pitchFamily="34" charset="-128"/>
-              </a:rPr>
-              <a:t>methods:</a:t>
+              <a:t>two style selection methods:</a:t>
             </a:r>
           </a:p>
           <a:p>
@@ -24524,15 +24226,16 @@
                 <a:ea typeface="Meiryo" panose="020B0604030504040204" pitchFamily="34" charset="-128"/>
                 <a:cs typeface="Meiryo" panose="020B0604030504040204" pitchFamily="34" charset="-128"/>
               </a:rPr>
-              <a:t>Direct semantic </a:t>
+              <a:t>Direct semantic search : I</a:t>
             </a:r>
             <a:r>
               <a:rPr lang="en-US" altLang="zh-CN" sz="2800" dirty="0">
                 <a:latin typeface="Meiryo" panose="020B0604030504040204" pitchFamily="34" charset="-128"/>
                 <a:ea typeface="Meiryo" panose="020B0604030504040204" pitchFamily="34" charset="-128"/>
                 <a:cs typeface="Meiryo" panose="020B0604030504040204" pitchFamily="34" charset="-128"/>
-              </a:rPr>
-              <a:t>search </a:t>
+                <a:sym typeface="Wingdings" panose="05000000000000000000" pitchFamily="2" charset="2"/>
+              </a:rPr>
+              <a:t>S(</a:t>
             </a:r>
             <a:r>
               <a:rPr lang="en-US" altLang="zh-CN" sz="2800" dirty="0">
@@ -24540,56 +24243,23 @@
                 <a:ea typeface="Meiryo" panose="020B0604030504040204" pitchFamily="34" charset="-128"/>
                 <a:cs typeface="Meiryo" panose="020B0604030504040204" pitchFamily="34" charset="-128"/>
               </a:rPr>
-              <a:t>: I</a:t>
+              <a:t>directly searches for </a:t>
+            </a:r>
+            <a:r>
+              <a:rPr lang="en-US" altLang="zh-CN" sz="2800" dirty="0" smtClean="0">
+                <a:latin typeface="Meiryo" panose="020B0604030504040204" pitchFamily="34" charset="-128"/>
+                <a:ea typeface="Meiryo" panose="020B0604030504040204" pitchFamily="34" charset="-128"/>
+                <a:cs typeface="Meiryo" panose="020B0604030504040204" pitchFamily="34" charset="-128"/>
+              </a:rPr>
+              <a:t>semantically similar </a:t>
             </a:r>
             <a:r>
               <a:rPr lang="en-US" altLang="zh-CN" sz="2800" dirty="0">
                 <a:latin typeface="Meiryo" panose="020B0604030504040204" pitchFamily="34" charset="-128"/>
                 <a:ea typeface="Meiryo" panose="020B0604030504040204" pitchFamily="34" charset="-128"/>
                 <a:cs typeface="Meiryo" panose="020B0604030504040204" pitchFamily="34" charset="-128"/>
-                <a:sym typeface="Wingdings" panose="05000000000000000000" pitchFamily="2" charset="2"/>
-              </a:rPr>
-              <a:t>S(</a:t>
-            </a:r>
-            <a:r>
-              <a:rPr lang="en-US" altLang="zh-CN" sz="2800" dirty="0">
-                <a:latin typeface="Meiryo" panose="020B0604030504040204" pitchFamily="34" charset="-128"/>
-                <a:ea typeface="Meiryo" panose="020B0604030504040204" pitchFamily="34" charset="-128"/>
-                <a:cs typeface="Meiryo" panose="020B0604030504040204" pitchFamily="34" charset="-128"/>
-              </a:rPr>
-              <a:t>directly </a:t>
-            </a:r>
-            <a:r>
-              <a:rPr lang="en-US" altLang="zh-CN" sz="2800" dirty="0">
-                <a:latin typeface="Meiryo" panose="020B0604030504040204" pitchFamily="34" charset="-128"/>
-                <a:ea typeface="Meiryo" panose="020B0604030504040204" pitchFamily="34" charset="-128"/>
-                <a:cs typeface="Meiryo" panose="020B0604030504040204" pitchFamily="34" charset="-128"/>
-              </a:rPr>
-              <a:t>searches for </a:t>
-            </a:r>
-            <a:r>
-              <a:rPr lang="en-US" altLang="zh-CN" sz="2800" dirty="0" smtClean="0">
-                <a:latin typeface="Meiryo" panose="020B0604030504040204" pitchFamily="34" charset="-128"/>
-                <a:ea typeface="Meiryo" panose="020B0604030504040204" pitchFamily="34" charset="-128"/>
-                <a:cs typeface="Meiryo" panose="020B0604030504040204" pitchFamily="34" charset="-128"/>
-              </a:rPr>
-              <a:t>semantically similar </a:t>
-            </a:r>
-            <a:r>
-              <a:rPr lang="en-US" altLang="zh-CN" sz="2800" dirty="0">
-                <a:latin typeface="Meiryo" panose="020B0604030504040204" pitchFamily="34" charset="-128"/>
-                <a:ea typeface="Meiryo" panose="020B0604030504040204" pitchFamily="34" charset="-128"/>
-                <a:cs typeface="Meiryo" panose="020B0604030504040204" pitchFamily="34" charset="-128"/>
-              </a:rPr>
-              <a:t>images in the style </a:t>
-            </a:r>
-            <a:r>
-              <a:rPr lang="en-US" altLang="zh-CN" sz="2800" dirty="0">
-                <a:latin typeface="Meiryo" panose="020B0604030504040204" pitchFamily="34" charset="-128"/>
-                <a:ea typeface="Meiryo" panose="020B0604030504040204" pitchFamily="34" charset="-128"/>
-                <a:cs typeface="Meiryo" panose="020B0604030504040204" pitchFamily="34" charset="-128"/>
-              </a:rPr>
-              <a:t>database</a:t>
+              </a:rPr>
+              <a:t>images in the style database</a:t>
             </a:r>
             <a:r>
               <a:rPr lang="en-US" altLang="zh-CN" sz="2800" dirty="0" smtClean="0">
@@ -24805,39 +24475,7 @@
                 <a:ea typeface="Meiryo" panose="020B0604030504040204" pitchFamily="34" charset="-128"/>
                 <a:cs typeface="Meiryo" panose="020B0604030504040204" pitchFamily="34" charset="-128"/>
               </a:rPr>
-              <a:t>users participated </a:t>
-            </a:r>
-            <a:r>
-              <a:rPr lang="en-US" altLang="zh-CN" sz="2800" dirty="0">
-                <a:latin typeface="Meiryo" panose="020B0604030504040204" pitchFamily="34" charset="-128"/>
-                <a:ea typeface="Meiryo" panose="020B0604030504040204" pitchFamily="34" charset="-128"/>
-                <a:cs typeface="Meiryo" panose="020B0604030504040204" pitchFamily="34" charset="-128"/>
-              </a:rPr>
-              <a:t>:rate </a:t>
-            </a:r>
-            <a:r>
-              <a:rPr lang="en-US" altLang="zh-CN" sz="2800" dirty="0">
-                <a:latin typeface="Meiryo" panose="020B0604030504040204" pitchFamily="34" charset="-128"/>
-                <a:ea typeface="Meiryo" panose="020B0604030504040204" pitchFamily="34" charset="-128"/>
-                <a:cs typeface="Meiryo" panose="020B0604030504040204" pitchFamily="34" charset="-128"/>
-              </a:rPr>
-              <a:t>the stylization quality </a:t>
-            </a:r>
-            <a:r>
-              <a:rPr lang="en-US" altLang="zh-CN" sz="2800" dirty="0">
-                <a:latin typeface="Meiryo" panose="020B0604030504040204" pitchFamily="34" charset="-128"/>
-                <a:ea typeface="Meiryo" panose="020B0604030504040204" pitchFamily="34" charset="-128"/>
-                <a:cs typeface="Meiryo" panose="020B0604030504040204" pitchFamily="34" charset="-128"/>
-              </a:rPr>
-              <a:t>of each </a:t>
-            </a:r>
-            <a:r>
-              <a:rPr lang="en-US" altLang="zh-CN" sz="2800" dirty="0">
-                <a:latin typeface="Meiryo" panose="020B0604030504040204" pitchFamily="34" charset="-128"/>
-                <a:ea typeface="Meiryo" panose="020B0604030504040204" pitchFamily="34" charset="-128"/>
-                <a:cs typeface="Meiryo" panose="020B0604030504040204" pitchFamily="34" charset="-128"/>
-              </a:rPr>
-              <a:t>group of results on a five-point Likert scale </a:t>
+              <a:t>users participated :rate the stylization quality of each group of results on a five-point Likert scale </a:t>
             </a:r>
             <a:r>
               <a:rPr lang="en-US" altLang="zh-CN" sz="2800" dirty="0" smtClean="0">
@@ -25238,7 +24876,15 @@
                 <a:ea typeface="Meiryo" panose="020B0604030504040204" pitchFamily="34" charset="-128"/>
                 <a:cs typeface="Meiryo" panose="020B0604030504040204" pitchFamily="34" charset="-128"/>
               </a:rPr>
-              <a:t>DIRECT </a:t>
+              <a:t>DIRECT 1500 (3.169 ± 0.444</a:t>
+            </a:r>
+            <a:r>
+              <a:rPr lang="en-US" altLang="zh-CN" sz="2800" dirty="0" smtClean="0">
+                <a:latin typeface="Meiryo" panose="020B0604030504040204" pitchFamily="34" charset="-128"/>
+                <a:ea typeface="Meiryo" panose="020B0604030504040204" pitchFamily="34" charset="-128"/>
+                <a:cs typeface="Meiryo" panose="020B0604030504040204" pitchFamily="34" charset="-128"/>
+              </a:rPr>
+              <a:t>) is </a:t>
             </a:r>
             <a:r>
               <a:rPr lang="en-US" altLang="zh-CN" sz="2800" dirty="0">
@@ -25246,29 +24892,8 @@
                 <a:ea typeface="Meiryo" panose="020B0604030504040204" pitchFamily="34" charset="-128"/>
                 <a:cs typeface="Meiryo" panose="020B0604030504040204" pitchFamily="34" charset="-128"/>
               </a:rPr>
-              <a:t>1500 (3.169 ± 0.444</a:t>
-            </a:r>
-            <a:r>
-              <a:rPr lang="en-US" altLang="zh-CN" sz="2800" dirty="0" smtClean="0">
-                <a:latin typeface="Meiryo" panose="020B0604030504040204" pitchFamily="34" charset="-128"/>
-                <a:ea typeface="Meiryo" panose="020B0604030504040204" pitchFamily="34" charset="-128"/>
-                <a:cs typeface="Meiryo" panose="020B0604030504040204" pitchFamily="34" charset="-128"/>
-              </a:rPr>
-              <a:t>) is </a:t>
-            </a:r>
-            <a:r>
-              <a:rPr lang="en-US" altLang="zh-CN" sz="2800" dirty="0">
-                <a:latin typeface="Meiryo" panose="020B0604030504040204" pitchFamily="34" charset="-128"/>
-                <a:ea typeface="Meiryo" panose="020B0604030504040204" pitchFamily="34" charset="-128"/>
-                <a:cs typeface="Meiryo" panose="020B0604030504040204" pitchFamily="34" charset="-128"/>
-              </a:rPr>
               <a:t>substantially worse than OURS 1500 </a:t>
             </a:r>
-            <a:endParaRPr lang="en-US" altLang="zh-CN" sz="2800" dirty="0">
-              <a:latin typeface="Meiryo" panose="020B0604030504040204" pitchFamily="34" charset="-128"/>
-              <a:ea typeface="Meiryo" panose="020B0604030504040204" pitchFamily="34" charset="-128"/>
-              <a:cs typeface="Meiryo" panose="020B0604030504040204" pitchFamily="34" charset="-128"/>
-            </a:endParaRPr>
           </a:p>
         </p:txBody>
       </p:sp>
@@ -25721,7 +25346,15 @@
                 <a:ea typeface="Meiryo" panose="020B0604030504040204" pitchFamily="34" charset="-128"/>
                 <a:cs typeface="Meiryo" panose="020B0604030504040204" pitchFamily="34" charset="-128"/>
               </a:rPr>
-              <a:t>the </a:t>
+              <a:t>the novel two-step style ranking algorithm </a:t>
+            </a:r>
+            <a:r>
+              <a:rPr lang="en-US" altLang="zh-CN" sz="2800" dirty="0" smtClean="0">
+                <a:latin typeface="Meiryo" panose="020B0604030504040204" pitchFamily="34" charset="-128"/>
+                <a:ea typeface="Meiryo" panose="020B0604030504040204" pitchFamily="34" charset="-128"/>
+                <a:cs typeface="Meiryo" panose="020B0604030504040204" pitchFamily="34" charset="-128"/>
+              </a:rPr>
+              <a:t>can learn </a:t>
             </a:r>
             <a:r>
               <a:rPr lang="en-US" altLang="zh-CN" sz="2800" dirty="0">
@@ -25729,63 +25362,7 @@
                 <a:ea typeface="Meiryo" panose="020B0604030504040204" pitchFamily="34" charset="-128"/>
                 <a:cs typeface="Meiryo" panose="020B0604030504040204" pitchFamily="34" charset="-128"/>
               </a:rPr>
-              <a:t>novel </a:t>
-            </a:r>
-            <a:r>
-              <a:rPr lang="en-US" altLang="zh-CN" sz="2800" dirty="0">
-                <a:latin typeface="Meiryo" panose="020B0604030504040204" pitchFamily="34" charset="-128"/>
-                <a:ea typeface="Meiryo" panose="020B0604030504040204" pitchFamily="34" charset="-128"/>
-                <a:cs typeface="Meiryo" panose="020B0604030504040204" pitchFamily="34" charset="-128"/>
-              </a:rPr>
-              <a:t>two-step style </a:t>
-            </a:r>
-            <a:r>
-              <a:rPr lang="en-US" altLang="zh-CN" sz="2800" dirty="0">
-                <a:latin typeface="Meiryo" panose="020B0604030504040204" pitchFamily="34" charset="-128"/>
-                <a:ea typeface="Meiryo" panose="020B0604030504040204" pitchFamily="34" charset="-128"/>
-                <a:cs typeface="Meiryo" panose="020B0604030504040204" pitchFamily="34" charset="-128"/>
-              </a:rPr>
-              <a:t>ranking algorithm </a:t>
-            </a:r>
-            <a:r>
-              <a:rPr lang="en-US" altLang="zh-CN" sz="2800" dirty="0" smtClean="0">
-                <a:latin typeface="Meiryo" panose="020B0604030504040204" pitchFamily="34" charset="-128"/>
-                <a:ea typeface="Meiryo" panose="020B0604030504040204" pitchFamily="34" charset="-128"/>
-                <a:cs typeface="Meiryo" panose="020B0604030504040204" pitchFamily="34" charset="-128"/>
-              </a:rPr>
-              <a:t>can learn </a:t>
-            </a:r>
-            <a:r>
-              <a:rPr lang="en-US" altLang="zh-CN" sz="2800" dirty="0">
-                <a:latin typeface="Meiryo" panose="020B0604030504040204" pitchFamily="34" charset="-128"/>
-                <a:ea typeface="Meiryo" panose="020B0604030504040204" pitchFamily="34" charset="-128"/>
-                <a:cs typeface="Meiryo" panose="020B0604030504040204" pitchFamily="34" charset="-128"/>
-              </a:rPr>
-              <a:t>the </a:t>
-            </a:r>
-            <a:r>
-              <a:rPr lang="en-US" altLang="zh-CN" sz="2800" dirty="0">
-                <a:latin typeface="Meiryo" panose="020B0604030504040204" pitchFamily="34" charset="-128"/>
-                <a:ea typeface="Meiryo" panose="020B0604030504040204" pitchFamily="34" charset="-128"/>
-                <a:cs typeface="Meiryo" panose="020B0604030504040204" pitchFamily="34" charset="-128"/>
-              </a:rPr>
-              <a:t>mapping between </a:t>
-            </a:r>
-            <a:r>
-              <a:rPr lang="en-US" altLang="zh-CN" sz="2800" dirty="0">
-                <a:latin typeface="Meiryo" panose="020B0604030504040204" pitchFamily="34" charset="-128"/>
-                <a:ea typeface="Meiryo" panose="020B0604030504040204" pitchFamily="34" charset="-128"/>
-                <a:cs typeface="Meiryo" panose="020B0604030504040204" pitchFamily="34" charset="-128"/>
-              </a:rPr>
-              <a:t>semantic content and style even with very few </a:t>
-            </a:r>
-            <a:r>
-              <a:rPr lang="en-US" altLang="zh-CN" sz="2800" dirty="0">
-                <a:latin typeface="Meiryo" panose="020B0604030504040204" pitchFamily="34" charset="-128"/>
-                <a:ea typeface="Meiryo" panose="020B0604030504040204" pitchFamily="34" charset="-128"/>
-                <a:cs typeface="Meiryo" panose="020B0604030504040204" pitchFamily="34" charset="-128"/>
-              </a:rPr>
-              <a:t>style examples </a:t>
+              <a:t>the mapping between semantic content and style even with very few style examples </a:t>
             </a:r>
           </a:p>
         </p:txBody>
@@ -26321,7 +25898,15 @@
                 <a:ea typeface="Meiryo" panose="020B0604030504040204" pitchFamily="34" charset="-128"/>
                 <a:cs typeface="Meiryo" panose="020B0604030504040204" pitchFamily="34" charset="-128"/>
               </a:rPr>
-              <a:t>mean score than {OURS </a:t>
+              <a:t>mean score than {OURS 1500, OURS 50, </a:t>
+            </a:r>
+            <a:r>
+              <a:rPr lang="en-US" altLang="zh-CN" sz="2800" dirty="0" smtClean="0">
+                <a:latin typeface="Meiryo" panose="020B0604030504040204" pitchFamily="34" charset="-128"/>
+                <a:ea typeface="Meiryo" panose="020B0604030504040204" pitchFamily="34" charset="-128"/>
+                <a:cs typeface="Meiryo" panose="020B0604030504040204" pitchFamily="34" charset="-128"/>
+              </a:rPr>
+              <a:t>DIRECT 1500</a:t>
             </a:r>
             <a:r>
               <a:rPr lang="en-US" altLang="zh-CN" sz="2800" dirty="0">
@@ -26329,37 +25914,8 @@
                 <a:ea typeface="Meiryo" panose="020B0604030504040204" pitchFamily="34" charset="-128"/>
                 <a:cs typeface="Meiryo" panose="020B0604030504040204" pitchFamily="34" charset="-128"/>
               </a:rPr>
-              <a:t>1500</a:t>
-            </a:r>
-            <a:r>
-              <a:rPr lang="en-US" altLang="zh-CN" sz="2800" dirty="0">
-                <a:latin typeface="Meiryo" panose="020B0604030504040204" pitchFamily="34" charset="-128"/>
-                <a:ea typeface="Meiryo" panose="020B0604030504040204" pitchFamily="34" charset="-128"/>
-                <a:cs typeface="Meiryo" panose="020B0604030504040204" pitchFamily="34" charset="-128"/>
-              </a:rPr>
-              <a:t>, OURS 50, </a:t>
-            </a:r>
-            <a:r>
-              <a:rPr lang="en-US" altLang="zh-CN" sz="2800" dirty="0" smtClean="0">
-                <a:latin typeface="Meiryo" panose="020B0604030504040204" pitchFamily="34" charset="-128"/>
-                <a:ea typeface="Meiryo" panose="020B0604030504040204" pitchFamily="34" charset="-128"/>
-                <a:cs typeface="Meiryo" panose="020B0604030504040204" pitchFamily="34" charset="-128"/>
-              </a:rPr>
-              <a:t>DIRECT 1500</a:t>
-            </a:r>
-            <a:r>
-              <a:rPr lang="en-US" altLang="zh-CN" sz="2800" dirty="0">
-                <a:latin typeface="Meiryo" panose="020B0604030504040204" pitchFamily="34" charset="-128"/>
-                <a:ea typeface="Meiryo" panose="020B0604030504040204" pitchFamily="34" charset="-128"/>
-                <a:cs typeface="Meiryo" panose="020B0604030504040204" pitchFamily="34" charset="-128"/>
-              </a:rPr>
               <a:t>} with the largest standard deviation of scores </a:t>
             </a:r>
-            <a:endParaRPr lang="en-US" altLang="zh-CN" sz="2800" dirty="0">
-              <a:latin typeface="Meiryo" panose="020B0604030504040204" pitchFamily="34" charset="-128"/>
-              <a:ea typeface="Meiryo" panose="020B0604030504040204" pitchFamily="34" charset="-128"/>
-              <a:cs typeface="Meiryo" panose="020B0604030504040204" pitchFamily="34" charset="-128"/>
-            </a:endParaRPr>
           </a:p>
         </p:txBody>
       </p:sp>
@@ -26547,45 +26103,8 @@
                 <a:ea typeface="Meiryo" panose="020B0604030504040204" pitchFamily="34" charset="-128"/>
                 <a:cs typeface="Meiryo" panose="020B0604030504040204" pitchFamily="34" charset="-128"/>
               </a:rPr>
-              <a:t>artist-created </a:t>
-            </a:r>
-            <a:r>
-              <a:rPr lang="en-US" altLang="zh-CN" sz="2800" dirty="0">
-                <a:latin typeface="Meiryo" panose="020B0604030504040204" pitchFamily="34" charset="-128"/>
-                <a:ea typeface="Meiryo" panose="020B0604030504040204" pitchFamily="34" charset="-128"/>
-                <a:cs typeface="Meiryo" panose="020B0604030504040204" pitchFamily="34" charset="-128"/>
-              </a:rPr>
-              <a:t>filters do </a:t>
-            </a:r>
-            <a:r>
-              <a:rPr lang="en-US" altLang="zh-CN" sz="2800" dirty="0">
-                <a:latin typeface="Meiryo" panose="020B0604030504040204" pitchFamily="34" charset="-128"/>
-                <a:ea typeface="Meiryo" panose="020B0604030504040204" pitchFamily="34" charset="-128"/>
-                <a:cs typeface="Meiryo" panose="020B0604030504040204" pitchFamily="34" charset="-128"/>
-              </a:rPr>
-              <a:t>not adapt to the content of the image in the same </a:t>
-            </a:r>
-            <a:r>
-              <a:rPr lang="en-US" altLang="zh-CN" sz="2800" dirty="0">
-                <a:latin typeface="Meiryo" panose="020B0604030504040204" pitchFamily="34" charset="-128"/>
-                <a:ea typeface="Meiryo" panose="020B0604030504040204" pitchFamily="34" charset="-128"/>
-                <a:cs typeface="Meiryo" panose="020B0604030504040204" pitchFamily="34" charset="-128"/>
-              </a:rPr>
-              <a:t>way our </a:t>
-            </a:r>
-            <a:r>
-              <a:rPr lang="en-US" altLang="zh-CN" sz="2800" dirty="0">
-                <a:latin typeface="Meiryo" panose="020B0604030504040204" pitchFamily="34" charset="-128"/>
-                <a:ea typeface="Meiryo" panose="020B0604030504040204" pitchFamily="34" charset="-128"/>
-                <a:cs typeface="Meiryo" panose="020B0604030504040204" pitchFamily="34" charset="-128"/>
-              </a:rPr>
-              <a:t>example-based style transfer technique does. </a:t>
-            </a:r>
-            <a:endParaRPr lang="en-US" altLang="zh-CN" sz="2800" dirty="0">
-              <a:latin typeface="Meiryo" panose="020B0604030504040204" pitchFamily="34" charset="-128"/>
-              <a:ea typeface="Meiryo" panose="020B0604030504040204" pitchFamily="34" charset="-128"/>
-              <a:cs typeface="Meiryo" panose="020B0604030504040204" pitchFamily="34" charset="-128"/>
-            </a:endParaRPr>
+              <a:t>artist-created filters do not adapt to the content of the image in the same way our example-based style transfer technique does. </a:t>
+            </a:r>
           </a:p>
         </p:txBody>
       </p:sp>
@@ -26813,11 +26332,6 @@
               </a:rPr>
               <a:t>might be uncomfortable with the aggressive stylizations of a professional </a:t>
             </a:r>
-            <a:endParaRPr lang="en-US" altLang="zh-CN" sz="2800" dirty="0">
-              <a:latin typeface="Meiryo" panose="020B0604030504040204" pitchFamily="34" charset="-128"/>
-              <a:ea typeface="Meiryo" panose="020B0604030504040204" pitchFamily="34" charset="-128"/>
-              <a:cs typeface="Meiryo" panose="020B0604030504040204" pitchFamily="34" charset="-128"/>
-            </a:endParaRPr>
           </a:p>
           <a:p>
             <a:pPr lvl="3" indent="-457200">
@@ -27549,15 +27063,7 @@
                 <a:ea typeface="Meiryo" panose="020B0604030504040204" pitchFamily="34" charset="-128"/>
                 <a:cs typeface="Meiryo" panose="020B0604030504040204" pitchFamily="34" charset="-128"/>
               </a:rPr>
-              <a:t>input </a:t>
-            </a:r>
-            <a:r>
-              <a:rPr lang="en-US" altLang="zh-CN" sz="2800" dirty="0">
-                <a:latin typeface="Meiryo" panose="020B0604030504040204" pitchFamily="34" charset="-128"/>
-                <a:ea typeface="Meiryo" panose="020B0604030504040204" pitchFamily="34" charset="-128"/>
-                <a:cs typeface="Meiryo" panose="020B0604030504040204" pitchFamily="34" charset="-128"/>
-              </a:rPr>
-              <a:t>photograph</a:t>
+              <a:t>input photograph</a:t>
             </a:r>
           </a:p>
           <a:p>
@@ -27591,23 +27097,7 @@
                 <a:ea typeface="Meiryo" panose="020B0604030504040204" pitchFamily="34" charset="-128"/>
                 <a:cs typeface="Meiryo" panose="020B0604030504040204" pitchFamily="34" charset="-128"/>
               </a:rPr>
-              <a:t>A randomly </a:t>
-            </a:r>
-            <a:r>
-              <a:rPr lang="en-US" altLang="zh-CN" sz="2800" dirty="0">
-                <a:latin typeface="Meiryo" panose="020B0604030504040204" pitchFamily="34" charset="-128"/>
-                <a:ea typeface="Meiryo" panose="020B0604030504040204" pitchFamily="34" charset="-128"/>
-                <a:cs typeface="Meiryo" panose="020B0604030504040204" pitchFamily="34" charset="-128"/>
-              </a:rPr>
-              <a:t>arranged set of five stylized images created </a:t>
-            </a:r>
-            <a:r>
-              <a:rPr lang="en-US" altLang="zh-CN" sz="2800" dirty="0">
-                <a:latin typeface="Meiryo" panose="020B0604030504040204" pitchFamily="34" charset="-128"/>
-                <a:ea typeface="Meiryo" panose="020B0604030504040204" pitchFamily="34" charset="-128"/>
-                <a:cs typeface="Meiryo" panose="020B0604030504040204" pitchFamily="34" charset="-128"/>
-              </a:rPr>
-              <a:t>using the </a:t>
+              <a:t>A randomly arranged set of five stylized images created using the </a:t>
             </a:r>
             <a:r>
               <a:rPr lang="en-US" altLang="zh-CN" sz="2800" dirty="0" smtClean="0">
@@ -28664,20 +28154,6 @@
               </a:rPr>
               <a:t>Conclusion</a:t>
             </a:r>
-            <a:endParaRPr lang="en-US" altLang="zh-CN" sz="5400" b="1" dirty="0" smtClean="0">
-              <a:solidFill>
-                <a:schemeClr val="accent2"/>
-              </a:solidFill>
-              <a:effectLst>
-                <a:outerShdw blurRad="38100" dist="38100" dir="2700000" algn="tl">
-                  <a:srgbClr val="000000">
-                    <a:alpha val="43137"/>
-                  </a:srgbClr>
-                </a:outerShdw>
-              </a:effectLst>
-              <a:latin typeface="微软雅黑" panose="020B0503020204020204" pitchFamily="34" charset="-122"/>
-              <a:ea typeface="微软雅黑" panose="020B0503020204020204" pitchFamily="34" charset="-122"/>
-            </a:endParaRPr>
           </a:p>
         </p:txBody>
       </p:sp>
@@ -29322,24 +28798,7 @@
                 <a:latin typeface="微软雅黑" panose="020B0503020204020204" pitchFamily="34" charset="-122"/>
                 <a:ea typeface="微软雅黑" panose="020B0503020204020204" pitchFamily="34" charset="-122"/>
               </a:rPr>
-              <a:t>Thank you </a:t>
-            </a:r>
-            <a:r>
-              <a:rPr lang="en-US" altLang="zh-CN" sz="6000" b="1" dirty="0" smtClean="0">
-                <a:solidFill>
-                  <a:schemeClr val="accent2"/>
-                </a:solidFill>
-                <a:effectLst>
-                  <a:outerShdw blurRad="38100" dist="38100" dir="2700000" algn="tl">
-                    <a:srgbClr val="000000">
-                      <a:alpha val="43137"/>
-                    </a:srgbClr>
-                  </a:outerShdw>
-                </a:effectLst>
-                <a:latin typeface="微软雅黑" panose="020B0503020204020204" pitchFamily="34" charset="-122"/>
-                <a:ea typeface="微软雅黑" panose="020B0503020204020204" pitchFamily="34" charset="-122"/>
-              </a:rPr>
-              <a:t>~</a:t>
+              <a:t>Thank you ~</a:t>
             </a:r>
             <a:endParaRPr lang="en-US" altLang="zh-CN" sz="6000" b="1" dirty="0">
               <a:solidFill>
@@ -29578,23 +29037,7 @@
                 <a:ea typeface="Meiryo" panose="020B0604030504040204" pitchFamily="34" charset="-128"/>
                 <a:cs typeface="Meiryo" panose="020B0604030504040204" pitchFamily="34" charset="-128"/>
               </a:rPr>
-              <a:t>Define stylizations as global </a:t>
-            </a:r>
-            <a:r>
-              <a:rPr lang="en-US" altLang="zh-CN" sz="2800" dirty="0" smtClean="0">
-                <a:latin typeface="Meiryo" panose="020B0604030504040204" pitchFamily="34" charset="-128"/>
-                <a:ea typeface="Meiryo" panose="020B0604030504040204" pitchFamily="34" charset="-128"/>
-                <a:cs typeface="Meiryo" panose="020B0604030504040204" pitchFamily="34" charset="-128"/>
-              </a:rPr>
-              <a:t>transformations </a:t>
-            </a:r>
-            <a:r>
-              <a:rPr lang="en-US" altLang="zh-CN" sz="2800" dirty="0" smtClean="0">
-                <a:latin typeface="Meiryo" panose="020B0604030504040204" pitchFamily="34" charset="-128"/>
-                <a:ea typeface="Meiryo" panose="020B0604030504040204" pitchFamily="34" charset="-128"/>
-                <a:cs typeface="Meiryo" panose="020B0604030504040204" pitchFamily="34" charset="-128"/>
-              </a:rPr>
-              <a:t>of color and luminance</a:t>
+              <a:t>Define stylizations as global transformations of color and luminance</a:t>
             </a:r>
           </a:p>
           <a:p>
@@ -29613,11 +29056,6 @@
               </a:rPr>
               <a:t>Unsupervised </a:t>
             </a:r>
-            <a:endParaRPr lang="en-US" altLang="zh-CN" sz="2800" dirty="0" smtClean="0">
-              <a:latin typeface="Meiryo" panose="020B0604030504040204" pitchFamily="34" charset="-128"/>
-              <a:ea typeface="Meiryo" panose="020B0604030504040204" pitchFamily="34" charset="-128"/>
-              <a:cs typeface="Meiryo" panose="020B0604030504040204" pitchFamily="34" charset="-128"/>
-            </a:endParaRPr>
           </a:p>
         </p:txBody>
       </p:sp>
@@ -29799,7 +29237,15 @@
                 <a:ea typeface="Meiryo" panose="020B0604030504040204" pitchFamily="34" charset="-128"/>
                 <a:cs typeface="Meiryo" panose="020B0604030504040204" pitchFamily="34" charset="-128"/>
               </a:rPr>
-              <a:t>Target style </a:t>
+              <a:t>Target style database, </a:t>
+            </a:r>
+            <a:r>
+              <a:rPr lang="en-US" altLang="zh-CN" sz="2800" b="1" dirty="0" smtClean="0">
+                <a:latin typeface="Meiryo" panose="020B0604030504040204" pitchFamily="34" charset="-128"/>
+                <a:ea typeface="Meiryo" panose="020B0604030504040204" pitchFamily="34" charset="-128"/>
+                <a:cs typeface="Meiryo" panose="020B0604030504040204" pitchFamily="34" charset="-128"/>
+              </a:rPr>
+              <a:t>S</a:t>
             </a:r>
             <a:r>
               <a:rPr lang="en-US" altLang="zh-CN" sz="2800" dirty="0" smtClean="0">
@@ -29807,29 +29253,8 @@
                 <a:ea typeface="Meiryo" panose="020B0604030504040204" pitchFamily="34" charset="-128"/>
                 <a:cs typeface="Meiryo" panose="020B0604030504040204" pitchFamily="34" charset="-128"/>
               </a:rPr>
-              <a:t>database, </a:t>
-            </a:r>
-            <a:r>
-              <a:rPr lang="en-US" altLang="zh-CN" sz="2800" b="1" dirty="0" smtClean="0">
-                <a:latin typeface="Meiryo" panose="020B0604030504040204" pitchFamily="34" charset="-128"/>
-                <a:ea typeface="Meiryo" panose="020B0604030504040204" pitchFamily="34" charset="-128"/>
-                <a:cs typeface="Meiryo" panose="020B0604030504040204" pitchFamily="34" charset="-128"/>
-              </a:rPr>
-              <a:t>S</a:t>
-            </a:r>
-            <a:r>
-              <a:rPr lang="en-US" altLang="zh-CN" sz="2800" dirty="0" smtClean="0">
-                <a:latin typeface="Meiryo" panose="020B0604030504040204" pitchFamily="34" charset="-128"/>
-                <a:ea typeface="Meiryo" panose="020B0604030504040204" pitchFamily="34" charset="-128"/>
-                <a:cs typeface="Meiryo" panose="020B0604030504040204" pitchFamily="34" charset="-128"/>
-              </a:rPr>
               <a:t>(small, not enough):</a:t>
             </a:r>
-            <a:endParaRPr lang="en-US" altLang="zh-CN" sz="2800" dirty="0" smtClean="0">
-              <a:latin typeface="Meiryo" panose="020B0604030504040204" pitchFamily="34" charset="-128"/>
-              <a:ea typeface="Meiryo" panose="020B0604030504040204" pitchFamily="34" charset="-128"/>
-              <a:cs typeface="Meiryo" panose="020B0604030504040204" pitchFamily="34" charset="-128"/>
-            </a:endParaRPr>
           </a:p>
           <a:p>
             <a:pPr marL="1257300" lvl="2" indent="-342900">
@@ -29845,15 +29270,7 @@
                 <a:ea typeface="Meiryo" panose="020B0604030504040204" pitchFamily="34" charset="-128"/>
                 <a:cs typeface="Meiryo" panose="020B0604030504040204" pitchFamily="34" charset="-128"/>
               </a:rPr>
-              <a:t>1500 stylized exemplar images(good styles</a:t>
-            </a:r>
-            <a:r>
-              <a:rPr lang="en-US" altLang="zh-CN" sz="2800" dirty="0" smtClean="0">
-                <a:latin typeface="Meiryo" panose="020B0604030504040204" pitchFamily="34" charset="-128"/>
-                <a:ea typeface="Meiryo" panose="020B0604030504040204" pitchFamily="34" charset="-128"/>
-                <a:cs typeface="Meiryo" panose="020B0604030504040204" pitchFamily="34" charset="-128"/>
-              </a:rPr>
-              <a:t>)</a:t>
+              <a:t>1500 stylized exemplar images(good styles)</a:t>
             </a:r>
           </a:p>
           <a:p>
@@ -29872,11 +29289,6 @@
               </a:rPr>
               <a:t>Automatically select the style from here</a:t>
             </a:r>
-            <a:endParaRPr lang="en-US" altLang="zh-CN" sz="2800" dirty="0" smtClean="0">
-              <a:latin typeface="Meiryo" panose="020B0604030504040204" pitchFamily="34" charset="-128"/>
-              <a:ea typeface="Meiryo" panose="020B0604030504040204" pitchFamily="34" charset="-128"/>
-              <a:cs typeface="Meiryo" panose="020B0604030504040204" pitchFamily="34" charset="-128"/>
-            </a:endParaRPr>
           </a:p>
           <a:p>
             <a:pPr marL="800100" lvl="1" indent="-342900">
@@ -29892,15 +29304,7 @@
                 <a:ea typeface="Meiryo" panose="020B0604030504040204" pitchFamily="34" charset="-128"/>
                 <a:cs typeface="Meiryo" panose="020B0604030504040204" pitchFamily="34" charset="-128"/>
               </a:rPr>
-              <a:t>A large photo </a:t>
-            </a:r>
-            <a:r>
-              <a:rPr lang="en-US" altLang="zh-CN" sz="2800" dirty="0" smtClean="0">
-                <a:latin typeface="Meiryo" panose="020B0604030504040204" pitchFamily="34" charset="-128"/>
-                <a:ea typeface="Meiryo" panose="020B0604030504040204" pitchFamily="34" charset="-128"/>
-                <a:cs typeface="Meiryo" panose="020B0604030504040204" pitchFamily="34" charset="-128"/>
-              </a:rPr>
-              <a:t>collection, </a:t>
+              <a:t>A large photo collection, </a:t>
             </a:r>
             <a:r>
               <a:rPr lang="en-US" altLang="zh-CN" sz="2800" b="1" dirty="0" smtClean="0">
@@ -29935,11 +29339,6 @@
               </a:rPr>
               <a:t>Millions(‘All’ styles &amp; Semantic content) </a:t>
             </a:r>
-            <a:endParaRPr lang="en-US" altLang="zh-CN" sz="2800" dirty="0" smtClean="0">
-              <a:latin typeface="Meiryo" panose="020B0604030504040204" pitchFamily="34" charset="-128"/>
-              <a:ea typeface="Meiryo" panose="020B0604030504040204" pitchFamily="34" charset="-128"/>
-              <a:cs typeface="Meiryo" panose="020B0604030504040204" pitchFamily="34" charset="-128"/>
-            </a:endParaRPr>
           </a:p>
         </p:txBody>
       </p:sp>
@@ -30157,11 +29556,6 @@
               </a:rPr>
               <a:t>Unsupervised </a:t>
             </a:r>
-            <a:endParaRPr lang="en-US" altLang="zh-CN" sz="2800" dirty="0" smtClean="0">
-              <a:latin typeface="Meiryo" panose="020B0604030504040204" pitchFamily="34" charset="-128"/>
-              <a:ea typeface="Meiryo" panose="020B0604030504040204" pitchFamily="34" charset="-128"/>
-              <a:cs typeface="Meiryo" panose="020B0604030504040204" pitchFamily="34" charset="-128"/>
-            </a:endParaRPr>
           </a:p>
         </p:txBody>
       </p:sp>
@@ -30499,7 +29893,7 @@
   <a:extraClrSchemeLst/>
   <a:extLst>
     <a:ext uri="{05A4C25C-085E-4340-85A3-A5531E510DB2}">
-      <thm15:themeFamily xmlns:thm15="http://schemas.microsoft.com/office/thememl/2012/main" xmlns="" name="Office Theme" id="{62F939B6-93AF-4DB8-9C6B-D6C7DFDC589F}" vid="{4A3C46E8-61CC-4603-A589-7422A47A8E4A}"/>
+      <thm15:themeFamily xmlns="" xmlns:thm15="http://schemas.microsoft.com/office/thememl/2012/main" name="Office Theme" id="{62F939B6-93AF-4DB8-9C6B-D6C7DFDC589F}" vid="{4A3C46E8-61CC-4603-A589-7422A47A8E4A}"/>
     </a:ext>
   </a:extLst>
 </a:theme>
@@ -30760,7 +30154,7 @@
   <a:extraClrSchemeLst/>
   <a:extLst>
     <a:ext uri="{05A4C25C-085E-4340-85A3-A5531E510DB2}">
-      <thm15:themeFamily xmlns:thm15="http://schemas.microsoft.com/office/thememl/2012/main" xmlns="" name="Office Theme" id="{62F939B6-93AF-4DB8-9C6B-D6C7DFDC589F}" vid="{4A3C46E8-61CC-4603-A589-7422A47A8E4A}"/>
+      <thm15:themeFamily xmlns="" xmlns:thm15="http://schemas.microsoft.com/office/thememl/2012/main" name="Office Theme" id="{62F939B6-93AF-4DB8-9C6B-D6C7DFDC589F}" vid="{4A3C46E8-61CC-4603-A589-7422A47A8E4A}"/>
     </a:ext>
   </a:extLst>
 </a:theme>
